--- a/C++课件.pptx
+++ b/C++课件.pptx
@@ -5,34 +5,39 @@
     <p:sldMasterId id="2147483648" r:id="rId1"/>
   </p:sldMasterIdLst>
   <p:notesMasterIdLst>
-    <p:notesMasterId r:id="rId27"/>
+    <p:notesMasterId r:id="rId32"/>
   </p:notesMasterIdLst>
   <p:sldIdLst>
     <p:sldId id="256" r:id="rId2"/>
     <p:sldId id="257" r:id="rId3"/>
     <p:sldId id="269" r:id="rId4"/>
-    <p:sldId id="265" r:id="rId5"/>
-    <p:sldId id="275" r:id="rId6"/>
-    <p:sldId id="276" r:id="rId7"/>
-    <p:sldId id="278" r:id="rId8"/>
-    <p:sldId id="279" r:id="rId9"/>
-    <p:sldId id="280" r:id="rId10"/>
-    <p:sldId id="281" r:id="rId11"/>
-    <p:sldId id="282" r:id="rId12"/>
-    <p:sldId id="283" r:id="rId13"/>
-    <p:sldId id="284" r:id="rId14"/>
-    <p:sldId id="285" r:id="rId15"/>
-    <p:sldId id="270" r:id="rId16"/>
-    <p:sldId id="258" r:id="rId17"/>
-    <p:sldId id="260" r:id="rId18"/>
-    <p:sldId id="261" r:id="rId19"/>
-    <p:sldId id="263" r:id="rId20"/>
-    <p:sldId id="267" r:id="rId21"/>
-    <p:sldId id="268" r:id="rId22"/>
-    <p:sldId id="271" r:id="rId23"/>
-    <p:sldId id="272" r:id="rId24"/>
-    <p:sldId id="273" r:id="rId25"/>
-    <p:sldId id="274" r:id="rId26"/>
+    <p:sldId id="286" r:id="rId5"/>
+    <p:sldId id="265" r:id="rId6"/>
+    <p:sldId id="275" r:id="rId7"/>
+    <p:sldId id="276" r:id="rId8"/>
+    <p:sldId id="278" r:id="rId9"/>
+    <p:sldId id="279" r:id="rId10"/>
+    <p:sldId id="280" r:id="rId11"/>
+    <p:sldId id="281" r:id="rId12"/>
+    <p:sldId id="282" r:id="rId13"/>
+    <p:sldId id="283" r:id="rId14"/>
+    <p:sldId id="284" r:id="rId15"/>
+    <p:sldId id="285" r:id="rId16"/>
+    <p:sldId id="287" r:id="rId17"/>
+    <p:sldId id="288" r:id="rId18"/>
+    <p:sldId id="289" r:id="rId19"/>
+    <p:sldId id="290" r:id="rId20"/>
+    <p:sldId id="270" r:id="rId21"/>
+    <p:sldId id="258" r:id="rId22"/>
+    <p:sldId id="260" r:id="rId23"/>
+    <p:sldId id="261" r:id="rId24"/>
+    <p:sldId id="263" r:id="rId25"/>
+    <p:sldId id="267" r:id="rId26"/>
+    <p:sldId id="268" r:id="rId27"/>
+    <p:sldId id="271" r:id="rId28"/>
+    <p:sldId id="272" r:id="rId29"/>
+    <p:sldId id="273" r:id="rId30"/>
+    <p:sldId id="274" r:id="rId31"/>
   </p:sldIdLst>
   <p:sldSz cx="12192000" cy="6858000"/>
   <p:notesSz cx="6858000" cy="9144000"/>
@@ -221,7 +226,7 @@
           <a:p>
             <a:fld id="{C763DFBC-BC7B-44D2-9277-A1640CE38A00}" type="datetimeFigureOut">
               <a:rPr lang="zh-CN" altLang="en-US" smtClean="0"/>
-              <a:t>2023/12/12</a:t>
+              <a:t>2023/12/13</a:t>
             </a:fld>
             <a:endParaRPr lang="zh-CN" altLang="en-US"/>
           </a:p>
@@ -864,7 +869,7 @@
           <a:p>
             <a:fld id="{0111EF2A-CA54-46BA-9D19-E4C580B41F03}" type="slidenum">
               <a:rPr lang="zh-CN" altLang="en-US" smtClean="0"/>
-              <a:t>12</a:t>
+              <a:t>13</a:t>
             </a:fld>
             <a:endParaRPr lang="zh-CN" altLang="en-US"/>
           </a:p>
@@ -1188,7 +1193,7 @@
           <a:p>
             <a:fld id="{0111EF2A-CA54-46BA-9D19-E4C580B41F03}" type="slidenum">
               <a:rPr lang="zh-CN" altLang="en-US" smtClean="0"/>
-              <a:t>13</a:t>
+              <a:t>14</a:t>
             </a:fld>
             <a:endParaRPr lang="zh-CN" altLang="en-US"/>
           </a:p>
@@ -1272,7 +1277,7 @@
           <a:p>
             <a:fld id="{0111EF2A-CA54-46BA-9D19-E4C580B41F03}" type="slidenum">
               <a:rPr lang="zh-CN" altLang="en-US" smtClean="0"/>
-              <a:t>14</a:t>
+              <a:t>15</a:t>
             </a:fld>
             <a:endParaRPr lang="zh-CN" altLang="en-US"/>
           </a:p>
@@ -1335,38 +1340,308 @@
           <a:bodyPr/>
           <a:lstStyle/>
           <a:p>
-            <a:pPr marL="0" marR="0" lvl="0" indent="0" algn="l" defTabSz="914400" rtl="0" eaLnBrk="1" fontAlgn="auto" latinLnBrk="0" hangingPunct="1">
-              <a:lnSpc>
-                <a:spcPct val="100000"/>
-              </a:lnSpc>
-              <a:spcBef>
-                <a:spcPts val="0"/>
-              </a:spcBef>
-              <a:spcAft>
-                <a:spcPts val="0"/>
-              </a:spcAft>
-              <a:buClrTx/>
-              <a:buSzTx/>
-              <a:buFontTx/>
-              <a:buNone/>
-              <a:tabLst/>
-              <a:defRPr/>
-            </a:pPr>
+            <a:r>
+              <a:rPr lang="en-US" altLang="zh-CN" dirty="0"/>
+              <a:t>#include &lt;iostream&gt;</a:t>
+            </a:r>
+          </a:p>
+          <a:p>
+            <a:r>
+              <a:rPr lang="en-US" altLang="zh-CN" dirty="0"/>
+              <a:t>#include &lt;string&gt;</a:t>
+            </a:r>
+          </a:p>
+          <a:p>
+            <a:endParaRPr lang="en-US" altLang="zh-CN" dirty="0"/>
+          </a:p>
+          <a:p>
+            <a:r>
+              <a:rPr lang="en-US" altLang="zh-CN" dirty="0"/>
+              <a:t>using std::string;</a:t>
+            </a:r>
+          </a:p>
+          <a:p>
+            <a:r>
+              <a:rPr lang="en-US" altLang="zh-CN" dirty="0"/>
+              <a:t>using std::</a:t>
+            </a:r>
+            <a:r>
+              <a:rPr lang="en-US" altLang="zh-CN" dirty="0" err="1"/>
+              <a:t>cin</a:t>
+            </a:r>
+            <a:r>
+              <a:rPr lang="en-US" altLang="zh-CN" dirty="0"/>
+              <a:t>;</a:t>
+            </a:r>
+          </a:p>
+          <a:p>
+            <a:r>
+              <a:rPr lang="en-US" altLang="zh-CN" dirty="0"/>
+              <a:t>using std::</a:t>
+            </a:r>
+            <a:r>
+              <a:rPr lang="en-US" altLang="zh-CN" dirty="0" err="1"/>
+              <a:t>cout</a:t>
+            </a:r>
+            <a:r>
+              <a:rPr lang="en-US" altLang="zh-CN" dirty="0"/>
+              <a:t>;</a:t>
+            </a:r>
+          </a:p>
+          <a:p>
+            <a:r>
+              <a:rPr lang="en-US" altLang="zh-CN" dirty="0"/>
+              <a:t>using std::endl;</a:t>
+            </a:r>
+          </a:p>
+          <a:p>
+            <a:r>
+              <a:rPr lang="en-US" altLang="zh-CN" dirty="0"/>
+              <a:t>using std::</a:t>
+            </a:r>
+            <a:r>
+              <a:rPr lang="en-US" altLang="zh-CN" dirty="0" err="1"/>
+              <a:t>getline</a:t>
+            </a:r>
+            <a:r>
+              <a:rPr lang="en-US" altLang="zh-CN" dirty="0"/>
+              <a:t>;</a:t>
+            </a:r>
+          </a:p>
+          <a:p>
+            <a:r>
+              <a:rPr lang="en-US" altLang="zh-CN" dirty="0"/>
+              <a:t>//</a:t>
+            </a:r>
             <a:r>
               <a:rPr lang="zh-CN" altLang="en-US" dirty="0"/>
-              <a:t>两个</a:t>
+              <a:t>读一行</a:t>
+            </a:r>
+            <a:endParaRPr lang="en-US" altLang="zh-CN" dirty="0"/>
+          </a:p>
+          <a:p>
+            <a:r>
+              <a:rPr lang="en-US" altLang="zh-CN" dirty="0"/>
+              <a:t>int main()</a:t>
+            </a:r>
+          </a:p>
+          <a:p>
+            <a:r>
+              <a:rPr lang="en-US" altLang="zh-CN" dirty="0"/>
+              <a:t>{</a:t>
+            </a:r>
+          </a:p>
+          <a:p>
+            <a:r>
+              <a:rPr lang="en-US" altLang="zh-CN" dirty="0"/>
+              <a:t>	string s;</a:t>
+            </a:r>
+          </a:p>
+          <a:p>
+            <a:r>
+              <a:rPr lang="en-US" altLang="zh-CN" dirty="0"/>
+              <a:t>	while (</a:t>
             </a:r>
             <a:r>
               <a:rPr lang="en-US" altLang="zh-CN" dirty="0" err="1"/>
-              <a:t>cpp</a:t>
+              <a:t>getline</a:t>
+            </a:r>
+            <a:r>
+              <a:rPr lang="en-US" altLang="zh-CN" dirty="0"/>
+              <a:t>(</a:t>
+            </a:r>
+            <a:r>
+              <a:rPr lang="en-US" altLang="zh-CN" dirty="0" err="1"/>
+              <a:t>cin,s</a:t>
+            </a:r>
+            <a:r>
+              <a:rPr lang="en-US" altLang="zh-CN" dirty="0"/>
+              <a:t>))</a:t>
+            </a:r>
+          </a:p>
+          <a:p>
+            <a:r>
+              <a:rPr lang="en-US" altLang="zh-CN" dirty="0"/>
+              <a:t>	{</a:t>
+            </a:r>
+          </a:p>
+          <a:p>
+            <a:r>
+              <a:rPr lang="en-US" altLang="zh-CN" dirty="0"/>
+              <a:t>		</a:t>
+            </a:r>
+            <a:r>
+              <a:rPr lang="en-US" altLang="zh-CN" dirty="0" err="1"/>
+              <a:t>cout</a:t>
+            </a:r>
+            <a:r>
+              <a:rPr lang="en-US" altLang="zh-CN" dirty="0"/>
+              <a:t> &lt;&lt; s &lt;&lt; endl;</a:t>
+            </a:r>
+          </a:p>
+          <a:p>
+            <a:r>
+              <a:rPr lang="en-US" altLang="zh-CN" dirty="0"/>
+              <a:t>	}</a:t>
+            </a:r>
+          </a:p>
+          <a:p>
+            <a:r>
+              <a:rPr lang="en-US" altLang="zh-CN" dirty="0"/>
+              <a:t>	return 0;</a:t>
+            </a:r>
+          </a:p>
+          <a:p>
+            <a:r>
+              <a:rPr lang="en-US" altLang="zh-CN" dirty="0"/>
+              <a:t>}</a:t>
+            </a:r>
+          </a:p>
+          <a:p>
+            <a:endParaRPr lang="en-US" altLang="zh-CN" dirty="0"/>
+          </a:p>
+          <a:p>
+            <a:r>
+              <a:rPr lang="en-US" altLang="zh-CN" dirty="0"/>
+              <a:t>//</a:t>
             </a:r>
             <a:r>
               <a:rPr lang="zh-CN" altLang="en-US" dirty="0"/>
-              <a:t>需要用到同一个变量，如果要在多个文件中使用同一个变量，必须将声明和定义分开</a:t>
-            </a:r>
-          </a:p>
-          <a:p>
+              <a:t>读一个</a:t>
+            </a:r>
+            <a:endParaRPr lang="en-US" altLang="zh-CN" dirty="0"/>
+          </a:p>
+          <a:p>
+            <a:r>
+              <a:rPr lang="en-US" altLang="zh-CN" dirty="0"/>
+              <a:t>#include &lt;iostream&gt;</a:t>
+            </a:r>
+          </a:p>
+          <a:p>
+            <a:r>
+              <a:rPr lang="en-US" altLang="zh-CN" dirty="0"/>
+              <a:t>#include &lt;string&gt;</a:t>
+            </a:r>
+          </a:p>
+          <a:p>
+            <a:endParaRPr lang="en-US" altLang="zh-CN" dirty="0"/>
+          </a:p>
+          <a:p>
+            <a:r>
+              <a:rPr lang="en-US" altLang="zh-CN" dirty="0"/>
+              <a:t>using std::string;</a:t>
+            </a:r>
+          </a:p>
+          <a:p>
+            <a:r>
+              <a:rPr lang="en-US" altLang="zh-CN" dirty="0"/>
+              <a:t>using std::</a:t>
+            </a:r>
+            <a:r>
+              <a:rPr lang="en-US" altLang="zh-CN" dirty="0" err="1"/>
+              <a:t>cin</a:t>
+            </a:r>
+            <a:r>
+              <a:rPr lang="en-US" altLang="zh-CN" dirty="0"/>
+              <a:t>;</a:t>
+            </a:r>
+          </a:p>
+          <a:p>
+            <a:r>
+              <a:rPr lang="en-US" altLang="zh-CN" dirty="0"/>
+              <a:t>using std::</a:t>
+            </a:r>
+            <a:r>
+              <a:rPr lang="en-US" altLang="zh-CN" dirty="0" err="1"/>
+              <a:t>cout</a:t>
+            </a:r>
+            <a:r>
+              <a:rPr lang="en-US" altLang="zh-CN" dirty="0"/>
+              <a:t>;</a:t>
+            </a:r>
+          </a:p>
+          <a:p>
+            <a:r>
+              <a:rPr lang="en-US" altLang="zh-CN" dirty="0"/>
+              <a:t>using std::endl;</a:t>
+            </a:r>
+          </a:p>
+          <a:p>
+            <a:endParaRPr lang="en-US" altLang="zh-CN" dirty="0"/>
+          </a:p>
+          <a:p>
+            <a:r>
+              <a:rPr lang="en-US" altLang="zh-CN" dirty="0"/>
+              <a:t>int main()</a:t>
+            </a:r>
+          </a:p>
+          <a:p>
+            <a:r>
+              <a:rPr lang="en-US" altLang="zh-CN" dirty="0"/>
+              <a:t>{</a:t>
+            </a:r>
+          </a:p>
+          <a:p>
+            <a:r>
+              <a:rPr lang="en-US" altLang="zh-CN" dirty="0"/>
+              <a:t>	string s;</a:t>
+            </a:r>
+          </a:p>
+          <a:p>
+            <a:r>
+              <a:rPr lang="en-US" altLang="zh-CN" dirty="0"/>
+              <a:t>	while (</a:t>
+            </a:r>
+            <a:r>
+              <a:rPr lang="en-US" altLang="zh-CN" dirty="0" err="1"/>
+              <a:t>cin</a:t>
+            </a:r>
+            <a:r>
+              <a:rPr lang="en-US" altLang="zh-CN" dirty="0"/>
+              <a:t> &gt;&gt; s)</a:t>
+            </a:r>
+          </a:p>
+          <a:p>
+            <a:r>
+              <a:rPr lang="en-US" altLang="zh-CN" dirty="0"/>
+              <a:t>	{</a:t>
+            </a:r>
+          </a:p>
+          <a:p>
+            <a:r>
+              <a:rPr lang="en-US" altLang="zh-CN" dirty="0"/>
+              <a:t>		</a:t>
+            </a:r>
+            <a:r>
+              <a:rPr lang="en-US" altLang="zh-CN" dirty="0" err="1"/>
+              <a:t>cout</a:t>
+            </a:r>
+            <a:r>
+              <a:rPr lang="en-US" altLang="zh-CN" dirty="0"/>
+              <a:t> &lt;&lt; s &lt;&lt; endl;</a:t>
+            </a:r>
+          </a:p>
+          <a:p>
+            <a:r>
+              <a:rPr lang="en-US" altLang="zh-CN" dirty="0"/>
+              <a:t>	}</a:t>
+            </a:r>
+          </a:p>
+          <a:p>
+            <a:r>
+              <a:rPr lang="en-US" altLang="zh-CN" dirty="0"/>
+              <a:t>	return 0;</a:t>
+            </a:r>
+          </a:p>
+          <a:p>
+            <a:r>
+              <a:rPr lang="en-US" altLang="zh-CN" dirty="0"/>
+              <a:t>}</a:t>
+            </a:r>
             <a:endParaRPr lang="zh-CN" altLang="en-US" dirty="0"/>
+          </a:p>
+          <a:p>
+            <a:endParaRPr lang="zh-CN" altLang="en-US" sz="1200" dirty="0"/>
           </a:p>
         </p:txBody>
       </p:sp>
@@ -1387,7 +1662,7 @@
           <a:p>
             <a:fld id="{0111EF2A-CA54-46BA-9D19-E4C580B41F03}" type="slidenum">
               <a:rPr lang="zh-CN" altLang="en-US" smtClean="0"/>
-              <a:t>19</a:t>
+              <a:t>17</a:t>
             </a:fld>
             <a:endParaRPr lang="zh-CN" altLang="en-US"/>
           </a:p>
@@ -1396,7 +1671,7 @@
     </p:spTree>
     <p:extLst>
       <p:ext uri="{BB962C8B-B14F-4D97-AF65-F5344CB8AC3E}">
-        <p14:creationId xmlns:p14="http://schemas.microsoft.com/office/powerpoint/2010/main" val="2881975851"/>
+        <p14:creationId xmlns:p14="http://schemas.microsoft.com/office/powerpoint/2010/main" val="1501050733"/>
       </p:ext>
     </p:extLst>
   </p:cSld>
@@ -1450,7 +1725,57 @@
           <a:bodyPr/>
           <a:lstStyle/>
           <a:p>
-            <a:endParaRPr lang="zh-CN" altLang="en-US" dirty="0"/>
+            <a:r>
+              <a:rPr lang="zh-CN" altLang="en-US" sz="1200" dirty="0"/>
+              <a:t> </a:t>
+            </a:r>
+            <a:r>
+              <a:rPr lang="en-US" altLang="zh-CN" sz="1200" dirty="0"/>
+              <a:t>// </a:t>
+            </a:r>
+            <a:r>
+              <a:rPr lang="zh-CN" altLang="en-US" sz="1200" dirty="0"/>
+              <a:t>在</a:t>
+            </a:r>
+            <a:r>
+              <a:rPr lang="en-US" altLang="zh-CN" sz="1200" dirty="0"/>
+              <a:t>C++11</a:t>
+            </a:r>
+            <a:r>
+              <a:rPr lang="zh-CN" altLang="en-US" sz="1200" dirty="0"/>
+              <a:t>当中合法</a:t>
+            </a:r>
+          </a:p>
+          <a:p>
+            <a:r>
+              <a:rPr lang="zh-CN" altLang="en-US" sz="1200" dirty="0"/>
+              <a:t> </a:t>
+            </a:r>
+            <a:r>
+              <a:rPr lang="en-US" altLang="zh-CN" sz="1200" dirty="0"/>
+              <a:t>// </a:t>
+            </a:r>
+            <a:r>
+              <a:rPr lang="zh-CN" altLang="en-US" sz="1200" dirty="0"/>
+              <a:t>不合法，类型不一样</a:t>
+            </a:r>
+          </a:p>
+          <a:p>
+            <a:r>
+              <a:rPr lang="zh-CN" altLang="en-US" sz="1200" dirty="0"/>
+              <a:t> </a:t>
+            </a:r>
+            <a:r>
+              <a:rPr lang="en-US" altLang="zh-CN" sz="1200" dirty="0"/>
+              <a:t>// </a:t>
+            </a:r>
+            <a:r>
+              <a:rPr lang="zh-CN" altLang="en-US" sz="1200" dirty="0"/>
+              <a:t>合法</a:t>
+            </a:r>
+          </a:p>
+          <a:p>
+            <a:endParaRPr lang="zh-CN" altLang="en-US" sz="1200" dirty="0"/>
           </a:p>
         </p:txBody>
       </p:sp>
@@ -1471,7 +1796,7 @@
           <a:p>
             <a:fld id="{0111EF2A-CA54-46BA-9D19-E4C580B41F03}" type="slidenum">
               <a:rPr lang="zh-CN" altLang="en-US" smtClean="0"/>
-              <a:t>20</a:t>
+              <a:t>18</a:t>
             </a:fld>
             <a:endParaRPr lang="zh-CN" altLang="en-US"/>
           </a:p>
@@ -1480,7 +1805,7 @@
     </p:spTree>
     <p:extLst>
       <p:ext uri="{BB962C8B-B14F-4D97-AF65-F5344CB8AC3E}">
-        <p14:creationId xmlns:p14="http://schemas.microsoft.com/office/powerpoint/2010/main" val="3429298068"/>
+        <p14:creationId xmlns:p14="http://schemas.microsoft.com/office/powerpoint/2010/main" val="3150058240"/>
       </p:ext>
     </p:extLst>
   </p:cSld>
@@ -1534,7 +1859,54 @@
           <a:bodyPr/>
           <a:lstStyle/>
           <a:p>
-            <a:endParaRPr lang="zh-CN" altLang="en-US" dirty="0"/>
+            <a:r>
+              <a:rPr lang="en-US" altLang="zh-CN" sz="1200" dirty="0"/>
+              <a:t>// size:0,  no values.</a:t>
+            </a:r>
+          </a:p>
+          <a:p>
+            <a:r>
+              <a:rPr lang="en-US" altLang="zh-CN" sz="1200" dirty="0"/>
+              <a:t>// size:10, value:0</a:t>
+            </a:r>
+          </a:p>
+          <a:p>
+            <a:r>
+              <a:rPr lang="en-US" altLang="zh-CN" sz="1200" dirty="0"/>
+              <a:t>// size:10, value:42</a:t>
+            </a:r>
+          </a:p>
+          <a:p>
+            <a:r>
+              <a:rPr lang="en-US" altLang="zh-CN" sz="1200" dirty="0"/>
+              <a:t>// size:1,  value:10</a:t>
+            </a:r>
+          </a:p>
+          <a:p>
+            <a:r>
+              <a:rPr lang="en-US" altLang="zh-CN" sz="1200" dirty="0"/>
+              <a:t>// size:2,  value:10, 42</a:t>
+            </a:r>
+          </a:p>
+          <a:p>
+            <a:r>
+              <a:rPr lang="en-US" altLang="zh-CN" sz="1200" dirty="0"/>
+              <a:t> // size:10, value:""</a:t>
+            </a:r>
+          </a:p>
+          <a:p>
+            <a:r>
+              <a:rPr lang="en-US" altLang="zh-CN" sz="1200" dirty="0"/>
+              <a:t>// size:10, </a:t>
+            </a:r>
+            <a:r>
+              <a:rPr lang="en-US" altLang="zh-CN" sz="1200" dirty="0" err="1"/>
+              <a:t>value:"hi</a:t>
+            </a:r>
+            <a:r>
+              <a:rPr lang="en-US" altLang="zh-CN" sz="1200" dirty="0"/>
+              <a:t>"</a:t>
+            </a:r>
           </a:p>
         </p:txBody>
       </p:sp>
@@ -1555,7 +1927,7 @@
           <a:p>
             <a:fld id="{0111EF2A-CA54-46BA-9D19-E4C580B41F03}" type="slidenum">
               <a:rPr lang="zh-CN" altLang="en-US" smtClean="0"/>
-              <a:t>21</a:t>
+              <a:t>19</a:t>
             </a:fld>
             <a:endParaRPr lang="zh-CN" altLang="en-US"/>
           </a:p>
@@ -1564,7 +1936,7 @@
     </p:spTree>
     <p:extLst>
       <p:ext uri="{BB962C8B-B14F-4D97-AF65-F5344CB8AC3E}">
-        <p14:creationId xmlns:p14="http://schemas.microsoft.com/office/powerpoint/2010/main" val="1193716757"/>
+        <p14:creationId xmlns:p14="http://schemas.microsoft.com/office/powerpoint/2010/main" val="4253952973"/>
       </p:ext>
     </p:extLst>
   </p:cSld>
@@ -1618,27 +1990,7 @@
           <a:bodyPr/>
           <a:lstStyle/>
           <a:p>
-            <a:pPr marL="0" marR="0" lvl="0" indent="0" algn="l" defTabSz="914400" rtl="0" eaLnBrk="1" fontAlgn="auto" latinLnBrk="0" hangingPunct="1">
-              <a:lnSpc>
-                <a:spcPct val="100000"/>
-              </a:lnSpc>
-              <a:spcBef>
-                <a:spcPts val="0"/>
-              </a:spcBef>
-              <a:spcAft>
-                <a:spcPts val="0"/>
-              </a:spcAft>
-              <a:buClrTx/>
-              <a:buSzTx/>
-              <a:buFontTx/>
-              <a:buNone/>
-              <a:tabLst/>
-              <a:defRPr/>
-            </a:pPr>
-            <a:r>
-              <a:rPr lang="zh-CN" altLang="en-US" dirty="0"/>
-              <a:t>引用的底层实现</a:t>
-            </a:r>
+            <a:endParaRPr lang="zh-CN" altLang="en-US" dirty="0"/>
           </a:p>
         </p:txBody>
       </p:sp>
@@ -1659,7 +2011,7 @@
           <a:p>
             <a:fld id="{0111EF2A-CA54-46BA-9D19-E4C580B41F03}" type="slidenum">
               <a:rPr lang="zh-CN" altLang="en-US" smtClean="0"/>
-              <a:t>22</a:t>
+              <a:t>20</a:t>
             </a:fld>
             <a:endParaRPr lang="zh-CN" altLang="en-US"/>
           </a:p>
@@ -1668,7 +2020,7 @@
     </p:spTree>
     <p:extLst>
       <p:ext uri="{BB962C8B-B14F-4D97-AF65-F5344CB8AC3E}">
-        <p14:creationId xmlns:p14="http://schemas.microsoft.com/office/powerpoint/2010/main" val="1380503854"/>
+        <p14:creationId xmlns:p14="http://schemas.microsoft.com/office/powerpoint/2010/main" val="3505950153"/>
       </p:ext>
     </p:extLst>
   </p:cSld>
@@ -1739,6 +2091,20 @@
               <a:tabLst/>
               <a:defRPr/>
             </a:pPr>
+            <a:r>
+              <a:rPr lang="zh-CN" altLang="en-US" dirty="0"/>
+              <a:t>两个</a:t>
+            </a:r>
+            <a:r>
+              <a:rPr lang="en-US" altLang="zh-CN" dirty="0" err="1"/>
+              <a:t>cpp</a:t>
+            </a:r>
+            <a:r>
+              <a:rPr lang="zh-CN" altLang="en-US" dirty="0"/>
+              <a:t>需要用到同一个变量，如果要在多个文件中使用同一个变量，必须将声明和定义分开</a:t>
+            </a:r>
+          </a:p>
+          <a:p>
             <a:endParaRPr lang="zh-CN" altLang="en-US" dirty="0"/>
           </a:p>
         </p:txBody>
@@ -1760,7 +2126,7 @@
           <a:p>
             <a:fld id="{0111EF2A-CA54-46BA-9D19-E4C580B41F03}" type="slidenum">
               <a:rPr lang="zh-CN" altLang="en-US" smtClean="0"/>
-              <a:t>23</a:t>
+              <a:t>24</a:t>
             </a:fld>
             <a:endParaRPr lang="zh-CN" altLang="en-US"/>
           </a:p>
@@ -1769,7 +2135,7 @@
     </p:spTree>
     <p:extLst>
       <p:ext uri="{BB962C8B-B14F-4D97-AF65-F5344CB8AC3E}">
-        <p14:creationId xmlns:p14="http://schemas.microsoft.com/office/powerpoint/2010/main" val="1341117382"/>
+        <p14:creationId xmlns:p14="http://schemas.microsoft.com/office/powerpoint/2010/main" val="2881975851"/>
       </p:ext>
     </p:extLst>
   </p:cSld>
@@ -1823,23 +2189,6 @@
           <a:bodyPr/>
           <a:lstStyle/>
           <a:p>
-            <a:pPr marL="0" marR="0" lvl="0" indent="0" algn="l" defTabSz="914400" rtl="0" eaLnBrk="1" fontAlgn="auto" latinLnBrk="0" hangingPunct="1">
-              <a:lnSpc>
-                <a:spcPct val="100000"/>
-              </a:lnSpc>
-              <a:spcBef>
-                <a:spcPts val="0"/>
-              </a:spcBef>
-              <a:spcAft>
-                <a:spcPts val="0"/>
-              </a:spcAft>
-              <a:buClrTx/>
-              <a:buSzTx/>
-              <a:buFontTx/>
-              <a:buNone/>
-              <a:tabLst/>
-              <a:defRPr/>
-            </a:pPr>
             <a:endParaRPr lang="zh-CN" altLang="en-US" dirty="0"/>
           </a:p>
         </p:txBody>
@@ -1861,7 +2210,7 @@
           <a:p>
             <a:fld id="{0111EF2A-CA54-46BA-9D19-E4C580B41F03}" type="slidenum">
               <a:rPr lang="zh-CN" altLang="en-US" smtClean="0"/>
-              <a:t>24</a:t>
+              <a:t>25</a:t>
             </a:fld>
             <a:endParaRPr lang="zh-CN" altLang="en-US"/>
           </a:p>
@@ -1870,7 +2219,7 @@
     </p:spTree>
     <p:extLst>
       <p:ext uri="{BB962C8B-B14F-4D97-AF65-F5344CB8AC3E}">
-        <p14:creationId xmlns:p14="http://schemas.microsoft.com/office/powerpoint/2010/main" val="1469756787"/>
+        <p14:creationId xmlns:p14="http://schemas.microsoft.com/office/powerpoint/2010/main" val="3429298068"/>
       </p:ext>
     </p:extLst>
   </p:cSld>
@@ -1924,23 +2273,6 @@
           <a:bodyPr/>
           <a:lstStyle/>
           <a:p>
-            <a:pPr marL="0" marR="0" lvl="0" indent="0" algn="l" defTabSz="914400" rtl="0" eaLnBrk="1" fontAlgn="auto" latinLnBrk="0" hangingPunct="1">
-              <a:lnSpc>
-                <a:spcPct val="100000"/>
-              </a:lnSpc>
-              <a:spcBef>
-                <a:spcPts val="0"/>
-              </a:spcBef>
-              <a:spcAft>
-                <a:spcPts val="0"/>
-              </a:spcAft>
-              <a:buClrTx/>
-              <a:buSzTx/>
-              <a:buFontTx/>
-              <a:buNone/>
-              <a:tabLst/>
-              <a:defRPr/>
-            </a:pPr>
             <a:endParaRPr lang="zh-CN" altLang="en-US" dirty="0"/>
           </a:p>
         </p:txBody>
@@ -1962,7 +2294,7 @@
           <a:p>
             <a:fld id="{0111EF2A-CA54-46BA-9D19-E4C580B41F03}" type="slidenum">
               <a:rPr lang="zh-CN" altLang="en-US" smtClean="0"/>
-              <a:t>25</a:t>
+              <a:t>26</a:t>
             </a:fld>
             <a:endParaRPr lang="zh-CN" altLang="en-US"/>
           </a:p>
@@ -1971,7 +2303,7 @@
     </p:spTree>
     <p:extLst>
       <p:ext uri="{BB962C8B-B14F-4D97-AF65-F5344CB8AC3E}">
-        <p14:creationId xmlns:p14="http://schemas.microsoft.com/office/powerpoint/2010/main" val="3319629375"/>
+        <p14:creationId xmlns:p14="http://schemas.microsoft.com/office/powerpoint/2010/main" val="1193716757"/>
       </p:ext>
     </p:extLst>
   </p:cSld>
@@ -2093,7 +2425,7 @@
           <a:p>
             <a:fld id="{0111EF2A-CA54-46BA-9D19-E4C580B41F03}" type="slidenum">
               <a:rPr lang="zh-CN" altLang="en-US" smtClean="0"/>
-              <a:t>4</a:t>
+              <a:t>5</a:t>
             </a:fld>
             <a:endParaRPr lang="zh-CN" altLang="en-US"/>
           </a:p>
@@ -2103,6 +2435,413 @@
     <p:extLst>
       <p:ext uri="{BB962C8B-B14F-4D97-AF65-F5344CB8AC3E}">
         <p14:creationId xmlns:p14="http://schemas.microsoft.com/office/powerpoint/2010/main" val="3514901634"/>
+      </p:ext>
+    </p:extLst>
+  </p:cSld>
+  <p:clrMapOvr>
+    <a:masterClrMapping/>
+  </p:clrMapOvr>
+</p:notes>
+</file>
+
+<file path=ppt/notesSlides/notesSlide20.xml><?xml version="1.0" encoding="utf-8"?>
+<p:notes xmlns:a="http://schemas.openxmlformats.org/drawingml/2006/main" xmlns:r="http://schemas.openxmlformats.org/officeDocument/2006/relationships" xmlns:p="http://schemas.openxmlformats.org/presentationml/2006/main">
+  <p:cSld>
+    <p:spTree>
+      <p:nvGrpSpPr>
+        <p:cNvPr id="1" name=""/>
+        <p:cNvGrpSpPr/>
+        <p:nvPr/>
+      </p:nvGrpSpPr>
+      <p:grpSpPr>
+        <a:xfrm>
+          <a:off x="0" y="0"/>
+          <a:ext cx="0" cy="0"/>
+          <a:chOff x="0" y="0"/>
+          <a:chExt cx="0" cy="0"/>
+        </a:xfrm>
+      </p:grpSpPr>
+      <p:sp>
+        <p:nvSpPr>
+          <p:cNvPr id="2" name="幻灯片图像占位符 1"/>
+          <p:cNvSpPr>
+            <a:spLocks noGrp="1" noRot="1" noChangeAspect="1"/>
+          </p:cNvSpPr>
+          <p:nvPr>
+            <p:ph type="sldImg"/>
+          </p:nvPr>
+        </p:nvSpPr>
+        <p:spPr/>
+      </p:sp>
+      <p:sp>
+        <p:nvSpPr>
+          <p:cNvPr id="3" name="备注占位符 2"/>
+          <p:cNvSpPr>
+            <a:spLocks noGrp="1"/>
+          </p:cNvSpPr>
+          <p:nvPr>
+            <p:ph type="body" idx="1"/>
+          </p:nvPr>
+        </p:nvSpPr>
+        <p:spPr/>
+        <p:txBody>
+          <a:bodyPr/>
+          <a:lstStyle/>
+          <a:p>
+            <a:pPr marL="0" marR="0" lvl="0" indent="0" algn="l" defTabSz="914400" rtl="0" eaLnBrk="1" fontAlgn="auto" latinLnBrk="0" hangingPunct="1">
+              <a:lnSpc>
+                <a:spcPct val="100000"/>
+              </a:lnSpc>
+              <a:spcBef>
+                <a:spcPts val="0"/>
+              </a:spcBef>
+              <a:spcAft>
+                <a:spcPts val="0"/>
+              </a:spcAft>
+              <a:buClrTx/>
+              <a:buSzTx/>
+              <a:buFontTx/>
+              <a:buNone/>
+              <a:tabLst/>
+              <a:defRPr/>
+            </a:pPr>
+            <a:r>
+              <a:rPr lang="zh-CN" altLang="en-US" dirty="0"/>
+              <a:t>引用的底层实现</a:t>
+            </a:r>
+          </a:p>
+        </p:txBody>
+      </p:sp>
+      <p:sp>
+        <p:nvSpPr>
+          <p:cNvPr id="4" name="灯片编号占位符 3"/>
+          <p:cNvSpPr>
+            <a:spLocks noGrp="1"/>
+          </p:cNvSpPr>
+          <p:nvPr>
+            <p:ph type="sldNum" sz="quarter" idx="5"/>
+          </p:nvPr>
+        </p:nvSpPr>
+        <p:spPr/>
+        <p:txBody>
+          <a:bodyPr/>
+          <a:lstStyle/>
+          <a:p>
+            <a:fld id="{0111EF2A-CA54-46BA-9D19-E4C580B41F03}" type="slidenum">
+              <a:rPr lang="zh-CN" altLang="en-US" smtClean="0"/>
+              <a:t>27</a:t>
+            </a:fld>
+            <a:endParaRPr lang="zh-CN" altLang="en-US"/>
+          </a:p>
+        </p:txBody>
+      </p:sp>
+    </p:spTree>
+    <p:extLst>
+      <p:ext uri="{BB962C8B-B14F-4D97-AF65-F5344CB8AC3E}">
+        <p14:creationId xmlns:p14="http://schemas.microsoft.com/office/powerpoint/2010/main" val="1380503854"/>
+      </p:ext>
+    </p:extLst>
+  </p:cSld>
+  <p:clrMapOvr>
+    <a:masterClrMapping/>
+  </p:clrMapOvr>
+</p:notes>
+</file>
+
+<file path=ppt/notesSlides/notesSlide21.xml><?xml version="1.0" encoding="utf-8"?>
+<p:notes xmlns:a="http://schemas.openxmlformats.org/drawingml/2006/main" xmlns:r="http://schemas.openxmlformats.org/officeDocument/2006/relationships" xmlns:p="http://schemas.openxmlformats.org/presentationml/2006/main">
+  <p:cSld>
+    <p:spTree>
+      <p:nvGrpSpPr>
+        <p:cNvPr id="1" name=""/>
+        <p:cNvGrpSpPr/>
+        <p:nvPr/>
+      </p:nvGrpSpPr>
+      <p:grpSpPr>
+        <a:xfrm>
+          <a:off x="0" y="0"/>
+          <a:ext cx="0" cy="0"/>
+          <a:chOff x="0" y="0"/>
+          <a:chExt cx="0" cy="0"/>
+        </a:xfrm>
+      </p:grpSpPr>
+      <p:sp>
+        <p:nvSpPr>
+          <p:cNvPr id="2" name="幻灯片图像占位符 1"/>
+          <p:cNvSpPr>
+            <a:spLocks noGrp="1" noRot="1" noChangeAspect="1"/>
+          </p:cNvSpPr>
+          <p:nvPr>
+            <p:ph type="sldImg"/>
+          </p:nvPr>
+        </p:nvSpPr>
+        <p:spPr/>
+      </p:sp>
+      <p:sp>
+        <p:nvSpPr>
+          <p:cNvPr id="3" name="备注占位符 2"/>
+          <p:cNvSpPr>
+            <a:spLocks noGrp="1"/>
+          </p:cNvSpPr>
+          <p:nvPr>
+            <p:ph type="body" idx="1"/>
+          </p:nvPr>
+        </p:nvSpPr>
+        <p:spPr/>
+        <p:txBody>
+          <a:bodyPr/>
+          <a:lstStyle/>
+          <a:p>
+            <a:pPr marL="0" marR="0" lvl="0" indent="0" algn="l" defTabSz="914400" rtl="0" eaLnBrk="1" fontAlgn="auto" latinLnBrk="0" hangingPunct="1">
+              <a:lnSpc>
+                <a:spcPct val="100000"/>
+              </a:lnSpc>
+              <a:spcBef>
+                <a:spcPts val="0"/>
+              </a:spcBef>
+              <a:spcAft>
+                <a:spcPts val="0"/>
+              </a:spcAft>
+              <a:buClrTx/>
+              <a:buSzTx/>
+              <a:buFontTx/>
+              <a:buNone/>
+              <a:tabLst/>
+              <a:defRPr/>
+            </a:pPr>
+            <a:endParaRPr lang="zh-CN" altLang="en-US" dirty="0"/>
+          </a:p>
+        </p:txBody>
+      </p:sp>
+      <p:sp>
+        <p:nvSpPr>
+          <p:cNvPr id="4" name="灯片编号占位符 3"/>
+          <p:cNvSpPr>
+            <a:spLocks noGrp="1"/>
+          </p:cNvSpPr>
+          <p:nvPr>
+            <p:ph type="sldNum" sz="quarter" idx="5"/>
+          </p:nvPr>
+        </p:nvSpPr>
+        <p:spPr/>
+        <p:txBody>
+          <a:bodyPr/>
+          <a:lstStyle/>
+          <a:p>
+            <a:fld id="{0111EF2A-CA54-46BA-9D19-E4C580B41F03}" type="slidenum">
+              <a:rPr lang="zh-CN" altLang="en-US" smtClean="0"/>
+              <a:t>28</a:t>
+            </a:fld>
+            <a:endParaRPr lang="zh-CN" altLang="en-US"/>
+          </a:p>
+        </p:txBody>
+      </p:sp>
+    </p:spTree>
+    <p:extLst>
+      <p:ext uri="{BB962C8B-B14F-4D97-AF65-F5344CB8AC3E}">
+        <p14:creationId xmlns:p14="http://schemas.microsoft.com/office/powerpoint/2010/main" val="1341117382"/>
+      </p:ext>
+    </p:extLst>
+  </p:cSld>
+  <p:clrMapOvr>
+    <a:masterClrMapping/>
+  </p:clrMapOvr>
+</p:notes>
+</file>
+
+<file path=ppt/notesSlides/notesSlide22.xml><?xml version="1.0" encoding="utf-8"?>
+<p:notes xmlns:a="http://schemas.openxmlformats.org/drawingml/2006/main" xmlns:r="http://schemas.openxmlformats.org/officeDocument/2006/relationships" xmlns:p="http://schemas.openxmlformats.org/presentationml/2006/main">
+  <p:cSld>
+    <p:spTree>
+      <p:nvGrpSpPr>
+        <p:cNvPr id="1" name=""/>
+        <p:cNvGrpSpPr/>
+        <p:nvPr/>
+      </p:nvGrpSpPr>
+      <p:grpSpPr>
+        <a:xfrm>
+          <a:off x="0" y="0"/>
+          <a:ext cx="0" cy="0"/>
+          <a:chOff x="0" y="0"/>
+          <a:chExt cx="0" cy="0"/>
+        </a:xfrm>
+      </p:grpSpPr>
+      <p:sp>
+        <p:nvSpPr>
+          <p:cNvPr id="2" name="幻灯片图像占位符 1"/>
+          <p:cNvSpPr>
+            <a:spLocks noGrp="1" noRot="1" noChangeAspect="1"/>
+          </p:cNvSpPr>
+          <p:nvPr>
+            <p:ph type="sldImg"/>
+          </p:nvPr>
+        </p:nvSpPr>
+        <p:spPr/>
+      </p:sp>
+      <p:sp>
+        <p:nvSpPr>
+          <p:cNvPr id="3" name="备注占位符 2"/>
+          <p:cNvSpPr>
+            <a:spLocks noGrp="1"/>
+          </p:cNvSpPr>
+          <p:nvPr>
+            <p:ph type="body" idx="1"/>
+          </p:nvPr>
+        </p:nvSpPr>
+        <p:spPr/>
+        <p:txBody>
+          <a:bodyPr/>
+          <a:lstStyle/>
+          <a:p>
+            <a:pPr marL="0" marR="0" lvl="0" indent="0" algn="l" defTabSz="914400" rtl="0" eaLnBrk="1" fontAlgn="auto" latinLnBrk="0" hangingPunct="1">
+              <a:lnSpc>
+                <a:spcPct val="100000"/>
+              </a:lnSpc>
+              <a:spcBef>
+                <a:spcPts val="0"/>
+              </a:spcBef>
+              <a:spcAft>
+                <a:spcPts val="0"/>
+              </a:spcAft>
+              <a:buClrTx/>
+              <a:buSzTx/>
+              <a:buFontTx/>
+              <a:buNone/>
+              <a:tabLst/>
+              <a:defRPr/>
+            </a:pPr>
+            <a:endParaRPr lang="zh-CN" altLang="en-US" dirty="0"/>
+          </a:p>
+        </p:txBody>
+      </p:sp>
+      <p:sp>
+        <p:nvSpPr>
+          <p:cNvPr id="4" name="灯片编号占位符 3"/>
+          <p:cNvSpPr>
+            <a:spLocks noGrp="1"/>
+          </p:cNvSpPr>
+          <p:nvPr>
+            <p:ph type="sldNum" sz="quarter" idx="5"/>
+          </p:nvPr>
+        </p:nvSpPr>
+        <p:spPr/>
+        <p:txBody>
+          <a:bodyPr/>
+          <a:lstStyle/>
+          <a:p>
+            <a:fld id="{0111EF2A-CA54-46BA-9D19-E4C580B41F03}" type="slidenum">
+              <a:rPr lang="zh-CN" altLang="en-US" smtClean="0"/>
+              <a:t>29</a:t>
+            </a:fld>
+            <a:endParaRPr lang="zh-CN" altLang="en-US"/>
+          </a:p>
+        </p:txBody>
+      </p:sp>
+    </p:spTree>
+    <p:extLst>
+      <p:ext uri="{BB962C8B-B14F-4D97-AF65-F5344CB8AC3E}">
+        <p14:creationId xmlns:p14="http://schemas.microsoft.com/office/powerpoint/2010/main" val="1469756787"/>
+      </p:ext>
+    </p:extLst>
+  </p:cSld>
+  <p:clrMapOvr>
+    <a:masterClrMapping/>
+  </p:clrMapOvr>
+</p:notes>
+</file>
+
+<file path=ppt/notesSlides/notesSlide23.xml><?xml version="1.0" encoding="utf-8"?>
+<p:notes xmlns:a="http://schemas.openxmlformats.org/drawingml/2006/main" xmlns:r="http://schemas.openxmlformats.org/officeDocument/2006/relationships" xmlns:p="http://schemas.openxmlformats.org/presentationml/2006/main">
+  <p:cSld>
+    <p:spTree>
+      <p:nvGrpSpPr>
+        <p:cNvPr id="1" name=""/>
+        <p:cNvGrpSpPr/>
+        <p:nvPr/>
+      </p:nvGrpSpPr>
+      <p:grpSpPr>
+        <a:xfrm>
+          <a:off x="0" y="0"/>
+          <a:ext cx="0" cy="0"/>
+          <a:chOff x="0" y="0"/>
+          <a:chExt cx="0" cy="0"/>
+        </a:xfrm>
+      </p:grpSpPr>
+      <p:sp>
+        <p:nvSpPr>
+          <p:cNvPr id="2" name="幻灯片图像占位符 1"/>
+          <p:cNvSpPr>
+            <a:spLocks noGrp="1" noRot="1" noChangeAspect="1"/>
+          </p:cNvSpPr>
+          <p:nvPr>
+            <p:ph type="sldImg"/>
+          </p:nvPr>
+        </p:nvSpPr>
+        <p:spPr/>
+      </p:sp>
+      <p:sp>
+        <p:nvSpPr>
+          <p:cNvPr id="3" name="备注占位符 2"/>
+          <p:cNvSpPr>
+            <a:spLocks noGrp="1"/>
+          </p:cNvSpPr>
+          <p:nvPr>
+            <p:ph type="body" idx="1"/>
+          </p:nvPr>
+        </p:nvSpPr>
+        <p:spPr/>
+        <p:txBody>
+          <a:bodyPr/>
+          <a:lstStyle/>
+          <a:p>
+            <a:pPr marL="0" marR="0" lvl="0" indent="0" algn="l" defTabSz="914400" rtl="0" eaLnBrk="1" fontAlgn="auto" latinLnBrk="0" hangingPunct="1">
+              <a:lnSpc>
+                <a:spcPct val="100000"/>
+              </a:lnSpc>
+              <a:spcBef>
+                <a:spcPts val="0"/>
+              </a:spcBef>
+              <a:spcAft>
+                <a:spcPts val="0"/>
+              </a:spcAft>
+              <a:buClrTx/>
+              <a:buSzTx/>
+              <a:buFontTx/>
+              <a:buNone/>
+              <a:tabLst/>
+              <a:defRPr/>
+            </a:pPr>
+            <a:endParaRPr lang="zh-CN" altLang="en-US" dirty="0"/>
+          </a:p>
+        </p:txBody>
+      </p:sp>
+      <p:sp>
+        <p:nvSpPr>
+          <p:cNvPr id="4" name="灯片编号占位符 3"/>
+          <p:cNvSpPr>
+            <a:spLocks noGrp="1"/>
+          </p:cNvSpPr>
+          <p:nvPr>
+            <p:ph type="sldNum" sz="quarter" idx="5"/>
+          </p:nvPr>
+        </p:nvSpPr>
+        <p:spPr/>
+        <p:txBody>
+          <a:bodyPr/>
+          <a:lstStyle/>
+          <a:p>
+            <a:fld id="{0111EF2A-CA54-46BA-9D19-E4C580B41F03}" type="slidenum">
+              <a:rPr lang="zh-CN" altLang="en-US" smtClean="0"/>
+              <a:t>30</a:t>
+            </a:fld>
+            <a:endParaRPr lang="zh-CN" altLang="en-US"/>
+          </a:p>
+        </p:txBody>
+      </p:sp>
+    </p:spTree>
+    <p:extLst>
+      <p:ext uri="{BB962C8B-B14F-4D97-AF65-F5344CB8AC3E}">
+        <p14:creationId xmlns:p14="http://schemas.microsoft.com/office/powerpoint/2010/main" val="3319629375"/>
       </p:ext>
     </p:extLst>
   </p:cSld>
@@ -2374,7 +3113,7 @@
           <a:p>
             <a:fld id="{0111EF2A-CA54-46BA-9D19-E4C580B41F03}" type="slidenum">
               <a:rPr lang="zh-CN" altLang="en-US" smtClean="0"/>
-              <a:t>5</a:t>
+              <a:t>6</a:t>
             </a:fld>
             <a:endParaRPr lang="zh-CN" altLang="en-US"/>
           </a:p>
@@ -2485,7 +3224,7 @@
           <a:p>
             <a:fld id="{0111EF2A-CA54-46BA-9D19-E4C580B41F03}" type="slidenum">
               <a:rPr lang="zh-CN" altLang="en-US" smtClean="0"/>
-              <a:t>6</a:t>
+              <a:t>7</a:t>
             </a:fld>
             <a:endParaRPr lang="zh-CN" altLang="en-US"/>
           </a:p>
@@ -2576,7 +3315,7 @@
           <a:p>
             <a:fld id="{0111EF2A-CA54-46BA-9D19-E4C580B41F03}" type="slidenum">
               <a:rPr lang="zh-CN" altLang="en-US" smtClean="0"/>
-              <a:t>7</a:t>
+              <a:t>8</a:t>
             </a:fld>
             <a:endParaRPr lang="zh-CN" altLang="en-US"/>
           </a:p>
@@ -2779,7 +3518,7 @@
           <a:p>
             <a:fld id="{0111EF2A-CA54-46BA-9D19-E4C580B41F03}" type="slidenum">
               <a:rPr lang="zh-CN" altLang="en-US" smtClean="0"/>
-              <a:t>8</a:t>
+              <a:t>9</a:t>
             </a:fld>
             <a:endParaRPr lang="zh-CN" altLang="en-US"/>
           </a:p>
@@ -2958,7 +3697,7 @@
           <a:p>
             <a:fld id="{0111EF2A-CA54-46BA-9D19-E4C580B41F03}" type="slidenum">
               <a:rPr lang="zh-CN" altLang="en-US" smtClean="0"/>
-              <a:t>9</a:t>
+              <a:t>10</a:t>
             </a:fld>
             <a:endParaRPr lang="zh-CN" altLang="en-US"/>
           </a:p>
@@ -3178,7 +3917,7 @@
           <a:p>
             <a:fld id="{0111EF2A-CA54-46BA-9D19-E4C580B41F03}" type="slidenum">
               <a:rPr lang="zh-CN" altLang="en-US" smtClean="0"/>
-              <a:t>10</a:t>
+              <a:t>11</a:t>
             </a:fld>
             <a:endParaRPr lang="zh-CN" altLang="en-US"/>
           </a:p>
@@ -3363,7 +4102,7 @@
           <a:p>
             <a:fld id="{0111EF2A-CA54-46BA-9D19-E4C580B41F03}" type="slidenum">
               <a:rPr lang="zh-CN" altLang="en-US" smtClean="0"/>
-              <a:t>11</a:t>
+              <a:t>12</a:t>
             </a:fld>
             <a:endParaRPr lang="zh-CN" altLang="en-US"/>
           </a:p>
@@ -3529,7 +4268,7 @@
           <a:p>
             <a:fld id="{5A1740DE-654B-48BB-A6EB-4DD86D9E78E3}" type="datetimeFigureOut">
               <a:rPr lang="zh-CN" altLang="en-US" smtClean="0"/>
-              <a:t>2023/12/12</a:t>
+              <a:t>2023/12/13</a:t>
             </a:fld>
             <a:endParaRPr lang="zh-CN" altLang="en-US"/>
           </a:p>
@@ -3727,7 +4466,7 @@
           <a:p>
             <a:fld id="{5A1740DE-654B-48BB-A6EB-4DD86D9E78E3}" type="datetimeFigureOut">
               <a:rPr lang="zh-CN" altLang="en-US" smtClean="0"/>
-              <a:t>2023/12/12</a:t>
+              <a:t>2023/12/13</a:t>
             </a:fld>
             <a:endParaRPr lang="zh-CN" altLang="en-US"/>
           </a:p>
@@ -3935,7 +4674,7 @@
           <a:p>
             <a:fld id="{5A1740DE-654B-48BB-A6EB-4DD86D9E78E3}" type="datetimeFigureOut">
               <a:rPr lang="zh-CN" altLang="en-US" smtClean="0"/>
-              <a:t>2023/12/12</a:t>
+              <a:t>2023/12/13</a:t>
             </a:fld>
             <a:endParaRPr lang="zh-CN" altLang="en-US"/>
           </a:p>
@@ -4133,7 +4872,7 @@
           <a:p>
             <a:fld id="{5A1740DE-654B-48BB-A6EB-4DD86D9E78E3}" type="datetimeFigureOut">
               <a:rPr lang="zh-CN" altLang="en-US" smtClean="0"/>
-              <a:t>2023/12/12</a:t>
+              <a:t>2023/12/13</a:t>
             </a:fld>
             <a:endParaRPr lang="zh-CN" altLang="en-US"/>
           </a:p>
@@ -4408,7 +5147,7 @@
           <a:p>
             <a:fld id="{5A1740DE-654B-48BB-A6EB-4DD86D9E78E3}" type="datetimeFigureOut">
               <a:rPr lang="zh-CN" altLang="en-US" smtClean="0"/>
-              <a:t>2023/12/12</a:t>
+              <a:t>2023/12/13</a:t>
             </a:fld>
             <a:endParaRPr lang="zh-CN" altLang="en-US"/>
           </a:p>
@@ -4673,7 +5412,7 @@
           <a:p>
             <a:fld id="{5A1740DE-654B-48BB-A6EB-4DD86D9E78E3}" type="datetimeFigureOut">
               <a:rPr lang="zh-CN" altLang="en-US" smtClean="0"/>
-              <a:t>2023/12/12</a:t>
+              <a:t>2023/12/13</a:t>
             </a:fld>
             <a:endParaRPr lang="zh-CN" altLang="en-US"/>
           </a:p>
@@ -5085,7 +5824,7 @@
           <a:p>
             <a:fld id="{5A1740DE-654B-48BB-A6EB-4DD86D9E78E3}" type="datetimeFigureOut">
               <a:rPr lang="zh-CN" altLang="en-US" smtClean="0"/>
-              <a:t>2023/12/12</a:t>
+              <a:t>2023/12/13</a:t>
             </a:fld>
             <a:endParaRPr lang="zh-CN" altLang="en-US"/>
           </a:p>
@@ -5226,7 +5965,7 @@
           <a:p>
             <a:fld id="{5A1740DE-654B-48BB-A6EB-4DD86D9E78E3}" type="datetimeFigureOut">
               <a:rPr lang="zh-CN" altLang="en-US" smtClean="0"/>
-              <a:t>2023/12/12</a:t>
+              <a:t>2023/12/13</a:t>
             </a:fld>
             <a:endParaRPr lang="zh-CN" altLang="en-US"/>
           </a:p>
@@ -5339,7 +6078,7 @@
           <a:p>
             <a:fld id="{5A1740DE-654B-48BB-A6EB-4DD86D9E78E3}" type="datetimeFigureOut">
               <a:rPr lang="zh-CN" altLang="en-US" smtClean="0"/>
-              <a:t>2023/12/12</a:t>
+              <a:t>2023/12/13</a:t>
             </a:fld>
             <a:endParaRPr lang="zh-CN" altLang="en-US"/>
           </a:p>
@@ -5650,7 +6389,7 @@
           <a:p>
             <a:fld id="{5A1740DE-654B-48BB-A6EB-4DD86D9E78E3}" type="datetimeFigureOut">
               <a:rPr lang="zh-CN" altLang="en-US" smtClean="0"/>
-              <a:t>2023/12/12</a:t>
+              <a:t>2023/12/13</a:t>
             </a:fld>
             <a:endParaRPr lang="zh-CN" altLang="en-US"/>
           </a:p>
@@ -5938,7 +6677,7 @@
           <a:p>
             <a:fld id="{5A1740DE-654B-48BB-A6EB-4DD86D9E78E3}" type="datetimeFigureOut">
               <a:rPr lang="zh-CN" altLang="en-US" smtClean="0"/>
-              <a:t>2023/12/12</a:t>
+              <a:t>2023/12/13</a:t>
             </a:fld>
             <a:endParaRPr lang="zh-CN" altLang="en-US"/>
           </a:p>
@@ -6179,7 +6918,7 @@
           <a:p>
             <a:fld id="{5A1740DE-654B-48BB-A6EB-4DD86D9E78E3}" type="datetimeFigureOut">
               <a:rPr lang="zh-CN" altLang="en-US" smtClean="0"/>
-              <a:t>2023/12/12</a:t>
+              <a:t>2023/12/13</a:t>
             </a:fld>
             <a:endParaRPr lang="zh-CN" altLang="en-US"/>
           </a:p>
@@ -6824,13 +7563,13 @@
               <a:rPr lang="en-US" altLang="zh-CN" sz="7200" b="1" dirty="0">
                 <a:latin typeface="+mn-ea"/>
               </a:rPr>
-              <a:t>exercise8:</a:t>
+              <a:t>exercise7:</a:t>
             </a:r>
             <a:r>
               <a:rPr lang="zh-CN" altLang="en-US" sz="7200" b="1" dirty="0">
                 <a:latin typeface="+mn-ea"/>
               </a:rPr>
-              <a:t>指针</a:t>
+              <a:t>引用的定义</a:t>
             </a:r>
           </a:p>
         </p:txBody>
@@ -6849,8 +7588,8 @@
         </p:nvSpPr>
         <p:spPr>
           <a:xfrm>
-            <a:off x="5168900" y="2400299"/>
-            <a:ext cx="5143500" cy="2554545"/>
+            <a:off x="5029200" y="1946463"/>
+            <a:ext cx="5143500" cy="3539430"/>
           </a:xfrm>
           <a:prstGeom prst="rect">
             <a:avLst/>
@@ -6865,38 +7604,50 @@
           <a:p>
             <a:r>
               <a:rPr lang="zh-CN" altLang="en-US" sz="3200" dirty="0"/>
-              <a:t>假设 </a:t>
-            </a:r>
+              <a:t>下面的哪个定义是不合法的？为什么？</a:t>
+            </a:r>
+          </a:p>
+          <a:p>
+            <a:endParaRPr lang="zh-CN" altLang="en-US" sz="3200" dirty="0"/>
+          </a:p>
+          <a:p>
             <a:r>
               <a:rPr lang="en-US" altLang="zh-CN" sz="3200" dirty="0"/>
-              <a:t>p </a:t>
-            </a:r>
-            <a:r>
-              <a:rPr lang="zh-CN" altLang="en-US" sz="3200" dirty="0"/>
-              <a:t>是一个 </a:t>
+              <a:t>(a) int </a:t>
+            </a:r>
+            <a:r>
+              <a:rPr lang="en-US" altLang="zh-CN" sz="3200" dirty="0" err="1"/>
+              <a:t>ival</a:t>
             </a:r>
             <a:r>
               <a:rPr lang="en-US" altLang="zh-CN" sz="3200" dirty="0"/>
-              <a:t>int </a:t>
-            </a:r>
-            <a:r>
-              <a:rPr lang="zh-CN" altLang="en-US" sz="3200" dirty="0"/>
-              <a:t>型指针，请说明下述代码的含义。</a:t>
-            </a:r>
-          </a:p>
-          <a:p>
-            <a:endParaRPr lang="zh-CN" altLang="en-US" sz="3200" dirty="0"/>
-          </a:p>
-          <a:p>
-            <a:r>
-              <a:rPr lang="en-US" altLang="zh-CN" sz="3200" b="1" dirty="0"/>
-              <a:t>if (p) // ...</a:t>
+              <a:t> = 1.01;</a:t>
             </a:r>
           </a:p>
           <a:p>
             <a:r>
               <a:rPr lang="en-US" altLang="zh-CN" sz="3200" dirty="0"/>
-              <a:t>if (*p) // ...</a:t>
+              <a:t>(b) int &amp;rval1 = 1.01;</a:t>
+            </a:r>
+          </a:p>
+          <a:p>
+            <a:r>
+              <a:rPr lang="en-US" altLang="zh-CN" sz="3200" dirty="0"/>
+              <a:t>(c) int &amp;rval2 = </a:t>
+            </a:r>
+            <a:r>
+              <a:rPr lang="en-US" altLang="zh-CN" sz="3200" dirty="0" err="1"/>
+              <a:t>ival</a:t>
+            </a:r>
+            <a:r>
+              <a:rPr lang="en-US" altLang="zh-CN" sz="3200" dirty="0"/>
+              <a:t>;</a:t>
+            </a:r>
+          </a:p>
+          <a:p>
+            <a:r>
+              <a:rPr lang="en-US" altLang="zh-CN" sz="3200" dirty="0"/>
+              <a:t>(d) int &amp;rval3;</a:t>
             </a:r>
             <a:endParaRPr lang="zh-CN" altLang="en-US" sz="3200" dirty="0"/>
           </a:p>
@@ -6905,7 +7656,7 @@
     </p:spTree>
     <p:extLst>
       <p:ext uri="{BB962C8B-B14F-4D97-AF65-F5344CB8AC3E}">
-        <p14:creationId xmlns:p14="http://schemas.microsoft.com/office/powerpoint/2010/main" val="2997419110"/>
+        <p14:creationId xmlns:p14="http://schemas.microsoft.com/office/powerpoint/2010/main" val="1778427870"/>
       </p:ext>
     </p:extLst>
   </p:cSld>
@@ -7000,11 +7751,14 @@
               <a:rPr lang="en-US" altLang="zh-CN" sz="7200" b="1" dirty="0">
                 <a:latin typeface="+mn-ea"/>
               </a:rPr>
-              <a:t>exercise9:const</a:t>
-            </a:r>
-            <a:endParaRPr lang="zh-CN" altLang="en-US" sz="7200" b="1" dirty="0">
-              <a:latin typeface="+mn-ea"/>
-            </a:endParaRPr>
+              <a:t>exercise8:</a:t>
+            </a:r>
+            <a:r>
+              <a:rPr lang="zh-CN" altLang="en-US" sz="7200" b="1" dirty="0">
+                <a:latin typeface="+mn-ea"/>
+              </a:rPr>
+              <a:t>指针</a:t>
+            </a:r>
           </a:p>
         </p:txBody>
       </p:sp>
@@ -7022,8 +7776,8 @@
         </p:nvSpPr>
         <p:spPr>
           <a:xfrm>
-            <a:off x="3911600" y="2192685"/>
-            <a:ext cx="7696200" cy="3539430"/>
+            <a:off x="5168900" y="2400299"/>
+            <a:ext cx="5143500" cy="2554545"/>
           </a:xfrm>
           <a:prstGeom prst="rect">
             <a:avLst/>
@@ -7038,90 +7792,38 @@
           <a:p>
             <a:r>
               <a:rPr lang="zh-CN" altLang="en-US" sz="3200" dirty="0"/>
-              <a:t>下面哪些语句是合法的？如果不合法，请说明为什么？</a:t>
-            </a:r>
-          </a:p>
-          <a:p>
-            <a:endParaRPr lang="zh-CN" altLang="en-US" sz="3200" dirty="0"/>
-          </a:p>
-          <a:p>
+              <a:t>假设 </a:t>
+            </a:r>
             <a:r>
               <a:rPr lang="en-US" altLang="zh-CN" sz="3200" dirty="0"/>
-              <a:t>const int </a:t>
-            </a:r>
-            <a:r>
-              <a:rPr lang="en-US" altLang="zh-CN" sz="3200" dirty="0" err="1"/>
-              <a:t>buf</a:t>
-            </a:r>
-            <a:r>
-              <a:rPr lang="en-US" altLang="zh-CN" sz="3200" dirty="0"/>
-              <a:t>;    //const</a:t>
+              <a:t>p </a:t>
             </a:r>
             <a:r>
               <a:rPr lang="zh-CN" altLang="en-US" sz="3200" dirty="0"/>
-              <a:t>对象必须初始化</a:t>
-            </a:r>
-            <a:r>
-              <a:rPr lang="en-US" altLang="zh-CN" sz="3200" dirty="0"/>
-              <a:t>  </a:t>
-            </a:r>
-          </a:p>
-          <a:p>
+              <a:t>是一个 </a:t>
+            </a:r>
             <a:r>
               <a:rPr lang="en-US" altLang="zh-CN" sz="3200" dirty="0"/>
               <a:t>int </a:t>
             </a:r>
             <a:r>
-              <a:rPr lang="en-US" altLang="zh-CN" sz="3200" dirty="0" err="1"/>
-              <a:t>cnt</a:t>
-            </a:r>
+              <a:rPr lang="zh-CN" altLang="en-US" sz="3200" dirty="0"/>
+              <a:t>型指针，请说明下述代码的含义。</a:t>
+            </a:r>
+          </a:p>
+          <a:p>
+            <a:endParaRPr lang="zh-CN" altLang="en-US" sz="3200" dirty="0"/>
+          </a:p>
+          <a:p>
+            <a:r>
+              <a:rPr lang="en-US" altLang="zh-CN" sz="3200" b="1" dirty="0"/>
+              <a:t>if (p) // ...</a:t>
+            </a:r>
+          </a:p>
+          <a:p>
             <a:r>
               <a:rPr lang="en-US" altLang="zh-CN" sz="3200" dirty="0"/>
-              <a:t> = 0;        </a:t>
-            </a:r>
-          </a:p>
-          <a:p>
-            <a:r>
-              <a:rPr lang="en-US" altLang="zh-CN" sz="3200" dirty="0"/>
-              <a:t>const int </a:t>
-            </a:r>
-            <a:r>
-              <a:rPr lang="en-US" altLang="zh-CN" sz="3200" dirty="0" err="1"/>
-              <a:t>sz</a:t>
-            </a:r>
-            <a:r>
-              <a:rPr lang="en-US" altLang="zh-CN" sz="3200" dirty="0"/>
-              <a:t> = </a:t>
-            </a:r>
-            <a:r>
-              <a:rPr lang="en-US" altLang="zh-CN" sz="3200" dirty="0" err="1"/>
-              <a:t>cnt</a:t>
-            </a:r>
-            <a:r>
-              <a:rPr lang="en-US" altLang="zh-CN" sz="3200" dirty="0"/>
-              <a:t>; </a:t>
-            </a:r>
-          </a:p>
-          <a:p>
-            <a:r>
-              <a:rPr lang="en-US" altLang="zh-CN" sz="3200" dirty="0"/>
-              <a:t>++</a:t>
-            </a:r>
-            <a:r>
-              <a:rPr lang="en-US" altLang="zh-CN" sz="3200" dirty="0" err="1"/>
-              <a:t>cnt</a:t>
-            </a:r>
-            <a:r>
-              <a:rPr lang="en-US" altLang="zh-CN" sz="3200" dirty="0"/>
-              <a:t>; ++</a:t>
-            </a:r>
-            <a:r>
-              <a:rPr lang="en-US" altLang="zh-CN" sz="3200" dirty="0" err="1"/>
-              <a:t>sz</a:t>
-            </a:r>
-            <a:r>
-              <a:rPr lang="en-US" altLang="zh-CN" sz="3200" dirty="0"/>
-              <a:t>; </a:t>
+              <a:t>if (*p) // ...</a:t>
             </a:r>
             <a:endParaRPr lang="zh-CN" altLang="en-US" sz="3200" dirty="0"/>
           </a:p>
@@ -7130,7 +7832,7 @@
     </p:spTree>
     <p:extLst>
       <p:ext uri="{BB962C8B-B14F-4D97-AF65-F5344CB8AC3E}">
-        <p14:creationId xmlns:p14="http://schemas.microsoft.com/office/powerpoint/2010/main" val="205302054"/>
+        <p14:creationId xmlns:p14="http://schemas.microsoft.com/office/powerpoint/2010/main" val="2997419110"/>
       </p:ext>
     </p:extLst>
   </p:cSld>
@@ -7207,8 +7909,8 @@
         </p:nvSpPr>
         <p:spPr>
           <a:xfrm>
-            <a:off x="518175" y="466545"/>
-            <a:ext cx="12673949" cy="923330"/>
+            <a:off x="518176" y="466545"/>
+            <a:ext cx="9654524" cy="1200329"/>
           </a:xfrm>
           <a:prstGeom prst="rect">
             <a:avLst/>
@@ -7222,36 +7924,12 @@
           <a:lstStyle/>
           <a:p>
             <a:r>
-              <a:rPr lang="en-US" altLang="zh-CN" sz="5400" b="1" dirty="0">
+              <a:rPr lang="en-US" altLang="zh-CN" sz="7200" b="1" dirty="0">
                 <a:latin typeface="+mn-ea"/>
               </a:rPr>
-              <a:t>exercise10:</a:t>
-            </a:r>
-            <a:r>
-              <a:rPr lang="zh-CN" altLang="en-US" sz="5400" b="1" dirty="0">
-                <a:latin typeface="+mn-ea"/>
-              </a:rPr>
-              <a:t>顶层</a:t>
-            </a:r>
-            <a:r>
-              <a:rPr lang="en-US" altLang="zh-CN" sz="5400" b="1" dirty="0">
-                <a:latin typeface="+mn-ea"/>
-              </a:rPr>
-              <a:t>const</a:t>
-            </a:r>
-            <a:r>
-              <a:rPr lang="zh-CN" altLang="en-US" sz="5400" b="1" dirty="0">
-                <a:latin typeface="+mn-ea"/>
-              </a:rPr>
-              <a:t>和底层</a:t>
-            </a:r>
-            <a:r>
-              <a:rPr lang="en-US" altLang="zh-CN" sz="5400" b="1" dirty="0">
-                <a:latin typeface="+mn-ea"/>
-              </a:rPr>
-              <a:t>const</a:t>
-            </a:r>
-            <a:endParaRPr lang="zh-CN" altLang="en-US" sz="5400" b="1" dirty="0">
+              <a:t>exercise9:const</a:t>
+            </a:r>
+            <a:endParaRPr lang="zh-CN" altLang="en-US" sz="7200" b="1" dirty="0">
               <a:latin typeface="+mn-ea"/>
             </a:endParaRPr>
           </a:p>
@@ -7271,8 +7949,8 @@
         </p:nvSpPr>
         <p:spPr>
           <a:xfrm>
-            <a:off x="3801533" y="2065685"/>
-            <a:ext cx="7696200" cy="4524315"/>
+            <a:off x="3911600" y="2192685"/>
+            <a:ext cx="7696200" cy="3539430"/>
           </a:xfrm>
           <a:prstGeom prst="rect">
             <a:avLst/>
@@ -7287,77 +7965,99 @@
           <a:p>
             <a:r>
               <a:rPr lang="zh-CN" altLang="en-US" sz="3200" dirty="0"/>
-              <a:t>对于下面的这些语句，请说明对象被声明成了顶层</a:t>
-            </a:r>
+              <a:t>下面哪些语句是合法的？如果不合法，请说明为什么？</a:t>
+            </a:r>
+          </a:p>
+          <a:p>
+            <a:endParaRPr lang="zh-CN" altLang="en-US" sz="3200" dirty="0"/>
+          </a:p>
+          <a:p>
             <a:r>
               <a:rPr lang="en-US" altLang="zh-CN" sz="3200" dirty="0"/>
-              <a:t>const</a:t>
+              <a:t>const int </a:t>
+            </a:r>
+            <a:r>
+              <a:rPr lang="en-US" altLang="zh-CN" sz="3200" dirty="0" err="1"/>
+              <a:t>buf</a:t>
+            </a:r>
+            <a:r>
+              <a:rPr lang="en-US" altLang="zh-CN" sz="3200" dirty="0"/>
+              <a:t>;    //const</a:t>
             </a:r>
             <a:r>
               <a:rPr lang="zh-CN" altLang="en-US" sz="3200" dirty="0"/>
-              <a:t>还是底层</a:t>
+              <a:t>对象必须初始化</a:t>
             </a:r>
             <a:r>
               <a:rPr lang="en-US" altLang="zh-CN" sz="3200" dirty="0"/>
-              <a:t>const</a:t>
-            </a:r>
-            <a:r>
-              <a:rPr lang="zh-CN" altLang="en-US" sz="3200" dirty="0"/>
-              <a:t>？</a:t>
-            </a:r>
-            <a:endParaRPr lang="en-US" altLang="zh-CN" sz="3200" dirty="0"/>
+              <a:t>  </a:t>
+            </a:r>
           </a:p>
           <a:p>
             <a:r>
               <a:rPr lang="en-US" altLang="zh-CN" sz="3200" dirty="0"/>
-              <a:t>//</a:t>
-            </a:r>
-            <a:r>
-              <a:rPr lang="zh-CN" altLang="en-US" sz="3200" dirty="0"/>
-              <a:t>只针对复合类型而言（指针和引用）</a:t>
-            </a:r>
-          </a:p>
-          <a:p>
+              <a:t>int </a:t>
+            </a:r>
+            <a:r>
+              <a:rPr lang="en-US" altLang="zh-CN" sz="3200" dirty="0" err="1"/>
+              <a:t>cnt</a:t>
+            </a:r>
+            <a:r>
+              <a:rPr lang="en-US" altLang="zh-CN" sz="3200" dirty="0"/>
+              <a:t> = 0;        </a:t>
+            </a:r>
+          </a:p>
+          <a:p>
+            <a:r>
+              <a:rPr lang="en-US" altLang="zh-CN" sz="3200" dirty="0"/>
+              <a:t>const int </a:t>
+            </a:r>
+            <a:r>
+              <a:rPr lang="en-US" altLang="zh-CN" sz="3200" dirty="0" err="1"/>
+              <a:t>sz</a:t>
+            </a:r>
+            <a:r>
+              <a:rPr lang="en-US" altLang="zh-CN" sz="3200" dirty="0"/>
+              <a:t> = </a:t>
+            </a:r>
+            <a:r>
+              <a:rPr lang="en-US" altLang="zh-CN" sz="3200" dirty="0" err="1"/>
+              <a:t>cnt</a:t>
+            </a:r>
+            <a:r>
+              <a:rPr lang="en-US" altLang="zh-CN" sz="3200" dirty="0"/>
+              <a:t>; </a:t>
+            </a:r>
+          </a:p>
+          <a:p>
+            <a:r>
+              <a:rPr lang="en-US" altLang="zh-CN" sz="3200" dirty="0"/>
+              <a:t>++</a:t>
+            </a:r>
+            <a:r>
+              <a:rPr lang="en-US" altLang="zh-CN" sz="3200" dirty="0" err="1"/>
+              <a:t>cnt</a:t>
+            </a:r>
+            <a:r>
+              <a:rPr lang="en-US" altLang="zh-CN" sz="3200" dirty="0"/>
+              <a:t>; ++</a:t>
+            </a:r>
+            <a:r>
+              <a:rPr lang="en-US" altLang="zh-CN" sz="3200" dirty="0" err="1"/>
+              <a:t>sz</a:t>
+            </a:r>
+            <a:r>
+              <a:rPr lang="en-US" altLang="zh-CN" sz="3200" dirty="0"/>
+              <a:t>; </a:t>
+            </a:r>
             <a:endParaRPr lang="zh-CN" altLang="en-US" sz="3200" dirty="0"/>
-          </a:p>
-          <a:p>
-            <a:r>
-              <a:rPr lang="en-US" altLang="zh-CN" sz="3200" dirty="0"/>
-              <a:t>const int v2 = 0; </a:t>
-            </a:r>
-          </a:p>
-          <a:p>
-            <a:r>
-              <a:rPr lang="en-US" altLang="zh-CN" sz="3200" dirty="0"/>
-              <a:t>int v1 = v2;</a:t>
-            </a:r>
-          </a:p>
-          <a:p>
-            <a:r>
-              <a:rPr lang="en-US" altLang="zh-CN" sz="3200" dirty="0"/>
-              <a:t>int *p1 = &amp;v1, &amp;r1 = v1;</a:t>
-            </a:r>
-          </a:p>
-          <a:p>
-            <a:r>
-              <a:rPr lang="en-US" altLang="zh-CN" sz="3200" dirty="0"/>
-              <a:t>const int *p2 = &amp;v2, *const p3 = &amp;</a:t>
-            </a:r>
-            <a:r>
-              <a:rPr lang="en-US" altLang="zh-CN" sz="3200" dirty="0" err="1"/>
-              <a:t>i</a:t>
-            </a:r>
-            <a:r>
-              <a:rPr lang="en-US" altLang="zh-CN" sz="3200" dirty="0"/>
-              <a:t>, &amp;r2 = v2;</a:t>
-            </a:r>
           </a:p>
         </p:txBody>
       </p:sp>
     </p:spTree>
     <p:extLst>
       <p:ext uri="{BB962C8B-B14F-4D97-AF65-F5344CB8AC3E}">
-        <p14:creationId xmlns:p14="http://schemas.microsoft.com/office/powerpoint/2010/main" val="1221082278"/>
+        <p14:creationId xmlns:p14="http://schemas.microsoft.com/office/powerpoint/2010/main" val="205302054"/>
       </p:ext>
     </p:extLst>
   </p:cSld>
@@ -7434,8 +8134,8 @@
         </p:nvSpPr>
         <p:spPr>
           <a:xfrm>
-            <a:off x="518176" y="466545"/>
-            <a:ext cx="9654524" cy="1200329"/>
+            <a:off x="518175" y="466545"/>
+            <a:ext cx="12673949" cy="923330"/>
           </a:xfrm>
           <a:prstGeom prst="rect">
             <a:avLst/>
@@ -7449,17 +8149,38 @@
           <a:lstStyle/>
           <a:p>
             <a:r>
-              <a:rPr lang="en-US" altLang="zh-CN" sz="7200" b="1" dirty="0">
+              <a:rPr lang="en-US" altLang="zh-CN" sz="5400" b="1" dirty="0">
                 <a:latin typeface="+mn-ea"/>
               </a:rPr>
-              <a:t>exercise11:	auto</a:t>
-            </a:r>
-            <a:r>
-              <a:rPr lang="zh-CN" altLang="en-US" sz="7200" b="1" dirty="0">
+              <a:t>exercise10:</a:t>
+            </a:r>
+            <a:r>
+              <a:rPr lang="zh-CN" altLang="en-US" sz="5400" b="1" dirty="0">
                 <a:latin typeface="+mn-ea"/>
               </a:rPr>
-              <a:t>推断</a:t>
-            </a:r>
+              <a:t>顶层</a:t>
+            </a:r>
+            <a:r>
+              <a:rPr lang="en-US" altLang="zh-CN" sz="5400" b="1" dirty="0">
+                <a:latin typeface="+mn-ea"/>
+              </a:rPr>
+              <a:t>const</a:t>
+            </a:r>
+            <a:r>
+              <a:rPr lang="zh-CN" altLang="en-US" sz="5400" b="1" dirty="0">
+                <a:latin typeface="+mn-ea"/>
+              </a:rPr>
+              <a:t>和底层</a:t>
+            </a:r>
+            <a:r>
+              <a:rPr lang="en-US" altLang="zh-CN" sz="5400" b="1" dirty="0">
+                <a:latin typeface="+mn-ea"/>
+              </a:rPr>
+              <a:t>const</a:t>
+            </a:r>
+            <a:endParaRPr lang="zh-CN" altLang="en-US" sz="5400" b="1" dirty="0">
+              <a:latin typeface="+mn-ea"/>
+            </a:endParaRPr>
           </a:p>
         </p:txBody>
       </p:sp>
@@ -7477,8 +8198,8 @@
         </p:nvSpPr>
         <p:spPr>
           <a:xfrm>
-            <a:off x="3911600" y="2192685"/>
-            <a:ext cx="7696200" cy="4031873"/>
+            <a:off x="3801533" y="2065685"/>
+            <a:ext cx="7696200" cy="4524315"/>
           </a:xfrm>
           <a:prstGeom prst="rect">
             <a:avLst/>
@@ -7493,7 +8214,34 @@
           <a:p>
             <a:r>
               <a:rPr lang="zh-CN" altLang="en-US" sz="3200" dirty="0"/>
-              <a:t>判断下列定义推断出的类型是什么，然后编写程序进行验证。</a:t>
+              <a:t>对于下面的这些语句，请说明对象被声明成了顶层</a:t>
+            </a:r>
+            <a:r>
+              <a:rPr lang="en-US" altLang="zh-CN" sz="3200" dirty="0"/>
+              <a:t>const</a:t>
+            </a:r>
+            <a:r>
+              <a:rPr lang="zh-CN" altLang="en-US" sz="3200" dirty="0"/>
+              <a:t>还是底层</a:t>
+            </a:r>
+            <a:r>
+              <a:rPr lang="en-US" altLang="zh-CN" sz="3200" dirty="0"/>
+              <a:t>const</a:t>
+            </a:r>
+            <a:r>
+              <a:rPr lang="zh-CN" altLang="en-US" sz="3200" dirty="0"/>
+              <a:t>？</a:t>
+            </a:r>
+            <a:endParaRPr lang="en-US" altLang="zh-CN" sz="3200" dirty="0"/>
+          </a:p>
+          <a:p>
+            <a:r>
+              <a:rPr lang="en-US" altLang="zh-CN" sz="3200" dirty="0"/>
+              <a:t>//</a:t>
+            </a:r>
+            <a:r>
+              <a:rPr lang="zh-CN" altLang="en-US" sz="3200" dirty="0"/>
+              <a:t>只针对复合类型而言（指针和引用）</a:t>
             </a:r>
           </a:p>
           <a:p>
@@ -7502,7 +8250,25 @@
           <a:p>
             <a:r>
               <a:rPr lang="en-US" altLang="zh-CN" sz="3200" dirty="0"/>
-              <a:t>const int </a:t>
+              <a:t>const int v2 = 0; </a:t>
+            </a:r>
+          </a:p>
+          <a:p>
+            <a:r>
+              <a:rPr lang="en-US" altLang="zh-CN" sz="3200" dirty="0"/>
+              <a:t>int v1 = v2;</a:t>
+            </a:r>
+          </a:p>
+          <a:p>
+            <a:r>
+              <a:rPr lang="en-US" altLang="zh-CN" sz="3200" dirty="0"/>
+              <a:t>int *p1 = &amp;v1, &amp;r1 = v1;</a:t>
+            </a:r>
+          </a:p>
+          <a:p>
+            <a:r>
+              <a:rPr lang="en-US" altLang="zh-CN" sz="3200" dirty="0"/>
+              <a:t>const int *p2 = &amp;v2, *const p3 = &amp;</a:t>
             </a:r>
             <a:r>
               <a:rPr lang="en-US" altLang="zh-CN" sz="3200" dirty="0" err="1"/>
@@ -7510,85 +8276,15 @@
             </a:r>
             <a:r>
               <a:rPr lang="en-US" altLang="zh-CN" sz="3200" dirty="0"/>
-              <a:t> = 42;</a:t>
-            </a:r>
-          </a:p>
-          <a:p>
-            <a:r>
-              <a:rPr lang="en-US" altLang="zh-CN" sz="3200" dirty="0"/>
-              <a:t>auto j = </a:t>
-            </a:r>
-            <a:r>
-              <a:rPr lang="en-US" altLang="zh-CN" sz="3200" dirty="0" err="1"/>
-              <a:t>i</a:t>
-            </a:r>
-            <a:r>
-              <a:rPr lang="en-US" altLang="zh-CN" sz="3200" dirty="0"/>
-              <a:t>;</a:t>
-            </a:r>
-          </a:p>
-          <a:p>
-            <a:r>
-              <a:rPr lang="en-US" altLang="zh-CN" sz="3200" dirty="0"/>
-              <a:t>const auto &amp;k = </a:t>
-            </a:r>
-            <a:r>
-              <a:rPr lang="en-US" altLang="zh-CN" sz="3200" dirty="0" err="1"/>
-              <a:t>i</a:t>
-            </a:r>
-            <a:r>
-              <a:rPr lang="en-US" altLang="zh-CN" sz="3200" dirty="0"/>
-              <a:t>;</a:t>
-            </a:r>
-          </a:p>
-          <a:p>
-            <a:r>
-              <a:rPr lang="en-US" altLang="zh-CN" sz="3200" dirty="0"/>
-              <a:t>auto *p = &amp;</a:t>
-            </a:r>
-            <a:r>
-              <a:rPr lang="en-US" altLang="zh-CN" sz="3200" dirty="0" err="1"/>
-              <a:t>i</a:t>
-            </a:r>
-            <a:r>
-              <a:rPr lang="en-US" altLang="zh-CN" sz="3200" dirty="0"/>
-              <a:t>;  //</a:t>
-            </a:r>
-            <a:r>
-              <a:rPr lang="zh-CN" altLang="en-US" sz="3200"/>
-              <a:t>待定</a:t>
-            </a:r>
-            <a:endParaRPr lang="en-US" altLang="zh-CN" sz="3200" dirty="0"/>
-          </a:p>
-          <a:p>
-            <a:r>
-              <a:rPr lang="en-US" altLang="zh-CN" sz="3200" dirty="0"/>
-              <a:t>const auto j2 = </a:t>
-            </a:r>
-            <a:r>
-              <a:rPr lang="en-US" altLang="zh-CN" sz="3200" dirty="0" err="1"/>
-              <a:t>i</a:t>
-            </a:r>
-            <a:r>
-              <a:rPr lang="en-US" altLang="zh-CN" sz="3200" dirty="0"/>
-              <a:t>, &amp;k2 = </a:t>
-            </a:r>
-            <a:r>
-              <a:rPr lang="en-US" altLang="zh-CN" sz="3200" dirty="0" err="1"/>
-              <a:t>i</a:t>
-            </a:r>
-            <a:r>
-              <a:rPr lang="en-US" altLang="zh-CN" sz="3200" dirty="0"/>
-              <a:t>;</a:t>
-            </a:r>
-            <a:endParaRPr lang="zh-CN" altLang="en-US" sz="3200" dirty="0"/>
+              <a:t>, &amp;r2 = v2;</a:t>
+            </a:r>
           </a:p>
         </p:txBody>
       </p:sp>
     </p:spTree>
     <p:extLst>
       <p:ext uri="{BB962C8B-B14F-4D97-AF65-F5344CB8AC3E}">
-        <p14:creationId xmlns:p14="http://schemas.microsoft.com/office/powerpoint/2010/main" val="842146943"/>
+        <p14:creationId xmlns:p14="http://schemas.microsoft.com/office/powerpoint/2010/main" val="1221082278"/>
       </p:ext>
     </p:extLst>
   </p:cSld>
@@ -7665,8 +8361,8 @@
         </p:nvSpPr>
         <p:spPr>
           <a:xfrm>
-            <a:off x="518175" y="466545"/>
-            <a:ext cx="11169000" cy="1200329"/>
+            <a:off x="518176" y="466545"/>
+            <a:ext cx="9654524" cy="1200329"/>
           </a:xfrm>
           <a:prstGeom prst="rect">
             <a:avLst/>
@@ -7683,13 +8379,13 @@
               <a:rPr lang="en-US" altLang="zh-CN" sz="7200" b="1" dirty="0">
                 <a:latin typeface="+mn-ea"/>
               </a:rPr>
-              <a:t>exercise12:</a:t>
+              <a:t>exercise11:	auto</a:t>
             </a:r>
             <a:r>
               <a:rPr lang="zh-CN" altLang="en-US" sz="7200" b="1" dirty="0">
                 <a:latin typeface="+mn-ea"/>
               </a:rPr>
-              <a:t>头文件保护符</a:t>
+              <a:t>推断</a:t>
             </a:r>
           </a:p>
         </p:txBody>
@@ -7709,7 +8405,7 @@
         <p:spPr>
           <a:xfrm>
             <a:off x="3911600" y="2192685"/>
-            <a:ext cx="7696200" cy="584775"/>
+            <a:ext cx="7696200" cy="4031873"/>
           </a:xfrm>
           <a:prstGeom prst="rect">
             <a:avLst/>
@@ -7724,43 +8420,102 @@
           <a:p>
             <a:r>
               <a:rPr lang="zh-CN" altLang="en-US" sz="3200" dirty="0"/>
-              <a:t>说说</a:t>
-            </a:r>
+              <a:t>判断下列定义推断出的类型是什么，然后编写程序进行验证。</a:t>
+            </a:r>
+          </a:p>
+          <a:p>
+            <a:endParaRPr lang="zh-CN" altLang="en-US" sz="3200" dirty="0"/>
+          </a:p>
+          <a:p>
             <a:r>
               <a:rPr lang="en-US" altLang="zh-CN" sz="3200" dirty="0"/>
-              <a:t>#</a:t>
-            </a:r>
-            <a:r>
-              <a:rPr lang="en-US" altLang="zh-CN" sz="3200" b="1" dirty="0" err="1"/>
-              <a:t>ifndef</a:t>
+              <a:t>const int </a:t>
+            </a:r>
+            <a:r>
+              <a:rPr lang="en-US" altLang="zh-CN" sz="3200" dirty="0" err="1"/>
+              <a:t>i</a:t>
             </a:r>
             <a:r>
               <a:rPr lang="en-US" altLang="zh-CN" sz="3200" dirty="0"/>
-              <a:t> </a:t>
+              <a:t> = 42;</a:t>
+            </a:r>
+          </a:p>
+          <a:p>
+            <a:r>
+              <a:rPr lang="en-US" altLang="zh-CN" sz="3200" dirty="0"/>
+              <a:t>auto j = </a:t>
+            </a:r>
+            <a:r>
+              <a:rPr lang="en-US" altLang="zh-CN" sz="3200" dirty="0" err="1"/>
+              <a:t>i</a:t>
+            </a:r>
+            <a:r>
+              <a:rPr lang="en-US" altLang="zh-CN" sz="3200" dirty="0"/>
+              <a:t>;</a:t>
+            </a:r>
+          </a:p>
+          <a:p>
+            <a:r>
+              <a:rPr lang="en-US" altLang="zh-CN" sz="3200" dirty="0"/>
+              <a:t>const auto &amp;k = </a:t>
+            </a:r>
+            <a:r>
+              <a:rPr lang="en-US" altLang="zh-CN" sz="3200" dirty="0" err="1"/>
+              <a:t>i</a:t>
+            </a:r>
+            <a:r>
+              <a:rPr lang="en-US" altLang="zh-CN" sz="3200" dirty="0"/>
+              <a:t>;</a:t>
+            </a:r>
+          </a:p>
+          <a:p>
+            <a:r>
+              <a:rPr lang="en-US" altLang="zh-CN" sz="3200" dirty="0"/>
+              <a:t>auto *p = &amp;</a:t>
+            </a:r>
+            <a:r>
+              <a:rPr lang="en-US" altLang="zh-CN" sz="3200" dirty="0" err="1"/>
+              <a:t>i</a:t>
+            </a:r>
+            <a:r>
+              <a:rPr lang="en-US" altLang="zh-CN" sz="3200" dirty="0"/>
+              <a:t>;  //</a:t>
             </a:r>
             <a:r>
               <a:rPr lang="zh-CN" altLang="en-US" sz="3200" dirty="0"/>
-              <a:t>和</a:t>
-            </a:r>
+              <a:t>待定</a:t>
+            </a:r>
+            <a:endParaRPr lang="en-US" altLang="zh-CN" sz="3200" dirty="0"/>
+          </a:p>
+          <a:p>
             <a:r>
               <a:rPr lang="en-US" altLang="zh-CN" sz="3200" dirty="0"/>
-              <a:t>#</a:t>
-            </a:r>
-            <a:r>
-              <a:rPr lang="en-US" altLang="zh-CN" sz="3200" b="1" dirty="0"/>
-              <a:t>pragma once</a:t>
-            </a:r>
-            <a:r>
-              <a:rPr lang="zh-CN" altLang="en-US" sz="3200" dirty="0"/>
-              <a:t>的区别</a:t>
-            </a:r>
+              <a:t>const auto j2 = </a:t>
+            </a:r>
+            <a:r>
+              <a:rPr lang="en-US" altLang="zh-CN" sz="3200" dirty="0" err="1"/>
+              <a:t>i</a:t>
+            </a:r>
+            <a:r>
+              <a:rPr lang="en-US" altLang="zh-CN" sz="3200" dirty="0"/>
+              <a:t>, &amp;k2 = </a:t>
+            </a:r>
+            <a:r>
+              <a:rPr lang="en-US" altLang="zh-CN" sz="3200" dirty="0" err="1"/>
+              <a:t>i</a:t>
+            </a:r>
+            <a:r>
+              <a:rPr lang="en-US" altLang="zh-CN" sz="3200" dirty="0"/>
+              <a:t>;</a:t>
+            </a:r>
+            <a:endParaRPr lang="zh-CN" altLang="en-US" sz="3200" dirty="0"/>
           </a:p>
         </p:txBody>
       </p:sp>
     </p:spTree>
     <p:extLst>
       <p:ext uri="{BB962C8B-B14F-4D97-AF65-F5344CB8AC3E}">
-        <p14:creationId xmlns:p14="http://schemas.microsoft.com/office/powerpoint/2010/main" val="4158320457"/>
+        <p14:creationId xmlns:p14="http://schemas.microsoft.com/office/powerpoint/2010/main" val="842146943"/>
       </p:ext>
     </p:extLst>
   </p:cSld>
@@ -7787,69 +8542,152 @@
           <a:chExt cx="0" cy="0"/>
         </a:xfrm>
       </p:grpSpPr>
-      <p:sp>
-        <p:nvSpPr>
-          <p:cNvPr id="9" name="矩形 8">
-            <a:extLst>
-              <a:ext uri="{FF2B5EF4-FFF2-40B4-BE49-F238E27FC236}">
-                <a16:creationId xmlns:a16="http://schemas.microsoft.com/office/drawing/2014/main" id="{905E8B6D-950F-4396-9DBF-B652B1E45801}"/>
-              </a:ext>
-            </a:extLst>
-          </p:cNvPr>
-          <p:cNvSpPr/>
+      <p:pic>
+        <p:nvPicPr>
+          <p:cNvPr id="3" name="图片 2">
+            <a:extLst>
+              <a:ext uri="{FF2B5EF4-FFF2-40B4-BE49-F238E27FC236}">
+                <a16:creationId xmlns:a16="http://schemas.microsoft.com/office/drawing/2014/main" id="{807372C6-A1CB-43EA-A384-B8443A72444E}"/>
+              </a:ext>
+            </a:extLst>
+          </p:cNvPr>
+          <p:cNvPicPr>
+            <a:picLocks noChangeAspect="1"/>
+          </p:cNvPicPr>
           <p:nvPr/>
-        </p:nvSpPr>
+        </p:nvPicPr>
+        <p:blipFill>
+          <a:blip r:embed="rId3">
+            <a:extLst>
+              <a:ext uri="{28A0092B-C50C-407E-A947-70E740481C1C}">
+                <a14:useLocalDpi xmlns:a14="http://schemas.microsoft.com/office/drawing/2010/main" val="0"/>
+              </a:ext>
+            </a:extLst>
+          </a:blip>
+          <a:stretch>
+            <a:fillRect/>
+          </a:stretch>
+        </p:blipFill>
         <p:spPr>
           <a:xfrm>
-            <a:off x="288268" y="288399"/>
-            <a:ext cx="3397084" cy="584775"/>
+            <a:off x="209544" y="2400299"/>
+            <a:ext cx="3124203" cy="3124203"/>
           </a:xfrm>
           <a:prstGeom prst="rect">
             <a:avLst/>
           </a:prstGeom>
         </p:spPr>
-        <p:txBody>
-          <a:bodyPr wrap="none">
+      </p:pic>
+      <p:sp>
+        <p:nvSpPr>
+          <p:cNvPr id="8" name="文本框 7">
+            <a:extLst>
+              <a:ext uri="{FF2B5EF4-FFF2-40B4-BE49-F238E27FC236}">
+                <a16:creationId xmlns:a16="http://schemas.microsoft.com/office/drawing/2014/main" id="{173B5B89-5235-4C07-99A2-AC5672E77337}"/>
+              </a:ext>
+            </a:extLst>
+          </p:cNvPr>
+          <p:cNvSpPr txBox="1"/>
+          <p:nvPr/>
+        </p:nvSpPr>
+        <p:spPr>
+          <a:xfrm>
+            <a:off x="518175" y="466545"/>
+            <a:ext cx="11169000" cy="1200329"/>
+          </a:xfrm>
+          <a:prstGeom prst="rect">
+            <a:avLst/>
+          </a:prstGeom>
+          <a:noFill/>
+        </p:spPr>
+        <p:txBody>
+          <a:bodyPr wrap="square" rtlCol="0">
             <a:spAutoFit/>
           </a:bodyPr>
           <a:lstStyle/>
           <a:p>
-            <a:pPr lvl="0" fontAlgn="base">
-              <a:spcBef>
-                <a:spcPct val="0"/>
-              </a:spcBef>
-              <a:spcAft>
-                <a:spcPct val="0"/>
-              </a:spcAft>
-            </a:pPr>
-            <a:r>
-              <a:rPr lang="zh-CN" altLang="zh-CN" sz="3200" b="1" dirty="0">
+            <a:r>
+              <a:rPr lang="en-US" altLang="zh-CN" sz="7200" b="1" dirty="0">
                 <a:latin typeface="+mn-ea"/>
               </a:rPr>
-              <a:t>2</a:t>
-            </a:r>
-            <a:r>
-              <a:rPr lang="en-US" altLang="zh-CN" sz="3200" b="1" dirty="0">
+              <a:t>exercise12:</a:t>
+            </a:r>
+            <a:r>
+              <a:rPr lang="zh-CN" altLang="en-US" sz="7200" b="1" dirty="0">
                 <a:latin typeface="+mn-ea"/>
               </a:rPr>
+              <a:t>头文件保护符</a:t>
+            </a:r>
+          </a:p>
+        </p:txBody>
+      </p:sp>
+      <p:sp>
+        <p:nvSpPr>
+          <p:cNvPr id="4" name="文本框 3">
+            <a:extLst>
+              <a:ext uri="{FF2B5EF4-FFF2-40B4-BE49-F238E27FC236}">
+                <a16:creationId xmlns:a16="http://schemas.microsoft.com/office/drawing/2014/main" id="{FF061744-ECCD-4F85-BBEE-D7B712F42667}"/>
+              </a:ext>
+            </a:extLst>
+          </p:cNvPr>
+          <p:cNvSpPr txBox="1"/>
+          <p:nvPr/>
+        </p:nvSpPr>
+        <p:spPr>
+          <a:xfrm>
+            <a:off x="3911600" y="2192685"/>
+            <a:ext cx="7696200" cy="584775"/>
+          </a:xfrm>
+          <a:prstGeom prst="rect">
+            <a:avLst/>
+          </a:prstGeom>
+          <a:noFill/>
+        </p:spPr>
+        <p:txBody>
+          <a:bodyPr wrap="square" rtlCol="0">
+            <a:spAutoFit/>
+          </a:bodyPr>
+          <a:lstStyle/>
+          <a:p>
+            <a:r>
+              <a:rPr lang="zh-CN" altLang="en-US" sz="3200" dirty="0"/>
+              <a:t>说说</a:t>
+            </a:r>
+            <a:r>
+              <a:rPr lang="en-US" altLang="zh-CN" sz="3200" dirty="0"/>
+              <a:t>#</a:t>
+            </a:r>
+            <a:r>
+              <a:rPr lang="en-US" altLang="zh-CN" sz="3200" b="1" dirty="0" err="1"/>
+              <a:t>ifndef</a:t>
+            </a:r>
+            <a:r>
+              <a:rPr lang="en-US" altLang="zh-CN" sz="3200" dirty="0"/>
               <a:t> </a:t>
             </a:r>
             <a:r>
-              <a:rPr lang="zh-CN" altLang="en-US" sz="3200" b="1" dirty="0">
-                <a:latin typeface="+mn-ea"/>
-              </a:rPr>
-              <a:t>基本类型和变量</a:t>
-            </a:r>
-            <a:endParaRPr lang="zh-CN" altLang="zh-CN" sz="3200" b="1" dirty="0">
-              <a:latin typeface="+mn-ea"/>
-            </a:endParaRPr>
+              <a:rPr lang="zh-CN" altLang="en-US" sz="3200" dirty="0"/>
+              <a:t>和</a:t>
+            </a:r>
+            <a:r>
+              <a:rPr lang="en-US" altLang="zh-CN" sz="3200" dirty="0"/>
+              <a:t>#</a:t>
+            </a:r>
+            <a:r>
+              <a:rPr lang="en-US" altLang="zh-CN" sz="3200" b="1" dirty="0"/>
+              <a:t>pragma once</a:t>
+            </a:r>
+            <a:r>
+              <a:rPr lang="zh-CN" altLang="en-US" sz="3200" dirty="0"/>
+              <a:t>的区别</a:t>
+            </a:r>
           </a:p>
         </p:txBody>
       </p:sp>
     </p:spTree>
     <p:extLst>
       <p:ext uri="{BB962C8B-B14F-4D97-AF65-F5344CB8AC3E}">
-        <p14:creationId xmlns:p14="http://schemas.microsoft.com/office/powerpoint/2010/main" val="2064899679"/>
+        <p14:creationId xmlns:p14="http://schemas.microsoft.com/office/powerpoint/2010/main" val="4158320457"/>
       </p:ext>
     </p:extLst>
   </p:cSld>
@@ -7878,257 +8716,10 @@
       </p:grpSpPr>
       <p:sp>
         <p:nvSpPr>
-          <p:cNvPr id="4" name="Rectangle 2">
-            <a:extLst>
-              <a:ext uri="{FF2B5EF4-FFF2-40B4-BE49-F238E27FC236}">
-                <a16:creationId xmlns:a16="http://schemas.microsoft.com/office/drawing/2014/main" id="{941FE186-B41E-45A3-82FB-DC3E102AE008}"/>
-              </a:ext>
-            </a:extLst>
-          </p:cNvPr>
-          <p:cNvSpPr>
-            <a:spLocks noChangeArrowheads="1"/>
-          </p:cNvSpPr>
-          <p:nvPr/>
-        </p:nvSpPr>
-        <p:spPr bwMode="auto">
-          <a:xfrm>
-            <a:off x="1317057" y="1436683"/>
-            <a:ext cx="8401050" cy="1200329"/>
-          </a:xfrm>
-          <a:prstGeom prst="rect">
-            <a:avLst/>
-          </a:prstGeom>
-          <a:noFill/>
-          <a:ln>
-            <a:noFill/>
-          </a:ln>
-          <a:effectLst/>
-          <a:extLst>
-            <a:ext uri="{909E8E84-426E-40DD-AFC4-6F175D3DCCD1}">
-              <a14:hiddenFill xmlns:a14="http://schemas.microsoft.com/office/drawing/2010/main">
-                <a:solidFill>
-                  <a:schemeClr val="accent1"/>
-                </a:solidFill>
-              </a14:hiddenFill>
-            </a:ext>
-            <a:ext uri="{91240B29-F687-4F45-9708-019B960494DF}">
-              <a14:hiddenLine xmlns:a14="http://schemas.microsoft.com/office/drawing/2010/main" w="9525">
-                <a:solidFill>
-                  <a:schemeClr val="tx1"/>
-                </a:solidFill>
-                <a:miter lim="800000"/>
-                <a:headEnd/>
-                <a:tailEnd/>
-              </a14:hiddenLine>
-            </a:ext>
-            <a:ext uri="{AF507438-7753-43E0-B8FC-AC1667EBCBE1}">
-              <a14:hiddenEffects xmlns:a14="http://schemas.microsoft.com/office/drawing/2010/main">
-                <a:effectLst>
-                  <a:outerShdw dist="35921" dir="2700000" algn="ctr" rotWithShape="0">
-                    <a:schemeClr val="bg2"/>
-                  </a:outerShdw>
-                </a:effectLst>
-              </a14:hiddenEffects>
-            </a:ext>
-          </a:extLst>
-        </p:spPr>
-        <p:txBody>
-          <a:bodyPr vert="horz" wrap="square" lIns="91440" tIns="45720" rIns="91440" bIns="45720" numCol="1" anchor="ctr" anchorCtr="0" compatLnSpc="1">
-            <a:prstTxWarp prst="textNoShape">
-              <a:avLst/>
-            </a:prstTxWarp>
-            <a:spAutoFit/>
-          </a:bodyPr>
-          <a:lstStyle>
-            <a:lvl1pPr eaLnBrk="0" fontAlgn="base" hangingPunct="0">
-              <a:spcBef>
-                <a:spcPct val="0"/>
-              </a:spcBef>
-              <a:spcAft>
-                <a:spcPct val="0"/>
-              </a:spcAft>
-              <a:defRPr>
-                <a:solidFill>
-                  <a:schemeClr val="tx1"/>
-                </a:solidFill>
-                <a:latin typeface="Arial" panose="020B0604020202020204" pitchFamily="34" charset="0"/>
-              </a:defRPr>
-            </a:lvl1pPr>
-            <a:lvl2pPr eaLnBrk="0" fontAlgn="base" hangingPunct="0">
-              <a:spcBef>
-                <a:spcPct val="0"/>
-              </a:spcBef>
-              <a:spcAft>
-                <a:spcPct val="0"/>
-              </a:spcAft>
-              <a:defRPr>
-                <a:solidFill>
-                  <a:schemeClr val="tx1"/>
-                </a:solidFill>
-                <a:latin typeface="Arial" panose="020B0604020202020204" pitchFamily="34" charset="0"/>
-              </a:defRPr>
-            </a:lvl2pPr>
-            <a:lvl3pPr eaLnBrk="0" fontAlgn="base" hangingPunct="0">
-              <a:spcBef>
-                <a:spcPct val="0"/>
-              </a:spcBef>
-              <a:spcAft>
-                <a:spcPct val="0"/>
-              </a:spcAft>
-              <a:defRPr>
-                <a:solidFill>
-                  <a:schemeClr val="tx1"/>
-                </a:solidFill>
-                <a:latin typeface="Arial" panose="020B0604020202020204" pitchFamily="34" charset="0"/>
-              </a:defRPr>
-            </a:lvl3pPr>
-            <a:lvl4pPr eaLnBrk="0" fontAlgn="base" hangingPunct="0">
-              <a:spcBef>
-                <a:spcPct val="0"/>
-              </a:spcBef>
-              <a:spcAft>
-                <a:spcPct val="0"/>
-              </a:spcAft>
-              <a:defRPr>
-                <a:solidFill>
-                  <a:schemeClr val="tx1"/>
-                </a:solidFill>
-                <a:latin typeface="Arial" panose="020B0604020202020204" pitchFamily="34" charset="0"/>
-              </a:defRPr>
-            </a:lvl4pPr>
-            <a:lvl5pPr eaLnBrk="0" fontAlgn="base" hangingPunct="0">
-              <a:spcBef>
-                <a:spcPct val="0"/>
-              </a:spcBef>
-              <a:spcAft>
-                <a:spcPct val="0"/>
-              </a:spcAft>
-              <a:defRPr>
-                <a:solidFill>
-                  <a:schemeClr val="tx1"/>
-                </a:solidFill>
-                <a:latin typeface="Arial" panose="020B0604020202020204" pitchFamily="34" charset="0"/>
-              </a:defRPr>
-            </a:lvl5pPr>
-            <a:lvl6pPr eaLnBrk="0" fontAlgn="base" hangingPunct="0">
-              <a:spcBef>
-                <a:spcPct val="0"/>
-              </a:spcBef>
-              <a:spcAft>
-                <a:spcPct val="0"/>
-              </a:spcAft>
-              <a:defRPr>
-                <a:solidFill>
-                  <a:schemeClr val="tx1"/>
-                </a:solidFill>
-                <a:latin typeface="Arial" panose="020B0604020202020204" pitchFamily="34" charset="0"/>
-              </a:defRPr>
-            </a:lvl6pPr>
-            <a:lvl7pPr eaLnBrk="0" fontAlgn="base" hangingPunct="0">
-              <a:spcBef>
-                <a:spcPct val="0"/>
-              </a:spcBef>
-              <a:spcAft>
-                <a:spcPct val="0"/>
-              </a:spcAft>
-              <a:defRPr>
-                <a:solidFill>
-                  <a:schemeClr val="tx1"/>
-                </a:solidFill>
-                <a:latin typeface="Arial" panose="020B0604020202020204" pitchFamily="34" charset="0"/>
-              </a:defRPr>
-            </a:lvl7pPr>
-            <a:lvl8pPr eaLnBrk="0" fontAlgn="base" hangingPunct="0">
-              <a:spcBef>
-                <a:spcPct val="0"/>
-              </a:spcBef>
-              <a:spcAft>
-                <a:spcPct val="0"/>
-              </a:spcAft>
-              <a:defRPr>
-                <a:solidFill>
-                  <a:schemeClr val="tx1"/>
-                </a:solidFill>
-                <a:latin typeface="Arial" panose="020B0604020202020204" pitchFamily="34" charset="0"/>
-              </a:defRPr>
-            </a:lvl8pPr>
-            <a:lvl9pPr eaLnBrk="0" fontAlgn="base" hangingPunct="0">
-              <a:spcBef>
-                <a:spcPct val="0"/>
-              </a:spcBef>
-              <a:spcAft>
-                <a:spcPct val="0"/>
-              </a:spcAft>
-              <a:defRPr>
-                <a:solidFill>
-                  <a:schemeClr val="tx1"/>
-                </a:solidFill>
-                <a:latin typeface="Arial" panose="020B0604020202020204" pitchFamily="34" charset="0"/>
-              </a:defRPr>
-            </a:lvl9pPr>
-          </a:lstStyle>
-          <a:p>
-            <a:pPr marR="0" indent="0" eaLnBrk="1" hangingPunct="1">
-              <a:lnSpc>
-                <a:spcPct val="100000"/>
-              </a:lnSpc>
-              <a:buClrTx/>
-              <a:buSzTx/>
-              <a:buFontTx/>
-              <a:buNone/>
-              <a:tabLst/>
-            </a:pPr>
-            <a:r>
-              <a:rPr lang="zh-CN" altLang="zh-CN" sz="2400" b="1" dirty="0">
-                <a:latin typeface="+mn-ea"/>
-              </a:rPr>
-              <a:t>基本内置类型=算数类型+空类型</a:t>
-            </a:r>
-            <a:endParaRPr lang="en-US" altLang="zh-CN" sz="2400" b="1" dirty="0">
-              <a:latin typeface="+mn-ea"/>
-            </a:endParaRPr>
-          </a:p>
-          <a:p>
-            <a:pPr marR="0" indent="0" eaLnBrk="1" hangingPunct="1">
-              <a:lnSpc>
-                <a:spcPct val="100000"/>
-              </a:lnSpc>
-              <a:buClrTx/>
-              <a:buSzTx/>
-              <a:buFontTx/>
-              <a:buNone/>
-              <a:tabLst/>
-            </a:pPr>
-            <a:endParaRPr lang="zh-CN" altLang="zh-CN" sz="2400" b="1" dirty="0">
-              <a:latin typeface="+mn-ea"/>
-            </a:endParaRPr>
-          </a:p>
-          <a:p>
-            <a:pPr marR="0" indent="0" eaLnBrk="1" hangingPunct="1">
-              <a:lnSpc>
-                <a:spcPct val="100000"/>
-              </a:lnSpc>
-              <a:buClrTx/>
-              <a:buSzTx/>
-              <a:buFontTx/>
-              <a:buNone/>
-              <a:tabLst/>
-            </a:pPr>
-            <a:r>
-              <a:rPr lang="zh-CN" altLang="zh-CN" sz="2400" b="1" dirty="0">
-                <a:latin typeface="+mn-ea"/>
-              </a:rPr>
-              <a:t>算术类型=字符类型+整数型+布尔值+浮点数</a:t>
-            </a:r>
-          </a:p>
-        </p:txBody>
-      </p:sp>
-      <p:sp>
-        <p:nvSpPr>
-          <p:cNvPr id="5" name="矩形 4">
-            <a:extLst>
-              <a:ext uri="{FF2B5EF4-FFF2-40B4-BE49-F238E27FC236}">
-                <a16:creationId xmlns:a16="http://schemas.microsoft.com/office/drawing/2014/main" id="{CCA14CC4-DCDF-4B98-885D-AE39794D0326}"/>
+          <p:cNvPr id="9" name="矩形 8">
+            <a:extLst>
+              <a:ext uri="{FF2B5EF4-FFF2-40B4-BE49-F238E27FC236}">
+                <a16:creationId xmlns:a16="http://schemas.microsoft.com/office/drawing/2014/main" id="{905E8B6D-950F-4396-9DBF-B652B1E45801}"/>
               </a:ext>
             </a:extLst>
           </p:cNvPr>
@@ -8138,7 +8729,7 @@
         <p:spPr>
           <a:xfrm>
             <a:off x="288268" y="288399"/>
-            <a:ext cx="2492990" cy="584775"/>
+            <a:ext cx="4810932" cy="584775"/>
           </a:xfrm>
           <a:prstGeom prst="rect">
             <a:avLst/>
@@ -8159,148 +8750,21 @@
               </a:spcAft>
             </a:pPr>
             <a:r>
-              <a:rPr lang="en-US" altLang="zh-CN" sz="3200" b="1" dirty="0">
+              <a:rPr lang="zh-CN" altLang="en-US" sz="3200" b="1" dirty="0">
                 <a:latin typeface="+mn-ea"/>
               </a:rPr>
-              <a:t>2.1 </a:t>
-            </a:r>
-            <a:r>
-              <a:rPr lang="zh-CN" altLang="zh-CN" sz="3200" b="1" dirty="0">
-                <a:latin typeface="+mn-ea"/>
-              </a:rPr>
-              <a:t>基本类型</a:t>
-            </a:r>
-          </a:p>
-        </p:txBody>
-      </p:sp>
-      <p:sp>
-        <p:nvSpPr>
-          <p:cNvPr id="11" name="矩形 10">
-            <a:extLst>
-              <a:ext uri="{FF2B5EF4-FFF2-40B4-BE49-F238E27FC236}">
-                <a16:creationId xmlns:a16="http://schemas.microsoft.com/office/drawing/2014/main" id="{062F1B84-2816-41AC-94CF-C1DDDF5BE2A5}"/>
-              </a:ext>
-            </a:extLst>
-          </p:cNvPr>
-          <p:cNvSpPr/>
-          <p:nvPr/>
-        </p:nvSpPr>
-        <p:spPr>
-          <a:xfrm>
-            <a:off x="7667625" y="3245613"/>
-            <a:ext cx="3219450" cy="2031325"/>
-          </a:xfrm>
-          <a:prstGeom prst="rect">
-            <a:avLst/>
-          </a:prstGeom>
-        </p:spPr>
-        <p:txBody>
-          <a:bodyPr wrap="square">
-            <a:spAutoFit/>
-          </a:bodyPr>
-          <a:lstStyle/>
-          <a:p>
-            <a:r>
-              <a:rPr lang="zh-CN" altLang="en-US" b="1" dirty="0"/>
-              <a:t>char ：1个字节</a:t>
-            </a:r>
-          </a:p>
-          <a:p>
-            <a:r>
-              <a:rPr lang="zh-CN" altLang="en-US" b="1" dirty="0"/>
-              <a:t>wchar_t：2个字节</a:t>
-            </a:r>
-            <a:endParaRPr lang="en-US" altLang="zh-CN" b="1" dirty="0"/>
-          </a:p>
-          <a:p>
-            <a:r>
-              <a:rPr lang="en-US" altLang="zh-CN" b="1" dirty="0"/>
-              <a:t>void</a:t>
-            </a:r>
-            <a:r>
-              <a:rPr lang="zh-CN" altLang="en-US" b="1" dirty="0"/>
-              <a:t>*(指针变量): 8个字节</a:t>
-            </a:r>
-          </a:p>
-          <a:p>
-            <a:r>
-              <a:rPr lang="zh-CN" altLang="en-US" b="1" dirty="0"/>
-              <a:t>int： 4个字节</a:t>
-            </a:r>
-          </a:p>
-          <a:p>
-            <a:r>
-              <a:rPr lang="zh-CN" altLang="en-US" b="1" dirty="0"/>
-              <a:t>unsigned int : 4个字节</a:t>
-            </a:r>
-          </a:p>
-          <a:p>
-            <a:r>
-              <a:rPr lang="zh-CN" altLang="en-US" b="1" dirty="0"/>
-              <a:t>float: 4个字节</a:t>
-            </a:r>
-          </a:p>
-          <a:p>
-            <a:r>
-              <a:rPr lang="zh-CN" altLang="en-US" b="1" dirty="0"/>
-              <a:t>double:  8个字节</a:t>
-            </a:r>
-          </a:p>
-        </p:txBody>
-      </p:sp>
-      <p:sp>
-        <p:nvSpPr>
-          <p:cNvPr id="12" name="文本框 11">
-            <a:extLst>
-              <a:ext uri="{FF2B5EF4-FFF2-40B4-BE49-F238E27FC236}">
-                <a16:creationId xmlns:a16="http://schemas.microsoft.com/office/drawing/2014/main" id="{AB60CE66-EF70-49BE-A02F-102AB6C27324}"/>
-              </a:ext>
-            </a:extLst>
-          </p:cNvPr>
-          <p:cNvSpPr txBox="1"/>
-          <p:nvPr/>
-        </p:nvSpPr>
-        <p:spPr>
-          <a:xfrm>
-            <a:off x="803925" y="3647895"/>
-            <a:ext cx="5130149" cy="1015663"/>
-          </a:xfrm>
-          <a:prstGeom prst="rect">
-            <a:avLst/>
-          </a:prstGeom>
-          <a:noFill/>
-        </p:spPr>
-        <p:txBody>
-          <a:bodyPr wrap="square" rtlCol="0">
-            <a:spAutoFit/>
-          </a:bodyPr>
-          <a:lstStyle/>
-          <a:p>
-            <a:r>
-              <a:rPr lang="zh-CN" altLang="en-US" sz="6000" b="1" dirty="0">
-                <a:latin typeface="+mn-ea"/>
-              </a:rPr>
-              <a:t>在</a:t>
-            </a:r>
-            <a:r>
-              <a:rPr lang="en-US" altLang="zh-CN" sz="6000" b="1" dirty="0">
-                <a:latin typeface="+mn-ea"/>
-              </a:rPr>
-              <a:t>64</a:t>
-            </a:r>
-            <a:r>
-              <a:rPr lang="zh-CN" altLang="en-US" sz="6000" b="1" dirty="0">
-                <a:latin typeface="+mn-ea"/>
-              </a:rPr>
-              <a:t>位机器上</a:t>
-            </a:r>
+              <a:t>第三章 字符串向量和数组</a:t>
+            </a:r>
+            <a:endParaRPr lang="zh-CN" altLang="zh-CN" sz="3200" b="1" dirty="0">
+              <a:latin typeface="+mn-ea"/>
+            </a:endParaRPr>
           </a:p>
         </p:txBody>
       </p:sp>
     </p:spTree>
     <p:extLst>
       <p:ext uri="{BB962C8B-B14F-4D97-AF65-F5344CB8AC3E}">
-        <p14:creationId xmlns:p14="http://schemas.microsoft.com/office/powerpoint/2010/main" val="1367368557"/>
+        <p14:creationId xmlns:p14="http://schemas.microsoft.com/office/powerpoint/2010/main" val="2279972843"/>
       </p:ext>
     </p:extLst>
   </p:cSld>
@@ -8329,10 +8793,10 @@
       </p:grpSpPr>
       <p:sp>
         <p:nvSpPr>
-          <p:cNvPr id="6" name="文本框 5">
-            <a:extLst>
-              <a:ext uri="{FF2B5EF4-FFF2-40B4-BE49-F238E27FC236}">
-                <a16:creationId xmlns:a16="http://schemas.microsoft.com/office/drawing/2014/main" id="{A8746E2C-B96B-4186-B0EC-BE8E9F365025}"/>
+          <p:cNvPr id="8" name="文本框 7">
+            <a:extLst>
+              <a:ext uri="{FF2B5EF4-FFF2-40B4-BE49-F238E27FC236}">
+                <a16:creationId xmlns:a16="http://schemas.microsoft.com/office/drawing/2014/main" id="{173B5B89-5235-4C07-99A2-AC5672E77337}"/>
               </a:ext>
             </a:extLst>
           </p:cNvPr>
@@ -8341,8 +8805,8 @@
         </p:nvSpPr>
         <p:spPr>
           <a:xfrm>
-            <a:off x="518176" y="466545"/>
-            <a:ext cx="5130149" cy="1015663"/>
+            <a:off x="518175" y="466545"/>
+            <a:ext cx="11169000" cy="1200329"/>
           </a:xfrm>
           <a:prstGeom prst="rect">
             <a:avLst/>
@@ -8356,23 +8820,65 @@
           <a:lstStyle/>
           <a:p>
             <a:r>
-              <a:rPr lang="zh-CN" altLang="en-US" sz="6000" b="1" dirty="0">
-                <a:highlight>
-                  <a:srgbClr val="C0C0C0"/>
-                </a:highlight>
+              <a:rPr lang="en-US" altLang="zh-CN" sz="7200" b="1" dirty="0">
                 <a:latin typeface="+mn-ea"/>
               </a:rPr>
-              <a:t>类型转换</a:t>
-            </a:r>
-          </a:p>
-        </p:txBody>
-      </p:sp>
-      <p:sp>
-        <p:nvSpPr>
-          <p:cNvPr id="48" name="文本框 47">
-            <a:extLst>
-              <a:ext uri="{FF2B5EF4-FFF2-40B4-BE49-F238E27FC236}">
-                <a16:creationId xmlns:a16="http://schemas.microsoft.com/office/drawing/2014/main" id="{D7BA841E-2C3E-4048-89EC-59FC62187BA3}"/>
+              <a:t>exercise3.1: std::</a:t>
+            </a:r>
+            <a:r>
+              <a:rPr lang="en-US" altLang="zh-CN" sz="7200" b="1" dirty="0" err="1">
+                <a:latin typeface="+mn-ea"/>
+              </a:rPr>
+              <a:t>cin</a:t>
+            </a:r>
+            <a:endParaRPr lang="zh-CN" altLang="en-US" sz="7200" b="1" dirty="0">
+              <a:latin typeface="+mn-ea"/>
+            </a:endParaRPr>
+          </a:p>
+        </p:txBody>
+      </p:sp>
+      <p:pic>
+        <p:nvPicPr>
+          <p:cNvPr id="2" name="图片 1">
+            <a:extLst>
+              <a:ext uri="{FF2B5EF4-FFF2-40B4-BE49-F238E27FC236}">
+                <a16:creationId xmlns:a16="http://schemas.microsoft.com/office/drawing/2014/main" id="{CFA805A8-C94C-4542-B01C-8F47DC851D38}"/>
+              </a:ext>
+            </a:extLst>
+          </p:cNvPr>
+          <p:cNvPicPr>
+            <a:picLocks noChangeAspect="1"/>
+          </p:cNvPicPr>
+          <p:nvPr/>
+        </p:nvPicPr>
+        <p:blipFill>
+          <a:blip r:embed="rId3">
+            <a:extLst>
+              <a:ext uri="{28A0092B-C50C-407E-A947-70E740481C1C}">
+                <a14:useLocalDpi xmlns:a14="http://schemas.microsoft.com/office/drawing/2010/main" val="0"/>
+              </a:ext>
+            </a:extLst>
+          </a:blip>
+          <a:stretch>
+            <a:fillRect/>
+          </a:stretch>
+        </p:blipFill>
+        <p:spPr>
+          <a:xfrm>
+            <a:off x="518175" y="2600326"/>
+            <a:ext cx="3207315" cy="2094143"/>
+          </a:xfrm>
+          <a:prstGeom prst="rect">
+            <a:avLst/>
+          </a:prstGeom>
+        </p:spPr>
+      </p:pic>
+      <p:sp>
+        <p:nvSpPr>
+          <p:cNvPr id="6" name="文本框 5">
+            <a:extLst>
+              <a:ext uri="{FF2B5EF4-FFF2-40B4-BE49-F238E27FC236}">
+                <a16:creationId xmlns:a16="http://schemas.microsoft.com/office/drawing/2014/main" id="{2D4F4C79-08EF-5BD3-BF52-34ECCD733770}"/>
               </a:ext>
             </a:extLst>
           </p:cNvPr>
@@ -8381,8 +8887,8 @@
         </p:nvSpPr>
         <p:spPr>
           <a:xfrm>
-            <a:off x="3618563" y="2207954"/>
-            <a:ext cx="3739499" cy="1015663"/>
+            <a:off x="4175522" y="2255829"/>
+            <a:ext cx="7511653" cy="1494576"/>
           </a:xfrm>
           <a:prstGeom prst="rect">
             <a:avLst/>
@@ -8390,64 +8896,31 @@
           <a:noFill/>
         </p:spPr>
         <p:txBody>
-          <a:bodyPr wrap="square" rtlCol="0">
+          <a:bodyPr wrap="square">
             <a:spAutoFit/>
           </a:bodyPr>
           <a:lstStyle/>
           <a:p>
-            <a:r>
-              <a:rPr lang="zh-CN" altLang="en-US" sz="6000" b="1" dirty="0">
-                <a:latin typeface="+mn-ea"/>
-              </a:rPr>
-              <a:t>向上转型</a:t>
-            </a:r>
-          </a:p>
-        </p:txBody>
-      </p:sp>
-      <p:sp>
-        <p:nvSpPr>
-          <p:cNvPr id="4" name="文本框 3">
-            <a:extLst>
-              <a:ext uri="{FF2B5EF4-FFF2-40B4-BE49-F238E27FC236}">
-                <a16:creationId xmlns:a16="http://schemas.microsoft.com/office/drawing/2014/main" id="{19E09A80-AF93-4F4C-844F-9A1A143FB3E3}"/>
-              </a:ext>
-            </a:extLst>
-          </p:cNvPr>
-          <p:cNvSpPr txBox="1"/>
-          <p:nvPr/>
-        </p:nvSpPr>
-        <p:spPr>
-          <a:xfrm>
-            <a:off x="994426" y="4101763"/>
-            <a:ext cx="10511774" cy="830997"/>
-          </a:xfrm>
-          <a:prstGeom prst="rect">
-            <a:avLst/>
-          </a:prstGeom>
-          <a:noFill/>
-        </p:spPr>
-        <p:txBody>
-          <a:bodyPr wrap="square" rtlCol="0">
-            <a:spAutoFit/>
-          </a:bodyPr>
-          <a:lstStyle/>
-          <a:p>
-            <a:r>
-              <a:rPr lang="en-US" altLang="zh-CN" sz="4800" b="1" dirty="0">
-                <a:latin typeface="+mn-ea"/>
-              </a:rPr>
-              <a:t>bool-&gt;int-&gt;long-&gt;float-&gt;double</a:t>
-            </a:r>
-            <a:endParaRPr lang="zh-CN" altLang="en-US" sz="4800" b="1" dirty="0">
-              <a:latin typeface="+mn-ea"/>
-            </a:endParaRPr>
+            <a:pPr>
+              <a:lnSpc>
+                <a:spcPct val="150000"/>
+              </a:lnSpc>
+            </a:pPr>
+            <a:r>
+              <a:rPr lang="zh-CN" altLang="en-US" sz="3200" b="0" i="0" dirty="0">
+                <a:effectLst/>
+                <a:latin typeface="-apple-system"/>
+              </a:rPr>
+              <a:t>编写一段程序从标准输入中一次读入一行，然后修改该程序使其一次读入一个词。</a:t>
+            </a:r>
+            <a:endParaRPr lang="zh-CN" altLang="en-US" sz="3200" dirty="0"/>
           </a:p>
         </p:txBody>
       </p:sp>
     </p:spTree>
     <p:extLst>
       <p:ext uri="{BB962C8B-B14F-4D97-AF65-F5344CB8AC3E}">
-        <p14:creationId xmlns:p14="http://schemas.microsoft.com/office/powerpoint/2010/main" val="1378984394"/>
+        <p14:creationId xmlns:p14="http://schemas.microsoft.com/office/powerpoint/2010/main" val="3993047744"/>
       </p:ext>
     </p:extLst>
   </p:cSld>
@@ -8476,10 +8949,10 @@
       </p:grpSpPr>
       <p:sp>
         <p:nvSpPr>
-          <p:cNvPr id="6" name="文本框 5">
-            <a:extLst>
-              <a:ext uri="{FF2B5EF4-FFF2-40B4-BE49-F238E27FC236}">
-                <a16:creationId xmlns:a16="http://schemas.microsoft.com/office/drawing/2014/main" id="{A8746E2C-B96B-4186-B0EC-BE8E9F365025}"/>
+          <p:cNvPr id="8" name="文本框 7">
+            <a:extLst>
+              <a:ext uri="{FF2B5EF4-FFF2-40B4-BE49-F238E27FC236}">
+                <a16:creationId xmlns:a16="http://schemas.microsoft.com/office/drawing/2014/main" id="{173B5B89-5235-4C07-99A2-AC5672E77337}"/>
               </a:ext>
             </a:extLst>
           </p:cNvPr>
@@ -8488,8 +8961,8 @@
         </p:nvSpPr>
         <p:spPr>
           <a:xfrm>
-            <a:off x="518176" y="466545"/>
-            <a:ext cx="5130149" cy="1015663"/>
+            <a:off x="518175" y="466545"/>
+            <a:ext cx="11169000" cy="1200329"/>
           </a:xfrm>
           <a:prstGeom prst="rect">
             <a:avLst/>
@@ -8503,613 +8976,212 @@
           <a:lstStyle/>
           <a:p>
             <a:r>
-              <a:rPr lang="zh-CN" altLang="en-US" sz="6000" b="1" dirty="0">
-                <a:highlight>
-                  <a:srgbClr val="C0C0C0"/>
-                </a:highlight>
+              <a:rPr lang="en-US" altLang="zh-CN" sz="7200" b="1" dirty="0">
                 <a:latin typeface="+mn-ea"/>
               </a:rPr>
-              <a:t>字面值常量</a:t>
-            </a:r>
-          </a:p>
-        </p:txBody>
-      </p:sp>
-      <p:sp>
-        <p:nvSpPr>
-          <p:cNvPr id="3" name="Rectangle 2">
-            <a:extLst>
-              <a:ext uri="{FF2B5EF4-FFF2-40B4-BE49-F238E27FC236}">
-                <a16:creationId xmlns:a16="http://schemas.microsoft.com/office/drawing/2014/main" id="{237D703A-A18F-4474-ACDF-623FBE3F0982}"/>
-              </a:ext>
-            </a:extLst>
-          </p:cNvPr>
-          <p:cNvSpPr>
-            <a:spLocks noChangeArrowheads="1"/>
-          </p:cNvSpPr>
+              <a:t>exercise3.1: std::vector</a:t>
+            </a:r>
+            <a:endParaRPr lang="zh-CN" altLang="en-US" sz="7200" b="1" dirty="0">
+              <a:latin typeface="+mn-ea"/>
+            </a:endParaRPr>
+          </a:p>
+        </p:txBody>
+      </p:sp>
+      <p:pic>
+        <p:nvPicPr>
+          <p:cNvPr id="2" name="图片 1">
+            <a:extLst>
+              <a:ext uri="{FF2B5EF4-FFF2-40B4-BE49-F238E27FC236}">
+                <a16:creationId xmlns:a16="http://schemas.microsoft.com/office/drawing/2014/main" id="{CFA805A8-C94C-4542-B01C-8F47DC851D38}"/>
+              </a:ext>
+            </a:extLst>
+          </p:cNvPr>
+          <p:cNvPicPr>
+            <a:picLocks noChangeAspect="1"/>
+          </p:cNvPicPr>
           <p:nvPr/>
-        </p:nvSpPr>
-        <p:spPr bwMode="auto">
-          <a:xfrm>
-            <a:off x="828675" y="2895942"/>
-            <a:ext cx="1562100" cy="323165"/>
-          </a:xfrm>
-          <a:prstGeom prst="rect">
-            <a:avLst/>
-          </a:prstGeom>
-          <a:solidFill>
-            <a:srgbClr val="363B40"/>
-          </a:solidFill>
-          <a:ln>
-            <a:noFill/>
-          </a:ln>
-          <a:effectLst/>
-          <a:extLst>
-            <a:ext uri="{91240B29-F687-4F45-9708-019B960494DF}">
-              <a14:hiddenLine xmlns:a14="http://schemas.microsoft.com/office/drawing/2010/main" w="9525">
-                <a:solidFill>
-                  <a:schemeClr val="tx1"/>
-                </a:solidFill>
-                <a:miter lim="800000"/>
-                <a:headEnd/>
-                <a:tailEnd/>
-              </a14:hiddenLine>
-            </a:ext>
-            <a:ext uri="{AF507438-7753-43E0-B8FC-AC1667EBCBE1}">
-              <a14:hiddenEffects xmlns:a14="http://schemas.microsoft.com/office/drawing/2010/main">
-                <a:effectLst>
-                  <a:outerShdw dist="35921" dir="2700000" algn="ctr" rotWithShape="0">
-                    <a:schemeClr val="bg2"/>
-                  </a:outerShdw>
-                </a:effectLst>
-              </a14:hiddenEffects>
-            </a:ext>
-          </a:extLst>
-        </p:spPr>
-        <p:txBody>
-          <a:bodyPr vert="horz" wrap="square" lIns="91440" tIns="45720" rIns="91440" bIns="45720" numCol="1" anchor="ctr" anchorCtr="0" compatLnSpc="1">
-            <a:prstTxWarp prst="textNoShape">
-              <a:avLst/>
-            </a:prstTxWarp>
-            <a:spAutoFit/>
-          </a:bodyPr>
-          <a:lstStyle/>
-          <a:p>
-            <a:pPr marL="0" marR="0" lvl="0" indent="0" algn="l" defTabSz="914400" rtl="0" eaLnBrk="0" fontAlgn="base" latinLnBrk="0" hangingPunct="0">
-              <a:lnSpc>
-                <a:spcPct val="100000"/>
-              </a:lnSpc>
-              <a:spcBef>
-                <a:spcPct val="0"/>
-              </a:spcBef>
-              <a:spcAft>
-                <a:spcPct val="0"/>
-              </a:spcAft>
-              <a:buClrTx/>
-              <a:buSzTx/>
-              <a:buFontTx/>
-              <a:buNone/>
-              <a:tabLst/>
-            </a:pPr>
-            <a:r>
-              <a:rPr kumimoji="0" lang="zh-CN" altLang="zh-CN" sz="1500" b="1" i="0" u="none" strike="noStrike" cap="none" normalizeH="0" baseline="0">
-                <a:ln>
-                  <a:noFill/>
-                </a:ln>
-                <a:solidFill>
-                  <a:srgbClr val="DEDEDE"/>
-                </a:solidFill>
-                <a:effectLst/>
-                <a:latin typeface="Arial" panose="020B0604020202020204" pitchFamily="34" charset="0"/>
-                <a:ea typeface="Helvetica Neue"/>
-              </a:rPr>
-              <a:t>浮点型字面值</a:t>
-            </a:r>
-            <a:r>
-              <a:rPr kumimoji="0" lang="zh-CN" altLang="zh-CN" sz="700" b="0" i="0" u="none" strike="noStrike" cap="none" normalizeH="0" baseline="0">
-                <a:ln>
-                  <a:noFill/>
-                </a:ln>
-                <a:solidFill>
-                  <a:schemeClr val="tx1"/>
-                </a:solidFill>
-                <a:effectLst/>
-                <a:latin typeface="Arial" panose="020B0604020202020204" pitchFamily="34" charset="0"/>
-              </a:rPr>
-              <a:t> </a:t>
-            </a:r>
-            <a:endParaRPr kumimoji="0" lang="zh-CN" altLang="zh-CN" sz="1800" b="0" i="0" u="none" strike="noStrike" cap="none" normalizeH="0" baseline="0">
-              <a:ln>
-                <a:noFill/>
-              </a:ln>
-              <a:solidFill>
-                <a:schemeClr val="tx1"/>
-              </a:solidFill>
-              <a:effectLst/>
-              <a:latin typeface="Arial" panose="020B0604020202020204" pitchFamily="34" charset="0"/>
-            </a:endParaRPr>
-          </a:p>
-        </p:txBody>
-      </p:sp>
-      <p:sp>
-        <p:nvSpPr>
-          <p:cNvPr id="5" name="矩形 4">
-            <a:extLst>
-              <a:ext uri="{FF2B5EF4-FFF2-40B4-BE49-F238E27FC236}">
-                <a16:creationId xmlns:a16="http://schemas.microsoft.com/office/drawing/2014/main" id="{860D3C96-BD25-4972-8FEE-AFA3EE2E93EA}"/>
-              </a:ext>
-            </a:extLst>
-          </p:cNvPr>
-          <p:cNvSpPr/>
-          <p:nvPr/>
-        </p:nvSpPr>
+        </p:nvPicPr>
+        <p:blipFill>
+          <a:blip r:embed="rId3">
+            <a:extLst>
+              <a:ext uri="{28A0092B-C50C-407E-A947-70E740481C1C}">
+                <a14:useLocalDpi xmlns:a14="http://schemas.microsoft.com/office/drawing/2010/main" val="0"/>
+              </a:ext>
+            </a:extLst>
+          </a:blip>
+          <a:stretch>
+            <a:fillRect/>
+          </a:stretch>
+        </p:blipFill>
         <p:spPr>
           <a:xfrm>
-            <a:off x="828675" y="3329077"/>
-            <a:ext cx="3339465" cy="1754326"/>
+            <a:off x="518175" y="2600326"/>
+            <a:ext cx="3207315" cy="2094143"/>
           </a:xfrm>
           <a:prstGeom prst="rect">
             <a:avLst/>
           </a:prstGeom>
         </p:spPr>
-        <p:txBody>
-          <a:bodyPr wrap="square">
-            <a:spAutoFit/>
-          </a:bodyPr>
-          <a:lstStyle/>
-          <a:p>
-            <a:r>
-              <a:rPr lang="zh-CN" altLang="en-US" dirty="0"/>
-              <a:t>3.14159</a:t>
-            </a:r>
-          </a:p>
-          <a:p>
-            <a:r>
-              <a:rPr lang="zh-CN" altLang="en-US" dirty="0"/>
-              <a:t>3.14159E0</a:t>
-            </a:r>
-          </a:p>
-          <a:p>
-            <a:r>
-              <a:rPr lang="zh-CN" altLang="en-US" dirty="0"/>
-              <a:t>0.</a:t>
-            </a:r>
-          </a:p>
-          <a:p>
-            <a:r>
-              <a:rPr lang="zh-CN" altLang="en-US" dirty="0"/>
-              <a:t>0e0</a:t>
-            </a:r>
-          </a:p>
-          <a:p>
-            <a:r>
-              <a:rPr lang="zh-CN" altLang="en-US" dirty="0"/>
-              <a:t>.001</a:t>
-            </a:r>
-          </a:p>
-          <a:p>
-            <a:r>
-              <a:rPr lang="zh-CN" altLang="en-US" dirty="0"/>
-              <a:t>//默认为double类型</a:t>
-            </a:r>
-          </a:p>
-        </p:txBody>
-      </p:sp>
-      <p:sp>
-        <p:nvSpPr>
-          <p:cNvPr id="8" name="Rectangle 2">
-            <a:extLst>
-              <a:ext uri="{FF2B5EF4-FFF2-40B4-BE49-F238E27FC236}">
-                <a16:creationId xmlns:a16="http://schemas.microsoft.com/office/drawing/2014/main" id="{E0CFF027-9906-4CC8-B9DE-3FF10090C3FA}"/>
-              </a:ext>
-            </a:extLst>
-          </p:cNvPr>
-          <p:cNvSpPr>
-            <a:spLocks noChangeArrowheads="1"/>
-          </p:cNvSpPr>
+      </p:pic>
+      <p:sp>
+        <p:nvSpPr>
+          <p:cNvPr id="6" name="文本框 5">
+            <a:extLst>
+              <a:ext uri="{FF2B5EF4-FFF2-40B4-BE49-F238E27FC236}">
+                <a16:creationId xmlns:a16="http://schemas.microsoft.com/office/drawing/2014/main" id="{2D4F4C79-08EF-5BD3-BF52-34ECCD733770}"/>
+              </a:ext>
+            </a:extLst>
+          </p:cNvPr>
+          <p:cNvSpPr txBox="1"/>
           <p:nvPr/>
         </p:nvSpPr>
-        <p:spPr bwMode="auto">
+        <p:spPr>
           <a:xfrm>
-            <a:off x="3180397" y="2885055"/>
-            <a:ext cx="1975485" cy="323165"/>
+            <a:off x="4162172" y="1943048"/>
+            <a:ext cx="7511653" cy="3914020"/>
           </a:xfrm>
           <a:prstGeom prst="rect">
             <a:avLst/>
           </a:prstGeom>
-          <a:solidFill>
-            <a:srgbClr val="363B40"/>
-          </a:solidFill>
-          <a:ln>
-            <a:noFill/>
-          </a:ln>
-          <a:effectLst/>
-          <a:extLst>
-            <a:ext uri="{91240B29-F687-4F45-9708-019B960494DF}">
-              <a14:hiddenLine xmlns:a14="http://schemas.microsoft.com/office/drawing/2010/main" w="9525">
-                <a:solidFill>
-                  <a:schemeClr val="tx1"/>
-                </a:solidFill>
-                <a:miter lim="800000"/>
-                <a:headEnd/>
-                <a:tailEnd/>
-              </a14:hiddenLine>
-            </a:ext>
-            <a:ext uri="{AF507438-7753-43E0-B8FC-AC1667EBCBE1}">
-              <a14:hiddenEffects xmlns:a14="http://schemas.microsoft.com/office/drawing/2010/main">
-                <a:effectLst>
-                  <a:outerShdw dist="35921" dir="2700000" algn="ctr" rotWithShape="0">
-                    <a:schemeClr val="bg2"/>
-                  </a:outerShdw>
-                </a:effectLst>
-              </a14:hiddenEffects>
-            </a:ext>
-          </a:extLst>
+          <a:noFill/>
         </p:spPr>
         <p:txBody>
-          <a:bodyPr vert="horz" wrap="square" lIns="91440" tIns="45720" rIns="91440" bIns="45720" numCol="1" anchor="ctr" anchorCtr="0" compatLnSpc="1">
-            <a:prstTxWarp prst="textNoShape">
-              <a:avLst/>
-            </a:prstTxWarp>
+          <a:bodyPr wrap="square">
             <a:spAutoFit/>
           </a:bodyPr>
           <a:lstStyle/>
           <a:p>
-            <a:pPr lvl="0" eaLnBrk="0" fontAlgn="base" hangingPunct="0">
-              <a:spcBef>
-                <a:spcPct val="0"/>
-              </a:spcBef>
-              <a:spcAft>
-                <a:spcPct val="0"/>
-              </a:spcAft>
+            <a:pPr>
+              <a:lnSpc>
+                <a:spcPct val="150000"/>
+              </a:lnSpc>
             </a:pPr>
             <a:r>
-              <a:rPr lang="zh-CN" altLang="en-US" sz="1500" b="1" dirty="0">
-                <a:solidFill>
-                  <a:srgbClr val="DEDEDE"/>
-                </a:solidFill>
-                <a:latin typeface="Arial" panose="020B0604020202020204" pitchFamily="34" charset="0"/>
-                <a:ea typeface="Helvetica Neue"/>
-              </a:rPr>
-              <a:t>字符和字符串字面值</a:t>
-            </a:r>
-            <a:endParaRPr kumimoji="0" lang="zh-CN" altLang="zh-CN" sz="1800" b="0" i="0" u="none" strike="noStrike" cap="none" normalizeH="0" baseline="0" dirty="0">
-              <a:ln>
-                <a:noFill/>
-              </a:ln>
-              <a:solidFill>
-                <a:schemeClr val="tx1"/>
-              </a:solidFill>
+              <a:rPr lang="zh-CN" altLang="en-US" sz="2400" b="0" i="0" dirty="0">
+                <a:effectLst/>
+                <a:latin typeface="+mn-ea"/>
+              </a:rPr>
+              <a:t>下列</a:t>
+            </a:r>
+            <a:r>
+              <a:rPr lang="en-US" altLang="zh-CN" sz="2400" b="0" i="0" dirty="0">
+                <a:effectLst/>
+                <a:latin typeface="+mn-ea"/>
+              </a:rPr>
+              <a:t>vector</a:t>
+            </a:r>
+            <a:r>
+              <a:rPr lang="zh-CN" altLang="en-US" sz="2400" b="0" i="0" dirty="0">
+                <a:effectLst/>
+                <a:latin typeface="+mn-ea"/>
+              </a:rPr>
+              <a:t>对象的定义有不正确的吗？如果有，请指出来。对于正确的，描述其执行结果；对于不正确的，说明其错误的原因</a:t>
+            </a:r>
+            <a:endParaRPr lang="en-US" altLang="zh-CN" sz="2400" b="0" i="0" dirty="0">
               <a:effectLst/>
-              <a:latin typeface="Arial" panose="020B0604020202020204" pitchFamily="34" charset="0"/>
+              <a:latin typeface="+mn-ea"/>
             </a:endParaRPr>
           </a:p>
-        </p:txBody>
-      </p:sp>
-      <p:sp>
-        <p:nvSpPr>
-          <p:cNvPr id="7" name="矩形 6">
-            <a:extLst>
-              <a:ext uri="{FF2B5EF4-FFF2-40B4-BE49-F238E27FC236}">
-                <a16:creationId xmlns:a16="http://schemas.microsoft.com/office/drawing/2014/main" id="{73B3BFEE-4029-47E9-982C-185A42780D5F}"/>
-              </a:ext>
-            </a:extLst>
-          </p:cNvPr>
-          <p:cNvSpPr/>
-          <p:nvPr/>
-        </p:nvSpPr>
-        <p:spPr>
-          <a:xfrm>
-            <a:off x="3180397" y="3332928"/>
-            <a:ext cx="2866490" cy="369332"/>
-          </a:xfrm>
-          <a:prstGeom prst="rect">
-            <a:avLst/>
-          </a:prstGeom>
-        </p:spPr>
-        <p:txBody>
-          <a:bodyPr wrap="none">
-            <a:spAutoFit/>
-          </a:bodyPr>
-          <a:lstStyle/>
-          <a:p>
-            <a:r>
-              <a:rPr lang="zh-CN" altLang="en-US" dirty="0"/>
-              <a:t>'a'  //字符字面值  char类型</a:t>
-            </a:r>
-          </a:p>
-        </p:txBody>
-      </p:sp>
-      <p:sp>
-        <p:nvSpPr>
-          <p:cNvPr id="9" name="矩形 8">
-            <a:extLst>
-              <a:ext uri="{FF2B5EF4-FFF2-40B4-BE49-F238E27FC236}">
-                <a16:creationId xmlns:a16="http://schemas.microsoft.com/office/drawing/2014/main" id="{D0DA86C9-0040-41D1-9480-FA32EAF930E7}"/>
-              </a:ext>
-            </a:extLst>
-          </p:cNvPr>
-          <p:cNvSpPr/>
-          <p:nvPr/>
-        </p:nvSpPr>
-        <p:spPr>
-          <a:xfrm>
-            <a:off x="3180397" y="3833390"/>
-            <a:ext cx="4296369" cy="369332"/>
-          </a:xfrm>
-          <a:prstGeom prst="rect">
-            <a:avLst/>
-          </a:prstGeom>
-        </p:spPr>
-        <p:txBody>
-          <a:bodyPr wrap="none">
-            <a:spAutoFit/>
-          </a:bodyPr>
-          <a:lstStyle/>
-          <a:p>
-            <a:r>
-              <a:rPr lang="zh-CN" altLang="en-US" dirty="0"/>
-              <a:t>"Hello World!"  //字符串字面值  char数组</a:t>
-            </a:r>
-          </a:p>
-        </p:txBody>
-      </p:sp>
-      <p:sp>
-        <p:nvSpPr>
-          <p:cNvPr id="13" name="矩形 12">
-            <a:extLst>
-              <a:ext uri="{FF2B5EF4-FFF2-40B4-BE49-F238E27FC236}">
-                <a16:creationId xmlns:a16="http://schemas.microsoft.com/office/drawing/2014/main" id="{BCB9D634-9BB7-4F6A-AFEA-4A8525E56846}"/>
-              </a:ext>
-            </a:extLst>
-          </p:cNvPr>
-          <p:cNvSpPr/>
-          <p:nvPr/>
-        </p:nvSpPr>
-        <p:spPr>
-          <a:xfrm>
-            <a:off x="7226015" y="3362876"/>
-            <a:ext cx="1091966" cy="369332"/>
-          </a:xfrm>
-          <a:prstGeom prst="rect">
-            <a:avLst/>
-          </a:prstGeom>
-        </p:spPr>
-        <p:txBody>
-          <a:bodyPr wrap="none">
-            <a:spAutoFit/>
-          </a:bodyPr>
-          <a:lstStyle/>
-          <a:p>
-            <a:r>
-              <a:rPr lang="en-US" altLang="zh-CN" dirty="0"/>
-              <a:t>true false</a:t>
-            </a:r>
-            <a:endParaRPr lang="zh-CN" altLang="en-US" dirty="0"/>
-          </a:p>
-        </p:txBody>
-      </p:sp>
-      <p:sp>
-        <p:nvSpPr>
-          <p:cNvPr id="14" name="Rectangle 2">
-            <a:extLst>
-              <a:ext uri="{FF2B5EF4-FFF2-40B4-BE49-F238E27FC236}">
-                <a16:creationId xmlns:a16="http://schemas.microsoft.com/office/drawing/2014/main" id="{0C54A5F0-66CD-4369-B67E-03F38AAADC35}"/>
-              </a:ext>
-            </a:extLst>
-          </p:cNvPr>
-          <p:cNvSpPr>
-            <a:spLocks noChangeArrowheads="1"/>
-          </p:cNvSpPr>
-          <p:nvPr/>
-        </p:nvSpPr>
-        <p:spPr bwMode="auto">
-          <a:xfrm>
-            <a:off x="7226015" y="2863027"/>
-            <a:ext cx="1975485" cy="323165"/>
-          </a:xfrm>
-          <a:prstGeom prst="rect">
-            <a:avLst/>
-          </a:prstGeom>
-          <a:solidFill>
-            <a:srgbClr val="363B40"/>
-          </a:solidFill>
-          <a:ln>
-            <a:noFill/>
-          </a:ln>
-          <a:effectLst/>
-          <a:extLst>
-            <a:ext uri="{91240B29-F687-4F45-9708-019B960494DF}">
-              <a14:hiddenLine xmlns:a14="http://schemas.microsoft.com/office/drawing/2010/main" w="9525">
-                <a:solidFill>
-                  <a:schemeClr val="tx1"/>
-                </a:solidFill>
-                <a:miter lim="800000"/>
-                <a:headEnd/>
-                <a:tailEnd/>
-              </a14:hiddenLine>
-            </a:ext>
-            <a:ext uri="{AF507438-7753-43E0-B8FC-AC1667EBCBE1}">
-              <a14:hiddenEffects xmlns:a14="http://schemas.microsoft.com/office/drawing/2010/main">
-                <a:effectLst>
-                  <a:outerShdw dist="35921" dir="2700000" algn="ctr" rotWithShape="0">
-                    <a:schemeClr val="bg2"/>
-                  </a:outerShdw>
-                </a:effectLst>
-              </a14:hiddenEffects>
-            </a:ext>
-          </a:extLst>
-        </p:spPr>
-        <p:txBody>
-          <a:bodyPr vert="horz" wrap="square" lIns="91440" tIns="45720" rIns="91440" bIns="45720" numCol="1" anchor="ctr" anchorCtr="0" compatLnSpc="1">
-            <a:prstTxWarp prst="textNoShape">
-              <a:avLst/>
-            </a:prstTxWarp>
-            <a:spAutoFit/>
-          </a:bodyPr>
-          <a:lstStyle/>
-          <a:p>
-            <a:pPr lvl="0" eaLnBrk="0" fontAlgn="base" hangingPunct="0">
-              <a:spcBef>
-                <a:spcPct val="0"/>
-              </a:spcBef>
-              <a:spcAft>
-                <a:spcPct val="0"/>
-              </a:spcAft>
+          <a:p>
+            <a:pPr>
+              <a:lnSpc>
+                <a:spcPct val="150000"/>
+              </a:lnSpc>
             </a:pPr>
-            <a:r>
-              <a:rPr lang="en-US" altLang="zh-CN" sz="1500" b="1" dirty="0">
-                <a:solidFill>
-                  <a:srgbClr val="DEDEDE"/>
-                </a:solidFill>
-                <a:latin typeface="Arial" panose="020B0604020202020204" pitchFamily="34" charset="0"/>
-                <a:ea typeface="Helvetica Neue"/>
-              </a:rPr>
-              <a:t>bool</a:t>
-            </a:r>
-            <a:r>
-              <a:rPr lang="zh-CN" altLang="en-US" sz="1500" b="1" dirty="0">
-                <a:solidFill>
-                  <a:srgbClr val="DEDEDE"/>
-                </a:solidFill>
-                <a:latin typeface="Arial" panose="020B0604020202020204" pitchFamily="34" charset="0"/>
-                <a:ea typeface="Helvetica Neue"/>
-              </a:rPr>
-              <a:t>字面值</a:t>
-            </a:r>
-            <a:endParaRPr kumimoji="0" lang="zh-CN" altLang="zh-CN" sz="1800" b="0" i="0" u="none" strike="noStrike" cap="none" normalizeH="0" baseline="0" dirty="0">
-              <a:ln>
-                <a:noFill/>
-              </a:ln>
-              <a:solidFill>
-                <a:schemeClr val="tx1"/>
-              </a:solidFill>
+            <a:endParaRPr lang="en-US" altLang="zh-CN" sz="2400" dirty="0">
+              <a:latin typeface="+mn-ea"/>
+            </a:endParaRPr>
+          </a:p>
+          <a:p>
+            <a:pPr>
+              <a:lnSpc>
+                <a:spcPct val="150000"/>
+              </a:lnSpc>
+            </a:pPr>
+            <a:r>
+              <a:rPr lang="en-US" altLang="zh-CN" sz="2400" b="0" i="0" dirty="0">
+                <a:effectLst/>
+                <a:latin typeface="+mn-ea"/>
+              </a:rPr>
+              <a:t>vector&lt;vector&lt;int&gt;&gt; </a:t>
+            </a:r>
+            <a:r>
+              <a:rPr lang="en-US" altLang="zh-CN" sz="2400" b="0" i="0" dirty="0" err="1">
+                <a:effectLst/>
+                <a:latin typeface="+mn-ea"/>
+              </a:rPr>
+              <a:t>ivec</a:t>
+            </a:r>
+            <a:endParaRPr lang="zh-CN" altLang="en-US" sz="2400" b="0" i="0" dirty="0">
               <a:effectLst/>
-              <a:latin typeface="Arial" panose="020B0604020202020204" pitchFamily="34" charset="0"/>
+              <a:latin typeface="+mn-ea"/>
             </a:endParaRPr>
           </a:p>
-        </p:txBody>
-      </p:sp>
-      <p:sp>
-        <p:nvSpPr>
-          <p:cNvPr id="15" name="Rectangle 2">
-            <a:extLst>
-              <a:ext uri="{FF2B5EF4-FFF2-40B4-BE49-F238E27FC236}">
-                <a16:creationId xmlns:a16="http://schemas.microsoft.com/office/drawing/2014/main" id="{B5E63A3F-8050-43F5-97A8-026045CBFBA4}"/>
-              </a:ext>
-            </a:extLst>
-          </p:cNvPr>
-          <p:cNvSpPr>
-            <a:spLocks noChangeArrowheads="1"/>
-          </p:cNvSpPr>
-          <p:nvPr/>
-        </p:nvSpPr>
-        <p:spPr bwMode="auto">
-          <a:xfrm>
-            <a:off x="9991122" y="2895941"/>
-            <a:ext cx="1975485" cy="323165"/>
-          </a:xfrm>
-          <a:prstGeom prst="rect">
-            <a:avLst/>
-          </a:prstGeom>
-          <a:solidFill>
-            <a:srgbClr val="363B40"/>
-          </a:solidFill>
-          <a:ln>
-            <a:noFill/>
-          </a:ln>
-          <a:effectLst/>
-          <a:extLst>
-            <a:ext uri="{91240B29-F687-4F45-9708-019B960494DF}">
-              <a14:hiddenLine xmlns:a14="http://schemas.microsoft.com/office/drawing/2010/main" w="9525">
-                <a:solidFill>
-                  <a:schemeClr val="tx1"/>
-                </a:solidFill>
-                <a:miter lim="800000"/>
-                <a:headEnd/>
-                <a:tailEnd/>
-              </a14:hiddenLine>
-            </a:ext>
-            <a:ext uri="{AF507438-7753-43E0-B8FC-AC1667EBCBE1}">
-              <a14:hiddenEffects xmlns:a14="http://schemas.microsoft.com/office/drawing/2010/main">
-                <a:effectLst>
-                  <a:outerShdw dist="35921" dir="2700000" algn="ctr" rotWithShape="0">
-                    <a:schemeClr val="bg2"/>
-                  </a:outerShdw>
-                </a:effectLst>
-              </a14:hiddenEffects>
-            </a:ext>
-          </a:extLst>
-        </p:spPr>
-        <p:txBody>
-          <a:bodyPr vert="horz" wrap="square" lIns="91440" tIns="45720" rIns="91440" bIns="45720" numCol="1" anchor="ctr" anchorCtr="0" compatLnSpc="1">
-            <a:prstTxWarp prst="textNoShape">
-              <a:avLst/>
-            </a:prstTxWarp>
-            <a:spAutoFit/>
-          </a:bodyPr>
-          <a:lstStyle/>
-          <a:p>
-            <a:pPr lvl="0" eaLnBrk="0" fontAlgn="base" hangingPunct="0">
-              <a:spcBef>
-                <a:spcPct val="0"/>
-              </a:spcBef>
-              <a:spcAft>
-                <a:spcPct val="0"/>
-              </a:spcAft>
+          <a:p>
+            <a:pPr>
+              <a:lnSpc>
+                <a:spcPct val="150000"/>
+              </a:lnSpc>
             </a:pPr>
             <a:r>
-              <a:rPr lang="zh-CN" altLang="en-US" sz="1500" b="1" dirty="0">
-                <a:solidFill>
-                  <a:srgbClr val="DEDEDE"/>
-                </a:solidFill>
-                <a:latin typeface="Arial" panose="020B0604020202020204" pitchFamily="34" charset="0"/>
-                <a:ea typeface="Helvetica Neue"/>
-              </a:rPr>
-              <a:t>指针字面值</a:t>
-            </a:r>
-            <a:endParaRPr kumimoji="0" lang="zh-CN" altLang="zh-CN" sz="1800" b="0" i="0" u="none" strike="noStrike" cap="none" normalizeH="0" baseline="0" dirty="0">
-              <a:ln>
-                <a:noFill/>
-              </a:ln>
-              <a:solidFill>
-                <a:schemeClr val="tx1"/>
-              </a:solidFill>
+              <a:rPr lang="en-US" altLang="zh-CN" sz="2400" b="0" i="0" dirty="0">
+                <a:effectLst/>
+                <a:latin typeface="+mn-ea"/>
+              </a:rPr>
+              <a:t>vector&lt;string&gt; </a:t>
+            </a:r>
+            <a:r>
+              <a:rPr lang="en-US" altLang="zh-CN" sz="2400" b="0" i="0" dirty="0" err="1">
+                <a:effectLst/>
+                <a:latin typeface="+mn-ea"/>
+              </a:rPr>
+              <a:t>svec</a:t>
+            </a:r>
+            <a:r>
+              <a:rPr lang="en-US" altLang="zh-CN" sz="2400" b="0" i="0" dirty="0">
+                <a:effectLst/>
+                <a:latin typeface="+mn-ea"/>
+              </a:rPr>
+              <a:t> = </a:t>
+            </a:r>
+            <a:r>
+              <a:rPr lang="en-US" altLang="zh-CN" sz="2400" b="0" i="0" dirty="0" err="1">
+                <a:effectLst/>
+                <a:latin typeface="+mn-ea"/>
+              </a:rPr>
+              <a:t>ivec</a:t>
+            </a:r>
+            <a:endParaRPr lang="zh-CN" altLang="en-US" sz="2400" b="0" i="0" dirty="0">
               <a:effectLst/>
-              <a:latin typeface="Arial" panose="020B0604020202020204" pitchFamily="34" charset="0"/>
+              <a:latin typeface="+mn-ea"/>
             </a:endParaRPr>
           </a:p>
-        </p:txBody>
-      </p:sp>
-      <p:sp>
-        <p:nvSpPr>
-          <p:cNvPr id="12" name="矩形 11">
-            <a:extLst>
-              <a:ext uri="{FF2B5EF4-FFF2-40B4-BE49-F238E27FC236}">
-                <a16:creationId xmlns:a16="http://schemas.microsoft.com/office/drawing/2014/main" id="{67A7B83C-367F-484A-8977-63203348F9D1}"/>
-              </a:ext>
-            </a:extLst>
-          </p:cNvPr>
-          <p:cNvSpPr/>
-          <p:nvPr/>
-        </p:nvSpPr>
-        <p:spPr>
-          <a:xfrm>
-            <a:off x="9991122" y="3314095"/>
-            <a:ext cx="825867" cy="369332"/>
-          </a:xfrm>
-          <a:prstGeom prst="rect">
-            <a:avLst/>
-          </a:prstGeom>
-        </p:spPr>
-        <p:txBody>
-          <a:bodyPr wrap="none">
-            <a:spAutoFit/>
-          </a:bodyPr>
-          <a:lstStyle/>
-          <a:p>
-            <a:r>
-              <a:rPr lang="zh-CN" altLang="en-US" dirty="0"/>
-              <a:t>nullptr</a:t>
+          <a:p>
+            <a:pPr>
+              <a:lnSpc>
+                <a:spcPct val="150000"/>
+              </a:lnSpc>
+            </a:pPr>
+            <a:r>
+              <a:rPr lang="en-US" altLang="zh-CN" sz="2400" b="0" i="0" dirty="0">
+                <a:effectLst/>
+                <a:latin typeface="+mn-ea"/>
+              </a:rPr>
+              <a:t>vector&lt;string&gt; </a:t>
+            </a:r>
+            <a:r>
+              <a:rPr lang="en-US" altLang="zh-CN" sz="2400" b="0" i="0" dirty="0" err="1">
+                <a:effectLst/>
+                <a:latin typeface="+mn-ea"/>
+              </a:rPr>
+              <a:t>svec</a:t>
+            </a:r>
+            <a:r>
+              <a:rPr lang="en-US" altLang="zh-CN" sz="2400" b="0" i="0" dirty="0">
+                <a:effectLst/>
+                <a:latin typeface="+mn-ea"/>
+              </a:rPr>
+              <a:t>(10, "null");  </a:t>
             </a:r>
           </a:p>
         </p:txBody>
@@ -9117,7 +9189,7 @@
     </p:spTree>
     <p:extLst>
       <p:ext uri="{BB962C8B-B14F-4D97-AF65-F5344CB8AC3E}">
-        <p14:creationId xmlns:p14="http://schemas.microsoft.com/office/powerpoint/2010/main" val="2226071004"/>
+        <p14:creationId xmlns:p14="http://schemas.microsoft.com/office/powerpoint/2010/main" val="3158190950"/>
       </p:ext>
     </p:extLst>
   </p:cSld>
@@ -9146,10 +9218,10 @@
       </p:grpSpPr>
       <p:sp>
         <p:nvSpPr>
-          <p:cNvPr id="6" name="文本框 5">
-            <a:extLst>
-              <a:ext uri="{FF2B5EF4-FFF2-40B4-BE49-F238E27FC236}">
-                <a16:creationId xmlns:a16="http://schemas.microsoft.com/office/drawing/2014/main" id="{A8746E2C-B96B-4186-B0EC-BE8E9F365025}"/>
+          <p:cNvPr id="8" name="文本框 7">
+            <a:extLst>
+              <a:ext uri="{FF2B5EF4-FFF2-40B4-BE49-F238E27FC236}">
+                <a16:creationId xmlns:a16="http://schemas.microsoft.com/office/drawing/2014/main" id="{173B5B89-5235-4C07-99A2-AC5672E77337}"/>
               </a:ext>
             </a:extLst>
           </p:cNvPr>
@@ -9158,8 +9230,8 @@
         </p:nvSpPr>
         <p:spPr>
           <a:xfrm>
-            <a:off x="518176" y="466545"/>
-            <a:ext cx="7393790" cy="1015663"/>
+            <a:off x="215448" y="169110"/>
+            <a:ext cx="11169000" cy="1200329"/>
           </a:xfrm>
           <a:prstGeom prst="rect">
             <a:avLst/>
@@ -9173,78 +9245,23 @@
           <a:lstStyle/>
           <a:p>
             <a:r>
-              <a:rPr lang="en-US" altLang="zh-CN" sz="6000" b="1" dirty="0">
-                <a:highlight>
-                  <a:srgbClr val="C0C0C0"/>
-                </a:highlight>
+              <a:rPr lang="en-US" altLang="zh-CN" sz="7200" b="1" dirty="0">
                 <a:latin typeface="+mn-ea"/>
               </a:rPr>
-              <a:t>2.</a:t>
-            </a:r>
-            <a:r>
-              <a:rPr lang="zh-CN" altLang="en-US" sz="6000" b="1" dirty="0">
-                <a:highlight>
-                  <a:srgbClr val="C0C0C0"/>
-                </a:highlight>
-                <a:latin typeface="+mn-ea"/>
-              </a:rPr>
-              <a:t>变量的声明和定义</a:t>
-            </a:r>
-          </a:p>
-        </p:txBody>
-      </p:sp>
-      <p:sp>
-        <p:nvSpPr>
-          <p:cNvPr id="2" name="矩形 1">
-            <a:extLst>
-              <a:ext uri="{FF2B5EF4-FFF2-40B4-BE49-F238E27FC236}">
-                <a16:creationId xmlns:a16="http://schemas.microsoft.com/office/drawing/2014/main" id="{86AB9C32-E7ED-4D7B-ACE4-AB285AA1EDEF}"/>
-              </a:ext>
-            </a:extLst>
-          </p:cNvPr>
-          <p:cNvSpPr/>
-          <p:nvPr/>
-        </p:nvSpPr>
-        <p:spPr>
-          <a:xfrm>
-            <a:off x="3047999" y="2828836"/>
-            <a:ext cx="8309811" cy="1200329"/>
-          </a:xfrm>
-          <a:prstGeom prst="rect">
-            <a:avLst/>
-          </a:prstGeom>
-        </p:spPr>
-        <p:txBody>
-          <a:bodyPr wrap="square">
-            <a:spAutoFit/>
-          </a:bodyPr>
-          <a:lstStyle/>
-          <a:p>
-            <a:r>
-              <a:rPr lang="zh-CN" altLang="en-US" sz="2400" dirty="0"/>
-              <a:t>extern int i; //声明</a:t>
-            </a:r>
-          </a:p>
-          <a:p>
-            <a:r>
-              <a:rPr lang="zh-CN" altLang="en-US" sz="2400" dirty="0"/>
-              <a:t>extern int i=1; //定义  加了extern之后并初始化，则为定义</a:t>
-            </a:r>
-          </a:p>
-          <a:p>
-            <a:r>
-              <a:rPr lang="zh-CN" altLang="en-US" sz="2400" dirty="0"/>
-              <a:t>int j;  //声明并定义</a:t>
-            </a:r>
+              <a:t>exercise3.2: std::vector</a:t>
+            </a:r>
+            <a:endParaRPr lang="zh-CN" altLang="en-US" sz="7200" b="1" dirty="0">
+              <a:latin typeface="+mn-ea"/>
+            </a:endParaRPr>
           </a:p>
         </p:txBody>
       </p:sp>
       <p:pic>
         <p:nvPicPr>
-          <p:cNvPr id="4" name="图片 3">
-            <a:extLst>
-              <a:ext uri="{FF2B5EF4-FFF2-40B4-BE49-F238E27FC236}">
-                <a16:creationId xmlns:a16="http://schemas.microsoft.com/office/drawing/2014/main" id="{ACDD6ED8-5B3E-4C2D-929E-D17EE56DBD33}"/>
+          <p:cNvPr id="2" name="图片 1">
+            <a:extLst>
+              <a:ext uri="{FF2B5EF4-FFF2-40B4-BE49-F238E27FC236}">
+                <a16:creationId xmlns:a16="http://schemas.microsoft.com/office/drawing/2014/main" id="{CFA805A8-C94C-4542-B01C-8F47DC851D38}"/>
               </a:ext>
             </a:extLst>
           </p:cNvPr>
@@ -9267,18 +9284,173 @@
         </p:blipFill>
         <p:spPr>
           <a:xfrm>
-            <a:off x="294874" y="2421656"/>
-            <a:ext cx="2381250" cy="2457450"/>
+            <a:off x="518175" y="2600326"/>
+            <a:ext cx="3207315" cy="2094143"/>
           </a:xfrm>
           <a:prstGeom prst="rect">
             <a:avLst/>
           </a:prstGeom>
         </p:spPr>
       </p:pic>
+      <p:sp>
+        <p:nvSpPr>
+          <p:cNvPr id="6" name="文本框 5">
+            <a:extLst>
+              <a:ext uri="{FF2B5EF4-FFF2-40B4-BE49-F238E27FC236}">
+                <a16:creationId xmlns:a16="http://schemas.microsoft.com/office/drawing/2014/main" id="{2D4F4C79-08EF-5BD3-BF52-34ECCD733770}"/>
+              </a:ext>
+            </a:extLst>
+          </p:cNvPr>
+          <p:cNvSpPr txBox="1"/>
+          <p:nvPr/>
+        </p:nvSpPr>
+        <p:spPr>
+          <a:xfrm>
+            <a:off x="4334270" y="1432592"/>
+            <a:ext cx="7511653" cy="5022016"/>
+          </a:xfrm>
+          <a:prstGeom prst="rect">
+            <a:avLst/>
+          </a:prstGeom>
+          <a:noFill/>
+        </p:spPr>
+        <p:txBody>
+          <a:bodyPr wrap="square">
+            <a:spAutoFit/>
+          </a:bodyPr>
+          <a:lstStyle/>
+          <a:p>
+            <a:pPr>
+              <a:lnSpc>
+                <a:spcPct val="150000"/>
+              </a:lnSpc>
+            </a:pPr>
+            <a:r>
+              <a:rPr lang="zh-CN" altLang="en-US" sz="2400" b="0" i="0" dirty="0">
+                <a:effectLst/>
+                <a:latin typeface="+mn-ea"/>
+              </a:rPr>
+              <a:t>下列的</a:t>
+            </a:r>
+            <a:r>
+              <a:rPr lang="en-US" altLang="zh-CN" sz="2400" b="0" i="0" dirty="0">
+                <a:effectLst/>
+                <a:latin typeface="+mn-ea"/>
+              </a:rPr>
+              <a:t>vector</a:t>
+            </a:r>
+            <a:r>
+              <a:rPr lang="zh-CN" altLang="en-US" sz="2400" b="0" i="0" dirty="0">
+                <a:effectLst/>
+                <a:latin typeface="+mn-ea"/>
+              </a:rPr>
+              <a:t>对象各包含多少个元素？这些元素的值分别是多少？	</a:t>
+            </a:r>
+          </a:p>
+          <a:p>
+            <a:pPr>
+              <a:lnSpc>
+                <a:spcPct val="150000"/>
+              </a:lnSpc>
+            </a:pPr>
+            <a:r>
+              <a:rPr lang="en-US" altLang="zh-CN" sz="2400" b="0" i="0" dirty="0">
+                <a:effectLst/>
+                <a:latin typeface="+mn-ea"/>
+              </a:rPr>
+              <a:t>vector&lt;int&gt; v1;         		</a:t>
+            </a:r>
+          </a:p>
+          <a:p>
+            <a:pPr>
+              <a:lnSpc>
+                <a:spcPct val="150000"/>
+              </a:lnSpc>
+            </a:pPr>
+            <a:r>
+              <a:rPr lang="en-US" altLang="zh-CN" sz="2400" b="0" i="0" dirty="0">
+                <a:effectLst/>
+                <a:latin typeface="+mn-ea"/>
+              </a:rPr>
+              <a:t>vector&lt;int&gt; v2(10);     		</a:t>
+            </a:r>
+          </a:p>
+          <a:p>
+            <a:pPr>
+              <a:lnSpc>
+                <a:spcPct val="150000"/>
+              </a:lnSpc>
+            </a:pPr>
+            <a:r>
+              <a:rPr lang="en-US" altLang="zh-CN" sz="2400" b="0" i="0" dirty="0">
+                <a:effectLst/>
+                <a:latin typeface="+mn-ea"/>
+              </a:rPr>
+              <a:t>vector&lt;int&gt; v3(10, 42); 		</a:t>
+            </a:r>
+          </a:p>
+          <a:p>
+            <a:pPr>
+              <a:lnSpc>
+                <a:spcPct val="150000"/>
+              </a:lnSpc>
+            </a:pPr>
+            <a:r>
+              <a:rPr lang="en-US" altLang="zh-CN" sz="2400" b="0" i="0" dirty="0">
+                <a:effectLst/>
+                <a:latin typeface="+mn-ea"/>
+              </a:rPr>
+              <a:t>vector&lt;int&gt; v4{ 10 };     		</a:t>
+            </a:r>
+          </a:p>
+          <a:p>
+            <a:pPr>
+              <a:lnSpc>
+                <a:spcPct val="150000"/>
+              </a:lnSpc>
+            </a:pPr>
+            <a:r>
+              <a:rPr lang="en-US" altLang="zh-CN" sz="2400" b="0" i="0" dirty="0">
+                <a:effectLst/>
+                <a:latin typeface="+mn-ea"/>
+              </a:rPr>
+              <a:t>vector&lt;int&gt; v5{ 10, 42 }; 		</a:t>
+            </a:r>
+          </a:p>
+          <a:p>
+            <a:pPr>
+              <a:lnSpc>
+                <a:spcPct val="150000"/>
+              </a:lnSpc>
+            </a:pPr>
+            <a:r>
+              <a:rPr lang="en-US" altLang="zh-CN" sz="2400" b="0" i="0" dirty="0">
+                <a:effectLst/>
+                <a:latin typeface="+mn-ea"/>
+              </a:rPr>
+              <a:t>vector&lt;string&gt; v6{ 10 }; 		</a:t>
+            </a:r>
+          </a:p>
+          <a:p>
+            <a:pPr>
+              <a:lnSpc>
+                <a:spcPct val="150000"/>
+              </a:lnSpc>
+            </a:pPr>
+            <a:r>
+              <a:rPr lang="en-US" altLang="zh-CN" sz="2400" b="0" i="0" dirty="0">
+                <a:effectLst/>
+                <a:latin typeface="+mn-ea"/>
+              </a:rPr>
+              <a:t>vector&lt;string&gt; v7{ 10, "hi" }; </a:t>
+            </a:r>
+          </a:p>
+        </p:txBody>
+      </p:sp>
     </p:spTree>
     <p:extLst>
       <p:ext uri="{BB962C8B-B14F-4D97-AF65-F5344CB8AC3E}">
-        <p14:creationId xmlns:p14="http://schemas.microsoft.com/office/powerpoint/2010/main" val="3320371402"/>
+        <p14:creationId xmlns:p14="http://schemas.microsoft.com/office/powerpoint/2010/main" val="944608848"/>
       </p:ext>
     </p:extLst>
   </p:cSld>
@@ -9465,453 +9637,58 @@
       </p:grpSpPr>
       <p:sp>
         <p:nvSpPr>
-          <p:cNvPr id="6" name="文本框 5">
-            <a:extLst>
-              <a:ext uri="{FF2B5EF4-FFF2-40B4-BE49-F238E27FC236}">
-                <a16:creationId xmlns:a16="http://schemas.microsoft.com/office/drawing/2014/main" id="{A8746E2C-B96B-4186-B0EC-BE8E9F365025}"/>
-              </a:ext>
-            </a:extLst>
-          </p:cNvPr>
-          <p:cNvSpPr txBox="1"/>
+          <p:cNvPr id="9" name="矩形 8">
+            <a:extLst>
+              <a:ext uri="{FF2B5EF4-FFF2-40B4-BE49-F238E27FC236}">
+                <a16:creationId xmlns:a16="http://schemas.microsoft.com/office/drawing/2014/main" id="{905E8B6D-950F-4396-9DBF-B652B1E45801}"/>
+              </a:ext>
+            </a:extLst>
+          </p:cNvPr>
+          <p:cNvSpPr/>
           <p:nvPr/>
         </p:nvSpPr>
         <p:spPr>
           <a:xfrm>
-            <a:off x="518176" y="466545"/>
-            <a:ext cx="4663424" cy="1015663"/>
+            <a:off x="288268" y="288399"/>
+            <a:ext cx="3397084" cy="584775"/>
           </a:xfrm>
           <a:prstGeom prst="rect">
             <a:avLst/>
           </a:prstGeom>
-          <a:solidFill>
-            <a:schemeClr val="bg2"/>
-          </a:solidFill>
         </p:spPr>
         <p:txBody>
-          <a:bodyPr wrap="square" rtlCol="0">
+          <a:bodyPr wrap="none">
             <a:spAutoFit/>
           </a:bodyPr>
           <a:lstStyle/>
           <a:p>
-            <a:r>
-              <a:rPr lang="zh-CN" altLang="en-US" sz="6000" b="1" dirty="0">
-                <a:latin typeface="+mn-ea"/>
-              </a:rPr>
-              <a:t>变量的名称</a:t>
-            </a:r>
-          </a:p>
-        </p:txBody>
-      </p:sp>
-      <p:sp>
-        <p:nvSpPr>
-          <p:cNvPr id="11" name="Rectangle 6">
-            <a:extLst>
-              <a:ext uri="{FF2B5EF4-FFF2-40B4-BE49-F238E27FC236}">
-                <a16:creationId xmlns:a16="http://schemas.microsoft.com/office/drawing/2014/main" id="{EF58FCE9-6830-40A7-9AAA-B3B2BBDB12B2}"/>
-              </a:ext>
-            </a:extLst>
-          </p:cNvPr>
-          <p:cNvSpPr>
-            <a:spLocks noChangeArrowheads="1"/>
-          </p:cNvSpPr>
-          <p:nvPr/>
-        </p:nvSpPr>
-        <p:spPr bwMode="auto">
-          <a:xfrm>
-            <a:off x="4466322" y="1913306"/>
-            <a:ext cx="6891288" cy="4478149"/>
-          </a:xfrm>
-          <a:prstGeom prst="rect">
-            <a:avLst/>
-          </a:prstGeom>
-          <a:noFill/>
-          <a:ln>
-            <a:noFill/>
-          </a:ln>
-          <a:effectLst/>
-          <a:extLst>
-            <a:ext uri="{909E8E84-426E-40DD-AFC4-6F175D3DCCD1}">
-              <a14:hiddenFill xmlns:a14="http://schemas.microsoft.com/office/drawing/2010/main">
-                <a:solidFill>
-                  <a:schemeClr val="accent1"/>
-                </a:solidFill>
-              </a14:hiddenFill>
-            </a:ext>
-            <a:ext uri="{91240B29-F687-4F45-9708-019B960494DF}">
-              <a14:hiddenLine xmlns:a14="http://schemas.microsoft.com/office/drawing/2010/main" w="9525">
-                <a:solidFill>
-                  <a:schemeClr val="tx1"/>
-                </a:solidFill>
-                <a:miter lim="800000"/>
-                <a:headEnd/>
-                <a:tailEnd/>
-              </a14:hiddenLine>
-            </a:ext>
-            <a:ext uri="{AF507438-7753-43E0-B8FC-AC1667EBCBE1}">
-              <a14:hiddenEffects xmlns:a14="http://schemas.microsoft.com/office/drawing/2010/main">
-                <a:effectLst>
-                  <a:outerShdw dist="35921" dir="2700000" algn="ctr" rotWithShape="0">
-                    <a:schemeClr val="bg2"/>
-                  </a:outerShdw>
-                </a:effectLst>
-              </a14:hiddenEffects>
-            </a:ext>
-          </a:extLst>
-        </p:spPr>
-        <p:txBody>
-          <a:bodyPr vert="horz" wrap="square" lIns="91440" tIns="0" rIns="91440" bIns="45720" numCol="1" anchor="ctr" anchorCtr="0" compatLnSpc="1">
-            <a:prstTxWarp prst="textNoShape">
-              <a:avLst/>
-            </a:prstTxWarp>
-            <a:spAutoFit/>
-          </a:bodyPr>
-          <a:lstStyle/>
-          <a:p>
-            <a:pPr marL="0" marR="0" lvl="0" indent="0" algn="l" defTabSz="914400" rtl="0" eaLnBrk="0" fontAlgn="base" latinLnBrk="0" hangingPunct="0">
-              <a:lnSpc>
-                <a:spcPct val="100000"/>
-              </a:lnSpc>
+            <a:pPr lvl="0" fontAlgn="base">
               <a:spcBef>
                 <a:spcPct val="0"/>
               </a:spcBef>
               <a:spcAft>
                 <a:spcPct val="0"/>
               </a:spcAft>
-              <a:buClrTx/>
-              <a:buSzTx/>
-              <a:buFontTx/>
-              <a:buNone/>
-              <a:tabLst/>
             </a:pPr>
             <a:r>
-              <a:rPr kumimoji="0" lang="zh-CN" altLang="zh-CN" sz="2400" b="0" i="0" u="none" strike="noStrike" cap="none" normalizeH="0" baseline="0" dirty="0">
-                <a:ln>
-                  <a:noFill/>
-                </a:ln>
-                <a:effectLst/>
+              <a:rPr lang="zh-CN" altLang="zh-CN" sz="3200" b="1" dirty="0">
                 <a:latin typeface="+mn-ea"/>
               </a:rPr>
-              <a:t>变量的名字，由数字、字母、下划线组成</a:t>
-            </a:r>
-            <a:endParaRPr kumimoji="0" lang="en-US" altLang="zh-CN" sz="2400" b="0" i="0" u="none" strike="noStrike" cap="none" normalizeH="0" baseline="0" dirty="0">
-              <a:ln>
-                <a:noFill/>
-              </a:ln>
-              <a:effectLst/>
-              <a:latin typeface="+mn-ea"/>
-            </a:endParaRPr>
-          </a:p>
-          <a:p>
-            <a:pPr marL="0" marR="0" lvl="0" indent="0" algn="l" defTabSz="914400" rtl="0" eaLnBrk="0" fontAlgn="base" latinLnBrk="0" hangingPunct="0">
-              <a:lnSpc>
-                <a:spcPct val="100000"/>
-              </a:lnSpc>
-              <a:spcBef>
-                <a:spcPct val="0"/>
-              </a:spcBef>
-              <a:spcAft>
-                <a:spcPct val="0"/>
-              </a:spcAft>
-              <a:buClrTx/>
-              <a:buSzTx/>
-              <a:buFontTx/>
-              <a:buNone/>
-              <a:tabLst/>
-            </a:pPr>
-            <a:endParaRPr kumimoji="0" lang="zh-CN" altLang="zh-CN" sz="2400" b="0" i="0" u="none" strike="noStrike" cap="none" normalizeH="0" baseline="0" dirty="0">
-              <a:ln>
-                <a:noFill/>
-              </a:ln>
-              <a:effectLst/>
-              <a:latin typeface="+mn-ea"/>
-            </a:endParaRPr>
-          </a:p>
-          <a:p>
-            <a:pPr marL="0" marR="0" lvl="0" indent="0" algn="l" defTabSz="914400" rtl="0" eaLnBrk="0" fontAlgn="base" latinLnBrk="0" hangingPunct="0">
-              <a:lnSpc>
-                <a:spcPct val="100000"/>
-              </a:lnSpc>
-              <a:spcBef>
-                <a:spcPct val="0"/>
-              </a:spcBef>
-              <a:spcAft>
-                <a:spcPct val="0"/>
-              </a:spcAft>
-              <a:buClrTx/>
-              <a:buSzTx/>
-              <a:buFontTx/>
-              <a:buChar char="•"/>
-              <a:tabLst/>
-            </a:pPr>
-            <a:r>
-              <a:rPr kumimoji="0" lang="zh-CN" altLang="zh-CN" sz="2400" b="0" i="0" u="none" strike="noStrike" cap="none" normalizeH="0" baseline="0" dirty="0">
-                <a:ln>
-                  <a:noFill/>
-                </a:ln>
-                <a:effectLst/>
+              <a:t>2</a:t>
+            </a:r>
+            <a:r>
+              <a:rPr lang="en-US" altLang="zh-CN" sz="3200" b="1" dirty="0">
                 <a:latin typeface="+mn-ea"/>
               </a:rPr>
-              <a:t>不能连续出现两个下划线</a:t>
-            </a:r>
-            <a:endParaRPr kumimoji="0" lang="en-US" altLang="zh-CN" sz="2400" b="0" i="0" u="none" strike="noStrike" cap="none" normalizeH="0" baseline="0" dirty="0">
-              <a:ln>
-                <a:noFill/>
-              </a:ln>
-              <a:effectLst/>
-              <a:latin typeface="+mn-ea"/>
-            </a:endParaRPr>
-          </a:p>
-          <a:p>
-            <a:pPr marL="0" marR="0" lvl="0" indent="0" algn="l" defTabSz="914400" rtl="0" eaLnBrk="0" fontAlgn="base" latinLnBrk="0" hangingPunct="0">
-              <a:lnSpc>
-                <a:spcPct val="100000"/>
-              </a:lnSpc>
-              <a:spcBef>
-                <a:spcPct val="0"/>
-              </a:spcBef>
-              <a:spcAft>
-                <a:spcPct val="0"/>
-              </a:spcAft>
-              <a:buClrTx/>
-              <a:buSzTx/>
-              <a:buFontTx/>
-              <a:buChar char="•"/>
-              <a:tabLst/>
-            </a:pPr>
-            <a:endParaRPr kumimoji="0" lang="zh-CN" altLang="zh-CN" sz="2400" b="0" i="0" u="none" strike="noStrike" cap="none" normalizeH="0" baseline="0" dirty="0">
-              <a:ln>
-                <a:noFill/>
-              </a:ln>
-              <a:effectLst/>
-              <a:latin typeface="+mn-ea"/>
-            </a:endParaRPr>
-          </a:p>
-          <a:p>
-            <a:pPr marL="0" marR="0" lvl="0" indent="0" algn="l" defTabSz="914400" rtl="0" eaLnBrk="0" fontAlgn="base" latinLnBrk="0" hangingPunct="0">
-              <a:lnSpc>
-                <a:spcPct val="100000"/>
-              </a:lnSpc>
-              <a:spcBef>
-                <a:spcPct val="0"/>
-              </a:spcBef>
-              <a:spcAft>
-                <a:spcPct val="0"/>
-              </a:spcAft>
-              <a:buClrTx/>
-              <a:buSzTx/>
-              <a:buFontTx/>
-              <a:buChar char="•"/>
-              <a:tabLst/>
-            </a:pPr>
-            <a:r>
-              <a:rPr kumimoji="0" lang="zh-CN" altLang="zh-CN" sz="2400" b="0" i="0" u="none" strike="noStrike" cap="none" normalizeH="0" baseline="0" dirty="0">
-                <a:ln>
-                  <a:noFill/>
-                </a:ln>
-                <a:effectLst/>
+              <a:t> </a:t>
+            </a:r>
+            <a:r>
+              <a:rPr lang="zh-CN" altLang="en-US" sz="3200" b="1" dirty="0">
                 <a:latin typeface="+mn-ea"/>
               </a:rPr>
-              <a:t>不能下划线紧连大写字母开头</a:t>
-            </a:r>
-            <a:endParaRPr kumimoji="0" lang="en-US" altLang="zh-CN" sz="2400" b="0" i="0" u="none" strike="noStrike" cap="none" normalizeH="0" baseline="0" dirty="0">
-              <a:ln>
-                <a:noFill/>
-              </a:ln>
-              <a:effectLst/>
-              <a:latin typeface="+mn-ea"/>
-            </a:endParaRPr>
-          </a:p>
-          <a:p>
-            <a:pPr marL="0" marR="0" lvl="0" indent="0" algn="l" defTabSz="914400" rtl="0" eaLnBrk="0" fontAlgn="base" latinLnBrk="0" hangingPunct="0">
-              <a:lnSpc>
-                <a:spcPct val="100000"/>
-              </a:lnSpc>
-              <a:spcBef>
-                <a:spcPct val="0"/>
-              </a:spcBef>
-              <a:spcAft>
-                <a:spcPct val="0"/>
-              </a:spcAft>
-              <a:buClrTx/>
-              <a:buSzTx/>
-              <a:buFontTx/>
-              <a:buChar char="•"/>
-              <a:tabLst/>
-            </a:pPr>
-            <a:endParaRPr kumimoji="0" lang="zh-CN" altLang="zh-CN" sz="2400" b="0" i="0" u="none" strike="noStrike" cap="none" normalizeH="0" baseline="0" dirty="0">
-              <a:ln>
-                <a:noFill/>
-              </a:ln>
-              <a:effectLst/>
-              <a:latin typeface="+mn-ea"/>
-            </a:endParaRPr>
-          </a:p>
-          <a:p>
-            <a:pPr marL="0" marR="0" lvl="0" indent="0" algn="l" defTabSz="914400" rtl="0" eaLnBrk="0" fontAlgn="base" latinLnBrk="0" hangingPunct="0">
-              <a:lnSpc>
-                <a:spcPct val="100000"/>
-              </a:lnSpc>
-              <a:spcBef>
-                <a:spcPct val="0"/>
-              </a:spcBef>
-              <a:spcAft>
-                <a:spcPct val="0"/>
-              </a:spcAft>
-              <a:buClrTx/>
-              <a:buSzTx/>
-              <a:buFontTx/>
-              <a:buChar char="•"/>
-              <a:tabLst/>
-            </a:pPr>
-            <a:r>
-              <a:rPr kumimoji="0" lang="zh-CN" altLang="zh-CN" sz="2400" b="0" i="0" u="none" strike="noStrike" cap="none" normalizeH="0" baseline="0" dirty="0">
-                <a:ln>
-                  <a:noFill/>
-                </a:ln>
-                <a:effectLst/>
-                <a:latin typeface="+mn-ea"/>
-              </a:rPr>
-              <a:t>定义在函数体外的标识符不能以下划线开头</a:t>
-            </a:r>
-            <a:endParaRPr kumimoji="0" lang="en-US" altLang="zh-CN" sz="2400" b="0" i="0" u="none" strike="noStrike" cap="none" normalizeH="0" baseline="0" dirty="0">
-              <a:ln>
-                <a:noFill/>
-              </a:ln>
-              <a:effectLst/>
-              <a:latin typeface="+mn-ea"/>
-            </a:endParaRPr>
-          </a:p>
-          <a:p>
-            <a:pPr marL="0" marR="0" lvl="0" indent="0" algn="l" defTabSz="914400" rtl="0" eaLnBrk="0" fontAlgn="base" latinLnBrk="0" hangingPunct="0">
-              <a:lnSpc>
-                <a:spcPct val="100000"/>
-              </a:lnSpc>
-              <a:spcBef>
-                <a:spcPct val="0"/>
-              </a:spcBef>
-              <a:spcAft>
-                <a:spcPct val="0"/>
-              </a:spcAft>
-              <a:buClrTx/>
-              <a:buSzTx/>
-              <a:buFontTx/>
-              <a:buChar char="•"/>
-              <a:tabLst/>
-            </a:pPr>
-            <a:endParaRPr lang="en-US" altLang="zh-CN" sz="2400" dirty="0">
-              <a:latin typeface="+mn-ea"/>
-            </a:endParaRPr>
-          </a:p>
-          <a:p>
-            <a:pPr marL="0" marR="0" lvl="0" indent="0" algn="l" defTabSz="914400" rtl="0" eaLnBrk="0" fontAlgn="base" latinLnBrk="0" hangingPunct="0">
-              <a:lnSpc>
-                <a:spcPct val="100000"/>
-              </a:lnSpc>
-              <a:spcBef>
-                <a:spcPct val="0"/>
-              </a:spcBef>
-              <a:spcAft>
-                <a:spcPct val="0"/>
-              </a:spcAft>
-              <a:buClrTx/>
-              <a:buSzTx/>
-              <a:buFontTx/>
-              <a:buChar char="•"/>
-              <a:tabLst/>
-            </a:pPr>
-            <a:r>
-              <a:rPr kumimoji="0" lang="zh-CN" altLang="zh-CN" sz="2400" b="0" i="0" u="none" strike="noStrike" cap="none" normalizeH="0" baseline="0" dirty="0">
-                <a:ln>
-                  <a:noFill/>
-                </a:ln>
-                <a:effectLst/>
-                <a:latin typeface="+mn-ea"/>
-              </a:rPr>
-              <a:t>区分大小写</a:t>
-            </a:r>
-            <a:endParaRPr kumimoji="0" lang="en-US" altLang="zh-CN" sz="2400" b="0" i="0" u="none" strike="noStrike" cap="none" normalizeH="0" baseline="0" dirty="0">
-              <a:ln>
-                <a:noFill/>
-              </a:ln>
-              <a:effectLst/>
-              <a:latin typeface="+mn-ea"/>
-            </a:endParaRPr>
-          </a:p>
-          <a:p>
-            <a:pPr marL="0" marR="0" lvl="0" indent="0" algn="l" defTabSz="914400" rtl="0" eaLnBrk="0" fontAlgn="base" latinLnBrk="0" hangingPunct="0">
-              <a:lnSpc>
-                <a:spcPct val="100000"/>
-              </a:lnSpc>
-              <a:spcBef>
-                <a:spcPct val="0"/>
-              </a:spcBef>
-              <a:spcAft>
-                <a:spcPct val="0"/>
-              </a:spcAft>
-              <a:buClrTx/>
-              <a:buSzTx/>
-              <a:buFontTx/>
-              <a:buChar char="•"/>
-              <a:tabLst/>
-            </a:pPr>
-            <a:endParaRPr kumimoji="0" lang="zh-CN" altLang="zh-CN" sz="2400" b="0" i="0" u="none" strike="noStrike" cap="none" normalizeH="0" baseline="0" dirty="0">
-              <a:ln>
-                <a:noFill/>
-              </a:ln>
-              <a:effectLst/>
-              <a:latin typeface="+mn-ea"/>
-            </a:endParaRPr>
-          </a:p>
-          <a:p>
-            <a:pPr marL="0" marR="0" lvl="0" indent="0" algn="l" defTabSz="914400" rtl="0" eaLnBrk="0" fontAlgn="base" latinLnBrk="0" hangingPunct="0">
-              <a:lnSpc>
-                <a:spcPct val="100000"/>
-              </a:lnSpc>
-              <a:spcBef>
-                <a:spcPct val="0"/>
-              </a:spcBef>
-              <a:spcAft>
-                <a:spcPct val="0"/>
-              </a:spcAft>
-              <a:buClrTx/>
-              <a:buSzTx/>
-              <a:buFontTx/>
-              <a:buChar char="•"/>
-              <a:tabLst/>
-            </a:pPr>
-            <a:r>
-              <a:rPr kumimoji="0" lang="zh-CN" altLang="zh-CN" sz="2400" b="0" i="0" u="none" strike="noStrike" cap="none" normalizeH="0" baseline="0" dirty="0">
-                <a:ln>
-                  <a:noFill/>
-                </a:ln>
-                <a:effectLst/>
-                <a:latin typeface="+mn-ea"/>
-              </a:rPr>
-              <a:t>不能与关键字重复</a:t>
-            </a:r>
-          </a:p>
-          <a:p>
-            <a:pPr marL="0" marR="0" lvl="0" indent="0" algn="l" defTabSz="914400" rtl="0" eaLnBrk="0" fontAlgn="base" latinLnBrk="0" hangingPunct="0">
-              <a:lnSpc>
-                <a:spcPct val="100000"/>
-              </a:lnSpc>
-              <a:spcBef>
-                <a:spcPct val="0"/>
-              </a:spcBef>
-              <a:spcAft>
-                <a:spcPct val="0"/>
-              </a:spcAft>
-              <a:buClrTx/>
-              <a:buSzTx/>
-              <a:buFontTx/>
-              <a:buNone/>
-              <a:tabLst/>
-            </a:pPr>
-            <a:endParaRPr kumimoji="0" lang="zh-CN" altLang="zh-CN" sz="2400" b="0" i="0" u="none" strike="noStrike" cap="none" normalizeH="0" baseline="0" dirty="0">
-              <a:ln>
-                <a:noFill/>
-              </a:ln>
-              <a:effectLst/>
+              <a:t>基本类型和变量</a:t>
+            </a:r>
+            <a:endParaRPr lang="zh-CN" altLang="zh-CN" sz="3200" b="1" dirty="0">
               <a:latin typeface="+mn-ea"/>
             </a:endParaRPr>
           </a:p>
@@ -9920,7 +9697,7 @@
     </p:spTree>
     <p:extLst>
       <p:ext uri="{BB962C8B-B14F-4D97-AF65-F5344CB8AC3E}">
-        <p14:creationId xmlns:p14="http://schemas.microsoft.com/office/powerpoint/2010/main" val="1783377144"/>
+        <p14:creationId xmlns:p14="http://schemas.microsoft.com/office/powerpoint/2010/main" val="2064899679"/>
       </p:ext>
     </p:extLst>
   </p:cSld>
@@ -9949,47 +9726,10 @@
       </p:grpSpPr>
       <p:sp>
         <p:nvSpPr>
-          <p:cNvPr id="6" name="文本框 5">
-            <a:extLst>
-              <a:ext uri="{FF2B5EF4-FFF2-40B4-BE49-F238E27FC236}">
-                <a16:creationId xmlns:a16="http://schemas.microsoft.com/office/drawing/2014/main" id="{A8746E2C-B96B-4186-B0EC-BE8E9F365025}"/>
-              </a:ext>
-            </a:extLst>
-          </p:cNvPr>
-          <p:cNvSpPr txBox="1"/>
-          <p:nvPr/>
-        </p:nvSpPr>
-        <p:spPr>
-          <a:xfrm>
-            <a:off x="0" y="434061"/>
-            <a:ext cx="7393790" cy="1015663"/>
-          </a:xfrm>
-          <a:prstGeom prst="rect">
-            <a:avLst/>
-          </a:prstGeom>
-          <a:noFill/>
-        </p:spPr>
-        <p:txBody>
-          <a:bodyPr wrap="square" rtlCol="0">
-            <a:spAutoFit/>
-          </a:bodyPr>
-          <a:lstStyle/>
-          <a:p>
-            <a:r>
-              <a:rPr lang="zh-CN" altLang="en-US" sz="6000" b="1" dirty="0">
-                <a:latin typeface="+mn-ea"/>
-              </a:rPr>
-              <a:t>作用域</a:t>
-            </a:r>
-          </a:p>
-        </p:txBody>
-      </p:sp>
-      <p:sp>
-        <p:nvSpPr>
           <p:cNvPr id="4" name="Rectangle 2">
             <a:extLst>
               <a:ext uri="{FF2B5EF4-FFF2-40B4-BE49-F238E27FC236}">
-                <a16:creationId xmlns:a16="http://schemas.microsoft.com/office/drawing/2014/main" id="{1E65920D-EAC9-4974-B4B7-287EA1B37CEE}"/>
+                <a16:creationId xmlns:a16="http://schemas.microsoft.com/office/drawing/2014/main" id="{941FE186-B41E-45A3-82FB-DC3E102AE008}"/>
               </a:ext>
             </a:extLst>
           </p:cNvPr>
@@ -10000,8 +9740,8 @@
         </p:nvSpPr>
         <p:spPr bwMode="auto">
           <a:xfrm>
-            <a:off x="2921000" y="2505502"/>
-            <a:ext cx="6731000" cy="830997"/>
+            <a:off x="1317057" y="1436683"/>
+            <a:ext cx="8401050" cy="1200329"/>
           </a:xfrm>
           <a:prstGeom prst="rect">
             <a:avLst/>
@@ -10176,76 +9916,117 @@
             </a:lvl9pPr>
           </a:lstStyle>
           <a:p>
-            <a:pPr marL="0" marR="0" lvl="0" indent="0" algn="l" defTabSz="914400" rtl="0" eaLnBrk="0" fontAlgn="base" latinLnBrk="0" hangingPunct="0">
+            <a:pPr marR="0" indent="0" eaLnBrk="1" hangingPunct="1">
               <a:lnSpc>
                 <a:spcPct val="100000"/>
               </a:lnSpc>
+              <a:buClrTx/>
+              <a:buSzTx/>
+              <a:buFontTx/>
+              <a:buNone/>
+              <a:tabLst/>
+            </a:pPr>
+            <a:r>
+              <a:rPr lang="zh-CN" altLang="zh-CN" sz="2400" b="1" dirty="0">
+                <a:latin typeface="+mn-ea"/>
+              </a:rPr>
+              <a:t>基本内置类型=算数类型+空类型</a:t>
+            </a:r>
+            <a:endParaRPr lang="en-US" altLang="zh-CN" sz="2400" b="1" dirty="0">
+              <a:latin typeface="+mn-ea"/>
+            </a:endParaRPr>
+          </a:p>
+          <a:p>
+            <a:pPr marR="0" indent="0" eaLnBrk="1" hangingPunct="1">
+              <a:lnSpc>
+                <a:spcPct val="100000"/>
+              </a:lnSpc>
+              <a:buClrTx/>
+              <a:buSzTx/>
+              <a:buFontTx/>
+              <a:buNone/>
+              <a:tabLst/>
+            </a:pPr>
+            <a:endParaRPr lang="zh-CN" altLang="zh-CN" sz="2400" b="1" dirty="0">
+              <a:latin typeface="+mn-ea"/>
+            </a:endParaRPr>
+          </a:p>
+          <a:p>
+            <a:pPr marR="0" indent="0" eaLnBrk="1" hangingPunct="1">
+              <a:lnSpc>
+                <a:spcPct val="100000"/>
+              </a:lnSpc>
+              <a:buClrTx/>
+              <a:buSzTx/>
+              <a:buFontTx/>
+              <a:buNone/>
+              <a:tabLst/>
+            </a:pPr>
+            <a:r>
+              <a:rPr lang="zh-CN" altLang="zh-CN" sz="2400" b="1" dirty="0">
+                <a:latin typeface="+mn-ea"/>
+              </a:rPr>
+              <a:t>算术类型=字符类型+整数型+布尔值+浮点数</a:t>
+            </a:r>
+          </a:p>
+        </p:txBody>
+      </p:sp>
+      <p:sp>
+        <p:nvSpPr>
+          <p:cNvPr id="5" name="矩形 4">
+            <a:extLst>
+              <a:ext uri="{FF2B5EF4-FFF2-40B4-BE49-F238E27FC236}">
+                <a16:creationId xmlns:a16="http://schemas.microsoft.com/office/drawing/2014/main" id="{CCA14CC4-DCDF-4B98-885D-AE39794D0326}"/>
+              </a:ext>
+            </a:extLst>
+          </p:cNvPr>
+          <p:cNvSpPr/>
+          <p:nvPr/>
+        </p:nvSpPr>
+        <p:spPr>
+          <a:xfrm>
+            <a:off x="288268" y="288399"/>
+            <a:ext cx="2492990" cy="584775"/>
+          </a:xfrm>
+          <a:prstGeom prst="rect">
+            <a:avLst/>
+          </a:prstGeom>
+        </p:spPr>
+        <p:txBody>
+          <a:bodyPr wrap="none">
+            <a:spAutoFit/>
+          </a:bodyPr>
+          <a:lstStyle/>
+          <a:p>
+            <a:pPr lvl="0" fontAlgn="base">
               <a:spcBef>
                 <a:spcPct val="0"/>
               </a:spcBef>
               <a:spcAft>
                 <a:spcPct val="0"/>
               </a:spcAft>
-              <a:buClrTx/>
-              <a:buSzTx/>
-              <a:buFontTx/>
-              <a:buNone/>
-              <a:tabLst/>
             </a:pPr>
             <a:r>
-              <a:rPr kumimoji="0" lang="zh-CN" altLang="zh-CN" sz="2400" b="0" i="0" u="none" strike="noStrike" cap="none" normalizeH="0" baseline="0">
-                <a:ln>
-                  <a:noFill/>
-                </a:ln>
-                <a:effectLst/>
+              <a:rPr lang="en-US" altLang="zh-CN" sz="3200" b="1" dirty="0">
                 <a:latin typeface="+mn-ea"/>
               </a:rPr>
-              <a:t>全局作用域和块作用域，以{ }为限</a:t>
-            </a:r>
-          </a:p>
-          <a:p>
-            <a:pPr marL="0" marR="0" lvl="0" indent="0" algn="l" defTabSz="914400" rtl="0" eaLnBrk="0" fontAlgn="base" latinLnBrk="0" hangingPunct="0">
-              <a:lnSpc>
-                <a:spcPct val="100000"/>
-              </a:lnSpc>
-              <a:spcBef>
-                <a:spcPct val="0"/>
-              </a:spcBef>
-              <a:spcAft>
-                <a:spcPct val="0"/>
-              </a:spcAft>
-              <a:buClrTx/>
-              <a:buSzTx/>
-              <a:buFontTx/>
-              <a:buNone/>
-              <a:tabLst/>
-            </a:pPr>
-            <a:r>
-              <a:rPr kumimoji="0" lang="zh-CN" altLang="zh-CN" sz="2400" b="0" i="0" u="none" strike="noStrike" cap="none" normalizeH="0" baseline="0">
-                <a:ln>
-                  <a:noFill/>
-                </a:ln>
-                <a:effectLst/>
+              <a:t>2.1 </a:t>
+            </a:r>
+            <a:r>
+              <a:rPr lang="zh-CN" altLang="zh-CN" sz="3200" b="1" dirty="0">
                 <a:latin typeface="+mn-ea"/>
               </a:rPr>
-              <a:t>嵌套作用域： 嵌套后分内层作用域和外层作用域</a:t>
-            </a:r>
-            <a:endParaRPr kumimoji="0" lang="zh-CN" altLang="zh-CN" sz="2400" b="0" i="0" u="none" strike="noStrike" cap="none" normalizeH="0" baseline="0" dirty="0">
-              <a:ln>
-                <a:noFill/>
-              </a:ln>
-              <a:effectLst/>
-              <a:latin typeface="+mn-ea"/>
-            </a:endParaRPr>
-          </a:p>
-        </p:txBody>
-      </p:sp>
-      <p:sp>
-        <p:nvSpPr>
-          <p:cNvPr id="5" name="矩形 4">
-            <a:extLst>
-              <a:ext uri="{FF2B5EF4-FFF2-40B4-BE49-F238E27FC236}">
-                <a16:creationId xmlns:a16="http://schemas.microsoft.com/office/drawing/2014/main" id="{AFF1A636-39DE-4B36-BF2A-5A81B525BCDF}"/>
+              <a:t>基本类型</a:t>
+            </a:r>
+          </a:p>
+        </p:txBody>
+      </p:sp>
+      <p:sp>
+        <p:nvSpPr>
+          <p:cNvPr id="11" name="矩形 10">
+            <a:extLst>
+              <a:ext uri="{FF2B5EF4-FFF2-40B4-BE49-F238E27FC236}">
+                <a16:creationId xmlns:a16="http://schemas.microsoft.com/office/drawing/2014/main" id="{062F1B84-2816-41AC-94CF-C1DDDF5BE2A5}"/>
               </a:ext>
             </a:extLst>
           </p:cNvPr>
@@ -10254,35 +10035,112 @@
         </p:nvSpPr>
         <p:spPr>
           <a:xfrm>
-            <a:off x="3164795" y="4432392"/>
-            <a:ext cx="6167073" cy="461665"/>
+            <a:off x="7667625" y="3245613"/>
+            <a:ext cx="3219450" cy="2031325"/>
           </a:xfrm>
           <a:prstGeom prst="rect">
             <a:avLst/>
           </a:prstGeom>
         </p:spPr>
         <p:txBody>
-          <a:bodyPr wrap="none">
+          <a:bodyPr wrap="square">
             <a:spAutoFit/>
           </a:bodyPr>
           <a:lstStyle/>
           <a:p>
             <a:r>
-              <a:rPr lang="zh-CN" altLang="en-US" sz="2400" dirty="0"/>
-              <a:t>::域操作</a:t>
-            </a:r>
-            <a:r>
-              <a:rPr lang="zh-CN" altLang="en-US" sz="2400" b="1" dirty="0">
-                <a:solidFill>
-                  <a:srgbClr val="00B050"/>
-                </a:solidFill>
+              <a:rPr lang="zh-CN" altLang="en-US" b="1" dirty="0"/>
+              <a:t>char ：1个字节</a:t>
+            </a:r>
+          </a:p>
+          <a:p>
+            <a:r>
+              <a:rPr lang="zh-CN" altLang="en-US" b="1" dirty="0"/>
+              <a:t>wchar_t：2个字节</a:t>
+            </a:r>
+            <a:endParaRPr lang="en-US" altLang="zh-CN" b="1" dirty="0"/>
+          </a:p>
+          <a:p>
+            <a:r>
+              <a:rPr lang="en-US" altLang="zh-CN" b="1" dirty="0"/>
+              <a:t>void</a:t>
+            </a:r>
+            <a:r>
+              <a:rPr lang="zh-CN" altLang="en-US" b="1" dirty="0"/>
+              <a:t>*(指针变量): 8个字节</a:t>
+            </a:r>
+          </a:p>
+          <a:p>
+            <a:r>
+              <a:rPr lang="zh-CN" altLang="en-US" b="1" dirty="0"/>
+              <a:t>int： 4个字节</a:t>
+            </a:r>
+          </a:p>
+          <a:p>
+            <a:r>
+              <a:rPr lang="zh-CN" altLang="en-US" b="1" dirty="0"/>
+              <a:t>unsigned int : 4个字节</a:t>
+            </a:r>
+          </a:p>
+          <a:p>
+            <a:r>
+              <a:rPr lang="zh-CN" altLang="en-US" b="1" dirty="0"/>
+              <a:t>float: 4个字节</a:t>
+            </a:r>
+          </a:p>
+          <a:p>
+            <a:r>
+              <a:rPr lang="zh-CN" altLang="en-US" b="1" dirty="0"/>
+              <a:t>double:  8个字节</a:t>
+            </a:r>
+          </a:p>
+        </p:txBody>
+      </p:sp>
+      <p:sp>
+        <p:nvSpPr>
+          <p:cNvPr id="12" name="文本框 11">
+            <a:extLst>
+              <a:ext uri="{FF2B5EF4-FFF2-40B4-BE49-F238E27FC236}">
+                <a16:creationId xmlns:a16="http://schemas.microsoft.com/office/drawing/2014/main" id="{AB60CE66-EF70-49BE-A02F-102AB6C27324}"/>
+              </a:ext>
+            </a:extLst>
+          </p:cNvPr>
+          <p:cNvSpPr txBox="1"/>
+          <p:nvPr/>
+        </p:nvSpPr>
+        <p:spPr>
+          <a:xfrm>
+            <a:off x="803925" y="3647895"/>
+            <a:ext cx="5130149" cy="1015663"/>
+          </a:xfrm>
+          <a:prstGeom prst="rect">
+            <a:avLst/>
+          </a:prstGeom>
+          <a:noFill/>
+        </p:spPr>
+        <p:txBody>
+          <a:bodyPr wrap="square" rtlCol="0">
+            <a:spAutoFit/>
+          </a:bodyPr>
+          <a:lstStyle/>
+          <a:p>
+            <a:r>
+              <a:rPr lang="zh-CN" altLang="en-US" sz="6000" b="1" dirty="0">
                 <a:latin typeface="+mn-ea"/>
               </a:rPr>
-              <a:t>注释</a:t>
-            </a:r>
-            <a:r>
-              <a:rPr lang="zh-CN" altLang="en-US" sz="2400" dirty="0"/>
-              <a:t>符左侧为空，调用全局中的变量</a:t>
+              <a:t>在</a:t>
+            </a:r>
+            <a:r>
+              <a:rPr lang="en-US" altLang="zh-CN" sz="6000" b="1" dirty="0">
+                <a:latin typeface="+mn-ea"/>
+              </a:rPr>
+              <a:t>64</a:t>
+            </a:r>
+            <a:r>
+              <a:rPr lang="zh-CN" altLang="en-US" sz="6000" b="1" dirty="0">
+                <a:latin typeface="+mn-ea"/>
+              </a:rPr>
+              <a:t>位机器上</a:t>
             </a:r>
           </a:p>
         </p:txBody>
@@ -10290,7 +10148,7 @@
     </p:spTree>
     <p:extLst>
       <p:ext uri="{BB962C8B-B14F-4D97-AF65-F5344CB8AC3E}">
-        <p14:creationId xmlns:p14="http://schemas.microsoft.com/office/powerpoint/2010/main" val="262636731"/>
+        <p14:creationId xmlns:p14="http://schemas.microsoft.com/office/powerpoint/2010/main" val="1367368557"/>
       </p:ext>
     </p:extLst>
   </p:cSld>
@@ -10332,58 +10190,7 @@
         <p:spPr>
           <a:xfrm>
             <a:off x="518176" y="466545"/>
-            <a:ext cx="7393790" cy="1015663"/>
-          </a:xfrm>
-          <a:prstGeom prst="rect">
-            <a:avLst/>
-          </a:prstGeom>
-          <a:solidFill>
-            <a:schemeClr val="bg2"/>
-          </a:solidFill>
-        </p:spPr>
-        <p:txBody>
-          <a:bodyPr wrap="square" rtlCol="0">
-            <a:spAutoFit/>
-          </a:bodyPr>
-          <a:lstStyle/>
-          <a:p>
-            <a:r>
-              <a:rPr lang="zh-CN" altLang="en-US" sz="6000" b="1" dirty="0">
-                <a:latin typeface="+mn-ea"/>
-              </a:rPr>
-              <a:t>复合类型</a:t>
-            </a:r>
-            <a:r>
-              <a:rPr lang="en-US" altLang="zh-CN" sz="6000" b="1" dirty="0">
-                <a:latin typeface="+mn-ea"/>
-              </a:rPr>
-              <a:t>:</a:t>
-            </a:r>
-            <a:r>
-              <a:rPr lang="zh-CN" altLang="en-US" sz="6000" b="1" dirty="0">
-                <a:latin typeface="+mn-ea"/>
-              </a:rPr>
-              <a:t>引用和指针</a:t>
-            </a:r>
-          </a:p>
-        </p:txBody>
-      </p:sp>
-      <p:sp>
-        <p:nvSpPr>
-          <p:cNvPr id="7" name="文本框 6">
-            <a:extLst>
-              <a:ext uri="{FF2B5EF4-FFF2-40B4-BE49-F238E27FC236}">
-                <a16:creationId xmlns:a16="http://schemas.microsoft.com/office/drawing/2014/main" id="{F2DE948A-1CAA-4351-BE39-ED5F086608C1}"/>
-              </a:ext>
-            </a:extLst>
-          </p:cNvPr>
-          <p:cNvSpPr txBox="1"/>
-          <p:nvPr/>
-        </p:nvSpPr>
-        <p:spPr>
-          <a:xfrm>
-            <a:off x="1610376" y="2587445"/>
-            <a:ext cx="6301590" cy="1015663"/>
+            <a:ext cx="5130149" cy="1015663"/>
           </a:xfrm>
           <a:prstGeom prst="rect">
             <a:avLst/>
@@ -10398,22 +10205,22 @@
           <a:p>
             <a:r>
               <a:rPr lang="zh-CN" altLang="en-US" sz="6000" b="1" dirty="0">
+                <a:highlight>
+                  <a:srgbClr val="C0C0C0"/>
+                </a:highlight>
                 <a:latin typeface="+mn-ea"/>
               </a:rPr>
-              <a:t>引用是类型别名</a:t>
-            </a:r>
-            <a:endParaRPr lang="en-US" altLang="zh-CN" sz="6000" b="1" dirty="0">
-              <a:latin typeface="+mn-ea"/>
-            </a:endParaRPr>
-          </a:p>
-        </p:txBody>
-      </p:sp>
-      <p:sp>
-        <p:nvSpPr>
-          <p:cNvPr id="8" name="文本框 7">
-            <a:extLst>
-              <a:ext uri="{FF2B5EF4-FFF2-40B4-BE49-F238E27FC236}">
-                <a16:creationId xmlns:a16="http://schemas.microsoft.com/office/drawing/2014/main" id="{46659E83-F713-40BF-964B-846CF2580AFE}"/>
+              <a:t>类型转换</a:t>
+            </a:r>
+          </a:p>
+        </p:txBody>
+      </p:sp>
+      <p:sp>
+        <p:nvSpPr>
+          <p:cNvPr id="48" name="文本框 47">
+            <a:extLst>
+              <a:ext uri="{FF2B5EF4-FFF2-40B4-BE49-F238E27FC236}">
+                <a16:creationId xmlns:a16="http://schemas.microsoft.com/office/drawing/2014/main" id="{D7BA841E-2C3E-4048-89EC-59FC62187BA3}"/>
               </a:ext>
             </a:extLst>
           </p:cNvPr>
@@ -10422,8 +10229,8 @@
         </p:nvSpPr>
         <p:spPr>
           <a:xfrm>
-            <a:off x="1610376" y="4009845"/>
-            <a:ext cx="6301590" cy="1015663"/>
+            <a:off x="3618563" y="2207954"/>
+            <a:ext cx="3739499" cy="1015663"/>
           </a:xfrm>
           <a:prstGeom prst="rect">
             <a:avLst/>
@@ -10440,9 +10247,46 @@
               <a:rPr lang="zh-CN" altLang="en-US" sz="6000" b="1" dirty="0">
                 <a:latin typeface="+mn-ea"/>
               </a:rPr>
-              <a:t>指针是数据类型</a:t>
-            </a:r>
-            <a:endParaRPr lang="en-US" altLang="zh-CN" sz="6000" b="1" dirty="0">
+              <a:t>向上转型</a:t>
+            </a:r>
+          </a:p>
+        </p:txBody>
+      </p:sp>
+      <p:sp>
+        <p:nvSpPr>
+          <p:cNvPr id="4" name="文本框 3">
+            <a:extLst>
+              <a:ext uri="{FF2B5EF4-FFF2-40B4-BE49-F238E27FC236}">
+                <a16:creationId xmlns:a16="http://schemas.microsoft.com/office/drawing/2014/main" id="{19E09A80-AF93-4F4C-844F-9A1A143FB3E3}"/>
+              </a:ext>
+            </a:extLst>
+          </p:cNvPr>
+          <p:cNvSpPr txBox="1"/>
+          <p:nvPr/>
+        </p:nvSpPr>
+        <p:spPr>
+          <a:xfrm>
+            <a:off x="994426" y="4101763"/>
+            <a:ext cx="10511774" cy="830997"/>
+          </a:xfrm>
+          <a:prstGeom prst="rect">
+            <a:avLst/>
+          </a:prstGeom>
+          <a:noFill/>
+        </p:spPr>
+        <p:txBody>
+          <a:bodyPr wrap="square" rtlCol="0">
+            <a:spAutoFit/>
+          </a:bodyPr>
+          <a:lstStyle/>
+          <a:p>
+            <a:r>
+              <a:rPr lang="en-US" altLang="zh-CN" sz="4800" b="1" dirty="0">
+                <a:latin typeface="+mn-ea"/>
+              </a:rPr>
+              <a:t>bool-&gt;int-&gt;long-&gt;float-&gt;double</a:t>
+            </a:r>
+            <a:endParaRPr lang="zh-CN" altLang="en-US" sz="4800" b="1" dirty="0">
               <a:latin typeface="+mn-ea"/>
             </a:endParaRPr>
           </a:p>
@@ -10451,7 +10295,7 @@
     </p:spTree>
     <p:extLst>
       <p:ext uri="{BB962C8B-B14F-4D97-AF65-F5344CB8AC3E}">
-        <p14:creationId xmlns:p14="http://schemas.microsoft.com/office/powerpoint/2010/main" val="3557918918"/>
+        <p14:creationId xmlns:p14="http://schemas.microsoft.com/office/powerpoint/2010/main" val="1378984394"/>
       </p:ext>
     </p:extLst>
   </p:cSld>
@@ -10480,10 +10324,10 @@
       </p:grpSpPr>
       <p:sp>
         <p:nvSpPr>
-          <p:cNvPr id="5" name="文本框 4">
-            <a:extLst>
-              <a:ext uri="{FF2B5EF4-FFF2-40B4-BE49-F238E27FC236}">
-                <a16:creationId xmlns:a16="http://schemas.microsoft.com/office/drawing/2014/main" id="{87D7020B-EEA1-465F-BFBB-58EAACD67653}"/>
+          <p:cNvPr id="6" name="文本框 5">
+            <a:extLst>
+              <a:ext uri="{FF2B5EF4-FFF2-40B4-BE49-F238E27FC236}">
+                <a16:creationId xmlns:a16="http://schemas.microsoft.com/office/drawing/2014/main" id="{A8746E2C-B96B-4186-B0EC-BE8E9F365025}"/>
               </a:ext>
             </a:extLst>
           </p:cNvPr>
@@ -10492,8 +10336,8 @@
         </p:nvSpPr>
         <p:spPr>
           <a:xfrm>
-            <a:off x="518176" y="2921168"/>
-            <a:ext cx="10149824" cy="2308324"/>
+            <a:off x="518176" y="466545"/>
+            <a:ext cx="5130149" cy="1015663"/>
           </a:xfrm>
           <a:prstGeom prst="rect">
             <a:avLst/>
@@ -10507,38 +10351,613 @@
           <a:lstStyle/>
           <a:p>
             <a:r>
-              <a:rPr lang="zh-CN" altLang="en-US" sz="4800" b="1" dirty="0">
+              <a:rPr lang="zh-CN" altLang="en-US" sz="6000" b="1" dirty="0">
+                <a:highlight>
+                  <a:srgbClr val="C0C0C0"/>
+                </a:highlight>
                 <a:latin typeface="+mn-ea"/>
               </a:rPr>
-              <a:t>指向指针的指针  </a:t>
-            </a:r>
-            <a:r>
-              <a:rPr lang="en-US" altLang="zh-CN" sz="4800" b="1" dirty="0">
-                <a:latin typeface="+mn-ea"/>
-              </a:rPr>
-              <a:t>VS </a:t>
-            </a:r>
-            <a:r>
-              <a:rPr lang="zh-CN" altLang="en-US" sz="4800" b="1" dirty="0">
-                <a:latin typeface="+mn-ea"/>
-              </a:rPr>
-              <a:t>指向引用的指针</a:t>
-            </a:r>
-            <a:endParaRPr lang="en-US" altLang="zh-CN" sz="4800" b="1" dirty="0">
-              <a:latin typeface="+mn-ea"/>
+              <a:t>字面值常量</a:t>
+            </a:r>
+          </a:p>
+        </p:txBody>
+      </p:sp>
+      <p:sp>
+        <p:nvSpPr>
+          <p:cNvPr id="3" name="Rectangle 2">
+            <a:extLst>
+              <a:ext uri="{FF2B5EF4-FFF2-40B4-BE49-F238E27FC236}">
+                <a16:creationId xmlns:a16="http://schemas.microsoft.com/office/drawing/2014/main" id="{237D703A-A18F-4474-ACDF-623FBE3F0982}"/>
+              </a:ext>
+            </a:extLst>
+          </p:cNvPr>
+          <p:cNvSpPr>
+            <a:spLocks noChangeArrowheads="1"/>
+          </p:cNvSpPr>
+          <p:nvPr/>
+        </p:nvSpPr>
+        <p:spPr bwMode="auto">
+          <a:xfrm>
+            <a:off x="828675" y="2895942"/>
+            <a:ext cx="1562100" cy="323165"/>
+          </a:xfrm>
+          <a:prstGeom prst="rect">
+            <a:avLst/>
+          </a:prstGeom>
+          <a:solidFill>
+            <a:srgbClr val="363B40"/>
+          </a:solidFill>
+          <a:ln>
+            <a:noFill/>
+          </a:ln>
+          <a:effectLst/>
+          <a:extLst>
+            <a:ext uri="{91240B29-F687-4F45-9708-019B960494DF}">
+              <a14:hiddenLine xmlns:a14="http://schemas.microsoft.com/office/drawing/2010/main" w="9525">
+                <a:solidFill>
+                  <a:schemeClr val="tx1"/>
+                </a:solidFill>
+                <a:miter lim="800000"/>
+                <a:headEnd/>
+                <a:tailEnd/>
+              </a14:hiddenLine>
+            </a:ext>
+            <a:ext uri="{AF507438-7753-43E0-B8FC-AC1667EBCBE1}">
+              <a14:hiddenEffects xmlns:a14="http://schemas.microsoft.com/office/drawing/2010/main">
+                <a:effectLst>
+                  <a:outerShdw dist="35921" dir="2700000" algn="ctr" rotWithShape="0">
+                    <a:schemeClr val="bg2"/>
+                  </a:outerShdw>
+                </a:effectLst>
+              </a14:hiddenEffects>
+            </a:ext>
+          </a:extLst>
+        </p:spPr>
+        <p:txBody>
+          <a:bodyPr vert="horz" wrap="square" lIns="91440" tIns="45720" rIns="91440" bIns="45720" numCol="1" anchor="ctr" anchorCtr="0" compatLnSpc="1">
+            <a:prstTxWarp prst="textNoShape">
+              <a:avLst/>
+            </a:prstTxWarp>
+            <a:spAutoFit/>
+          </a:bodyPr>
+          <a:lstStyle/>
+          <a:p>
+            <a:pPr marL="0" marR="0" lvl="0" indent="0" algn="l" defTabSz="914400" rtl="0" eaLnBrk="0" fontAlgn="base" latinLnBrk="0" hangingPunct="0">
+              <a:lnSpc>
+                <a:spcPct val="100000"/>
+              </a:lnSpc>
+              <a:spcBef>
+                <a:spcPct val="0"/>
+              </a:spcBef>
+              <a:spcAft>
+                <a:spcPct val="0"/>
+              </a:spcAft>
+              <a:buClrTx/>
+              <a:buSzTx/>
+              <a:buFontTx/>
+              <a:buNone/>
+              <a:tabLst/>
+            </a:pPr>
+            <a:r>
+              <a:rPr kumimoji="0" lang="zh-CN" altLang="zh-CN" sz="1500" b="1" i="0" u="none" strike="noStrike" cap="none" normalizeH="0" baseline="0">
+                <a:ln>
+                  <a:noFill/>
+                </a:ln>
+                <a:solidFill>
+                  <a:srgbClr val="DEDEDE"/>
+                </a:solidFill>
+                <a:effectLst/>
+                <a:latin typeface="Arial" panose="020B0604020202020204" pitchFamily="34" charset="0"/>
+                <a:ea typeface="Helvetica Neue"/>
+              </a:rPr>
+              <a:t>浮点型字面值</a:t>
+            </a:r>
+            <a:r>
+              <a:rPr kumimoji="0" lang="zh-CN" altLang="zh-CN" sz="700" b="0" i="0" u="none" strike="noStrike" cap="none" normalizeH="0" baseline="0">
+                <a:ln>
+                  <a:noFill/>
+                </a:ln>
+                <a:solidFill>
+                  <a:schemeClr val="tx1"/>
+                </a:solidFill>
+                <a:effectLst/>
+                <a:latin typeface="Arial" panose="020B0604020202020204" pitchFamily="34" charset="0"/>
+              </a:rPr>
+              <a:t> </a:t>
+            </a:r>
+            <a:endParaRPr kumimoji="0" lang="zh-CN" altLang="zh-CN" sz="1800" b="0" i="0" u="none" strike="noStrike" cap="none" normalizeH="0" baseline="0">
+              <a:ln>
+                <a:noFill/>
+              </a:ln>
+              <a:solidFill>
+                <a:schemeClr val="tx1"/>
+              </a:solidFill>
+              <a:effectLst/>
+              <a:latin typeface="Arial" panose="020B0604020202020204" pitchFamily="34" charset="0"/>
             </a:endParaRPr>
           </a:p>
-          <a:p>
-            <a:endParaRPr lang="en-US" altLang="zh-CN" sz="4800" b="1" dirty="0">
-              <a:latin typeface="+mn-ea"/>
+        </p:txBody>
+      </p:sp>
+      <p:sp>
+        <p:nvSpPr>
+          <p:cNvPr id="5" name="矩形 4">
+            <a:extLst>
+              <a:ext uri="{FF2B5EF4-FFF2-40B4-BE49-F238E27FC236}">
+                <a16:creationId xmlns:a16="http://schemas.microsoft.com/office/drawing/2014/main" id="{860D3C96-BD25-4972-8FEE-AFA3EE2E93EA}"/>
+              </a:ext>
+            </a:extLst>
+          </p:cNvPr>
+          <p:cNvSpPr/>
+          <p:nvPr/>
+        </p:nvSpPr>
+        <p:spPr>
+          <a:xfrm>
+            <a:off x="828675" y="3329077"/>
+            <a:ext cx="3339465" cy="1754326"/>
+          </a:xfrm>
+          <a:prstGeom prst="rect">
+            <a:avLst/>
+          </a:prstGeom>
+        </p:spPr>
+        <p:txBody>
+          <a:bodyPr wrap="square">
+            <a:spAutoFit/>
+          </a:bodyPr>
+          <a:lstStyle/>
+          <a:p>
+            <a:r>
+              <a:rPr lang="zh-CN" altLang="en-US" dirty="0"/>
+              <a:t>3.14159</a:t>
+            </a:r>
+          </a:p>
+          <a:p>
+            <a:r>
+              <a:rPr lang="zh-CN" altLang="en-US" dirty="0"/>
+              <a:t>3.14159E0</a:t>
+            </a:r>
+          </a:p>
+          <a:p>
+            <a:r>
+              <a:rPr lang="zh-CN" altLang="en-US" dirty="0"/>
+              <a:t>0.</a:t>
+            </a:r>
+          </a:p>
+          <a:p>
+            <a:r>
+              <a:rPr lang="zh-CN" altLang="en-US" dirty="0"/>
+              <a:t>0e0</a:t>
+            </a:r>
+          </a:p>
+          <a:p>
+            <a:r>
+              <a:rPr lang="zh-CN" altLang="en-US" dirty="0"/>
+              <a:t>.001</a:t>
+            </a:r>
+          </a:p>
+          <a:p>
+            <a:r>
+              <a:rPr lang="zh-CN" altLang="en-US" dirty="0"/>
+              <a:t>//默认为double类型</a:t>
+            </a:r>
+          </a:p>
+        </p:txBody>
+      </p:sp>
+      <p:sp>
+        <p:nvSpPr>
+          <p:cNvPr id="8" name="Rectangle 2">
+            <a:extLst>
+              <a:ext uri="{FF2B5EF4-FFF2-40B4-BE49-F238E27FC236}">
+                <a16:creationId xmlns:a16="http://schemas.microsoft.com/office/drawing/2014/main" id="{E0CFF027-9906-4CC8-B9DE-3FF10090C3FA}"/>
+              </a:ext>
+            </a:extLst>
+          </p:cNvPr>
+          <p:cNvSpPr>
+            <a:spLocks noChangeArrowheads="1"/>
+          </p:cNvSpPr>
+          <p:nvPr/>
+        </p:nvSpPr>
+        <p:spPr bwMode="auto">
+          <a:xfrm>
+            <a:off x="3180397" y="2885055"/>
+            <a:ext cx="1975485" cy="323165"/>
+          </a:xfrm>
+          <a:prstGeom prst="rect">
+            <a:avLst/>
+          </a:prstGeom>
+          <a:solidFill>
+            <a:srgbClr val="363B40"/>
+          </a:solidFill>
+          <a:ln>
+            <a:noFill/>
+          </a:ln>
+          <a:effectLst/>
+          <a:extLst>
+            <a:ext uri="{91240B29-F687-4F45-9708-019B960494DF}">
+              <a14:hiddenLine xmlns:a14="http://schemas.microsoft.com/office/drawing/2010/main" w="9525">
+                <a:solidFill>
+                  <a:schemeClr val="tx1"/>
+                </a:solidFill>
+                <a:miter lim="800000"/>
+                <a:headEnd/>
+                <a:tailEnd/>
+              </a14:hiddenLine>
+            </a:ext>
+            <a:ext uri="{AF507438-7753-43E0-B8FC-AC1667EBCBE1}">
+              <a14:hiddenEffects xmlns:a14="http://schemas.microsoft.com/office/drawing/2010/main">
+                <a:effectLst>
+                  <a:outerShdw dist="35921" dir="2700000" algn="ctr" rotWithShape="0">
+                    <a:schemeClr val="bg2"/>
+                  </a:outerShdw>
+                </a:effectLst>
+              </a14:hiddenEffects>
+            </a:ext>
+          </a:extLst>
+        </p:spPr>
+        <p:txBody>
+          <a:bodyPr vert="horz" wrap="square" lIns="91440" tIns="45720" rIns="91440" bIns="45720" numCol="1" anchor="ctr" anchorCtr="0" compatLnSpc="1">
+            <a:prstTxWarp prst="textNoShape">
+              <a:avLst/>
+            </a:prstTxWarp>
+            <a:spAutoFit/>
+          </a:bodyPr>
+          <a:lstStyle/>
+          <a:p>
+            <a:pPr lvl="0" eaLnBrk="0" fontAlgn="base" hangingPunct="0">
+              <a:spcBef>
+                <a:spcPct val="0"/>
+              </a:spcBef>
+              <a:spcAft>
+                <a:spcPct val="0"/>
+              </a:spcAft>
+            </a:pPr>
+            <a:r>
+              <a:rPr lang="zh-CN" altLang="en-US" sz="1500" b="1" dirty="0">
+                <a:solidFill>
+                  <a:srgbClr val="DEDEDE"/>
+                </a:solidFill>
+                <a:latin typeface="Arial" panose="020B0604020202020204" pitchFamily="34" charset="0"/>
+                <a:ea typeface="Helvetica Neue"/>
+              </a:rPr>
+              <a:t>字符和字符串字面值</a:t>
+            </a:r>
+            <a:endParaRPr kumimoji="0" lang="zh-CN" altLang="zh-CN" sz="1800" b="0" i="0" u="none" strike="noStrike" cap="none" normalizeH="0" baseline="0" dirty="0">
+              <a:ln>
+                <a:noFill/>
+              </a:ln>
+              <a:solidFill>
+                <a:schemeClr val="tx1"/>
+              </a:solidFill>
+              <a:effectLst/>
+              <a:latin typeface="Arial" panose="020B0604020202020204" pitchFamily="34" charset="0"/>
             </a:endParaRPr>
           </a:p>
-          <a:p>
-            <a:r>
-              <a:rPr lang="zh-CN" altLang="en-US" sz="4800" b="1" dirty="0">
-                <a:latin typeface="+mn-ea"/>
-              </a:rPr>
-              <a:t>指针的引用</a:t>
+        </p:txBody>
+      </p:sp>
+      <p:sp>
+        <p:nvSpPr>
+          <p:cNvPr id="7" name="矩形 6">
+            <a:extLst>
+              <a:ext uri="{FF2B5EF4-FFF2-40B4-BE49-F238E27FC236}">
+                <a16:creationId xmlns:a16="http://schemas.microsoft.com/office/drawing/2014/main" id="{73B3BFEE-4029-47E9-982C-185A42780D5F}"/>
+              </a:ext>
+            </a:extLst>
+          </p:cNvPr>
+          <p:cNvSpPr/>
+          <p:nvPr/>
+        </p:nvSpPr>
+        <p:spPr>
+          <a:xfrm>
+            <a:off x="3180397" y="3332928"/>
+            <a:ext cx="2866490" cy="369332"/>
+          </a:xfrm>
+          <a:prstGeom prst="rect">
+            <a:avLst/>
+          </a:prstGeom>
+        </p:spPr>
+        <p:txBody>
+          <a:bodyPr wrap="none">
+            <a:spAutoFit/>
+          </a:bodyPr>
+          <a:lstStyle/>
+          <a:p>
+            <a:r>
+              <a:rPr lang="zh-CN" altLang="en-US" dirty="0"/>
+              <a:t>'a'  //字符字面值  char类型</a:t>
+            </a:r>
+          </a:p>
+        </p:txBody>
+      </p:sp>
+      <p:sp>
+        <p:nvSpPr>
+          <p:cNvPr id="9" name="矩形 8">
+            <a:extLst>
+              <a:ext uri="{FF2B5EF4-FFF2-40B4-BE49-F238E27FC236}">
+                <a16:creationId xmlns:a16="http://schemas.microsoft.com/office/drawing/2014/main" id="{D0DA86C9-0040-41D1-9480-FA32EAF930E7}"/>
+              </a:ext>
+            </a:extLst>
+          </p:cNvPr>
+          <p:cNvSpPr/>
+          <p:nvPr/>
+        </p:nvSpPr>
+        <p:spPr>
+          <a:xfrm>
+            <a:off x="3180397" y="3833390"/>
+            <a:ext cx="4296369" cy="369332"/>
+          </a:xfrm>
+          <a:prstGeom prst="rect">
+            <a:avLst/>
+          </a:prstGeom>
+        </p:spPr>
+        <p:txBody>
+          <a:bodyPr wrap="none">
+            <a:spAutoFit/>
+          </a:bodyPr>
+          <a:lstStyle/>
+          <a:p>
+            <a:r>
+              <a:rPr lang="zh-CN" altLang="en-US" dirty="0"/>
+              <a:t>"Hello World!"  //字符串字面值  char数组</a:t>
+            </a:r>
+          </a:p>
+        </p:txBody>
+      </p:sp>
+      <p:sp>
+        <p:nvSpPr>
+          <p:cNvPr id="13" name="矩形 12">
+            <a:extLst>
+              <a:ext uri="{FF2B5EF4-FFF2-40B4-BE49-F238E27FC236}">
+                <a16:creationId xmlns:a16="http://schemas.microsoft.com/office/drawing/2014/main" id="{BCB9D634-9BB7-4F6A-AFEA-4A8525E56846}"/>
+              </a:ext>
+            </a:extLst>
+          </p:cNvPr>
+          <p:cNvSpPr/>
+          <p:nvPr/>
+        </p:nvSpPr>
+        <p:spPr>
+          <a:xfrm>
+            <a:off x="7226015" y="3362876"/>
+            <a:ext cx="1091966" cy="369332"/>
+          </a:xfrm>
+          <a:prstGeom prst="rect">
+            <a:avLst/>
+          </a:prstGeom>
+        </p:spPr>
+        <p:txBody>
+          <a:bodyPr wrap="none">
+            <a:spAutoFit/>
+          </a:bodyPr>
+          <a:lstStyle/>
+          <a:p>
+            <a:r>
+              <a:rPr lang="en-US" altLang="zh-CN" dirty="0"/>
+              <a:t>true false</a:t>
+            </a:r>
+            <a:endParaRPr lang="zh-CN" altLang="en-US" dirty="0"/>
+          </a:p>
+        </p:txBody>
+      </p:sp>
+      <p:sp>
+        <p:nvSpPr>
+          <p:cNvPr id="14" name="Rectangle 2">
+            <a:extLst>
+              <a:ext uri="{FF2B5EF4-FFF2-40B4-BE49-F238E27FC236}">
+                <a16:creationId xmlns:a16="http://schemas.microsoft.com/office/drawing/2014/main" id="{0C54A5F0-66CD-4369-B67E-03F38AAADC35}"/>
+              </a:ext>
+            </a:extLst>
+          </p:cNvPr>
+          <p:cNvSpPr>
+            <a:spLocks noChangeArrowheads="1"/>
+          </p:cNvSpPr>
+          <p:nvPr/>
+        </p:nvSpPr>
+        <p:spPr bwMode="auto">
+          <a:xfrm>
+            <a:off x="7226015" y="2863027"/>
+            <a:ext cx="1975485" cy="323165"/>
+          </a:xfrm>
+          <a:prstGeom prst="rect">
+            <a:avLst/>
+          </a:prstGeom>
+          <a:solidFill>
+            <a:srgbClr val="363B40"/>
+          </a:solidFill>
+          <a:ln>
+            <a:noFill/>
+          </a:ln>
+          <a:effectLst/>
+          <a:extLst>
+            <a:ext uri="{91240B29-F687-4F45-9708-019B960494DF}">
+              <a14:hiddenLine xmlns:a14="http://schemas.microsoft.com/office/drawing/2010/main" w="9525">
+                <a:solidFill>
+                  <a:schemeClr val="tx1"/>
+                </a:solidFill>
+                <a:miter lim="800000"/>
+                <a:headEnd/>
+                <a:tailEnd/>
+              </a14:hiddenLine>
+            </a:ext>
+            <a:ext uri="{AF507438-7753-43E0-B8FC-AC1667EBCBE1}">
+              <a14:hiddenEffects xmlns:a14="http://schemas.microsoft.com/office/drawing/2010/main">
+                <a:effectLst>
+                  <a:outerShdw dist="35921" dir="2700000" algn="ctr" rotWithShape="0">
+                    <a:schemeClr val="bg2"/>
+                  </a:outerShdw>
+                </a:effectLst>
+              </a14:hiddenEffects>
+            </a:ext>
+          </a:extLst>
+        </p:spPr>
+        <p:txBody>
+          <a:bodyPr vert="horz" wrap="square" lIns="91440" tIns="45720" rIns="91440" bIns="45720" numCol="1" anchor="ctr" anchorCtr="0" compatLnSpc="1">
+            <a:prstTxWarp prst="textNoShape">
+              <a:avLst/>
+            </a:prstTxWarp>
+            <a:spAutoFit/>
+          </a:bodyPr>
+          <a:lstStyle/>
+          <a:p>
+            <a:pPr lvl="0" eaLnBrk="0" fontAlgn="base" hangingPunct="0">
+              <a:spcBef>
+                <a:spcPct val="0"/>
+              </a:spcBef>
+              <a:spcAft>
+                <a:spcPct val="0"/>
+              </a:spcAft>
+            </a:pPr>
+            <a:r>
+              <a:rPr lang="en-US" altLang="zh-CN" sz="1500" b="1" dirty="0">
+                <a:solidFill>
+                  <a:srgbClr val="DEDEDE"/>
+                </a:solidFill>
+                <a:latin typeface="Arial" panose="020B0604020202020204" pitchFamily="34" charset="0"/>
+                <a:ea typeface="Helvetica Neue"/>
+              </a:rPr>
+              <a:t>bool</a:t>
+            </a:r>
+            <a:r>
+              <a:rPr lang="zh-CN" altLang="en-US" sz="1500" b="1" dirty="0">
+                <a:solidFill>
+                  <a:srgbClr val="DEDEDE"/>
+                </a:solidFill>
+                <a:latin typeface="Arial" panose="020B0604020202020204" pitchFamily="34" charset="0"/>
+                <a:ea typeface="Helvetica Neue"/>
+              </a:rPr>
+              <a:t>字面值</a:t>
+            </a:r>
+            <a:endParaRPr kumimoji="0" lang="zh-CN" altLang="zh-CN" sz="1800" b="0" i="0" u="none" strike="noStrike" cap="none" normalizeH="0" baseline="0" dirty="0">
+              <a:ln>
+                <a:noFill/>
+              </a:ln>
+              <a:solidFill>
+                <a:schemeClr val="tx1"/>
+              </a:solidFill>
+              <a:effectLst/>
+              <a:latin typeface="Arial" panose="020B0604020202020204" pitchFamily="34" charset="0"/>
+            </a:endParaRPr>
+          </a:p>
+        </p:txBody>
+      </p:sp>
+      <p:sp>
+        <p:nvSpPr>
+          <p:cNvPr id="15" name="Rectangle 2">
+            <a:extLst>
+              <a:ext uri="{FF2B5EF4-FFF2-40B4-BE49-F238E27FC236}">
+                <a16:creationId xmlns:a16="http://schemas.microsoft.com/office/drawing/2014/main" id="{B5E63A3F-8050-43F5-97A8-026045CBFBA4}"/>
+              </a:ext>
+            </a:extLst>
+          </p:cNvPr>
+          <p:cNvSpPr>
+            <a:spLocks noChangeArrowheads="1"/>
+          </p:cNvSpPr>
+          <p:nvPr/>
+        </p:nvSpPr>
+        <p:spPr bwMode="auto">
+          <a:xfrm>
+            <a:off x="9991122" y="2895941"/>
+            <a:ext cx="1975485" cy="323165"/>
+          </a:xfrm>
+          <a:prstGeom prst="rect">
+            <a:avLst/>
+          </a:prstGeom>
+          <a:solidFill>
+            <a:srgbClr val="363B40"/>
+          </a:solidFill>
+          <a:ln>
+            <a:noFill/>
+          </a:ln>
+          <a:effectLst/>
+          <a:extLst>
+            <a:ext uri="{91240B29-F687-4F45-9708-019B960494DF}">
+              <a14:hiddenLine xmlns:a14="http://schemas.microsoft.com/office/drawing/2010/main" w="9525">
+                <a:solidFill>
+                  <a:schemeClr val="tx1"/>
+                </a:solidFill>
+                <a:miter lim="800000"/>
+                <a:headEnd/>
+                <a:tailEnd/>
+              </a14:hiddenLine>
+            </a:ext>
+            <a:ext uri="{AF507438-7753-43E0-B8FC-AC1667EBCBE1}">
+              <a14:hiddenEffects xmlns:a14="http://schemas.microsoft.com/office/drawing/2010/main">
+                <a:effectLst>
+                  <a:outerShdw dist="35921" dir="2700000" algn="ctr" rotWithShape="0">
+                    <a:schemeClr val="bg2"/>
+                  </a:outerShdw>
+                </a:effectLst>
+              </a14:hiddenEffects>
+            </a:ext>
+          </a:extLst>
+        </p:spPr>
+        <p:txBody>
+          <a:bodyPr vert="horz" wrap="square" lIns="91440" tIns="45720" rIns="91440" bIns="45720" numCol="1" anchor="ctr" anchorCtr="0" compatLnSpc="1">
+            <a:prstTxWarp prst="textNoShape">
+              <a:avLst/>
+            </a:prstTxWarp>
+            <a:spAutoFit/>
+          </a:bodyPr>
+          <a:lstStyle/>
+          <a:p>
+            <a:pPr lvl="0" eaLnBrk="0" fontAlgn="base" hangingPunct="0">
+              <a:spcBef>
+                <a:spcPct val="0"/>
+              </a:spcBef>
+              <a:spcAft>
+                <a:spcPct val="0"/>
+              </a:spcAft>
+            </a:pPr>
+            <a:r>
+              <a:rPr lang="zh-CN" altLang="en-US" sz="1500" b="1" dirty="0">
+                <a:solidFill>
+                  <a:srgbClr val="DEDEDE"/>
+                </a:solidFill>
+                <a:latin typeface="Arial" panose="020B0604020202020204" pitchFamily="34" charset="0"/>
+                <a:ea typeface="Helvetica Neue"/>
+              </a:rPr>
+              <a:t>指针字面值</a:t>
+            </a:r>
+            <a:endParaRPr kumimoji="0" lang="zh-CN" altLang="zh-CN" sz="1800" b="0" i="0" u="none" strike="noStrike" cap="none" normalizeH="0" baseline="0" dirty="0">
+              <a:ln>
+                <a:noFill/>
+              </a:ln>
+              <a:solidFill>
+                <a:schemeClr val="tx1"/>
+              </a:solidFill>
+              <a:effectLst/>
+              <a:latin typeface="Arial" panose="020B0604020202020204" pitchFamily="34" charset="0"/>
+            </a:endParaRPr>
+          </a:p>
+        </p:txBody>
+      </p:sp>
+      <p:sp>
+        <p:nvSpPr>
+          <p:cNvPr id="12" name="矩形 11">
+            <a:extLst>
+              <a:ext uri="{FF2B5EF4-FFF2-40B4-BE49-F238E27FC236}">
+                <a16:creationId xmlns:a16="http://schemas.microsoft.com/office/drawing/2014/main" id="{67A7B83C-367F-484A-8977-63203348F9D1}"/>
+              </a:ext>
+            </a:extLst>
+          </p:cNvPr>
+          <p:cNvSpPr/>
+          <p:nvPr/>
+        </p:nvSpPr>
+        <p:spPr>
+          <a:xfrm>
+            <a:off x="9991122" y="3314095"/>
+            <a:ext cx="825867" cy="369332"/>
+          </a:xfrm>
+          <a:prstGeom prst="rect">
+            <a:avLst/>
+          </a:prstGeom>
+        </p:spPr>
+        <p:txBody>
+          <a:bodyPr wrap="none">
+            <a:spAutoFit/>
+          </a:bodyPr>
+          <a:lstStyle/>
+          <a:p>
+            <a:r>
+              <a:rPr lang="zh-CN" altLang="en-US" dirty="0"/>
+              <a:t>nullptr</a:t>
             </a:r>
           </a:p>
         </p:txBody>
@@ -10546,7 +10965,7 @@
     </p:spTree>
     <p:extLst>
       <p:ext uri="{BB962C8B-B14F-4D97-AF65-F5344CB8AC3E}">
-        <p14:creationId xmlns:p14="http://schemas.microsoft.com/office/powerpoint/2010/main" val="3215900855"/>
+        <p14:creationId xmlns:p14="http://schemas.microsoft.com/office/powerpoint/2010/main" val="2226071004"/>
       </p:ext>
     </p:extLst>
   </p:cSld>
@@ -10575,10 +10994,10 @@
       </p:grpSpPr>
       <p:sp>
         <p:nvSpPr>
-          <p:cNvPr id="5" name="文本框 4">
-            <a:extLst>
-              <a:ext uri="{FF2B5EF4-FFF2-40B4-BE49-F238E27FC236}">
-                <a16:creationId xmlns:a16="http://schemas.microsoft.com/office/drawing/2014/main" id="{87D7020B-EEA1-465F-BFBB-58EAACD67653}"/>
+          <p:cNvPr id="6" name="文本框 5">
+            <a:extLst>
+              <a:ext uri="{FF2B5EF4-FFF2-40B4-BE49-F238E27FC236}">
+                <a16:creationId xmlns:a16="http://schemas.microsoft.com/office/drawing/2014/main" id="{A8746E2C-B96B-4186-B0EC-BE8E9F365025}"/>
               </a:ext>
             </a:extLst>
           </p:cNvPr>
@@ -10587,8 +11006,8 @@
         </p:nvSpPr>
         <p:spPr>
           <a:xfrm>
-            <a:off x="416576" y="800268"/>
-            <a:ext cx="3926824" cy="830997"/>
+            <a:off x="518176" y="466545"/>
+            <a:ext cx="7393790" cy="1015663"/>
           </a:xfrm>
           <a:prstGeom prst="rect">
             <a:avLst/>
@@ -10602,110 +11021,112 @@
           <a:lstStyle/>
           <a:p>
             <a:r>
-              <a:rPr lang="en-US" altLang="zh-CN" sz="4800" b="1" dirty="0">
+              <a:rPr lang="en-US" altLang="zh-CN" sz="6000" b="1" dirty="0">
+                <a:highlight>
+                  <a:srgbClr val="C0C0C0"/>
+                </a:highlight>
                 <a:latin typeface="+mn-ea"/>
               </a:rPr>
-              <a:t>const</a:t>
-            </a:r>
-            <a:r>
-              <a:rPr lang="zh-CN" altLang="en-US" sz="4800" b="1" dirty="0">
+              <a:t>2.</a:t>
+            </a:r>
+            <a:r>
+              <a:rPr lang="zh-CN" altLang="en-US" sz="6000" b="1" dirty="0">
+                <a:highlight>
+                  <a:srgbClr val="C0C0C0"/>
+                </a:highlight>
                 <a:latin typeface="+mn-ea"/>
               </a:rPr>
-              <a:t>限定符</a:t>
-            </a:r>
-          </a:p>
-        </p:txBody>
-      </p:sp>
-      <p:sp>
-        <p:nvSpPr>
-          <p:cNvPr id="3" name="文本框 2">
-            <a:extLst>
-              <a:ext uri="{FF2B5EF4-FFF2-40B4-BE49-F238E27FC236}">
-                <a16:creationId xmlns:a16="http://schemas.microsoft.com/office/drawing/2014/main" id="{816313B8-9C82-42B4-A678-CF794C875BEE}"/>
-              </a:ext>
-            </a:extLst>
-          </p:cNvPr>
-          <p:cNvSpPr txBox="1"/>
+              <a:t>变量的声明和定义</a:t>
+            </a:r>
+          </a:p>
+        </p:txBody>
+      </p:sp>
+      <p:sp>
+        <p:nvSpPr>
+          <p:cNvPr id="2" name="矩形 1">
+            <a:extLst>
+              <a:ext uri="{FF2B5EF4-FFF2-40B4-BE49-F238E27FC236}">
+                <a16:creationId xmlns:a16="http://schemas.microsoft.com/office/drawing/2014/main" id="{86AB9C32-E7ED-4D7B-ACE4-AB285AA1EDEF}"/>
+              </a:ext>
+            </a:extLst>
+          </p:cNvPr>
+          <p:cNvSpPr/>
           <p:nvPr/>
         </p:nvSpPr>
         <p:spPr>
           <a:xfrm>
-            <a:off x="1026176" y="2349500"/>
-            <a:ext cx="3926824" cy="830997"/>
+            <a:off x="3047999" y="2828836"/>
+            <a:ext cx="8309811" cy="1200329"/>
           </a:xfrm>
           <a:prstGeom prst="rect">
             <a:avLst/>
           </a:prstGeom>
-          <a:noFill/>
         </p:spPr>
         <p:txBody>
-          <a:bodyPr wrap="square" rtlCol="0">
+          <a:bodyPr wrap="square">
             <a:spAutoFit/>
           </a:bodyPr>
           <a:lstStyle/>
           <a:p>
             <a:r>
-              <a:rPr lang="en-US" altLang="zh-CN" sz="4800" b="1" dirty="0">
-                <a:latin typeface="+mn-ea"/>
-              </a:rPr>
-              <a:t>const</a:t>
-            </a:r>
-            <a:r>
-              <a:rPr lang="zh-CN" altLang="en-US" sz="4800" b="1" dirty="0">
-                <a:latin typeface="+mn-ea"/>
-              </a:rPr>
-              <a:t>引用</a:t>
-            </a:r>
-          </a:p>
-        </p:txBody>
-      </p:sp>
-      <p:sp>
-        <p:nvSpPr>
-          <p:cNvPr id="4" name="文本框 3">
-            <a:extLst>
-              <a:ext uri="{FF2B5EF4-FFF2-40B4-BE49-F238E27FC236}">
-                <a16:creationId xmlns:a16="http://schemas.microsoft.com/office/drawing/2014/main" id="{677CF7BD-3B12-40E7-868C-B539C08FFE92}"/>
-              </a:ext>
-            </a:extLst>
-          </p:cNvPr>
-          <p:cNvSpPr txBox="1"/>
+              <a:rPr lang="zh-CN" altLang="en-US" sz="2400" dirty="0"/>
+              <a:t>extern int i; //声明</a:t>
+            </a:r>
+          </a:p>
+          <a:p>
+            <a:r>
+              <a:rPr lang="zh-CN" altLang="en-US" sz="2400" dirty="0"/>
+              <a:t>extern int i=1; //定义  加了extern之后并初始化，则为定义</a:t>
+            </a:r>
+          </a:p>
+          <a:p>
+            <a:r>
+              <a:rPr lang="zh-CN" altLang="en-US" sz="2400" dirty="0"/>
+              <a:t>int j;  //声明并定义</a:t>
+            </a:r>
+          </a:p>
+        </p:txBody>
+      </p:sp>
+      <p:pic>
+        <p:nvPicPr>
+          <p:cNvPr id="4" name="图片 3">
+            <a:extLst>
+              <a:ext uri="{FF2B5EF4-FFF2-40B4-BE49-F238E27FC236}">
+                <a16:creationId xmlns:a16="http://schemas.microsoft.com/office/drawing/2014/main" id="{ACDD6ED8-5B3E-4C2D-929E-D17EE56DBD33}"/>
+              </a:ext>
+            </a:extLst>
+          </p:cNvPr>
+          <p:cNvPicPr>
+            <a:picLocks noChangeAspect="1"/>
+          </p:cNvPicPr>
           <p:nvPr/>
-        </p:nvSpPr>
+        </p:nvPicPr>
+        <p:blipFill>
+          <a:blip r:embed="rId3">
+            <a:extLst>
+              <a:ext uri="{28A0092B-C50C-407E-A947-70E740481C1C}">
+                <a14:useLocalDpi xmlns:a14="http://schemas.microsoft.com/office/drawing/2010/main" val="0"/>
+              </a:ext>
+            </a:extLst>
+          </a:blip>
+          <a:stretch>
+            <a:fillRect/>
+          </a:stretch>
+        </p:blipFill>
         <p:spPr>
           <a:xfrm>
-            <a:off x="1026176" y="3677504"/>
-            <a:ext cx="3926824" cy="830997"/>
+            <a:off x="294874" y="2421656"/>
+            <a:ext cx="2381250" cy="2457450"/>
           </a:xfrm>
           <a:prstGeom prst="rect">
             <a:avLst/>
           </a:prstGeom>
-          <a:noFill/>
         </p:spPr>
-        <p:txBody>
-          <a:bodyPr wrap="square" rtlCol="0">
-            <a:spAutoFit/>
-          </a:bodyPr>
-          <a:lstStyle/>
-          <a:p>
-            <a:r>
-              <a:rPr lang="en-US" altLang="zh-CN" sz="4800" b="1" dirty="0">
-                <a:latin typeface="+mn-ea"/>
-              </a:rPr>
-              <a:t>const</a:t>
-            </a:r>
-            <a:r>
-              <a:rPr lang="zh-CN" altLang="en-US" sz="4800" b="1" dirty="0">
-                <a:latin typeface="+mn-ea"/>
-              </a:rPr>
-              <a:t>指针</a:t>
-            </a:r>
-          </a:p>
-        </p:txBody>
-      </p:sp>
+      </p:pic>
     </p:spTree>
     <p:extLst>
       <p:ext uri="{BB962C8B-B14F-4D97-AF65-F5344CB8AC3E}">
-        <p14:creationId xmlns:p14="http://schemas.microsoft.com/office/powerpoint/2010/main" val="492254004"/>
+        <p14:creationId xmlns:p14="http://schemas.microsoft.com/office/powerpoint/2010/main" val="3320371402"/>
       </p:ext>
     </p:extLst>
   </p:cSld>
@@ -10734,6 +11155,1116 @@
       </p:grpSpPr>
       <p:sp>
         <p:nvSpPr>
+          <p:cNvPr id="6" name="文本框 5">
+            <a:extLst>
+              <a:ext uri="{FF2B5EF4-FFF2-40B4-BE49-F238E27FC236}">
+                <a16:creationId xmlns:a16="http://schemas.microsoft.com/office/drawing/2014/main" id="{A8746E2C-B96B-4186-B0EC-BE8E9F365025}"/>
+              </a:ext>
+            </a:extLst>
+          </p:cNvPr>
+          <p:cNvSpPr txBox="1"/>
+          <p:nvPr/>
+        </p:nvSpPr>
+        <p:spPr>
+          <a:xfrm>
+            <a:off x="518176" y="466545"/>
+            <a:ext cx="4663424" cy="1015663"/>
+          </a:xfrm>
+          <a:prstGeom prst="rect">
+            <a:avLst/>
+          </a:prstGeom>
+          <a:solidFill>
+            <a:schemeClr val="bg2"/>
+          </a:solidFill>
+        </p:spPr>
+        <p:txBody>
+          <a:bodyPr wrap="square" rtlCol="0">
+            <a:spAutoFit/>
+          </a:bodyPr>
+          <a:lstStyle/>
+          <a:p>
+            <a:r>
+              <a:rPr lang="zh-CN" altLang="en-US" sz="6000" b="1" dirty="0">
+                <a:latin typeface="+mn-ea"/>
+              </a:rPr>
+              <a:t>变量的名称</a:t>
+            </a:r>
+          </a:p>
+        </p:txBody>
+      </p:sp>
+      <p:sp>
+        <p:nvSpPr>
+          <p:cNvPr id="11" name="Rectangle 6">
+            <a:extLst>
+              <a:ext uri="{FF2B5EF4-FFF2-40B4-BE49-F238E27FC236}">
+                <a16:creationId xmlns:a16="http://schemas.microsoft.com/office/drawing/2014/main" id="{EF58FCE9-6830-40A7-9AAA-B3B2BBDB12B2}"/>
+              </a:ext>
+            </a:extLst>
+          </p:cNvPr>
+          <p:cNvSpPr>
+            <a:spLocks noChangeArrowheads="1"/>
+          </p:cNvSpPr>
+          <p:nvPr/>
+        </p:nvSpPr>
+        <p:spPr bwMode="auto">
+          <a:xfrm>
+            <a:off x="4466322" y="1913306"/>
+            <a:ext cx="6891288" cy="4478149"/>
+          </a:xfrm>
+          <a:prstGeom prst="rect">
+            <a:avLst/>
+          </a:prstGeom>
+          <a:noFill/>
+          <a:ln>
+            <a:noFill/>
+          </a:ln>
+          <a:effectLst/>
+          <a:extLst>
+            <a:ext uri="{909E8E84-426E-40DD-AFC4-6F175D3DCCD1}">
+              <a14:hiddenFill xmlns:a14="http://schemas.microsoft.com/office/drawing/2010/main">
+                <a:solidFill>
+                  <a:schemeClr val="accent1"/>
+                </a:solidFill>
+              </a14:hiddenFill>
+            </a:ext>
+            <a:ext uri="{91240B29-F687-4F45-9708-019B960494DF}">
+              <a14:hiddenLine xmlns:a14="http://schemas.microsoft.com/office/drawing/2010/main" w="9525">
+                <a:solidFill>
+                  <a:schemeClr val="tx1"/>
+                </a:solidFill>
+                <a:miter lim="800000"/>
+                <a:headEnd/>
+                <a:tailEnd/>
+              </a14:hiddenLine>
+            </a:ext>
+            <a:ext uri="{AF507438-7753-43E0-B8FC-AC1667EBCBE1}">
+              <a14:hiddenEffects xmlns:a14="http://schemas.microsoft.com/office/drawing/2010/main">
+                <a:effectLst>
+                  <a:outerShdw dist="35921" dir="2700000" algn="ctr" rotWithShape="0">
+                    <a:schemeClr val="bg2"/>
+                  </a:outerShdw>
+                </a:effectLst>
+              </a14:hiddenEffects>
+            </a:ext>
+          </a:extLst>
+        </p:spPr>
+        <p:txBody>
+          <a:bodyPr vert="horz" wrap="square" lIns="91440" tIns="0" rIns="91440" bIns="45720" numCol="1" anchor="ctr" anchorCtr="0" compatLnSpc="1">
+            <a:prstTxWarp prst="textNoShape">
+              <a:avLst/>
+            </a:prstTxWarp>
+            <a:spAutoFit/>
+          </a:bodyPr>
+          <a:lstStyle/>
+          <a:p>
+            <a:pPr marL="0" marR="0" lvl="0" indent="0" algn="l" defTabSz="914400" rtl="0" eaLnBrk="0" fontAlgn="base" latinLnBrk="0" hangingPunct="0">
+              <a:lnSpc>
+                <a:spcPct val="100000"/>
+              </a:lnSpc>
+              <a:spcBef>
+                <a:spcPct val="0"/>
+              </a:spcBef>
+              <a:spcAft>
+                <a:spcPct val="0"/>
+              </a:spcAft>
+              <a:buClrTx/>
+              <a:buSzTx/>
+              <a:buFontTx/>
+              <a:buNone/>
+              <a:tabLst/>
+            </a:pPr>
+            <a:r>
+              <a:rPr kumimoji="0" lang="zh-CN" altLang="zh-CN" sz="2400" b="0" i="0" u="none" strike="noStrike" cap="none" normalizeH="0" baseline="0" dirty="0">
+                <a:ln>
+                  <a:noFill/>
+                </a:ln>
+                <a:effectLst/>
+                <a:latin typeface="+mn-ea"/>
+              </a:rPr>
+              <a:t>变量的名字，由数字、字母、下划线组成</a:t>
+            </a:r>
+            <a:endParaRPr kumimoji="0" lang="en-US" altLang="zh-CN" sz="2400" b="0" i="0" u="none" strike="noStrike" cap="none" normalizeH="0" baseline="0" dirty="0">
+              <a:ln>
+                <a:noFill/>
+              </a:ln>
+              <a:effectLst/>
+              <a:latin typeface="+mn-ea"/>
+            </a:endParaRPr>
+          </a:p>
+          <a:p>
+            <a:pPr marL="0" marR="0" lvl="0" indent="0" algn="l" defTabSz="914400" rtl="0" eaLnBrk="0" fontAlgn="base" latinLnBrk="0" hangingPunct="0">
+              <a:lnSpc>
+                <a:spcPct val="100000"/>
+              </a:lnSpc>
+              <a:spcBef>
+                <a:spcPct val="0"/>
+              </a:spcBef>
+              <a:spcAft>
+                <a:spcPct val="0"/>
+              </a:spcAft>
+              <a:buClrTx/>
+              <a:buSzTx/>
+              <a:buFontTx/>
+              <a:buNone/>
+              <a:tabLst/>
+            </a:pPr>
+            <a:endParaRPr kumimoji="0" lang="zh-CN" altLang="zh-CN" sz="2400" b="0" i="0" u="none" strike="noStrike" cap="none" normalizeH="0" baseline="0" dirty="0">
+              <a:ln>
+                <a:noFill/>
+              </a:ln>
+              <a:effectLst/>
+              <a:latin typeface="+mn-ea"/>
+            </a:endParaRPr>
+          </a:p>
+          <a:p>
+            <a:pPr marL="0" marR="0" lvl="0" indent="0" algn="l" defTabSz="914400" rtl="0" eaLnBrk="0" fontAlgn="base" latinLnBrk="0" hangingPunct="0">
+              <a:lnSpc>
+                <a:spcPct val="100000"/>
+              </a:lnSpc>
+              <a:spcBef>
+                <a:spcPct val="0"/>
+              </a:spcBef>
+              <a:spcAft>
+                <a:spcPct val="0"/>
+              </a:spcAft>
+              <a:buClrTx/>
+              <a:buSzTx/>
+              <a:buFontTx/>
+              <a:buChar char="•"/>
+              <a:tabLst/>
+            </a:pPr>
+            <a:r>
+              <a:rPr kumimoji="0" lang="zh-CN" altLang="zh-CN" sz="2400" b="0" i="0" u="none" strike="noStrike" cap="none" normalizeH="0" baseline="0" dirty="0">
+                <a:ln>
+                  <a:noFill/>
+                </a:ln>
+                <a:effectLst/>
+                <a:latin typeface="+mn-ea"/>
+              </a:rPr>
+              <a:t>不能连续出现两个下划线</a:t>
+            </a:r>
+            <a:endParaRPr kumimoji="0" lang="en-US" altLang="zh-CN" sz="2400" b="0" i="0" u="none" strike="noStrike" cap="none" normalizeH="0" baseline="0" dirty="0">
+              <a:ln>
+                <a:noFill/>
+              </a:ln>
+              <a:effectLst/>
+              <a:latin typeface="+mn-ea"/>
+            </a:endParaRPr>
+          </a:p>
+          <a:p>
+            <a:pPr marL="0" marR="0" lvl="0" indent="0" algn="l" defTabSz="914400" rtl="0" eaLnBrk="0" fontAlgn="base" latinLnBrk="0" hangingPunct="0">
+              <a:lnSpc>
+                <a:spcPct val="100000"/>
+              </a:lnSpc>
+              <a:spcBef>
+                <a:spcPct val="0"/>
+              </a:spcBef>
+              <a:spcAft>
+                <a:spcPct val="0"/>
+              </a:spcAft>
+              <a:buClrTx/>
+              <a:buSzTx/>
+              <a:buFontTx/>
+              <a:buChar char="•"/>
+              <a:tabLst/>
+            </a:pPr>
+            <a:endParaRPr kumimoji="0" lang="zh-CN" altLang="zh-CN" sz="2400" b="0" i="0" u="none" strike="noStrike" cap="none" normalizeH="0" baseline="0" dirty="0">
+              <a:ln>
+                <a:noFill/>
+              </a:ln>
+              <a:effectLst/>
+              <a:latin typeface="+mn-ea"/>
+            </a:endParaRPr>
+          </a:p>
+          <a:p>
+            <a:pPr marL="0" marR="0" lvl="0" indent="0" algn="l" defTabSz="914400" rtl="0" eaLnBrk="0" fontAlgn="base" latinLnBrk="0" hangingPunct="0">
+              <a:lnSpc>
+                <a:spcPct val="100000"/>
+              </a:lnSpc>
+              <a:spcBef>
+                <a:spcPct val="0"/>
+              </a:spcBef>
+              <a:spcAft>
+                <a:spcPct val="0"/>
+              </a:spcAft>
+              <a:buClrTx/>
+              <a:buSzTx/>
+              <a:buFontTx/>
+              <a:buChar char="•"/>
+              <a:tabLst/>
+            </a:pPr>
+            <a:r>
+              <a:rPr kumimoji="0" lang="zh-CN" altLang="zh-CN" sz="2400" b="0" i="0" u="none" strike="noStrike" cap="none" normalizeH="0" baseline="0" dirty="0">
+                <a:ln>
+                  <a:noFill/>
+                </a:ln>
+                <a:effectLst/>
+                <a:latin typeface="+mn-ea"/>
+              </a:rPr>
+              <a:t>不能下划线紧连大写字母开头</a:t>
+            </a:r>
+            <a:endParaRPr kumimoji="0" lang="en-US" altLang="zh-CN" sz="2400" b="0" i="0" u="none" strike="noStrike" cap="none" normalizeH="0" baseline="0" dirty="0">
+              <a:ln>
+                <a:noFill/>
+              </a:ln>
+              <a:effectLst/>
+              <a:latin typeface="+mn-ea"/>
+            </a:endParaRPr>
+          </a:p>
+          <a:p>
+            <a:pPr marL="0" marR="0" lvl="0" indent="0" algn="l" defTabSz="914400" rtl="0" eaLnBrk="0" fontAlgn="base" latinLnBrk="0" hangingPunct="0">
+              <a:lnSpc>
+                <a:spcPct val="100000"/>
+              </a:lnSpc>
+              <a:spcBef>
+                <a:spcPct val="0"/>
+              </a:spcBef>
+              <a:spcAft>
+                <a:spcPct val="0"/>
+              </a:spcAft>
+              <a:buClrTx/>
+              <a:buSzTx/>
+              <a:buFontTx/>
+              <a:buChar char="•"/>
+              <a:tabLst/>
+            </a:pPr>
+            <a:endParaRPr kumimoji="0" lang="zh-CN" altLang="zh-CN" sz="2400" b="0" i="0" u="none" strike="noStrike" cap="none" normalizeH="0" baseline="0" dirty="0">
+              <a:ln>
+                <a:noFill/>
+              </a:ln>
+              <a:effectLst/>
+              <a:latin typeface="+mn-ea"/>
+            </a:endParaRPr>
+          </a:p>
+          <a:p>
+            <a:pPr marL="0" marR="0" lvl="0" indent="0" algn="l" defTabSz="914400" rtl="0" eaLnBrk="0" fontAlgn="base" latinLnBrk="0" hangingPunct="0">
+              <a:lnSpc>
+                <a:spcPct val="100000"/>
+              </a:lnSpc>
+              <a:spcBef>
+                <a:spcPct val="0"/>
+              </a:spcBef>
+              <a:spcAft>
+                <a:spcPct val="0"/>
+              </a:spcAft>
+              <a:buClrTx/>
+              <a:buSzTx/>
+              <a:buFontTx/>
+              <a:buChar char="•"/>
+              <a:tabLst/>
+            </a:pPr>
+            <a:r>
+              <a:rPr kumimoji="0" lang="zh-CN" altLang="zh-CN" sz="2400" b="0" i="0" u="none" strike="noStrike" cap="none" normalizeH="0" baseline="0" dirty="0">
+                <a:ln>
+                  <a:noFill/>
+                </a:ln>
+                <a:effectLst/>
+                <a:latin typeface="+mn-ea"/>
+              </a:rPr>
+              <a:t>定义在函数体外的标识符不能以下划线开头</a:t>
+            </a:r>
+            <a:endParaRPr kumimoji="0" lang="en-US" altLang="zh-CN" sz="2400" b="0" i="0" u="none" strike="noStrike" cap="none" normalizeH="0" baseline="0" dirty="0">
+              <a:ln>
+                <a:noFill/>
+              </a:ln>
+              <a:effectLst/>
+              <a:latin typeface="+mn-ea"/>
+            </a:endParaRPr>
+          </a:p>
+          <a:p>
+            <a:pPr marL="0" marR="0" lvl="0" indent="0" algn="l" defTabSz="914400" rtl="0" eaLnBrk="0" fontAlgn="base" latinLnBrk="0" hangingPunct="0">
+              <a:lnSpc>
+                <a:spcPct val="100000"/>
+              </a:lnSpc>
+              <a:spcBef>
+                <a:spcPct val="0"/>
+              </a:spcBef>
+              <a:spcAft>
+                <a:spcPct val="0"/>
+              </a:spcAft>
+              <a:buClrTx/>
+              <a:buSzTx/>
+              <a:buFontTx/>
+              <a:buChar char="•"/>
+              <a:tabLst/>
+            </a:pPr>
+            <a:endParaRPr lang="en-US" altLang="zh-CN" sz="2400" dirty="0">
+              <a:latin typeface="+mn-ea"/>
+            </a:endParaRPr>
+          </a:p>
+          <a:p>
+            <a:pPr marL="0" marR="0" lvl="0" indent="0" algn="l" defTabSz="914400" rtl="0" eaLnBrk="0" fontAlgn="base" latinLnBrk="0" hangingPunct="0">
+              <a:lnSpc>
+                <a:spcPct val="100000"/>
+              </a:lnSpc>
+              <a:spcBef>
+                <a:spcPct val="0"/>
+              </a:spcBef>
+              <a:spcAft>
+                <a:spcPct val="0"/>
+              </a:spcAft>
+              <a:buClrTx/>
+              <a:buSzTx/>
+              <a:buFontTx/>
+              <a:buChar char="•"/>
+              <a:tabLst/>
+            </a:pPr>
+            <a:r>
+              <a:rPr kumimoji="0" lang="zh-CN" altLang="zh-CN" sz="2400" b="0" i="0" u="none" strike="noStrike" cap="none" normalizeH="0" baseline="0" dirty="0">
+                <a:ln>
+                  <a:noFill/>
+                </a:ln>
+                <a:effectLst/>
+                <a:latin typeface="+mn-ea"/>
+              </a:rPr>
+              <a:t>区分大小写</a:t>
+            </a:r>
+            <a:endParaRPr kumimoji="0" lang="en-US" altLang="zh-CN" sz="2400" b="0" i="0" u="none" strike="noStrike" cap="none" normalizeH="0" baseline="0" dirty="0">
+              <a:ln>
+                <a:noFill/>
+              </a:ln>
+              <a:effectLst/>
+              <a:latin typeface="+mn-ea"/>
+            </a:endParaRPr>
+          </a:p>
+          <a:p>
+            <a:pPr marL="0" marR="0" lvl="0" indent="0" algn="l" defTabSz="914400" rtl="0" eaLnBrk="0" fontAlgn="base" latinLnBrk="0" hangingPunct="0">
+              <a:lnSpc>
+                <a:spcPct val="100000"/>
+              </a:lnSpc>
+              <a:spcBef>
+                <a:spcPct val="0"/>
+              </a:spcBef>
+              <a:spcAft>
+                <a:spcPct val="0"/>
+              </a:spcAft>
+              <a:buClrTx/>
+              <a:buSzTx/>
+              <a:buFontTx/>
+              <a:buChar char="•"/>
+              <a:tabLst/>
+            </a:pPr>
+            <a:endParaRPr kumimoji="0" lang="zh-CN" altLang="zh-CN" sz="2400" b="0" i="0" u="none" strike="noStrike" cap="none" normalizeH="0" baseline="0" dirty="0">
+              <a:ln>
+                <a:noFill/>
+              </a:ln>
+              <a:effectLst/>
+              <a:latin typeface="+mn-ea"/>
+            </a:endParaRPr>
+          </a:p>
+          <a:p>
+            <a:pPr marL="0" marR="0" lvl="0" indent="0" algn="l" defTabSz="914400" rtl="0" eaLnBrk="0" fontAlgn="base" latinLnBrk="0" hangingPunct="0">
+              <a:lnSpc>
+                <a:spcPct val="100000"/>
+              </a:lnSpc>
+              <a:spcBef>
+                <a:spcPct val="0"/>
+              </a:spcBef>
+              <a:spcAft>
+                <a:spcPct val="0"/>
+              </a:spcAft>
+              <a:buClrTx/>
+              <a:buSzTx/>
+              <a:buFontTx/>
+              <a:buChar char="•"/>
+              <a:tabLst/>
+            </a:pPr>
+            <a:r>
+              <a:rPr kumimoji="0" lang="zh-CN" altLang="zh-CN" sz="2400" b="0" i="0" u="none" strike="noStrike" cap="none" normalizeH="0" baseline="0" dirty="0">
+                <a:ln>
+                  <a:noFill/>
+                </a:ln>
+                <a:effectLst/>
+                <a:latin typeface="+mn-ea"/>
+              </a:rPr>
+              <a:t>不能与关键字重复</a:t>
+            </a:r>
+          </a:p>
+          <a:p>
+            <a:pPr marL="0" marR="0" lvl="0" indent="0" algn="l" defTabSz="914400" rtl="0" eaLnBrk="0" fontAlgn="base" latinLnBrk="0" hangingPunct="0">
+              <a:lnSpc>
+                <a:spcPct val="100000"/>
+              </a:lnSpc>
+              <a:spcBef>
+                <a:spcPct val="0"/>
+              </a:spcBef>
+              <a:spcAft>
+                <a:spcPct val="0"/>
+              </a:spcAft>
+              <a:buClrTx/>
+              <a:buSzTx/>
+              <a:buFontTx/>
+              <a:buNone/>
+              <a:tabLst/>
+            </a:pPr>
+            <a:endParaRPr kumimoji="0" lang="zh-CN" altLang="zh-CN" sz="2400" b="0" i="0" u="none" strike="noStrike" cap="none" normalizeH="0" baseline="0" dirty="0">
+              <a:ln>
+                <a:noFill/>
+              </a:ln>
+              <a:effectLst/>
+              <a:latin typeface="+mn-ea"/>
+            </a:endParaRPr>
+          </a:p>
+        </p:txBody>
+      </p:sp>
+    </p:spTree>
+    <p:extLst>
+      <p:ext uri="{BB962C8B-B14F-4D97-AF65-F5344CB8AC3E}">
+        <p14:creationId xmlns:p14="http://schemas.microsoft.com/office/powerpoint/2010/main" val="1783377144"/>
+      </p:ext>
+    </p:extLst>
+  </p:cSld>
+  <p:clrMapOvr>
+    <a:masterClrMapping/>
+  </p:clrMapOvr>
+</p:sld>
+</file>
+
+<file path=ppt/slides/slide26.xml><?xml version="1.0" encoding="utf-8"?>
+<p:sld xmlns:a="http://schemas.openxmlformats.org/drawingml/2006/main" xmlns:r="http://schemas.openxmlformats.org/officeDocument/2006/relationships" xmlns:p="http://schemas.openxmlformats.org/presentationml/2006/main">
+  <p:cSld>
+    <p:spTree>
+      <p:nvGrpSpPr>
+        <p:cNvPr id="1" name=""/>
+        <p:cNvGrpSpPr/>
+        <p:nvPr/>
+      </p:nvGrpSpPr>
+      <p:grpSpPr>
+        <a:xfrm>
+          <a:off x="0" y="0"/>
+          <a:ext cx="0" cy="0"/>
+          <a:chOff x="0" y="0"/>
+          <a:chExt cx="0" cy="0"/>
+        </a:xfrm>
+      </p:grpSpPr>
+      <p:sp>
+        <p:nvSpPr>
+          <p:cNvPr id="6" name="文本框 5">
+            <a:extLst>
+              <a:ext uri="{FF2B5EF4-FFF2-40B4-BE49-F238E27FC236}">
+                <a16:creationId xmlns:a16="http://schemas.microsoft.com/office/drawing/2014/main" id="{A8746E2C-B96B-4186-B0EC-BE8E9F365025}"/>
+              </a:ext>
+            </a:extLst>
+          </p:cNvPr>
+          <p:cNvSpPr txBox="1"/>
+          <p:nvPr/>
+        </p:nvSpPr>
+        <p:spPr>
+          <a:xfrm>
+            <a:off x="0" y="434061"/>
+            <a:ext cx="7393790" cy="1015663"/>
+          </a:xfrm>
+          <a:prstGeom prst="rect">
+            <a:avLst/>
+          </a:prstGeom>
+          <a:noFill/>
+        </p:spPr>
+        <p:txBody>
+          <a:bodyPr wrap="square" rtlCol="0">
+            <a:spAutoFit/>
+          </a:bodyPr>
+          <a:lstStyle/>
+          <a:p>
+            <a:r>
+              <a:rPr lang="zh-CN" altLang="en-US" sz="6000" b="1" dirty="0">
+                <a:latin typeface="+mn-ea"/>
+              </a:rPr>
+              <a:t>作用域</a:t>
+            </a:r>
+          </a:p>
+        </p:txBody>
+      </p:sp>
+      <p:sp>
+        <p:nvSpPr>
+          <p:cNvPr id="4" name="Rectangle 2">
+            <a:extLst>
+              <a:ext uri="{FF2B5EF4-FFF2-40B4-BE49-F238E27FC236}">
+                <a16:creationId xmlns:a16="http://schemas.microsoft.com/office/drawing/2014/main" id="{1E65920D-EAC9-4974-B4B7-287EA1B37CEE}"/>
+              </a:ext>
+            </a:extLst>
+          </p:cNvPr>
+          <p:cNvSpPr>
+            <a:spLocks noChangeArrowheads="1"/>
+          </p:cNvSpPr>
+          <p:nvPr/>
+        </p:nvSpPr>
+        <p:spPr bwMode="auto">
+          <a:xfrm>
+            <a:off x="2921000" y="2505502"/>
+            <a:ext cx="6731000" cy="830997"/>
+          </a:xfrm>
+          <a:prstGeom prst="rect">
+            <a:avLst/>
+          </a:prstGeom>
+          <a:noFill/>
+          <a:ln>
+            <a:noFill/>
+          </a:ln>
+          <a:effectLst/>
+          <a:extLst>
+            <a:ext uri="{909E8E84-426E-40DD-AFC4-6F175D3DCCD1}">
+              <a14:hiddenFill xmlns:a14="http://schemas.microsoft.com/office/drawing/2010/main">
+                <a:solidFill>
+                  <a:schemeClr val="accent1"/>
+                </a:solidFill>
+              </a14:hiddenFill>
+            </a:ext>
+            <a:ext uri="{91240B29-F687-4F45-9708-019B960494DF}">
+              <a14:hiddenLine xmlns:a14="http://schemas.microsoft.com/office/drawing/2010/main" w="9525">
+                <a:solidFill>
+                  <a:schemeClr val="tx1"/>
+                </a:solidFill>
+                <a:miter lim="800000"/>
+                <a:headEnd/>
+                <a:tailEnd/>
+              </a14:hiddenLine>
+            </a:ext>
+            <a:ext uri="{AF507438-7753-43E0-B8FC-AC1667EBCBE1}">
+              <a14:hiddenEffects xmlns:a14="http://schemas.microsoft.com/office/drawing/2010/main">
+                <a:effectLst>
+                  <a:outerShdw dist="35921" dir="2700000" algn="ctr" rotWithShape="0">
+                    <a:schemeClr val="bg2"/>
+                  </a:outerShdw>
+                </a:effectLst>
+              </a14:hiddenEffects>
+            </a:ext>
+          </a:extLst>
+        </p:spPr>
+        <p:txBody>
+          <a:bodyPr vert="horz" wrap="square" lIns="91440" tIns="45720" rIns="91440" bIns="45720" numCol="1" anchor="ctr" anchorCtr="0" compatLnSpc="1">
+            <a:prstTxWarp prst="textNoShape">
+              <a:avLst/>
+            </a:prstTxWarp>
+            <a:spAutoFit/>
+          </a:bodyPr>
+          <a:lstStyle>
+            <a:lvl1pPr eaLnBrk="0" fontAlgn="base" hangingPunct="0">
+              <a:spcBef>
+                <a:spcPct val="0"/>
+              </a:spcBef>
+              <a:spcAft>
+                <a:spcPct val="0"/>
+              </a:spcAft>
+              <a:defRPr>
+                <a:solidFill>
+                  <a:schemeClr val="tx1"/>
+                </a:solidFill>
+                <a:latin typeface="Arial" panose="020B0604020202020204" pitchFamily="34" charset="0"/>
+              </a:defRPr>
+            </a:lvl1pPr>
+            <a:lvl2pPr eaLnBrk="0" fontAlgn="base" hangingPunct="0">
+              <a:spcBef>
+                <a:spcPct val="0"/>
+              </a:spcBef>
+              <a:spcAft>
+                <a:spcPct val="0"/>
+              </a:spcAft>
+              <a:defRPr>
+                <a:solidFill>
+                  <a:schemeClr val="tx1"/>
+                </a:solidFill>
+                <a:latin typeface="Arial" panose="020B0604020202020204" pitchFamily="34" charset="0"/>
+              </a:defRPr>
+            </a:lvl2pPr>
+            <a:lvl3pPr eaLnBrk="0" fontAlgn="base" hangingPunct="0">
+              <a:spcBef>
+                <a:spcPct val="0"/>
+              </a:spcBef>
+              <a:spcAft>
+                <a:spcPct val="0"/>
+              </a:spcAft>
+              <a:defRPr>
+                <a:solidFill>
+                  <a:schemeClr val="tx1"/>
+                </a:solidFill>
+                <a:latin typeface="Arial" panose="020B0604020202020204" pitchFamily="34" charset="0"/>
+              </a:defRPr>
+            </a:lvl3pPr>
+            <a:lvl4pPr eaLnBrk="0" fontAlgn="base" hangingPunct="0">
+              <a:spcBef>
+                <a:spcPct val="0"/>
+              </a:spcBef>
+              <a:spcAft>
+                <a:spcPct val="0"/>
+              </a:spcAft>
+              <a:defRPr>
+                <a:solidFill>
+                  <a:schemeClr val="tx1"/>
+                </a:solidFill>
+                <a:latin typeface="Arial" panose="020B0604020202020204" pitchFamily="34" charset="0"/>
+              </a:defRPr>
+            </a:lvl4pPr>
+            <a:lvl5pPr eaLnBrk="0" fontAlgn="base" hangingPunct="0">
+              <a:spcBef>
+                <a:spcPct val="0"/>
+              </a:spcBef>
+              <a:spcAft>
+                <a:spcPct val="0"/>
+              </a:spcAft>
+              <a:defRPr>
+                <a:solidFill>
+                  <a:schemeClr val="tx1"/>
+                </a:solidFill>
+                <a:latin typeface="Arial" panose="020B0604020202020204" pitchFamily="34" charset="0"/>
+              </a:defRPr>
+            </a:lvl5pPr>
+            <a:lvl6pPr eaLnBrk="0" fontAlgn="base" hangingPunct="0">
+              <a:spcBef>
+                <a:spcPct val="0"/>
+              </a:spcBef>
+              <a:spcAft>
+                <a:spcPct val="0"/>
+              </a:spcAft>
+              <a:defRPr>
+                <a:solidFill>
+                  <a:schemeClr val="tx1"/>
+                </a:solidFill>
+                <a:latin typeface="Arial" panose="020B0604020202020204" pitchFamily="34" charset="0"/>
+              </a:defRPr>
+            </a:lvl6pPr>
+            <a:lvl7pPr eaLnBrk="0" fontAlgn="base" hangingPunct="0">
+              <a:spcBef>
+                <a:spcPct val="0"/>
+              </a:spcBef>
+              <a:spcAft>
+                <a:spcPct val="0"/>
+              </a:spcAft>
+              <a:defRPr>
+                <a:solidFill>
+                  <a:schemeClr val="tx1"/>
+                </a:solidFill>
+                <a:latin typeface="Arial" panose="020B0604020202020204" pitchFamily="34" charset="0"/>
+              </a:defRPr>
+            </a:lvl7pPr>
+            <a:lvl8pPr eaLnBrk="0" fontAlgn="base" hangingPunct="0">
+              <a:spcBef>
+                <a:spcPct val="0"/>
+              </a:spcBef>
+              <a:spcAft>
+                <a:spcPct val="0"/>
+              </a:spcAft>
+              <a:defRPr>
+                <a:solidFill>
+                  <a:schemeClr val="tx1"/>
+                </a:solidFill>
+                <a:latin typeface="Arial" panose="020B0604020202020204" pitchFamily="34" charset="0"/>
+              </a:defRPr>
+            </a:lvl8pPr>
+            <a:lvl9pPr eaLnBrk="0" fontAlgn="base" hangingPunct="0">
+              <a:spcBef>
+                <a:spcPct val="0"/>
+              </a:spcBef>
+              <a:spcAft>
+                <a:spcPct val="0"/>
+              </a:spcAft>
+              <a:defRPr>
+                <a:solidFill>
+                  <a:schemeClr val="tx1"/>
+                </a:solidFill>
+                <a:latin typeface="Arial" panose="020B0604020202020204" pitchFamily="34" charset="0"/>
+              </a:defRPr>
+            </a:lvl9pPr>
+          </a:lstStyle>
+          <a:p>
+            <a:pPr marL="0" marR="0" lvl="0" indent="0" algn="l" defTabSz="914400" rtl="0" eaLnBrk="0" fontAlgn="base" latinLnBrk="0" hangingPunct="0">
+              <a:lnSpc>
+                <a:spcPct val="100000"/>
+              </a:lnSpc>
+              <a:spcBef>
+                <a:spcPct val="0"/>
+              </a:spcBef>
+              <a:spcAft>
+                <a:spcPct val="0"/>
+              </a:spcAft>
+              <a:buClrTx/>
+              <a:buSzTx/>
+              <a:buFontTx/>
+              <a:buNone/>
+              <a:tabLst/>
+            </a:pPr>
+            <a:r>
+              <a:rPr kumimoji="0" lang="zh-CN" altLang="zh-CN" sz="2400" b="0" i="0" u="none" strike="noStrike" cap="none" normalizeH="0" baseline="0">
+                <a:ln>
+                  <a:noFill/>
+                </a:ln>
+                <a:effectLst/>
+                <a:latin typeface="+mn-ea"/>
+              </a:rPr>
+              <a:t>全局作用域和块作用域，以{ }为限</a:t>
+            </a:r>
+          </a:p>
+          <a:p>
+            <a:pPr marL="0" marR="0" lvl="0" indent="0" algn="l" defTabSz="914400" rtl="0" eaLnBrk="0" fontAlgn="base" latinLnBrk="0" hangingPunct="0">
+              <a:lnSpc>
+                <a:spcPct val="100000"/>
+              </a:lnSpc>
+              <a:spcBef>
+                <a:spcPct val="0"/>
+              </a:spcBef>
+              <a:spcAft>
+                <a:spcPct val="0"/>
+              </a:spcAft>
+              <a:buClrTx/>
+              <a:buSzTx/>
+              <a:buFontTx/>
+              <a:buNone/>
+              <a:tabLst/>
+            </a:pPr>
+            <a:r>
+              <a:rPr kumimoji="0" lang="zh-CN" altLang="zh-CN" sz="2400" b="0" i="0" u="none" strike="noStrike" cap="none" normalizeH="0" baseline="0">
+                <a:ln>
+                  <a:noFill/>
+                </a:ln>
+                <a:effectLst/>
+                <a:latin typeface="+mn-ea"/>
+              </a:rPr>
+              <a:t>嵌套作用域： 嵌套后分内层作用域和外层作用域</a:t>
+            </a:r>
+            <a:endParaRPr kumimoji="0" lang="zh-CN" altLang="zh-CN" sz="2400" b="0" i="0" u="none" strike="noStrike" cap="none" normalizeH="0" baseline="0" dirty="0">
+              <a:ln>
+                <a:noFill/>
+              </a:ln>
+              <a:effectLst/>
+              <a:latin typeface="+mn-ea"/>
+            </a:endParaRPr>
+          </a:p>
+        </p:txBody>
+      </p:sp>
+      <p:sp>
+        <p:nvSpPr>
+          <p:cNvPr id="5" name="矩形 4">
+            <a:extLst>
+              <a:ext uri="{FF2B5EF4-FFF2-40B4-BE49-F238E27FC236}">
+                <a16:creationId xmlns:a16="http://schemas.microsoft.com/office/drawing/2014/main" id="{AFF1A636-39DE-4B36-BF2A-5A81B525BCDF}"/>
+              </a:ext>
+            </a:extLst>
+          </p:cNvPr>
+          <p:cNvSpPr/>
+          <p:nvPr/>
+        </p:nvSpPr>
+        <p:spPr>
+          <a:xfrm>
+            <a:off x="3164795" y="4432392"/>
+            <a:ext cx="6167073" cy="461665"/>
+          </a:xfrm>
+          <a:prstGeom prst="rect">
+            <a:avLst/>
+          </a:prstGeom>
+        </p:spPr>
+        <p:txBody>
+          <a:bodyPr wrap="none">
+            <a:spAutoFit/>
+          </a:bodyPr>
+          <a:lstStyle/>
+          <a:p>
+            <a:r>
+              <a:rPr lang="zh-CN" altLang="en-US" sz="2400" dirty="0"/>
+              <a:t>::域操作</a:t>
+            </a:r>
+            <a:r>
+              <a:rPr lang="zh-CN" altLang="en-US" sz="2400" b="1" dirty="0">
+                <a:solidFill>
+                  <a:srgbClr val="00B050"/>
+                </a:solidFill>
+                <a:latin typeface="+mn-ea"/>
+              </a:rPr>
+              <a:t>注释</a:t>
+            </a:r>
+            <a:r>
+              <a:rPr lang="zh-CN" altLang="en-US" sz="2400" dirty="0"/>
+              <a:t>符左侧为空，调用全局中的变量</a:t>
+            </a:r>
+          </a:p>
+        </p:txBody>
+      </p:sp>
+    </p:spTree>
+    <p:extLst>
+      <p:ext uri="{BB962C8B-B14F-4D97-AF65-F5344CB8AC3E}">
+        <p14:creationId xmlns:p14="http://schemas.microsoft.com/office/powerpoint/2010/main" val="262636731"/>
+      </p:ext>
+    </p:extLst>
+  </p:cSld>
+  <p:clrMapOvr>
+    <a:masterClrMapping/>
+  </p:clrMapOvr>
+</p:sld>
+</file>
+
+<file path=ppt/slides/slide27.xml><?xml version="1.0" encoding="utf-8"?>
+<p:sld xmlns:a="http://schemas.openxmlformats.org/drawingml/2006/main" xmlns:r="http://schemas.openxmlformats.org/officeDocument/2006/relationships" xmlns:p="http://schemas.openxmlformats.org/presentationml/2006/main">
+  <p:cSld>
+    <p:spTree>
+      <p:nvGrpSpPr>
+        <p:cNvPr id="1" name=""/>
+        <p:cNvGrpSpPr/>
+        <p:nvPr/>
+      </p:nvGrpSpPr>
+      <p:grpSpPr>
+        <a:xfrm>
+          <a:off x="0" y="0"/>
+          <a:ext cx="0" cy="0"/>
+          <a:chOff x="0" y="0"/>
+          <a:chExt cx="0" cy="0"/>
+        </a:xfrm>
+      </p:grpSpPr>
+      <p:sp>
+        <p:nvSpPr>
+          <p:cNvPr id="6" name="文本框 5">
+            <a:extLst>
+              <a:ext uri="{FF2B5EF4-FFF2-40B4-BE49-F238E27FC236}">
+                <a16:creationId xmlns:a16="http://schemas.microsoft.com/office/drawing/2014/main" id="{A8746E2C-B96B-4186-B0EC-BE8E9F365025}"/>
+              </a:ext>
+            </a:extLst>
+          </p:cNvPr>
+          <p:cNvSpPr txBox="1"/>
+          <p:nvPr/>
+        </p:nvSpPr>
+        <p:spPr>
+          <a:xfrm>
+            <a:off x="518176" y="466545"/>
+            <a:ext cx="7393790" cy="1015663"/>
+          </a:xfrm>
+          <a:prstGeom prst="rect">
+            <a:avLst/>
+          </a:prstGeom>
+          <a:solidFill>
+            <a:schemeClr val="bg2"/>
+          </a:solidFill>
+        </p:spPr>
+        <p:txBody>
+          <a:bodyPr wrap="square" rtlCol="0">
+            <a:spAutoFit/>
+          </a:bodyPr>
+          <a:lstStyle/>
+          <a:p>
+            <a:r>
+              <a:rPr lang="zh-CN" altLang="en-US" sz="6000" b="1" dirty="0">
+                <a:latin typeface="+mn-ea"/>
+              </a:rPr>
+              <a:t>复合类型</a:t>
+            </a:r>
+            <a:r>
+              <a:rPr lang="en-US" altLang="zh-CN" sz="6000" b="1" dirty="0">
+                <a:latin typeface="+mn-ea"/>
+              </a:rPr>
+              <a:t>:</a:t>
+            </a:r>
+            <a:r>
+              <a:rPr lang="zh-CN" altLang="en-US" sz="6000" b="1" dirty="0">
+                <a:latin typeface="+mn-ea"/>
+              </a:rPr>
+              <a:t>引用和指针</a:t>
+            </a:r>
+          </a:p>
+        </p:txBody>
+      </p:sp>
+      <p:sp>
+        <p:nvSpPr>
+          <p:cNvPr id="7" name="文本框 6">
+            <a:extLst>
+              <a:ext uri="{FF2B5EF4-FFF2-40B4-BE49-F238E27FC236}">
+                <a16:creationId xmlns:a16="http://schemas.microsoft.com/office/drawing/2014/main" id="{F2DE948A-1CAA-4351-BE39-ED5F086608C1}"/>
+              </a:ext>
+            </a:extLst>
+          </p:cNvPr>
+          <p:cNvSpPr txBox="1"/>
+          <p:nvPr/>
+        </p:nvSpPr>
+        <p:spPr>
+          <a:xfrm>
+            <a:off x="1610376" y="2587445"/>
+            <a:ext cx="6301590" cy="1015663"/>
+          </a:xfrm>
+          <a:prstGeom prst="rect">
+            <a:avLst/>
+          </a:prstGeom>
+          <a:noFill/>
+        </p:spPr>
+        <p:txBody>
+          <a:bodyPr wrap="square" rtlCol="0">
+            <a:spAutoFit/>
+          </a:bodyPr>
+          <a:lstStyle/>
+          <a:p>
+            <a:r>
+              <a:rPr lang="zh-CN" altLang="en-US" sz="6000" b="1" dirty="0">
+                <a:latin typeface="+mn-ea"/>
+              </a:rPr>
+              <a:t>引用是类型别名</a:t>
+            </a:r>
+            <a:endParaRPr lang="en-US" altLang="zh-CN" sz="6000" b="1" dirty="0">
+              <a:latin typeface="+mn-ea"/>
+            </a:endParaRPr>
+          </a:p>
+        </p:txBody>
+      </p:sp>
+      <p:sp>
+        <p:nvSpPr>
+          <p:cNvPr id="8" name="文本框 7">
+            <a:extLst>
+              <a:ext uri="{FF2B5EF4-FFF2-40B4-BE49-F238E27FC236}">
+                <a16:creationId xmlns:a16="http://schemas.microsoft.com/office/drawing/2014/main" id="{46659E83-F713-40BF-964B-846CF2580AFE}"/>
+              </a:ext>
+            </a:extLst>
+          </p:cNvPr>
+          <p:cNvSpPr txBox="1"/>
+          <p:nvPr/>
+        </p:nvSpPr>
+        <p:spPr>
+          <a:xfrm>
+            <a:off x="1610376" y="4009845"/>
+            <a:ext cx="6301590" cy="1015663"/>
+          </a:xfrm>
+          <a:prstGeom prst="rect">
+            <a:avLst/>
+          </a:prstGeom>
+          <a:noFill/>
+        </p:spPr>
+        <p:txBody>
+          <a:bodyPr wrap="square" rtlCol="0">
+            <a:spAutoFit/>
+          </a:bodyPr>
+          <a:lstStyle/>
+          <a:p>
+            <a:r>
+              <a:rPr lang="zh-CN" altLang="en-US" sz="6000" b="1" dirty="0">
+                <a:latin typeface="+mn-ea"/>
+              </a:rPr>
+              <a:t>指针是数据类型</a:t>
+            </a:r>
+            <a:endParaRPr lang="en-US" altLang="zh-CN" sz="6000" b="1" dirty="0">
+              <a:latin typeface="+mn-ea"/>
+            </a:endParaRPr>
+          </a:p>
+        </p:txBody>
+      </p:sp>
+    </p:spTree>
+    <p:extLst>
+      <p:ext uri="{BB962C8B-B14F-4D97-AF65-F5344CB8AC3E}">
+        <p14:creationId xmlns:p14="http://schemas.microsoft.com/office/powerpoint/2010/main" val="3557918918"/>
+      </p:ext>
+    </p:extLst>
+  </p:cSld>
+  <p:clrMapOvr>
+    <a:masterClrMapping/>
+  </p:clrMapOvr>
+</p:sld>
+</file>
+
+<file path=ppt/slides/slide28.xml><?xml version="1.0" encoding="utf-8"?>
+<p:sld xmlns:a="http://schemas.openxmlformats.org/drawingml/2006/main" xmlns:r="http://schemas.openxmlformats.org/officeDocument/2006/relationships" xmlns:p="http://schemas.openxmlformats.org/presentationml/2006/main">
+  <p:cSld>
+    <p:spTree>
+      <p:nvGrpSpPr>
+        <p:cNvPr id="1" name=""/>
+        <p:cNvGrpSpPr/>
+        <p:nvPr/>
+      </p:nvGrpSpPr>
+      <p:grpSpPr>
+        <a:xfrm>
+          <a:off x="0" y="0"/>
+          <a:ext cx="0" cy="0"/>
+          <a:chOff x="0" y="0"/>
+          <a:chExt cx="0" cy="0"/>
+        </a:xfrm>
+      </p:grpSpPr>
+      <p:sp>
+        <p:nvSpPr>
+          <p:cNvPr id="5" name="文本框 4">
+            <a:extLst>
+              <a:ext uri="{FF2B5EF4-FFF2-40B4-BE49-F238E27FC236}">
+                <a16:creationId xmlns:a16="http://schemas.microsoft.com/office/drawing/2014/main" id="{87D7020B-EEA1-465F-BFBB-58EAACD67653}"/>
+              </a:ext>
+            </a:extLst>
+          </p:cNvPr>
+          <p:cNvSpPr txBox="1"/>
+          <p:nvPr/>
+        </p:nvSpPr>
+        <p:spPr>
+          <a:xfrm>
+            <a:off x="518176" y="2921168"/>
+            <a:ext cx="10149824" cy="2308324"/>
+          </a:xfrm>
+          <a:prstGeom prst="rect">
+            <a:avLst/>
+          </a:prstGeom>
+          <a:noFill/>
+        </p:spPr>
+        <p:txBody>
+          <a:bodyPr wrap="square" rtlCol="0">
+            <a:spAutoFit/>
+          </a:bodyPr>
+          <a:lstStyle/>
+          <a:p>
+            <a:r>
+              <a:rPr lang="zh-CN" altLang="en-US" sz="4800" b="1" dirty="0">
+                <a:latin typeface="+mn-ea"/>
+              </a:rPr>
+              <a:t>指向指针的指针  </a:t>
+            </a:r>
+            <a:r>
+              <a:rPr lang="en-US" altLang="zh-CN" sz="4800" b="1" dirty="0">
+                <a:latin typeface="+mn-ea"/>
+              </a:rPr>
+              <a:t>VS </a:t>
+            </a:r>
+            <a:r>
+              <a:rPr lang="zh-CN" altLang="en-US" sz="4800" b="1" dirty="0">
+                <a:latin typeface="+mn-ea"/>
+              </a:rPr>
+              <a:t>指向引用的指针</a:t>
+            </a:r>
+            <a:endParaRPr lang="en-US" altLang="zh-CN" sz="4800" b="1" dirty="0">
+              <a:latin typeface="+mn-ea"/>
+            </a:endParaRPr>
+          </a:p>
+          <a:p>
+            <a:endParaRPr lang="en-US" altLang="zh-CN" sz="4800" b="1" dirty="0">
+              <a:latin typeface="+mn-ea"/>
+            </a:endParaRPr>
+          </a:p>
+          <a:p>
+            <a:r>
+              <a:rPr lang="zh-CN" altLang="en-US" sz="4800" b="1" dirty="0">
+                <a:latin typeface="+mn-ea"/>
+              </a:rPr>
+              <a:t>指针的引用</a:t>
+            </a:r>
+          </a:p>
+        </p:txBody>
+      </p:sp>
+    </p:spTree>
+    <p:extLst>
+      <p:ext uri="{BB962C8B-B14F-4D97-AF65-F5344CB8AC3E}">
+        <p14:creationId xmlns:p14="http://schemas.microsoft.com/office/powerpoint/2010/main" val="3215900855"/>
+      </p:ext>
+    </p:extLst>
+  </p:cSld>
+  <p:clrMapOvr>
+    <a:masterClrMapping/>
+  </p:clrMapOvr>
+</p:sld>
+</file>
+
+<file path=ppt/slides/slide29.xml><?xml version="1.0" encoding="utf-8"?>
+<p:sld xmlns:a="http://schemas.openxmlformats.org/drawingml/2006/main" xmlns:r="http://schemas.openxmlformats.org/officeDocument/2006/relationships" xmlns:p="http://schemas.openxmlformats.org/presentationml/2006/main">
+  <p:cSld>
+    <p:spTree>
+      <p:nvGrpSpPr>
+        <p:cNvPr id="1" name=""/>
+        <p:cNvGrpSpPr/>
+        <p:nvPr/>
+      </p:nvGrpSpPr>
+      <p:grpSpPr>
+        <a:xfrm>
+          <a:off x="0" y="0"/>
+          <a:ext cx="0" cy="0"/>
+          <a:chOff x="0" y="0"/>
+          <a:chExt cx="0" cy="0"/>
+        </a:xfrm>
+      </p:grpSpPr>
+      <p:sp>
+        <p:nvSpPr>
           <p:cNvPr id="5" name="文本框 4">
             <a:extLst>
               <a:ext uri="{FF2B5EF4-FFF2-40B4-BE49-F238E27FC236}">
@@ -10789,8 +12320,8 @@
         </p:nvSpPr>
         <p:spPr>
           <a:xfrm>
-            <a:off x="1483376" y="2598003"/>
-            <a:ext cx="8067024" cy="830997"/>
+            <a:off x="1026176" y="2349500"/>
+            <a:ext cx="3926824" cy="830997"/>
           </a:xfrm>
           <a:prstGeom prst="rect">
             <a:avLst/>
@@ -10804,39 +12335,67 @@
           <a:lstStyle/>
           <a:p>
             <a:r>
+              <a:rPr lang="en-US" altLang="zh-CN" sz="4800" b="1" dirty="0">
+                <a:latin typeface="+mn-ea"/>
+              </a:rPr>
+              <a:t>const</a:t>
+            </a:r>
+            <a:r>
               <a:rPr lang="zh-CN" altLang="en-US" sz="4800" b="1" dirty="0">
                 <a:latin typeface="+mn-ea"/>
               </a:rPr>
-              <a:t>顶层</a:t>
-            </a:r>
+              <a:t>引用</a:t>
+            </a:r>
+          </a:p>
+        </p:txBody>
+      </p:sp>
+      <p:sp>
+        <p:nvSpPr>
+          <p:cNvPr id="4" name="文本框 3">
+            <a:extLst>
+              <a:ext uri="{FF2B5EF4-FFF2-40B4-BE49-F238E27FC236}">
+                <a16:creationId xmlns:a16="http://schemas.microsoft.com/office/drawing/2014/main" id="{677CF7BD-3B12-40E7-868C-B539C08FFE92}"/>
+              </a:ext>
+            </a:extLst>
+          </p:cNvPr>
+          <p:cNvSpPr txBox="1"/>
+          <p:nvPr/>
+        </p:nvSpPr>
+        <p:spPr>
+          <a:xfrm>
+            <a:off x="1026176" y="3677504"/>
+            <a:ext cx="3926824" cy="830997"/>
+          </a:xfrm>
+          <a:prstGeom prst="rect">
+            <a:avLst/>
+          </a:prstGeom>
+          <a:noFill/>
+        </p:spPr>
+        <p:txBody>
+          <a:bodyPr wrap="square" rtlCol="0">
+            <a:spAutoFit/>
+          </a:bodyPr>
+          <a:lstStyle/>
+          <a:p>
             <a:r>
               <a:rPr lang="en-US" altLang="zh-CN" sz="4800" b="1" dirty="0">
                 <a:latin typeface="+mn-ea"/>
               </a:rPr>
-              <a:t>const  vs </a:t>
+              <a:t>const</a:t>
             </a:r>
             <a:r>
               <a:rPr lang="zh-CN" altLang="en-US" sz="4800" b="1" dirty="0">
                 <a:latin typeface="+mn-ea"/>
               </a:rPr>
-              <a:t>底层 </a:t>
-            </a:r>
-            <a:r>
-              <a:rPr lang="en-US" altLang="zh-CN" sz="4800" b="1" dirty="0">
-                <a:latin typeface="+mn-ea"/>
-              </a:rPr>
-              <a:t>const</a:t>
-            </a:r>
-            <a:endParaRPr lang="zh-CN" altLang="en-US" sz="4800" b="1" dirty="0">
-              <a:latin typeface="+mn-ea"/>
-            </a:endParaRPr>
+              <a:t>指针</a:t>
+            </a:r>
           </a:p>
         </p:txBody>
       </p:sp>
     </p:spTree>
     <p:extLst>
       <p:ext uri="{BB962C8B-B14F-4D97-AF65-F5344CB8AC3E}">
-        <p14:creationId xmlns:p14="http://schemas.microsoft.com/office/powerpoint/2010/main" val="3048778077"/>
+        <p14:creationId xmlns:p14="http://schemas.microsoft.com/office/powerpoint/2010/main" val="492254004"/>
       </p:ext>
     </p:extLst>
   </p:cSld>
@@ -11115,6 +12674,137 @@
 </p:sld>
 </file>
 
+<file path=ppt/slides/slide30.xml><?xml version="1.0" encoding="utf-8"?>
+<p:sld xmlns:a="http://schemas.openxmlformats.org/drawingml/2006/main" xmlns:r="http://schemas.openxmlformats.org/officeDocument/2006/relationships" xmlns:p="http://schemas.openxmlformats.org/presentationml/2006/main">
+  <p:cSld>
+    <p:spTree>
+      <p:nvGrpSpPr>
+        <p:cNvPr id="1" name=""/>
+        <p:cNvGrpSpPr/>
+        <p:nvPr/>
+      </p:nvGrpSpPr>
+      <p:grpSpPr>
+        <a:xfrm>
+          <a:off x="0" y="0"/>
+          <a:ext cx="0" cy="0"/>
+          <a:chOff x="0" y="0"/>
+          <a:chExt cx="0" cy="0"/>
+        </a:xfrm>
+      </p:grpSpPr>
+      <p:sp>
+        <p:nvSpPr>
+          <p:cNvPr id="5" name="文本框 4">
+            <a:extLst>
+              <a:ext uri="{FF2B5EF4-FFF2-40B4-BE49-F238E27FC236}">
+                <a16:creationId xmlns:a16="http://schemas.microsoft.com/office/drawing/2014/main" id="{87D7020B-EEA1-465F-BFBB-58EAACD67653}"/>
+              </a:ext>
+            </a:extLst>
+          </p:cNvPr>
+          <p:cNvSpPr txBox="1"/>
+          <p:nvPr/>
+        </p:nvSpPr>
+        <p:spPr>
+          <a:xfrm>
+            <a:off x="416576" y="800268"/>
+            <a:ext cx="3926824" cy="830997"/>
+          </a:xfrm>
+          <a:prstGeom prst="rect">
+            <a:avLst/>
+          </a:prstGeom>
+          <a:noFill/>
+        </p:spPr>
+        <p:txBody>
+          <a:bodyPr wrap="square" rtlCol="0">
+            <a:spAutoFit/>
+          </a:bodyPr>
+          <a:lstStyle/>
+          <a:p>
+            <a:r>
+              <a:rPr lang="en-US" altLang="zh-CN" sz="4800" b="1" dirty="0">
+                <a:latin typeface="+mn-ea"/>
+              </a:rPr>
+              <a:t>const</a:t>
+            </a:r>
+            <a:r>
+              <a:rPr lang="zh-CN" altLang="en-US" sz="4800" b="1" dirty="0">
+                <a:latin typeface="+mn-ea"/>
+              </a:rPr>
+              <a:t>限定符</a:t>
+            </a:r>
+          </a:p>
+        </p:txBody>
+      </p:sp>
+      <p:sp>
+        <p:nvSpPr>
+          <p:cNvPr id="3" name="文本框 2">
+            <a:extLst>
+              <a:ext uri="{FF2B5EF4-FFF2-40B4-BE49-F238E27FC236}">
+                <a16:creationId xmlns:a16="http://schemas.microsoft.com/office/drawing/2014/main" id="{816313B8-9C82-42B4-A678-CF794C875BEE}"/>
+              </a:ext>
+            </a:extLst>
+          </p:cNvPr>
+          <p:cNvSpPr txBox="1"/>
+          <p:nvPr/>
+        </p:nvSpPr>
+        <p:spPr>
+          <a:xfrm>
+            <a:off x="1483376" y="2598003"/>
+            <a:ext cx="8067024" cy="830997"/>
+          </a:xfrm>
+          <a:prstGeom prst="rect">
+            <a:avLst/>
+          </a:prstGeom>
+          <a:noFill/>
+        </p:spPr>
+        <p:txBody>
+          <a:bodyPr wrap="square" rtlCol="0">
+            <a:spAutoFit/>
+          </a:bodyPr>
+          <a:lstStyle/>
+          <a:p>
+            <a:r>
+              <a:rPr lang="zh-CN" altLang="en-US" sz="4800" b="1" dirty="0">
+                <a:latin typeface="+mn-ea"/>
+              </a:rPr>
+              <a:t>顶层</a:t>
+            </a:r>
+            <a:r>
+              <a:rPr lang="en-US" altLang="zh-CN" sz="4800" b="1" dirty="0">
+                <a:latin typeface="+mn-ea"/>
+              </a:rPr>
+              <a:t>const  vs </a:t>
+            </a:r>
+            <a:r>
+              <a:rPr lang="zh-CN" altLang="en-US" sz="4800" b="1" dirty="0">
+                <a:latin typeface="+mn-ea"/>
+              </a:rPr>
+              <a:t>底层 </a:t>
+            </a:r>
+            <a:r>
+              <a:rPr lang="en-US" altLang="zh-CN" sz="4800" b="1" dirty="0">
+                <a:latin typeface="+mn-ea"/>
+              </a:rPr>
+              <a:t>const</a:t>
+            </a:r>
+            <a:endParaRPr lang="zh-CN" altLang="en-US" sz="4800" b="1" dirty="0">
+              <a:latin typeface="+mn-ea"/>
+            </a:endParaRPr>
+          </a:p>
+        </p:txBody>
+      </p:sp>
+    </p:spTree>
+    <p:extLst>
+      <p:ext uri="{BB962C8B-B14F-4D97-AF65-F5344CB8AC3E}">
+        <p14:creationId xmlns:p14="http://schemas.microsoft.com/office/powerpoint/2010/main" val="3048778077"/>
+      </p:ext>
+    </p:extLst>
+  </p:cSld>
+  <p:clrMapOvr>
+    <a:masterClrMapping/>
+  </p:clrMapOvr>
+</p:sld>
+</file>
+
 <file path=ppt/slides/slide4.xml><?xml version="1.0" encoding="utf-8"?>
 <p:sld xmlns:a="http://schemas.openxmlformats.org/drawingml/2006/main" xmlns:r="http://schemas.openxmlformats.org/officeDocument/2006/relationships" xmlns:p="http://schemas.openxmlformats.org/presentationml/2006/main">
   <p:cSld>
@@ -11132,448 +12822,49 @@
           <a:chExt cx="0" cy="0"/>
         </a:xfrm>
       </p:grpSpPr>
-      <p:pic>
-        <p:nvPicPr>
-          <p:cNvPr id="3" name="图片 2">
-            <a:extLst>
-              <a:ext uri="{FF2B5EF4-FFF2-40B4-BE49-F238E27FC236}">
-                <a16:creationId xmlns:a16="http://schemas.microsoft.com/office/drawing/2014/main" id="{807372C6-A1CB-43EA-A384-B8443A72444E}"/>
-              </a:ext>
-            </a:extLst>
-          </p:cNvPr>
-          <p:cNvPicPr>
-            <a:picLocks noChangeAspect="1"/>
-          </p:cNvPicPr>
+      <p:sp>
+        <p:nvSpPr>
+          <p:cNvPr id="3" name="矩形 2">
+            <a:extLst>
+              <a:ext uri="{FF2B5EF4-FFF2-40B4-BE49-F238E27FC236}">
+                <a16:creationId xmlns:a16="http://schemas.microsoft.com/office/drawing/2014/main" id="{54A38C39-CAB9-B14F-A938-5050106311DB}"/>
+              </a:ext>
+            </a:extLst>
+          </p:cNvPr>
+          <p:cNvSpPr/>
           <p:nvPr/>
-        </p:nvPicPr>
-        <p:blipFill>
-          <a:blip r:embed="rId3">
-            <a:extLst>
-              <a:ext uri="{28A0092B-C50C-407E-A947-70E740481C1C}">
-                <a14:useLocalDpi xmlns:a14="http://schemas.microsoft.com/office/drawing/2010/main" val="0"/>
-              </a:ext>
-            </a:extLst>
-          </a:blip>
-          <a:stretch>
-            <a:fillRect/>
-          </a:stretch>
-        </p:blipFill>
+        </p:nvSpPr>
         <p:spPr>
           <a:xfrm>
-            <a:off x="209544" y="2400299"/>
-            <a:ext cx="3124203" cy="3124203"/>
+            <a:off x="288268" y="288399"/>
+            <a:ext cx="4400564" cy="584775"/>
           </a:xfrm>
           <a:prstGeom prst="rect">
             <a:avLst/>
           </a:prstGeom>
         </p:spPr>
-      </p:pic>
-      <p:sp>
-        <p:nvSpPr>
-          <p:cNvPr id="8" name="文本框 7">
-            <a:extLst>
-              <a:ext uri="{FF2B5EF4-FFF2-40B4-BE49-F238E27FC236}">
-                <a16:creationId xmlns:a16="http://schemas.microsoft.com/office/drawing/2014/main" id="{173B5B89-5235-4C07-99A2-AC5672E77337}"/>
-              </a:ext>
-            </a:extLst>
-          </p:cNvPr>
-          <p:cNvSpPr txBox="1"/>
-          <p:nvPr/>
-        </p:nvSpPr>
-        <p:spPr>
-          <a:xfrm>
-            <a:off x="518176" y="466545"/>
-            <a:ext cx="10441924" cy="1200329"/>
-          </a:xfrm>
-          <a:prstGeom prst="rect">
-            <a:avLst/>
-          </a:prstGeom>
-          <a:noFill/>
-        </p:spPr>
-        <p:txBody>
-          <a:bodyPr wrap="square" rtlCol="0">
+        <p:txBody>
+          <a:bodyPr wrap="none">
             <a:spAutoFit/>
           </a:bodyPr>
           <a:lstStyle/>
           <a:p>
-            <a:r>
-              <a:rPr lang="en-US" altLang="zh-CN" sz="7200" b="1" dirty="0">
+            <a:pPr lvl="0" fontAlgn="base">
+              <a:spcBef>
+                <a:spcPct val="0"/>
+              </a:spcBef>
+              <a:spcAft>
+                <a:spcPct val="0"/>
+              </a:spcAft>
+            </a:pPr>
+            <a:r>
+              <a:rPr lang="zh-CN" altLang="en-US" sz="3200" b="1" dirty="0">
                 <a:latin typeface="+mn-ea"/>
               </a:rPr>
-              <a:t>exercise2:</a:t>
-            </a:r>
-            <a:r>
-              <a:rPr lang="zh-CN" altLang="en-US" sz="7200" b="1" dirty="0">
-                <a:latin typeface="+mn-ea"/>
-              </a:rPr>
-              <a:t> 字面值类型</a:t>
-            </a:r>
-          </a:p>
-        </p:txBody>
-      </p:sp>
-      <p:sp>
-        <p:nvSpPr>
-          <p:cNvPr id="9" name="文本框 8">
-            <a:extLst>
-              <a:ext uri="{FF2B5EF4-FFF2-40B4-BE49-F238E27FC236}">
-                <a16:creationId xmlns:a16="http://schemas.microsoft.com/office/drawing/2014/main" id="{81F00E6A-97D6-417E-B90B-B99D8290216F}"/>
-              </a:ext>
-            </a:extLst>
-          </p:cNvPr>
-          <p:cNvSpPr txBox="1"/>
-          <p:nvPr/>
-        </p:nvSpPr>
-        <p:spPr>
-          <a:xfrm>
-            <a:off x="4172601" y="2360894"/>
-            <a:ext cx="7139924" cy="523220"/>
-          </a:xfrm>
-          <a:prstGeom prst="rect">
-            <a:avLst/>
-          </a:prstGeom>
-          <a:noFill/>
-        </p:spPr>
-        <p:txBody>
-          <a:bodyPr wrap="square" rtlCol="0">
-            <a:spAutoFit/>
-          </a:bodyPr>
-          <a:lstStyle/>
-          <a:p>
-            <a:r>
-              <a:rPr lang="zh-CN" altLang="en-US" sz="2800" dirty="0"/>
-              <a:t>指出下述字面值的数据类型</a:t>
-            </a:r>
-            <a:endParaRPr lang="zh-CN" altLang="en-US" sz="7200" b="1" dirty="0">
+              <a:t>第二章 变量和基本类型</a:t>
+            </a:r>
+            <a:endParaRPr lang="zh-CN" altLang="zh-CN" sz="3200" b="1" dirty="0">
               <a:latin typeface="+mn-ea"/>
-            </a:endParaRPr>
-          </a:p>
-        </p:txBody>
-      </p:sp>
-      <p:sp>
-        <p:nvSpPr>
-          <p:cNvPr id="2" name="矩形 1">
-            <a:extLst>
-              <a:ext uri="{FF2B5EF4-FFF2-40B4-BE49-F238E27FC236}">
-                <a16:creationId xmlns:a16="http://schemas.microsoft.com/office/drawing/2014/main" id="{EA230831-0F2C-4812-833A-790EB346DBE3}"/>
-              </a:ext>
-            </a:extLst>
-          </p:cNvPr>
-          <p:cNvSpPr/>
-          <p:nvPr/>
-        </p:nvSpPr>
-        <p:spPr>
-          <a:xfrm>
-            <a:off x="4072263" y="3298736"/>
-            <a:ext cx="6096000" cy="2062103"/>
-          </a:xfrm>
-          <a:prstGeom prst="rect">
-            <a:avLst/>
-          </a:prstGeom>
-        </p:spPr>
-        <p:txBody>
-          <a:bodyPr>
-            <a:spAutoFit/>
-          </a:bodyPr>
-          <a:lstStyle/>
-          <a:p>
-            <a:pPr>
-              <a:buFont typeface="Arial" panose="020B0604020202020204" pitchFamily="34" charset="0"/>
-              <a:buChar char="•"/>
-            </a:pPr>
-            <a:r>
-              <a:rPr lang="pl-PL" altLang="zh-CN" sz="3200" dirty="0">
-                <a:solidFill>
-                  <a:srgbClr val="1F2328"/>
-                </a:solidFill>
-                <a:latin typeface="-apple-system"/>
-              </a:rPr>
-              <a:t>(a) 'a’,</a:t>
-            </a:r>
-            <a:r>
-              <a:rPr lang="en-US" altLang="zh-CN" sz="3200" dirty="0">
-                <a:solidFill>
-                  <a:srgbClr val="1F2328"/>
-                </a:solidFill>
-                <a:latin typeface="-apple-system"/>
-              </a:rPr>
-              <a:t> </a:t>
-            </a:r>
-            <a:r>
-              <a:rPr lang="pl-PL" altLang="zh-CN" sz="3200" dirty="0">
-                <a:solidFill>
-                  <a:srgbClr val="1F2328"/>
-                </a:solidFill>
-                <a:latin typeface="-apple-system"/>
-              </a:rPr>
-              <a:t> L'a’, </a:t>
-            </a:r>
-            <a:r>
-              <a:rPr lang="en-US" altLang="zh-CN" sz="3200" dirty="0">
-                <a:solidFill>
-                  <a:srgbClr val="1F2328"/>
-                </a:solidFill>
-                <a:latin typeface="-apple-system"/>
-              </a:rPr>
-              <a:t> </a:t>
-            </a:r>
-            <a:r>
-              <a:rPr lang="pl-PL" altLang="zh-CN" sz="3200" dirty="0">
-                <a:solidFill>
-                  <a:srgbClr val="1F2328"/>
-                </a:solidFill>
-                <a:latin typeface="-apple-system"/>
-              </a:rPr>
-              <a:t>"a", </a:t>
-            </a:r>
-            <a:r>
-              <a:rPr lang="en-US" altLang="zh-CN" sz="3200" dirty="0">
-                <a:solidFill>
-                  <a:srgbClr val="1F2328"/>
-                </a:solidFill>
-                <a:latin typeface="-apple-system"/>
-              </a:rPr>
-              <a:t> </a:t>
-            </a:r>
-            <a:r>
-              <a:rPr lang="pl-PL" altLang="zh-CN" sz="3200" dirty="0">
-                <a:solidFill>
-                  <a:srgbClr val="1F2328"/>
-                </a:solidFill>
-                <a:latin typeface="-apple-system"/>
-              </a:rPr>
-              <a:t>L"a"</a:t>
-            </a:r>
-          </a:p>
-          <a:p>
-            <a:pPr>
-              <a:buFont typeface="Arial" panose="020B0604020202020204" pitchFamily="34" charset="0"/>
-              <a:buChar char="•"/>
-            </a:pPr>
-            <a:r>
-              <a:rPr lang="pl-PL" altLang="zh-CN" sz="3200" dirty="0">
-                <a:solidFill>
-                  <a:srgbClr val="1F2328"/>
-                </a:solidFill>
-                <a:latin typeface="-apple-system"/>
-              </a:rPr>
-              <a:t>(b) 10, </a:t>
-            </a:r>
-            <a:r>
-              <a:rPr lang="en-US" altLang="zh-CN" sz="3200" dirty="0">
-                <a:solidFill>
-                  <a:srgbClr val="1F2328"/>
-                </a:solidFill>
-                <a:latin typeface="-apple-system"/>
-              </a:rPr>
-              <a:t> </a:t>
-            </a:r>
-            <a:r>
-              <a:rPr lang="pl-PL" altLang="zh-CN" sz="3200" dirty="0">
-                <a:solidFill>
-                  <a:srgbClr val="1F2328"/>
-                </a:solidFill>
-                <a:latin typeface="-apple-system"/>
-              </a:rPr>
-              <a:t>10u, </a:t>
-            </a:r>
-            <a:r>
-              <a:rPr lang="en-US" altLang="zh-CN" sz="3200" dirty="0">
-                <a:solidFill>
-                  <a:srgbClr val="1F2328"/>
-                </a:solidFill>
-                <a:latin typeface="-apple-system"/>
-              </a:rPr>
-              <a:t> </a:t>
-            </a:r>
-            <a:r>
-              <a:rPr lang="pl-PL" altLang="zh-CN" sz="3200" dirty="0">
-                <a:solidFill>
-                  <a:srgbClr val="1F2328"/>
-                </a:solidFill>
-                <a:latin typeface="-apple-system"/>
-              </a:rPr>
-              <a:t>10L, </a:t>
-            </a:r>
-            <a:r>
-              <a:rPr lang="en-US" altLang="zh-CN" sz="3200" dirty="0">
-                <a:solidFill>
-                  <a:srgbClr val="1F2328"/>
-                </a:solidFill>
-                <a:latin typeface="-apple-system"/>
-              </a:rPr>
-              <a:t> </a:t>
-            </a:r>
-            <a:r>
-              <a:rPr lang="pl-PL" altLang="zh-CN" sz="3200" dirty="0">
-                <a:solidFill>
-                  <a:srgbClr val="1F2328"/>
-                </a:solidFill>
-                <a:latin typeface="-apple-system"/>
-              </a:rPr>
-              <a:t>10uL, </a:t>
-            </a:r>
-            <a:r>
-              <a:rPr lang="en-US" altLang="zh-CN" sz="3200" dirty="0">
-                <a:solidFill>
-                  <a:srgbClr val="1F2328"/>
-                </a:solidFill>
-                <a:latin typeface="-apple-system"/>
-              </a:rPr>
-              <a:t> O</a:t>
-            </a:r>
-            <a:r>
-              <a:rPr lang="pl-PL" altLang="zh-CN" sz="3200" dirty="0">
-                <a:solidFill>
-                  <a:srgbClr val="1F2328"/>
-                </a:solidFill>
-                <a:latin typeface="-apple-system"/>
-              </a:rPr>
-              <a:t>12, </a:t>
-            </a:r>
-            <a:r>
-              <a:rPr lang="en-US" altLang="zh-CN" sz="3200" dirty="0">
-                <a:solidFill>
-                  <a:srgbClr val="1F2328"/>
-                </a:solidFill>
-                <a:latin typeface="-apple-system"/>
-              </a:rPr>
-              <a:t> 0</a:t>
-            </a:r>
-            <a:r>
-              <a:rPr lang="pl-PL" altLang="zh-CN" sz="3200" dirty="0">
-                <a:solidFill>
-                  <a:srgbClr val="1F2328"/>
-                </a:solidFill>
-                <a:latin typeface="-apple-system"/>
-              </a:rPr>
-              <a:t>xC</a:t>
-            </a:r>
-          </a:p>
-          <a:p>
-            <a:pPr>
-              <a:buFont typeface="Arial" panose="020B0604020202020204" pitchFamily="34" charset="0"/>
-              <a:buChar char="•"/>
-            </a:pPr>
-            <a:r>
-              <a:rPr lang="pl-PL" altLang="zh-CN" sz="3200" dirty="0">
-                <a:solidFill>
-                  <a:srgbClr val="1F2328"/>
-                </a:solidFill>
-                <a:latin typeface="-apple-system"/>
-              </a:rPr>
-              <a:t>(c) 3.14, </a:t>
-            </a:r>
-            <a:r>
-              <a:rPr lang="en-US" altLang="zh-CN" sz="3200" dirty="0">
-                <a:solidFill>
-                  <a:srgbClr val="1F2328"/>
-                </a:solidFill>
-                <a:latin typeface="-apple-system"/>
-              </a:rPr>
-              <a:t> </a:t>
-            </a:r>
-            <a:r>
-              <a:rPr lang="pl-PL" altLang="zh-CN" sz="3200" dirty="0">
-                <a:solidFill>
-                  <a:srgbClr val="1F2328"/>
-                </a:solidFill>
-                <a:latin typeface="-apple-system"/>
-              </a:rPr>
-              <a:t>3.14f, </a:t>
-            </a:r>
-            <a:r>
-              <a:rPr lang="en-US" altLang="zh-CN" sz="3200" dirty="0">
-                <a:solidFill>
-                  <a:srgbClr val="1F2328"/>
-                </a:solidFill>
-                <a:latin typeface="-apple-system"/>
-              </a:rPr>
-              <a:t> </a:t>
-            </a:r>
-            <a:r>
-              <a:rPr lang="pl-PL" altLang="zh-CN" sz="3200" dirty="0">
-                <a:solidFill>
-                  <a:srgbClr val="1F2328"/>
-                </a:solidFill>
-                <a:latin typeface="-apple-system"/>
-              </a:rPr>
-              <a:t>3.14L</a:t>
-            </a:r>
-          </a:p>
-          <a:p>
-            <a:pPr>
-              <a:buFont typeface="Arial" panose="020B0604020202020204" pitchFamily="34" charset="0"/>
-              <a:buChar char="•"/>
-            </a:pPr>
-            <a:r>
-              <a:rPr lang="pl-PL" altLang="zh-CN" sz="3200" dirty="0">
-                <a:solidFill>
-                  <a:srgbClr val="1F2328"/>
-                </a:solidFill>
-                <a:latin typeface="-apple-system"/>
-              </a:rPr>
-              <a:t>(d) 10, </a:t>
-            </a:r>
-            <a:r>
-              <a:rPr lang="en-US" altLang="zh-CN" sz="3200" dirty="0">
-                <a:solidFill>
-                  <a:srgbClr val="1F2328"/>
-                </a:solidFill>
-                <a:latin typeface="-apple-system"/>
-              </a:rPr>
-              <a:t> </a:t>
-            </a:r>
-            <a:r>
-              <a:rPr lang="pl-PL" altLang="zh-CN" sz="3200" dirty="0">
-                <a:solidFill>
-                  <a:srgbClr val="1F2328"/>
-                </a:solidFill>
-                <a:latin typeface="-apple-system"/>
-              </a:rPr>
-              <a:t>10u, </a:t>
-            </a:r>
-            <a:r>
-              <a:rPr lang="en-US" altLang="zh-CN" sz="3200" dirty="0">
-                <a:solidFill>
-                  <a:srgbClr val="1F2328"/>
-                </a:solidFill>
-                <a:latin typeface="-apple-system"/>
-              </a:rPr>
-              <a:t> </a:t>
-            </a:r>
-            <a:r>
-              <a:rPr lang="pl-PL" altLang="zh-CN" sz="3200" dirty="0">
-                <a:solidFill>
-                  <a:srgbClr val="1F2328"/>
-                </a:solidFill>
-                <a:latin typeface="-apple-system"/>
-              </a:rPr>
-              <a:t>10., </a:t>
-            </a:r>
-            <a:r>
-              <a:rPr lang="en-US" altLang="zh-CN" sz="3200" dirty="0">
-                <a:solidFill>
-                  <a:srgbClr val="1F2328"/>
-                </a:solidFill>
-                <a:latin typeface="-apple-system"/>
-              </a:rPr>
-              <a:t>  </a:t>
-            </a:r>
-            <a:r>
-              <a:rPr lang="pl-PL" altLang="zh-CN" sz="3200" dirty="0">
-                <a:solidFill>
-                  <a:srgbClr val="1F2328"/>
-                </a:solidFill>
-                <a:latin typeface="-apple-system"/>
-              </a:rPr>
-              <a:t>10e-2</a:t>
-            </a:r>
-            <a:endParaRPr lang="pl-PL" altLang="zh-CN" sz="3200" b="0" i="0" dirty="0">
-              <a:solidFill>
-                <a:srgbClr val="1F2328"/>
-              </a:solidFill>
-              <a:effectLst/>
-              <a:latin typeface="-apple-system"/>
             </a:endParaRPr>
           </a:p>
         </p:txBody>
@@ -11581,7 +12872,7 @@
     </p:spTree>
     <p:extLst>
       <p:ext uri="{BB962C8B-B14F-4D97-AF65-F5344CB8AC3E}">
-        <p14:creationId xmlns:p14="http://schemas.microsoft.com/office/powerpoint/2010/main" val="966399813"/>
+        <p14:creationId xmlns:p14="http://schemas.microsoft.com/office/powerpoint/2010/main" val="1261941379"/>
       </p:ext>
     </p:extLst>
   </p:cSld>
@@ -11659,7 +12950,7 @@
         <p:spPr>
           <a:xfrm>
             <a:off x="518176" y="466545"/>
-            <a:ext cx="11000724" cy="1200329"/>
+            <a:ext cx="10441924" cy="1200329"/>
           </a:xfrm>
           <a:prstGeom prst="rect">
             <a:avLst/>
@@ -11676,23 +12967,61 @@
               <a:rPr lang="en-US" altLang="zh-CN" sz="7200" b="1" dirty="0">
                 <a:latin typeface="+mn-ea"/>
               </a:rPr>
-              <a:t>exercise3: </a:t>
+              <a:t>exercise2:</a:t>
             </a:r>
             <a:r>
               <a:rPr lang="zh-CN" altLang="en-US" sz="7200" b="1" dirty="0">
                 <a:latin typeface="+mn-ea"/>
               </a:rPr>
-              <a:t>默认初始化</a:t>
-            </a:r>
-          </a:p>
-        </p:txBody>
-      </p:sp>
-      <p:sp>
-        <p:nvSpPr>
-          <p:cNvPr id="6" name="矩形 5">
-            <a:extLst>
-              <a:ext uri="{FF2B5EF4-FFF2-40B4-BE49-F238E27FC236}">
-                <a16:creationId xmlns:a16="http://schemas.microsoft.com/office/drawing/2014/main" id="{324ED581-399C-42D9-B54D-CBC91D72C804}"/>
+              <a:t> 字面值类型</a:t>
+            </a:r>
+          </a:p>
+        </p:txBody>
+      </p:sp>
+      <p:sp>
+        <p:nvSpPr>
+          <p:cNvPr id="9" name="文本框 8">
+            <a:extLst>
+              <a:ext uri="{FF2B5EF4-FFF2-40B4-BE49-F238E27FC236}">
+                <a16:creationId xmlns:a16="http://schemas.microsoft.com/office/drawing/2014/main" id="{81F00E6A-97D6-417E-B90B-B99D8290216F}"/>
+              </a:ext>
+            </a:extLst>
+          </p:cNvPr>
+          <p:cNvSpPr txBox="1"/>
+          <p:nvPr/>
+        </p:nvSpPr>
+        <p:spPr>
+          <a:xfrm>
+            <a:off x="4172601" y="2360894"/>
+            <a:ext cx="7139924" cy="523220"/>
+          </a:xfrm>
+          <a:prstGeom prst="rect">
+            <a:avLst/>
+          </a:prstGeom>
+          <a:noFill/>
+        </p:spPr>
+        <p:txBody>
+          <a:bodyPr wrap="square" rtlCol="0">
+            <a:spAutoFit/>
+          </a:bodyPr>
+          <a:lstStyle/>
+          <a:p>
+            <a:r>
+              <a:rPr lang="zh-CN" altLang="en-US" sz="2800" dirty="0"/>
+              <a:t>指出下述字面值的数据类型</a:t>
+            </a:r>
+            <a:endParaRPr lang="zh-CN" altLang="en-US" sz="7200" b="1" dirty="0">
+              <a:latin typeface="+mn-ea"/>
+            </a:endParaRPr>
+          </a:p>
+        </p:txBody>
+      </p:sp>
+      <p:sp>
+        <p:nvSpPr>
+          <p:cNvPr id="2" name="矩形 1">
+            <a:extLst>
+              <a:ext uri="{FF2B5EF4-FFF2-40B4-BE49-F238E27FC236}">
+                <a16:creationId xmlns:a16="http://schemas.microsoft.com/office/drawing/2014/main" id="{EA230831-0F2C-4812-833A-790EB346DBE3}"/>
               </a:ext>
             </a:extLst>
           </p:cNvPr>
@@ -11701,103 +13030,325 @@
         </p:nvSpPr>
         <p:spPr>
           <a:xfrm>
-            <a:off x="4630256" y="1771976"/>
-            <a:ext cx="4852610" cy="523220"/>
+            <a:off x="4072263" y="3298736"/>
+            <a:ext cx="6096000" cy="2062103"/>
           </a:xfrm>
           <a:prstGeom prst="rect">
             <a:avLst/>
           </a:prstGeom>
         </p:spPr>
         <p:txBody>
-          <a:bodyPr wrap="none">
-            <a:spAutoFit/>
-          </a:bodyPr>
-          <a:lstStyle/>
-          <a:p>
-            <a:r>
-              <a:rPr lang="zh-CN" altLang="en-US" sz="2800" dirty="0">
-                <a:latin typeface="-apple-system"/>
-              </a:rPr>
-              <a:t>下列变量的初值分别是什么？</a:t>
-            </a:r>
-            <a:endParaRPr lang="zh-CN" altLang="en-US" sz="2800" dirty="0"/>
-          </a:p>
-        </p:txBody>
-      </p:sp>
-      <p:sp>
-        <p:nvSpPr>
-          <p:cNvPr id="10" name="矩形 9">
-            <a:extLst>
-              <a:ext uri="{FF2B5EF4-FFF2-40B4-BE49-F238E27FC236}">
-                <a16:creationId xmlns:a16="http://schemas.microsoft.com/office/drawing/2014/main" id="{65673DA6-E626-4D56-8125-DF6793B739DE}"/>
-              </a:ext>
-            </a:extLst>
-          </p:cNvPr>
-          <p:cNvSpPr/>
-          <p:nvPr/>
-        </p:nvSpPr>
-        <p:spPr>
-          <a:xfrm>
-            <a:off x="4676417" y="2609673"/>
-            <a:ext cx="6096000" cy="3108543"/>
-          </a:xfrm>
-          <a:prstGeom prst="rect">
-            <a:avLst/>
-          </a:prstGeom>
-        </p:spPr>
-        <p:txBody>
           <a:bodyPr>
             <a:spAutoFit/>
           </a:bodyPr>
           <a:lstStyle/>
           <a:p>
-            <a:r>
-              <a:rPr lang="zh-CN" altLang="en-US" sz="2800" dirty="0"/>
-              <a:t>std::string global_str;</a:t>
-            </a:r>
-          </a:p>
-          <a:p>
-            <a:r>
-              <a:rPr lang="zh-CN" altLang="en-US" sz="2800" dirty="0"/>
-              <a:t>int global_int;</a:t>
-            </a:r>
-          </a:p>
-          <a:p>
-            <a:r>
-              <a:rPr lang="zh-CN" altLang="en-US" sz="2800" dirty="0"/>
-              <a:t>int main()</a:t>
-            </a:r>
-          </a:p>
-          <a:p>
-            <a:r>
-              <a:rPr lang="zh-CN" altLang="en-US" sz="2800" dirty="0"/>
-              <a:t>{</a:t>
-            </a:r>
-          </a:p>
-          <a:p>
-            <a:r>
-              <a:rPr lang="zh-CN" altLang="en-US" sz="2800" dirty="0"/>
-              <a:t>    int local_int;</a:t>
-            </a:r>
-          </a:p>
-          <a:p>
-            <a:r>
-              <a:rPr lang="zh-CN" altLang="en-US" sz="2800" dirty="0"/>
-              <a:t>    std::string local_str;</a:t>
-            </a:r>
-          </a:p>
-          <a:p>
-            <a:r>
-              <a:rPr lang="zh-CN" altLang="en-US" sz="2800" dirty="0"/>
-              <a:t>}</a:t>
-            </a:r>
+            <a:pPr>
+              <a:buFont typeface="Arial" panose="020B0604020202020204" pitchFamily="34" charset="0"/>
+              <a:buChar char="•"/>
+            </a:pPr>
+            <a:r>
+              <a:rPr lang="pl-PL" altLang="zh-CN" sz="3200" dirty="0">
+                <a:solidFill>
+                  <a:srgbClr val="1F2328"/>
+                </a:solidFill>
+                <a:latin typeface="-apple-system"/>
+              </a:rPr>
+              <a:t>(a) 'a’,</a:t>
+            </a:r>
+            <a:r>
+              <a:rPr lang="en-US" altLang="zh-CN" sz="3200" dirty="0">
+                <a:solidFill>
+                  <a:srgbClr val="1F2328"/>
+                </a:solidFill>
+                <a:latin typeface="-apple-system"/>
+              </a:rPr>
+              <a:t> </a:t>
+            </a:r>
+            <a:r>
+              <a:rPr lang="pl-PL" altLang="zh-CN" sz="3200" dirty="0">
+                <a:solidFill>
+                  <a:srgbClr val="1F2328"/>
+                </a:solidFill>
+                <a:latin typeface="-apple-system"/>
+              </a:rPr>
+              <a:t> L'a’, </a:t>
+            </a:r>
+            <a:r>
+              <a:rPr lang="en-US" altLang="zh-CN" sz="3200" dirty="0">
+                <a:solidFill>
+                  <a:srgbClr val="1F2328"/>
+                </a:solidFill>
+                <a:latin typeface="-apple-system"/>
+              </a:rPr>
+              <a:t> </a:t>
+            </a:r>
+            <a:r>
+              <a:rPr lang="pl-PL" altLang="zh-CN" sz="3200" dirty="0">
+                <a:solidFill>
+                  <a:srgbClr val="1F2328"/>
+                </a:solidFill>
+                <a:latin typeface="-apple-system"/>
+              </a:rPr>
+              <a:t>"a", </a:t>
+            </a:r>
+            <a:r>
+              <a:rPr lang="en-US" altLang="zh-CN" sz="3200" dirty="0">
+                <a:solidFill>
+                  <a:srgbClr val="1F2328"/>
+                </a:solidFill>
+                <a:latin typeface="-apple-system"/>
+              </a:rPr>
+              <a:t> </a:t>
+            </a:r>
+            <a:r>
+              <a:rPr lang="pl-PL" altLang="zh-CN" sz="3200" dirty="0">
+                <a:solidFill>
+                  <a:srgbClr val="1F2328"/>
+                </a:solidFill>
+                <a:latin typeface="-apple-system"/>
+              </a:rPr>
+              <a:t>L"a"</a:t>
+            </a:r>
+          </a:p>
+          <a:p>
+            <a:pPr>
+              <a:buFont typeface="Arial" panose="020B0604020202020204" pitchFamily="34" charset="0"/>
+              <a:buChar char="•"/>
+            </a:pPr>
+            <a:r>
+              <a:rPr lang="pl-PL" altLang="zh-CN" sz="3200" dirty="0">
+                <a:solidFill>
+                  <a:srgbClr val="1F2328"/>
+                </a:solidFill>
+                <a:latin typeface="-apple-system"/>
+              </a:rPr>
+              <a:t>(b) 10, </a:t>
+            </a:r>
+            <a:r>
+              <a:rPr lang="en-US" altLang="zh-CN" sz="3200" dirty="0">
+                <a:solidFill>
+                  <a:srgbClr val="1F2328"/>
+                </a:solidFill>
+                <a:latin typeface="-apple-system"/>
+              </a:rPr>
+              <a:t> </a:t>
+            </a:r>
+            <a:r>
+              <a:rPr lang="pl-PL" altLang="zh-CN" sz="3200" dirty="0">
+                <a:solidFill>
+                  <a:srgbClr val="1F2328"/>
+                </a:solidFill>
+                <a:latin typeface="-apple-system"/>
+              </a:rPr>
+              <a:t>10u, </a:t>
+            </a:r>
+            <a:r>
+              <a:rPr lang="en-US" altLang="zh-CN" sz="3200" dirty="0">
+                <a:solidFill>
+                  <a:srgbClr val="1F2328"/>
+                </a:solidFill>
+                <a:latin typeface="-apple-system"/>
+              </a:rPr>
+              <a:t> </a:t>
+            </a:r>
+            <a:r>
+              <a:rPr lang="pl-PL" altLang="zh-CN" sz="3200" dirty="0">
+                <a:solidFill>
+                  <a:srgbClr val="1F2328"/>
+                </a:solidFill>
+                <a:latin typeface="-apple-system"/>
+              </a:rPr>
+              <a:t>10L, </a:t>
+            </a:r>
+            <a:r>
+              <a:rPr lang="en-US" altLang="zh-CN" sz="3200" dirty="0">
+                <a:solidFill>
+                  <a:srgbClr val="1F2328"/>
+                </a:solidFill>
+                <a:latin typeface="-apple-system"/>
+              </a:rPr>
+              <a:t> </a:t>
+            </a:r>
+            <a:r>
+              <a:rPr lang="pl-PL" altLang="zh-CN" sz="3200" dirty="0">
+                <a:solidFill>
+                  <a:srgbClr val="1F2328"/>
+                </a:solidFill>
+                <a:latin typeface="-apple-system"/>
+              </a:rPr>
+              <a:t>10uL, </a:t>
+            </a:r>
+            <a:r>
+              <a:rPr lang="en-US" altLang="zh-CN" sz="3200" dirty="0">
+                <a:solidFill>
+                  <a:srgbClr val="1F2328"/>
+                </a:solidFill>
+                <a:latin typeface="-apple-system"/>
+              </a:rPr>
+              <a:t> O</a:t>
+            </a:r>
+            <a:r>
+              <a:rPr lang="pl-PL" altLang="zh-CN" sz="3200" dirty="0">
+                <a:solidFill>
+                  <a:srgbClr val="1F2328"/>
+                </a:solidFill>
+                <a:latin typeface="-apple-system"/>
+              </a:rPr>
+              <a:t>12, </a:t>
+            </a:r>
+            <a:r>
+              <a:rPr lang="en-US" altLang="zh-CN" sz="3200" dirty="0">
+                <a:solidFill>
+                  <a:srgbClr val="1F2328"/>
+                </a:solidFill>
+                <a:latin typeface="-apple-system"/>
+              </a:rPr>
+              <a:t> 0</a:t>
+            </a:r>
+            <a:r>
+              <a:rPr lang="pl-PL" altLang="zh-CN" sz="3200" dirty="0">
+                <a:solidFill>
+                  <a:srgbClr val="1F2328"/>
+                </a:solidFill>
+                <a:latin typeface="-apple-system"/>
+              </a:rPr>
+              <a:t>xC</a:t>
+            </a:r>
+          </a:p>
+          <a:p>
+            <a:pPr>
+              <a:buFont typeface="Arial" panose="020B0604020202020204" pitchFamily="34" charset="0"/>
+              <a:buChar char="•"/>
+            </a:pPr>
+            <a:r>
+              <a:rPr lang="pl-PL" altLang="zh-CN" sz="3200" dirty="0">
+                <a:solidFill>
+                  <a:srgbClr val="1F2328"/>
+                </a:solidFill>
+                <a:latin typeface="-apple-system"/>
+              </a:rPr>
+              <a:t>(c) 3.14, </a:t>
+            </a:r>
+            <a:r>
+              <a:rPr lang="en-US" altLang="zh-CN" sz="3200" dirty="0">
+                <a:solidFill>
+                  <a:srgbClr val="1F2328"/>
+                </a:solidFill>
+                <a:latin typeface="-apple-system"/>
+              </a:rPr>
+              <a:t> </a:t>
+            </a:r>
+            <a:r>
+              <a:rPr lang="pl-PL" altLang="zh-CN" sz="3200" dirty="0">
+                <a:solidFill>
+                  <a:srgbClr val="1F2328"/>
+                </a:solidFill>
+                <a:latin typeface="-apple-system"/>
+              </a:rPr>
+              <a:t>3.14f, </a:t>
+            </a:r>
+            <a:r>
+              <a:rPr lang="en-US" altLang="zh-CN" sz="3200" dirty="0">
+                <a:solidFill>
+                  <a:srgbClr val="1F2328"/>
+                </a:solidFill>
+                <a:latin typeface="-apple-system"/>
+              </a:rPr>
+              <a:t> </a:t>
+            </a:r>
+            <a:r>
+              <a:rPr lang="pl-PL" altLang="zh-CN" sz="3200" dirty="0">
+                <a:solidFill>
+                  <a:srgbClr val="1F2328"/>
+                </a:solidFill>
+                <a:latin typeface="-apple-system"/>
+              </a:rPr>
+              <a:t>3.14L</a:t>
+            </a:r>
+          </a:p>
+          <a:p>
+            <a:pPr>
+              <a:buFont typeface="Arial" panose="020B0604020202020204" pitchFamily="34" charset="0"/>
+              <a:buChar char="•"/>
+            </a:pPr>
+            <a:r>
+              <a:rPr lang="pl-PL" altLang="zh-CN" sz="3200" dirty="0">
+                <a:solidFill>
+                  <a:srgbClr val="1F2328"/>
+                </a:solidFill>
+                <a:latin typeface="-apple-system"/>
+              </a:rPr>
+              <a:t>(d) 10, </a:t>
+            </a:r>
+            <a:r>
+              <a:rPr lang="en-US" altLang="zh-CN" sz="3200" dirty="0">
+                <a:solidFill>
+                  <a:srgbClr val="1F2328"/>
+                </a:solidFill>
+                <a:latin typeface="-apple-system"/>
+              </a:rPr>
+              <a:t> </a:t>
+            </a:r>
+            <a:r>
+              <a:rPr lang="pl-PL" altLang="zh-CN" sz="3200" dirty="0">
+                <a:solidFill>
+                  <a:srgbClr val="1F2328"/>
+                </a:solidFill>
+                <a:latin typeface="-apple-system"/>
+              </a:rPr>
+              <a:t>10u, </a:t>
+            </a:r>
+            <a:r>
+              <a:rPr lang="en-US" altLang="zh-CN" sz="3200" dirty="0">
+                <a:solidFill>
+                  <a:srgbClr val="1F2328"/>
+                </a:solidFill>
+                <a:latin typeface="-apple-system"/>
+              </a:rPr>
+              <a:t> </a:t>
+            </a:r>
+            <a:r>
+              <a:rPr lang="pl-PL" altLang="zh-CN" sz="3200" dirty="0">
+                <a:solidFill>
+                  <a:srgbClr val="1F2328"/>
+                </a:solidFill>
+                <a:latin typeface="-apple-system"/>
+              </a:rPr>
+              <a:t>10., </a:t>
+            </a:r>
+            <a:r>
+              <a:rPr lang="en-US" altLang="zh-CN" sz="3200" dirty="0">
+                <a:solidFill>
+                  <a:srgbClr val="1F2328"/>
+                </a:solidFill>
+                <a:latin typeface="-apple-system"/>
+              </a:rPr>
+              <a:t>  </a:t>
+            </a:r>
+            <a:r>
+              <a:rPr lang="pl-PL" altLang="zh-CN" sz="3200" dirty="0">
+                <a:solidFill>
+                  <a:srgbClr val="1F2328"/>
+                </a:solidFill>
+                <a:latin typeface="-apple-system"/>
+              </a:rPr>
+              <a:t>10e-2</a:t>
+            </a:r>
+            <a:endParaRPr lang="pl-PL" altLang="zh-CN" sz="3200" b="0" i="0" dirty="0">
+              <a:solidFill>
+                <a:srgbClr val="1F2328"/>
+              </a:solidFill>
+              <a:effectLst/>
+              <a:latin typeface="-apple-system"/>
+            </a:endParaRPr>
           </a:p>
         </p:txBody>
       </p:sp>
     </p:spTree>
     <p:extLst>
       <p:ext uri="{BB962C8B-B14F-4D97-AF65-F5344CB8AC3E}">
-        <p14:creationId xmlns:p14="http://schemas.microsoft.com/office/powerpoint/2010/main" val="1465738159"/>
+        <p14:creationId xmlns:p14="http://schemas.microsoft.com/office/powerpoint/2010/main" val="966399813"/>
       </p:ext>
     </p:extLst>
   </p:cSld>
@@ -11875,7 +13426,7 @@
         <p:spPr>
           <a:xfrm>
             <a:off x="518176" y="466545"/>
-            <a:ext cx="11356324" cy="1200329"/>
+            <a:ext cx="11000724" cy="1200329"/>
           </a:xfrm>
           <a:prstGeom prst="rect">
             <a:avLst/>
@@ -11892,23 +13443,23 @@
               <a:rPr lang="en-US" altLang="zh-CN" sz="7200" b="1" dirty="0">
                 <a:latin typeface="+mn-ea"/>
               </a:rPr>
-              <a:t>exercise4:</a:t>
+              <a:t>exercise3: </a:t>
             </a:r>
             <a:r>
               <a:rPr lang="zh-CN" altLang="en-US" sz="7200" b="1" dirty="0">
                 <a:latin typeface="+mn-ea"/>
               </a:rPr>
-              <a:t>声明和定义</a:t>
-            </a:r>
-          </a:p>
-        </p:txBody>
-      </p:sp>
-      <p:sp>
-        <p:nvSpPr>
-          <p:cNvPr id="2" name="矩形 1">
-            <a:extLst>
-              <a:ext uri="{FF2B5EF4-FFF2-40B4-BE49-F238E27FC236}">
-                <a16:creationId xmlns:a16="http://schemas.microsoft.com/office/drawing/2014/main" id="{EE66CEC7-2221-4903-A1EF-F183B8418A0E}"/>
+              <a:t>默认初始化</a:t>
+            </a:r>
+          </a:p>
+        </p:txBody>
+      </p:sp>
+      <p:sp>
+        <p:nvSpPr>
+          <p:cNvPr id="6" name="矩形 5">
+            <a:extLst>
+              <a:ext uri="{FF2B5EF4-FFF2-40B4-BE49-F238E27FC236}">
+                <a16:creationId xmlns:a16="http://schemas.microsoft.com/office/drawing/2014/main" id="{324ED581-399C-42D9-B54D-CBC91D72C804}"/>
               </a:ext>
             </a:extLst>
           </p:cNvPr>
@@ -11917,14 +13468,51 @@
         </p:nvSpPr>
         <p:spPr>
           <a:xfrm>
-            <a:off x="4711700" y="2400299"/>
-            <a:ext cx="6096000" cy="2246769"/>
+            <a:off x="4630256" y="1771976"/>
+            <a:ext cx="4852610" cy="523220"/>
           </a:xfrm>
           <a:prstGeom prst="rect">
             <a:avLst/>
           </a:prstGeom>
         </p:spPr>
         <p:txBody>
+          <a:bodyPr wrap="none">
+            <a:spAutoFit/>
+          </a:bodyPr>
+          <a:lstStyle/>
+          <a:p>
+            <a:r>
+              <a:rPr lang="zh-CN" altLang="en-US" sz="2800" dirty="0">
+                <a:latin typeface="-apple-system"/>
+              </a:rPr>
+              <a:t>下列变量的初值分别是什么？</a:t>
+            </a:r>
+            <a:endParaRPr lang="zh-CN" altLang="en-US" sz="2800" dirty="0"/>
+          </a:p>
+        </p:txBody>
+      </p:sp>
+      <p:sp>
+        <p:nvSpPr>
+          <p:cNvPr id="10" name="矩形 9">
+            <a:extLst>
+              <a:ext uri="{FF2B5EF4-FFF2-40B4-BE49-F238E27FC236}">
+                <a16:creationId xmlns:a16="http://schemas.microsoft.com/office/drawing/2014/main" id="{65673DA6-E626-4D56-8125-DF6793B739DE}"/>
+              </a:ext>
+            </a:extLst>
+          </p:cNvPr>
+          <p:cNvSpPr/>
+          <p:nvPr/>
+        </p:nvSpPr>
+        <p:spPr>
+          <a:xfrm>
+            <a:off x="4676417" y="2609673"/>
+            <a:ext cx="6096000" cy="3108543"/>
+          </a:xfrm>
+          <a:prstGeom prst="rect">
+            <a:avLst/>
+          </a:prstGeom>
+        </p:spPr>
+        <p:txBody>
           <a:bodyPr>
             <a:spAutoFit/>
           </a:bodyPr>
@@ -11932,28 +13520,43 @@
           <a:p>
             <a:r>
               <a:rPr lang="zh-CN" altLang="en-US" sz="2800" dirty="0"/>
-              <a:t> 指出下面的语句是声明还是定义：</a:t>
-            </a:r>
-          </a:p>
-          <a:p>
-            <a:endParaRPr lang="zh-CN" altLang="en-US" sz="2800" dirty="0"/>
+              <a:t>std::string global_str;</a:t>
+            </a:r>
           </a:p>
           <a:p>
             <a:r>
               <a:rPr lang="zh-CN" altLang="en-US" sz="2800" dirty="0"/>
-              <a:t> (a) extern int ix = 1024;</a:t>
+              <a:t>int global_int;</a:t>
             </a:r>
           </a:p>
           <a:p>
             <a:r>
               <a:rPr lang="zh-CN" altLang="en-US" sz="2800" dirty="0"/>
-              <a:t> (b) int iy;</a:t>
+              <a:t>int main()</a:t>
             </a:r>
           </a:p>
           <a:p>
             <a:r>
               <a:rPr lang="zh-CN" altLang="en-US" sz="2800" dirty="0"/>
-              <a:t> (c) extern int iz;</a:t>
+              <a:t>{</a:t>
+            </a:r>
+          </a:p>
+          <a:p>
+            <a:r>
+              <a:rPr lang="zh-CN" altLang="en-US" sz="2800" dirty="0"/>
+              <a:t>    int local_int;</a:t>
+            </a:r>
+          </a:p>
+          <a:p>
+            <a:r>
+              <a:rPr lang="zh-CN" altLang="en-US" sz="2800" dirty="0"/>
+              <a:t>    std::string local_str;</a:t>
+            </a:r>
+          </a:p>
+          <a:p>
+            <a:r>
+              <a:rPr lang="zh-CN" altLang="en-US" sz="2800" dirty="0"/>
+              <a:t>}</a:t>
             </a:r>
           </a:p>
         </p:txBody>
@@ -11961,7 +13564,7 @@
     </p:spTree>
     <p:extLst>
       <p:ext uri="{BB962C8B-B14F-4D97-AF65-F5344CB8AC3E}">
-        <p14:creationId xmlns:p14="http://schemas.microsoft.com/office/powerpoint/2010/main" val="3248997922"/>
+        <p14:creationId xmlns:p14="http://schemas.microsoft.com/office/powerpoint/2010/main" val="1465738159"/>
       </p:ext>
     </p:extLst>
   </p:cSld>
@@ -12039,7 +13642,7 @@
         <p:spPr>
           <a:xfrm>
             <a:off x="518176" y="466545"/>
-            <a:ext cx="9298924" cy="1200329"/>
+            <a:ext cx="11356324" cy="1200329"/>
           </a:xfrm>
           <a:prstGeom prst="rect">
             <a:avLst/>
@@ -12056,13 +13659,13 @@
               <a:rPr lang="en-US" altLang="zh-CN" sz="7200" b="1" dirty="0">
                 <a:latin typeface="+mn-ea"/>
               </a:rPr>
-              <a:t>exercise5</a:t>
+              <a:t>exercise4:</a:t>
             </a:r>
             <a:r>
               <a:rPr lang="zh-CN" altLang="en-US" sz="7200" b="1" dirty="0">
                 <a:latin typeface="+mn-ea"/>
               </a:rPr>
-              <a:t>：变量命名</a:t>
+              <a:t>声明和定义</a:t>
             </a:r>
           </a:p>
         </p:txBody>
@@ -12082,7 +13685,7 @@
         <p:spPr>
           <a:xfrm>
             <a:off x="4711700" y="2400299"/>
-            <a:ext cx="6096000" cy="3108543"/>
+            <a:ext cx="6096000" cy="2246769"/>
           </a:xfrm>
           <a:prstGeom prst="rect">
             <a:avLst/>
@@ -12096,7 +13699,7 @@
           <a:p>
             <a:r>
               <a:rPr lang="zh-CN" altLang="en-US" sz="2800" dirty="0"/>
-              <a:t>请指出下面的名字中哪些是非法的？</a:t>
+              <a:t> 指出下面的语句是声明还是定义：</a:t>
             </a:r>
           </a:p>
           <a:p>
@@ -12104,49 +13707,28 @@
           </a:p>
           <a:p>
             <a:r>
-              <a:rPr lang="en-US" altLang="zh-CN" sz="2800" dirty="0"/>
-              <a:t>(a) int double = 3.14;</a:t>
-            </a:r>
-          </a:p>
-          <a:p>
-            <a:r>
-              <a:rPr lang="en-US" altLang="zh-CN" sz="2800" dirty="0"/>
-              <a:t>(b) int _;</a:t>
-            </a:r>
-          </a:p>
-          <a:p>
-            <a:r>
-              <a:rPr lang="en-US" altLang="zh-CN" sz="2800" dirty="0"/>
-              <a:t>(c) int catch-22;</a:t>
-            </a:r>
-          </a:p>
-          <a:p>
-            <a:r>
-              <a:rPr lang="en-US" altLang="zh-CN" sz="2800" dirty="0"/>
-              <a:t>(d) int 1_or_2 = 1;</a:t>
-            </a:r>
-          </a:p>
-          <a:p>
-            <a:r>
-              <a:rPr lang="en-US" altLang="zh-CN" sz="2800" dirty="0"/>
-              <a:t>(e) double </a:t>
-            </a:r>
-            <a:r>
-              <a:rPr lang="en-US" altLang="zh-CN" sz="2800" dirty="0" err="1"/>
-              <a:t>Double</a:t>
-            </a:r>
-            <a:r>
-              <a:rPr lang="en-US" altLang="zh-CN" sz="2800" dirty="0"/>
-              <a:t> = 3.14;</a:t>
-            </a:r>
-            <a:endParaRPr lang="zh-CN" altLang="en-US" sz="2800" dirty="0"/>
+              <a:rPr lang="zh-CN" altLang="en-US" sz="2800" dirty="0"/>
+              <a:t> (a) extern int ix = 1024;</a:t>
+            </a:r>
+          </a:p>
+          <a:p>
+            <a:r>
+              <a:rPr lang="zh-CN" altLang="en-US" sz="2800" dirty="0"/>
+              <a:t> (b) int iy;</a:t>
+            </a:r>
+          </a:p>
+          <a:p>
+            <a:r>
+              <a:rPr lang="zh-CN" altLang="en-US" sz="2800" dirty="0"/>
+              <a:t> (c) extern int iz;</a:t>
+            </a:r>
           </a:p>
         </p:txBody>
       </p:sp>
     </p:spTree>
     <p:extLst>
       <p:ext uri="{BB962C8B-B14F-4D97-AF65-F5344CB8AC3E}">
-        <p14:creationId xmlns:p14="http://schemas.microsoft.com/office/powerpoint/2010/main" val="1439999457"/>
+        <p14:creationId xmlns:p14="http://schemas.microsoft.com/office/powerpoint/2010/main" val="3248997922"/>
       </p:ext>
     </p:extLst>
   </p:cSld>
@@ -12224,7 +13806,7 @@
         <p:spPr>
           <a:xfrm>
             <a:off x="518176" y="466545"/>
-            <a:ext cx="7609824" cy="1200329"/>
+            <a:ext cx="9298924" cy="1200329"/>
           </a:xfrm>
           <a:prstGeom prst="rect">
             <a:avLst/>
@@ -12241,128 +13823,97 @@
               <a:rPr lang="en-US" altLang="zh-CN" sz="7200" b="1" dirty="0">
                 <a:latin typeface="+mn-ea"/>
               </a:rPr>
-              <a:t>exercise6:</a:t>
+              <a:t>exercise5</a:t>
             </a:r>
             <a:r>
               <a:rPr lang="zh-CN" altLang="en-US" sz="7200" b="1" dirty="0">
                 <a:latin typeface="+mn-ea"/>
               </a:rPr>
-              <a:t>作用域</a:t>
-            </a:r>
-          </a:p>
-        </p:txBody>
-      </p:sp>
-      <p:sp>
-        <p:nvSpPr>
-          <p:cNvPr id="4" name="文本框 3">
-            <a:extLst>
-              <a:ext uri="{FF2B5EF4-FFF2-40B4-BE49-F238E27FC236}">
-                <a16:creationId xmlns:a16="http://schemas.microsoft.com/office/drawing/2014/main" id="{FF061744-ECCD-4F85-BBEE-D7B712F42667}"/>
-              </a:ext>
-            </a:extLst>
-          </p:cNvPr>
-          <p:cNvSpPr txBox="1"/>
+              <a:t>：变量命名</a:t>
+            </a:r>
+          </a:p>
+        </p:txBody>
+      </p:sp>
+      <p:sp>
+        <p:nvSpPr>
+          <p:cNvPr id="2" name="矩形 1">
+            <a:extLst>
+              <a:ext uri="{FF2B5EF4-FFF2-40B4-BE49-F238E27FC236}">
+                <a16:creationId xmlns:a16="http://schemas.microsoft.com/office/drawing/2014/main" id="{EE66CEC7-2221-4903-A1EF-F183B8418A0E}"/>
+              </a:ext>
+            </a:extLst>
+          </p:cNvPr>
+          <p:cNvSpPr/>
           <p:nvPr/>
         </p:nvSpPr>
         <p:spPr>
           <a:xfrm>
-            <a:off x="5029200" y="1946463"/>
-            <a:ext cx="5143500" cy="4031873"/>
+            <a:off x="4711700" y="2400299"/>
+            <a:ext cx="6096000" cy="3108543"/>
           </a:xfrm>
           <a:prstGeom prst="rect">
             <a:avLst/>
           </a:prstGeom>
-          <a:noFill/>
         </p:spPr>
         <p:txBody>
-          <a:bodyPr wrap="square" rtlCol="0">
+          <a:bodyPr>
             <a:spAutoFit/>
           </a:bodyPr>
           <a:lstStyle/>
           <a:p>
             <a:r>
-              <a:rPr lang="zh-CN" altLang="en-US" sz="3200" dirty="0"/>
-              <a:t>下面程序中 </a:t>
-            </a:r>
-            <a:r>
-              <a:rPr lang="en-US" altLang="zh-CN" sz="3200" dirty="0"/>
-              <a:t>j </a:t>
-            </a:r>
-            <a:r>
-              <a:rPr lang="zh-CN" altLang="en-US" sz="3200" dirty="0"/>
-              <a:t>的值是多少？</a:t>
-            </a:r>
-          </a:p>
-          <a:p>
-            <a:endParaRPr lang="zh-CN" altLang="en-US" sz="3200" dirty="0"/>
-          </a:p>
-          <a:p>
-            <a:r>
-              <a:rPr lang="en-US" altLang="zh-CN" sz="3200" dirty="0"/>
-              <a:t>int </a:t>
-            </a:r>
-            <a:r>
-              <a:rPr lang="en-US" altLang="zh-CN" sz="3200" dirty="0" err="1"/>
-              <a:t>i</a:t>
-            </a:r>
-            <a:r>
-              <a:rPr lang="en-US" altLang="zh-CN" sz="3200" dirty="0"/>
-              <a:t> = 42;</a:t>
-            </a:r>
-          </a:p>
-          <a:p>
-            <a:r>
-              <a:rPr lang="en-US" altLang="zh-CN" sz="3200" dirty="0"/>
-              <a:t>int main()</a:t>
-            </a:r>
-          </a:p>
-          <a:p>
-            <a:r>
-              <a:rPr lang="en-US" altLang="zh-CN" sz="3200" dirty="0"/>
-              <a:t>{</a:t>
-            </a:r>
-          </a:p>
-          <a:p>
-            <a:r>
-              <a:rPr lang="en-US" altLang="zh-CN" sz="3200" dirty="0"/>
-              <a:t>    int </a:t>
-            </a:r>
-            <a:r>
-              <a:rPr lang="en-US" altLang="zh-CN" sz="3200" dirty="0" err="1"/>
-              <a:t>i</a:t>
-            </a:r>
-            <a:r>
-              <a:rPr lang="en-US" altLang="zh-CN" sz="3200" dirty="0"/>
-              <a:t> = 100;</a:t>
-            </a:r>
-          </a:p>
-          <a:p>
-            <a:r>
-              <a:rPr lang="en-US" altLang="zh-CN" sz="3200" dirty="0"/>
-              <a:t>    int j = </a:t>
-            </a:r>
-            <a:r>
-              <a:rPr lang="en-US" altLang="zh-CN" sz="3200" dirty="0" err="1"/>
-              <a:t>i</a:t>
-            </a:r>
-            <a:r>
-              <a:rPr lang="en-US" altLang="zh-CN" sz="3200" dirty="0"/>
-              <a:t>;</a:t>
-            </a:r>
-          </a:p>
-          <a:p>
-            <a:r>
-              <a:rPr lang="en-US" altLang="zh-CN" sz="3200" dirty="0"/>
-              <a:t>}</a:t>
-            </a:r>
-            <a:endParaRPr lang="zh-CN" altLang="en-US" sz="3200" dirty="0"/>
+              <a:rPr lang="zh-CN" altLang="en-US" sz="2800" dirty="0"/>
+              <a:t>请指出下面的名字中哪些是非法的？</a:t>
+            </a:r>
+          </a:p>
+          <a:p>
+            <a:endParaRPr lang="zh-CN" altLang="en-US" sz="2800" dirty="0"/>
+          </a:p>
+          <a:p>
+            <a:r>
+              <a:rPr lang="en-US" altLang="zh-CN" sz="2800" dirty="0"/>
+              <a:t>(a) int double = 3.14;</a:t>
+            </a:r>
+          </a:p>
+          <a:p>
+            <a:r>
+              <a:rPr lang="en-US" altLang="zh-CN" sz="2800" dirty="0"/>
+              <a:t>(b) int _;</a:t>
+            </a:r>
+          </a:p>
+          <a:p>
+            <a:r>
+              <a:rPr lang="en-US" altLang="zh-CN" sz="2800" dirty="0"/>
+              <a:t>(c) int catch-22;</a:t>
+            </a:r>
+          </a:p>
+          <a:p>
+            <a:r>
+              <a:rPr lang="en-US" altLang="zh-CN" sz="2800" dirty="0"/>
+              <a:t>(d) int 1_or_2 = 1;</a:t>
+            </a:r>
+          </a:p>
+          <a:p>
+            <a:r>
+              <a:rPr lang="en-US" altLang="zh-CN" sz="2800" dirty="0"/>
+              <a:t>(e) double </a:t>
+            </a:r>
+            <a:r>
+              <a:rPr lang="en-US" altLang="zh-CN" sz="2800" dirty="0" err="1"/>
+              <a:t>Double</a:t>
+            </a:r>
+            <a:r>
+              <a:rPr lang="en-US" altLang="zh-CN" sz="2800" dirty="0"/>
+              <a:t> = 3.14;</a:t>
+            </a:r>
+            <a:endParaRPr lang="zh-CN" altLang="en-US" sz="2800" dirty="0"/>
           </a:p>
         </p:txBody>
       </p:sp>
     </p:spTree>
     <p:extLst>
       <p:ext uri="{BB962C8B-B14F-4D97-AF65-F5344CB8AC3E}">
-        <p14:creationId xmlns:p14="http://schemas.microsoft.com/office/powerpoint/2010/main" val="669420447"/>
+        <p14:creationId xmlns:p14="http://schemas.microsoft.com/office/powerpoint/2010/main" val="1439999457"/>
       </p:ext>
     </p:extLst>
   </p:cSld>
@@ -12440,7 +13991,7 @@
         <p:spPr>
           <a:xfrm>
             <a:off x="518176" y="466545"/>
-            <a:ext cx="9654524" cy="1200329"/>
+            <a:ext cx="7609824" cy="1200329"/>
           </a:xfrm>
           <a:prstGeom prst="rect">
             <a:avLst/>
@@ -12457,13 +14008,13 @@
               <a:rPr lang="en-US" altLang="zh-CN" sz="7200" b="1" dirty="0">
                 <a:latin typeface="+mn-ea"/>
               </a:rPr>
-              <a:t>exercise7:</a:t>
+              <a:t>exercise6:</a:t>
             </a:r>
             <a:r>
               <a:rPr lang="zh-CN" altLang="en-US" sz="7200" b="1" dirty="0">
                 <a:latin typeface="+mn-ea"/>
               </a:rPr>
-              <a:t>引用的定义</a:t>
+              <a:t>作用域</a:t>
             </a:r>
           </a:p>
         </p:txBody>
@@ -12483,7 +14034,7 @@
         <p:spPr>
           <a:xfrm>
             <a:off x="5029200" y="1946463"/>
-            <a:ext cx="5143500" cy="3539430"/>
+            <a:ext cx="5143500" cy="4031873"/>
           </a:xfrm>
           <a:prstGeom prst="rect">
             <a:avLst/>
@@ -12498,7 +14049,15 @@
           <a:p>
             <a:r>
               <a:rPr lang="zh-CN" altLang="en-US" sz="3200" dirty="0"/>
-              <a:t>下面的哪个定义是不合法的？为什么？</a:t>
+              <a:t>下面程序中 </a:t>
+            </a:r>
+            <a:r>
+              <a:rPr lang="en-US" altLang="zh-CN" sz="3200" dirty="0"/>
+              <a:t>j </a:t>
+            </a:r>
+            <a:r>
+              <a:rPr lang="zh-CN" altLang="en-US" sz="3200" dirty="0"/>
+              <a:t>的值是多少？</a:t>
             </a:r>
           </a:p>
           <a:p>
@@ -12507,31 +14066,51 @@
           <a:p>
             <a:r>
               <a:rPr lang="en-US" altLang="zh-CN" sz="3200" dirty="0"/>
-              <a:t>(a) int </a:t>
+              <a:t>int </a:t>
             </a:r>
             <a:r>
               <a:rPr lang="en-US" altLang="zh-CN" sz="3200" dirty="0" err="1"/>
-              <a:t>ival</a:t>
+              <a:t>i</a:t>
             </a:r>
             <a:r>
               <a:rPr lang="en-US" altLang="zh-CN" sz="3200" dirty="0"/>
-              <a:t> = 1.01;</a:t>
+              <a:t> = 42;</a:t>
             </a:r>
           </a:p>
           <a:p>
             <a:r>
               <a:rPr lang="en-US" altLang="zh-CN" sz="3200" dirty="0"/>
-              <a:t>(b) int &amp;rval1 = 1.01;</a:t>
+              <a:t>int main()</a:t>
             </a:r>
           </a:p>
           <a:p>
             <a:r>
               <a:rPr lang="en-US" altLang="zh-CN" sz="3200" dirty="0"/>
-              <a:t>(c) int &amp;rval2 = </a:t>
+              <a:t>{</a:t>
+            </a:r>
+          </a:p>
+          <a:p>
+            <a:r>
+              <a:rPr lang="en-US" altLang="zh-CN" sz="3200" dirty="0"/>
+              <a:t>    int </a:t>
             </a:r>
             <a:r>
               <a:rPr lang="en-US" altLang="zh-CN" sz="3200" dirty="0" err="1"/>
-              <a:t>ival</a:t>
+              <a:t>i</a:t>
+            </a:r>
+            <a:r>
+              <a:rPr lang="en-US" altLang="zh-CN" sz="3200" dirty="0"/>
+              <a:t> = 100;</a:t>
+            </a:r>
+          </a:p>
+          <a:p>
+            <a:r>
+              <a:rPr lang="en-US" altLang="zh-CN" sz="3200" dirty="0"/>
+              <a:t>    int j = </a:t>
+            </a:r>
+            <a:r>
+              <a:rPr lang="en-US" altLang="zh-CN" sz="3200" dirty="0" err="1"/>
+              <a:t>i</a:t>
             </a:r>
             <a:r>
               <a:rPr lang="en-US" altLang="zh-CN" sz="3200" dirty="0"/>
@@ -12541,7 +14120,7 @@
           <a:p>
             <a:r>
               <a:rPr lang="en-US" altLang="zh-CN" sz="3200" dirty="0"/>
-              <a:t>(d) int &amp;rval3;</a:t>
+              <a:t>}</a:t>
             </a:r>
             <a:endParaRPr lang="zh-CN" altLang="en-US" sz="3200" dirty="0"/>
           </a:p>
@@ -12550,7 +14129,7 @@
     </p:spTree>
     <p:extLst>
       <p:ext uri="{BB962C8B-B14F-4D97-AF65-F5344CB8AC3E}">
-        <p14:creationId xmlns:p14="http://schemas.microsoft.com/office/powerpoint/2010/main" val="1778427870"/>
+        <p14:creationId xmlns:p14="http://schemas.microsoft.com/office/powerpoint/2010/main" val="669420447"/>
       </p:ext>
     </p:extLst>
   </p:cSld>

--- a/C++课件.pptx
+++ b/C++课件.pptx
@@ -5,11 +5,11 @@
     <p:sldMasterId id="2147483648" r:id="rId1"/>
   </p:sldMasterIdLst>
   <p:notesMasterIdLst>
-    <p:notesMasterId r:id="rId32"/>
+    <p:notesMasterId r:id="rId24"/>
   </p:notesMasterIdLst>
   <p:sldIdLst>
     <p:sldId id="256" r:id="rId2"/>
-    <p:sldId id="257" r:id="rId3"/>
+    <p:sldId id="293" r:id="rId3"/>
     <p:sldId id="269" r:id="rId4"/>
     <p:sldId id="286" r:id="rId5"/>
     <p:sldId id="265" r:id="rId6"/>
@@ -27,17 +27,9 @@
     <p:sldId id="288" r:id="rId18"/>
     <p:sldId id="289" r:id="rId19"/>
     <p:sldId id="290" r:id="rId20"/>
-    <p:sldId id="270" r:id="rId21"/>
-    <p:sldId id="258" r:id="rId22"/>
-    <p:sldId id="260" r:id="rId23"/>
-    <p:sldId id="261" r:id="rId24"/>
-    <p:sldId id="263" r:id="rId25"/>
-    <p:sldId id="267" r:id="rId26"/>
-    <p:sldId id="268" r:id="rId27"/>
-    <p:sldId id="271" r:id="rId28"/>
-    <p:sldId id="272" r:id="rId29"/>
-    <p:sldId id="273" r:id="rId30"/>
-    <p:sldId id="274" r:id="rId31"/>
+    <p:sldId id="291" r:id="rId21"/>
+    <p:sldId id="292" r:id="rId22"/>
+    <p:sldId id="263" r:id="rId23"/>
   </p:sldIdLst>
   <p:sldSz cx="12192000" cy="6858000"/>
   <p:notesSz cx="6858000" cy="9144000"/>
@@ -578,7 +570,7 @@
     </p:spTree>
     <p:extLst>
       <p:ext uri="{BB962C8B-B14F-4D97-AF65-F5344CB8AC3E}">
-        <p14:creationId xmlns:p14="http://schemas.microsoft.com/office/powerpoint/2010/main" val="808304189"/>
+        <p14:creationId xmlns:p14="http://schemas.microsoft.com/office/powerpoint/2010/main" val="2313779218"/>
       </p:ext>
     </p:extLst>
   </p:cSld>
@@ -633,222 +625,107 @@
           <a:lstStyle/>
           <a:p>
             <a:r>
-              <a:rPr lang="en-US" altLang="zh-CN" sz="1200" b="0" i="0" kern="1200" dirty="0">
-                <a:solidFill>
-                  <a:schemeClr val="tx1"/>
-                </a:solidFill>
-                <a:effectLst/>
-                <a:latin typeface="+mn-lt"/>
-                <a:ea typeface="+mn-ea"/>
-                <a:cs typeface="+mn-cs"/>
-              </a:rPr>
-              <a:t>v2 </a:t>
-            </a:r>
-            <a:r>
-              <a:rPr lang="zh-CN" altLang="en-US" sz="1200" b="0" i="0" kern="1200" dirty="0">
-                <a:solidFill>
-                  <a:schemeClr val="tx1"/>
-                </a:solidFill>
-                <a:effectLst/>
-                <a:latin typeface="+mn-lt"/>
-                <a:ea typeface="+mn-ea"/>
-                <a:cs typeface="+mn-cs"/>
-              </a:rPr>
-              <a:t>是顶层</a:t>
-            </a:r>
-            <a:r>
-              <a:rPr lang="en-US" altLang="zh-CN" sz="1200" b="0" i="0" kern="1200" dirty="0">
-                <a:solidFill>
-                  <a:schemeClr val="tx1"/>
-                </a:solidFill>
-                <a:effectLst/>
-                <a:latin typeface="+mn-lt"/>
-                <a:ea typeface="+mn-ea"/>
-                <a:cs typeface="+mn-cs"/>
-              </a:rPr>
-              <a:t>const</a:t>
-            </a:r>
-            <a:r>
-              <a:rPr lang="zh-CN" altLang="en-US" sz="1200" b="0" i="0" kern="1200" dirty="0">
-                <a:solidFill>
-                  <a:schemeClr val="tx1"/>
-                </a:solidFill>
-                <a:effectLst/>
-                <a:latin typeface="+mn-lt"/>
-                <a:ea typeface="+mn-ea"/>
-                <a:cs typeface="+mn-cs"/>
-              </a:rPr>
-              <a:t>，</a:t>
-            </a:r>
-            <a:r>
-              <a:rPr lang="en-US" altLang="zh-CN" sz="1200" b="0" i="0" kern="1200" dirty="0">
-                <a:solidFill>
-                  <a:schemeClr val="tx1"/>
-                </a:solidFill>
-                <a:effectLst/>
-                <a:latin typeface="+mn-lt"/>
-                <a:ea typeface="+mn-ea"/>
-                <a:cs typeface="+mn-cs"/>
-              </a:rPr>
-              <a:t>p2 </a:t>
-            </a:r>
-            <a:r>
-              <a:rPr lang="zh-CN" altLang="en-US" sz="1200" b="0" i="0" kern="1200" dirty="0">
-                <a:solidFill>
-                  <a:schemeClr val="tx1"/>
-                </a:solidFill>
-                <a:effectLst/>
-                <a:latin typeface="+mn-lt"/>
-                <a:ea typeface="+mn-ea"/>
-                <a:cs typeface="+mn-cs"/>
-              </a:rPr>
-              <a:t>是底层</a:t>
-            </a:r>
-            <a:r>
-              <a:rPr lang="en-US" altLang="zh-CN" sz="1200" b="0" i="0" kern="1200" dirty="0">
-                <a:solidFill>
-                  <a:schemeClr val="tx1"/>
-                </a:solidFill>
-                <a:effectLst/>
-                <a:latin typeface="+mn-lt"/>
-                <a:ea typeface="+mn-ea"/>
-                <a:cs typeface="+mn-cs"/>
-              </a:rPr>
-              <a:t>const</a:t>
-            </a:r>
-            <a:r>
-              <a:rPr lang="zh-CN" altLang="en-US" sz="1200" b="0" i="0" kern="1200" dirty="0">
-                <a:solidFill>
-                  <a:schemeClr val="tx1"/>
-                </a:solidFill>
-                <a:effectLst/>
-                <a:latin typeface="+mn-lt"/>
-                <a:ea typeface="+mn-ea"/>
-                <a:cs typeface="+mn-cs"/>
-              </a:rPr>
-              <a:t>，</a:t>
-            </a:r>
-            <a:r>
-              <a:rPr lang="en-US" altLang="zh-CN" sz="1200" b="0" i="0" kern="1200" dirty="0">
-                <a:solidFill>
-                  <a:schemeClr val="tx1"/>
-                </a:solidFill>
-                <a:effectLst/>
-                <a:latin typeface="+mn-lt"/>
-                <a:ea typeface="+mn-ea"/>
-                <a:cs typeface="+mn-cs"/>
-              </a:rPr>
-              <a:t>p3 </a:t>
-            </a:r>
-            <a:r>
-              <a:rPr lang="zh-CN" altLang="en-US" sz="1200" b="0" i="0" kern="1200" dirty="0">
-                <a:solidFill>
-                  <a:schemeClr val="tx1"/>
-                </a:solidFill>
-                <a:effectLst/>
-                <a:latin typeface="+mn-lt"/>
-                <a:ea typeface="+mn-ea"/>
-                <a:cs typeface="+mn-cs"/>
-              </a:rPr>
-              <a:t>既是顶层</a:t>
-            </a:r>
-            <a:r>
-              <a:rPr lang="en-US" altLang="zh-CN" sz="1200" b="0" i="0" kern="1200" dirty="0">
-                <a:solidFill>
-                  <a:schemeClr val="tx1"/>
-                </a:solidFill>
-                <a:effectLst/>
-                <a:latin typeface="+mn-lt"/>
-                <a:ea typeface="+mn-ea"/>
-                <a:cs typeface="+mn-cs"/>
-              </a:rPr>
-              <a:t>const</a:t>
-            </a:r>
-            <a:r>
-              <a:rPr lang="zh-CN" altLang="en-US" sz="1200" b="0" i="0" kern="1200" dirty="0">
-                <a:solidFill>
-                  <a:schemeClr val="tx1"/>
-                </a:solidFill>
-                <a:effectLst/>
-                <a:latin typeface="+mn-lt"/>
-                <a:ea typeface="+mn-ea"/>
-                <a:cs typeface="+mn-cs"/>
-              </a:rPr>
-              <a:t>又是底层</a:t>
-            </a:r>
-            <a:r>
-              <a:rPr lang="en-US" altLang="zh-CN" sz="1200" b="0" i="0" kern="1200" dirty="0">
-                <a:solidFill>
-                  <a:schemeClr val="tx1"/>
-                </a:solidFill>
-                <a:effectLst/>
-                <a:latin typeface="+mn-lt"/>
-                <a:ea typeface="+mn-ea"/>
-                <a:cs typeface="+mn-cs"/>
-              </a:rPr>
-              <a:t>const</a:t>
-            </a:r>
-            <a:r>
-              <a:rPr lang="zh-CN" altLang="en-US" sz="1200" b="0" i="0" kern="1200" dirty="0">
-                <a:solidFill>
-                  <a:schemeClr val="tx1"/>
-                </a:solidFill>
-                <a:effectLst/>
-                <a:latin typeface="+mn-lt"/>
-                <a:ea typeface="+mn-ea"/>
-                <a:cs typeface="+mn-cs"/>
-              </a:rPr>
-              <a:t>，</a:t>
-            </a:r>
-            <a:r>
-              <a:rPr lang="en-US" altLang="zh-CN" sz="1200" b="0" i="0" kern="1200" dirty="0">
-                <a:solidFill>
-                  <a:schemeClr val="tx1"/>
-                </a:solidFill>
-                <a:effectLst/>
-                <a:latin typeface="+mn-lt"/>
-                <a:ea typeface="+mn-ea"/>
-                <a:cs typeface="+mn-cs"/>
-              </a:rPr>
-              <a:t>r2 </a:t>
-            </a:r>
-            <a:r>
-              <a:rPr lang="zh-CN" altLang="en-US" sz="1200" b="0" i="0" kern="1200" dirty="0">
-                <a:solidFill>
-                  <a:schemeClr val="tx1"/>
-                </a:solidFill>
-                <a:effectLst/>
-                <a:latin typeface="+mn-lt"/>
-                <a:ea typeface="+mn-ea"/>
-                <a:cs typeface="+mn-cs"/>
-              </a:rPr>
-              <a:t>是底层</a:t>
-            </a:r>
-            <a:r>
-              <a:rPr lang="en-US" altLang="zh-CN" sz="1200" b="0" i="0" kern="1200" dirty="0">
-                <a:solidFill>
-                  <a:schemeClr val="tx1"/>
-                </a:solidFill>
-                <a:effectLst/>
-                <a:latin typeface="+mn-lt"/>
-                <a:ea typeface="+mn-ea"/>
-                <a:cs typeface="+mn-cs"/>
-              </a:rPr>
-              <a:t>const</a:t>
-            </a:r>
-            <a:r>
-              <a:rPr lang="zh-CN" altLang="en-US" sz="1200" b="0" i="0" kern="1200" dirty="0">
-                <a:solidFill>
-                  <a:schemeClr val="tx1"/>
-                </a:solidFill>
-                <a:effectLst/>
-                <a:latin typeface="+mn-lt"/>
-                <a:ea typeface="+mn-ea"/>
-                <a:cs typeface="+mn-cs"/>
-              </a:rPr>
-              <a:t>。</a:t>
-            </a:r>
-            <a:endParaRPr lang="zh-CN" altLang="en-US" sz="1200" dirty="0"/>
+              <a:rPr lang="en-US" altLang="zh-CN" sz="1200" dirty="0"/>
+              <a:t>const int </a:t>
+            </a:r>
+            <a:r>
+              <a:rPr lang="en-US" altLang="zh-CN" sz="1200" dirty="0" err="1"/>
+              <a:t>buf</a:t>
+            </a:r>
+            <a:r>
+              <a:rPr lang="en-US" altLang="zh-CN" sz="1200" dirty="0"/>
+              <a:t>;      // </a:t>
+            </a:r>
+            <a:r>
+              <a:rPr lang="zh-CN" altLang="en-US" sz="1200" dirty="0"/>
+              <a:t>不合法</a:t>
+            </a:r>
+            <a:r>
+              <a:rPr lang="en-US" altLang="zh-CN" sz="1200" dirty="0"/>
+              <a:t>, const </a:t>
+            </a:r>
+            <a:r>
+              <a:rPr lang="zh-CN" altLang="en-US" sz="1200" dirty="0"/>
+              <a:t>对象必须初始化</a:t>
+            </a:r>
+          </a:p>
+          <a:p>
+            <a:r>
+              <a:rPr lang="en-US" altLang="zh-CN" sz="1200" dirty="0"/>
+              <a:t>int </a:t>
+            </a:r>
+            <a:r>
+              <a:rPr lang="en-US" altLang="zh-CN" sz="1200" dirty="0" err="1"/>
+              <a:t>cnt</a:t>
+            </a:r>
+            <a:r>
+              <a:rPr lang="en-US" altLang="zh-CN" sz="1200" dirty="0"/>
+              <a:t> = 0;        // </a:t>
+            </a:r>
+            <a:r>
+              <a:rPr lang="zh-CN" altLang="en-US" sz="1200" dirty="0"/>
+              <a:t>合法</a:t>
+            </a:r>
+          </a:p>
+          <a:p>
+            <a:r>
+              <a:rPr lang="en-US" altLang="zh-CN" sz="1200" dirty="0"/>
+              <a:t>const int </a:t>
+            </a:r>
+            <a:r>
+              <a:rPr lang="en-US" altLang="zh-CN" sz="1200" dirty="0" err="1"/>
+              <a:t>sz</a:t>
+            </a:r>
+            <a:r>
+              <a:rPr lang="en-US" altLang="zh-CN" sz="1200" dirty="0"/>
+              <a:t> = </a:t>
+            </a:r>
+            <a:r>
+              <a:rPr lang="en-US" altLang="zh-CN" sz="1200" dirty="0" err="1"/>
+              <a:t>cnt</a:t>
+            </a:r>
+            <a:r>
+              <a:rPr lang="en-US" altLang="zh-CN" sz="1200" dirty="0"/>
+              <a:t>; // </a:t>
+            </a:r>
+            <a:r>
+              <a:rPr lang="zh-CN" altLang="en-US" sz="1200" dirty="0"/>
+              <a:t>合法</a:t>
+            </a:r>
+          </a:p>
+          <a:p>
+            <a:r>
+              <a:rPr lang="en-US" altLang="zh-CN" sz="1200" dirty="0"/>
+              <a:t>++</a:t>
+            </a:r>
+            <a:r>
+              <a:rPr lang="en-US" altLang="zh-CN" sz="1200" dirty="0" err="1"/>
+              <a:t>cnt</a:t>
+            </a:r>
+            <a:r>
+              <a:rPr lang="en-US" altLang="zh-CN" sz="1200" dirty="0"/>
+              <a:t>; ++</a:t>
+            </a:r>
+            <a:r>
+              <a:rPr lang="en-US" altLang="zh-CN" sz="1200" dirty="0" err="1"/>
+              <a:t>sz</a:t>
+            </a:r>
+            <a:r>
+              <a:rPr lang="en-US" altLang="zh-CN" sz="1200" dirty="0"/>
+              <a:t>;        // </a:t>
+            </a:r>
+            <a:r>
+              <a:rPr lang="zh-CN" altLang="en-US" sz="1200" dirty="0"/>
+              <a:t>不合法</a:t>
+            </a:r>
+            <a:r>
+              <a:rPr lang="en-US" altLang="zh-CN" sz="1200" dirty="0"/>
+              <a:t>, const </a:t>
+            </a:r>
+            <a:r>
+              <a:rPr lang="zh-CN" altLang="en-US" sz="1200" dirty="0"/>
+              <a:t>对象不能被改变</a:t>
+            </a:r>
           </a:p>
         </p:txBody>
       </p:sp>
@@ -869,7 +746,7 @@
           <a:p>
             <a:fld id="{0111EF2A-CA54-46BA-9D19-E4C580B41F03}" type="slidenum">
               <a:rPr lang="zh-CN" altLang="en-US" smtClean="0"/>
-              <a:t>13</a:t>
+              <a:t>12</a:t>
             </a:fld>
             <a:endParaRPr lang="zh-CN" altLang="en-US"/>
           </a:p>
@@ -878,7 +755,7 @@
     </p:spTree>
     <p:extLst>
       <p:ext uri="{BB962C8B-B14F-4D97-AF65-F5344CB8AC3E}">
-        <p14:creationId xmlns:p14="http://schemas.microsoft.com/office/powerpoint/2010/main" val="1255297077"/>
+        <p14:creationId xmlns:p14="http://schemas.microsoft.com/office/powerpoint/2010/main" val="198492316"/>
       </p:ext>
     </p:extLst>
   </p:cSld>
@@ -942,7 +819,7 @@
                 <a:ea typeface="+mn-ea"/>
                 <a:cs typeface="+mn-cs"/>
               </a:rPr>
-              <a:t>j </a:t>
+              <a:t>v2 </a:t>
             </a:r>
             <a:r>
               <a:rPr lang="zh-CN" altLang="en-US" sz="1200" b="0" i="0" kern="1200" dirty="0">
@@ -954,7 +831,7 @@
                 <a:ea typeface="+mn-ea"/>
                 <a:cs typeface="+mn-cs"/>
               </a:rPr>
-              <a:t>是 </a:t>
+              <a:t>是顶层</a:t>
             </a:r>
             <a:r>
               <a:rPr lang="en-US" altLang="zh-CN" sz="1200" b="0" i="0" kern="1200" dirty="0">
@@ -966,7 +843,7 @@
                 <a:ea typeface="+mn-ea"/>
                 <a:cs typeface="+mn-cs"/>
               </a:rPr>
-              <a:t>int</a:t>
+              <a:t>const</a:t>
             </a:r>
             <a:r>
               <a:rPr lang="zh-CN" altLang="en-US" sz="1200" b="0" i="0" kern="1200" dirty="0">
@@ -990,7 +867,7 @@
                 <a:ea typeface="+mn-ea"/>
                 <a:cs typeface="+mn-cs"/>
               </a:rPr>
-              <a:t>k </a:t>
+              <a:t>p2 </a:t>
             </a:r>
             <a:r>
               <a:rPr lang="zh-CN" altLang="en-US" sz="1200" b="0" i="0" kern="1200" dirty="0">
@@ -1002,7 +879,7 @@
                 <a:ea typeface="+mn-ea"/>
                 <a:cs typeface="+mn-cs"/>
               </a:rPr>
-              <a:t>是 </a:t>
+              <a:t>是底层</a:t>
             </a:r>
             <a:r>
               <a:rPr lang="en-US" altLang="zh-CN" sz="1200" b="0" i="0" kern="1200" dirty="0">
@@ -1014,7 +891,7 @@
                 <a:ea typeface="+mn-ea"/>
                 <a:cs typeface="+mn-cs"/>
               </a:rPr>
-              <a:t>const int</a:t>
+              <a:t>const</a:t>
             </a:r>
             <a:r>
               <a:rPr lang="zh-CN" altLang="en-US" sz="1200" b="0" i="0" kern="1200" dirty="0">
@@ -1026,7 +903,7 @@
                 <a:ea typeface="+mn-ea"/>
                 <a:cs typeface="+mn-cs"/>
               </a:rPr>
-              <a:t>的引用，</a:t>
+              <a:t>，</a:t>
             </a:r>
             <a:r>
               <a:rPr lang="en-US" altLang="zh-CN" sz="1200" b="0" i="0" kern="1200" dirty="0">
@@ -1038,7 +915,7 @@
                 <a:ea typeface="+mn-ea"/>
                 <a:cs typeface="+mn-cs"/>
               </a:rPr>
-              <a:t>p </a:t>
+              <a:t>p3 </a:t>
             </a:r>
             <a:r>
               <a:rPr lang="zh-CN" altLang="en-US" sz="1200" b="0" i="0" kern="1200" dirty="0">
@@ -1050,7 +927,7 @@
                 <a:ea typeface="+mn-ea"/>
                 <a:cs typeface="+mn-cs"/>
               </a:rPr>
-              <a:t>是</a:t>
+              <a:t>既是顶层</a:t>
             </a:r>
             <a:r>
               <a:rPr lang="en-US" altLang="zh-CN" sz="1200" b="0" i="0" kern="1200" dirty="0">
@@ -1062,7 +939,7 @@
                 <a:ea typeface="+mn-ea"/>
                 <a:cs typeface="+mn-cs"/>
               </a:rPr>
-              <a:t>const int *</a:t>
+              <a:t>const</a:t>
             </a:r>
             <a:r>
               <a:rPr lang="zh-CN" altLang="en-US" sz="1200" b="0" i="0" kern="1200" dirty="0">
@@ -1074,7 +951,7 @@
                 <a:ea typeface="+mn-ea"/>
                 <a:cs typeface="+mn-cs"/>
               </a:rPr>
-              <a:t>，</a:t>
+              <a:t>又是底层</a:t>
             </a:r>
             <a:r>
               <a:rPr lang="en-US" altLang="zh-CN" sz="1200" b="0" i="0" kern="1200" dirty="0">
@@ -1086,7 +963,7 @@
                 <a:ea typeface="+mn-ea"/>
                 <a:cs typeface="+mn-cs"/>
               </a:rPr>
-              <a:t>j2 </a:t>
+              <a:t>const</a:t>
             </a:r>
             <a:r>
               <a:rPr lang="zh-CN" altLang="en-US" sz="1200" b="0" i="0" kern="1200" dirty="0">
@@ -1098,7 +975,7 @@
                 <a:ea typeface="+mn-ea"/>
                 <a:cs typeface="+mn-cs"/>
               </a:rPr>
-              <a:t>是</a:t>
+              <a:t>，</a:t>
             </a:r>
             <a:r>
               <a:rPr lang="en-US" altLang="zh-CN" sz="1200" b="0" i="0" kern="1200" dirty="0">
@@ -1110,7 +987,7 @@
                 <a:ea typeface="+mn-ea"/>
                 <a:cs typeface="+mn-cs"/>
               </a:rPr>
-              <a:t>const int</a:t>
+              <a:t>r2 </a:t>
             </a:r>
             <a:r>
               <a:rPr lang="zh-CN" altLang="en-US" sz="1200" b="0" i="0" kern="1200" dirty="0">
@@ -1122,7 +999,7 @@
                 <a:ea typeface="+mn-ea"/>
                 <a:cs typeface="+mn-cs"/>
               </a:rPr>
-              <a:t>，</a:t>
+              <a:t>是底层</a:t>
             </a:r>
             <a:r>
               <a:rPr lang="en-US" altLang="zh-CN" sz="1200" b="0" i="0" kern="1200" dirty="0">
@@ -1134,7 +1011,7 @@
                 <a:ea typeface="+mn-ea"/>
                 <a:cs typeface="+mn-cs"/>
               </a:rPr>
-              <a:t>k2 </a:t>
+              <a:t>const</a:t>
             </a:r>
             <a:r>
               <a:rPr lang="zh-CN" altLang="en-US" sz="1200" b="0" i="0" kern="1200" dirty="0">
@@ -1146,31 +1023,7 @@
                 <a:ea typeface="+mn-ea"/>
                 <a:cs typeface="+mn-cs"/>
               </a:rPr>
-              <a:t>是 </a:t>
-            </a:r>
-            <a:r>
-              <a:rPr lang="en-US" altLang="zh-CN" sz="1200" b="0" i="0" kern="1200" dirty="0">
-                <a:solidFill>
-                  <a:schemeClr val="tx1"/>
-                </a:solidFill>
-                <a:effectLst/>
-                <a:latin typeface="+mn-lt"/>
-                <a:ea typeface="+mn-ea"/>
-                <a:cs typeface="+mn-cs"/>
-              </a:rPr>
-              <a:t>const int </a:t>
-            </a:r>
-            <a:r>
-              <a:rPr lang="zh-CN" altLang="en-US" sz="1200" b="0" i="0" kern="1200" dirty="0">
-                <a:solidFill>
-                  <a:schemeClr val="tx1"/>
-                </a:solidFill>
-                <a:effectLst/>
-                <a:latin typeface="+mn-lt"/>
-                <a:ea typeface="+mn-ea"/>
-                <a:cs typeface="+mn-cs"/>
-              </a:rPr>
-              <a:t>的引用。</a:t>
+              <a:t>。</a:t>
             </a:r>
             <a:endParaRPr lang="zh-CN" altLang="en-US" sz="1200" dirty="0"/>
           </a:p>
@@ -1193,7 +1046,7 @@
           <a:p>
             <a:fld id="{0111EF2A-CA54-46BA-9D19-E4C580B41F03}" type="slidenum">
               <a:rPr lang="zh-CN" altLang="en-US" smtClean="0"/>
-              <a:t>14</a:t>
+              <a:t>13</a:t>
             </a:fld>
             <a:endParaRPr lang="zh-CN" altLang="en-US"/>
           </a:p>
@@ -1202,7 +1055,7 @@
     </p:spTree>
     <p:extLst>
       <p:ext uri="{BB962C8B-B14F-4D97-AF65-F5344CB8AC3E}">
-        <p14:creationId xmlns:p14="http://schemas.microsoft.com/office/powerpoint/2010/main" val="4193931135"/>
+        <p14:creationId xmlns:p14="http://schemas.microsoft.com/office/powerpoint/2010/main" val="1255297077"/>
       </p:ext>
     </p:extLst>
   </p:cSld>
@@ -1256,6 +1109,246 @@
           <a:bodyPr/>
           <a:lstStyle/>
           <a:p>
+            <a:r>
+              <a:rPr lang="en-US" altLang="zh-CN" sz="1200" b="0" i="0" kern="1200" dirty="0">
+                <a:solidFill>
+                  <a:schemeClr val="tx1"/>
+                </a:solidFill>
+                <a:effectLst/>
+                <a:latin typeface="+mn-lt"/>
+                <a:ea typeface="+mn-ea"/>
+                <a:cs typeface="+mn-cs"/>
+              </a:rPr>
+              <a:t>j </a:t>
+            </a:r>
+            <a:r>
+              <a:rPr lang="zh-CN" altLang="en-US" sz="1200" b="0" i="0" kern="1200" dirty="0">
+                <a:solidFill>
+                  <a:schemeClr val="tx1"/>
+                </a:solidFill>
+                <a:effectLst/>
+                <a:latin typeface="+mn-lt"/>
+                <a:ea typeface="+mn-ea"/>
+                <a:cs typeface="+mn-cs"/>
+              </a:rPr>
+              <a:t>是 </a:t>
+            </a:r>
+            <a:r>
+              <a:rPr lang="en-US" altLang="zh-CN" sz="1200" b="0" i="0" kern="1200" dirty="0">
+                <a:solidFill>
+                  <a:schemeClr val="tx1"/>
+                </a:solidFill>
+                <a:effectLst/>
+                <a:latin typeface="+mn-lt"/>
+                <a:ea typeface="+mn-ea"/>
+                <a:cs typeface="+mn-cs"/>
+              </a:rPr>
+              <a:t>int</a:t>
+            </a:r>
+            <a:r>
+              <a:rPr lang="zh-CN" altLang="en-US" sz="1200" b="0" i="0" kern="1200" dirty="0">
+                <a:solidFill>
+                  <a:schemeClr val="tx1"/>
+                </a:solidFill>
+                <a:effectLst/>
+                <a:latin typeface="+mn-lt"/>
+                <a:ea typeface="+mn-ea"/>
+                <a:cs typeface="+mn-cs"/>
+              </a:rPr>
+              <a:t>，</a:t>
+            </a:r>
+            <a:r>
+              <a:rPr lang="en-US" altLang="zh-CN" sz="1200" b="0" i="0" kern="1200" dirty="0">
+                <a:solidFill>
+                  <a:schemeClr val="tx1"/>
+                </a:solidFill>
+                <a:effectLst/>
+                <a:latin typeface="+mn-lt"/>
+                <a:ea typeface="+mn-ea"/>
+                <a:cs typeface="+mn-cs"/>
+              </a:rPr>
+              <a:t>k </a:t>
+            </a:r>
+            <a:r>
+              <a:rPr lang="zh-CN" altLang="en-US" sz="1200" b="0" i="0" kern="1200" dirty="0">
+                <a:solidFill>
+                  <a:schemeClr val="tx1"/>
+                </a:solidFill>
+                <a:effectLst/>
+                <a:latin typeface="+mn-lt"/>
+                <a:ea typeface="+mn-ea"/>
+                <a:cs typeface="+mn-cs"/>
+              </a:rPr>
+              <a:t>是 </a:t>
+            </a:r>
+            <a:r>
+              <a:rPr lang="en-US" altLang="zh-CN" sz="1200" b="0" i="0" kern="1200" dirty="0">
+                <a:solidFill>
+                  <a:schemeClr val="tx1"/>
+                </a:solidFill>
+                <a:effectLst/>
+                <a:latin typeface="+mn-lt"/>
+                <a:ea typeface="+mn-ea"/>
+                <a:cs typeface="+mn-cs"/>
+              </a:rPr>
+              <a:t>const int</a:t>
+            </a:r>
+            <a:r>
+              <a:rPr lang="zh-CN" altLang="en-US" sz="1200" b="0" i="0" kern="1200" dirty="0">
+                <a:solidFill>
+                  <a:schemeClr val="tx1"/>
+                </a:solidFill>
+                <a:effectLst/>
+                <a:latin typeface="+mn-lt"/>
+                <a:ea typeface="+mn-ea"/>
+                <a:cs typeface="+mn-cs"/>
+              </a:rPr>
+              <a:t>的引用，</a:t>
+            </a:r>
+            <a:r>
+              <a:rPr lang="en-US" altLang="zh-CN" sz="1200" b="0" i="0" kern="1200" dirty="0">
+                <a:solidFill>
+                  <a:schemeClr val="tx1"/>
+                </a:solidFill>
+                <a:effectLst/>
+                <a:latin typeface="+mn-lt"/>
+                <a:ea typeface="+mn-ea"/>
+                <a:cs typeface="+mn-cs"/>
+              </a:rPr>
+              <a:t>p </a:t>
+            </a:r>
+            <a:r>
+              <a:rPr lang="zh-CN" altLang="en-US" sz="1200" b="0" i="0" kern="1200" dirty="0">
+                <a:solidFill>
+                  <a:schemeClr val="tx1"/>
+                </a:solidFill>
+                <a:effectLst/>
+                <a:latin typeface="+mn-lt"/>
+                <a:ea typeface="+mn-ea"/>
+                <a:cs typeface="+mn-cs"/>
+              </a:rPr>
+              <a:t>是</a:t>
+            </a:r>
+            <a:r>
+              <a:rPr lang="en-US" altLang="zh-CN" sz="1200" b="0" i="0" kern="1200" dirty="0">
+                <a:solidFill>
+                  <a:schemeClr val="tx1"/>
+                </a:solidFill>
+                <a:effectLst/>
+                <a:latin typeface="+mn-lt"/>
+                <a:ea typeface="+mn-ea"/>
+                <a:cs typeface="+mn-cs"/>
+              </a:rPr>
+              <a:t>const int *</a:t>
+            </a:r>
+            <a:r>
+              <a:rPr lang="zh-CN" altLang="en-US" sz="1200" b="0" i="0" kern="1200" dirty="0">
+                <a:solidFill>
+                  <a:schemeClr val="tx1"/>
+                </a:solidFill>
+                <a:effectLst/>
+                <a:latin typeface="+mn-lt"/>
+                <a:ea typeface="+mn-ea"/>
+                <a:cs typeface="+mn-cs"/>
+              </a:rPr>
+              <a:t>，</a:t>
+            </a:r>
+            <a:r>
+              <a:rPr lang="en-US" altLang="zh-CN" sz="1200" b="0" i="0" kern="1200" dirty="0">
+                <a:solidFill>
+                  <a:schemeClr val="tx1"/>
+                </a:solidFill>
+                <a:effectLst/>
+                <a:latin typeface="+mn-lt"/>
+                <a:ea typeface="+mn-ea"/>
+                <a:cs typeface="+mn-cs"/>
+              </a:rPr>
+              <a:t>j2 </a:t>
+            </a:r>
+            <a:r>
+              <a:rPr lang="zh-CN" altLang="en-US" sz="1200" b="0" i="0" kern="1200" dirty="0">
+                <a:solidFill>
+                  <a:schemeClr val="tx1"/>
+                </a:solidFill>
+                <a:effectLst/>
+                <a:latin typeface="+mn-lt"/>
+                <a:ea typeface="+mn-ea"/>
+                <a:cs typeface="+mn-cs"/>
+              </a:rPr>
+              <a:t>是</a:t>
+            </a:r>
+            <a:r>
+              <a:rPr lang="en-US" altLang="zh-CN" sz="1200" b="0" i="0" kern="1200" dirty="0">
+                <a:solidFill>
+                  <a:schemeClr val="tx1"/>
+                </a:solidFill>
+                <a:effectLst/>
+                <a:latin typeface="+mn-lt"/>
+                <a:ea typeface="+mn-ea"/>
+                <a:cs typeface="+mn-cs"/>
+              </a:rPr>
+              <a:t>const int</a:t>
+            </a:r>
+            <a:r>
+              <a:rPr lang="zh-CN" altLang="en-US" sz="1200" b="0" i="0" kern="1200" dirty="0">
+                <a:solidFill>
+                  <a:schemeClr val="tx1"/>
+                </a:solidFill>
+                <a:effectLst/>
+                <a:latin typeface="+mn-lt"/>
+                <a:ea typeface="+mn-ea"/>
+                <a:cs typeface="+mn-cs"/>
+              </a:rPr>
+              <a:t>，</a:t>
+            </a:r>
+            <a:r>
+              <a:rPr lang="en-US" altLang="zh-CN" sz="1200" b="0" i="0" kern="1200" dirty="0">
+                <a:solidFill>
+                  <a:schemeClr val="tx1"/>
+                </a:solidFill>
+                <a:effectLst/>
+                <a:latin typeface="+mn-lt"/>
+                <a:ea typeface="+mn-ea"/>
+                <a:cs typeface="+mn-cs"/>
+              </a:rPr>
+              <a:t>k2 </a:t>
+            </a:r>
+            <a:r>
+              <a:rPr lang="zh-CN" altLang="en-US" sz="1200" b="0" i="0" kern="1200" dirty="0">
+                <a:solidFill>
+                  <a:schemeClr val="tx1"/>
+                </a:solidFill>
+                <a:effectLst/>
+                <a:latin typeface="+mn-lt"/>
+                <a:ea typeface="+mn-ea"/>
+                <a:cs typeface="+mn-cs"/>
+              </a:rPr>
+              <a:t>是 </a:t>
+            </a:r>
+            <a:r>
+              <a:rPr lang="en-US" altLang="zh-CN" sz="1200" b="0" i="0" kern="1200" dirty="0">
+                <a:solidFill>
+                  <a:schemeClr val="tx1"/>
+                </a:solidFill>
+                <a:effectLst/>
+                <a:latin typeface="+mn-lt"/>
+                <a:ea typeface="+mn-ea"/>
+                <a:cs typeface="+mn-cs"/>
+              </a:rPr>
+              <a:t>const int </a:t>
+            </a:r>
+            <a:r>
+              <a:rPr lang="zh-CN" altLang="en-US" sz="1200" b="0" i="0" kern="1200" dirty="0">
+                <a:solidFill>
+                  <a:schemeClr val="tx1"/>
+                </a:solidFill>
+                <a:effectLst/>
+                <a:latin typeface="+mn-lt"/>
+                <a:ea typeface="+mn-ea"/>
+                <a:cs typeface="+mn-cs"/>
+              </a:rPr>
+              <a:t>的引用。</a:t>
+            </a:r>
             <a:endParaRPr lang="zh-CN" altLang="en-US" sz="1200" dirty="0"/>
           </a:p>
         </p:txBody>
@@ -1277,7 +1370,7 @@
           <a:p>
             <a:fld id="{0111EF2A-CA54-46BA-9D19-E4C580B41F03}" type="slidenum">
               <a:rPr lang="zh-CN" altLang="en-US" smtClean="0"/>
-              <a:t>15</a:t>
+              <a:t>14</a:t>
             </a:fld>
             <a:endParaRPr lang="zh-CN" altLang="en-US"/>
           </a:p>
@@ -1286,7 +1379,7 @@
     </p:spTree>
     <p:extLst>
       <p:ext uri="{BB962C8B-B14F-4D97-AF65-F5344CB8AC3E}">
-        <p14:creationId xmlns:p14="http://schemas.microsoft.com/office/powerpoint/2010/main" val="3391625836"/>
+        <p14:creationId xmlns:p14="http://schemas.microsoft.com/office/powerpoint/2010/main" val="4193931135"/>
       </p:ext>
     </p:extLst>
   </p:cSld>
@@ -1340,307 +1433,6 @@
           <a:bodyPr/>
           <a:lstStyle/>
           <a:p>
-            <a:r>
-              <a:rPr lang="en-US" altLang="zh-CN" dirty="0"/>
-              <a:t>#include &lt;iostream&gt;</a:t>
-            </a:r>
-          </a:p>
-          <a:p>
-            <a:r>
-              <a:rPr lang="en-US" altLang="zh-CN" dirty="0"/>
-              <a:t>#include &lt;string&gt;</a:t>
-            </a:r>
-          </a:p>
-          <a:p>
-            <a:endParaRPr lang="en-US" altLang="zh-CN" dirty="0"/>
-          </a:p>
-          <a:p>
-            <a:r>
-              <a:rPr lang="en-US" altLang="zh-CN" dirty="0"/>
-              <a:t>using std::string;</a:t>
-            </a:r>
-          </a:p>
-          <a:p>
-            <a:r>
-              <a:rPr lang="en-US" altLang="zh-CN" dirty="0"/>
-              <a:t>using std::</a:t>
-            </a:r>
-            <a:r>
-              <a:rPr lang="en-US" altLang="zh-CN" dirty="0" err="1"/>
-              <a:t>cin</a:t>
-            </a:r>
-            <a:r>
-              <a:rPr lang="en-US" altLang="zh-CN" dirty="0"/>
-              <a:t>;</a:t>
-            </a:r>
-          </a:p>
-          <a:p>
-            <a:r>
-              <a:rPr lang="en-US" altLang="zh-CN" dirty="0"/>
-              <a:t>using std::</a:t>
-            </a:r>
-            <a:r>
-              <a:rPr lang="en-US" altLang="zh-CN" dirty="0" err="1"/>
-              <a:t>cout</a:t>
-            </a:r>
-            <a:r>
-              <a:rPr lang="en-US" altLang="zh-CN" dirty="0"/>
-              <a:t>;</a:t>
-            </a:r>
-          </a:p>
-          <a:p>
-            <a:r>
-              <a:rPr lang="en-US" altLang="zh-CN" dirty="0"/>
-              <a:t>using std::endl;</a:t>
-            </a:r>
-          </a:p>
-          <a:p>
-            <a:r>
-              <a:rPr lang="en-US" altLang="zh-CN" dirty="0"/>
-              <a:t>using std::</a:t>
-            </a:r>
-            <a:r>
-              <a:rPr lang="en-US" altLang="zh-CN" dirty="0" err="1"/>
-              <a:t>getline</a:t>
-            </a:r>
-            <a:r>
-              <a:rPr lang="en-US" altLang="zh-CN" dirty="0"/>
-              <a:t>;</a:t>
-            </a:r>
-          </a:p>
-          <a:p>
-            <a:r>
-              <a:rPr lang="en-US" altLang="zh-CN" dirty="0"/>
-              <a:t>//</a:t>
-            </a:r>
-            <a:r>
-              <a:rPr lang="zh-CN" altLang="en-US" dirty="0"/>
-              <a:t>读一行</a:t>
-            </a:r>
-            <a:endParaRPr lang="en-US" altLang="zh-CN" dirty="0"/>
-          </a:p>
-          <a:p>
-            <a:r>
-              <a:rPr lang="en-US" altLang="zh-CN" dirty="0"/>
-              <a:t>int main()</a:t>
-            </a:r>
-          </a:p>
-          <a:p>
-            <a:r>
-              <a:rPr lang="en-US" altLang="zh-CN" dirty="0"/>
-              <a:t>{</a:t>
-            </a:r>
-          </a:p>
-          <a:p>
-            <a:r>
-              <a:rPr lang="en-US" altLang="zh-CN" dirty="0"/>
-              <a:t>	string s;</a:t>
-            </a:r>
-          </a:p>
-          <a:p>
-            <a:r>
-              <a:rPr lang="en-US" altLang="zh-CN" dirty="0"/>
-              <a:t>	while (</a:t>
-            </a:r>
-            <a:r>
-              <a:rPr lang="en-US" altLang="zh-CN" dirty="0" err="1"/>
-              <a:t>getline</a:t>
-            </a:r>
-            <a:r>
-              <a:rPr lang="en-US" altLang="zh-CN" dirty="0"/>
-              <a:t>(</a:t>
-            </a:r>
-            <a:r>
-              <a:rPr lang="en-US" altLang="zh-CN" dirty="0" err="1"/>
-              <a:t>cin,s</a:t>
-            </a:r>
-            <a:r>
-              <a:rPr lang="en-US" altLang="zh-CN" dirty="0"/>
-              <a:t>))</a:t>
-            </a:r>
-          </a:p>
-          <a:p>
-            <a:r>
-              <a:rPr lang="en-US" altLang="zh-CN" dirty="0"/>
-              <a:t>	{</a:t>
-            </a:r>
-          </a:p>
-          <a:p>
-            <a:r>
-              <a:rPr lang="en-US" altLang="zh-CN" dirty="0"/>
-              <a:t>		</a:t>
-            </a:r>
-            <a:r>
-              <a:rPr lang="en-US" altLang="zh-CN" dirty="0" err="1"/>
-              <a:t>cout</a:t>
-            </a:r>
-            <a:r>
-              <a:rPr lang="en-US" altLang="zh-CN" dirty="0"/>
-              <a:t> &lt;&lt; s &lt;&lt; endl;</a:t>
-            </a:r>
-          </a:p>
-          <a:p>
-            <a:r>
-              <a:rPr lang="en-US" altLang="zh-CN" dirty="0"/>
-              <a:t>	}</a:t>
-            </a:r>
-          </a:p>
-          <a:p>
-            <a:r>
-              <a:rPr lang="en-US" altLang="zh-CN" dirty="0"/>
-              <a:t>	return 0;</a:t>
-            </a:r>
-          </a:p>
-          <a:p>
-            <a:r>
-              <a:rPr lang="en-US" altLang="zh-CN" dirty="0"/>
-              <a:t>}</a:t>
-            </a:r>
-          </a:p>
-          <a:p>
-            <a:endParaRPr lang="en-US" altLang="zh-CN" dirty="0"/>
-          </a:p>
-          <a:p>
-            <a:r>
-              <a:rPr lang="en-US" altLang="zh-CN" dirty="0"/>
-              <a:t>//</a:t>
-            </a:r>
-            <a:r>
-              <a:rPr lang="zh-CN" altLang="en-US" dirty="0"/>
-              <a:t>读一个</a:t>
-            </a:r>
-            <a:endParaRPr lang="en-US" altLang="zh-CN" dirty="0"/>
-          </a:p>
-          <a:p>
-            <a:r>
-              <a:rPr lang="en-US" altLang="zh-CN" dirty="0"/>
-              <a:t>#include &lt;iostream&gt;</a:t>
-            </a:r>
-          </a:p>
-          <a:p>
-            <a:r>
-              <a:rPr lang="en-US" altLang="zh-CN" dirty="0"/>
-              <a:t>#include &lt;string&gt;</a:t>
-            </a:r>
-          </a:p>
-          <a:p>
-            <a:endParaRPr lang="en-US" altLang="zh-CN" dirty="0"/>
-          </a:p>
-          <a:p>
-            <a:r>
-              <a:rPr lang="en-US" altLang="zh-CN" dirty="0"/>
-              <a:t>using std::string;</a:t>
-            </a:r>
-          </a:p>
-          <a:p>
-            <a:r>
-              <a:rPr lang="en-US" altLang="zh-CN" dirty="0"/>
-              <a:t>using std::</a:t>
-            </a:r>
-            <a:r>
-              <a:rPr lang="en-US" altLang="zh-CN" dirty="0" err="1"/>
-              <a:t>cin</a:t>
-            </a:r>
-            <a:r>
-              <a:rPr lang="en-US" altLang="zh-CN" dirty="0"/>
-              <a:t>;</a:t>
-            </a:r>
-          </a:p>
-          <a:p>
-            <a:r>
-              <a:rPr lang="en-US" altLang="zh-CN" dirty="0"/>
-              <a:t>using std::</a:t>
-            </a:r>
-            <a:r>
-              <a:rPr lang="en-US" altLang="zh-CN" dirty="0" err="1"/>
-              <a:t>cout</a:t>
-            </a:r>
-            <a:r>
-              <a:rPr lang="en-US" altLang="zh-CN" dirty="0"/>
-              <a:t>;</a:t>
-            </a:r>
-          </a:p>
-          <a:p>
-            <a:r>
-              <a:rPr lang="en-US" altLang="zh-CN" dirty="0"/>
-              <a:t>using std::endl;</a:t>
-            </a:r>
-          </a:p>
-          <a:p>
-            <a:endParaRPr lang="en-US" altLang="zh-CN" dirty="0"/>
-          </a:p>
-          <a:p>
-            <a:r>
-              <a:rPr lang="en-US" altLang="zh-CN" dirty="0"/>
-              <a:t>int main()</a:t>
-            </a:r>
-          </a:p>
-          <a:p>
-            <a:r>
-              <a:rPr lang="en-US" altLang="zh-CN" dirty="0"/>
-              <a:t>{</a:t>
-            </a:r>
-          </a:p>
-          <a:p>
-            <a:r>
-              <a:rPr lang="en-US" altLang="zh-CN" dirty="0"/>
-              <a:t>	string s;</a:t>
-            </a:r>
-          </a:p>
-          <a:p>
-            <a:r>
-              <a:rPr lang="en-US" altLang="zh-CN" dirty="0"/>
-              <a:t>	while (</a:t>
-            </a:r>
-            <a:r>
-              <a:rPr lang="en-US" altLang="zh-CN" dirty="0" err="1"/>
-              <a:t>cin</a:t>
-            </a:r>
-            <a:r>
-              <a:rPr lang="en-US" altLang="zh-CN" dirty="0"/>
-              <a:t> &gt;&gt; s)</a:t>
-            </a:r>
-          </a:p>
-          <a:p>
-            <a:r>
-              <a:rPr lang="en-US" altLang="zh-CN" dirty="0"/>
-              <a:t>	{</a:t>
-            </a:r>
-          </a:p>
-          <a:p>
-            <a:r>
-              <a:rPr lang="en-US" altLang="zh-CN" dirty="0"/>
-              <a:t>		</a:t>
-            </a:r>
-            <a:r>
-              <a:rPr lang="en-US" altLang="zh-CN" dirty="0" err="1"/>
-              <a:t>cout</a:t>
-            </a:r>
-            <a:r>
-              <a:rPr lang="en-US" altLang="zh-CN" dirty="0"/>
-              <a:t> &lt;&lt; s &lt;&lt; endl;</a:t>
-            </a:r>
-          </a:p>
-          <a:p>
-            <a:r>
-              <a:rPr lang="en-US" altLang="zh-CN" dirty="0"/>
-              <a:t>	}</a:t>
-            </a:r>
-          </a:p>
-          <a:p>
-            <a:r>
-              <a:rPr lang="en-US" altLang="zh-CN" dirty="0"/>
-              <a:t>	return 0;</a:t>
-            </a:r>
-          </a:p>
-          <a:p>
-            <a:r>
-              <a:rPr lang="en-US" altLang="zh-CN" dirty="0"/>
-              <a:t>}</a:t>
-            </a:r>
-            <a:endParaRPr lang="zh-CN" altLang="en-US" dirty="0"/>
-          </a:p>
-          <a:p>
             <a:endParaRPr lang="zh-CN" altLang="en-US" sz="1200" dirty="0"/>
           </a:p>
         </p:txBody>
@@ -1662,7 +1454,7 @@
           <a:p>
             <a:fld id="{0111EF2A-CA54-46BA-9D19-E4C580B41F03}" type="slidenum">
               <a:rPr lang="zh-CN" altLang="en-US" smtClean="0"/>
-              <a:t>17</a:t>
+              <a:t>15</a:t>
             </a:fld>
             <a:endParaRPr lang="zh-CN" altLang="en-US"/>
           </a:p>
@@ -1671,7 +1463,7 @@
     </p:spTree>
     <p:extLst>
       <p:ext uri="{BB962C8B-B14F-4D97-AF65-F5344CB8AC3E}">
-        <p14:creationId xmlns:p14="http://schemas.microsoft.com/office/powerpoint/2010/main" val="1501050733"/>
+        <p14:creationId xmlns:p14="http://schemas.microsoft.com/office/powerpoint/2010/main" val="3391625836"/>
       </p:ext>
     </p:extLst>
   </p:cSld>
@@ -1726,53 +1518,304 @@
           <a:lstStyle/>
           <a:p>
             <a:r>
-              <a:rPr lang="zh-CN" altLang="en-US" sz="1200" dirty="0"/>
-              <a:t> </a:t>
-            </a:r>
-            <a:r>
-              <a:rPr lang="en-US" altLang="zh-CN" sz="1200" dirty="0"/>
-              <a:t>// </a:t>
-            </a:r>
-            <a:r>
-              <a:rPr lang="zh-CN" altLang="en-US" sz="1200" dirty="0"/>
-              <a:t>在</a:t>
-            </a:r>
-            <a:r>
-              <a:rPr lang="en-US" altLang="zh-CN" sz="1200" dirty="0"/>
-              <a:t>C++11</a:t>
-            </a:r>
-            <a:r>
-              <a:rPr lang="zh-CN" altLang="en-US" sz="1200" dirty="0"/>
-              <a:t>当中合法</a:t>
-            </a:r>
-          </a:p>
-          <a:p>
-            <a:r>
-              <a:rPr lang="zh-CN" altLang="en-US" sz="1200" dirty="0"/>
-              <a:t> </a:t>
-            </a:r>
-            <a:r>
-              <a:rPr lang="en-US" altLang="zh-CN" sz="1200" dirty="0"/>
-              <a:t>// </a:t>
-            </a:r>
-            <a:r>
-              <a:rPr lang="zh-CN" altLang="en-US" sz="1200" dirty="0"/>
-              <a:t>不合法，类型不一样</a:t>
-            </a:r>
-          </a:p>
-          <a:p>
-            <a:r>
-              <a:rPr lang="zh-CN" altLang="en-US" sz="1200" dirty="0"/>
-              <a:t> </a:t>
-            </a:r>
-            <a:r>
-              <a:rPr lang="en-US" altLang="zh-CN" sz="1200" dirty="0"/>
-              <a:t>// </a:t>
-            </a:r>
-            <a:r>
-              <a:rPr lang="zh-CN" altLang="en-US" sz="1200" dirty="0"/>
-              <a:t>合法</a:t>
-            </a:r>
+              <a:rPr lang="en-US" altLang="zh-CN" dirty="0"/>
+              <a:t>#include &lt;iostream&gt;</a:t>
+            </a:r>
+          </a:p>
+          <a:p>
+            <a:r>
+              <a:rPr lang="en-US" altLang="zh-CN" dirty="0"/>
+              <a:t>#include &lt;string&gt;</a:t>
+            </a:r>
+          </a:p>
+          <a:p>
+            <a:endParaRPr lang="en-US" altLang="zh-CN" dirty="0"/>
+          </a:p>
+          <a:p>
+            <a:r>
+              <a:rPr lang="en-US" altLang="zh-CN" dirty="0"/>
+              <a:t>using std::string;</a:t>
+            </a:r>
+          </a:p>
+          <a:p>
+            <a:r>
+              <a:rPr lang="en-US" altLang="zh-CN" dirty="0"/>
+              <a:t>using std::</a:t>
+            </a:r>
+            <a:r>
+              <a:rPr lang="en-US" altLang="zh-CN" dirty="0" err="1"/>
+              <a:t>cin</a:t>
+            </a:r>
+            <a:r>
+              <a:rPr lang="en-US" altLang="zh-CN" dirty="0"/>
+              <a:t>;</a:t>
+            </a:r>
+          </a:p>
+          <a:p>
+            <a:r>
+              <a:rPr lang="en-US" altLang="zh-CN" dirty="0"/>
+              <a:t>using std::</a:t>
+            </a:r>
+            <a:r>
+              <a:rPr lang="en-US" altLang="zh-CN" dirty="0" err="1"/>
+              <a:t>cout</a:t>
+            </a:r>
+            <a:r>
+              <a:rPr lang="en-US" altLang="zh-CN" dirty="0"/>
+              <a:t>;</a:t>
+            </a:r>
+          </a:p>
+          <a:p>
+            <a:r>
+              <a:rPr lang="en-US" altLang="zh-CN" dirty="0"/>
+              <a:t>using std::endl;</a:t>
+            </a:r>
+          </a:p>
+          <a:p>
+            <a:r>
+              <a:rPr lang="en-US" altLang="zh-CN" dirty="0"/>
+              <a:t>using std::</a:t>
+            </a:r>
+            <a:r>
+              <a:rPr lang="en-US" altLang="zh-CN" dirty="0" err="1"/>
+              <a:t>getline</a:t>
+            </a:r>
+            <a:r>
+              <a:rPr lang="en-US" altLang="zh-CN" dirty="0"/>
+              <a:t>;</a:t>
+            </a:r>
+          </a:p>
+          <a:p>
+            <a:r>
+              <a:rPr lang="en-US" altLang="zh-CN" dirty="0"/>
+              <a:t>//</a:t>
+            </a:r>
+            <a:r>
+              <a:rPr lang="zh-CN" altLang="en-US" dirty="0"/>
+              <a:t>读一行</a:t>
+            </a:r>
+            <a:endParaRPr lang="en-US" altLang="zh-CN" dirty="0"/>
+          </a:p>
+          <a:p>
+            <a:r>
+              <a:rPr lang="en-US" altLang="zh-CN" dirty="0"/>
+              <a:t>int main()</a:t>
+            </a:r>
+          </a:p>
+          <a:p>
+            <a:r>
+              <a:rPr lang="en-US" altLang="zh-CN" dirty="0"/>
+              <a:t>{</a:t>
+            </a:r>
+          </a:p>
+          <a:p>
+            <a:r>
+              <a:rPr lang="en-US" altLang="zh-CN" dirty="0"/>
+              <a:t>	string s;</a:t>
+            </a:r>
+          </a:p>
+          <a:p>
+            <a:r>
+              <a:rPr lang="en-US" altLang="zh-CN" dirty="0"/>
+              <a:t>	while (</a:t>
+            </a:r>
+            <a:r>
+              <a:rPr lang="en-US" altLang="zh-CN" dirty="0" err="1"/>
+              <a:t>getline</a:t>
+            </a:r>
+            <a:r>
+              <a:rPr lang="en-US" altLang="zh-CN" dirty="0"/>
+              <a:t>(</a:t>
+            </a:r>
+            <a:r>
+              <a:rPr lang="en-US" altLang="zh-CN" dirty="0" err="1"/>
+              <a:t>cin,s</a:t>
+            </a:r>
+            <a:r>
+              <a:rPr lang="en-US" altLang="zh-CN" dirty="0"/>
+              <a:t>))</a:t>
+            </a:r>
+          </a:p>
+          <a:p>
+            <a:r>
+              <a:rPr lang="en-US" altLang="zh-CN" dirty="0"/>
+              <a:t>	{</a:t>
+            </a:r>
+          </a:p>
+          <a:p>
+            <a:r>
+              <a:rPr lang="en-US" altLang="zh-CN" dirty="0"/>
+              <a:t>		</a:t>
+            </a:r>
+            <a:r>
+              <a:rPr lang="en-US" altLang="zh-CN" dirty="0" err="1"/>
+              <a:t>cout</a:t>
+            </a:r>
+            <a:r>
+              <a:rPr lang="en-US" altLang="zh-CN" dirty="0"/>
+              <a:t> &lt;&lt; s &lt;&lt; endl;</a:t>
+            </a:r>
+          </a:p>
+          <a:p>
+            <a:r>
+              <a:rPr lang="en-US" altLang="zh-CN" dirty="0"/>
+              <a:t>	}</a:t>
+            </a:r>
+          </a:p>
+          <a:p>
+            <a:r>
+              <a:rPr lang="en-US" altLang="zh-CN" dirty="0"/>
+              <a:t>	return 0;</a:t>
+            </a:r>
+          </a:p>
+          <a:p>
+            <a:r>
+              <a:rPr lang="en-US" altLang="zh-CN" dirty="0"/>
+              <a:t>}</a:t>
+            </a:r>
+          </a:p>
+          <a:p>
+            <a:endParaRPr lang="en-US" altLang="zh-CN" dirty="0"/>
+          </a:p>
+          <a:p>
+            <a:r>
+              <a:rPr lang="en-US" altLang="zh-CN" dirty="0"/>
+              <a:t>//</a:t>
+            </a:r>
+            <a:r>
+              <a:rPr lang="zh-CN" altLang="en-US" dirty="0"/>
+              <a:t>读一个</a:t>
+            </a:r>
+            <a:endParaRPr lang="en-US" altLang="zh-CN" dirty="0"/>
+          </a:p>
+          <a:p>
+            <a:r>
+              <a:rPr lang="en-US" altLang="zh-CN" dirty="0"/>
+              <a:t>#include &lt;iostream&gt;</a:t>
+            </a:r>
+          </a:p>
+          <a:p>
+            <a:r>
+              <a:rPr lang="en-US" altLang="zh-CN" dirty="0"/>
+              <a:t>#include &lt;string&gt;</a:t>
+            </a:r>
+          </a:p>
+          <a:p>
+            <a:endParaRPr lang="en-US" altLang="zh-CN" dirty="0"/>
+          </a:p>
+          <a:p>
+            <a:r>
+              <a:rPr lang="en-US" altLang="zh-CN" dirty="0"/>
+              <a:t>using std::string;</a:t>
+            </a:r>
+          </a:p>
+          <a:p>
+            <a:r>
+              <a:rPr lang="en-US" altLang="zh-CN" dirty="0"/>
+              <a:t>using std::</a:t>
+            </a:r>
+            <a:r>
+              <a:rPr lang="en-US" altLang="zh-CN" dirty="0" err="1"/>
+              <a:t>cin</a:t>
+            </a:r>
+            <a:r>
+              <a:rPr lang="en-US" altLang="zh-CN" dirty="0"/>
+              <a:t>;</a:t>
+            </a:r>
+          </a:p>
+          <a:p>
+            <a:r>
+              <a:rPr lang="en-US" altLang="zh-CN" dirty="0"/>
+              <a:t>using std::</a:t>
+            </a:r>
+            <a:r>
+              <a:rPr lang="en-US" altLang="zh-CN" dirty="0" err="1"/>
+              <a:t>cout</a:t>
+            </a:r>
+            <a:r>
+              <a:rPr lang="en-US" altLang="zh-CN" dirty="0"/>
+              <a:t>;</a:t>
+            </a:r>
+          </a:p>
+          <a:p>
+            <a:r>
+              <a:rPr lang="en-US" altLang="zh-CN" dirty="0"/>
+              <a:t>using std::endl;</a:t>
+            </a:r>
+          </a:p>
+          <a:p>
+            <a:endParaRPr lang="en-US" altLang="zh-CN" dirty="0"/>
+          </a:p>
+          <a:p>
+            <a:r>
+              <a:rPr lang="en-US" altLang="zh-CN" dirty="0"/>
+              <a:t>int main()</a:t>
+            </a:r>
+          </a:p>
+          <a:p>
+            <a:r>
+              <a:rPr lang="en-US" altLang="zh-CN" dirty="0"/>
+              <a:t>{</a:t>
+            </a:r>
+          </a:p>
+          <a:p>
+            <a:r>
+              <a:rPr lang="en-US" altLang="zh-CN" dirty="0"/>
+              <a:t>	string s;</a:t>
+            </a:r>
+          </a:p>
+          <a:p>
+            <a:r>
+              <a:rPr lang="en-US" altLang="zh-CN" dirty="0"/>
+              <a:t>	while (</a:t>
+            </a:r>
+            <a:r>
+              <a:rPr lang="en-US" altLang="zh-CN" dirty="0" err="1"/>
+              <a:t>cin</a:t>
+            </a:r>
+            <a:r>
+              <a:rPr lang="en-US" altLang="zh-CN" dirty="0"/>
+              <a:t> &gt;&gt; s)</a:t>
+            </a:r>
+          </a:p>
+          <a:p>
+            <a:r>
+              <a:rPr lang="en-US" altLang="zh-CN" dirty="0"/>
+              <a:t>	{</a:t>
+            </a:r>
+          </a:p>
+          <a:p>
+            <a:r>
+              <a:rPr lang="en-US" altLang="zh-CN" dirty="0"/>
+              <a:t>		</a:t>
+            </a:r>
+            <a:r>
+              <a:rPr lang="en-US" altLang="zh-CN" dirty="0" err="1"/>
+              <a:t>cout</a:t>
+            </a:r>
+            <a:r>
+              <a:rPr lang="en-US" altLang="zh-CN" dirty="0"/>
+              <a:t> &lt;&lt; s &lt;&lt; endl;</a:t>
+            </a:r>
+          </a:p>
+          <a:p>
+            <a:r>
+              <a:rPr lang="en-US" altLang="zh-CN" dirty="0"/>
+              <a:t>	}</a:t>
+            </a:r>
+          </a:p>
+          <a:p>
+            <a:r>
+              <a:rPr lang="en-US" altLang="zh-CN" dirty="0"/>
+              <a:t>	return 0;</a:t>
+            </a:r>
+          </a:p>
+          <a:p>
+            <a:r>
+              <a:rPr lang="en-US" altLang="zh-CN" dirty="0"/>
+              <a:t>}</a:t>
+            </a:r>
+            <a:endParaRPr lang="zh-CN" altLang="en-US" dirty="0"/>
           </a:p>
           <a:p>
             <a:endParaRPr lang="zh-CN" altLang="en-US" sz="1200" dirty="0"/>
@@ -1796,7 +1839,7 @@
           <a:p>
             <a:fld id="{0111EF2A-CA54-46BA-9D19-E4C580B41F03}" type="slidenum">
               <a:rPr lang="zh-CN" altLang="en-US" smtClean="0"/>
-              <a:t>18</a:t>
+              <a:t>17</a:t>
             </a:fld>
             <a:endParaRPr lang="zh-CN" altLang="en-US"/>
           </a:p>
@@ -1805,7 +1848,7 @@
     </p:spTree>
     <p:extLst>
       <p:ext uri="{BB962C8B-B14F-4D97-AF65-F5344CB8AC3E}">
-        <p14:creationId xmlns:p14="http://schemas.microsoft.com/office/powerpoint/2010/main" val="3150058240"/>
+        <p14:creationId xmlns:p14="http://schemas.microsoft.com/office/powerpoint/2010/main" val="1501050733"/>
       </p:ext>
     </p:extLst>
   </p:cSld>
@@ -1860,53 +1903,56 @@
           <a:lstStyle/>
           <a:p>
             <a:r>
+              <a:rPr lang="zh-CN" altLang="en-US" sz="1200" dirty="0"/>
+              <a:t> </a:t>
+            </a:r>
+            <a:r>
               <a:rPr lang="en-US" altLang="zh-CN" sz="1200" dirty="0"/>
-              <a:t>// size:0,  no values.</a:t>
-            </a:r>
-          </a:p>
-          <a:p>
+              <a:t>// </a:t>
+            </a:r>
+            <a:r>
+              <a:rPr lang="zh-CN" altLang="en-US" sz="1200" dirty="0"/>
+              <a:t>在</a:t>
+            </a:r>
             <a:r>
               <a:rPr lang="en-US" altLang="zh-CN" sz="1200" dirty="0"/>
-              <a:t>// size:10, value:0</a:t>
-            </a:r>
-          </a:p>
-          <a:p>
+              <a:t>C++11</a:t>
+            </a:r>
+            <a:r>
+              <a:rPr lang="zh-CN" altLang="en-US" sz="1200" dirty="0"/>
+              <a:t>当中合法</a:t>
+            </a:r>
+          </a:p>
+          <a:p>
+            <a:r>
+              <a:rPr lang="zh-CN" altLang="en-US" sz="1200" dirty="0"/>
+              <a:t> </a:t>
+            </a:r>
             <a:r>
               <a:rPr lang="en-US" altLang="zh-CN" sz="1200" dirty="0"/>
-              <a:t>// size:10, value:42</a:t>
-            </a:r>
-          </a:p>
-          <a:p>
+              <a:t>// </a:t>
+            </a:r>
+            <a:r>
+              <a:rPr lang="zh-CN" altLang="en-US" sz="1200" dirty="0"/>
+              <a:t>不合法，类型不一样</a:t>
+            </a:r>
+          </a:p>
+          <a:p>
+            <a:r>
+              <a:rPr lang="zh-CN" altLang="en-US" sz="1200" dirty="0"/>
+              <a:t> </a:t>
+            </a:r>
             <a:r>
               <a:rPr lang="en-US" altLang="zh-CN" sz="1200" dirty="0"/>
-              <a:t>// size:1,  value:10</a:t>
-            </a:r>
-          </a:p>
-          <a:p>
-            <a:r>
-              <a:rPr lang="en-US" altLang="zh-CN" sz="1200" dirty="0"/>
-              <a:t>// size:2,  value:10, 42</a:t>
-            </a:r>
-          </a:p>
-          <a:p>
-            <a:r>
-              <a:rPr lang="en-US" altLang="zh-CN" sz="1200" dirty="0"/>
-              <a:t> // size:10, value:""</a:t>
-            </a:r>
-          </a:p>
-          <a:p>
-            <a:r>
-              <a:rPr lang="en-US" altLang="zh-CN" sz="1200" dirty="0"/>
-              <a:t>// size:10, </a:t>
-            </a:r>
-            <a:r>
-              <a:rPr lang="en-US" altLang="zh-CN" sz="1200" dirty="0" err="1"/>
-              <a:t>value:"hi</a:t>
-            </a:r>
-            <a:r>
-              <a:rPr lang="en-US" altLang="zh-CN" sz="1200" dirty="0"/>
-              <a:t>"</a:t>
-            </a:r>
+              <a:t>// </a:t>
+            </a:r>
+            <a:r>
+              <a:rPr lang="zh-CN" altLang="en-US" sz="1200" dirty="0"/>
+              <a:t>合法</a:t>
+            </a:r>
+          </a:p>
+          <a:p>
+            <a:endParaRPr lang="zh-CN" altLang="en-US" sz="1200" dirty="0"/>
           </a:p>
         </p:txBody>
       </p:sp>
@@ -1927,7 +1973,7 @@
           <a:p>
             <a:fld id="{0111EF2A-CA54-46BA-9D19-E4C580B41F03}" type="slidenum">
               <a:rPr lang="zh-CN" altLang="en-US" smtClean="0"/>
-              <a:t>19</a:t>
+              <a:t>18</a:t>
             </a:fld>
             <a:endParaRPr lang="zh-CN" altLang="en-US"/>
           </a:p>
@@ -1936,7 +1982,7 @@
     </p:spTree>
     <p:extLst>
       <p:ext uri="{BB962C8B-B14F-4D97-AF65-F5344CB8AC3E}">
-        <p14:creationId xmlns:p14="http://schemas.microsoft.com/office/powerpoint/2010/main" val="4253952973"/>
+        <p14:creationId xmlns:p14="http://schemas.microsoft.com/office/powerpoint/2010/main" val="3150058240"/>
       </p:ext>
     </p:extLst>
   </p:cSld>
@@ -1990,7 +2036,54 @@
           <a:bodyPr/>
           <a:lstStyle/>
           <a:p>
-            <a:endParaRPr lang="zh-CN" altLang="en-US" dirty="0"/>
+            <a:r>
+              <a:rPr lang="en-US" altLang="zh-CN" sz="1200" dirty="0"/>
+              <a:t>// size:0,  no values.</a:t>
+            </a:r>
+          </a:p>
+          <a:p>
+            <a:r>
+              <a:rPr lang="en-US" altLang="zh-CN" sz="1200" dirty="0"/>
+              <a:t>// size:10, value:0</a:t>
+            </a:r>
+          </a:p>
+          <a:p>
+            <a:r>
+              <a:rPr lang="en-US" altLang="zh-CN" sz="1200" dirty="0"/>
+              <a:t>// size:10, value:42</a:t>
+            </a:r>
+          </a:p>
+          <a:p>
+            <a:r>
+              <a:rPr lang="en-US" altLang="zh-CN" sz="1200" dirty="0"/>
+              <a:t>// size:1,  value:10</a:t>
+            </a:r>
+          </a:p>
+          <a:p>
+            <a:r>
+              <a:rPr lang="en-US" altLang="zh-CN" sz="1200" dirty="0"/>
+              <a:t>// size:2,  value:10, 42</a:t>
+            </a:r>
+          </a:p>
+          <a:p>
+            <a:r>
+              <a:rPr lang="en-US" altLang="zh-CN" sz="1200" dirty="0"/>
+              <a:t> // size:10, value:""</a:t>
+            </a:r>
+          </a:p>
+          <a:p>
+            <a:r>
+              <a:rPr lang="en-US" altLang="zh-CN" sz="1200" dirty="0"/>
+              <a:t>// size:10, </a:t>
+            </a:r>
+            <a:r>
+              <a:rPr lang="en-US" altLang="zh-CN" sz="1200" dirty="0" err="1"/>
+              <a:t>value:"hi</a:t>
+            </a:r>
+            <a:r>
+              <a:rPr lang="en-US" altLang="zh-CN" sz="1200" dirty="0"/>
+              <a:t>"</a:t>
+            </a:r>
           </a:p>
         </p:txBody>
       </p:sp>
@@ -2011,7 +2104,7 @@
           <a:p>
             <a:fld id="{0111EF2A-CA54-46BA-9D19-E4C580B41F03}" type="slidenum">
               <a:rPr lang="zh-CN" altLang="en-US" smtClean="0"/>
-              <a:t>20</a:t>
+              <a:t>19</a:t>
             </a:fld>
             <a:endParaRPr lang="zh-CN" altLang="en-US"/>
           </a:p>
@@ -2020,7 +2113,7 @@
     </p:spTree>
     <p:extLst>
       <p:ext uri="{BB962C8B-B14F-4D97-AF65-F5344CB8AC3E}">
-        <p14:creationId xmlns:p14="http://schemas.microsoft.com/office/powerpoint/2010/main" val="3505950153"/>
+        <p14:creationId xmlns:p14="http://schemas.microsoft.com/office/powerpoint/2010/main" val="4253952973"/>
       </p:ext>
     </p:extLst>
   </p:cSld>
@@ -2074,38 +2167,129 @@
           <a:bodyPr/>
           <a:lstStyle/>
           <a:p>
-            <a:pPr marL="0" marR="0" lvl="0" indent="0" algn="l" defTabSz="914400" rtl="0" eaLnBrk="1" fontAlgn="auto" latinLnBrk="0" hangingPunct="1">
-              <a:lnSpc>
-                <a:spcPct val="100000"/>
-              </a:lnSpc>
-              <a:spcBef>
-                <a:spcPts val="0"/>
-              </a:spcBef>
-              <a:spcAft>
-                <a:spcPts val="0"/>
-              </a:spcAft>
-              <a:buClrTx/>
-              <a:buSzTx/>
-              <a:buFontTx/>
-              <a:buNone/>
-              <a:tabLst/>
-              <a:defRPr/>
-            </a:pPr>
-            <a:r>
-              <a:rPr lang="zh-CN" altLang="en-US" dirty="0"/>
-              <a:t>两个</a:t>
-            </a:r>
-            <a:r>
-              <a:rPr lang="en-US" altLang="zh-CN" dirty="0" err="1"/>
-              <a:t>cpp</a:t>
-            </a:r>
-            <a:r>
-              <a:rPr lang="zh-CN" altLang="en-US" dirty="0"/>
-              <a:t>需要用到同一个变量，如果要在多个文件中使用同一个变量，必须将声明和定义分开</a:t>
-            </a:r>
-          </a:p>
-          <a:p>
-            <a:endParaRPr lang="zh-CN" altLang="en-US" dirty="0"/>
+            <a:r>
+              <a:rPr lang="en-US" altLang="zh-CN" sz="1200" dirty="0"/>
+              <a:t>#include &lt;iostream&gt;</a:t>
+            </a:r>
+          </a:p>
+          <a:p>
+            <a:r>
+              <a:rPr lang="en-US" altLang="zh-CN" sz="1200" dirty="0"/>
+              <a:t>#include &lt;vector&gt;</a:t>
+            </a:r>
+          </a:p>
+          <a:p>
+            <a:endParaRPr lang="en-US" altLang="zh-CN" sz="1200" dirty="0"/>
+          </a:p>
+          <a:p>
+            <a:r>
+              <a:rPr lang="en-US" altLang="zh-CN" sz="1200" dirty="0"/>
+              <a:t>using namespace std;</a:t>
+            </a:r>
+          </a:p>
+          <a:p>
+            <a:endParaRPr lang="en-US" altLang="zh-CN" sz="1200" dirty="0"/>
+          </a:p>
+          <a:p>
+            <a:r>
+              <a:rPr lang="en-US" altLang="zh-CN" sz="1200" dirty="0"/>
+              <a:t>int main()</a:t>
+            </a:r>
+          </a:p>
+          <a:p>
+            <a:r>
+              <a:rPr lang="en-US" altLang="zh-CN" sz="1200" dirty="0"/>
+              <a:t>{</a:t>
+            </a:r>
+          </a:p>
+          <a:p>
+            <a:r>
+              <a:rPr lang="en-US" altLang="zh-CN" sz="1200" dirty="0"/>
+              <a:t>	vector&lt;int&gt; </a:t>
+            </a:r>
+            <a:r>
+              <a:rPr lang="en-US" altLang="zh-CN" sz="1200" dirty="0" err="1"/>
+              <a:t>ivec</a:t>
+            </a:r>
+            <a:r>
+              <a:rPr lang="en-US" altLang="zh-CN" sz="1200" dirty="0"/>
+              <a:t>(10, 42);</a:t>
+            </a:r>
+          </a:p>
+          <a:p>
+            <a:endParaRPr lang="en-US" altLang="zh-CN" sz="1200" dirty="0"/>
+          </a:p>
+          <a:p>
+            <a:r>
+              <a:rPr lang="en-US" altLang="zh-CN" sz="1200" dirty="0"/>
+              <a:t>	for (auto it= </a:t>
+            </a:r>
+            <a:r>
+              <a:rPr lang="en-US" altLang="zh-CN" sz="1200" dirty="0" err="1"/>
+              <a:t>ivec.begin</a:t>
+            </a:r>
+            <a:r>
+              <a:rPr lang="en-US" altLang="zh-CN" sz="1200" dirty="0"/>
+              <a:t>(); it!=</a:t>
+            </a:r>
+            <a:r>
+              <a:rPr lang="en-US" altLang="zh-CN" sz="1200" dirty="0" err="1"/>
+              <a:t>ivec.end</a:t>
+            </a:r>
+            <a:r>
+              <a:rPr lang="en-US" altLang="zh-CN" sz="1200" dirty="0"/>
+              <a:t>();it++)</a:t>
+            </a:r>
+          </a:p>
+          <a:p>
+            <a:r>
+              <a:rPr lang="en-US" altLang="zh-CN" sz="1200" dirty="0"/>
+              <a:t>	{</a:t>
+            </a:r>
+          </a:p>
+          <a:p>
+            <a:r>
+              <a:rPr lang="en-US" altLang="zh-CN" sz="1200" dirty="0"/>
+              <a:t>		*it = (*it) * 2;</a:t>
+            </a:r>
+          </a:p>
+          <a:p>
+            <a:r>
+              <a:rPr lang="en-US" altLang="zh-CN" sz="1200" dirty="0"/>
+              <a:t>		</a:t>
+            </a:r>
+            <a:r>
+              <a:rPr lang="en-US" altLang="zh-CN" sz="1200" dirty="0" err="1"/>
+              <a:t>cout</a:t>
+            </a:r>
+            <a:r>
+              <a:rPr lang="en-US" altLang="zh-CN" sz="1200" dirty="0"/>
+              <a:t> &lt;&lt; *it &lt;&lt; endl;</a:t>
+            </a:r>
+          </a:p>
+          <a:p>
+            <a:r>
+              <a:rPr lang="en-US" altLang="zh-CN" sz="1200" dirty="0"/>
+              <a:t>	}</a:t>
+            </a:r>
+          </a:p>
+          <a:p>
+            <a:r>
+              <a:rPr lang="en-US" altLang="zh-CN" sz="1200" dirty="0"/>
+              <a:t>	</a:t>
+            </a:r>
+          </a:p>
+          <a:p>
+            <a:r>
+              <a:rPr lang="en-US" altLang="zh-CN" sz="1200" dirty="0"/>
+              <a:t>	return 0;</a:t>
+            </a:r>
+          </a:p>
+          <a:p>
+            <a:r>
+              <a:rPr lang="en-US" altLang="zh-CN" sz="1200" dirty="0"/>
+              <a:t>}</a:t>
+            </a:r>
           </a:p>
         </p:txBody>
       </p:sp>
@@ -2126,7 +2310,7 @@
           <a:p>
             <a:fld id="{0111EF2A-CA54-46BA-9D19-E4C580B41F03}" type="slidenum">
               <a:rPr lang="zh-CN" altLang="en-US" smtClean="0"/>
-              <a:t>24</a:t>
+              <a:t>20</a:t>
             </a:fld>
             <a:endParaRPr lang="zh-CN" altLang="en-US"/>
           </a:p>
@@ -2135,7 +2319,7 @@
     </p:spTree>
     <p:extLst>
       <p:ext uri="{BB962C8B-B14F-4D97-AF65-F5344CB8AC3E}">
-        <p14:creationId xmlns:p14="http://schemas.microsoft.com/office/powerpoint/2010/main" val="2881975851"/>
+        <p14:creationId xmlns:p14="http://schemas.microsoft.com/office/powerpoint/2010/main" val="418787312"/>
       </p:ext>
     </p:extLst>
   </p:cSld>
@@ -2189,7 +2373,18 @@
           <a:bodyPr/>
           <a:lstStyle/>
           <a:p>
-            <a:endParaRPr lang="zh-CN" altLang="en-US" dirty="0"/>
+            <a:r>
+              <a:rPr lang="zh-CN" altLang="en-US" dirty="0"/>
+              <a:t>熟悉</a:t>
+            </a:r>
+            <a:r>
+              <a:rPr lang="en-US" altLang="zh-CN" dirty="0"/>
+              <a:t>IDE</a:t>
+            </a:r>
+            <a:r>
+              <a:rPr lang="zh-CN" altLang="en-US" dirty="0"/>
+              <a:t>的基本操作</a:t>
+            </a:r>
           </a:p>
         </p:txBody>
       </p:sp>
@@ -2210,7 +2405,7 @@
           <a:p>
             <a:fld id="{0111EF2A-CA54-46BA-9D19-E4C580B41F03}" type="slidenum">
               <a:rPr lang="zh-CN" altLang="en-US" smtClean="0"/>
-              <a:t>25</a:t>
+              <a:t>21</a:t>
             </a:fld>
             <a:endParaRPr lang="zh-CN" altLang="en-US"/>
           </a:p>
@@ -2219,7 +2414,7 @@
     </p:spTree>
     <p:extLst>
       <p:ext uri="{BB962C8B-B14F-4D97-AF65-F5344CB8AC3E}">
-        <p14:creationId xmlns:p14="http://schemas.microsoft.com/office/powerpoint/2010/main" val="3429298068"/>
+        <p14:creationId xmlns:p14="http://schemas.microsoft.com/office/powerpoint/2010/main" val="1118754716"/>
       </p:ext>
     </p:extLst>
   </p:cSld>
@@ -2294,7 +2489,7 @@
           <a:p>
             <a:fld id="{0111EF2A-CA54-46BA-9D19-E4C580B41F03}" type="slidenum">
               <a:rPr lang="zh-CN" altLang="en-US" smtClean="0"/>
-              <a:t>26</a:t>
+              <a:t>22</a:t>
             </a:fld>
             <a:endParaRPr lang="zh-CN" altLang="en-US"/>
           </a:p>
@@ -2303,7 +2498,7 @@
     </p:spTree>
     <p:extLst>
       <p:ext uri="{BB962C8B-B14F-4D97-AF65-F5344CB8AC3E}">
-        <p14:creationId xmlns:p14="http://schemas.microsoft.com/office/powerpoint/2010/main" val="1193716757"/>
+        <p14:creationId xmlns:p14="http://schemas.microsoft.com/office/powerpoint/2010/main" val="2881975851"/>
       </p:ext>
     </p:extLst>
   </p:cSld>
@@ -2357,53 +2552,6 @@
           <a:bodyPr/>
           <a:lstStyle/>
           <a:p>
-            <a:r>
-              <a:rPr lang="en-US" altLang="zh-CN" dirty="0"/>
-              <a:t>(a): </a:t>
-            </a:r>
-            <a:r>
-              <a:rPr lang="zh-CN" altLang="en-US" dirty="0"/>
-              <a:t>字符字面值，宽字符字面值，字符串字面值，宽字符串字面值。</a:t>
-            </a:r>
-          </a:p>
-          <a:p>
-            <a:endParaRPr lang="zh-CN" altLang="en-US" dirty="0"/>
-          </a:p>
-          <a:p>
-            <a:r>
-              <a:rPr lang="en-US" altLang="zh-CN" dirty="0"/>
-              <a:t>(b): </a:t>
-            </a:r>
-            <a:r>
-              <a:rPr lang="zh-CN" altLang="en-US" dirty="0"/>
-              <a:t>十进制整型，十进制无符号整型，十进制长整型，十进制无符号长整型，八进制整型，十六进制整型。</a:t>
-            </a:r>
-          </a:p>
-          <a:p>
-            <a:endParaRPr lang="zh-CN" altLang="en-US" dirty="0"/>
-          </a:p>
-          <a:p>
-            <a:r>
-              <a:rPr lang="en-US" altLang="zh-CN" dirty="0"/>
-              <a:t>(c): double, float, long ,double</a:t>
-            </a:r>
-          </a:p>
-          <a:p>
-            <a:endParaRPr lang="en-US" altLang="zh-CN" dirty="0"/>
-          </a:p>
-          <a:p>
-            <a:r>
-              <a:rPr lang="en-US" altLang="zh-CN" dirty="0"/>
-              <a:t>(d): </a:t>
-            </a:r>
-            <a:r>
-              <a:rPr lang="zh-CN" altLang="en-US" dirty="0"/>
-              <a:t>十进制整型，十进制无符号整型，</a:t>
-            </a:r>
-            <a:r>
-              <a:rPr lang="en-US" altLang="zh-CN" dirty="0"/>
-              <a:t>double, double</a:t>
-            </a:r>
             <a:endParaRPr lang="zh-CN" altLang="en-US" dirty="0"/>
           </a:p>
         </p:txBody>
@@ -2425,7 +2573,7 @@
           <a:p>
             <a:fld id="{0111EF2A-CA54-46BA-9D19-E4C580B41F03}" type="slidenum">
               <a:rPr lang="zh-CN" altLang="en-US" smtClean="0"/>
-              <a:t>5</a:t>
+              <a:t>4</a:t>
             </a:fld>
             <a:endParaRPr lang="zh-CN" altLang="en-US"/>
           </a:p>
@@ -2434,414 +2582,7 @@
     </p:spTree>
     <p:extLst>
       <p:ext uri="{BB962C8B-B14F-4D97-AF65-F5344CB8AC3E}">
-        <p14:creationId xmlns:p14="http://schemas.microsoft.com/office/powerpoint/2010/main" val="3514901634"/>
-      </p:ext>
-    </p:extLst>
-  </p:cSld>
-  <p:clrMapOvr>
-    <a:masterClrMapping/>
-  </p:clrMapOvr>
-</p:notes>
-</file>
-
-<file path=ppt/notesSlides/notesSlide20.xml><?xml version="1.0" encoding="utf-8"?>
-<p:notes xmlns:a="http://schemas.openxmlformats.org/drawingml/2006/main" xmlns:r="http://schemas.openxmlformats.org/officeDocument/2006/relationships" xmlns:p="http://schemas.openxmlformats.org/presentationml/2006/main">
-  <p:cSld>
-    <p:spTree>
-      <p:nvGrpSpPr>
-        <p:cNvPr id="1" name=""/>
-        <p:cNvGrpSpPr/>
-        <p:nvPr/>
-      </p:nvGrpSpPr>
-      <p:grpSpPr>
-        <a:xfrm>
-          <a:off x="0" y="0"/>
-          <a:ext cx="0" cy="0"/>
-          <a:chOff x="0" y="0"/>
-          <a:chExt cx="0" cy="0"/>
-        </a:xfrm>
-      </p:grpSpPr>
-      <p:sp>
-        <p:nvSpPr>
-          <p:cNvPr id="2" name="幻灯片图像占位符 1"/>
-          <p:cNvSpPr>
-            <a:spLocks noGrp="1" noRot="1" noChangeAspect="1"/>
-          </p:cNvSpPr>
-          <p:nvPr>
-            <p:ph type="sldImg"/>
-          </p:nvPr>
-        </p:nvSpPr>
-        <p:spPr/>
-      </p:sp>
-      <p:sp>
-        <p:nvSpPr>
-          <p:cNvPr id="3" name="备注占位符 2"/>
-          <p:cNvSpPr>
-            <a:spLocks noGrp="1"/>
-          </p:cNvSpPr>
-          <p:nvPr>
-            <p:ph type="body" idx="1"/>
-          </p:nvPr>
-        </p:nvSpPr>
-        <p:spPr/>
-        <p:txBody>
-          <a:bodyPr/>
-          <a:lstStyle/>
-          <a:p>
-            <a:pPr marL="0" marR="0" lvl="0" indent="0" algn="l" defTabSz="914400" rtl="0" eaLnBrk="1" fontAlgn="auto" latinLnBrk="0" hangingPunct="1">
-              <a:lnSpc>
-                <a:spcPct val="100000"/>
-              </a:lnSpc>
-              <a:spcBef>
-                <a:spcPts val="0"/>
-              </a:spcBef>
-              <a:spcAft>
-                <a:spcPts val="0"/>
-              </a:spcAft>
-              <a:buClrTx/>
-              <a:buSzTx/>
-              <a:buFontTx/>
-              <a:buNone/>
-              <a:tabLst/>
-              <a:defRPr/>
-            </a:pPr>
-            <a:r>
-              <a:rPr lang="zh-CN" altLang="en-US" dirty="0"/>
-              <a:t>引用的底层实现</a:t>
-            </a:r>
-          </a:p>
-        </p:txBody>
-      </p:sp>
-      <p:sp>
-        <p:nvSpPr>
-          <p:cNvPr id="4" name="灯片编号占位符 3"/>
-          <p:cNvSpPr>
-            <a:spLocks noGrp="1"/>
-          </p:cNvSpPr>
-          <p:nvPr>
-            <p:ph type="sldNum" sz="quarter" idx="5"/>
-          </p:nvPr>
-        </p:nvSpPr>
-        <p:spPr/>
-        <p:txBody>
-          <a:bodyPr/>
-          <a:lstStyle/>
-          <a:p>
-            <a:fld id="{0111EF2A-CA54-46BA-9D19-E4C580B41F03}" type="slidenum">
-              <a:rPr lang="zh-CN" altLang="en-US" smtClean="0"/>
-              <a:t>27</a:t>
-            </a:fld>
-            <a:endParaRPr lang="zh-CN" altLang="en-US"/>
-          </a:p>
-        </p:txBody>
-      </p:sp>
-    </p:spTree>
-    <p:extLst>
-      <p:ext uri="{BB962C8B-B14F-4D97-AF65-F5344CB8AC3E}">
-        <p14:creationId xmlns:p14="http://schemas.microsoft.com/office/powerpoint/2010/main" val="1380503854"/>
-      </p:ext>
-    </p:extLst>
-  </p:cSld>
-  <p:clrMapOvr>
-    <a:masterClrMapping/>
-  </p:clrMapOvr>
-</p:notes>
-</file>
-
-<file path=ppt/notesSlides/notesSlide21.xml><?xml version="1.0" encoding="utf-8"?>
-<p:notes xmlns:a="http://schemas.openxmlformats.org/drawingml/2006/main" xmlns:r="http://schemas.openxmlformats.org/officeDocument/2006/relationships" xmlns:p="http://schemas.openxmlformats.org/presentationml/2006/main">
-  <p:cSld>
-    <p:spTree>
-      <p:nvGrpSpPr>
-        <p:cNvPr id="1" name=""/>
-        <p:cNvGrpSpPr/>
-        <p:nvPr/>
-      </p:nvGrpSpPr>
-      <p:grpSpPr>
-        <a:xfrm>
-          <a:off x="0" y="0"/>
-          <a:ext cx="0" cy="0"/>
-          <a:chOff x="0" y="0"/>
-          <a:chExt cx="0" cy="0"/>
-        </a:xfrm>
-      </p:grpSpPr>
-      <p:sp>
-        <p:nvSpPr>
-          <p:cNvPr id="2" name="幻灯片图像占位符 1"/>
-          <p:cNvSpPr>
-            <a:spLocks noGrp="1" noRot="1" noChangeAspect="1"/>
-          </p:cNvSpPr>
-          <p:nvPr>
-            <p:ph type="sldImg"/>
-          </p:nvPr>
-        </p:nvSpPr>
-        <p:spPr/>
-      </p:sp>
-      <p:sp>
-        <p:nvSpPr>
-          <p:cNvPr id="3" name="备注占位符 2"/>
-          <p:cNvSpPr>
-            <a:spLocks noGrp="1"/>
-          </p:cNvSpPr>
-          <p:nvPr>
-            <p:ph type="body" idx="1"/>
-          </p:nvPr>
-        </p:nvSpPr>
-        <p:spPr/>
-        <p:txBody>
-          <a:bodyPr/>
-          <a:lstStyle/>
-          <a:p>
-            <a:pPr marL="0" marR="0" lvl="0" indent="0" algn="l" defTabSz="914400" rtl="0" eaLnBrk="1" fontAlgn="auto" latinLnBrk="0" hangingPunct="1">
-              <a:lnSpc>
-                <a:spcPct val="100000"/>
-              </a:lnSpc>
-              <a:spcBef>
-                <a:spcPts val="0"/>
-              </a:spcBef>
-              <a:spcAft>
-                <a:spcPts val="0"/>
-              </a:spcAft>
-              <a:buClrTx/>
-              <a:buSzTx/>
-              <a:buFontTx/>
-              <a:buNone/>
-              <a:tabLst/>
-              <a:defRPr/>
-            </a:pPr>
-            <a:endParaRPr lang="zh-CN" altLang="en-US" dirty="0"/>
-          </a:p>
-        </p:txBody>
-      </p:sp>
-      <p:sp>
-        <p:nvSpPr>
-          <p:cNvPr id="4" name="灯片编号占位符 3"/>
-          <p:cNvSpPr>
-            <a:spLocks noGrp="1"/>
-          </p:cNvSpPr>
-          <p:nvPr>
-            <p:ph type="sldNum" sz="quarter" idx="5"/>
-          </p:nvPr>
-        </p:nvSpPr>
-        <p:spPr/>
-        <p:txBody>
-          <a:bodyPr/>
-          <a:lstStyle/>
-          <a:p>
-            <a:fld id="{0111EF2A-CA54-46BA-9D19-E4C580B41F03}" type="slidenum">
-              <a:rPr lang="zh-CN" altLang="en-US" smtClean="0"/>
-              <a:t>28</a:t>
-            </a:fld>
-            <a:endParaRPr lang="zh-CN" altLang="en-US"/>
-          </a:p>
-        </p:txBody>
-      </p:sp>
-    </p:spTree>
-    <p:extLst>
-      <p:ext uri="{BB962C8B-B14F-4D97-AF65-F5344CB8AC3E}">
-        <p14:creationId xmlns:p14="http://schemas.microsoft.com/office/powerpoint/2010/main" val="1341117382"/>
-      </p:ext>
-    </p:extLst>
-  </p:cSld>
-  <p:clrMapOvr>
-    <a:masterClrMapping/>
-  </p:clrMapOvr>
-</p:notes>
-</file>
-
-<file path=ppt/notesSlides/notesSlide22.xml><?xml version="1.0" encoding="utf-8"?>
-<p:notes xmlns:a="http://schemas.openxmlformats.org/drawingml/2006/main" xmlns:r="http://schemas.openxmlformats.org/officeDocument/2006/relationships" xmlns:p="http://schemas.openxmlformats.org/presentationml/2006/main">
-  <p:cSld>
-    <p:spTree>
-      <p:nvGrpSpPr>
-        <p:cNvPr id="1" name=""/>
-        <p:cNvGrpSpPr/>
-        <p:nvPr/>
-      </p:nvGrpSpPr>
-      <p:grpSpPr>
-        <a:xfrm>
-          <a:off x="0" y="0"/>
-          <a:ext cx="0" cy="0"/>
-          <a:chOff x="0" y="0"/>
-          <a:chExt cx="0" cy="0"/>
-        </a:xfrm>
-      </p:grpSpPr>
-      <p:sp>
-        <p:nvSpPr>
-          <p:cNvPr id="2" name="幻灯片图像占位符 1"/>
-          <p:cNvSpPr>
-            <a:spLocks noGrp="1" noRot="1" noChangeAspect="1"/>
-          </p:cNvSpPr>
-          <p:nvPr>
-            <p:ph type="sldImg"/>
-          </p:nvPr>
-        </p:nvSpPr>
-        <p:spPr/>
-      </p:sp>
-      <p:sp>
-        <p:nvSpPr>
-          <p:cNvPr id="3" name="备注占位符 2"/>
-          <p:cNvSpPr>
-            <a:spLocks noGrp="1"/>
-          </p:cNvSpPr>
-          <p:nvPr>
-            <p:ph type="body" idx="1"/>
-          </p:nvPr>
-        </p:nvSpPr>
-        <p:spPr/>
-        <p:txBody>
-          <a:bodyPr/>
-          <a:lstStyle/>
-          <a:p>
-            <a:pPr marL="0" marR="0" lvl="0" indent="0" algn="l" defTabSz="914400" rtl="0" eaLnBrk="1" fontAlgn="auto" latinLnBrk="0" hangingPunct="1">
-              <a:lnSpc>
-                <a:spcPct val="100000"/>
-              </a:lnSpc>
-              <a:spcBef>
-                <a:spcPts val="0"/>
-              </a:spcBef>
-              <a:spcAft>
-                <a:spcPts val="0"/>
-              </a:spcAft>
-              <a:buClrTx/>
-              <a:buSzTx/>
-              <a:buFontTx/>
-              <a:buNone/>
-              <a:tabLst/>
-              <a:defRPr/>
-            </a:pPr>
-            <a:endParaRPr lang="zh-CN" altLang="en-US" dirty="0"/>
-          </a:p>
-        </p:txBody>
-      </p:sp>
-      <p:sp>
-        <p:nvSpPr>
-          <p:cNvPr id="4" name="灯片编号占位符 3"/>
-          <p:cNvSpPr>
-            <a:spLocks noGrp="1"/>
-          </p:cNvSpPr>
-          <p:nvPr>
-            <p:ph type="sldNum" sz="quarter" idx="5"/>
-          </p:nvPr>
-        </p:nvSpPr>
-        <p:spPr/>
-        <p:txBody>
-          <a:bodyPr/>
-          <a:lstStyle/>
-          <a:p>
-            <a:fld id="{0111EF2A-CA54-46BA-9D19-E4C580B41F03}" type="slidenum">
-              <a:rPr lang="zh-CN" altLang="en-US" smtClean="0"/>
-              <a:t>29</a:t>
-            </a:fld>
-            <a:endParaRPr lang="zh-CN" altLang="en-US"/>
-          </a:p>
-        </p:txBody>
-      </p:sp>
-    </p:spTree>
-    <p:extLst>
-      <p:ext uri="{BB962C8B-B14F-4D97-AF65-F5344CB8AC3E}">
-        <p14:creationId xmlns:p14="http://schemas.microsoft.com/office/powerpoint/2010/main" val="1469756787"/>
-      </p:ext>
-    </p:extLst>
-  </p:cSld>
-  <p:clrMapOvr>
-    <a:masterClrMapping/>
-  </p:clrMapOvr>
-</p:notes>
-</file>
-
-<file path=ppt/notesSlides/notesSlide23.xml><?xml version="1.0" encoding="utf-8"?>
-<p:notes xmlns:a="http://schemas.openxmlformats.org/drawingml/2006/main" xmlns:r="http://schemas.openxmlformats.org/officeDocument/2006/relationships" xmlns:p="http://schemas.openxmlformats.org/presentationml/2006/main">
-  <p:cSld>
-    <p:spTree>
-      <p:nvGrpSpPr>
-        <p:cNvPr id="1" name=""/>
-        <p:cNvGrpSpPr/>
-        <p:nvPr/>
-      </p:nvGrpSpPr>
-      <p:grpSpPr>
-        <a:xfrm>
-          <a:off x="0" y="0"/>
-          <a:ext cx="0" cy="0"/>
-          <a:chOff x="0" y="0"/>
-          <a:chExt cx="0" cy="0"/>
-        </a:xfrm>
-      </p:grpSpPr>
-      <p:sp>
-        <p:nvSpPr>
-          <p:cNvPr id="2" name="幻灯片图像占位符 1"/>
-          <p:cNvSpPr>
-            <a:spLocks noGrp="1" noRot="1" noChangeAspect="1"/>
-          </p:cNvSpPr>
-          <p:nvPr>
-            <p:ph type="sldImg"/>
-          </p:nvPr>
-        </p:nvSpPr>
-        <p:spPr/>
-      </p:sp>
-      <p:sp>
-        <p:nvSpPr>
-          <p:cNvPr id="3" name="备注占位符 2"/>
-          <p:cNvSpPr>
-            <a:spLocks noGrp="1"/>
-          </p:cNvSpPr>
-          <p:nvPr>
-            <p:ph type="body" idx="1"/>
-          </p:nvPr>
-        </p:nvSpPr>
-        <p:spPr/>
-        <p:txBody>
-          <a:bodyPr/>
-          <a:lstStyle/>
-          <a:p>
-            <a:pPr marL="0" marR="0" lvl="0" indent="0" algn="l" defTabSz="914400" rtl="0" eaLnBrk="1" fontAlgn="auto" latinLnBrk="0" hangingPunct="1">
-              <a:lnSpc>
-                <a:spcPct val="100000"/>
-              </a:lnSpc>
-              <a:spcBef>
-                <a:spcPts val="0"/>
-              </a:spcBef>
-              <a:spcAft>
-                <a:spcPts val="0"/>
-              </a:spcAft>
-              <a:buClrTx/>
-              <a:buSzTx/>
-              <a:buFontTx/>
-              <a:buNone/>
-              <a:tabLst/>
-              <a:defRPr/>
-            </a:pPr>
-            <a:endParaRPr lang="zh-CN" altLang="en-US" dirty="0"/>
-          </a:p>
-        </p:txBody>
-      </p:sp>
-      <p:sp>
-        <p:nvSpPr>
-          <p:cNvPr id="4" name="灯片编号占位符 3"/>
-          <p:cNvSpPr>
-            <a:spLocks noGrp="1"/>
-          </p:cNvSpPr>
-          <p:nvPr>
-            <p:ph type="sldNum" sz="quarter" idx="5"/>
-          </p:nvPr>
-        </p:nvSpPr>
-        <p:spPr/>
-        <p:txBody>
-          <a:bodyPr/>
-          <a:lstStyle/>
-          <a:p>
-            <a:fld id="{0111EF2A-CA54-46BA-9D19-E4C580B41F03}" type="slidenum">
-              <a:rPr lang="zh-CN" altLang="en-US" smtClean="0"/>
-              <a:t>30</a:t>
-            </a:fld>
-            <a:endParaRPr lang="zh-CN" altLang="en-US"/>
-          </a:p>
-        </p:txBody>
-      </p:sp>
-    </p:spTree>
-    <p:extLst>
-      <p:ext uri="{BB962C8B-B14F-4D97-AF65-F5344CB8AC3E}">
-        <p14:creationId xmlns:p14="http://schemas.microsoft.com/office/powerpoint/2010/main" val="3319629375"/>
+        <p14:creationId xmlns:p14="http://schemas.microsoft.com/office/powerpoint/2010/main" val="2336148766"/>
       </p:ext>
     </p:extLst>
   </p:cSld>
@@ -2896,202 +2637,52 @@
           <a:lstStyle/>
           <a:p>
             <a:r>
-              <a:rPr lang="en-US" altLang="zh-CN" sz="1200" b="0" i="0" kern="1200" dirty="0" err="1">
-                <a:solidFill>
-                  <a:schemeClr val="tx1"/>
-                </a:solidFill>
-                <a:effectLst/>
-                <a:latin typeface="+mn-lt"/>
-                <a:ea typeface="+mn-ea"/>
-                <a:cs typeface="+mn-cs"/>
-              </a:rPr>
-              <a:t>global_int</a:t>
-            </a:r>
-            <a:r>
-              <a:rPr lang="en-US" altLang="zh-CN" sz="1200" b="0" i="0" kern="1200" dirty="0">
-                <a:solidFill>
-                  <a:schemeClr val="tx1"/>
-                </a:solidFill>
-                <a:effectLst/>
-                <a:latin typeface="+mn-lt"/>
-                <a:ea typeface="+mn-ea"/>
-                <a:cs typeface="+mn-cs"/>
-              </a:rPr>
-              <a:t> </a:t>
-            </a:r>
-            <a:r>
-              <a:rPr lang="zh-CN" altLang="en-US" sz="1200" b="0" i="0" kern="1200" dirty="0">
-                <a:solidFill>
-                  <a:schemeClr val="tx1"/>
-                </a:solidFill>
-                <a:effectLst/>
-                <a:latin typeface="+mn-lt"/>
-                <a:ea typeface="+mn-ea"/>
-                <a:cs typeface="+mn-cs"/>
-              </a:rPr>
-              <a:t>是全局变量，所以初值为 </a:t>
-            </a:r>
-            <a:r>
-              <a:rPr lang="en-US" altLang="zh-CN" sz="1200" b="0" i="0" kern="1200" dirty="0">
-                <a:solidFill>
-                  <a:schemeClr val="tx1"/>
-                </a:solidFill>
-                <a:effectLst/>
-                <a:latin typeface="+mn-lt"/>
-                <a:ea typeface="+mn-ea"/>
-                <a:cs typeface="+mn-cs"/>
-              </a:rPr>
-              <a:t>0 </a:t>
-            </a:r>
-            <a:r>
-              <a:rPr lang="zh-CN" altLang="en-US" sz="1200" b="0" i="0" kern="1200" dirty="0">
-                <a:solidFill>
-                  <a:schemeClr val="tx1"/>
-                </a:solidFill>
-                <a:effectLst/>
-                <a:latin typeface="+mn-lt"/>
-                <a:ea typeface="+mn-ea"/>
-                <a:cs typeface="+mn-cs"/>
-              </a:rPr>
-              <a:t>。 </a:t>
-            </a:r>
-            <a:r>
-              <a:rPr lang="en-US" altLang="zh-CN" sz="1200" b="0" i="0" kern="1200" dirty="0" err="1">
-                <a:solidFill>
-                  <a:schemeClr val="tx1"/>
-                </a:solidFill>
-                <a:effectLst/>
-                <a:latin typeface="+mn-lt"/>
-                <a:ea typeface="+mn-ea"/>
-                <a:cs typeface="+mn-cs"/>
-              </a:rPr>
-              <a:t>local_int</a:t>
-            </a:r>
-            <a:r>
-              <a:rPr lang="en-US" altLang="zh-CN" sz="1200" b="0" i="0" kern="1200" dirty="0">
-                <a:solidFill>
-                  <a:schemeClr val="tx1"/>
-                </a:solidFill>
-                <a:effectLst/>
-                <a:latin typeface="+mn-lt"/>
-                <a:ea typeface="+mn-ea"/>
-                <a:cs typeface="+mn-cs"/>
-              </a:rPr>
-              <a:t> </a:t>
-            </a:r>
-            <a:r>
-              <a:rPr lang="zh-CN" altLang="en-US" sz="1200" b="0" i="0" kern="1200" dirty="0">
-                <a:solidFill>
-                  <a:schemeClr val="tx1"/>
-                </a:solidFill>
-                <a:effectLst/>
-                <a:latin typeface="+mn-lt"/>
-                <a:ea typeface="+mn-ea"/>
-                <a:cs typeface="+mn-cs"/>
-              </a:rPr>
-              <a:t>是局部变量并且没有初始化，它的初值是未定义的。 </a:t>
-            </a:r>
-            <a:r>
-              <a:rPr lang="en-US" altLang="zh-CN" sz="1200" b="0" i="0" kern="1200" dirty="0" err="1">
-                <a:solidFill>
-                  <a:schemeClr val="tx1"/>
-                </a:solidFill>
-                <a:effectLst/>
-                <a:latin typeface="+mn-lt"/>
-                <a:ea typeface="+mn-ea"/>
-                <a:cs typeface="+mn-cs"/>
-              </a:rPr>
-              <a:t>global_str</a:t>
-            </a:r>
-            <a:r>
-              <a:rPr lang="en-US" altLang="zh-CN" sz="1200" b="0" i="0" kern="1200" dirty="0">
-                <a:solidFill>
-                  <a:schemeClr val="tx1"/>
-                </a:solidFill>
-                <a:effectLst/>
-                <a:latin typeface="+mn-lt"/>
-                <a:ea typeface="+mn-ea"/>
-                <a:cs typeface="+mn-cs"/>
-              </a:rPr>
-              <a:t> </a:t>
-            </a:r>
-            <a:r>
-              <a:rPr lang="zh-CN" altLang="en-US" sz="1200" b="0" i="0" kern="1200" dirty="0">
-                <a:solidFill>
-                  <a:schemeClr val="tx1"/>
-                </a:solidFill>
-                <a:effectLst/>
-                <a:latin typeface="+mn-lt"/>
-                <a:ea typeface="+mn-ea"/>
-                <a:cs typeface="+mn-cs"/>
-              </a:rPr>
-              <a:t>和 </a:t>
-            </a:r>
-            <a:r>
-              <a:rPr lang="en-US" altLang="zh-CN" sz="1200" b="0" i="0" kern="1200" dirty="0" err="1">
-                <a:solidFill>
-                  <a:schemeClr val="tx1"/>
-                </a:solidFill>
-                <a:effectLst/>
-                <a:latin typeface="+mn-lt"/>
-                <a:ea typeface="+mn-ea"/>
-                <a:cs typeface="+mn-cs"/>
-              </a:rPr>
-              <a:t>local_str</a:t>
-            </a:r>
-            <a:r>
-              <a:rPr lang="en-US" altLang="zh-CN" sz="1200" b="0" i="0" kern="1200" dirty="0">
-                <a:solidFill>
-                  <a:schemeClr val="tx1"/>
-                </a:solidFill>
-                <a:effectLst/>
-                <a:latin typeface="+mn-lt"/>
-                <a:ea typeface="+mn-ea"/>
-                <a:cs typeface="+mn-cs"/>
-              </a:rPr>
-              <a:t> </a:t>
-            </a:r>
-            <a:r>
-              <a:rPr lang="zh-CN" altLang="en-US" sz="1200" b="0" i="0" kern="1200" dirty="0">
-                <a:solidFill>
-                  <a:schemeClr val="tx1"/>
-                </a:solidFill>
-                <a:effectLst/>
-                <a:latin typeface="+mn-lt"/>
-                <a:ea typeface="+mn-ea"/>
-                <a:cs typeface="+mn-cs"/>
-              </a:rPr>
-              <a:t>是 </a:t>
-            </a:r>
-            <a:r>
-              <a:rPr lang="en-US" altLang="zh-CN" sz="1200" b="0" i="0" kern="1200" dirty="0">
-                <a:solidFill>
-                  <a:schemeClr val="tx1"/>
-                </a:solidFill>
-                <a:effectLst/>
-                <a:latin typeface="+mn-lt"/>
-                <a:ea typeface="+mn-ea"/>
-                <a:cs typeface="+mn-cs"/>
-              </a:rPr>
-              <a:t>string </a:t>
-            </a:r>
-            <a:r>
-              <a:rPr lang="zh-CN" altLang="en-US" sz="1200" b="0" i="0" kern="1200" dirty="0">
-                <a:solidFill>
-                  <a:schemeClr val="tx1"/>
-                </a:solidFill>
-                <a:effectLst/>
-                <a:latin typeface="+mn-lt"/>
-                <a:ea typeface="+mn-ea"/>
-                <a:cs typeface="+mn-cs"/>
-              </a:rPr>
-              <a:t>类的对象，该对象定义了默认的初始化方式，即初始化为空字符串。</a:t>
-            </a:r>
-          </a:p>
-          <a:p>
-            <a:br>
+              <a:rPr lang="en-US" altLang="zh-CN" dirty="0"/>
+              <a:t>(a): </a:t>
+            </a:r>
+            <a:r>
               <a:rPr lang="zh-CN" altLang="en-US" dirty="0"/>
-            </a:br>
+              <a:t>字符字面值，宽字符字面值，字符串字面值，宽字符串字面值。</a:t>
+            </a:r>
+          </a:p>
+          <a:p>
+            <a:endParaRPr lang="zh-CN" altLang="en-US" dirty="0"/>
+          </a:p>
+          <a:p>
+            <a:r>
+              <a:rPr lang="en-US" altLang="zh-CN" dirty="0"/>
+              <a:t>(b): </a:t>
+            </a:r>
+            <a:r>
+              <a:rPr lang="zh-CN" altLang="en-US" dirty="0"/>
+              <a:t>十进制整型，十进制无符号整型，十进制长整型，十进制无符号长整型，八进制整型，十六进制整型。</a:t>
+            </a:r>
+          </a:p>
+          <a:p>
+            <a:endParaRPr lang="zh-CN" altLang="en-US" dirty="0"/>
+          </a:p>
+          <a:p>
+            <a:r>
+              <a:rPr lang="en-US" altLang="zh-CN" dirty="0"/>
+              <a:t>(c): double, float, long ,double</a:t>
+            </a:r>
+          </a:p>
+          <a:p>
+            <a:endParaRPr lang="en-US" altLang="zh-CN" dirty="0"/>
+          </a:p>
+          <a:p>
+            <a:r>
+              <a:rPr lang="en-US" altLang="zh-CN" dirty="0"/>
+              <a:t>(d): </a:t>
+            </a:r>
+            <a:r>
+              <a:rPr lang="zh-CN" altLang="en-US" dirty="0"/>
+              <a:t>十进制整型，十进制无符号整型，</a:t>
+            </a:r>
+            <a:r>
+              <a:rPr lang="en-US" altLang="zh-CN" dirty="0"/>
+              <a:t>double, double</a:t>
+            </a:r>
             <a:endParaRPr lang="zh-CN" altLang="en-US" dirty="0"/>
           </a:p>
         </p:txBody>
@@ -3113,7 +2704,7 @@
           <a:p>
             <a:fld id="{0111EF2A-CA54-46BA-9D19-E4C580B41F03}" type="slidenum">
               <a:rPr lang="zh-CN" altLang="en-US" smtClean="0"/>
-              <a:t>6</a:t>
+              <a:t>5</a:t>
             </a:fld>
             <a:endParaRPr lang="zh-CN" altLang="en-US"/>
           </a:p>
@@ -3122,7 +2713,7 @@
     </p:spTree>
     <p:extLst>
       <p:ext uri="{BB962C8B-B14F-4D97-AF65-F5344CB8AC3E}">
-        <p14:creationId xmlns:p14="http://schemas.microsoft.com/office/powerpoint/2010/main" val="717769500"/>
+        <p14:creationId xmlns:p14="http://schemas.microsoft.com/office/powerpoint/2010/main" val="3514901634"/>
       </p:ext>
     </p:extLst>
   </p:cSld>
@@ -3177,33 +2768,203 @@
           <a:lstStyle/>
           <a:p>
             <a:r>
-              <a:rPr lang="en-US" altLang="zh-CN" dirty="0"/>
-              <a:t>(a): </a:t>
-            </a:r>
-            <a:r>
+              <a:rPr lang="en-US" altLang="zh-CN" sz="1200" b="0" i="0" kern="1200" dirty="0" err="1">
+                <a:solidFill>
+                  <a:schemeClr val="tx1"/>
+                </a:solidFill>
+                <a:effectLst/>
+                <a:latin typeface="+mn-lt"/>
+                <a:ea typeface="+mn-ea"/>
+                <a:cs typeface="+mn-cs"/>
+              </a:rPr>
+              <a:t>global_int</a:t>
+            </a:r>
+            <a:r>
+              <a:rPr lang="en-US" altLang="zh-CN" sz="1200" b="0" i="0" kern="1200" dirty="0">
+                <a:solidFill>
+                  <a:schemeClr val="tx1"/>
+                </a:solidFill>
+                <a:effectLst/>
+                <a:latin typeface="+mn-lt"/>
+                <a:ea typeface="+mn-ea"/>
+                <a:cs typeface="+mn-cs"/>
+              </a:rPr>
+              <a:t> </a:t>
+            </a:r>
+            <a:r>
+              <a:rPr lang="zh-CN" altLang="en-US" sz="1200" b="0" i="0" kern="1200" dirty="0">
+                <a:solidFill>
+                  <a:schemeClr val="tx1"/>
+                </a:solidFill>
+                <a:effectLst/>
+                <a:latin typeface="+mn-lt"/>
+                <a:ea typeface="+mn-ea"/>
+                <a:cs typeface="+mn-cs"/>
+              </a:rPr>
+              <a:t>是全局变量，所以初值为 </a:t>
+            </a:r>
+            <a:r>
+              <a:rPr lang="en-US" altLang="zh-CN" sz="1200" b="0" i="0" kern="1200" dirty="0">
+                <a:solidFill>
+                  <a:schemeClr val="tx1"/>
+                </a:solidFill>
+                <a:effectLst/>
+                <a:latin typeface="+mn-lt"/>
+                <a:ea typeface="+mn-ea"/>
+                <a:cs typeface="+mn-cs"/>
+              </a:rPr>
+              <a:t>0 </a:t>
+            </a:r>
+            <a:r>
+              <a:rPr lang="zh-CN" altLang="en-US" sz="1200" b="0" i="0" kern="1200" dirty="0">
+                <a:solidFill>
+                  <a:schemeClr val="tx1"/>
+                </a:solidFill>
+                <a:effectLst/>
+                <a:latin typeface="+mn-lt"/>
+                <a:ea typeface="+mn-ea"/>
+                <a:cs typeface="+mn-cs"/>
+              </a:rPr>
+              <a:t>。 </a:t>
+            </a:r>
+            <a:r>
+              <a:rPr lang="en-US" altLang="zh-CN" sz="1200" b="0" i="0" kern="1200" dirty="0" err="1">
+                <a:solidFill>
+                  <a:schemeClr val="tx1"/>
+                </a:solidFill>
+                <a:effectLst/>
+                <a:latin typeface="+mn-lt"/>
+                <a:ea typeface="+mn-ea"/>
+                <a:cs typeface="+mn-cs"/>
+              </a:rPr>
+              <a:t>local_int</a:t>
+            </a:r>
+            <a:r>
+              <a:rPr lang="en-US" altLang="zh-CN" sz="1200" b="0" i="0" kern="1200" dirty="0">
+                <a:solidFill>
+                  <a:schemeClr val="tx1"/>
+                </a:solidFill>
+                <a:effectLst/>
+                <a:latin typeface="+mn-lt"/>
+                <a:ea typeface="+mn-ea"/>
+                <a:cs typeface="+mn-cs"/>
+              </a:rPr>
+              <a:t> </a:t>
+            </a:r>
+            <a:r>
+              <a:rPr lang="zh-CN" altLang="en-US" sz="1200" b="0" i="0" kern="1200" dirty="0">
+                <a:solidFill>
+                  <a:schemeClr val="tx1"/>
+                </a:solidFill>
+                <a:effectLst/>
+                <a:latin typeface="+mn-lt"/>
+                <a:ea typeface="+mn-ea"/>
+                <a:cs typeface="+mn-cs"/>
+              </a:rPr>
+              <a:t>是局部变量并且没有初始化，它的初值是未定义的。 </a:t>
+            </a:r>
+            <a:r>
+              <a:rPr lang="en-US" altLang="zh-CN" sz="1200" b="0" i="0" kern="1200" dirty="0" err="1">
+                <a:solidFill>
+                  <a:schemeClr val="tx1"/>
+                </a:solidFill>
+                <a:effectLst/>
+                <a:latin typeface="+mn-lt"/>
+                <a:ea typeface="+mn-ea"/>
+                <a:cs typeface="+mn-cs"/>
+              </a:rPr>
+              <a:t>global_str</a:t>
+            </a:r>
+            <a:r>
+              <a:rPr lang="en-US" altLang="zh-CN" sz="1200" b="0" i="0" kern="1200" dirty="0">
+                <a:solidFill>
+                  <a:schemeClr val="tx1"/>
+                </a:solidFill>
+                <a:effectLst/>
+                <a:latin typeface="+mn-lt"/>
+                <a:ea typeface="+mn-ea"/>
+                <a:cs typeface="+mn-cs"/>
+              </a:rPr>
+              <a:t> </a:t>
+            </a:r>
+            <a:r>
+              <a:rPr lang="zh-CN" altLang="en-US" sz="1200" b="0" i="0" kern="1200" dirty="0">
+                <a:solidFill>
+                  <a:schemeClr val="tx1"/>
+                </a:solidFill>
+                <a:effectLst/>
+                <a:latin typeface="+mn-lt"/>
+                <a:ea typeface="+mn-ea"/>
+                <a:cs typeface="+mn-cs"/>
+              </a:rPr>
+              <a:t>和 </a:t>
+            </a:r>
+            <a:r>
+              <a:rPr lang="en-US" altLang="zh-CN" sz="1200" b="0" i="0" kern="1200" dirty="0" err="1">
+                <a:solidFill>
+                  <a:schemeClr val="tx1"/>
+                </a:solidFill>
+                <a:effectLst/>
+                <a:latin typeface="+mn-lt"/>
+                <a:ea typeface="+mn-ea"/>
+                <a:cs typeface="+mn-cs"/>
+              </a:rPr>
+              <a:t>local_str</a:t>
+            </a:r>
+            <a:r>
+              <a:rPr lang="en-US" altLang="zh-CN" sz="1200" b="0" i="0" kern="1200" dirty="0">
+                <a:solidFill>
+                  <a:schemeClr val="tx1"/>
+                </a:solidFill>
+                <a:effectLst/>
+                <a:latin typeface="+mn-lt"/>
+                <a:ea typeface="+mn-ea"/>
+                <a:cs typeface="+mn-cs"/>
+              </a:rPr>
+              <a:t> </a:t>
+            </a:r>
+            <a:r>
+              <a:rPr lang="zh-CN" altLang="en-US" sz="1200" b="0" i="0" kern="1200" dirty="0">
+                <a:solidFill>
+                  <a:schemeClr val="tx1"/>
+                </a:solidFill>
+                <a:effectLst/>
+                <a:latin typeface="+mn-lt"/>
+                <a:ea typeface="+mn-ea"/>
+                <a:cs typeface="+mn-cs"/>
+              </a:rPr>
+              <a:t>是 </a:t>
+            </a:r>
+            <a:r>
+              <a:rPr lang="en-US" altLang="zh-CN" sz="1200" b="0" i="0" kern="1200" dirty="0">
+                <a:solidFill>
+                  <a:schemeClr val="tx1"/>
+                </a:solidFill>
+                <a:effectLst/>
+                <a:latin typeface="+mn-lt"/>
+                <a:ea typeface="+mn-ea"/>
+                <a:cs typeface="+mn-cs"/>
+              </a:rPr>
+              <a:t>string </a:t>
+            </a:r>
+            <a:r>
+              <a:rPr lang="zh-CN" altLang="en-US" sz="1200" b="0" i="0" kern="1200" dirty="0">
+                <a:solidFill>
+                  <a:schemeClr val="tx1"/>
+                </a:solidFill>
+                <a:effectLst/>
+                <a:latin typeface="+mn-lt"/>
+                <a:ea typeface="+mn-ea"/>
+                <a:cs typeface="+mn-cs"/>
+              </a:rPr>
+              <a:t>类的对象，该对象定义了默认的初始化方式，即初始化为空字符串。</a:t>
+            </a:r>
+          </a:p>
+          <a:p>
+            <a:br>
               <a:rPr lang="zh-CN" altLang="en-US" dirty="0"/>
-              <a:t>定义</a:t>
-            </a:r>
-          </a:p>
-          <a:p>
-            <a:r>
-              <a:rPr lang="en-US" altLang="zh-CN" dirty="0"/>
-              <a:t>(b): </a:t>
-            </a:r>
-            <a:r>
-              <a:rPr lang="zh-CN" altLang="en-US" dirty="0"/>
-              <a:t>定义</a:t>
-            </a:r>
-          </a:p>
-          <a:p>
-            <a:r>
-              <a:rPr lang="en-US" altLang="zh-CN" dirty="0"/>
-              <a:t>(c): </a:t>
-            </a:r>
-            <a:r>
-              <a:rPr lang="zh-CN" altLang="en-US" dirty="0"/>
-              <a:t>声明</a:t>
-            </a:r>
+            </a:br>
+            <a:endParaRPr lang="zh-CN" altLang="en-US" dirty="0"/>
           </a:p>
         </p:txBody>
       </p:sp>
@@ -3224,7 +2985,7 @@
           <a:p>
             <a:fld id="{0111EF2A-CA54-46BA-9D19-E4C580B41F03}" type="slidenum">
               <a:rPr lang="zh-CN" altLang="en-US" smtClean="0"/>
-              <a:t>7</a:t>
+              <a:t>6</a:t>
             </a:fld>
             <a:endParaRPr lang="zh-CN" altLang="en-US"/>
           </a:p>
@@ -3233,7 +2994,7 @@
     </p:spTree>
     <p:extLst>
       <p:ext uri="{BB962C8B-B14F-4D97-AF65-F5344CB8AC3E}">
-        <p14:creationId xmlns:p14="http://schemas.microsoft.com/office/powerpoint/2010/main" val="1628882562"/>
+        <p14:creationId xmlns:p14="http://schemas.microsoft.com/office/powerpoint/2010/main" val="717769500"/>
       </p:ext>
     </p:extLst>
   </p:cSld>
@@ -3289,11 +3050,31 @@
           <a:p>
             <a:r>
               <a:rPr lang="en-US" altLang="zh-CN" dirty="0"/>
-              <a:t>(a), (c), (d)</a:t>
+              <a:t>(a): </a:t>
             </a:r>
             <a:r>
               <a:rPr lang="zh-CN" altLang="en-US" dirty="0"/>
-              <a:t>非法。</a:t>
+              <a:t>定义</a:t>
+            </a:r>
+          </a:p>
+          <a:p>
+            <a:r>
+              <a:rPr lang="en-US" altLang="zh-CN" dirty="0"/>
+              <a:t>(b): </a:t>
+            </a:r>
+            <a:r>
+              <a:rPr lang="zh-CN" altLang="en-US" dirty="0"/>
+              <a:t>定义</a:t>
+            </a:r>
+          </a:p>
+          <a:p>
+            <a:r>
+              <a:rPr lang="en-US" altLang="zh-CN" dirty="0"/>
+              <a:t>(c): </a:t>
+            </a:r>
+            <a:r>
+              <a:rPr lang="zh-CN" altLang="en-US" dirty="0"/>
+              <a:t>声明</a:t>
             </a:r>
           </a:p>
         </p:txBody>
@@ -3315,7 +3096,7 @@
           <a:p>
             <a:fld id="{0111EF2A-CA54-46BA-9D19-E4C580B41F03}" type="slidenum">
               <a:rPr lang="zh-CN" altLang="en-US" smtClean="0"/>
-              <a:t>8</a:t>
+              <a:t>7</a:t>
             </a:fld>
             <a:endParaRPr lang="zh-CN" altLang="en-US"/>
           </a:p>
@@ -3324,7 +3105,7 @@
     </p:spTree>
     <p:extLst>
       <p:ext uri="{BB962C8B-B14F-4D97-AF65-F5344CB8AC3E}">
-        <p14:creationId xmlns:p14="http://schemas.microsoft.com/office/powerpoint/2010/main" val="3399774333"/>
+        <p14:creationId xmlns:p14="http://schemas.microsoft.com/office/powerpoint/2010/main" val="1628882562"/>
       </p:ext>
     </p:extLst>
   </p:cSld>
@@ -3379,124 +3160,12 @@
           <a:lstStyle/>
           <a:p>
             <a:r>
-              <a:rPr lang="en-US" altLang="zh-CN" sz="1200" b="0" i="0" kern="1200" dirty="0">
-                <a:solidFill>
-                  <a:schemeClr val="tx1"/>
-                </a:solidFill>
-                <a:effectLst/>
-                <a:latin typeface="+mn-lt"/>
-                <a:ea typeface="+mn-ea"/>
-                <a:cs typeface="+mn-cs"/>
-              </a:rPr>
-              <a:t>j </a:t>
-            </a:r>
-            <a:r>
-              <a:rPr lang="zh-CN" altLang="en-US" sz="1200" b="0" i="0" kern="1200" dirty="0">
-                <a:solidFill>
-                  <a:schemeClr val="tx1"/>
-                </a:solidFill>
-                <a:effectLst/>
-                <a:latin typeface="+mn-lt"/>
-                <a:ea typeface="+mn-ea"/>
-                <a:cs typeface="+mn-cs"/>
-              </a:rPr>
-              <a:t>的值是 </a:t>
-            </a:r>
-            <a:r>
-              <a:rPr lang="en-US" altLang="zh-CN" sz="1200" b="0" i="0" kern="1200" dirty="0">
-                <a:solidFill>
-                  <a:schemeClr val="tx1"/>
-                </a:solidFill>
-                <a:effectLst/>
-                <a:latin typeface="+mn-lt"/>
-                <a:ea typeface="+mn-ea"/>
-                <a:cs typeface="+mn-cs"/>
-              </a:rPr>
-              <a:t>100 </a:t>
-            </a:r>
-            <a:r>
-              <a:rPr lang="zh-CN" altLang="en-US" sz="1200" b="0" i="0" kern="1200" dirty="0">
-                <a:solidFill>
-                  <a:schemeClr val="tx1"/>
-                </a:solidFill>
-                <a:effectLst/>
-                <a:latin typeface="+mn-lt"/>
-                <a:ea typeface="+mn-ea"/>
-                <a:cs typeface="+mn-cs"/>
-              </a:rPr>
-              <a:t>，局部变量 </a:t>
-            </a:r>
-            <a:r>
-              <a:rPr lang="en-US" altLang="zh-CN" sz="1200" b="0" i="0" kern="1200" dirty="0" err="1">
-                <a:solidFill>
-                  <a:schemeClr val="tx1"/>
-                </a:solidFill>
-                <a:effectLst/>
-                <a:latin typeface="+mn-lt"/>
-                <a:ea typeface="+mn-ea"/>
-                <a:cs typeface="+mn-cs"/>
-              </a:rPr>
-              <a:t>i</a:t>
-            </a:r>
-            <a:r>
-              <a:rPr lang="en-US" altLang="zh-CN" sz="1200" b="0" i="0" kern="1200" dirty="0">
-                <a:solidFill>
-                  <a:schemeClr val="tx1"/>
-                </a:solidFill>
-                <a:effectLst/>
-                <a:latin typeface="+mn-lt"/>
-                <a:ea typeface="+mn-ea"/>
-                <a:cs typeface="+mn-cs"/>
-              </a:rPr>
-              <a:t> </a:t>
-            </a:r>
-            <a:r>
-              <a:rPr lang="zh-CN" altLang="en-US" sz="1200" b="0" i="0" kern="1200" dirty="0">
-                <a:solidFill>
-                  <a:schemeClr val="tx1"/>
-                </a:solidFill>
-                <a:effectLst/>
-                <a:latin typeface="+mn-lt"/>
-                <a:ea typeface="+mn-ea"/>
-                <a:cs typeface="+mn-cs"/>
-              </a:rPr>
-              <a:t>覆盖了全局变量 </a:t>
-            </a:r>
-            <a:r>
-              <a:rPr lang="en-US" altLang="zh-CN" sz="1200" b="0" i="0" kern="1200" dirty="0" err="1">
-                <a:solidFill>
-                  <a:schemeClr val="tx1"/>
-                </a:solidFill>
-                <a:effectLst/>
-                <a:latin typeface="+mn-lt"/>
-                <a:ea typeface="+mn-ea"/>
-                <a:cs typeface="+mn-cs"/>
-              </a:rPr>
-              <a:t>i</a:t>
-            </a:r>
-            <a:r>
-              <a:rPr lang="en-US" altLang="zh-CN" sz="1200" b="0" i="0" kern="1200" dirty="0">
-                <a:solidFill>
-                  <a:schemeClr val="tx1"/>
-                </a:solidFill>
-                <a:effectLst/>
-                <a:latin typeface="+mn-lt"/>
-                <a:ea typeface="+mn-ea"/>
-                <a:cs typeface="+mn-cs"/>
-              </a:rPr>
-              <a:t> </a:t>
-            </a:r>
-            <a:r>
-              <a:rPr lang="zh-CN" altLang="en-US" sz="1200" b="0" i="0" kern="1200" dirty="0">
-                <a:solidFill>
-                  <a:schemeClr val="tx1"/>
-                </a:solidFill>
-                <a:effectLst/>
-                <a:latin typeface="+mn-lt"/>
-                <a:ea typeface="+mn-ea"/>
-                <a:cs typeface="+mn-cs"/>
-              </a:rPr>
-              <a:t>。</a:t>
+              <a:rPr lang="en-US" altLang="zh-CN" dirty="0"/>
+              <a:t>(a), (c), (d)</a:t>
+            </a:r>
+            <a:r>
+              <a:rPr lang="zh-CN" altLang="en-US" dirty="0"/>
+              <a:t>非法。</a:t>
             </a:r>
           </a:p>
         </p:txBody>
@@ -3518,7 +3187,7 @@
           <a:p>
             <a:fld id="{0111EF2A-CA54-46BA-9D19-E4C580B41F03}" type="slidenum">
               <a:rPr lang="zh-CN" altLang="en-US" smtClean="0"/>
-              <a:t>9</a:t>
+              <a:t>8</a:t>
             </a:fld>
             <a:endParaRPr lang="zh-CN" altLang="en-US"/>
           </a:p>
@@ -3527,7 +3196,7 @@
     </p:spTree>
     <p:extLst>
       <p:ext uri="{BB962C8B-B14F-4D97-AF65-F5344CB8AC3E}">
-        <p14:creationId xmlns:p14="http://schemas.microsoft.com/office/powerpoint/2010/main" val="3878954548"/>
+        <p14:creationId xmlns:p14="http://schemas.microsoft.com/office/powerpoint/2010/main" val="3399774333"/>
       </p:ext>
     </p:extLst>
   </p:cSld>
@@ -3591,7 +3260,7 @@
                 <a:ea typeface="+mn-ea"/>
                 <a:cs typeface="+mn-cs"/>
               </a:rPr>
-              <a:t>(b) </a:t>
+              <a:t>j </a:t>
             </a:r>
             <a:r>
               <a:rPr lang="zh-CN" altLang="en-US" sz="1200" b="0" i="0" kern="1200" dirty="0">
@@ -3603,7 +3272,7 @@
                 <a:ea typeface="+mn-ea"/>
                 <a:cs typeface="+mn-cs"/>
               </a:rPr>
-              <a:t>和 </a:t>
+              <a:t>的值是 </a:t>
             </a:r>
             <a:r>
               <a:rPr lang="en-US" altLang="zh-CN" sz="1200" b="0" i="0" kern="1200" dirty="0">
@@ -3615,7 +3284,7 @@
                 <a:ea typeface="+mn-ea"/>
                 <a:cs typeface="+mn-cs"/>
               </a:rPr>
-              <a:t>(d) </a:t>
+              <a:t>100 </a:t>
             </a:r>
             <a:r>
               <a:rPr lang="zh-CN" altLang="en-US" sz="1200" b="0" i="0" kern="1200" dirty="0">
@@ -3627,10 +3296,10 @@
                 <a:ea typeface="+mn-ea"/>
                 <a:cs typeface="+mn-cs"/>
               </a:rPr>
-              <a:t>不合法，</a:t>
-            </a:r>
-            <a:r>
-              <a:rPr lang="en-US" altLang="zh-CN" sz="1200" b="0" i="0" kern="1200" dirty="0">
+              <a:t>，局部变量 </a:t>
+            </a:r>
+            <a:r>
+              <a:rPr lang="en-US" altLang="zh-CN" sz="1200" b="0" i="0" kern="1200" dirty="0" err="1">
                 <a:solidFill>
                   <a:schemeClr val="tx1"/>
                 </a:solidFill>
@@ -3639,10 +3308,10 @@
                 <a:ea typeface="+mn-ea"/>
                 <a:cs typeface="+mn-cs"/>
               </a:rPr>
-              <a:t>(b) </a:t>
-            </a:r>
-            <a:r>
-              <a:rPr lang="zh-CN" altLang="en-US" sz="1200" b="0" i="0" kern="1200" dirty="0">
+              <a:t>i</a:t>
+            </a:r>
+            <a:r>
+              <a:rPr lang="en-US" altLang="zh-CN" sz="1200" b="0" i="0" kern="1200" dirty="0">
                 <a:solidFill>
                   <a:schemeClr val="tx1"/>
                 </a:solidFill>
@@ -3651,10 +3320,10 @@
                 <a:ea typeface="+mn-ea"/>
                 <a:cs typeface="+mn-cs"/>
               </a:rPr>
-              <a:t>引用必须绑定在对象上，</a:t>
-            </a:r>
-            <a:r>
-              <a:rPr lang="en-US" altLang="zh-CN" sz="1200" b="0" i="0" kern="1200" dirty="0">
+              <a:t> </a:t>
+            </a:r>
+            <a:r>
+              <a:rPr lang="zh-CN" altLang="en-US" sz="1200" b="0" i="0" kern="1200" dirty="0">
                 <a:solidFill>
                   <a:schemeClr val="tx1"/>
                 </a:solidFill>
@@ -3663,10 +3332,10 @@
                 <a:ea typeface="+mn-ea"/>
                 <a:cs typeface="+mn-cs"/>
               </a:rPr>
-              <a:t>(d) </a:t>
-            </a:r>
-            <a:r>
-              <a:rPr lang="zh-CN" altLang="en-US" sz="1200" b="0" i="0" kern="1200" dirty="0">
+              <a:t>覆盖了全局变量 </a:t>
+            </a:r>
+            <a:r>
+              <a:rPr lang="en-US" altLang="zh-CN" sz="1200" b="0" i="0" kern="1200" dirty="0" err="1">
                 <a:solidFill>
                   <a:schemeClr val="tx1"/>
                 </a:solidFill>
@@ -3675,7 +3344,31 @@
                 <a:ea typeface="+mn-ea"/>
                 <a:cs typeface="+mn-cs"/>
               </a:rPr>
-              <a:t>引用必须初始化。</a:t>
+              <a:t>i</a:t>
+            </a:r>
+            <a:r>
+              <a:rPr lang="en-US" altLang="zh-CN" sz="1200" b="0" i="0" kern="1200" dirty="0">
+                <a:solidFill>
+                  <a:schemeClr val="tx1"/>
+                </a:solidFill>
+                <a:effectLst/>
+                <a:latin typeface="+mn-lt"/>
+                <a:ea typeface="+mn-ea"/>
+                <a:cs typeface="+mn-cs"/>
+              </a:rPr>
+              <a:t> </a:t>
+            </a:r>
+            <a:r>
+              <a:rPr lang="zh-CN" altLang="en-US" sz="1200" b="0" i="0" kern="1200" dirty="0">
+                <a:solidFill>
+                  <a:schemeClr val="tx1"/>
+                </a:solidFill>
+                <a:effectLst/>
+                <a:latin typeface="+mn-lt"/>
+                <a:ea typeface="+mn-ea"/>
+                <a:cs typeface="+mn-cs"/>
+              </a:rPr>
+              <a:t>。</a:t>
             </a:r>
           </a:p>
         </p:txBody>
@@ -3697,7 +3390,7 @@
           <a:p>
             <a:fld id="{0111EF2A-CA54-46BA-9D19-E4C580B41F03}" type="slidenum">
               <a:rPr lang="zh-CN" altLang="en-US" smtClean="0"/>
-              <a:t>10</a:t>
+              <a:t>9</a:t>
             </a:fld>
             <a:endParaRPr lang="zh-CN" altLang="en-US"/>
           </a:p>
@@ -3706,7 +3399,7 @@
     </p:spTree>
     <p:extLst>
       <p:ext uri="{BB962C8B-B14F-4D97-AF65-F5344CB8AC3E}">
-        <p14:creationId xmlns:p14="http://schemas.microsoft.com/office/powerpoint/2010/main" val="146406234"/>
+        <p14:creationId xmlns:p14="http://schemas.microsoft.com/office/powerpoint/2010/main" val="3878954548"/>
       </p:ext>
     </p:extLst>
   </p:cSld>
@@ -3761,10 +3454,6 @@
           <a:lstStyle/>
           <a:p>
             <a:r>
-              <a:rPr lang="en-US" altLang="zh-CN" dirty="0"/>
-              <a:t>if (p) // ...</a:t>
-            </a:r>
-            <a:r>
               <a:rPr lang="en-US" altLang="zh-CN" sz="1200" b="0" i="0" kern="1200" dirty="0">
                 <a:solidFill>
                   <a:schemeClr val="tx1"/>
@@ -3774,7 +3463,7 @@
                 <a:ea typeface="+mn-ea"/>
                 <a:cs typeface="+mn-cs"/>
               </a:rPr>
-              <a:t> </a:t>
+              <a:t>(b) </a:t>
             </a:r>
             <a:r>
               <a:rPr lang="zh-CN" altLang="en-US" sz="1200" b="0" i="0" kern="1200" dirty="0">
@@ -3786,7 +3475,7 @@
                 <a:ea typeface="+mn-ea"/>
                 <a:cs typeface="+mn-cs"/>
               </a:rPr>
-              <a:t>判断 </a:t>
+              <a:t>和 </a:t>
             </a:r>
             <a:r>
               <a:rPr lang="en-US" altLang="zh-CN" sz="1200" b="0" i="0" kern="1200" dirty="0">
@@ -3798,7 +3487,7 @@
                 <a:ea typeface="+mn-ea"/>
                 <a:cs typeface="+mn-cs"/>
               </a:rPr>
-              <a:t>p </a:t>
+              <a:t>(d) </a:t>
             </a:r>
             <a:r>
               <a:rPr lang="zh-CN" altLang="en-US" sz="1200" b="0" i="0" kern="1200" dirty="0">
@@ -3810,7 +3499,7 @@
                 <a:ea typeface="+mn-ea"/>
                 <a:cs typeface="+mn-cs"/>
               </a:rPr>
-              <a:t>是不是一个空指针</a:t>
+              <a:t>不合法，</a:t>
             </a:r>
             <a:r>
               <a:rPr lang="en-US" altLang="zh-CN" sz="1200" b="0" i="0" kern="1200" dirty="0">
@@ -3822,14 +3511,10 @@
                 <a:ea typeface="+mn-ea"/>
                 <a:cs typeface="+mn-cs"/>
               </a:rPr>
-              <a:t>, </a:t>
-            </a:r>
-            <a:r>
-              <a:rPr lang="en-US" altLang="zh-CN" dirty="0"/>
-              <a:t>if (*p) // ...</a:t>
-            </a:r>
-            <a:r>
-              <a:rPr lang="en-US" altLang="zh-CN" sz="1200" b="0" i="0" kern="1200" dirty="0">
+              <a:t>(b) </a:t>
+            </a:r>
+            <a:r>
+              <a:rPr lang="zh-CN" altLang="en-US" sz="1200" b="0" i="0" kern="1200" dirty="0">
                 <a:solidFill>
                   <a:schemeClr val="tx1"/>
                 </a:solidFill>
@@ -3838,10 +3523,10 @@
                 <a:ea typeface="+mn-ea"/>
                 <a:cs typeface="+mn-cs"/>
               </a:rPr>
-              <a:t> </a:t>
-            </a:r>
-            <a:r>
-              <a:rPr lang="zh-CN" altLang="en-US" sz="1200" b="0" i="0" kern="1200" dirty="0">
+              <a:t>引用必须绑定在对象上，</a:t>
+            </a:r>
+            <a:r>
+              <a:rPr lang="en-US" altLang="zh-CN" sz="1200" b="0" i="0" kern="1200" dirty="0">
                 <a:solidFill>
                   <a:schemeClr val="tx1"/>
                 </a:solidFill>
@@ -3850,10 +3535,10 @@
                 <a:ea typeface="+mn-ea"/>
                 <a:cs typeface="+mn-cs"/>
               </a:rPr>
-              <a:t>判断 </a:t>
-            </a:r>
-            <a:r>
-              <a:rPr lang="en-US" altLang="zh-CN" sz="1200" b="0" i="0" kern="1200" dirty="0">
+              <a:t>(d) </a:t>
+            </a:r>
+            <a:r>
+              <a:rPr lang="zh-CN" altLang="en-US" sz="1200" b="0" i="0" kern="1200" dirty="0">
                 <a:solidFill>
                   <a:schemeClr val="tx1"/>
                 </a:solidFill>
@@ -3862,41 +3547,8 @@
                 <a:ea typeface="+mn-ea"/>
                 <a:cs typeface="+mn-cs"/>
               </a:rPr>
-              <a:t>p </a:t>
-            </a:r>
-            <a:r>
-              <a:rPr lang="zh-CN" altLang="en-US" sz="1200" b="0" i="0" kern="1200" dirty="0">
-                <a:solidFill>
-                  <a:schemeClr val="tx1"/>
-                </a:solidFill>
-                <a:effectLst/>
-                <a:latin typeface="+mn-lt"/>
-                <a:ea typeface="+mn-ea"/>
-                <a:cs typeface="+mn-cs"/>
-              </a:rPr>
-              <a:t>所指向的对象的值是不是为 </a:t>
-            </a:r>
-            <a:r>
-              <a:rPr lang="en-US" altLang="zh-CN" sz="1200" b="0" i="0" kern="1200" dirty="0">
-                <a:solidFill>
-                  <a:schemeClr val="tx1"/>
-                </a:solidFill>
-                <a:effectLst/>
-                <a:latin typeface="+mn-lt"/>
-                <a:ea typeface="+mn-ea"/>
-                <a:cs typeface="+mn-cs"/>
-              </a:rPr>
-              <a:t>0</a:t>
-            </a:r>
-            <a:endParaRPr lang="zh-CN" altLang="en-US" sz="1200" b="0" i="0" kern="1200" dirty="0">
-              <a:solidFill>
-                <a:schemeClr val="tx1"/>
-              </a:solidFill>
-              <a:effectLst/>
-              <a:latin typeface="+mn-lt"/>
-              <a:ea typeface="+mn-ea"/>
-              <a:cs typeface="+mn-cs"/>
-            </a:endParaRPr>
+              <a:t>引用必须初始化。</a:t>
+            </a:r>
           </a:p>
         </p:txBody>
       </p:sp>
@@ -3917,7 +3569,7 @@
           <a:p>
             <a:fld id="{0111EF2A-CA54-46BA-9D19-E4C580B41F03}" type="slidenum">
               <a:rPr lang="zh-CN" altLang="en-US" smtClean="0"/>
-              <a:t>11</a:t>
+              <a:t>10</a:t>
             </a:fld>
             <a:endParaRPr lang="zh-CN" altLang="en-US"/>
           </a:p>
@@ -3926,7 +3578,7 @@
     </p:spTree>
     <p:extLst>
       <p:ext uri="{BB962C8B-B14F-4D97-AF65-F5344CB8AC3E}">
-        <p14:creationId xmlns:p14="http://schemas.microsoft.com/office/powerpoint/2010/main" val="1187559926"/>
+        <p14:creationId xmlns:p14="http://schemas.microsoft.com/office/powerpoint/2010/main" val="146406234"/>
       </p:ext>
     </p:extLst>
   </p:cSld>
@@ -3981,107 +3633,142 @@
           <a:lstStyle/>
           <a:p>
             <a:r>
-              <a:rPr lang="en-US" altLang="zh-CN" sz="1200" dirty="0"/>
-              <a:t>const int </a:t>
-            </a:r>
-            <a:r>
-              <a:rPr lang="en-US" altLang="zh-CN" sz="1200" dirty="0" err="1"/>
-              <a:t>buf</a:t>
-            </a:r>
-            <a:r>
-              <a:rPr lang="en-US" altLang="zh-CN" sz="1200" dirty="0"/>
-              <a:t>;      // </a:t>
-            </a:r>
-            <a:r>
-              <a:rPr lang="zh-CN" altLang="en-US" sz="1200" dirty="0"/>
-              <a:t>不合法</a:t>
-            </a:r>
-            <a:r>
-              <a:rPr lang="en-US" altLang="zh-CN" sz="1200" dirty="0"/>
-              <a:t>, const </a:t>
-            </a:r>
-            <a:r>
-              <a:rPr lang="zh-CN" altLang="en-US" sz="1200" dirty="0"/>
-              <a:t>对象必须初始化</a:t>
-            </a:r>
-          </a:p>
-          <a:p>
-            <a:r>
-              <a:rPr lang="en-US" altLang="zh-CN" sz="1200" dirty="0"/>
-              <a:t>int </a:t>
-            </a:r>
-            <a:r>
-              <a:rPr lang="en-US" altLang="zh-CN" sz="1200" dirty="0" err="1"/>
-              <a:t>cnt</a:t>
-            </a:r>
-            <a:r>
-              <a:rPr lang="en-US" altLang="zh-CN" sz="1200" dirty="0"/>
-              <a:t> = 0;        // </a:t>
-            </a:r>
-            <a:r>
-              <a:rPr lang="zh-CN" altLang="en-US" sz="1200" dirty="0"/>
-              <a:t>合法</a:t>
-            </a:r>
-          </a:p>
-          <a:p>
-            <a:r>
-              <a:rPr lang="en-US" altLang="zh-CN" sz="1200" dirty="0"/>
-              <a:t>const int </a:t>
-            </a:r>
-            <a:r>
-              <a:rPr lang="en-US" altLang="zh-CN" sz="1200" dirty="0" err="1"/>
-              <a:t>sz</a:t>
-            </a:r>
-            <a:r>
-              <a:rPr lang="en-US" altLang="zh-CN" sz="1200" dirty="0"/>
-              <a:t> = </a:t>
-            </a:r>
-            <a:r>
-              <a:rPr lang="en-US" altLang="zh-CN" sz="1200" dirty="0" err="1"/>
-              <a:t>cnt</a:t>
-            </a:r>
-            <a:r>
-              <a:rPr lang="en-US" altLang="zh-CN" sz="1200" dirty="0"/>
-              <a:t>; // </a:t>
-            </a:r>
-            <a:r>
-              <a:rPr lang="zh-CN" altLang="en-US" sz="1200" dirty="0"/>
-              <a:t>合法</a:t>
-            </a:r>
-          </a:p>
-          <a:p>
-            <a:r>
-              <a:rPr lang="en-US" altLang="zh-CN" sz="1200" dirty="0"/>
-              <a:t>++</a:t>
-            </a:r>
-            <a:r>
-              <a:rPr lang="en-US" altLang="zh-CN" sz="1200" dirty="0" err="1"/>
-              <a:t>cnt</a:t>
-            </a:r>
-            <a:r>
-              <a:rPr lang="en-US" altLang="zh-CN" sz="1200" dirty="0"/>
-              <a:t>; ++</a:t>
-            </a:r>
-            <a:r>
-              <a:rPr lang="en-US" altLang="zh-CN" sz="1200" dirty="0" err="1"/>
-              <a:t>sz</a:t>
-            </a:r>
-            <a:r>
-              <a:rPr lang="en-US" altLang="zh-CN" sz="1200" dirty="0"/>
-              <a:t>;        // </a:t>
-            </a:r>
-            <a:r>
-              <a:rPr lang="zh-CN" altLang="en-US" sz="1200" dirty="0"/>
-              <a:t>不合法</a:t>
-            </a:r>
-            <a:r>
-              <a:rPr lang="en-US" altLang="zh-CN" sz="1200" dirty="0"/>
-              <a:t>, const </a:t>
-            </a:r>
-            <a:r>
-              <a:rPr lang="zh-CN" altLang="en-US" sz="1200" dirty="0"/>
-              <a:t>对象不能被改变</a:t>
-            </a:r>
+              <a:rPr lang="en-US" altLang="zh-CN" dirty="0"/>
+              <a:t>if (p) // ...</a:t>
+            </a:r>
+            <a:r>
+              <a:rPr lang="en-US" altLang="zh-CN" sz="1200" b="0" i="0" kern="1200" dirty="0">
+                <a:solidFill>
+                  <a:schemeClr val="tx1"/>
+                </a:solidFill>
+                <a:effectLst/>
+                <a:latin typeface="+mn-lt"/>
+                <a:ea typeface="+mn-ea"/>
+                <a:cs typeface="+mn-cs"/>
+              </a:rPr>
+              <a:t> </a:t>
+            </a:r>
+            <a:r>
+              <a:rPr lang="zh-CN" altLang="en-US" sz="1200" b="0" i="0" kern="1200" dirty="0">
+                <a:solidFill>
+                  <a:schemeClr val="tx1"/>
+                </a:solidFill>
+                <a:effectLst/>
+                <a:latin typeface="+mn-lt"/>
+                <a:ea typeface="+mn-ea"/>
+                <a:cs typeface="+mn-cs"/>
+              </a:rPr>
+              <a:t>判断 </a:t>
+            </a:r>
+            <a:r>
+              <a:rPr lang="en-US" altLang="zh-CN" sz="1200" b="0" i="0" kern="1200" dirty="0">
+                <a:solidFill>
+                  <a:schemeClr val="tx1"/>
+                </a:solidFill>
+                <a:effectLst/>
+                <a:latin typeface="+mn-lt"/>
+                <a:ea typeface="+mn-ea"/>
+                <a:cs typeface="+mn-cs"/>
+              </a:rPr>
+              <a:t>p </a:t>
+            </a:r>
+            <a:r>
+              <a:rPr lang="zh-CN" altLang="en-US" sz="1200" b="0" i="0" kern="1200" dirty="0">
+                <a:solidFill>
+                  <a:schemeClr val="tx1"/>
+                </a:solidFill>
+                <a:effectLst/>
+                <a:latin typeface="+mn-lt"/>
+                <a:ea typeface="+mn-ea"/>
+                <a:cs typeface="+mn-cs"/>
+              </a:rPr>
+              <a:t>是不是一个空指针</a:t>
+            </a:r>
+            <a:r>
+              <a:rPr lang="en-US" altLang="zh-CN" sz="1200" b="0" i="0" kern="1200" dirty="0">
+                <a:solidFill>
+                  <a:schemeClr val="tx1"/>
+                </a:solidFill>
+                <a:effectLst/>
+                <a:latin typeface="+mn-lt"/>
+                <a:ea typeface="+mn-ea"/>
+                <a:cs typeface="+mn-cs"/>
+              </a:rPr>
+              <a:t>, </a:t>
+            </a:r>
+            <a:r>
+              <a:rPr lang="en-US" altLang="zh-CN" dirty="0"/>
+              <a:t>if (*p) // ...</a:t>
+            </a:r>
+            <a:r>
+              <a:rPr lang="en-US" altLang="zh-CN" sz="1200" b="0" i="0" kern="1200" dirty="0">
+                <a:solidFill>
+                  <a:schemeClr val="tx1"/>
+                </a:solidFill>
+                <a:effectLst/>
+                <a:latin typeface="+mn-lt"/>
+                <a:ea typeface="+mn-ea"/>
+                <a:cs typeface="+mn-cs"/>
+              </a:rPr>
+              <a:t> </a:t>
+            </a:r>
+            <a:r>
+              <a:rPr lang="zh-CN" altLang="en-US" sz="1200" b="0" i="0" kern="1200" dirty="0">
+                <a:solidFill>
+                  <a:schemeClr val="tx1"/>
+                </a:solidFill>
+                <a:effectLst/>
+                <a:latin typeface="+mn-lt"/>
+                <a:ea typeface="+mn-ea"/>
+                <a:cs typeface="+mn-cs"/>
+              </a:rPr>
+              <a:t>判断 </a:t>
+            </a:r>
+            <a:r>
+              <a:rPr lang="en-US" altLang="zh-CN" sz="1200" b="0" i="0" kern="1200" dirty="0">
+                <a:solidFill>
+                  <a:schemeClr val="tx1"/>
+                </a:solidFill>
+                <a:effectLst/>
+                <a:latin typeface="+mn-lt"/>
+                <a:ea typeface="+mn-ea"/>
+                <a:cs typeface="+mn-cs"/>
+              </a:rPr>
+              <a:t>p </a:t>
+            </a:r>
+            <a:r>
+              <a:rPr lang="zh-CN" altLang="en-US" sz="1200" b="0" i="0" kern="1200" dirty="0">
+                <a:solidFill>
+                  <a:schemeClr val="tx1"/>
+                </a:solidFill>
+                <a:effectLst/>
+                <a:latin typeface="+mn-lt"/>
+                <a:ea typeface="+mn-ea"/>
+                <a:cs typeface="+mn-cs"/>
+              </a:rPr>
+              <a:t>所指向的对象的值是不是为 </a:t>
+            </a:r>
+            <a:r>
+              <a:rPr lang="en-US" altLang="zh-CN" sz="1200" b="0" i="0" kern="1200" dirty="0">
+                <a:solidFill>
+                  <a:schemeClr val="tx1"/>
+                </a:solidFill>
+                <a:effectLst/>
+                <a:latin typeface="+mn-lt"/>
+                <a:ea typeface="+mn-ea"/>
+                <a:cs typeface="+mn-cs"/>
+              </a:rPr>
+              <a:t>0</a:t>
+            </a:r>
+            <a:endParaRPr lang="zh-CN" altLang="en-US" sz="1200" b="0" i="0" kern="1200" dirty="0">
+              <a:solidFill>
+                <a:schemeClr val="tx1"/>
+              </a:solidFill>
+              <a:effectLst/>
+              <a:latin typeface="+mn-lt"/>
+              <a:ea typeface="+mn-ea"/>
+              <a:cs typeface="+mn-cs"/>
+            </a:endParaRPr>
           </a:p>
         </p:txBody>
       </p:sp>
@@ -4102,7 +3789,7 @@
           <a:p>
             <a:fld id="{0111EF2A-CA54-46BA-9D19-E4C580B41F03}" type="slidenum">
               <a:rPr lang="zh-CN" altLang="en-US" smtClean="0"/>
-              <a:t>12</a:t>
+              <a:t>11</a:t>
             </a:fld>
             <a:endParaRPr lang="zh-CN" altLang="en-US"/>
           </a:p>
@@ -4111,7 +3798,7 @@
     </p:spTree>
     <p:extLst>
       <p:ext uri="{BB962C8B-B14F-4D97-AF65-F5344CB8AC3E}">
-        <p14:creationId xmlns:p14="http://schemas.microsoft.com/office/powerpoint/2010/main" val="198492316"/>
+        <p14:creationId xmlns:p14="http://schemas.microsoft.com/office/powerpoint/2010/main" val="1187559926"/>
       </p:ext>
     </p:extLst>
   </p:cSld>
@@ -8728,8 +8415,8 @@
         </p:nvSpPr>
         <p:spPr>
           <a:xfrm>
-            <a:off x="288268" y="288399"/>
-            <a:ext cx="4810932" cy="584775"/>
+            <a:off x="1463925" y="2713596"/>
+            <a:ext cx="9727343" cy="1107996"/>
           </a:xfrm>
           <a:prstGeom prst="rect">
             <a:avLst/>
@@ -8750,12 +8437,12 @@
               </a:spcAft>
             </a:pPr>
             <a:r>
-              <a:rPr lang="zh-CN" altLang="en-US" sz="3200" b="1" dirty="0">
+              <a:rPr lang="zh-CN" altLang="en-US" sz="6600" b="1" dirty="0">
                 <a:latin typeface="+mn-ea"/>
               </a:rPr>
               <a:t>第三章 字符串向量和数组</a:t>
             </a:r>
-            <a:endParaRPr lang="zh-CN" altLang="zh-CN" sz="3200" b="1" dirty="0">
+            <a:endParaRPr lang="zh-CN" altLang="zh-CN" sz="6600" b="1" dirty="0">
               <a:latin typeface="+mn-ea"/>
             </a:endParaRPr>
           </a:p>
@@ -8805,8 +8492,8 @@
         </p:nvSpPr>
         <p:spPr>
           <a:xfrm>
-            <a:off x="518175" y="466545"/>
-            <a:ext cx="11169000" cy="1200329"/>
+            <a:off x="233167" y="134036"/>
+            <a:ext cx="11169000" cy="1015663"/>
           </a:xfrm>
           <a:prstGeom prst="rect">
             <a:avLst/>
@@ -8820,18 +8507,24 @@
           <a:lstStyle/>
           <a:p>
             <a:r>
-              <a:rPr lang="en-US" altLang="zh-CN" sz="7200" b="1" dirty="0">
+              <a:rPr lang="en-US" altLang="zh-CN" sz="6000" b="1" dirty="0">
                 <a:latin typeface="+mn-ea"/>
               </a:rPr>
               <a:t>exercise3.1: std::</a:t>
             </a:r>
             <a:r>
-              <a:rPr lang="en-US" altLang="zh-CN" sz="7200" b="1" dirty="0" err="1">
+              <a:rPr lang="en-US" altLang="zh-CN" sz="6000" b="1" dirty="0" err="1">
                 <a:latin typeface="+mn-ea"/>
               </a:rPr>
               <a:t>cin</a:t>
             </a:r>
-            <a:endParaRPr lang="zh-CN" altLang="en-US" sz="7200" b="1" dirty="0">
+            <a:r>
+              <a:rPr lang="en-US" altLang="zh-CN" sz="6000" b="1" dirty="0">
+                <a:latin typeface="+mn-ea"/>
+              </a:rPr>
+              <a:t>  std::string</a:t>
+            </a:r>
+            <a:endParaRPr lang="zh-CN" altLang="en-US" sz="6000" b="1" dirty="0">
               <a:latin typeface="+mn-ea"/>
             </a:endParaRPr>
           </a:p>
@@ -8961,7 +8654,7 @@
         </p:nvSpPr>
         <p:spPr>
           <a:xfrm>
-            <a:off x="518175" y="466545"/>
+            <a:off x="304419" y="134036"/>
             <a:ext cx="11169000" cy="1200329"/>
           </a:xfrm>
           <a:prstGeom prst="rect">
@@ -8979,7 +8672,7 @@
               <a:rPr lang="en-US" altLang="zh-CN" sz="7200" b="1" dirty="0">
                 <a:latin typeface="+mn-ea"/>
               </a:rPr>
-              <a:t>exercise3.1: std::vector</a:t>
+              <a:t>exercise3.2: std::vector</a:t>
             </a:r>
             <a:endParaRPr lang="zh-CN" altLang="en-US" sz="7200" b="1" dirty="0">
               <a:latin typeface="+mn-ea"/>
@@ -9248,7 +8941,7 @@
               <a:rPr lang="en-US" altLang="zh-CN" sz="7200" b="1" dirty="0">
                 <a:latin typeface="+mn-ea"/>
               </a:rPr>
-              <a:t>exercise3.2: std::vector</a:t>
+              <a:t>exercise3.3: std::vector</a:t>
             </a:r>
             <a:endParaRPr lang="zh-CN" altLang="en-US" sz="7200" b="1" dirty="0">
               <a:latin typeface="+mn-ea"/>
@@ -9545,7 +9238,13 @@
               <a:rPr lang="en-US" altLang="zh-CN" sz="7200" b="1" dirty="0">
                 <a:latin typeface="+mn-ea"/>
               </a:rPr>
-              <a:t>exercise1 </a:t>
+              <a:t>IDE </a:t>
+            </a:r>
+            <a:r>
+              <a:rPr lang="en-US" altLang="zh-CN" sz="7200" b="1" dirty="0" err="1">
+                <a:latin typeface="+mn-ea"/>
+              </a:rPr>
+              <a:t>Practise</a:t>
             </a:r>
             <a:endParaRPr lang="zh-CN" altLang="en-US" sz="7200" b="1" dirty="0">
               <a:latin typeface="+mn-ea"/>
@@ -9553,12 +9252,59 @@
           </a:p>
         </p:txBody>
       </p:sp>
-      <p:sp>
-        <p:nvSpPr>
-          <p:cNvPr id="9" name="文本框 8">
-            <a:extLst>
-              <a:ext uri="{FF2B5EF4-FFF2-40B4-BE49-F238E27FC236}">
-                <a16:creationId xmlns:a16="http://schemas.microsoft.com/office/drawing/2014/main" id="{81F00E6A-97D6-417E-B90B-B99D8290216F}"/>
+      <p:pic>
+        <p:nvPicPr>
+          <p:cNvPr id="5" name="Picture 10" descr="Microsoft launches Visual Studio Online public preview and ML.NET 1.4 |  VentureBeat">
+            <a:extLst>
+              <a:ext uri="{FF2B5EF4-FFF2-40B4-BE49-F238E27FC236}">
+                <a16:creationId xmlns:a16="http://schemas.microsoft.com/office/drawing/2014/main" id="{76A093F6-9428-4C8C-86C3-BA7CF1A434A0}"/>
+              </a:ext>
+            </a:extLst>
+          </p:cNvPr>
+          <p:cNvPicPr>
+            <a:picLocks noChangeAspect="1" noChangeArrowheads="1"/>
+          </p:cNvPicPr>
+          <p:nvPr/>
+        </p:nvPicPr>
+        <p:blipFill>
+          <a:blip r:embed="rId4">
+            <a:extLst>
+              <a:ext uri="{28A0092B-C50C-407E-A947-70E740481C1C}">
+                <a14:useLocalDpi xmlns:a14="http://schemas.microsoft.com/office/drawing/2010/main" val="0"/>
+              </a:ext>
+            </a:extLst>
+          </a:blip>
+          <a:srcRect/>
+          <a:stretch>
+            <a:fillRect/>
+          </a:stretch>
+        </p:blipFill>
+        <p:spPr bwMode="auto">
+          <a:xfrm>
+            <a:off x="6673932" y="65872"/>
+            <a:ext cx="4315567" cy="2157784"/>
+          </a:xfrm>
+          <a:prstGeom prst="rect">
+            <a:avLst/>
+          </a:prstGeom>
+          <a:noFill/>
+          <a:extLst>
+            <a:ext uri="{909E8E84-426E-40DD-AFC4-6F175D3DCCD1}">
+              <a14:hiddenFill xmlns:a14="http://schemas.microsoft.com/office/drawing/2010/main">
+                <a:solidFill>
+                  <a:srgbClr val="FFFFFF"/>
+                </a:solidFill>
+              </a14:hiddenFill>
+            </a:ext>
+          </a:extLst>
+        </p:spPr>
+      </p:pic>
+      <p:sp>
+        <p:nvSpPr>
+          <p:cNvPr id="6" name="文本框 5">
+            <a:extLst>
+              <a:ext uri="{FF2B5EF4-FFF2-40B4-BE49-F238E27FC236}">
+                <a16:creationId xmlns:a16="http://schemas.microsoft.com/office/drawing/2014/main" id="{C7CA22D0-D419-440E-85A0-3DC3BFD6A42B}"/>
               </a:ext>
             </a:extLst>
           </p:cNvPr>
@@ -9567,8 +9313,8 @@
         </p:nvSpPr>
         <p:spPr>
           <a:xfrm>
-            <a:off x="4223401" y="2780437"/>
-            <a:ext cx="7139924" cy="1569660"/>
+            <a:off x="4446929" y="2780437"/>
+            <a:ext cx="6775253" cy="2308324"/>
           </a:xfrm>
           <a:prstGeom prst="rect">
             <a:avLst/>
@@ -9582,33 +9328,46 @@
           <a:lstStyle/>
           <a:p>
             <a:r>
-              <a:rPr lang="zh-CN" altLang="en-US" sz="4800" b="1" dirty="0">
+              <a:rPr lang="zh-CN" altLang="en-US" sz="3600" b="1" dirty="0">
                 <a:latin typeface="+mn-ea"/>
               </a:rPr>
               <a:t>编写程序，在标准输出上打印 </a:t>
             </a:r>
             <a:r>
-              <a:rPr lang="en-US" altLang="zh-CN" sz="4800" b="1" dirty="0">
+              <a:rPr lang="en-US" altLang="zh-CN" sz="3600" b="1" dirty="0">
                 <a:latin typeface="+mn-ea"/>
               </a:rPr>
               <a:t>Hello, World</a:t>
             </a:r>
             <a:r>
-              <a:rPr lang="zh-CN" altLang="en-US" sz="1200" dirty="0">
+              <a:rPr lang="zh-CN" altLang="en-US" sz="3600" dirty="0">
                 <a:latin typeface="+mn-ea"/>
               </a:rPr>
               <a:t>。</a:t>
             </a:r>
-            <a:endParaRPr lang="zh-CN" altLang="en-US" sz="5400" b="1" dirty="0">
+            <a:endParaRPr lang="en-US" altLang="zh-CN" sz="3600" dirty="0">
               <a:latin typeface="+mn-ea"/>
             </a:endParaRPr>
+          </a:p>
+          <a:p>
+            <a:endParaRPr lang="en-US" altLang="zh-CN" sz="3600" b="1" dirty="0">
+              <a:latin typeface="+mn-ea"/>
+            </a:endParaRPr>
+          </a:p>
+          <a:p>
+            <a:r>
+              <a:rPr lang="zh-CN" altLang="en-US" sz="3600" b="1" dirty="0">
+                <a:latin typeface="+mn-ea"/>
+              </a:rPr>
+              <a:t>（学习项目的创建、编译、运行）</a:t>
+            </a:r>
           </a:p>
         </p:txBody>
       </p:sp>
     </p:spTree>
     <p:extLst>
       <p:ext uri="{BB962C8B-B14F-4D97-AF65-F5344CB8AC3E}">
-        <p14:creationId xmlns:p14="http://schemas.microsoft.com/office/powerpoint/2010/main" val="2964979901"/>
+        <p14:creationId xmlns:p14="http://schemas.microsoft.com/office/powerpoint/2010/main" val="1050114216"/>
       </p:ext>
     </p:extLst>
   </p:cSld>
@@ -9637,58 +9396,157 @@
       </p:grpSpPr>
       <p:sp>
         <p:nvSpPr>
-          <p:cNvPr id="9" name="矩形 8">
-            <a:extLst>
-              <a:ext uri="{FF2B5EF4-FFF2-40B4-BE49-F238E27FC236}">
-                <a16:creationId xmlns:a16="http://schemas.microsoft.com/office/drawing/2014/main" id="{905E8B6D-950F-4396-9DBF-B652B1E45801}"/>
-              </a:ext>
-            </a:extLst>
-          </p:cNvPr>
-          <p:cNvSpPr/>
+          <p:cNvPr id="8" name="文本框 7">
+            <a:extLst>
+              <a:ext uri="{FF2B5EF4-FFF2-40B4-BE49-F238E27FC236}">
+                <a16:creationId xmlns:a16="http://schemas.microsoft.com/office/drawing/2014/main" id="{173B5B89-5235-4C07-99A2-AC5672E77337}"/>
+              </a:ext>
+            </a:extLst>
+          </p:cNvPr>
+          <p:cNvSpPr txBox="1"/>
           <p:nvPr/>
         </p:nvSpPr>
         <p:spPr>
           <a:xfrm>
-            <a:off x="288268" y="288399"/>
-            <a:ext cx="3397084" cy="584775"/>
+            <a:off x="215448" y="169110"/>
+            <a:ext cx="11169000" cy="1200329"/>
+          </a:xfrm>
+          <a:prstGeom prst="rect">
+            <a:avLst/>
+          </a:prstGeom>
+          <a:noFill/>
+        </p:spPr>
+        <p:txBody>
+          <a:bodyPr wrap="square" rtlCol="0">
+            <a:spAutoFit/>
+          </a:bodyPr>
+          <a:lstStyle/>
+          <a:p>
+            <a:r>
+              <a:rPr lang="en-US" altLang="zh-CN" sz="7200" b="1" dirty="0">
+                <a:latin typeface="+mn-ea"/>
+              </a:rPr>
+              <a:t>exercise3.4: std::vector</a:t>
+            </a:r>
+            <a:endParaRPr lang="zh-CN" altLang="en-US" sz="7200" b="1" dirty="0">
+              <a:latin typeface="+mn-ea"/>
+            </a:endParaRPr>
+          </a:p>
+        </p:txBody>
+      </p:sp>
+      <p:pic>
+        <p:nvPicPr>
+          <p:cNvPr id="2" name="图片 1">
+            <a:extLst>
+              <a:ext uri="{FF2B5EF4-FFF2-40B4-BE49-F238E27FC236}">
+                <a16:creationId xmlns:a16="http://schemas.microsoft.com/office/drawing/2014/main" id="{CFA805A8-C94C-4542-B01C-8F47DC851D38}"/>
+              </a:ext>
+            </a:extLst>
+          </p:cNvPr>
+          <p:cNvPicPr>
+            <a:picLocks noChangeAspect="1"/>
+          </p:cNvPicPr>
+          <p:nvPr/>
+        </p:nvPicPr>
+        <p:blipFill>
+          <a:blip r:embed="rId3">
+            <a:extLst>
+              <a:ext uri="{28A0092B-C50C-407E-A947-70E740481C1C}">
+                <a14:useLocalDpi xmlns:a14="http://schemas.microsoft.com/office/drawing/2010/main" val="0"/>
+              </a:ext>
+            </a:extLst>
+          </a:blip>
+          <a:stretch>
+            <a:fillRect/>
+          </a:stretch>
+        </p:blipFill>
+        <p:spPr>
+          <a:xfrm>
+            <a:off x="518175" y="2600326"/>
+            <a:ext cx="3207315" cy="2094143"/>
           </a:xfrm>
           <a:prstGeom prst="rect">
             <a:avLst/>
           </a:prstGeom>
         </p:spPr>
-        <p:txBody>
-          <a:bodyPr wrap="none">
+      </p:pic>
+      <p:sp>
+        <p:nvSpPr>
+          <p:cNvPr id="6" name="文本框 5">
+            <a:extLst>
+              <a:ext uri="{FF2B5EF4-FFF2-40B4-BE49-F238E27FC236}">
+                <a16:creationId xmlns:a16="http://schemas.microsoft.com/office/drawing/2014/main" id="{2D4F4C79-08EF-5BD3-BF52-34ECCD733770}"/>
+              </a:ext>
+            </a:extLst>
+          </p:cNvPr>
+          <p:cNvSpPr txBox="1"/>
+          <p:nvPr/>
+        </p:nvSpPr>
+        <p:spPr>
+          <a:xfrm>
+            <a:off x="4334270" y="1722872"/>
+            <a:ext cx="7511653" cy="1698029"/>
+          </a:xfrm>
+          <a:prstGeom prst="rect">
+            <a:avLst/>
+          </a:prstGeom>
+          <a:noFill/>
+        </p:spPr>
+        <p:txBody>
+          <a:bodyPr wrap="square">
             <a:spAutoFit/>
           </a:bodyPr>
           <a:lstStyle/>
           <a:p>
-            <a:pPr lvl="0" fontAlgn="base">
-              <a:spcBef>
-                <a:spcPct val="0"/>
-              </a:spcBef>
-              <a:spcAft>
-                <a:spcPct val="0"/>
-              </a:spcAft>
+            <a:pPr>
+              <a:lnSpc>
+                <a:spcPct val="150000"/>
+              </a:lnSpc>
             </a:pPr>
             <a:r>
-              <a:rPr lang="zh-CN" altLang="zh-CN" sz="3200" b="1" dirty="0">
+              <a:rPr lang="zh-CN" altLang="en-US" sz="2400" dirty="0">
                 <a:latin typeface="+mn-ea"/>
               </a:rPr>
-              <a:t>2</a:t>
-            </a:r>
-            <a:r>
-              <a:rPr lang="en-US" altLang="zh-CN" sz="3200" b="1" dirty="0">
+              <a:t>编写一段程序，创建一个含有</a:t>
+            </a:r>
+            <a:r>
+              <a:rPr lang="en-US" altLang="zh-CN" sz="2400" dirty="0">
                 <a:latin typeface="+mn-ea"/>
               </a:rPr>
-              <a:t> </a:t>
-            </a:r>
-            <a:r>
-              <a:rPr lang="zh-CN" altLang="en-US" sz="3200" b="1" dirty="0">
+              <a:t>10</a:t>
+            </a:r>
+            <a:r>
+              <a:rPr lang="zh-CN" altLang="en-US" sz="2400" dirty="0">
                 <a:latin typeface="+mn-ea"/>
               </a:rPr>
-              <a:t>基本类型和变量</a:t>
-            </a:r>
-            <a:endParaRPr lang="zh-CN" altLang="zh-CN" sz="3200" b="1" dirty="0">
+              <a:t>个整数的</a:t>
+            </a:r>
+            <a:r>
+              <a:rPr lang="en-US" altLang="zh-CN" sz="2400" dirty="0">
+                <a:latin typeface="+mn-ea"/>
+              </a:rPr>
+              <a:t>vector</a:t>
+            </a:r>
+            <a:r>
+              <a:rPr lang="zh-CN" altLang="en-US" sz="2400" dirty="0">
+                <a:latin typeface="+mn-ea"/>
+              </a:rPr>
+              <a:t>对象，然后使用迭代器将所有元素的值都变成原来的两倍。输出</a:t>
+            </a:r>
+            <a:r>
+              <a:rPr lang="en-US" altLang="zh-CN" sz="2400" dirty="0">
+                <a:latin typeface="+mn-ea"/>
+              </a:rPr>
+              <a:t>vector</a:t>
+            </a:r>
+            <a:r>
+              <a:rPr lang="zh-CN" altLang="en-US" sz="2400" dirty="0">
+                <a:latin typeface="+mn-ea"/>
+              </a:rPr>
+              <a:t>对象的内容，检验程序是否正确。</a:t>
+            </a:r>
+            <a:endParaRPr lang="en-US" altLang="zh-CN" sz="2400" b="0" i="0" dirty="0">
+              <a:effectLst/>
               <a:latin typeface="+mn-ea"/>
             </a:endParaRPr>
           </a:p>
@@ -9697,7 +9555,7 @@
     </p:spTree>
     <p:extLst>
       <p:ext uri="{BB962C8B-B14F-4D97-AF65-F5344CB8AC3E}">
-        <p14:creationId xmlns:p14="http://schemas.microsoft.com/office/powerpoint/2010/main" val="2064899679"/>
+        <p14:creationId xmlns:p14="http://schemas.microsoft.com/office/powerpoint/2010/main" val="2283975043"/>
       </p:ext>
     </p:extLst>
   </p:cSld>
@@ -9724,394 +9582,58 @@
           <a:chExt cx="0" cy="0"/>
         </a:xfrm>
       </p:grpSpPr>
-      <p:sp>
-        <p:nvSpPr>
-          <p:cNvPr id="4" name="Rectangle 2">
-            <a:extLst>
-              <a:ext uri="{FF2B5EF4-FFF2-40B4-BE49-F238E27FC236}">
-                <a16:creationId xmlns:a16="http://schemas.microsoft.com/office/drawing/2014/main" id="{941FE186-B41E-45A3-82FB-DC3E102AE008}"/>
-              </a:ext>
-            </a:extLst>
-          </p:cNvPr>
-          <p:cNvSpPr>
-            <a:spLocks noChangeArrowheads="1"/>
-          </p:cNvSpPr>
+      <p:pic>
+        <p:nvPicPr>
+          <p:cNvPr id="3" name="图片 2">
+            <a:extLst>
+              <a:ext uri="{FF2B5EF4-FFF2-40B4-BE49-F238E27FC236}">
+                <a16:creationId xmlns:a16="http://schemas.microsoft.com/office/drawing/2014/main" id="{807372C6-A1CB-43EA-A384-B8443A72444E}"/>
+              </a:ext>
+            </a:extLst>
+          </p:cNvPr>
+          <p:cNvPicPr>
+            <a:picLocks noChangeAspect="1"/>
+          </p:cNvPicPr>
           <p:nvPr/>
-        </p:nvSpPr>
-        <p:spPr bwMode="auto">
-          <a:xfrm>
-            <a:off x="1317057" y="1436683"/>
-            <a:ext cx="8401050" cy="1200329"/>
-          </a:xfrm>
-          <a:prstGeom prst="rect">
-            <a:avLst/>
-          </a:prstGeom>
-          <a:noFill/>
-          <a:ln>
-            <a:noFill/>
-          </a:ln>
-          <a:effectLst/>
-          <a:extLst>
-            <a:ext uri="{909E8E84-426E-40DD-AFC4-6F175D3DCCD1}">
-              <a14:hiddenFill xmlns:a14="http://schemas.microsoft.com/office/drawing/2010/main">
-                <a:solidFill>
-                  <a:schemeClr val="accent1"/>
-                </a:solidFill>
-              </a14:hiddenFill>
-            </a:ext>
-            <a:ext uri="{91240B29-F687-4F45-9708-019B960494DF}">
-              <a14:hiddenLine xmlns:a14="http://schemas.microsoft.com/office/drawing/2010/main" w="9525">
-                <a:solidFill>
-                  <a:schemeClr val="tx1"/>
-                </a:solidFill>
-                <a:miter lim="800000"/>
-                <a:headEnd/>
-                <a:tailEnd/>
-              </a14:hiddenLine>
-            </a:ext>
-            <a:ext uri="{AF507438-7753-43E0-B8FC-AC1667EBCBE1}">
-              <a14:hiddenEffects xmlns:a14="http://schemas.microsoft.com/office/drawing/2010/main">
-                <a:effectLst>
-                  <a:outerShdw dist="35921" dir="2700000" algn="ctr" rotWithShape="0">
-                    <a:schemeClr val="bg2"/>
-                  </a:outerShdw>
-                </a:effectLst>
-              </a14:hiddenEffects>
-            </a:ext>
-          </a:extLst>
-        </p:spPr>
-        <p:txBody>
-          <a:bodyPr vert="horz" wrap="square" lIns="91440" tIns="45720" rIns="91440" bIns="45720" numCol="1" anchor="ctr" anchorCtr="0" compatLnSpc="1">
-            <a:prstTxWarp prst="textNoShape">
-              <a:avLst/>
-            </a:prstTxWarp>
-            <a:spAutoFit/>
-          </a:bodyPr>
-          <a:lstStyle>
-            <a:lvl1pPr eaLnBrk="0" fontAlgn="base" hangingPunct="0">
-              <a:spcBef>
-                <a:spcPct val="0"/>
-              </a:spcBef>
-              <a:spcAft>
-                <a:spcPct val="0"/>
-              </a:spcAft>
-              <a:defRPr>
-                <a:solidFill>
-                  <a:schemeClr val="tx1"/>
-                </a:solidFill>
-                <a:latin typeface="Arial" panose="020B0604020202020204" pitchFamily="34" charset="0"/>
-              </a:defRPr>
-            </a:lvl1pPr>
-            <a:lvl2pPr eaLnBrk="0" fontAlgn="base" hangingPunct="0">
-              <a:spcBef>
-                <a:spcPct val="0"/>
-              </a:spcBef>
-              <a:spcAft>
-                <a:spcPct val="0"/>
-              </a:spcAft>
-              <a:defRPr>
-                <a:solidFill>
-                  <a:schemeClr val="tx1"/>
-                </a:solidFill>
-                <a:latin typeface="Arial" panose="020B0604020202020204" pitchFamily="34" charset="0"/>
-              </a:defRPr>
-            </a:lvl2pPr>
-            <a:lvl3pPr eaLnBrk="0" fontAlgn="base" hangingPunct="0">
-              <a:spcBef>
-                <a:spcPct val="0"/>
-              </a:spcBef>
-              <a:spcAft>
-                <a:spcPct val="0"/>
-              </a:spcAft>
-              <a:defRPr>
-                <a:solidFill>
-                  <a:schemeClr val="tx1"/>
-                </a:solidFill>
-                <a:latin typeface="Arial" panose="020B0604020202020204" pitchFamily="34" charset="0"/>
-              </a:defRPr>
-            </a:lvl3pPr>
-            <a:lvl4pPr eaLnBrk="0" fontAlgn="base" hangingPunct="0">
-              <a:spcBef>
-                <a:spcPct val="0"/>
-              </a:spcBef>
-              <a:spcAft>
-                <a:spcPct val="0"/>
-              </a:spcAft>
-              <a:defRPr>
-                <a:solidFill>
-                  <a:schemeClr val="tx1"/>
-                </a:solidFill>
-                <a:latin typeface="Arial" panose="020B0604020202020204" pitchFamily="34" charset="0"/>
-              </a:defRPr>
-            </a:lvl4pPr>
-            <a:lvl5pPr eaLnBrk="0" fontAlgn="base" hangingPunct="0">
-              <a:spcBef>
-                <a:spcPct val="0"/>
-              </a:spcBef>
-              <a:spcAft>
-                <a:spcPct val="0"/>
-              </a:spcAft>
-              <a:defRPr>
-                <a:solidFill>
-                  <a:schemeClr val="tx1"/>
-                </a:solidFill>
-                <a:latin typeface="Arial" panose="020B0604020202020204" pitchFamily="34" charset="0"/>
-              </a:defRPr>
-            </a:lvl5pPr>
-            <a:lvl6pPr eaLnBrk="0" fontAlgn="base" hangingPunct="0">
-              <a:spcBef>
-                <a:spcPct val="0"/>
-              </a:spcBef>
-              <a:spcAft>
-                <a:spcPct val="0"/>
-              </a:spcAft>
-              <a:defRPr>
-                <a:solidFill>
-                  <a:schemeClr val="tx1"/>
-                </a:solidFill>
-                <a:latin typeface="Arial" panose="020B0604020202020204" pitchFamily="34" charset="0"/>
-              </a:defRPr>
-            </a:lvl6pPr>
-            <a:lvl7pPr eaLnBrk="0" fontAlgn="base" hangingPunct="0">
-              <a:spcBef>
-                <a:spcPct val="0"/>
-              </a:spcBef>
-              <a:spcAft>
-                <a:spcPct val="0"/>
-              </a:spcAft>
-              <a:defRPr>
-                <a:solidFill>
-                  <a:schemeClr val="tx1"/>
-                </a:solidFill>
-                <a:latin typeface="Arial" panose="020B0604020202020204" pitchFamily="34" charset="0"/>
-              </a:defRPr>
-            </a:lvl7pPr>
-            <a:lvl8pPr eaLnBrk="0" fontAlgn="base" hangingPunct="0">
-              <a:spcBef>
-                <a:spcPct val="0"/>
-              </a:spcBef>
-              <a:spcAft>
-                <a:spcPct val="0"/>
-              </a:spcAft>
-              <a:defRPr>
-                <a:solidFill>
-                  <a:schemeClr val="tx1"/>
-                </a:solidFill>
-                <a:latin typeface="Arial" panose="020B0604020202020204" pitchFamily="34" charset="0"/>
-              </a:defRPr>
-            </a:lvl8pPr>
-            <a:lvl9pPr eaLnBrk="0" fontAlgn="base" hangingPunct="0">
-              <a:spcBef>
-                <a:spcPct val="0"/>
-              </a:spcBef>
-              <a:spcAft>
-                <a:spcPct val="0"/>
-              </a:spcAft>
-              <a:defRPr>
-                <a:solidFill>
-                  <a:schemeClr val="tx1"/>
-                </a:solidFill>
-                <a:latin typeface="Arial" panose="020B0604020202020204" pitchFamily="34" charset="0"/>
-              </a:defRPr>
-            </a:lvl9pPr>
-          </a:lstStyle>
-          <a:p>
-            <a:pPr marR="0" indent="0" eaLnBrk="1" hangingPunct="1">
-              <a:lnSpc>
-                <a:spcPct val="100000"/>
-              </a:lnSpc>
-              <a:buClrTx/>
-              <a:buSzTx/>
-              <a:buFontTx/>
-              <a:buNone/>
-              <a:tabLst/>
-            </a:pPr>
-            <a:r>
-              <a:rPr lang="zh-CN" altLang="zh-CN" sz="2400" b="1" dirty="0">
-                <a:latin typeface="+mn-ea"/>
-              </a:rPr>
-              <a:t>基本内置类型=算数类型+空类型</a:t>
-            </a:r>
-            <a:endParaRPr lang="en-US" altLang="zh-CN" sz="2400" b="1" dirty="0">
-              <a:latin typeface="+mn-ea"/>
-            </a:endParaRPr>
-          </a:p>
-          <a:p>
-            <a:pPr marR="0" indent="0" eaLnBrk="1" hangingPunct="1">
-              <a:lnSpc>
-                <a:spcPct val="100000"/>
-              </a:lnSpc>
-              <a:buClrTx/>
-              <a:buSzTx/>
-              <a:buFontTx/>
-              <a:buNone/>
-              <a:tabLst/>
-            </a:pPr>
-            <a:endParaRPr lang="zh-CN" altLang="zh-CN" sz="2400" b="1" dirty="0">
-              <a:latin typeface="+mn-ea"/>
-            </a:endParaRPr>
-          </a:p>
-          <a:p>
-            <a:pPr marR="0" indent="0" eaLnBrk="1" hangingPunct="1">
-              <a:lnSpc>
-                <a:spcPct val="100000"/>
-              </a:lnSpc>
-              <a:buClrTx/>
-              <a:buSzTx/>
-              <a:buFontTx/>
-              <a:buNone/>
-              <a:tabLst/>
-            </a:pPr>
-            <a:r>
-              <a:rPr lang="zh-CN" altLang="zh-CN" sz="2400" b="1" dirty="0">
-                <a:latin typeface="+mn-ea"/>
-              </a:rPr>
-              <a:t>算术类型=字符类型+整数型+布尔值+浮点数</a:t>
-            </a:r>
-          </a:p>
-        </p:txBody>
-      </p:sp>
-      <p:sp>
-        <p:nvSpPr>
-          <p:cNvPr id="5" name="矩形 4">
-            <a:extLst>
-              <a:ext uri="{FF2B5EF4-FFF2-40B4-BE49-F238E27FC236}">
-                <a16:creationId xmlns:a16="http://schemas.microsoft.com/office/drawing/2014/main" id="{CCA14CC4-DCDF-4B98-885D-AE39794D0326}"/>
-              </a:ext>
-            </a:extLst>
-          </p:cNvPr>
-          <p:cNvSpPr/>
-          <p:nvPr/>
-        </p:nvSpPr>
+        </p:nvPicPr>
+        <p:blipFill>
+          <a:blip r:embed="rId3">
+            <a:extLst>
+              <a:ext uri="{28A0092B-C50C-407E-A947-70E740481C1C}">
+                <a14:useLocalDpi xmlns:a14="http://schemas.microsoft.com/office/drawing/2010/main" val="0"/>
+              </a:ext>
+            </a:extLst>
+          </a:blip>
+          <a:stretch>
+            <a:fillRect/>
+          </a:stretch>
+        </p:blipFill>
         <p:spPr>
           <a:xfrm>
-            <a:off x="288268" y="288399"/>
-            <a:ext cx="2492990" cy="584775"/>
+            <a:off x="209544" y="2400299"/>
+            <a:ext cx="3124203" cy="3124203"/>
           </a:xfrm>
           <a:prstGeom prst="rect">
             <a:avLst/>
           </a:prstGeom>
         </p:spPr>
-        <p:txBody>
-          <a:bodyPr wrap="none">
-            <a:spAutoFit/>
-          </a:bodyPr>
-          <a:lstStyle/>
-          <a:p>
-            <a:pPr lvl="0" fontAlgn="base">
-              <a:spcBef>
-                <a:spcPct val="0"/>
-              </a:spcBef>
-              <a:spcAft>
-                <a:spcPct val="0"/>
-              </a:spcAft>
-            </a:pPr>
-            <a:r>
-              <a:rPr lang="en-US" altLang="zh-CN" sz="3200" b="1" dirty="0">
-                <a:latin typeface="+mn-ea"/>
-              </a:rPr>
-              <a:t>2.1 </a:t>
-            </a:r>
-            <a:r>
-              <a:rPr lang="zh-CN" altLang="zh-CN" sz="3200" b="1" dirty="0">
-                <a:latin typeface="+mn-ea"/>
-              </a:rPr>
-              <a:t>基本类型</a:t>
-            </a:r>
-          </a:p>
-        </p:txBody>
-      </p:sp>
-      <p:sp>
-        <p:nvSpPr>
-          <p:cNvPr id="11" name="矩形 10">
-            <a:extLst>
-              <a:ext uri="{FF2B5EF4-FFF2-40B4-BE49-F238E27FC236}">
-                <a16:creationId xmlns:a16="http://schemas.microsoft.com/office/drawing/2014/main" id="{062F1B84-2816-41AC-94CF-C1DDDF5BE2A5}"/>
-              </a:ext>
-            </a:extLst>
-          </p:cNvPr>
-          <p:cNvSpPr/>
+      </p:pic>
+      <p:sp>
+        <p:nvSpPr>
+          <p:cNvPr id="8" name="文本框 7">
+            <a:extLst>
+              <a:ext uri="{FF2B5EF4-FFF2-40B4-BE49-F238E27FC236}">
+                <a16:creationId xmlns:a16="http://schemas.microsoft.com/office/drawing/2014/main" id="{173B5B89-5235-4C07-99A2-AC5672E77337}"/>
+              </a:ext>
+            </a:extLst>
+          </p:cNvPr>
+          <p:cNvSpPr txBox="1"/>
           <p:nvPr/>
         </p:nvSpPr>
         <p:spPr>
           <a:xfrm>
-            <a:off x="7667625" y="3245613"/>
-            <a:ext cx="3219450" cy="2031325"/>
-          </a:xfrm>
-          <a:prstGeom prst="rect">
-            <a:avLst/>
-          </a:prstGeom>
-        </p:spPr>
-        <p:txBody>
-          <a:bodyPr wrap="square">
-            <a:spAutoFit/>
-          </a:bodyPr>
-          <a:lstStyle/>
-          <a:p>
-            <a:r>
-              <a:rPr lang="zh-CN" altLang="en-US" b="1" dirty="0"/>
-              <a:t>char ：1个字节</a:t>
-            </a:r>
-          </a:p>
-          <a:p>
-            <a:r>
-              <a:rPr lang="zh-CN" altLang="en-US" b="1" dirty="0"/>
-              <a:t>wchar_t：2个字节</a:t>
-            </a:r>
-            <a:endParaRPr lang="en-US" altLang="zh-CN" b="1" dirty="0"/>
-          </a:p>
-          <a:p>
-            <a:r>
-              <a:rPr lang="en-US" altLang="zh-CN" b="1" dirty="0"/>
-              <a:t>void</a:t>
-            </a:r>
-            <a:r>
-              <a:rPr lang="zh-CN" altLang="en-US" b="1" dirty="0"/>
-              <a:t>*(指针变量): 8个字节</a:t>
-            </a:r>
-          </a:p>
-          <a:p>
-            <a:r>
-              <a:rPr lang="zh-CN" altLang="en-US" b="1" dirty="0"/>
-              <a:t>int： 4个字节</a:t>
-            </a:r>
-          </a:p>
-          <a:p>
-            <a:r>
-              <a:rPr lang="zh-CN" altLang="en-US" b="1" dirty="0"/>
-              <a:t>unsigned int : 4个字节</a:t>
-            </a:r>
-          </a:p>
-          <a:p>
-            <a:r>
-              <a:rPr lang="zh-CN" altLang="en-US" b="1" dirty="0"/>
-              <a:t>float: 4个字节</a:t>
-            </a:r>
-          </a:p>
-          <a:p>
-            <a:r>
-              <a:rPr lang="zh-CN" altLang="en-US" b="1" dirty="0"/>
-              <a:t>double:  8个字节</a:t>
-            </a:r>
-          </a:p>
-        </p:txBody>
-      </p:sp>
-      <p:sp>
-        <p:nvSpPr>
-          <p:cNvPr id="12" name="文本框 11">
-            <a:extLst>
-              <a:ext uri="{FF2B5EF4-FFF2-40B4-BE49-F238E27FC236}">
-                <a16:creationId xmlns:a16="http://schemas.microsoft.com/office/drawing/2014/main" id="{AB60CE66-EF70-49BE-A02F-102AB6C27324}"/>
-              </a:ext>
-            </a:extLst>
-          </p:cNvPr>
-          <p:cNvSpPr txBox="1"/>
-          <p:nvPr/>
-        </p:nvSpPr>
-        <p:spPr>
-          <a:xfrm>
-            <a:off x="803925" y="3647895"/>
-            <a:ext cx="5130149" cy="1015663"/>
+            <a:off x="518176" y="466545"/>
+            <a:ext cx="5130149" cy="1200329"/>
           </a:xfrm>
           <a:prstGeom prst="rect">
             <a:avLst/>
@@ -10125,22 +9647,117 @@
           <a:lstStyle/>
           <a:p>
             <a:r>
-              <a:rPr lang="zh-CN" altLang="en-US" sz="6000" b="1" dirty="0">
+              <a:rPr lang="en-US" altLang="zh-CN" sz="7200" b="1" dirty="0">
                 <a:latin typeface="+mn-ea"/>
               </a:rPr>
-              <a:t>在</a:t>
-            </a:r>
-            <a:r>
-              <a:rPr lang="en-US" altLang="zh-CN" sz="6000" b="1" dirty="0">
+              <a:t>IDE </a:t>
+            </a:r>
+            <a:r>
+              <a:rPr lang="en-US" altLang="zh-CN" sz="7200" b="1" dirty="0" err="1">
                 <a:latin typeface="+mn-ea"/>
               </a:rPr>
-              <a:t>64</a:t>
-            </a:r>
-            <a:r>
-              <a:rPr lang="zh-CN" altLang="en-US" sz="6000" b="1" dirty="0">
+              <a:t>Practise</a:t>
+            </a:r>
+            <a:endParaRPr lang="zh-CN" altLang="en-US" sz="7200" b="1" dirty="0">
+              <a:latin typeface="+mn-ea"/>
+            </a:endParaRPr>
+          </a:p>
+        </p:txBody>
+      </p:sp>
+      <p:pic>
+        <p:nvPicPr>
+          <p:cNvPr id="5" name="Picture 10" descr="Microsoft launches Visual Studio Online public preview and ML.NET 1.4 |  VentureBeat">
+            <a:extLst>
+              <a:ext uri="{FF2B5EF4-FFF2-40B4-BE49-F238E27FC236}">
+                <a16:creationId xmlns:a16="http://schemas.microsoft.com/office/drawing/2014/main" id="{76A093F6-9428-4C8C-86C3-BA7CF1A434A0}"/>
+              </a:ext>
+            </a:extLst>
+          </p:cNvPr>
+          <p:cNvPicPr>
+            <a:picLocks noChangeAspect="1" noChangeArrowheads="1"/>
+          </p:cNvPicPr>
+          <p:nvPr/>
+        </p:nvPicPr>
+        <p:blipFill>
+          <a:blip r:embed="rId4">
+            <a:extLst>
+              <a:ext uri="{28A0092B-C50C-407E-A947-70E740481C1C}">
+                <a14:useLocalDpi xmlns:a14="http://schemas.microsoft.com/office/drawing/2010/main" val="0"/>
+              </a:ext>
+            </a:extLst>
+          </a:blip>
+          <a:srcRect/>
+          <a:stretch>
+            <a:fillRect/>
+          </a:stretch>
+        </p:blipFill>
+        <p:spPr bwMode="auto">
+          <a:xfrm>
+            <a:off x="6673932" y="65872"/>
+            <a:ext cx="4315567" cy="2157784"/>
+          </a:xfrm>
+          <a:prstGeom prst="rect">
+            <a:avLst/>
+          </a:prstGeom>
+          <a:noFill/>
+          <a:extLst>
+            <a:ext uri="{909E8E84-426E-40DD-AFC4-6F175D3DCCD1}">
+              <a14:hiddenFill xmlns:a14="http://schemas.microsoft.com/office/drawing/2010/main">
+                <a:solidFill>
+                  <a:srgbClr val="FFFFFF"/>
+                </a:solidFill>
+              </a14:hiddenFill>
+            </a:ext>
+          </a:extLst>
+        </p:spPr>
+      </p:pic>
+      <p:sp>
+        <p:nvSpPr>
+          <p:cNvPr id="6" name="文本框 5">
+            <a:extLst>
+              <a:ext uri="{FF2B5EF4-FFF2-40B4-BE49-F238E27FC236}">
+                <a16:creationId xmlns:a16="http://schemas.microsoft.com/office/drawing/2014/main" id="{C7CA22D0-D419-440E-85A0-3DC3BFD6A42B}"/>
+              </a:ext>
+            </a:extLst>
+          </p:cNvPr>
+          <p:cNvSpPr txBox="1"/>
+          <p:nvPr/>
+        </p:nvSpPr>
+        <p:spPr>
+          <a:xfrm>
+            <a:off x="4446929" y="2780437"/>
+            <a:ext cx="6775253" cy="2308324"/>
+          </a:xfrm>
+          <a:prstGeom prst="rect">
+            <a:avLst/>
+          </a:prstGeom>
+          <a:noFill/>
+        </p:spPr>
+        <p:txBody>
+          <a:bodyPr wrap="square" rtlCol="0">
+            <a:spAutoFit/>
+          </a:bodyPr>
+          <a:lstStyle/>
+          <a:p>
+            <a:r>
+              <a:rPr lang="zh-CN" altLang="en-US" sz="7200" b="1" dirty="0">
                 <a:latin typeface="+mn-ea"/>
               </a:rPr>
-              <a:t>位机器上</a:t>
+              <a:t>学习</a:t>
+            </a:r>
+            <a:r>
+              <a:rPr lang="en-US" altLang="zh-CN" sz="7200" b="1" dirty="0">
+                <a:latin typeface="+mn-ea"/>
+              </a:rPr>
+              <a:t>Debug</a:t>
+            </a:r>
+          </a:p>
+          <a:p>
+            <a:r>
+              <a:rPr lang="zh-CN" altLang="en-US" sz="7200" b="1" dirty="0">
+                <a:latin typeface="+mn-ea"/>
+              </a:rPr>
+              <a:t>查看变量的值</a:t>
             </a:r>
           </a:p>
         </p:txBody>
@@ -10148,7 +9765,7 @@
     </p:spTree>
     <p:extLst>
       <p:ext uri="{BB962C8B-B14F-4D97-AF65-F5344CB8AC3E}">
-        <p14:creationId xmlns:p14="http://schemas.microsoft.com/office/powerpoint/2010/main" val="1367368557"/>
+        <p14:creationId xmlns:p14="http://schemas.microsoft.com/office/powerpoint/2010/main" val="2912205447"/>
       </p:ext>
     </p:extLst>
   </p:cSld>
@@ -10175,918 +9792,6 @@
           <a:chExt cx="0" cy="0"/>
         </a:xfrm>
       </p:grpSpPr>
-      <p:sp>
-        <p:nvSpPr>
-          <p:cNvPr id="6" name="文本框 5">
-            <a:extLst>
-              <a:ext uri="{FF2B5EF4-FFF2-40B4-BE49-F238E27FC236}">
-                <a16:creationId xmlns:a16="http://schemas.microsoft.com/office/drawing/2014/main" id="{A8746E2C-B96B-4186-B0EC-BE8E9F365025}"/>
-              </a:ext>
-            </a:extLst>
-          </p:cNvPr>
-          <p:cNvSpPr txBox="1"/>
-          <p:nvPr/>
-        </p:nvSpPr>
-        <p:spPr>
-          <a:xfrm>
-            <a:off x="518176" y="466545"/>
-            <a:ext cx="5130149" cy="1015663"/>
-          </a:xfrm>
-          <a:prstGeom prst="rect">
-            <a:avLst/>
-          </a:prstGeom>
-          <a:noFill/>
-        </p:spPr>
-        <p:txBody>
-          <a:bodyPr wrap="square" rtlCol="0">
-            <a:spAutoFit/>
-          </a:bodyPr>
-          <a:lstStyle/>
-          <a:p>
-            <a:r>
-              <a:rPr lang="zh-CN" altLang="en-US" sz="6000" b="1" dirty="0">
-                <a:highlight>
-                  <a:srgbClr val="C0C0C0"/>
-                </a:highlight>
-                <a:latin typeface="+mn-ea"/>
-              </a:rPr>
-              <a:t>类型转换</a:t>
-            </a:r>
-          </a:p>
-        </p:txBody>
-      </p:sp>
-      <p:sp>
-        <p:nvSpPr>
-          <p:cNvPr id="48" name="文本框 47">
-            <a:extLst>
-              <a:ext uri="{FF2B5EF4-FFF2-40B4-BE49-F238E27FC236}">
-                <a16:creationId xmlns:a16="http://schemas.microsoft.com/office/drawing/2014/main" id="{D7BA841E-2C3E-4048-89EC-59FC62187BA3}"/>
-              </a:ext>
-            </a:extLst>
-          </p:cNvPr>
-          <p:cNvSpPr txBox="1"/>
-          <p:nvPr/>
-        </p:nvSpPr>
-        <p:spPr>
-          <a:xfrm>
-            <a:off x="3618563" y="2207954"/>
-            <a:ext cx="3739499" cy="1015663"/>
-          </a:xfrm>
-          <a:prstGeom prst="rect">
-            <a:avLst/>
-          </a:prstGeom>
-          <a:noFill/>
-        </p:spPr>
-        <p:txBody>
-          <a:bodyPr wrap="square" rtlCol="0">
-            <a:spAutoFit/>
-          </a:bodyPr>
-          <a:lstStyle/>
-          <a:p>
-            <a:r>
-              <a:rPr lang="zh-CN" altLang="en-US" sz="6000" b="1" dirty="0">
-                <a:latin typeface="+mn-ea"/>
-              </a:rPr>
-              <a:t>向上转型</a:t>
-            </a:r>
-          </a:p>
-        </p:txBody>
-      </p:sp>
-      <p:sp>
-        <p:nvSpPr>
-          <p:cNvPr id="4" name="文本框 3">
-            <a:extLst>
-              <a:ext uri="{FF2B5EF4-FFF2-40B4-BE49-F238E27FC236}">
-                <a16:creationId xmlns:a16="http://schemas.microsoft.com/office/drawing/2014/main" id="{19E09A80-AF93-4F4C-844F-9A1A143FB3E3}"/>
-              </a:ext>
-            </a:extLst>
-          </p:cNvPr>
-          <p:cNvSpPr txBox="1"/>
-          <p:nvPr/>
-        </p:nvSpPr>
-        <p:spPr>
-          <a:xfrm>
-            <a:off x="994426" y="4101763"/>
-            <a:ext cx="10511774" cy="830997"/>
-          </a:xfrm>
-          <a:prstGeom prst="rect">
-            <a:avLst/>
-          </a:prstGeom>
-          <a:noFill/>
-        </p:spPr>
-        <p:txBody>
-          <a:bodyPr wrap="square" rtlCol="0">
-            <a:spAutoFit/>
-          </a:bodyPr>
-          <a:lstStyle/>
-          <a:p>
-            <a:r>
-              <a:rPr lang="en-US" altLang="zh-CN" sz="4800" b="1" dirty="0">
-                <a:latin typeface="+mn-ea"/>
-              </a:rPr>
-              <a:t>bool-&gt;int-&gt;long-&gt;float-&gt;double</a:t>
-            </a:r>
-            <a:endParaRPr lang="zh-CN" altLang="en-US" sz="4800" b="1" dirty="0">
-              <a:latin typeface="+mn-ea"/>
-            </a:endParaRPr>
-          </a:p>
-        </p:txBody>
-      </p:sp>
-    </p:spTree>
-    <p:extLst>
-      <p:ext uri="{BB962C8B-B14F-4D97-AF65-F5344CB8AC3E}">
-        <p14:creationId xmlns:p14="http://schemas.microsoft.com/office/powerpoint/2010/main" val="1378984394"/>
-      </p:ext>
-    </p:extLst>
-  </p:cSld>
-  <p:clrMapOvr>
-    <a:masterClrMapping/>
-  </p:clrMapOvr>
-</p:sld>
-</file>
-
-<file path=ppt/slides/slide23.xml><?xml version="1.0" encoding="utf-8"?>
-<p:sld xmlns:a="http://schemas.openxmlformats.org/drawingml/2006/main" xmlns:r="http://schemas.openxmlformats.org/officeDocument/2006/relationships" xmlns:p="http://schemas.openxmlformats.org/presentationml/2006/main">
-  <p:cSld>
-    <p:spTree>
-      <p:nvGrpSpPr>
-        <p:cNvPr id="1" name=""/>
-        <p:cNvGrpSpPr/>
-        <p:nvPr/>
-      </p:nvGrpSpPr>
-      <p:grpSpPr>
-        <a:xfrm>
-          <a:off x="0" y="0"/>
-          <a:ext cx="0" cy="0"/>
-          <a:chOff x="0" y="0"/>
-          <a:chExt cx="0" cy="0"/>
-        </a:xfrm>
-      </p:grpSpPr>
-      <p:sp>
-        <p:nvSpPr>
-          <p:cNvPr id="6" name="文本框 5">
-            <a:extLst>
-              <a:ext uri="{FF2B5EF4-FFF2-40B4-BE49-F238E27FC236}">
-                <a16:creationId xmlns:a16="http://schemas.microsoft.com/office/drawing/2014/main" id="{A8746E2C-B96B-4186-B0EC-BE8E9F365025}"/>
-              </a:ext>
-            </a:extLst>
-          </p:cNvPr>
-          <p:cNvSpPr txBox="1"/>
-          <p:nvPr/>
-        </p:nvSpPr>
-        <p:spPr>
-          <a:xfrm>
-            <a:off x="518176" y="466545"/>
-            <a:ext cx="5130149" cy="1015663"/>
-          </a:xfrm>
-          <a:prstGeom prst="rect">
-            <a:avLst/>
-          </a:prstGeom>
-          <a:noFill/>
-        </p:spPr>
-        <p:txBody>
-          <a:bodyPr wrap="square" rtlCol="0">
-            <a:spAutoFit/>
-          </a:bodyPr>
-          <a:lstStyle/>
-          <a:p>
-            <a:r>
-              <a:rPr lang="zh-CN" altLang="en-US" sz="6000" b="1" dirty="0">
-                <a:highlight>
-                  <a:srgbClr val="C0C0C0"/>
-                </a:highlight>
-                <a:latin typeface="+mn-ea"/>
-              </a:rPr>
-              <a:t>字面值常量</a:t>
-            </a:r>
-          </a:p>
-        </p:txBody>
-      </p:sp>
-      <p:sp>
-        <p:nvSpPr>
-          <p:cNvPr id="3" name="Rectangle 2">
-            <a:extLst>
-              <a:ext uri="{FF2B5EF4-FFF2-40B4-BE49-F238E27FC236}">
-                <a16:creationId xmlns:a16="http://schemas.microsoft.com/office/drawing/2014/main" id="{237D703A-A18F-4474-ACDF-623FBE3F0982}"/>
-              </a:ext>
-            </a:extLst>
-          </p:cNvPr>
-          <p:cNvSpPr>
-            <a:spLocks noChangeArrowheads="1"/>
-          </p:cNvSpPr>
-          <p:nvPr/>
-        </p:nvSpPr>
-        <p:spPr bwMode="auto">
-          <a:xfrm>
-            <a:off x="828675" y="2895942"/>
-            <a:ext cx="1562100" cy="323165"/>
-          </a:xfrm>
-          <a:prstGeom prst="rect">
-            <a:avLst/>
-          </a:prstGeom>
-          <a:solidFill>
-            <a:srgbClr val="363B40"/>
-          </a:solidFill>
-          <a:ln>
-            <a:noFill/>
-          </a:ln>
-          <a:effectLst/>
-          <a:extLst>
-            <a:ext uri="{91240B29-F687-4F45-9708-019B960494DF}">
-              <a14:hiddenLine xmlns:a14="http://schemas.microsoft.com/office/drawing/2010/main" w="9525">
-                <a:solidFill>
-                  <a:schemeClr val="tx1"/>
-                </a:solidFill>
-                <a:miter lim="800000"/>
-                <a:headEnd/>
-                <a:tailEnd/>
-              </a14:hiddenLine>
-            </a:ext>
-            <a:ext uri="{AF507438-7753-43E0-B8FC-AC1667EBCBE1}">
-              <a14:hiddenEffects xmlns:a14="http://schemas.microsoft.com/office/drawing/2010/main">
-                <a:effectLst>
-                  <a:outerShdw dist="35921" dir="2700000" algn="ctr" rotWithShape="0">
-                    <a:schemeClr val="bg2"/>
-                  </a:outerShdw>
-                </a:effectLst>
-              </a14:hiddenEffects>
-            </a:ext>
-          </a:extLst>
-        </p:spPr>
-        <p:txBody>
-          <a:bodyPr vert="horz" wrap="square" lIns="91440" tIns="45720" rIns="91440" bIns="45720" numCol="1" anchor="ctr" anchorCtr="0" compatLnSpc="1">
-            <a:prstTxWarp prst="textNoShape">
-              <a:avLst/>
-            </a:prstTxWarp>
-            <a:spAutoFit/>
-          </a:bodyPr>
-          <a:lstStyle/>
-          <a:p>
-            <a:pPr marL="0" marR="0" lvl="0" indent="0" algn="l" defTabSz="914400" rtl="0" eaLnBrk="0" fontAlgn="base" latinLnBrk="0" hangingPunct="0">
-              <a:lnSpc>
-                <a:spcPct val="100000"/>
-              </a:lnSpc>
-              <a:spcBef>
-                <a:spcPct val="0"/>
-              </a:spcBef>
-              <a:spcAft>
-                <a:spcPct val="0"/>
-              </a:spcAft>
-              <a:buClrTx/>
-              <a:buSzTx/>
-              <a:buFontTx/>
-              <a:buNone/>
-              <a:tabLst/>
-            </a:pPr>
-            <a:r>
-              <a:rPr kumimoji="0" lang="zh-CN" altLang="zh-CN" sz="1500" b="1" i="0" u="none" strike="noStrike" cap="none" normalizeH="0" baseline="0">
-                <a:ln>
-                  <a:noFill/>
-                </a:ln>
-                <a:solidFill>
-                  <a:srgbClr val="DEDEDE"/>
-                </a:solidFill>
-                <a:effectLst/>
-                <a:latin typeface="Arial" panose="020B0604020202020204" pitchFamily="34" charset="0"/>
-                <a:ea typeface="Helvetica Neue"/>
-              </a:rPr>
-              <a:t>浮点型字面值</a:t>
-            </a:r>
-            <a:r>
-              <a:rPr kumimoji="0" lang="zh-CN" altLang="zh-CN" sz="700" b="0" i="0" u="none" strike="noStrike" cap="none" normalizeH="0" baseline="0">
-                <a:ln>
-                  <a:noFill/>
-                </a:ln>
-                <a:solidFill>
-                  <a:schemeClr val="tx1"/>
-                </a:solidFill>
-                <a:effectLst/>
-                <a:latin typeface="Arial" panose="020B0604020202020204" pitchFamily="34" charset="0"/>
-              </a:rPr>
-              <a:t> </a:t>
-            </a:r>
-            <a:endParaRPr kumimoji="0" lang="zh-CN" altLang="zh-CN" sz="1800" b="0" i="0" u="none" strike="noStrike" cap="none" normalizeH="0" baseline="0">
-              <a:ln>
-                <a:noFill/>
-              </a:ln>
-              <a:solidFill>
-                <a:schemeClr val="tx1"/>
-              </a:solidFill>
-              <a:effectLst/>
-              <a:latin typeface="Arial" panose="020B0604020202020204" pitchFamily="34" charset="0"/>
-            </a:endParaRPr>
-          </a:p>
-        </p:txBody>
-      </p:sp>
-      <p:sp>
-        <p:nvSpPr>
-          <p:cNvPr id="5" name="矩形 4">
-            <a:extLst>
-              <a:ext uri="{FF2B5EF4-FFF2-40B4-BE49-F238E27FC236}">
-                <a16:creationId xmlns:a16="http://schemas.microsoft.com/office/drawing/2014/main" id="{860D3C96-BD25-4972-8FEE-AFA3EE2E93EA}"/>
-              </a:ext>
-            </a:extLst>
-          </p:cNvPr>
-          <p:cNvSpPr/>
-          <p:nvPr/>
-        </p:nvSpPr>
-        <p:spPr>
-          <a:xfrm>
-            <a:off x="828675" y="3329077"/>
-            <a:ext cx="3339465" cy="1754326"/>
-          </a:xfrm>
-          <a:prstGeom prst="rect">
-            <a:avLst/>
-          </a:prstGeom>
-        </p:spPr>
-        <p:txBody>
-          <a:bodyPr wrap="square">
-            <a:spAutoFit/>
-          </a:bodyPr>
-          <a:lstStyle/>
-          <a:p>
-            <a:r>
-              <a:rPr lang="zh-CN" altLang="en-US" dirty="0"/>
-              <a:t>3.14159</a:t>
-            </a:r>
-          </a:p>
-          <a:p>
-            <a:r>
-              <a:rPr lang="zh-CN" altLang="en-US" dirty="0"/>
-              <a:t>3.14159E0</a:t>
-            </a:r>
-          </a:p>
-          <a:p>
-            <a:r>
-              <a:rPr lang="zh-CN" altLang="en-US" dirty="0"/>
-              <a:t>0.</a:t>
-            </a:r>
-          </a:p>
-          <a:p>
-            <a:r>
-              <a:rPr lang="zh-CN" altLang="en-US" dirty="0"/>
-              <a:t>0e0</a:t>
-            </a:r>
-          </a:p>
-          <a:p>
-            <a:r>
-              <a:rPr lang="zh-CN" altLang="en-US" dirty="0"/>
-              <a:t>.001</a:t>
-            </a:r>
-          </a:p>
-          <a:p>
-            <a:r>
-              <a:rPr lang="zh-CN" altLang="en-US" dirty="0"/>
-              <a:t>//默认为double类型</a:t>
-            </a:r>
-          </a:p>
-        </p:txBody>
-      </p:sp>
-      <p:sp>
-        <p:nvSpPr>
-          <p:cNvPr id="8" name="Rectangle 2">
-            <a:extLst>
-              <a:ext uri="{FF2B5EF4-FFF2-40B4-BE49-F238E27FC236}">
-                <a16:creationId xmlns:a16="http://schemas.microsoft.com/office/drawing/2014/main" id="{E0CFF027-9906-4CC8-B9DE-3FF10090C3FA}"/>
-              </a:ext>
-            </a:extLst>
-          </p:cNvPr>
-          <p:cNvSpPr>
-            <a:spLocks noChangeArrowheads="1"/>
-          </p:cNvSpPr>
-          <p:nvPr/>
-        </p:nvSpPr>
-        <p:spPr bwMode="auto">
-          <a:xfrm>
-            <a:off x="3180397" y="2885055"/>
-            <a:ext cx="1975485" cy="323165"/>
-          </a:xfrm>
-          <a:prstGeom prst="rect">
-            <a:avLst/>
-          </a:prstGeom>
-          <a:solidFill>
-            <a:srgbClr val="363B40"/>
-          </a:solidFill>
-          <a:ln>
-            <a:noFill/>
-          </a:ln>
-          <a:effectLst/>
-          <a:extLst>
-            <a:ext uri="{91240B29-F687-4F45-9708-019B960494DF}">
-              <a14:hiddenLine xmlns:a14="http://schemas.microsoft.com/office/drawing/2010/main" w="9525">
-                <a:solidFill>
-                  <a:schemeClr val="tx1"/>
-                </a:solidFill>
-                <a:miter lim="800000"/>
-                <a:headEnd/>
-                <a:tailEnd/>
-              </a14:hiddenLine>
-            </a:ext>
-            <a:ext uri="{AF507438-7753-43E0-B8FC-AC1667EBCBE1}">
-              <a14:hiddenEffects xmlns:a14="http://schemas.microsoft.com/office/drawing/2010/main">
-                <a:effectLst>
-                  <a:outerShdw dist="35921" dir="2700000" algn="ctr" rotWithShape="0">
-                    <a:schemeClr val="bg2"/>
-                  </a:outerShdw>
-                </a:effectLst>
-              </a14:hiddenEffects>
-            </a:ext>
-          </a:extLst>
-        </p:spPr>
-        <p:txBody>
-          <a:bodyPr vert="horz" wrap="square" lIns="91440" tIns="45720" rIns="91440" bIns="45720" numCol="1" anchor="ctr" anchorCtr="0" compatLnSpc="1">
-            <a:prstTxWarp prst="textNoShape">
-              <a:avLst/>
-            </a:prstTxWarp>
-            <a:spAutoFit/>
-          </a:bodyPr>
-          <a:lstStyle/>
-          <a:p>
-            <a:pPr lvl="0" eaLnBrk="0" fontAlgn="base" hangingPunct="0">
-              <a:spcBef>
-                <a:spcPct val="0"/>
-              </a:spcBef>
-              <a:spcAft>
-                <a:spcPct val="0"/>
-              </a:spcAft>
-            </a:pPr>
-            <a:r>
-              <a:rPr lang="zh-CN" altLang="en-US" sz="1500" b="1" dirty="0">
-                <a:solidFill>
-                  <a:srgbClr val="DEDEDE"/>
-                </a:solidFill>
-                <a:latin typeface="Arial" panose="020B0604020202020204" pitchFamily="34" charset="0"/>
-                <a:ea typeface="Helvetica Neue"/>
-              </a:rPr>
-              <a:t>字符和字符串字面值</a:t>
-            </a:r>
-            <a:endParaRPr kumimoji="0" lang="zh-CN" altLang="zh-CN" sz="1800" b="0" i="0" u="none" strike="noStrike" cap="none" normalizeH="0" baseline="0" dirty="0">
-              <a:ln>
-                <a:noFill/>
-              </a:ln>
-              <a:solidFill>
-                <a:schemeClr val="tx1"/>
-              </a:solidFill>
-              <a:effectLst/>
-              <a:latin typeface="Arial" panose="020B0604020202020204" pitchFamily="34" charset="0"/>
-            </a:endParaRPr>
-          </a:p>
-        </p:txBody>
-      </p:sp>
-      <p:sp>
-        <p:nvSpPr>
-          <p:cNvPr id="7" name="矩形 6">
-            <a:extLst>
-              <a:ext uri="{FF2B5EF4-FFF2-40B4-BE49-F238E27FC236}">
-                <a16:creationId xmlns:a16="http://schemas.microsoft.com/office/drawing/2014/main" id="{73B3BFEE-4029-47E9-982C-185A42780D5F}"/>
-              </a:ext>
-            </a:extLst>
-          </p:cNvPr>
-          <p:cNvSpPr/>
-          <p:nvPr/>
-        </p:nvSpPr>
-        <p:spPr>
-          <a:xfrm>
-            <a:off x="3180397" y="3332928"/>
-            <a:ext cx="2866490" cy="369332"/>
-          </a:xfrm>
-          <a:prstGeom prst="rect">
-            <a:avLst/>
-          </a:prstGeom>
-        </p:spPr>
-        <p:txBody>
-          <a:bodyPr wrap="none">
-            <a:spAutoFit/>
-          </a:bodyPr>
-          <a:lstStyle/>
-          <a:p>
-            <a:r>
-              <a:rPr lang="zh-CN" altLang="en-US" dirty="0"/>
-              <a:t>'a'  //字符字面值  char类型</a:t>
-            </a:r>
-          </a:p>
-        </p:txBody>
-      </p:sp>
-      <p:sp>
-        <p:nvSpPr>
-          <p:cNvPr id="9" name="矩形 8">
-            <a:extLst>
-              <a:ext uri="{FF2B5EF4-FFF2-40B4-BE49-F238E27FC236}">
-                <a16:creationId xmlns:a16="http://schemas.microsoft.com/office/drawing/2014/main" id="{D0DA86C9-0040-41D1-9480-FA32EAF930E7}"/>
-              </a:ext>
-            </a:extLst>
-          </p:cNvPr>
-          <p:cNvSpPr/>
-          <p:nvPr/>
-        </p:nvSpPr>
-        <p:spPr>
-          <a:xfrm>
-            <a:off x="3180397" y="3833390"/>
-            <a:ext cx="4296369" cy="369332"/>
-          </a:xfrm>
-          <a:prstGeom prst="rect">
-            <a:avLst/>
-          </a:prstGeom>
-        </p:spPr>
-        <p:txBody>
-          <a:bodyPr wrap="none">
-            <a:spAutoFit/>
-          </a:bodyPr>
-          <a:lstStyle/>
-          <a:p>
-            <a:r>
-              <a:rPr lang="zh-CN" altLang="en-US" dirty="0"/>
-              <a:t>"Hello World!"  //字符串字面值  char数组</a:t>
-            </a:r>
-          </a:p>
-        </p:txBody>
-      </p:sp>
-      <p:sp>
-        <p:nvSpPr>
-          <p:cNvPr id="13" name="矩形 12">
-            <a:extLst>
-              <a:ext uri="{FF2B5EF4-FFF2-40B4-BE49-F238E27FC236}">
-                <a16:creationId xmlns:a16="http://schemas.microsoft.com/office/drawing/2014/main" id="{BCB9D634-9BB7-4F6A-AFEA-4A8525E56846}"/>
-              </a:ext>
-            </a:extLst>
-          </p:cNvPr>
-          <p:cNvSpPr/>
-          <p:nvPr/>
-        </p:nvSpPr>
-        <p:spPr>
-          <a:xfrm>
-            <a:off x="7226015" y="3362876"/>
-            <a:ext cx="1091966" cy="369332"/>
-          </a:xfrm>
-          <a:prstGeom prst="rect">
-            <a:avLst/>
-          </a:prstGeom>
-        </p:spPr>
-        <p:txBody>
-          <a:bodyPr wrap="none">
-            <a:spAutoFit/>
-          </a:bodyPr>
-          <a:lstStyle/>
-          <a:p>
-            <a:r>
-              <a:rPr lang="en-US" altLang="zh-CN" dirty="0"/>
-              <a:t>true false</a:t>
-            </a:r>
-            <a:endParaRPr lang="zh-CN" altLang="en-US" dirty="0"/>
-          </a:p>
-        </p:txBody>
-      </p:sp>
-      <p:sp>
-        <p:nvSpPr>
-          <p:cNvPr id="14" name="Rectangle 2">
-            <a:extLst>
-              <a:ext uri="{FF2B5EF4-FFF2-40B4-BE49-F238E27FC236}">
-                <a16:creationId xmlns:a16="http://schemas.microsoft.com/office/drawing/2014/main" id="{0C54A5F0-66CD-4369-B67E-03F38AAADC35}"/>
-              </a:ext>
-            </a:extLst>
-          </p:cNvPr>
-          <p:cNvSpPr>
-            <a:spLocks noChangeArrowheads="1"/>
-          </p:cNvSpPr>
-          <p:nvPr/>
-        </p:nvSpPr>
-        <p:spPr bwMode="auto">
-          <a:xfrm>
-            <a:off x="7226015" y="2863027"/>
-            <a:ext cx="1975485" cy="323165"/>
-          </a:xfrm>
-          <a:prstGeom prst="rect">
-            <a:avLst/>
-          </a:prstGeom>
-          <a:solidFill>
-            <a:srgbClr val="363B40"/>
-          </a:solidFill>
-          <a:ln>
-            <a:noFill/>
-          </a:ln>
-          <a:effectLst/>
-          <a:extLst>
-            <a:ext uri="{91240B29-F687-4F45-9708-019B960494DF}">
-              <a14:hiddenLine xmlns:a14="http://schemas.microsoft.com/office/drawing/2010/main" w="9525">
-                <a:solidFill>
-                  <a:schemeClr val="tx1"/>
-                </a:solidFill>
-                <a:miter lim="800000"/>
-                <a:headEnd/>
-                <a:tailEnd/>
-              </a14:hiddenLine>
-            </a:ext>
-            <a:ext uri="{AF507438-7753-43E0-B8FC-AC1667EBCBE1}">
-              <a14:hiddenEffects xmlns:a14="http://schemas.microsoft.com/office/drawing/2010/main">
-                <a:effectLst>
-                  <a:outerShdw dist="35921" dir="2700000" algn="ctr" rotWithShape="0">
-                    <a:schemeClr val="bg2"/>
-                  </a:outerShdw>
-                </a:effectLst>
-              </a14:hiddenEffects>
-            </a:ext>
-          </a:extLst>
-        </p:spPr>
-        <p:txBody>
-          <a:bodyPr vert="horz" wrap="square" lIns="91440" tIns="45720" rIns="91440" bIns="45720" numCol="1" anchor="ctr" anchorCtr="0" compatLnSpc="1">
-            <a:prstTxWarp prst="textNoShape">
-              <a:avLst/>
-            </a:prstTxWarp>
-            <a:spAutoFit/>
-          </a:bodyPr>
-          <a:lstStyle/>
-          <a:p>
-            <a:pPr lvl="0" eaLnBrk="0" fontAlgn="base" hangingPunct="0">
-              <a:spcBef>
-                <a:spcPct val="0"/>
-              </a:spcBef>
-              <a:spcAft>
-                <a:spcPct val="0"/>
-              </a:spcAft>
-            </a:pPr>
-            <a:r>
-              <a:rPr lang="en-US" altLang="zh-CN" sz="1500" b="1" dirty="0">
-                <a:solidFill>
-                  <a:srgbClr val="DEDEDE"/>
-                </a:solidFill>
-                <a:latin typeface="Arial" panose="020B0604020202020204" pitchFamily="34" charset="0"/>
-                <a:ea typeface="Helvetica Neue"/>
-              </a:rPr>
-              <a:t>bool</a:t>
-            </a:r>
-            <a:r>
-              <a:rPr lang="zh-CN" altLang="en-US" sz="1500" b="1" dirty="0">
-                <a:solidFill>
-                  <a:srgbClr val="DEDEDE"/>
-                </a:solidFill>
-                <a:latin typeface="Arial" panose="020B0604020202020204" pitchFamily="34" charset="0"/>
-                <a:ea typeface="Helvetica Neue"/>
-              </a:rPr>
-              <a:t>字面值</a:t>
-            </a:r>
-            <a:endParaRPr kumimoji="0" lang="zh-CN" altLang="zh-CN" sz="1800" b="0" i="0" u="none" strike="noStrike" cap="none" normalizeH="0" baseline="0" dirty="0">
-              <a:ln>
-                <a:noFill/>
-              </a:ln>
-              <a:solidFill>
-                <a:schemeClr val="tx1"/>
-              </a:solidFill>
-              <a:effectLst/>
-              <a:latin typeface="Arial" panose="020B0604020202020204" pitchFamily="34" charset="0"/>
-            </a:endParaRPr>
-          </a:p>
-        </p:txBody>
-      </p:sp>
-      <p:sp>
-        <p:nvSpPr>
-          <p:cNvPr id="15" name="Rectangle 2">
-            <a:extLst>
-              <a:ext uri="{FF2B5EF4-FFF2-40B4-BE49-F238E27FC236}">
-                <a16:creationId xmlns:a16="http://schemas.microsoft.com/office/drawing/2014/main" id="{B5E63A3F-8050-43F5-97A8-026045CBFBA4}"/>
-              </a:ext>
-            </a:extLst>
-          </p:cNvPr>
-          <p:cNvSpPr>
-            <a:spLocks noChangeArrowheads="1"/>
-          </p:cNvSpPr>
-          <p:nvPr/>
-        </p:nvSpPr>
-        <p:spPr bwMode="auto">
-          <a:xfrm>
-            <a:off x="9991122" y="2895941"/>
-            <a:ext cx="1975485" cy="323165"/>
-          </a:xfrm>
-          <a:prstGeom prst="rect">
-            <a:avLst/>
-          </a:prstGeom>
-          <a:solidFill>
-            <a:srgbClr val="363B40"/>
-          </a:solidFill>
-          <a:ln>
-            <a:noFill/>
-          </a:ln>
-          <a:effectLst/>
-          <a:extLst>
-            <a:ext uri="{91240B29-F687-4F45-9708-019B960494DF}">
-              <a14:hiddenLine xmlns:a14="http://schemas.microsoft.com/office/drawing/2010/main" w="9525">
-                <a:solidFill>
-                  <a:schemeClr val="tx1"/>
-                </a:solidFill>
-                <a:miter lim="800000"/>
-                <a:headEnd/>
-                <a:tailEnd/>
-              </a14:hiddenLine>
-            </a:ext>
-            <a:ext uri="{AF507438-7753-43E0-B8FC-AC1667EBCBE1}">
-              <a14:hiddenEffects xmlns:a14="http://schemas.microsoft.com/office/drawing/2010/main">
-                <a:effectLst>
-                  <a:outerShdw dist="35921" dir="2700000" algn="ctr" rotWithShape="0">
-                    <a:schemeClr val="bg2"/>
-                  </a:outerShdw>
-                </a:effectLst>
-              </a14:hiddenEffects>
-            </a:ext>
-          </a:extLst>
-        </p:spPr>
-        <p:txBody>
-          <a:bodyPr vert="horz" wrap="square" lIns="91440" tIns="45720" rIns="91440" bIns="45720" numCol="1" anchor="ctr" anchorCtr="0" compatLnSpc="1">
-            <a:prstTxWarp prst="textNoShape">
-              <a:avLst/>
-            </a:prstTxWarp>
-            <a:spAutoFit/>
-          </a:bodyPr>
-          <a:lstStyle/>
-          <a:p>
-            <a:pPr lvl="0" eaLnBrk="0" fontAlgn="base" hangingPunct="0">
-              <a:spcBef>
-                <a:spcPct val="0"/>
-              </a:spcBef>
-              <a:spcAft>
-                <a:spcPct val="0"/>
-              </a:spcAft>
-            </a:pPr>
-            <a:r>
-              <a:rPr lang="zh-CN" altLang="en-US" sz="1500" b="1" dirty="0">
-                <a:solidFill>
-                  <a:srgbClr val="DEDEDE"/>
-                </a:solidFill>
-                <a:latin typeface="Arial" panose="020B0604020202020204" pitchFamily="34" charset="0"/>
-                <a:ea typeface="Helvetica Neue"/>
-              </a:rPr>
-              <a:t>指针字面值</a:t>
-            </a:r>
-            <a:endParaRPr kumimoji="0" lang="zh-CN" altLang="zh-CN" sz="1800" b="0" i="0" u="none" strike="noStrike" cap="none" normalizeH="0" baseline="0" dirty="0">
-              <a:ln>
-                <a:noFill/>
-              </a:ln>
-              <a:solidFill>
-                <a:schemeClr val="tx1"/>
-              </a:solidFill>
-              <a:effectLst/>
-              <a:latin typeface="Arial" panose="020B0604020202020204" pitchFamily="34" charset="0"/>
-            </a:endParaRPr>
-          </a:p>
-        </p:txBody>
-      </p:sp>
-      <p:sp>
-        <p:nvSpPr>
-          <p:cNvPr id="12" name="矩形 11">
-            <a:extLst>
-              <a:ext uri="{FF2B5EF4-FFF2-40B4-BE49-F238E27FC236}">
-                <a16:creationId xmlns:a16="http://schemas.microsoft.com/office/drawing/2014/main" id="{67A7B83C-367F-484A-8977-63203348F9D1}"/>
-              </a:ext>
-            </a:extLst>
-          </p:cNvPr>
-          <p:cNvSpPr/>
-          <p:nvPr/>
-        </p:nvSpPr>
-        <p:spPr>
-          <a:xfrm>
-            <a:off x="9991122" y="3314095"/>
-            <a:ext cx="825867" cy="369332"/>
-          </a:xfrm>
-          <a:prstGeom prst="rect">
-            <a:avLst/>
-          </a:prstGeom>
-        </p:spPr>
-        <p:txBody>
-          <a:bodyPr wrap="none">
-            <a:spAutoFit/>
-          </a:bodyPr>
-          <a:lstStyle/>
-          <a:p>
-            <a:r>
-              <a:rPr lang="zh-CN" altLang="en-US" dirty="0"/>
-              <a:t>nullptr</a:t>
-            </a:r>
-          </a:p>
-        </p:txBody>
-      </p:sp>
-    </p:spTree>
-    <p:extLst>
-      <p:ext uri="{BB962C8B-B14F-4D97-AF65-F5344CB8AC3E}">
-        <p14:creationId xmlns:p14="http://schemas.microsoft.com/office/powerpoint/2010/main" val="2226071004"/>
-      </p:ext>
-    </p:extLst>
-  </p:cSld>
-  <p:clrMapOvr>
-    <a:masterClrMapping/>
-  </p:clrMapOvr>
-</p:sld>
-</file>
-
-<file path=ppt/slides/slide24.xml><?xml version="1.0" encoding="utf-8"?>
-<p:sld xmlns:a="http://schemas.openxmlformats.org/drawingml/2006/main" xmlns:r="http://schemas.openxmlformats.org/officeDocument/2006/relationships" xmlns:p="http://schemas.openxmlformats.org/presentationml/2006/main">
-  <p:cSld>
-    <p:spTree>
-      <p:nvGrpSpPr>
-        <p:cNvPr id="1" name=""/>
-        <p:cNvGrpSpPr/>
-        <p:nvPr/>
-      </p:nvGrpSpPr>
-      <p:grpSpPr>
-        <a:xfrm>
-          <a:off x="0" y="0"/>
-          <a:ext cx="0" cy="0"/>
-          <a:chOff x="0" y="0"/>
-          <a:chExt cx="0" cy="0"/>
-        </a:xfrm>
-      </p:grpSpPr>
-      <p:sp>
-        <p:nvSpPr>
-          <p:cNvPr id="6" name="文本框 5">
-            <a:extLst>
-              <a:ext uri="{FF2B5EF4-FFF2-40B4-BE49-F238E27FC236}">
-                <a16:creationId xmlns:a16="http://schemas.microsoft.com/office/drawing/2014/main" id="{A8746E2C-B96B-4186-B0EC-BE8E9F365025}"/>
-              </a:ext>
-            </a:extLst>
-          </p:cNvPr>
-          <p:cNvSpPr txBox="1"/>
-          <p:nvPr/>
-        </p:nvSpPr>
-        <p:spPr>
-          <a:xfrm>
-            <a:off x="518176" y="466545"/>
-            <a:ext cx="7393790" cy="1015663"/>
-          </a:xfrm>
-          <a:prstGeom prst="rect">
-            <a:avLst/>
-          </a:prstGeom>
-          <a:noFill/>
-        </p:spPr>
-        <p:txBody>
-          <a:bodyPr wrap="square" rtlCol="0">
-            <a:spAutoFit/>
-          </a:bodyPr>
-          <a:lstStyle/>
-          <a:p>
-            <a:r>
-              <a:rPr lang="en-US" altLang="zh-CN" sz="6000" b="1" dirty="0">
-                <a:highlight>
-                  <a:srgbClr val="C0C0C0"/>
-                </a:highlight>
-                <a:latin typeface="+mn-ea"/>
-              </a:rPr>
-              <a:t>2.</a:t>
-            </a:r>
-            <a:r>
-              <a:rPr lang="zh-CN" altLang="en-US" sz="6000" b="1" dirty="0">
-                <a:highlight>
-                  <a:srgbClr val="C0C0C0"/>
-                </a:highlight>
-                <a:latin typeface="+mn-ea"/>
-              </a:rPr>
-              <a:t>变量的声明和定义</a:t>
-            </a:r>
-          </a:p>
-        </p:txBody>
-      </p:sp>
-      <p:sp>
-        <p:nvSpPr>
-          <p:cNvPr id="2" name="矩形 1">
-            <a:extLst>
-              <a:ext uri="{FF2B5EF4-FFF2-40B4-BE49-F238E27FC236}">
-                <a16:creationId xmlns:a16="http://schemas.microsoft.com/office/drawing/2014/main" id="{86AB9C32-E7ED-4D7B-ACE4-AB285AA1EDEF}"/>
-              </a:ext>
-            </a:extLst>
-          </p:cNvPr>
-          <p:cNvSpPr/>
-          <p:nvPr/>
-        </p:nvSpPr>
-        <p:spPr>
-          <a:xfrm>
-            <a:off x="3047999" y="2828836"/>
-            <a:ext cx="8309811" cy="1200329"/>
-          </a:xfrm>
-          <a:prstGeom prst="rect">
-            <a:avLst/>
-          </a:prstGeom>
-        </p:spPr>
-        <p:txBody>
-          <a:bodyPr wrap="square">
-            <a:spAutoFit/>
-          </a:bodyPr>
-          <a:lstStyle/>
-          <a:p>
-            <a:r>
-              <a:rPr lang="zh-CN" altLang="en-US" sz="2400" dirty="0"/>
-              <a:t>extern int i; //声明</a:t>
-            </a:r>
-          </a:p>
-          <a:p>
-            <a:r>
-              <a:rPr lang="zh-CN" altLang="en-US" sz="2400" dirty="0"/>
-              <a:t>extern int i=1; //定义  加了extern之后并初始化，则为定义</a:t>
-            </a:r>
-          </a:p>
-          <a:p>
-            <a:r>
-              <a:rPr lang="zh-CN" altLang="en-US" sz="2400" dirty="0"/>
-              <a:t>int j;  //声明并定义</a:t>
-            </a:r>
-          </a:p>
-        </p:txBody>
-      </p:sp>
       <p:pic>
         <p:nvPicPr>
           <p:cNvPr id="4" name="图片 3">
@@ -11115,7 +9820,7 @@
         </p:blipFill>
         <p:spPr>
           <a:xfrm>
-            <a:off x="294874" y="2421656"/>
+            <a:off x="306749" y="687858"/>
             <a:ext cx="2381250" cy="2457450"/>
           </a:xfrm>
           <a:prstGeom prst="rect">
@@ -11127,1275 +9832,6 @@
     <p:extLst>
       <p:ext uri="{BB962C8B-B14F-4D97-AF65-F5344CB8AC3E}">
         <p14:creationId xmlns:p14="http://schemas.microsoft.com/office/powerpoint/2010/main" val="3320371402"/>
-      </p:ext>
-    </p:extLst>
-  </p:cSld>
-  <p:clrMapOvr>
-    <a:masterClrMapping/>
-  </p:clrMapOvr>
-</p:sld>
-</file>
-
-<file path=ppt/slides/slide25.xml><?xml version="1.0" encoding="utf-8"?>
-<p:sld xmlns:a="http://schemas.openxmlformats.org/drawingml/2006/main" xmlns:r="http://schemas.openxmlformats.org/officeDocument/2006/relationships" xmlns:p="http://schemas.openxmlformats.org/presentationml/2006/main">
-  <p:cSld>
-    <p:spTree>
-      <p:nvGrpSpPr>
-        <p:cNvPr id="1" name=""/>
-        <p:cNvGrpSpPr/>
-        <p:nvPr/>
-      </p:nvGrpSpPr>
-      <p:grpSpPr>
-        <a:xfrm>
-          <a:off x="0" y="0"/>
-          <a:ext cx="0" cy="0"/>
-          <a:chOff x="0" y="0"/>
-          <a:chExt cx="0" cy="0"/>
-        </a:xfrm>
-      </p:grpSpPr>
-      <p:sp>
-        <p:nvSpPr>
-          <p:cNvPr id="6" name="文本框 5">
-            <a:extLst>
-              <a:ext uri="{FF2B5EF4-FFF2-40B4-BE49-F238E27FC236}">
-                <a16:creationId xmlns:a16="http://schemas.microsoft.com/office/drawing/2014/main" id="{A8746E2C-B96B-4186-B0EC-BE8E9F365025}"/>
-              </a:ext>
-            </a:extLst>
-          </p:cNvPr>
-          <p:cNvSpPr txBox="1"/>
-          <p:nvPr/>
-        </p:nvSpPr>
-        <p:spPr>
-          <a:xfrm>
-            <a:off x="518176" y="466545"/>
-            <a:ext cx="4663424" cy="1015663"/>
-          </a:xfrm>
-          <a:prstGeom prst="rect">
-            <a:avLst/>
-          </a:prstGeom>
-          <a:solidFill>
-            <a:schemeClr val="bg2"/>
-          </a:solidFill>
-        </p:spPr>
-        <p:txBody>
-          <a:bodyPr wrap="square" rtlCol="0">
-            <a:spAutoFit/>
-          </a:bodyPr>
-          <a:lstStyle/>
-          <a:p>
-            <a:r>
-              <a:rPr lang="zh-CN" altLang="en-US" sz="6000" b="1" dirty="0">
-                <a:latin typeface="+mn-ea"/>
-              </a:rPr>
-              <a:t>变量的名称</a:t>
-            </a:r>
-          </a:p>
-        </p:txBody>
-      </p:sp>
-      <p:sp>
-        <p:nvSpPr>
-          <p:cNvPr id="11" name="Rectangle 6">
-            <a:extLst>
-              <a:ext uri="{FF2B5EF4-FFF2-40B4-BE49-F238E27FC236}">
-                <a16:creationId xmlns:a16="http://schemas.microsoft.com/office/drawing/2014/main" id="{EF58FCE9-6830-40A7-9AAA-B3B2BBDB12B2}"/>
-              </a:ext>
-            </a:extLst>
-          </p:cNvPr>
-          <p:cNvSpPr>
-            <a:spLocks noChangeArrowheads="1"/>
-          </p:cNvSpPr>
-          <p:nvPr/>
-        </p:nvSpPr>
-        <p:spPr bwMode="auto">
-          <a:xfrm>
-            <a:off x="4466322" y="1913306"/>
-            <a:ext cx="6891288" cy="4478149"/>
-          </a:xfrm>
-          <a:prstGeom prst="rect">
-            <a:avLst/>
-          </a:prstGeom>
-          <a:noFill/>
-          <a:ln>
-            <a:noFill/>
-          </a:ln>
-          <a:effectLst/>
-          <a:extLst>
-            <a:ext uri="{909E8E84-426E-40DD-AFC4-6F175D3DCCD1}">
-              <a14:hiddenFill xmlns:a14="http://schemas.microsoft.com/office/drawing/2010/main">
-                <a:solidFill>
-                  <a:schemeClr val="accent1"/>
-                </a:solidFill>
-              </a14:hiddenFill>
-            </a:ext>
-            <a:ext uri="{91240B29-F687-4F45-9708-019B960494DF}">
-              <a14:hiddenLine xmlns:a14="http://schemas.microsoft.com/office/drawing/2010/main" w="9525">
-                <a:solidFill>
-                  <a:schemeClr val="tx1"/>
-                </a:solidFill>
-                <a:miter lim="800000"/>
-                <a:headEnd/>
-                <a:tailEnd/>
-              </a14:hiddenLine>
-            </a:ext>
-            <a:ext uri="{AF507438-7753-43E0-B8FC-AC1667EBCBE1}">
-              <a14:hiddenEffects xmlns:a14="http://schemas.microsoft.com/office/drawing/2010/main">
-                <a:effectLst>
-                  <a:outerShdw dist="35921" dir="2700000" algn="ctr" rotWithShape="0">
-                    <a:schemeClr val="bg2"/>
-                  </a:outerShdw>
-                </a:effectLst>
-              </a14:hiddenEffects>
-            </a:ext>
-          </a:extLst>
-        </p:spPr>
-        <p:txBody>
-          <a:bodyPr vert="horz" wrap="square" lIns="91440" tIns="0" rIns="91440" bIns="45720" numCol="1" anchor="ctr" anchorCtr="0" compatLnSpc="1">
-            <a:prstTxWarp prst="textNoShape">
-              <a:avLst/>
-            </a:prstTxWarp>
-            <a:spAutoFit/>
-          </a:bodyPr>
-          <a:lstStyle/>
-          <a:p>
-            <a:pPr marL="0" marR="0" lvl="0" indent="0" algn="l" defTabSz="914400" rtl="0" eaLnBrk="0" fontAlgn="base" latinLnBrk="0" hangingPunct="0">
-              <a:lnSpc>
-                <a:spcPct val="100000"/>
-              </a:lnSpc>
-              <a:spcBef>
-                <a:spcPct val="0"/>
-              </a:spcBef>
-              <a:spcAft>
-                <a:spcPct val="0"/>
-              </a:spcAft>
-              <a:buClrTx/>
-              <a:buSzTx/>
-              <a:buFontTx/>
-              <a:buNone/>
-              <a:tabLst/>
-            </a:pPr>
-            <a:r>
-              <a:rPr kumimoji="0" lang="zh-CN" altLang="zh-CN" sz="2400" b="0" i="0" u="none" strike="noStrike" cap="none" normalizeH="0" baseline="0" dirty="0">
-                <a:ln>
-                  <a:noFill/>
-                </a:ln>
-                <a:effectLst/>
-                <a:latin typeface="+mn-ea"/>
-              </a:rPr>
-              <a:t>变量的名字，由数字、字母、下划线组成</a:t>
-            </a:r>
-            <a:endParaRPr kumimoji="0" lang="en-US" altLang="zh-CN" sz="2400" b="0" i="0" u="none" strike="noStrike" cap="none" normalizeH="0" baseline="0" dirty="0">
-              <a:ln>
-                <a:noFill/>
-              </a:ln>
-              <a:effectLst/>
-              <a:latin typeface="+mn-ea"/>
-            </a:endParaRPr>
-          </a:p>
-          <a:p>
-            <a:pPr marL="0" marR="0" lvl="0" indent="0" algn="l" defTabSz="914400" rtl="0" eaLnBrk="0" fontAlgn="base" latinLnBrk="0" hangingPunct="0">
-              <a:lnSpc>
-                <a:spcPct val="100000"/>
-              </a:lnSpc>
-              <a:spcBef>
-                <a:spcPct val="0"/>
-              </a:spcBef>
-              <a:spcAft>
-                <a:spcPct val="0"/>
-              </a:spcAft>
-              <a:buClrTx/>
-              <a:buSzTx/>
-              <a:buFontTx/>
-              <a:buNone/>
-              <a:tabLst/>
-            </a:pPr>
-            <a:endParaRPr kumimoji="0" lang="zh-CN" altLang="zh-CN" sz="2400" b="0" i="0" u="none" strike="noStrike" cap="none" normalizeH="0" baseline="0" dirty="0">
-              <a:ln>
-                <a:noFill/>
-              </a:ln>
-              <a:effectLst/>
-              <a:latin typeface="+mn-ea"/>
-            </a:endParaRPr>
-          </a:p>
-          <a:p>
-            <a:pPr marL="0" marR="0" lvl="0" indent="0" algn="l" defTabSz="914400" rtl="0" eaLnBrk="0" fontAlgn="base" latinLnBrk="0" hangingPunct="0">
-              <a:lnSpc>
-                <a:spcPct val="100000"/>
-              </a:lnSpc>
-              <a:spcBef>
-                <a:spcPct val="0"/>
-              </a:spcBef>
-              <a:spcAft>
-                <a:spcPct val="0"/>
-              </a:spcAft>
-              <a:buClrTx/>
-              <a:buSzTx/>
-              <a:buFontTx/>
-              <a:buChar char="•"/>
-              <a:tabLst/>
-            </a:pPr>
-            <a:r>
-              <a:rPr kumimoji="0" lang="zh-CN" altLang="zh-CN" sz="2400" b="0" i="0" u="none" strike="noStrike" cap="none" normalizeH="0" baseline="0" dirty="0">
-                <a:ln>
-                  <a:noFill/>
-                </a:ln>
-                <a:effectLst/>
-                <a:latin typeface="+mn-ea"/>
-              </a:rPr>
-              <a:t>不能连续出现两个下划线</a:t>
-            </a:r>
-            <a:endParaRPr kumimoji="0" lang="en-US" altLang="zh-CN" sz="2400" b="0" i="0" u="none" strike="noStrike" cap="none" normalizeH="0" baseline="0" dirty="0">
-              <a:ln>
-                <a:noFill/>
-              </a:ln>
-              <a:effectLst/>
-              <a:latin typeface="+mn-ea"/>
-            </a:endParaRPr>
-          </a:p>
-          <a:p>
-            <a:pPr marL="0" marR="0" lvl="0" indent="0" algn="l" defTabSz="914400" rtl="0" eaLnBrk="0" fontAlgn="base" latinLnBrk="0" hangingPunct="0">
-              <a:lnSpc>
-                <a:spcPct val="100000"/>
-              </a:lnSpc>
-              <a:spcBef>
-                <a:spcPct val="0"/>
-              </a:spcBef>
-              <a:spcAft>
-                <a:spcPct val="0"/>
-              </a:spcAft>
-              <a:buClrTx/>
-              <a:buSzTx/>
-              <a:buFontTx/>
-              <a:buChar char="•"/>
-              <a:tabLst/>
-            </a:pPr>
-            <a:endParaRPr kumimoji="0" lang="zh-CN" altLang="zh-CN" sz="2400" b="0" i="0" u="none" strike="noStrike" cap="none" normalizeH="0" baseline="0" dirty="0">
-              <a:ln>
-                <a:noFill/>
-              </a:ln>
-              <a:effectLst/>
-              <a:latin typeface="+mn-ea"/>
-            </a:endParaRPr>
-          </a:p>
-          <a:p>
-            <a:pPr marL="0" marR="0" lvl="0" indent="0" algn="l" defTabSz="914400" rtl="0" eaLnBrk="0" fontAlgn="base" latinLnBrk="0" hangingPunct="0">
-              <a:lnSpc>
-                <a:spcPct val="100000"/>
-              </a:lnSpc>
-              <a:spcBef>
-                <a:spcPct val="0"/>
-              </a:spcBef>
-              <a:spcAft>
-                <a:spcPct val="0"/>
-              </a:spcAft>
-              <a:buClrTx/>
-              <a:buSzTx/>
-              <a:buFontTx/>
-              <a:buChar char="•"/>
-              <a:tabLst/>
-            </a:pPr>
-            <a:r>
-              <a:rPr kumimoji="0" lang="zh-CN" altLang="zh-CN" sz="2400" b="0" i="0" u="none" strike="noStrike" cap="none" normalizeH="0" baseline="0" dirty="0">
-                <a:ln>
-                  <a:noFill/>
-                </a:ln>
-                <a:effectLst/>
-                <a:latin typeface="+mn-ea"/>
-              </a:rPr>
-              <a:t>不能下划线紧连大写字母开头</a:t>
-            </a:r>
-            <a:endParaRPr kumimoji="0" lang="en-US" altLang="zh-CN" sz="2400" b="0" i="0" u="none" strike="noStrike" cap="none" normalizeH="0" baseline="0" dirty="0">
-              <a:ln>
-                <a:noFill/>
-              </a:ln>
-              <a:effectLst/>
-              <a:latin typeface="+mn-ea"/>
-            </a:endParaRPr>
-          </a:p>
-          <a:p>
-            <a:pPr marL="0" marR="0" lvl="0" indent="0" algn="l" defTabSz="914400" rtl="0" eaLnBrk="0" fontAlgn="base" latinLnBrk="0" hangingPunct="0">
-              <a:lnSpc>
-                <a:spcPct val="100000"/>
-              </a:lnSpc>
-              <a:spcBef>
-                <a:spcPct val="0"/>
-              </a:spcBef>
-              <a:spcAft>
-                <a:spcPct val="0"/>
-              </a:spcAft>
-              <a:buClrTx/>
-              <a:buSzTx/>
-              <a:buFontTx/>
-              <a:buChar char="•"/>
-              <a:tabLst/>
-            </a:pPr>
-            <a:endParaRPr kumimoji="0" lang="zh-CN" altLang="zh-CN" sz="2400" b="0" i="0" u="none" strike="noStrike" cap="none" normalizeH="0" baseline="0" dirty="0">
-              <a:ln>
-                <a:noFill/>
-              </a:ln>
-              <a:effectLst/>
-              <a:latin typeface="+mn-ea"/>
-            </a:endParaRPr>
-          </a:p>
-          <a:p>
-            <a:pPr marL="0" marR="0" lvl="0" indent="0" algn="l" defTabSz="914400" rtl="0" eaLnBrk="0" fontAlgn="base" latinLnBrk="0" hangingPunct="0">
-              <a:lnSpc>
-                <a:spcPct val="100000"/>
-              </a:lnSpc>
-              <a:spcBef>
-                <a:spcPct val="0"/>
-              </a:spcBef>
-              <a:spcAft>
-                <a:spcPct val="0"/>
-              </a:spcAft>
-              <a:buClrTx/>
-              <a:buSzTx/>
-              <a:buFontTx/>
-              <a:buChar char="•"/>
-              <a:tabLst/>
-            </a:pPr>
-            <a:r>
-              <a:rPr kumimoji="0" lang="zh-CN" altLang="zh-CN" sz="2400" b="0" i="0" u="none" strike="noStrike" cap="none" normalizeH="0" baseline="0" dirty="0">
-                <a:ln>
-                  <a:noFill/>
-                </a:ln>
-                <a:effectLst/>
-                <a:latin typeface="+mn-ea"/>
-              </a:rPr>
-              <a:t>定义在函数体外的标识符不能以下划线开头</a:t>
-            </a:r>
-            <a:endParaRPr kumimoji="0" lang="en-US" altLang="zh-CN" sz="2400" b="0" i="0" u="none" strike="noStrike" cap="none" normalizeH="0" baseline="0" dirty="0">
-              <a:ln>
-                <a:noFill/>
-              </a:ln>
-              <a:effectLst/>
-              <a:latin typeface="+mn-ea"/>
-            </a:endParaRPr>
-          </a:p>
-          <a:p>
-            <a:pPr marL="0" marR="0" lvl="0" indent="0" algn="l" defTabSz="914400" rtl="0" eaLnBrk="0" fontAlgn="base" latinLnBrk="0" hangingPunct="0">
-              <a:lnSpc>
-                <a:spcPct val="100000"/>
-              </a:lnSpc>
-              <a:spcBef>
-                <a:spcPct val="0"/>
-              </a:spcBef>
-              <a:spcAft>
-                <a:spcPct val="0"/>
-              </a:spcAft>
-              <a:buClrTx/>
-              <a:buSzTx/>
-              <a:buFontTx/>
-              <a:buChar char="•"/>
-              <a:tabLst/>
-            </a:pPr>
-            <a:endParaRPr lang="en-US" altLang="zh-CN" sz="2400" dirty="0">
-              <a:latin typeface="+mn-ea"/>
-            </a:endParaRPr>
-          </a:p>
-          <a:p>
-            <a:pPr marL="0" marR="0" lvl="0" indent="0" algn="l" defTabSz="914400" rtl="0" eaLnBrk="0" fontAlgn="base" latinLnBrk="0" hangingPunct="0">
-              <a:lnSpc>
-                <a:spcPct val="100000"/>
-              </a:lnSpc>
-              <a:spcBef>
-                <a:spcPct val="0"/>
-              </a:spcBef>
-              <a:spcAft>
-                <a:spcPct val="0"/>
-              </a:spcAft>
-              <a:buClrTx/>
-              <a:buSzTx/>
-              <a:buFontTx/>
-              <a:buChar char="•"/>
-              <a:tabLst/>
-            </a:pPr>
-            <a:r>
-              <a:rPr kumimoji="0" lang="zh-CN" altLang="zh-CN" sz="2400" b="0" i="0" u="none" strike="noStrike" cap="none" normalizeH="0" baseline="0" dirty="0">
-                <a:ln>
-                  <a:noFill/>
-                </a:ln>
-                <a:effectLst/>
-                <a:latin typeface="+mn-ea"/>
-              </a:rPr>
-              <a:t>区分大小写</a:t>
-            </a:r>
-            <a:endParaRPr kumimoji="0" lang="en-US" altLang="zh-CN" sz="2400" b="0" i="0" u="none" strike="noStrike" cap="none" normalizeH="0" baseline="0" dirty="0">
-              <a:ln>
-                <a:noFill/>
-              </a:ln>
-              <a:effectLst/>
-              <a:latin typeface="+mn-ea"/>
-            </a:endParaRPr>
-          </a:p>
-          <a:p>
-            <a:pPr marL="0" marR="0" lvl="0" indent="0" algn="l" defTabSz="914400" rtl="0" eaLnBrk="0" fontAlgn="base" latinLnBrk="0" hangingPunct="0">
-              <a:lnSpc>
-                <a:spcPct val="100000"/>
-              </a:lnSpc>
-              <a:spcBef>
-                <a:spcPct val="0"/>
-              </a:spcBef>
-              <a:spcAft>
-                <a:spcPct val="0"/>
-              </a:spcAft>
-              <a:buClrTx/>
-              <a:buSzTx/>
-              <a:buFontTx/>
-              <a:buChar char="•"/>
-              <a:tabLst/>
-            </a:pPr>
-            <a:endParaRPr kumimoji="0" lang="zh-CN" altLang="zh-CN" sz="2400" b="0" i="0" u="none" strike="noStrike" cap="none" normalizeH="0" baseline="0" dirty="0">
-              <a:ln>
-                <a:noFill/>
-              </a:ln>
-              <a:effectLst/>
-              <a:latin typeface="+mn-ea"/>
-            </a:endParaRPr>
-          </a:p>
-          <a:p>
-            <a:pPr marL="0" marR="0" lvl="0" indent="0" algn="l" defTabSz="914400" rtl="0" eaLnBrk="0" fontAlgn="base" latinLnBrk="0" hangingPunct="0">
-              <a:lnSpc>
-                <a:spcPct val="100000"/>
-              </a:lnSpc>
-              <a:spcBef>
-                <a:spcPct val="0"/>
-              </a:spcBef>
-              <a:spcAft>
-                <a:spcPct val="0"/>
-              </a:spcAft>
-              <a:buClrTx/>
-              <a:buSzTx/>
-              <a:buFontTx/>
-              <a:buChar char="•"/>
-              <a:tabLst/>
-            </a:pPr>
-            <a:r>
-              <a:rPr kumimoji="0" lang="zh-CN" altLang="zh-CN" sz="2400" b="0" i="0" u="none" strike="noStrike" cap="none" normalizeH="0" baseline="0" dirty="0">
-                <a:ln>
-                  <a:noFill/>
-                </a:ln>
-                <a:effectLst/>
-                <a:latin typeface="+mn-ea"/>
-              </a:rPr>
-              <a:t>不能与关键字重复</a:t>
-            </a:r>
-          </a:p>
-          <a:p>
-            <a:pPr marL="0" marR="0" lvl="0" indent="0" algn="l" defTabSz="914400" rtl="0" eaLnBrk="0" fontAlgn="base" latinLnBrk="0" hangingPunct="0">
-              <a:lnSpc>
-                <a:spcPct val="100000"/>
-              </a:lnSpc>
-              <a:spcBef>
-                <a:spcPct val="0"/>
-              </a:spcBef>
-              <a:spcAft>
-                <a:spcPct val="0"/>
-              </a:spcAft>
-              <a:buClrTx/>
-              <a:buSzTx/>
-              <a:buFontTx/>
-              <a:buNone/>
-              <a:tabLst/>
-            </a:pPr>
-            <a:endParaRPr kumimoji="0" lang="zh-CN" altLang="zh-CN" sz="2400" b="0" i="0" u="none" strike="noStrike" cap="none" normalizeH="0" baseline="0" dirty="0">
-              <a:ln>
-                <a:noFill/>
-              </a:ln>
-              <a:effectLst/>
-              <a:latin typeface="+mn-ea"/>
-            </a:endParaRPr>
-          </a:p>
-        </p:txBody>
-      </p:sp>
-    </p:spTree>
-    <p:extLst>
-      <p:ext uri="{BB962C8B-B14F-4D97-AF65-F5344CB8AC3E}">
-        <p14:creationId xmlns:p14="http://schemas.microsoft.com/office/powerpoint/2010/main" val="1783377144"/>
-      </p:ext>
-    </p:extLst>
-  </p:cSld>
-  <p:clrMapOvr>
-    <a:masterClrMapping/>
-  </p:clrMapOvr>
-</p:sld>
-</file>
-
-<file path=ppt/slides/slide26.xml><?xml version="1.0" encoding="utf-8"?>
-<p:sld xmlns:a="http://schemas.openxmlformats.org/drawingml/2006/main" xmlns:r="http://schemas.openxmlformats.org/officeDocument/2006/relationships" xmlns:p="http://schemas.openxmlformats.org/presentationml/2006/main">
-  <p:cSld>
-    <p:spTree>
-      <p:nvGrpSpPr>
-        <p:cNvPr id="1" name=""/>
-        <p:cNvGrpSpPr/>
-        <p:nvPr/>
-      </p:nvGrpSpPr>
-      <p:grpSpPr>
-        <a:xfrm>
-          <a:off x="0" y="0"/>
-          <a:ext cx="0" cy="0"/>
-          <a:chOff x="0" y="0"/>
-          <a:chExt cx="0" cy="0"/>
-        </a:xfrm>
-      </p:grpSpPr>
-      <p:sp>
-        <p:nvSpPr>
-          <p:cNvPr id="6" name="文本框 5">
-            <a:extLst>
-              <a:ext uri="{FF2B5EF4-FFF2-40B4-BE49-F238E27FC236}">
-                <a16:creationId xmlns:a16="http://schemas.microsoft.com/office/drawing/2014/main" id="{A8746E2C-B96B-4186-B0EC-BE8E9F365025}"/>
-              </a:ext>
-            </a:extLst>
-          </p:cNvPr>
-          <p:cNvSpPr txBox="1"/>
-          <p:nvPr/>
-        </p:nvSpPr>
-        <p:spPr>
-          <a:xfrm>
-            <a:off x="0" y="434061"/>
-            <a:ext cx="7393790" cy="1015663"/>
-          </a:xfrm>
-          <a:prstGeom prst="rect">
-            <a:avLst/>
-          </a:prstGeom>
-          <a:noFill/>
-        </p:spPr>
-        <p:txBody>
-          <a:bodyPr wrap="square" rtlCol="0">
-            <a:spAutoFit/>
-          </a:bodyPr>
-          <a:lstStyle/>
-          <a:p>
-            <a:r>
-              <a:rPr lang="zh-CN" altLang="en-US" sz="6000" b="1" dirty="0">
-                <a:latin typeface="+mn-ea"/>
-              </a:rPr>
-              <a:t>作用域</a:t>
-            </a:r>
-          </a:p>
-        </p:txBody>
-      </p:sp>
-      <p:sp>
-        <p:nvSpPr>
-          <p:cNvPr id="4" name="Rectangle 2">
-            <a:extLst>
-              <a:ext uri="{FF2B5EF4-FFF2-40B4-BE49-F238E27FC236}">
-                <a16:creationId xmlns:a16="http://schemas.microsoft.com/office/drawing/2014/main" id="{1E65920D-EAC9-4974-B4B7-287EA1B37CEE}"/>
-              </a:ext>
-            </a:extLst>
-          </p:cNvPr>
-          <p:cNvSpPr>
-            <a:spLocks noChangeArrowheads="1"/>
-          </p:cNvSpPr>
-          <p:nvPr/>
-        </p:nvSpPr>
-        <p:spPr bwMode="auto">
-          <a:xfrm>
-            <a:off x="2921000" y="2505502"/>
-            <a:ext cx="6731000" cy="830997"/>
-          </a:xfrm>
-          <a:prstGeom prst="rect">
-            <a:avLst/>
-          </a:prstGeom>
-          <a:noFill/>
-          <a:ln>
-            <a:noFill/>
-          </a:ln>
-          <a:effectLst/>
-          <a:extLst>
-            <a:ext uri="{909E8E84-426E-40DD-AFC4-6F175D3DCCD1}">
-              <a14:hiddenFill xmlns:a14="http://schemas.microsoft.com/office/drawing/2010/main">
-                <a:solidFill>
-                  <a:schemeClr val="accent1"/>
-                </a:solidFill>
-              </a14:hiddenFill>
-            </a:ext>
-            <a:ext uri="{91240B29-F687-4F45-9708-019B960494DF}">
-              <a14:hiddenLine xmlns:a14="http://schemas.microsoft.com/office/drawing/2010/main" w="9525">
-                <a:solidFill>
-                  <a:schemeClr val="tx1"/>
-                </a:solidFill>
-                <a:miter lim="800000"/>
-                <a:headEnd/>
-                <a:tailEnd/>
-              </a14:hiddenLine>
-            </a:ext>
-            <a:ext uri="{AF507438-7753-43E0-B8FC-AC1667EBCBE1}">
-              <a14:hiddenEffects xmlns:a14="http://schemas.microsoft.com/office/drawing/2010/main">
-                <a:effectLst>
-                  <a:outerShdw dist="35921" dir="2700000" algn="ctr" rotWithShape="0">
-                    <a:schemeClr val="bg2"/>
-                  </a:outerShdw>
-                </a:effectLst>
-              </a14:hiddenEffects>
-            </a:ext>
-          </a:extLst>
-        </p:spPr>
-        <p:txBody>
-          <a:bodyPr vert="horz" wrap="square" lIns="91440" tIns="45720" rIns="91440" bIns="45720" numCol="1" anchor="ctr" anchorCtr="0" compatLnSpc="1">
-            <a:prstTxWarp prst="textNoShape">
-              <a:avLst/>
-            </a:prstTxWarp>
-            <a:spAutoFit/>
-          </a:bodyPr>
-          <a:lstStyle>
-            <a:lvl1pPr eaLnBrk="0" fontAlgn="base" hangingPunct="0">
-              <a:spcBef>
-                <a:spcPct val="0"/>
-              </a:spcBef>
-              <a:spcAft>
-                <a:spcPct val="0"/>
-              </a:spcAft>
-              <a:defRPr>
-                <a:solidFill>
-                  <a:schemeClr val="tx1"/>
-                </a:solidFill>
-                <a:latin typeface="Arial" panose="020B0604020202020204" pitchFamily="34" charset="0"/>
-              </a:defRPr>
-            </a:lvl1pPr>
-            <a:lvl2pPr eaLnBrk="0" fontAlgn="base" hangingPunct="0">
-              <a:spcBef>
-                <a:spcPct val="0"/>
-              </a:spcBef>
-              <a:spcAft>
-                <a:spcPct val="0"/>
-              </a:spcAft>
-              <a:defRPr>
-                <a:solidFill>
-                  <a:schemeClr val="tx1"/>
-                </a:solidFill>
-                <a:latin typeface="Arial" panose="020B0604020202020204" pitchFamily="34" charset="0"/>
-              </a:defRPr>
-            </a:lvl2pPr>
-            <a:lvl3pPr eaLnBrk="0" fontAlgn="base" hangingPunct="0">
-              <a:spcBef>
-                <a:spcPct val="0"/>
-              </a:spcBef>
-              <a:spcAft>
-                <a:spcPct val="0"/>
-              </a:spcAft>
-              <a:defRPr>
-                <a:solidFill>
-                  <a:schemeClr val="tx1"/>
-                </a:solidFill>
-                <a:latin typeface="Arial" panose="020B0604020202020204" pitchFamily="34" charset="0"/>
-              </a:defRPr>
-            </a:lvl3pPr>
-            <a:lvl4pPr eaLnBrk="0" fontAlgn="base" hangingPunct="0">
-              <a:spcBef>
-                <a:spcPct val="0"/>
-              </a:spcBef>
-              <a:spcAft>
-                <a:spcPct val="0"/>
-              </a:spcAft>
-              <a:defRPr>
-                <a:solidFill>
-                  <a:schemeClr val="tx1"/>
-                </a:solidFill>
-                <a:latin typeface="Arial" panose="020B0604020202020204" pitchFamily="34" charset="0"/>
-              </a:defRPr>
-            </a:lvl4pPr>
-            <a:lvl5pPr eaLnBrk="0" fontAlgn="base" hangingPunct="0">
-              <a:spcBef>
-                <a:spcPct val="0"/>
-              </a:spcBef>
-              <a:spcAft>
-                <a:spcPct val="0"/>
-              </a:spcAft>
-              <a:defRPr>
-                <a:solidFill>
-                  <a:schemeClr val="tx1"/>
-                </a:solidFill>
-                <a:latin typeface="Arial" panose="020B0604020202020204" pitchFamily="34" charset="0"/>
-              </a:defRPr>
-            </a:lvl5pPr>
-            <a:lvl6pPr eaLnBrk="0" fontAlgn="base" hangingPunct="0">
-              <a:spcBef>
-                <a:spcPct val="0"/>
-              </a:spcBef>
-              <a:spcAft>
-                <a:spcPct val="0"/>
-              </a:spcAft>
-              <a:defRPr>
-                <a:solidFill>
-                  <a:schemeClr val="tx1"/>
-                </a:solidFill>
-                <a:latin typeface="Arial" panose="020B0604020202020204" pitchFamily="34" charset="0"/>
-              </a:defRPr>
-            </a:lvl6pPr>
-            <a:lvl7pPr eaLnBrk="0" fontAlgn="base" hangingPunct="0">
-              <a:spcBef>
-                <a:spcPct val="0"/>
-              </a:spcBef>
-              <a:spcAft>
-                <a:spcPct val="0"/>
-              </a:spcAft>
-              <a:defRPr>
-                <a:solidFill>
-                  <a:schemeClr val="tx1"/>
-                </a:solidFill>
-                <a:latin typeface="Arial" panose="020B0604020202020204" pitchFamily="34" charset="0"/>
-              </a:defRPr>
-            </a:lvl7pPr>
-            <a:lvl8pPr eaLnBrk="0" fontAlgn="base" hangingPunct="0">
-              <a:spcBef>
-                <a:spcPct val="0"/>
-              </a:spcBef>
-              <a:spcAft>
-                <a:spcPct val="0"/>
-              </a:spcAft>
-              <a:defRPr>
-                <a:solidFill>
-                  <a:schemeClr val="tx1"/>
-                </a:solidFill>
-                <a:latin typeface="Arial" panose="020B0604020202020204" pitchFamily="34" charset="0"/>
-              </a:defRPr>
-            </a:lvl8pPr>
-            <a:lvl9pPr eaLnBrk="0" fontAlgn="base" hangingPunct="0">
-              <a:spcBef>
-                <a:spcPct val="0"/>
-              </a:spcBef>
-              <a:spcAft>
-                <a:spcPct val="0"/>
-              </a:spcAft>
-              <a:defRPr>
-                <a:solidFill>
-                  <a:schemeClr val="tx1"/>
-                </a:solidFill>
-                <a:latin typeface="Arial" panose="020B0604020202020204" pitchFamily="34" charset="0"/>
-              </a:defRPr>
-            </a:lvl9pPr>
-          </a:lstStyle>
-          <a:p>
-            <a:pPr marL="0" marR="0" lvl="0" indent="0" algn="l" defTabSz="914400" rtl="0" eaLnBrk="0" fontAlgn="base" latinLnBrk="0" hangingPunct="0">
-              <a:lnSpc>
-                <a:spcPct val="100000"/>
-              </a:lnSpc>
-              <a:spcBef>
-                <a:spcPct val="0"/>
-              </a:spcBef>
-              <a:spcAft>
-                <a:spcPct val="0"/>
-              </a:spcAft>
-              <a:buClrTx/>
-              <a:buSzTx/>
-              <a:buFontTx/>
-              <a:buNone/>
-              <a:tabLst/>
-            </a:pPr>
-            <a:r>
-              <a:rPr kumimoji="0" lang="zh-CN" altLang="zh-CN" sz="2400" b="0" i="0" u="none" strike="noStrike" cap="none" normalizeH="0" baseline="0">
-                <a:ln>
-                  <a:noFill/>
-                </a:ln>
-                <a:effectLst/>
-                <a:latin typeface="+mn-ea"/>
-              </a:rPr>
-              <a:t>全局作用域和块作用域，以{ }为限</a:t>
-            </a:r>
-          </a:p>
-          <a:p>
-            <a:pPr marL="0" marR="0" lvl="0" indent="0" algn="l" defTabSz="914400" rtl="0" eaLnBrk="0" fontAlgn="base" latinLnBrk="0" hangingPunct="0">
-              <a:lnSpc>
-                <a:spcPct val="100000"/>
-              </a:lnSpc>
-              <a:spcBef>
-                <a:spcPct val="0"/>
-              </a:spcBef>
-              <a:spcAft>
-                <a:spcPct val="0"/>
-              </a:spcAft>
-              <a:buClrTx/>
-              <a:buSzTx/>
-              <a:buFontTx/>
-              <a:buNone/>
-              <a:tabLst/>
-            </a:pPr>
-            <a:r>
-              <a:rPr kumimoji="0" lang="zh-CN" altLang="zh-CN" sz="2400" b="0" i="0" u="none" strike="noStrike" cap="none" normalizeH="0" baseline="0">
-                <a:ln>
-                  <a:noFill/>
-                </a:ln>
-                <a:effectLst/>
-                <a:latin typeface="+mn-ea"/>
-              </a:rPr>
-              <a:t>嵌套作用域： 嵌套后分内层作用域和外层作用域</a:t>
-            </a:r>
-            <a:endParaRPr kumimoji="0" lang="zh-CN" altLang="zh-CN" sz="2400" b="0" i="0" u="none" strike="noStrike" cap="none" normalizeH="0" baseline="0" dirty="0">
-              <a:ln>
-                <a:noFill/>
-              </a:ln>
-              <a:effectLst/>
-              <a:latin typeface="+mn-ea"/>
-            </a:endParaRPr>
-          </a:p>
-        </p:txBody>
-      </p:sp>
-      <p:sp>
-        <p:nvSpPr>
-          <p:cNvPr id="5" name="矩形 4">
-            <a:extLst>
-              <a:ext uri="{FF2B5EF4-FFF2-40B4-BE49-F238E27FC236}">
-                <a16:creationId xmlns:a16="http://schemas.microsoft.com/office/drawing/2014/main" id="{AFF1A636-39DE-4B36-BF2A-5A81B525BCDF}"/>
-              </a:ext>
-            </a:extLst>
-          </p:cNvPr>
-          <p:cNvSpPr/>
-          <p:nvPr/>
-        </p:nvSpPr>
-        <p:spPr>
-          <a:xfrm>
-            <a:off x="3164795" y="4432392"/>
-            <a:ext cx="6167073" cy="461665"/>
-          </a:xfrm>
-          <a:prstGeom prst="rect">
-            <a:avLst/>
-          </a:prstGeom>
-        </p:spPr>
-        <p:txBody>
-          <a:bodyPr wrap="none">
-            <a:spAutoFit/>
-          </a:bodyPr>
-          <a:lstStyle/>
-          <a:p>
-            <a:r>
-              <a:rPr lang="zh-CN" altLang="en-US" sz="2400" dirty="0"/>
-              <a:t>::域操作</a:t>
-            </a:r>
-            <a:r>
-              <a:rPr lang="zh-CN" altLang="en-US" sz="2400" b="1" dirty="0">
-                <a:solidFill>
-                  <a:srgbClr val="00B050"/>
-                </a:solidFill>
-                <a:latin typeface="+mn-ea"/>
-              </a:rPr>
-              <a:t>注释</a:t>
-            </a:r>
-            <a:r>
-              <a:rPr lang="zh-CN" altLang="en-US" sz="2400" dirty="0"/>
-              <a:t>符左侧为空，调用全局中的变量</a:t>
-            </a:r>
-          </a:p>
-        </p:txBody>
-      </p:sp>
-    </p:spTree>
-    <p:extLst>
-      <p:ext uri="{BB962C8B-B14F-4D97-AF65-F5344CB8AC3E}">
-        <p14:creationId xmlns:p14="http://schemas.microsoft.com/office/powerpoint/2010/main" val="262636731"/>
-      </p:ext>
-    </p:extLst>
-  </p:cSld>
-  <p:clrMapOvr>
-    <a:masterClrMapping/>
-  </p:clrMapOvr>
-</p:sld>
-</file>
-
-<file path=ppt/slides/slide27.xml><?xml version="1.0" encoding="utf-8"?>
-<p:sld xmlns:a="http://schemas.openxmlformats.org/drawingml/2006/main" xmlns:r="http://schemas.openxmlformats.org/officeDocument/2006/relationships" xmlns:p="http://schemas.openxmlformats.org/presentationml/2006/main">
-  <p:cSld>
-    <p:spTree>
-      <p:nvGrpSpPr>
-        <p:cNvPr id="1" name=""/>
-        <p:cNvGrpSpPr/>
-        <p:nvPr/>
-      </p:nvGrpSpPr>
-      <p:grpSpPr>
-        <a:xfrm>
-          <a:off x="0" y="0"/>
-          <a:ext cx="0" cy="0"/>
-          <a:chOff x="0" y="0"/>
-          <a:chExt cx="0" cy="0"/>
-        </a:xfrm>
-      </p:grpSpPr>
-      <p:sp>
-        <p:nvSpPr>
-          <p:cNvPr id="6" name="文本框 5">
-            <a:extLst>
-              <a:ext uri="{FF2B5EF4-FFF2-40B4-BE49-F238E27FC236}">
-                <a16:creationId xmlns:a16="http://schemas.microsoft.com/office/drawing/2014/main" id="{A8746E2C-B96B-4186-B0EC-BE8E9F365025}"/>
-              </a:ext>
-            </a:extLst>
-          </p:cNvPr>
-          <p:cNvSpPr txBox="1"/>
-          <p:nvPr/>
-        </p:nvSpPr>
-        <p:spPr>
-          <a:xfrm>
-            <a:off x="518176" y="466545"/>
-            <a:ext cx="7393790" cy="1015663"/>
-          </a:xfrm>
-          <a:prstGeom prst="rect">
-            <a:avLst/>
-          </a:prstGeom>
-          <a:solidFill>
-            <a:schemeClr val="bg2"/>
-          </a:solidFill>
-        </p:spPr>
-        <p:txBody>
-          <a:bodyPr wrap="square" rtlCol="0">
-            <a:spAutoFit/>
-          </a:bodyPr>
-          <a:lstStyle/>
-          <a:p>
-            <a:r>
-              <a:rPr lang="zh-CN" altLang="en-US" sz="6000" b="1" dirty="0">
-                <a:latin typeface="+mn-ea"/>
-              </a:rPr>
-              <a:t>复合类型</a:t>
-            </a:r>
-            <a:r>
-              <a:rPr lang="en-US" altLang="zh-CN" sz="6000" b="1" dirty="0">
-                <a:latin typeface="+mn-ea"/>
-              </a:rPr>
-              <a:t>:</a:t>
-            </a:r>
-            <a:r>
-              <a:rPr lang="zh-CN" altLang="en-US" sz="6000" b="1" dirty="0">
-                <a:latin typeface="+mn-ea"/>
-              </a:rPr>
-              <a:t>引用和指针</a:t>
-            </a:r>
-          </a:p>
-        </p:txBody>
-      </p:sp>
-      <p:sp>
-        <p:nvSpPr>
-          <p:cNvPr id="7" name="文本框 6">
-            <a:extLst>
-              <a:ext uri="{FF2B5EF4-FFF2-40B4-BE49-F238E27FC236}">
-                <a16:creationId xmlns:a16="http://schemas.microsoft.com/office/drawing/2014/main" id="{F2DE948A-1CAA-4351-BE39-ED5F086608C1}"/>
-              </a:ext>
-            </a:extLst>
-          </p:cNvPr>
-          <p:cNvSpPr txBox="1"/>
-          <p:nvPr/>
-        </p:nvSpPr>
-        <p:spPr>
-          <a:xfrm>
-            <a:off x="1610376" y="2587445"/>
-            <a:ext cx="6301590" cy="1015663"/>
-          </a:xfrm>
-          <a:prstGeom prst="rect">
-            <a:avLst/>
-          </a:prstGeom>
-          <a:noFill/>
-        </p:spPr>
-        <p:txBody>
-          <a:bodyPr wrap="square" rtlCol="0">
-            <a:spAutoFit/>
-          </a:bodyPr>
-          <a:lstStyle/>
-          <a:p>
-            <a:r>
-              <a:rPr lang="zh-CN" altLang="en-US" sz="6000" b="1" dirty="0">
-                <a:latin typeface="+mn-ea"/>
-              </a:rPr>
-              <a:t>引用是类型别名</a:t>
-            </a:r>
-            <a:endParaRPr lang="en-US" altLang="zh-CN" sz="6000" b="1" dirty="0">
-              <a:latin typeface="+mn-ea"/>
-            </a:endParaRPr>
-          </a:p>
-        </p:txBody>
-      </p:sp>
-      <p:sp>
-        <p:nvSpPr>
-          <p:cNvPr id="8" name="文本框 7">
-            <a:extLst>
-              <a:ext uri="{FF2B5EF4-FFF2-40B4-BE49-F238E27FC236}">
-                <a16:creationId xmlns:a16="http://schemas.microsoft.com/office/drawing/2014/main" id="{46659E83-F713-40BF-964B-846CF2580AFE}"/>
-              </a:ext>
-            </a:extLst>
-          </p:cNvPr>
-          <p:cNvSpPr txBox="1"/>
-          <p:nvPr/>
-        </p:nvSpPr>
-        <p:spPr>
-          <a:xfrm>
-            <a:off x="1610376" y="4009845"/>
-            <a:ext cx="6301590" cy="1015663"/>
-          </a:xfrm>
-          <a:prstGeom prst="rect">
-            <a:avLst/>
-          </a:prstGeom>
-          <a:noFill/>
-        </p:spPr>
-        <p:txBody>
-          <a:bodyPr wrap="square" rtlCol="0">
-            <a:spAutoFit/>
-          </a:bodyPr>
-          <a:lstStyle/>
-          <a:p>
-            <a:r>
-              <a:rPr lang="zh-CN" altLang="en-US" sz="6000" b="1" dirty="0">
-                <a:latin typeface="+mn-ea"/>
-              </a:rPr>
-              <a:t>指针是数据类型</a:t>
-            </a:r>
-            <a:endParaRPr lang="en-US" altLang="zh-CN" sz="6000" b="1" dirty="0">
-              <a:latin typeface="+mn-ea"/>
-            </a:endParaRPr>
-          </a:p>
-        </p:txBody>
-      </p:sp>
-    </p:spTree>
-    <p:extLst>
-      <p:ext uri="{BB962C8B-B14F-4D97-AF65-F5344CB8AC3E}">
-        <p14:creationId xmlns:p14="http://schemas.microsoft.com/office/powerpoint/2010/main" val="3557918918"/>
-      </p:ext>
-    </p:extLst>
-  </p:cSld>
-  <p:clrMapOvr>
-    <a:masterClrMapping/>
-  </p:clrMapOvr>
-</p:sld>
-</file>
-
-<file path=ppt/slides/slide28.xml><?xml version="1.0" encoding="utf-8"?>
-<p:sld xmlns:a="http://schemas.openxmlformats.org/drawingml/2006/main" xmlns:r="http://schemas.openxmlformats.org/officeDocument/2006/relationships" xmlns:p="http://schemas.openxmlformats.org/presentationml/2006/main">
-  <p:cSld>
-    <p:spTree>
-      <p:nvGrpSpPr>
-        <p:cNvPr id="1" name=""/>
-        <p:cNvGrpSpPr/>
-        <p:nvPr/>
-      </p:nvGrpSpPr>
-      <p:grpSpPr>
-        <a:xfrm>
-          <a:off x="0" y="0"/>
-          <a:ext cx="0" cy="0"/>
-          <a:chOff x="0" y="0"/>
-          <a:chExt cx="0" cy="0"/>
-        </a:xfrm>
-      </p:grpSpPr>
-      <p:sp>
-        <p:nvSpPr>
-          <p:cNvPr id="5" name="文本框 4">
-            <a:extLst>
-              <a:ext uri="{FF2B5EF4-FFF2-40B4-BE49-F238E27FC236}">
-                <a16:creationId xmlns:a16="http://schemas.microsoft.com/office/drawing/2014/main" id="{87D7020B-EEA1-465F-BFBB-58EAACD67653}"/>
-              </a:ext>
-            </a:extLst>
-          </p:cNvPr>
-          <p:cNvSpPr txBox="1"/>
-          <p:nvPr/>
-        </p:nvSpPr>
-        <p:spPr>
-          <a:xfrm>
-            <a:off x="518176" y="2921168"/>
-            <a:ext cx="10149824" cy="2308324"/>
-          </a:xfrm>
-          <a:prstGeom prst="rect">
-            <a:avLst/>
-          </a:prstGeom>
-          <a:noFill/>
-        </p:spPr>
-        <p:txBody>
-          <a:bodyPr wrap="square" rtlCol="0">
-            <a:spAutoFit/>
-          </a:bodyPr>
-          <a:lstStyle/>
-          <a:p>
-            <a:r>
-              <a:rPr lang="zh-CN" altLang="en-US" sz="4800" b="1" dirty="0">
-                <a:latin typeface="+mn-ea"/>
-              </a:rPr>
-              <a:t>指向指针的指针  </a:t>
-            </a:r>
-            <a:r>
-              <a:rPr lang="en-US" altLang="zh-CN" sz="4800" b="1" dirty="0">
-                <a:latin typeface="+mn-ea"/>
-              </a:rPr>
-              <a:t>VS </a:t>
-            </a:r>
-            <a:r>
-              <a:rPr lang="zh-CN" altLang="en-US" sz="4800" b="1" dirty="0">
-                <a:latin typeface="+mn-ea"/>
-              </a:rPr>
-              <a:t>指向引用的指针</a:t>
-            </a:r>
-            <a:endParaRPr lang="en-US" altLang="zh-CN" sz="4800" b="1" dirty="0">
-              <a:latin typeface="+mn-ea"/>
-            </a:endParaRPr>
-          </a:p>
-          <a:p>
-            <a:endParaRPr lang="en-US" altLang="zh-CN" sz="4800" b="1" dirty="0">
-              <a:latin typeface="+mn-ea"/>
-            </a:endParaRPr>
-          </a:p>
-          <a:p>
-            <a:r>
-              <a:rPr lang="zh-CN" altLang="en-US" sz="4800" b="1" dirty="0">
-                <a:latin typeface="+mn-ea"/>
-              </a:rPr>
-              <a:t>指针的引用</a:t>
-            </a:r>
-          </a:p>
-        </p:txBody>
-      </p:sp>
-    </p:spTree>
-    <p:extLst>
-      <p:ext uri="{BB962C8B-B14F-4D97-AF65-F5344CB8AC3E}">
-        <p14:creationId xmlns:p14="http://schemas.microsoft.com/office/powerpoint/2010/main" val="3215900855"/>
-      </p:ext>
-    </p:extLst>
-  </p:cSld>
-  <p:clrMapOvr>
-    <a:masterClrMapping/>
-  </p:clrMapOvr>
-</p:sld>
-</file>
-
-<file path=ppt/slides/slide29.xml><?xml version="1.0" encoding="utf-8"?>
-<p:sld xmlns:a="http://schemas.openxmlformats.org/drawingml/2006/main" xmlns:r="http://schemas.openxmlformats.org/officeDocument/2006/relationships" xmlns:p="http://schemas.openxmlformats.org/presentationml/2006/main">
-  <p:cSld>
-    <p:spTree>
-      <p:nvGrpSpPr>
-        <p:cNvPr id="1" name=""/>
-        <p:cNvGrpSpPr/>
-        <p:nvPr/>
-      </p:nvGrpSpPr>
-      <p:grpSpPr>
-        <a:xfrm>
-          <a:off x="0" y="0"/>
-          <a:ext cx="0" cy="0"/>
-          <a:chOff x="0" y="0"/>
-          <a:chExt cx="0" cy="0"/>
-        </a:xfrm>
-      </p:grpSpPr>
-      <p:sp>
-        <p:nvSpPr>
-          <p:cNvPr id="5" name="文本框 4">
-            <a:extLst>
-              <a:ext uri="{FF2B5EF4-FFF2-40B4-BE49-F238E27FC236}">
-                <a16:creationId xmlns:a16="http://schemas.microsoft.com/office/drawing/2014/main" id="{87D7020B-EEA1-465F-BFBB-58EAACD67653}"/>
-              </a:ext>
-            </a:extLst>
-          </p:cNvPr>
-          <p:cNvSpPr txBox="1"/>
-          <p:nvPr/>
-        </p:nvSpPr>
-        <p:spPr>
-          <a:xfrm>
-            <a:off x="416576" y="800268"/>
-            <a:ext cx="3926824" cy="830997"/>
-          </a:xfrm>
-          <a:prstGeom prst="rect">
-            <a:avLst/>
-          </a:prstGeom>
-          <a:noFill/>
-        </p:spPr>
-        <p:txBody>
-          <a:bodyPr wrap="square" rtlCol="0">
-            <a:spAutoFit/>
-          </a:bodyPr>
-          <a:lstStyle/>
-          <a:p>
-            <a:r>
-              <a:rPr lang="en-US" altLang="zh-CN" sz="4800" b="1" dirty="0">
-                <a:latin typeface="+mn-ea"/>
-              </a:rPr>
-              <a:t>const</a:t>
-            </a:r>
-            <a:r>
-              <a:rPr lang="zh-CN" altLang="en-US" sz="4800" b="1" dirty="0">
-                <a:latin typeface="+mn-ea"/>
-              </a:rPr>
-              <a:t>限定符</a:t>
-            </a:r>
-          </a:p>
-        </p:txBody>
-      </p:sp>
-      <p:sp>
-        <p:nvSpPr>
-          <p:cNvPr id="3" name="文本框 2">
-            <a:extLst>
-              <a:ext uri="{FF2B5EF4-FFF2-40B4-BE49-F238E27FC236}">
-                <a16:creationId xmlns:a16="http://schemas.microsoft.com/office/drawing/2014/main" id="{816313B8-9C82-42B4-A678-CF794C875BEE}"/>
-              </a:ext>
-            </a:extLst>
-          </p:cNvPr>
-          <p:cNvSpPr txBox="1"/>
-          <p:nvPr/>
-        </p:nvSpPr>
-        <p:spPr>
-          <a:xfrm>
-            <a:off x="1026176" y="2349500"/>
-            <a:ext cx="3926824" cy="830997"/>
-          </a:xfrm>
-          <a:prstGeom prst="rect">
-            <a:avLst/>
-          </a:prstGeom>
-          <a:noFill/>
-        </p:spPr>
-        <p:txBody>
-          <a:bodyPr wrap="square" rtlCol="0">
-            <a:spAutoFit/>
-          </a:bodyPr>
-          <a:lstStyle/>
-          <a:p>
-            <a:r>
-              <a:rPr lang="en-US" altLang="zh-CN" sz="4800" b="1" dirty="0">
-                <a:latin typeface="+mn-ea"/>
-              </a:rPr>
-              <a:t>const</a:t>
-            </a:r>
-            <a:r>
-              <a:rPr lang="zh-CN" altLang="en-US" sz="4800" b="1" dirty="0">
-                <a:latin typeface="+mn-ea"/>
-              </a:rPr>
-              <a:t>引用</a:t>
-            </a:r>
-          </a:p>
-        </p:txBody>
-      </p:sp>
-      <p:sp>
-        <p:nvSpPr>
-          <p:cNvPr id="4" name="文本框 3">
-            <a:extLst>
-              <a:ext uri="{FF2B5EF4-FFF2-40B4-BE49-F238E27FC236}">
-                <a16:creationId xmlns:a16="http://schemas.microsoft.com/office/drawing/2014/main" id="{677CF7BD-3B12-40E7-868C-B539C08FFE92}"/>
-              </a:ext>
-            </a:extLst>
-          </p:cNvPr>
-          <p:cNvSpPr txBox="1"/>
-          <p:nvPr/>
-        </p:nvSpPr>
-        <p:spPr>
-          <a:xfrm>
-            <a:off x="1026176" y="3677504"/>
-            <a:ext cx="3926824" cy="830997"/>
-          </a:xfrm>
-          <a:prstGeom prst="rect">
-            <a:avLst/>
-          </a:prstGeom>
-          <a:noFill/>
-        </p:spPr>
-        <p:txBody>
-          <a:bodyPr wrap="square" rtlCol="0">
-            <a:spAutoFit/>
-          </a:bodyPr>
-          <a:lstStyle/>
-          <a:p>
-            <a:r>
-              <a:rPr lang="en-US" altLang="zh-CN" sz="4800" b="1" dirty="0">
-                <a:latin typeface="+mn-ea"/>
-              </a:rPr>
-              <a:t>const</a:t>
-            </a:r>
-            <a:r>
-              <a:rPr lang="zh-CN" altLang="en-US" sz="4800" b="1" dirty="0">
-                <a:latin typeface="+mn-ea"/>
-              </a:rPr>
-              <a:t>指针</a:t>
-            </a:r>
-          </a:p>
-        </p:txBody>
-      </p:sp>
-    </p:spTree>
-    <p:extLst>
-      <p:ext uri="{BB962C8B-B14F-4D97-AF65-F5344CB8AC3E}">
-        <p14:creationId xmlns:p14="http://schemas.microsoft.com/office/powerpoint/2010/main" val="492254004"/>
       </p:ext>
     </p:extLst>
   </p:cSld>
@@ -12674,137 +10110,6 @@
 </p:sld>
 </file>
 
-<file path=ppt/slides/slide30.xml><?xml version="1.0" encoding="utf-8"?>
-<p:sld xmlns:a="http://schemas.openxmlformats.org/drawingml/2006/main" xmlns:r="http://schemas.openxmlformats.org/officeDocument/2006/relationships" xmlns:p="http://schemas.openxmlformats.org/presentationml/2006/main">
-  <p:cSld>
-    <p:spTree>
-      <p:nvGrpSpPr>
-        <p:cNvPr id="1" name=""/>
-        <p:cNvGrpSpPr/>
-        <p:nvPr/>
-      </p:nvGrpSpPr>
-      <p:grpSpPr>
-        <a:xfrm>
-          <a:off x="0" y="0"/>
-          <a:ext cx="0" cy="0"/>
-          <a:chOff x="0" y="0"/>
-          <a:chExt cx="0" cy="0"/>
-        </a:xfrm>
-      </p:grpSpPr>
-      <p:sp>
-        <p:nvSpPr>
-          <p:cNvPr id="5" name="文本框 4">
-            <a:extLst>
-              <a:ext uri="{FF2B5EF4-FFF2-40B4-BE49-F238E27FC236}">
-                <a16:creationId xmlns:a16="http://schemas.microsoft.com/office/drawing/2014/main" id="{87D7020B-EEA1-465F-BFBB-58EAACD67653}"/>
-              </a:ext>
-            </a:extLst>
-          </p:cNvPr>
-          <p:cNvSpPr txBox="1"/>
-          <p:nvPr/>
-        </p:nvSpPr>
-        <p:spPr>
-          <a:xfrm>
-            <a:off x="416576" y="800268"/>
-            <a:ext cx="3926824" cy="830997"/>
-          </a:xfrm>
-          <a:prstGeom prst="rect">
-            <a:avLst/>
-          </a:prstGeom>
-          <a:noFill/>
-        </p:spPr>
-        <p:txBody>
-          <a:bodyPr wrap="square" rtlCol="0">
-            <a:spAutoFit/>
-          </a:bodyPr>
-          <a:lstStyle/>
-          <a:p>
-            <a:r>
-              <a:rPr lang="en-US" altLang="zh-CN" sz="4800" b="1" dirty="0">
-                <a:latin typeface="+mn-ea"/>
-              </a:rPr>
-              <a:t>const</a:t>
-            </a:r>
-            <a:r>
-              <a:rPr lang="zh-CN" altLang="en-US" sz="4800" b="1" dirty="0">
-                <a:latin typeface="+mn-ea"/>
-              </a:rPr>
-              <a:t>限定符</a:t>
-            </a:r>
-          </a:p>
-        </p:txBody>
-      </p:sp>
-      <p:sp>
-        <p:nvSpPr>
-          <p:cNvPr id="3" name="文本框 2">
-            <a:extLst>
-              <a:ext uri="{FF2B5EF4-FFF2-40B4-BE49-F238E27FC236}">
-                <a16:creationId xmlns:a16="http://schemas.microsoft.com/office/drawing/2014/main" id="{816313B8-9C82-42B4-A678-CF794C875BEE}"/>
-              </a:ext>
-            </a:extLst>
-          </p:cNvPr>
-          <p:cNvSpPr txBox="1"/>
-          <p:nvPr/>
-        </p:nvSpPr>
-        <p:spPr>
-          <a:xfrm>
-            <a:off x="1483376" y="2598003"/>
-            <a:ext cx="8067024" cy="830997"/>
-          </a:xfrm>
-          <a:prstGeom prst="rect">
-            <a:avLst/>
-          </a:prstGeom>
-          <a:noFill/>
-        </p:spPr>
-        <p:txBody>
-          <a:bodyPr wrap="square" rtlCol="0">
-            <a:spAutoFit/>
-          </a:bodyPr>
-          <a:lstStyle/>
-          <a:p>
-            <a:r>
-              <a:rPr lang="zh-CN" altLang="en-US" sz="4800" b="1" dirty="0">
-                <a:latin typeface="+mn-ea"/>
-              </a:rPr>
-              <a:t>顶层</a:t>
-            </a:r>
-            <a:r>
-              <a:rPr lang="en-US" altLang="zh-CN" sz="4800" b="1" dirty="0">
-                <a:latin typeface="+mn-ea"/>
-              </a:rPr>
-              <a:t>const  vs </a:t>
-            </a:r>
-            <a:r>
-              <a:rPr lang="zh-CN" altLang="en-US" sz="4800" b="1" dirty="0">
-                <a:latin typeface="+mn-ea"/>
-              </a:rPr>
-              <a:t>底层 </a:t>
-            </a:r>
-            <a:r>
-              <a:rPr lang="en-US" altLang="zh-CN" sz="4800" b="1" dirty="0">
-                <a:latin typeface="+mn-ea"/>
-              </a:rPr>
-              <a:t>const</a:t>
-            </a:r>
-            <a:endParaRPr lang="zh-CN" altLang="en-US" sz="4800" b="1" dirty="0">
-              <a:latin typeface="+mn-ea"/>
-            </a:endParaRPr>
-          </a:p>
-        </p:txBody>
-      </p:sp>
-    </p:spTree>
-    <p:extLst>
-      <p:ext uri="{BB962C8B-B14F-4D97-AF65-F5344CB8AC3E}">
-        <p14:creationId xmlns:p14="http://schemas.microsoft.com/office/powerpoint/2010/main" val="3048778077"/>
-      </p:ext>
-    </p:extLst>
-  </p:cSld>
-  <p:clrMapOvr>
-    <a:masterClrMapping/>
-  </p:clrMapOvr>
-</p:sld>
-</file>
-
 <file path=ppt/slides/slide4.xml><?xml version="1.0" encoding="utf-8"?>
 <p:sld xmlns:a="http://schemas.openxmlformats.org/drawingml/2006/main" xmlns:r="http://schemas.openxmlformats.org/officeDocument/2006/relationships" xmlns:p="http://schemas.openxmlformats.org/presentationml/2006/main">
   <p:cSld>
@@ -12836,8 +10141,8 @@
         </p:nvSpPr>
         <p:spPr>
           <a:xfrm>
-            <a:off x="288268" y="288399"/>
-            <a:ext cx="4400564" cy="584775"/>
+            <a:off x="1655521" y="2722841"/>
+            <a:ext cx="8880957" cy="1107996"/>
           </a:xfrm>
           <a:prstGeom prst="rect">
             <a:avLst/>
@@ -12858,12 +10163,12 @@
               </a:spcAft>
             </a:pPr>
             <a:r>
-              <a:rPr lang="zh-CN" altLang="en-US" sz="3200" b="1" dirty="0">
+              <a:rPr lang="zh-CN" altLang="en-US" sz="6600" b="1" dirty="0">
                 <a:latin typeface="+mn-ea"/>
               </a:rPr>
               <a:t>第二章 变量和基本类型</a:t>
             </a:r>
-            <a:endParaRPr lang="zh-CN" altLang="zh-CN" sz="3200" b="1" dirty="0">
+            <a:endParaRPr lang="zh-CN" altLang="zh-CN" sz="6600" b="1" dirty="0">
               <a:latin typeface="+mn-ea"/>
             </a:endParaRPr>
           </a:p>

--- a/C++课件.pptx
+++ b/C++课件.pptx
@@ -218,7 +218,7 @@
           <a:p>
             <a:fld id="{C763DFBC-BC7B-44D2-9277-A1640CE38A00}" type="datetimeFigureOut">
               <a:rPr lang="zh-CN" altLang="en-US" smtClean="0"/>
-              <a:t>2023/12/13</a:t>
+              <a:t>2023/12/15</a:t>
             </a:fld>
             <a:endParaRPr lang="zh-CN" altLang="en-US"/>
           </a:p>
@@ -3955,7 +3955,7 @@
           <a:p>
             <a:fld id="{5A1740DE-654B-48BB-A6EB-4DD86D9E78E3}" type="datetimeFigureOut">
               <a:rPr lang="zh-CN" altLang="en-US" smtClean="0"/>
-              <a:t>2023/12/13</a:t>
+              <a:t>2023/12/15</a:t>
             </a:fld>
             <a:endParaRPr lang="zh-CN" altLang="en-US"/>
           </a:p>
@@ -4153,7 +4153,7 @@
           <a:p>
             <a:fld id="{5A1740DE-654B-48BB-A6EB-4DD86D9E78E3}" type="datetimeFigureOut">
               <a:rPr lang="zh-CN" altLang="en-US" smtClean="0"/>
-              <a:t>2023/12/13</a:t>
+              <a:t>2023/12/15</a:t>
             </a:fld>
             <a:endParaRPr lang="zh-CN" altLang="en-US"/>
           </a:p>
@@ -4361,7 +4361,7 @@
           <a:p>
             <a:fld id="{5A1740DE-654B-48BB-A6EB-4DD86D9E78E3}" type="datetimeFigureOut">
               <a:rPr lang="zh-CN" altLang="en-US" smtClean="0"/>
-              <a:t>2023/12/13</a:t>
+              <a:t>2023/12/15</a:t>
             </a:fld>
             <a:endParaRPr lang="zh-CN" altLang="en-US"/>
           </a:p>
@@ -4559,7 +4559,7 @@
           <a:p>
             <a:fld id="{5A1740DE-654B-48BB-A6EB-4DD86D9E78E3}" type="datetimeFigureOut">
               <a:rPr lang="zh-CN" altLang="en-US" smtClean="0"/>
-              <a:t>2023/12/13</a:t>
+              <a:t>2023/12/15</a:t>
             </a:fld>
             <a:endParaRPr lang="zh-CN" altLang="en-US"/>
           </a:p>
@@ -4834,7 +4834,7 @@
           <a:p>
             <a:fld id="{5A1740DE-654B-48BB-A6EB-4DD86D9E78E3}" type="datetimeFigureOut">
               <a:rPr lang="zh-CN" altLang="en-US" smtClean="0"/>
-              <a:t>2023/12/13</a:t>
+              <a:t>2023/12/15</a:t>
             </a:fld>
             <a:endParaRPr lang="zh-CN" altLang="en-US"/>
           </a:p>
@@ -5099,7 +5099,7 @@
           <a:p>
             <a:fld id="{5A1740DE-654B-48BB-A6EB-4DD86D9E78E3}" type="datetimeFigureOut">
               <a:rPr lang="zh-CN" altLang="en-US" smtClean="0"/>
-              <a:t>2023/12/13</a:t>
+              <a:t>2023/12/15</a:t>
             </a:fld>
             <a:endParaRPr lang="zh-CN" altLang="en-US"/>
           </a:p>
@@ -5511,7 +5511,7 @@
           <a:p>
             <a:fld id="{5A1740DE-654B-48BB-A6EB-4DD86D9E78E3}" type="datetimeFigureOut">
               <a:rPr lang="zh-CN" altLang="en-US" smtClean="0"/>
-              <a:t>2023/12/13</a:t>
+              <a:t>2023/12/15</a:t>
             </a:fld>
             <a:endParaRPr lang="zh-CN" altLang="en-US"/>
           </a:p>
@@ -5652,7 +5652,7 @@
           <a:p>
             <a:fld id="{5A1740DE-654B-48BB-A6EB-4DD86D9E78E3}" type="datetimeFigureOut">
               <a:rPr lang="zh-CN" altLang="en-US" smtClean="0"/>
-              <a:t>2023/12/13</a:t>
+              <a:t>2023/12/15</a:t>
             </a:fld>
             <a:endParaRPr lang="zh-CN" altLang="en-US"/>
           </a:p>
@@ -5765,7 +5765,7 @@
           <a:p>
             <a:fld id="{5A1740DE-654B-48BB-A6EB-4DD86D9E78E3}" type="datetimeFigureOut">
               <a:rPr lang="zh-CN" altLang="en-US" smtClean="0"/>
-              <a:t>2023/12/13</a:t>
+              <a:t>2023/12/15</a:t>
             </a:fld>
             <a:endParaRPr lang="zh-CN" altLang="en-US"/>
           </a:p>
@@ -6076,7 +6076,7 @@
           <a:p>
             <a:fld id="{5A1740DE-654B-48BB-A6EB-4DD86D9E78E3}" type="datetimeFigureOut">
               <a:rPr lang="zh-CN" altLang="en-US" smtClean="0"/>
-              <a:t>2023/12/13</a:t>
+              <a:t>2023/12/15</a:t>
             </a:fld>
             <a:endParaRPr lang="zh-CN" altLang="en-US"/>
           </a:p>
@@ -6364,7 +6364,7 @@
           <a:p>
             <a:fld id="{5A1740DE-654B-48BB-A6EB-4DD86D9E78E3}" type="datetimeFigureOut">
               <a:rPr lang="zh-CN" altLang="en-US" smtClean="0"/>
-              <a:t>2023/12/13</a:t>
+              <a:t>2023/12/15</a:t>
             </a:fld>
             <a:endParaRPr lang="zh-CN" altLang="en-US"/>
           </a:p>
@@ -6605,7 +6605,7 @@
           <a:p>
             <a:fld id="{5A1740DE-654B-48BB-A6EB-4DD86D9E78E3}" type="datetimeFigureOut">
               <a:rPr lang="zh-CN" altLang="en-US" smtClean="0"/>
-              <a:t>2023/12/13</a:t>
+              <a:t>2023/12/15</a:t>
             </a:fld>
             <a:endParaRPr lang="zh-CN" altLang="en-US"/>
           </a:p>
@@ -9121,7 +9121,7 @@
                 <a:effectLst/>
                 <a:latin typeface="+mn-ea"/>
               </a:rPr>
-              <a:t>vector&lt;string&gt; v6{ 10 }; 		</a:t>
+              <a:t>vector&lt;string&gt; v6{ 10 }; </a:t>
             </a:r>
           </a:p>
           <a:p>

--- a/C++课件.pptx
+++ b/C++课件.pptx
@@ -5,7 +5,7 @@
     <p:sldMasterId id="2147483648" r:id="rId1"/>
   </p:sldMasterIdLst>
   <p:notesMasterIdLst>
-    <p:notesMasterId r:id="rId24"/>
+    <p:notesMasterId r:id="rId26"/>
   </p:notesMasterIdLst>
   <p:sldIdLst>
     <p:sldId id="256" r:id="rId2"/>
@@ -30,6 +30,8 @@
     <p:sldId id="291" r:id="rId21"/>
     <p:sldId id="292" r:id="rId22"/>
     <p:sldId id="263" r:id="rId23"/>
+    <p:sldId id="294" r:id="rId24"/>
+    <p:sldId id="295" r:id="rId25"/>
   </p:sldIdLst>
   <p:sldSz cx="12192000" cy="6858000"/>
   <p:notesSz cx="6858000" cy="9144000"/>
@@ -218,7 +220,7 @@
           <a:p>
             <a:fld id="{C763DFBC-BC7B-44D2-9277-A1640CE38A00}" type="datetimeFigureOut">
               <a:rPr lang="zh-CN" altLang="en-US" smtClean="0"/>
-              <a:t>2023/12/15</a:t>
+              <a:t>2023/12/20</a:t>
             </a:fld>
             <a:endParaRPr lang="zh-CN" altLang="en-US"/>
           </a:p>
@@ -2592,6 +2594,470 @@
 </p:notes>
 </file>
 
+<file path=ppt/notesSlides/notesSlide20.xml><?xml version="1.0" encoding="utf-8"?>
+<p:notes xmlns:a="http://schemas.openxmlformats.org/drawingml/2006/main" xmlns:r="http://schemas.openxmlformats.org/officeDocument/2006/relationships" xmlns:p="http://schemas.openxmlformats.org/presentationml/2006/main">
+  <p:cSld>
+    <p:spTree>
+      <p:nvGrpSpPr>
+        <p:cNvPr id="1" name=""/>
+        <p:cNvGrpSpPr/>
+        <p:nvPr/>
+      </p:nvGrpSpPr>
+      <p:grpSpPr>
+        <a:xfrm>
+          <a:off x="0" y="0"/>
+          <a:ext cx="0" cy="0"/>
+          <a:chOff x="0" y="0"/>
+          <a:chExt cx="0" cy="0"/>
+        </a:xfrm>
+      </p:grpSpPr>
+      <p:sp>
+        <p:nvSpPr>
+          <p:cNvPr id="2" name="幻灯片图像占位符 1"/>
+          <p:cNvSpPr>
+            <a:spLocks noGrp="1" noRot="1" noChangeAspect="1"/>
+          </p:cNvSpPr>
+          <p:nvPr>
+            <p:ph type="sldImg"/>
+          </p:nvPr>
+        </p:nvSpPr>
+        <p:spPr/>
+      </p:sp>
+      <p:sp>
+        <p:nvSpPr>
+          <p:cNvPr id="3" name="备注占位符 2"/>
+          <p:cNvSpPr>
+            <a:spLocks noGrp="1"/>
+          </p:cNvSpPr>
+          <p:nvPr>
+            <p:ph type="body" idx="1"/>
+          </p:nvPr>
+        </p:nvSpPr>
+        <p:spPr/>
+        <p:txBody>
+          <a:bodyPr/>
+          <a:lstStyle/>
+          <a:p>
+            <a:r>
+              <a:rPr lang="zh-CN" altLang="en-US" sz="1200" b="0" i="0" kern="1200" dirty="0">
+                <a:solidFill>
+                  <a:schemeClr val="tx1"/>
+                </a:solidFill>
+                <a:effectLst/>
+                <a:latin typeface="+mn-lt"/>
+                <a:ea typeface="+mn-ea"/>
+                <a:cs typeface="+mn-cs"/>
+              </a:rPr>
+              <a:t>首先判断 </a:t>
+            </a:r>
+            <a:r>
+              <a:rPr lang="en-US" altLang="zh-CN" dirty="0"/>
+              <a:t>cp</a:t>
+            </a:r>
+            <a:r>
+              <a:rPr lang="zh-CN" altLang="en-US" sz="1200" b="0" i="0" kern="1200" dirty="0">
+                <a:solidFill>
+                  <a:schemeClr val="tx1"/>
+                </a:solidFill>
+                <a:effectLst/>
+                <a:latin typeface="+mn-lt"/>
+                <a:ea typeface="+mn-ea"/>
+                <a:cs typeface="+mn-cs"/>
+              </a:rPr>
+              <a:t> ，</a:t>
+            </a:r>
+            <a:r>
+              <a:rPr lang="en-US" altLang="zh-CN" dirty="0"/>
+              <a:t>cp</a:t>
+            </a:r>
+            <a:r>
+              <a:rPr lang="zh-CN" altLang="en-US" sz="1200" b="0" i="0" kern="1200" dirty="0">
+                <a:solidFill>
+                  <a:schemeClr val="tx1"/>
+                </a:solidFill>
+                <a:effectLst/>
+                <a:latin typeface="+mn-lt"/>
+                <a:ea typeface="+mn-ea"/>
+                <a:cs typeface="+mn-cs"/>
+              </a:rPr>
+              <a:t> 不是一个空指针，因此 </a:t>
+            </a:r>
+            <a:r>
+              <a:rPr lang="en-US" altLang="zh-CN" dirty="0"/>
+              <a:t>cp</a:t>
+            </a:r>
+            <a:r>
+              <a:rPr lang="zh-CN" altLang="en-US" sz="1200" b="0" i="0" kern="1200" dirty="0">
+                <a:solidFill>
+                  <a:schemeClr val="tx1"/>
+                </a:solidFill>
+                <a:effectLst/>
+                <a:latin typeface="+mn-lt"/>
+                <a:ea typeface="+mn-ea"/>
+                <a:cs typeface="+mn-cs"/>
+              </a:rPr>
+              <a:t> 为真。然后判断 </a:t>
+            </a:r>
+            <a:r>
+              <a:rPr lang="zh-CN" altLang="en-US" dirty="0"/>
+              <a:t>*</a:t>
+            </a:r>
+            <a:r>
+              <a:rPr lang="en-US" altLang="zh-CN" dirty="0"/>
+              <a:t>cp</a:t>
+            </a:r>
+            <a:r>
+              <a:rPr lang="zh-CN" altLang="en-US" sz="1200" b="0" i="0" kern="1200" dirty="0">
+                <a:solidFill>
+                  <a:schemeClr val="tx1"/>
+                </a:solidFill>
+                <a:effectLst/>
+                <a:latin typeface="+mn-lt"/>
+                <a:ea typeface="+mn-ea"/>
+                <a:cs typeface="+mn-cs"/>
+              </a:rPr>
+              <a:t>，</a:t>
+            </a:r>
+            <a:r>
+              <a:rPr lang="zh-CN" altLang="en-US" dirty="0"/>
+              <a:t>*</a:t>
+            </a:r>
+            <a:r>
+              <a:rPr lang="en-US" altLang="zh-CN" dirty="0"/>
+              <a:t>cp</a:t>
+            </a:r>
+            <a:r>
+              <a:rPr lang="zh-CN" altLang="en-US" sz="1200" b="0" i="0" kern="1200" dirty="0">
+                <a:solidFill>
+                  <a:schemeClr val="tx1"/>
+                </a:solidFill>
+                <a:effectLst/>
+                <a:latin typeface="+mn-lt"/>
+                <a:ea typeface="+mn-ea"/>
+                <a:cs typeface="+mn-cs"/>
+              </a:rPr>
+              <a:t> 的值是字符 </a:t>
+            </a:r>
+            <a:r>
+              <a:rPr lang="en-US" altLang="zh-CN" sz="1200" b="0" i="0" kern="1200" dirty="0">
+                <a:solidFill>
+                  <a:schemeClr val="tx1"/>
+                </a:solidFill>
+                <a:effectLst/>
+                <a:latin typeface="+mn-lt"/>
+                <a:ea typeface="+mn-ea"/>
+                <a:cs typeface="+mn-cs"/>
+              </a:rPr>
+              <a:t>'H'</a:t>
+            </a:r>
+            <a:r>
+              <a:rPr lang="zh-CN" altLang="en-US" sz="1200" b="0" i="0" kern="1200" dirty="0">
+                <a:solidFill>
+                  <a:schemeClr val="tx1"/>
+                </a:solidFill>
+                <a:effectLst/>
+                <a:latin typeface="+mn-lt"/>
+                <a:ea typeface="+mn-ea"/>
+                <a:cs typeface="+mn-cs"/>
+              </a:rPr>
+              <a:t>，非</a:t>
+            </a:r>
+            <a:r>
+              <a:rPr lang="en-US" altLang="zh-CN" sz="1200" b="0" i="0" kern="1200" dirty="0">
+                <a:solidFill>
+                  <a:schemeClr val="tx1"/>
+                </a:solidFill>
+                <a:effectLst/>
+                <a:latin typeface="+mn-lt"/>
+                <a:ea typeface="+mn-ea"/>
+                <a:cs typeface="+mn-cs"/>
+              </a:rPr>
+              <a:t>0</a:t>
+            </a:r>
+            <a:r>
+              <a:rPr lang="zh-CN" altLang="en-US" sz="1200" b="0" i="0" kern="1200" dirty="0">
+                <a:solidFill>
+                  <a:schemeClr val="tx1"/>
+                </a:solidFill>
+                <a:effectLst/>
+                <a:latin typeface="+mn-lt"/>
+                <a:ea typeface="+mn-ea"/>
+                <a:cs typeface="+mn-cs"/>
+              </a:rPr>
+              <a:t>。因此最后的结果为真。</a:t>
+            </a:r>
+            <a:endParaRPr lang="en-US" altLang="zh-CN" sz="1200" dirty="0"/>
+          </a:p>
+        </p:txBody>
+      </p:sp>
+      <p:sp>
+        <p:nvSpPr>
+          <p:cNvPr id="4" name="灯片编号占位符 3"/>
+          <p:cNvSpPr>
+            <a:spLocks noGrp="1"/>
+          </p:cNvSpPr>
+          <p:nvPr>
+            <p:ph type="sldNum" sz="quarter" idx="5"/>
+          </p:nvPr>
+        </p:nvSpPr>
+        <p:spPr/>
+        <p:txBody>
+          <a:bodyPr/>
+          <a:lstStyle/>
+          <a:p>
+            <a:fld id="{0111EF2A-CA54-46BA-9D19-E4C580B41F03}" type="slidenum">
+              <a:rPr lang="zh-CN" altLang="en-US" smtClean="0"/>
+              <a:t>23</a:t>
+            </a:fld>
+            <a:endParaRPr lang="zh-CN" altLang="en-US"/>
+          </a:p>
+        </p:txBody>
+      </p:sp>
+    </p:spTree>
+    <p:extLst>
+      <p:ext uri="{BB962C8B-B14F-4D97-AF65-F5344CB8AC3E}">
+        <p14:creationId xmlns:p14="http://schemas.microsoft.com/office/powerpoint/2010/main" val="881206992"/>
+      </p:ext>
+    </p:extLst>
+  </p:cSld>
+  <p:clrMapOvr>
+    <a:masterClrMapping/>
+  </p:clrMapOvr>
+</p:notes>
+</file>
+
+<file path=ppt/notesSlides/notesSlide21.xml><?xml version="1.0" encoding="utf-8"?>
+<p:notes xmlns:a="http://schemas.openxmlformats.org/drawingml/2006/main" xmlns:r="http://schemas.openxmlformats.org/officeDocument/2006/relationships" xmlns:p="http://schemas.openxmlformats.org/presentationml/2006/main">
+  <p:cSld>
+    <p:spTree>
+      <p:nvGrpSpPr>
+        <p:cNvPr id="1" name=""/>
+        <p:cNvGrpSpPr/>
+        <p:nvPr/>
+      </p:nvGrpSpPr>
+      <p:grpSpPr>
+        <a:xfrm>
+          <a:off x="0" y="0"/>
+          <a:ext cx="0" cy="0"/>
+          <a:chOff x="0" y="0"/>
+          <a:chExt cx="0" cy="0"/>
+        </a:xfrm>
+      </p:grpSpPr>
+      <p:sp>
+        <p:nvSpPr>
+          <p:cNvPr id="2" name="幻灯片图像占位符 1"/>
+          <p:cNvSpPr>
+            <a:spLocks noGrp="1" noRot="1" noChangeAspect="1"/>
+          </p:cNvSpPr>
+          <p:nvPr>
+            <p:ph type="sldImg"/>
+          </p:nvPr>
+        </p:nvSpPr>
+        <p:spPr/>
+      </p:sp>
+      <p:sp>
+        <p:nvSpPr>
+          <p:cNvPr id="3" name="备注占位符 2"/>
+          <p:cNvSpPr>
+            <a:spLocks noGrp="1"/>
+          </p:cNvSpPr>
+          <p:nvPr>
+            <p:ph type="body" idx="1"/>
+          </p:nvPr>
+        </p:nvSpPr>
+        <p:spPr/>
+        <p:txBody>
+          <a:bodyPr/>
+          <a:lstStyle/>
+          <a:p>
+            <a:r>
+              <a:rPr lang="zh-CN" altLang="en-US" sz="1200" b="0" i="0" kern="1200" dirty="0">
+                <a:solidFill>
+                  <a:schemeClr val="tx1"/>
+                </a:solidFill>
+                <a:effectLst/>
+                <a:latin typeface="+mn-lt"/>
+                <a:ea typeface="+mn-ea"/>
+                <a:cs typeface="+mn-cs"/>
+              </a:rPr>
+              <a:t>首先判断 </a:t>
+            </a:r>
+            <a:r>
+              <a:rPr lang="en-US" altLang="zh-CN" dirty="0"/>
+              <a:t>cp</a:t>
+            </a:r>
+            <a:r>
+              <a:rPr lang="zh-CN" altLang="en-US" sz="1200" b="0" i="0" kern="1200" dirty="0">
+                <a:solidFill>
+                  <a:schemeClr val="tx1"/>
+                </a:solidFill>
+                <a:effectLst/>
+                <a:latin typeface="+mn-lt"/>
+                <a:ea typeface="+mn-ea"/>
+                <a:cs typeface="+mn-cs"/>
+              </a:rPr>
+              <a:t> ，</a:t>
+            </a:r>
+            <a:r>
+              <a:rPr lang="en-US" altLang="zh-CN" dirty="0"/>
+              <a:t>cp</a:t>
+            </a:r>
+            <a:r>
+              <a:rPr lang="zh-CN" altLang="en-US" sz="1200" b="0" i="0" kern="1200" dirty="0">
+                <a:solidFill>
+                  <a:schemeClr val="tx1"/>
+                </a:solidFill>
+                <a:effectLst/>
+                <a:latin typeface="+mn-lt"/>
+                <a:ea typeface="+mn-ea"/>
+                <a:cs typeface="+mn-cs"/>
+              </a:rPr>
+              <a:t> 不是一个空指针，因此 </a:t>
+            </a:r>
+            <a:r>
+              <a:rPr lang="en-US" altLang="zh-CN" dirty="0"/>
+              <a:t>cp</a:t>
+            </a:r>
+            <a:r>
+              <a:rPr lang="zh-CN" altLang="en-US" sz="1200" b="0" i="0" kern="1200" dirty="0">
+                <a:solidFill>
+                  <a:schemeClr val="tx1"/>
+                </a:solidFill>
+                <a:effectLst/>
+                <a:latin typeface="+mn-lt"/>
+                <a:ea typeface="+mn-ea"/>
+                <a:cs typeface="+mn-cs"/>
+              </a:rPr>
+              <a:t> 为真。然后判断 </a:t>
+            </a:r>
+            <a:r>
+              <a:rPr lang="zh-CN" altLang="en-US" dirty="0"/>
+              <a:t>*</a:t>
+            </a:r>
+            <a:r>
+              <a:rPr lang="en-US" altLang="zh-CN" dirty="0"/>
+              <a:t>cp</a:t>
+            </a:r>
+            <a:r>
+              <a:rPr lang="zh-CN" altLang="en-US" sz="1200" b="0" i="0" kern="1200" dirty="0">
+                <a:solidFill>
+                  <a:schemeClr val="tx1"/>
+                </a:solidFill>
+                <a:effectLst/>
+                <a:latin typeface="+mn-lt"/>
+                <a:ea typeface="+mn-ea"/>
+                <a:cs typeface="+mn-cs"/>
+              </a:rPr>
+              <a:t>，</a:t>
+            </a:r>
+            <a:r>
+              <a:rPr lang="zh-CN" altLang="en-US" dirty="0"/>
+              <a:t>*</a:t>
+            </a:r>
+            <a:r>
+              <a:rPr lang="en-US" altLang="zh-CN" dirty="0"/>
+              <a:t>cp</a:t>
+            </a:r>
+            <a:r>
+              <a:rPr lang="zh-CN" altLang="en-US" sz="1200" b="0" i="0" kern="1200" dirty="0">
+                <a:solidFill>
+                  <a:schemeClr val="tx1"/>
+                </a:solidFill>
+                <a:effectLst/>
+                <a:latin typeface="+mn-lt"/>
+                <a:ea typeface="+mn-ea"/>
+                <a:cs typeface="+mn-cs"/>
+              </a:rPr>
+              <a:t> 的值是字符 </a:t>
+            </a:r>
+            <a:r>
+              <a:rPr lang="en-US" altLang="zh-CN" sz="1200" b="0" i="0" kern="1200" dirty="0">
+                <a:solidFill>
+                  <a:schemeClr val="tx1"/>
+                </a:solidFill>
+                <a:effectLst/>
+                <a:latin typeface="+mn-lt"/>
+                <a:ea typeface="+mn-ea"/>
+                <a:cs typeface="+mn-cs"/>
+              </a:rPr>
+              <a:t>'H'</a:t>
+            </a:r>
+            <a:r>
+              <a:rPr lang="zh-CN" altLang="en-US" sz="1200" b="0" i="0" kern="1200" dirty="0">
+                <a:solidFill>
+                  <a:schemeClr val="tx1"/>
+                </a:solidFill>
+                <a:effectLst/>
+                <a:latin typeface="+mn-lt"/>
+                <a:ea typeface="+mn-ea"/>
+                <a:cs typeface="+mn-cs"/>
+              </a:rPr>
+              <a:t>，非</a:t>
+            </a:r>
+            <a:r>
+              <a:rPr lang="en-US" altLang="zh-CN" sz="1200" b="0" i="0" kern="1200" dirty="0">
+                <a:solidFill>
+                  <a:schemeClr val="tx1"/>
+                </a:solidFill>
+                <a:effectLst/>
+                <a:latin typeface="+mn-lt"/>
+                <a:ea typeface="+mn-ea"/>
+                <a:cs typeface="+mn-cs"/>
+              </a:rPr>
+              <a:t>0</a:t>
+            </a:r>
+            <a:r>
+              <a:rPr lang="zh-CN" altLang="en-US" sz="1200" b="0" i="0" kern="1200" dirty="0">
+                <a:solidFill>
+                  <a:schemeClr val="tx1"/>
+                </a:solidFill>
+                <a:effectLst/>
+                <a:latin typeface="+mn-lt"/>
+                <a:ea typeface="+mn-ea"/>
+                <a:cs typeface="+mn-cs"/>
+              </a:rPr>
+              <a:t>。因此最后的结果为真。</a:t>
+            </a:r>
+            <a:endParaRPr lang="en-US" altLang="zh-CN" sz="1200" dirty="0"/>
+          </a:p>
+        </p:txBody>
+      </p:sp>
+      <p:sp>
+        <p:nvSpPr>
+          <p:cNvPr id="4" name="灯片编号占位符 3"/>
+          <p:cNvSpPr>
+            <a:spLocks noGrp="1"/>
+          </p:cNvSpPr>
+          <p:nvPr>
+            <p:ph type="sldNum" sz="quarter" idx="5"/>
+          </p:nvPr>
+        </p:nvSpPr>
+        <p:spPr/>
+        <p:txBody>
+          <a:bodyPr/>
+          <a:lstStyle/>
+          <a:p>
+            <a:fld id="{0111EF2A-CA54-46BA-9D19-E4C580B41F03}" type="slidenum">
+              <a:rPr lang="zh-CN" altLang="en-US" smtClean="0"/>
+              <a:t>24</a:t>
+            </a:fld>
+            <a:endParaRPr lang="zh-CN" altLang="en-US"/>
+          </a:p>
+        </p:txBody>
+      </p:sp>
+    </p:spTree>
+    <p:extLst>
+      <p:ext uri="{BB962C8B-B14F-4D97-AF65-F5344CB8AC3E}">
+        <p14:creationId xmlns:p14="http://schemas.microsoft.com/office/powerpoint/2010/main" val="4256785254"/>
+      </p:ext>
+    </p:extLst>
+  </p:cSld>
+  <p:clrMapOvr>
+    <a:masterClrMapping/>
+  </p:clrMapOvr>
+</p:notes>
+</file>
+
 <file path=ppt/notesSlides/notesSlide3.xml><?xml version="1.0" encoding="utf-8"?>
 <p:notes xmlns:a="http://schemas.openxmlformats.org/drawingml/2006/main" xmlns:r="http://schemas.openxmlformats.org/officeDocument/2006/relationships" xmlns:p="http://schemas.openxmlformats.org/presentationml/2006/main">
   <p:cSld>
@@ -3955,7 +4421,7 @@
           <a:p>
             <a:fld id="{5A1740DE-654B-48BB-A6EB-4DD86D9E78E3}" type="datetimeFigureOut">
               <a:rPr lang="zh-CN" altLang="en-US" smtClean="0"/>
-              <a:t>2023/12/15</a:t>
+              <a:t>2023/12/20</a:t>
             </a:fld>
             <a:endParaRPr lang="zh-CN" altLang="en-US"/>
           </a:p>
@@ -4153,7 +4619,7 @@
           <a:p>
             <a:fld id="{5A1740DE-654B-48BB-A6EB-4DD86D9E78E3}" type="datetimeFigureOut">
               <a:rPr lang="zh-CN" altLang="en-US" smtClean="0"/>
-              <a:t>2023/12/15</a:t>
+              <a:t>2023/12/20</a:t>
             </a:fld>
             <a:endParaRPr lang="zh-CN" altLang="en-US"/>
           </a:p>
@@ -4361,7 +4827,7 @@
           <a:p>
             <a:fld id="{5A1740DE-654B-48BB-A6EB-4DD86D9E78E3}" type="datetimeFigureOut">
               <a:rPr lang="zh-CN" altLang="en-US" smtClean="0"/>
-              <a:t>2023/12/15</a:t>
+              <a:t>2023/12/20</a:t>
             </a:fld>
             <a:endParaRPr lang="zh-CN" altLang="en-US"/>
           </a:p>
@@ -4559,7 +5025,7 @@
           <a:p>
             <a:fld id="{5A1740DE-654B-48BB-A6EB-4DD86D9E78E3}" type="datetimeFigureOut">
               <a:rPr lang="zh-CN" altLang="en-US" smtClean="0"/>
-              <a:t>2023/12/15</a:t>
+              <a:t>2023/12/20</a:t>
             </a:fld>
             <a:endParaRPr lang="zh-CN" altLang="en-US"/>
           </a:p>
@@ -4834,7 +5300,7 @@
           <a:p>
             <a:fld id="{5A1740DE-654B-48BB-A6EB-4DD86D9E78E3}" type="datetimeFigureOut">
               <a:rPr lang="zh-CN" altLang="en-US" smtClean="0"/>
-              <a:t>2023/12/15</a:t>
+              <a:t>2023/12/20</a:t>
             </a:fld>
             <a:endParaRPr lang="zh-CN" altLang="en-US"/>
           </a:p>
@@ -5099,7 +5565,7 @@
           <a:p>
             <a:fld id="{5A1740DE-654B-48BB-A6EB-4DD86D9E78E3}" type="datetimeFigureOut">
               <a:rPr lang="zh-CN" altLang="en-US" smtClean="0"/>
-              <a:t>2023/12/15</a:t>
+              <a:t>2023/12/20</a:t>
             </a:fld>
             <a:endParaRPr lang="zh-CN" altLang="en-US"/>
           </a:p>
@@ -5511,7 +5977,7 @@
           <a:p>
             <a:fld id="{5A1740DE-654B-48BB-A6EB-4DD86D9E78E3}" type="datetimeFigureOut">
               <a:rPr lang="zh-CN" altLang="en-US" smtClean="0"/>
-              <a:t>2023/12/15</a:t>
+              <a:t>2023/12/20</a:t>
             </a:fld>
             <a:endParaRPr lang="zh-CN" altLang="en-US"/>
           </a:p>
@@ -5652,7 +6118,7 @@
           <a:p>
             <a:fld id="{5A1740DE-654B-48BB-A6EB-4DD86D9E78E3}" type="datetimeFigureOut">
               <a:rPr lang="zh-CN" altLang="en-US" smtClean="0"/>
-              <a:t>2023/12/15</a:t>
+              <a:t>2023/12/20</a:t>
             </a:fld>
             <a:endParaRPr lang="zh-CN" altLang="en-US"/>
           </a:p>
@@ -5765,7 +6231,7 @@
           <a:p>
             <a:fld id="{5A1740DE-654B-48BB-A6EB-4DD86D9E78E3}" type="datetimeFigureOut">
               <a:rPr lang="zh-CN" altLang="en-US" smtClean="0"/>
-              <a:t>2023/12/15</a:t>
+              <a:t>2023/12/20</a:t>
             </a:fld>
             <a:endParaRPr lang="zh-CN" altLang="en-US"/>
           </a:p>
@@ -6076,7 +6542,7 @@
           <a:p>
             <a:fld id="{5A1740DE-654B-48BB-A6EB-4DD86D9E78E3}" type="datetimeFigureOut">
               <a:rPr lang="zh-CN" altLang="en-US" smtClean="0"/>
-              <a:t>2023/12/15</a:t>
+              <a:t>2023/12/20</a:t>
             </a:fld>
             <a:endParaRPr lang="zh-CN" altLang="en-US"/>
           </a:p>
@@ -6364,7 +6830,7 @@
           <a:p>
             <a:fld id="{5A1740DE-654B-48BB-A6EB-4DD86D9E78E3}" type="datetimeFigureOut">
               <a:rPr lang="zh-CN" altLang="en-US" smtClean="0"/>
-              <a:t>2023/12/15</a:t>
+              <a:t>2023/12/20</a:t>
             </a:fld>
             <a:endParaRPr lang="zh-CN" altLang="en-US"/>
           </a:p>
@@ -6605,7 +7071,7 @@
           <a:p>
             <a:fld id="{5A1740DE-654B-48BB-A6EB-4DD86D9E78E3}" type="datetimeFigureOut">
               <a:rPr lang="zh-CN" altLang="en-US" smtClean="0"/>
-              <a:t>2023/12/15</a:t>
+              <a:t>2023/12/20</a:t>
             </a:fld>
             <a:endParaRPr lang="zh-CN" altLang="en-US"/>
           </a:p>
@@ -9484,8 +9950,8 @@
         </p:nvSpPr>
         <p:spPr>
           <a:xfrm>
-            <a:off x="4334270" y="1722872"/>
-            <a:ext cx="7511653" cy="1698029"/>
+            <a:off x="4162172" y="1731185"/>
+            <a:ext cx="7511653" cy="2806025"/>
           </a:xfrm>
           <a:prstGeom prst="rect">
             <a:avLst/>
@@ -9544,6 +10010,57 @@
                 <a:latin typeface="+mn-ea"/>
               </a:rPr>
               <a:t>对象的内容，检验程序是否正确。</a:t>
+            </a:r>
+            <a:endParaRPr lang="en-US" altLang="zh-CN" sz="2400" dirty="0">
+              <a:latin typeface="+mn-ea"/>
+            </a:endParaRPr>
+          </a:p>
+          <a:p>
+            <a:pPr>
+              <a:lnSpc>
+                <a:spcPct val="150000"/>
+              </a:lnSpc>
+            </a:pPr>
+            <a:endParaRPr lang="en-US" altLang="zh-CN" sz="2400" b="0" i="0" dirty="0">
+              <a:effectLst/>
+              <a:latin typeface="+mn-ea"/>
+            </a:endParaRPr>
+          </a:p>
+          <a:p>
+            <a:pPr>
+              <a:lnSpc>
+                <a:spcPct val="150000"/>
+              </a:lnSpc>
+            </a:pPr>
+            <a:r>
+              <a:rPr lang="zh-CN" altLang="en-US" sz="2400" dirty="0">
+                <a:latin typeface="+mn-ea"/>
+              </a:rPr>
+              <a:t>循环采用范围</a:t>
+            </a:r>
+            <a:r>
+              <a:rPr lang="en-US" altLang="zh-CN" sz="2400" dirty="0">
+                <a:latin typeface="+mn-ea"/>
+              </a:rPr>
+              <a:t>for</a:t>
+            </a:r>
+            <a:r>
+              <a:rPr lang="zh-CN" altLang="en-US" sz="2400" dirty="0">
+                <a:latin typeface="+mn-ea"/>
+              </a:rPr>
+              <a:t>和普通</a:t>
+            </a:r>
+            <a:r>
+              <a:rPr lang="en-US" altLang="zh-CN" sz="2400" dirty="0">
+                <a:latin typeface="+mn-ea"/>
+              </a:rPr>
+              <a:t>for</a:t>
+            </a:r>
+            <a:r>
+              <a:rPr lang="zh-CN" altLang="en-US" sz="2400" dirty="0">
+                <a:latin typeface="+mn-ea"/>
+              </a:rPr>
+              <a:t>两种方式实现</a:t>
             </a:r>
             <a:endParaRPr lang="en-US" altLang="zh-CN" sz="2400" b="0" i="0" dirty="0">
               <a:effectLst/>
@@ -9792,12 +10309,179 @@
           <a:chExt cx="0" cy="0"/>
         </a:xfrm>
       </p:grpSpPr>
+    </p:spTree>
+    <p:extLst>
+      <p:ext uri="{BB962C8B-B14F-4D97-AF65-F5344CB8AC3E}">
+        <p14:creationId xmlns:p14="http://schemas.microsoft.com/office/powerpoint/2010/main" val="3320371402"/>
+      </p:ext>
+    </p:extLst>
+  </p:cSld>
+  <p:clrMapOvr>
+    <a:masterClrMapping/>
+  </p:clrMapOvr>
+</p:sld>
+</file>
+
+<file path=ppt/slides/slide23.xml><?xml version="1.0" encoding="utf-8"?>
+<p:sld xmlns:a="http://schemas.openxmlformats.org/drawingml/2006/main" xmlns:r="http://schemas.openxmlformats.org/officeDocument/2006/relationships" xmlns:p="http://schemas.openxmlformats.org/presentationml/2006/main">
+  <p:cSld>
+    <p:spTree>
+      <p:nvGrpSpPr>
+        <p:cNvPr id="1" name=""/>
+        <p:cNvGrpSpPr/>
+        <p:nvPr/>
+      </p:nvGrpSpPr>
+      <p:grpSpPr>
+        <a:xfrm>
+          <a:off x="0" y="0"/>
+          <a:ext cx="0" cy="0"/>
+          <a:chOff x="0" y="0"/>
+          <a:chExt cx="0" cy="0"/>
+        </a:xfrm>
+      </p:grpSpPr>
+      <p:sp>
+        <p:nvSpPr>
+          <p:cNvPr id="8" name="文本框 7">
+            <a:extLst>
+              <a:ext uri="{FF2B5EF4-FFF2-40B4-BE49-F238E27FC236}">
+                <a16:creationId xmlns:a16="http://schemas.microsoft.com/office/drawing/2014/main" id="{173B5B89-5235-4C07-99A2-AC5672E77337}"/>
+              </a:ext>
+            </a:extLst>
+          </p:cNvPr>
+          <p:cNvSpPr txBox="1"/>
+          <p:nvPr/>
+        </p:nvSpPr>
+        <p:spPr>
+          <a:xfrm>
+            <a:off x="215448" y="169110"/>
+            <a:ext cx="11169000" cy="1200329"/>
+          </a:xfrm>
+          <a:prstGeom prst="rect">
+            <a:avLst/>
+          </a:prstGeom>
+          <a:noFill/>
+        </p:spPr>
+        <p:txBody>
+          <a:bodyPr wrap="square" rtlCol="0">
+            <a:spAutoFit/>
+          </a:bodyPr>
+          <a:lstStyle/>
+          <a:p>
+            <a:r>
+              <a:rPr lang="en-US" altLang="zh-CN" sz="7200" b="1" dirty="0">
+                <a:latin typeface="+mn-ea"/>
+              </a:rPr>
+              <a:t>exercise4.1: if</a:t>
+            </a:r>
+            <a:r>
+              <a:rPr lang="zh-CN" altLang="en-US" sz="7200" b="1" dirty="0">
+                <a:latin typeface="+mn-ea"/>
+              </a:rPr>
+              <a:t>语句</a:t>
+            </a:r>
+          </a:p>
+        </p:txBody>
+      </p:sp>
+      <p:sp>
+        <p:nvSpPr>
+          <p:cNvPr id="6" name="文本框 5">
+            <a:extLst>
+              <a:ext uri="{FF2B5EF4-FFF2-40B4-BE49-F238E27FC236}">
+                <a16:creationId xmlns:a16="http://schemas.microsoft.com/office/drawing/2014/main" id="{2D4F4C79-08EF-5BD3-BF52-34ECCD733770}"/>
+              </a:ext>
+            </a:extLst>
+          </p:cNvPr>
+          <p:cNvSpPr txBox="1"/>
+          <p:nvPr/>
+        </p:nvSpPr>
+        <p:spPr>
+          <a:xfrm>
+            <a:off x="4334270" y="1722872"/>
+            <a:ext cx="7511653" cy="2252027"/>
+          </a:xfrm>
+          <a:prstGeom prst="rect">
+            <a:avLst/>
+          </a:prstGeom>
+          <a:noFill/>
+        </p:spPr>
+        <p:txBody>
+          <a:bodyPr wrap="square">
+            <a:spAutoFit/>
+          </a:bodyPr>
+          <a:lstStyle/>
+          <a:p>
+            <a:pPr>
+              <a:lnSpc>
+                <a:spcPct val="150000"/>
+              </a:lnSpc>
+            </a:pPr>
+            <a:r>
+              <a:rPr lang="zh-CN" altLang="en-US" sz="2400" dirty="0">
+                <a:latin typeface="+mn-ea"/>
+              </a:rPr>
+              <a:t>解释在下面的 </a:t>
+            </a:r>
+            <a:r>
+              <a:rPr lang="en-US" altLang="zh-CN" sz="2400" dirty="0">
+                <a:latin typeface="+mn-ea"/>
+              </a:rPr>
+              <a:t>if </a:t>
+            </a:r>
+            <a:r>
+              <a:rPr lang="zh-CN" altLang="en-US" sz="2400" dirty="0">
+                <a:latin typeface="+mn-ea"/>
+              </a:rPr>
+              <a:t>语句中条件部分的判断过程。</a:t>
+            </a:r>
+          </a:p>
+          <a:p>
+            <a:pPr>
+              <a:lnSpc>
+                <a:spcPct val="150000"/>
+              </a:lnSpc>
+            </a:pPr>
+            <a:endParaRPr lang="zh-CN" altLang="en-US" sz="2400" dirty="0">
+              <a:latin typeface="+mn-ea"/>
+            </a:endParaRPr>
+          </a:p>
+          <a:p>
+            <a:pPr>
+              <a:lnSpc>
+                <a:spcPct val="150000"/>
+              </a:lnSpc>
+            </a:pPr>
+            <a:r>
+              <a:rPr lang="en-US" altLang="zh-CN" sz="2400" dirty="0">
+                <a:latin typeface="+mn-ea"/>
+              </a:rPr>
+              <a:t>const char *cp = "Hello World";</a:t>
+            </a:r>
+          </a:p>
+          <a:p>
+            <a:pPr>
+              <a:lnSpc>
+                <a:spcPct val="150000"/>
+              </a:lnSpc>
+            </a:pPr>
+            <a:r>
+              <a:rPr lang="en-US" altLang="zh-CN" sz="2400" dirty="0">
+                <a:latin typeface="+mn-ea"/>
+              </a:rPr>
+              <a:t>if (cp &amp;&amp; *cp)</a:t>
+            </a:r>
+            <a:endParaRPr lang="en-US" altLang="zh-CN" sz="2400" b="0" i="0" dirty="0">
+              <a:effectLst/>
+              <a:latin typeface="+mn-ea"/>
+            </a:endParaRPr>
+          </a:p>
+        </p:txBody>
+      </p:sp>
       <p:pic>
         <p:nvPicPr>
           <p:cNvPr id="4" name="图片 3">
             <a:extLst>
               <a:ext uri="{FF2B5EF4-FFF2-40B4-BE49-F238E27FC236}">
-                <a16:creationId xmlns:a16="http://schemas.microsoft.com/office/drawing/2014/main" id="{ACDD6ED8-5B3E-4C2D-929E-D17EE56DBD33}"/>
+                <a16:creationId xmlns:a16="http://schemas.microsoft.com/office/drawing/2014/main" id="{09E97054-D472-4658-822B-8939E6B957A1}"/>
               </a:ext>
             </a:extLst>
           </p:cNvPr>
@@ -9820,8 +10504,8 @@
         </p:blipFill>
         <p:spPr>
           <a:xfrm>
-            <a:off x="306749" y="687858"/>
-            <a:ext cx="2381250" cy="2457450"/>
+            <a:off x="215448" y="1423155"/>
+            <a:ext cx="3358752" cy="3358752"/>
           </a:xfrm>
           <a:prstGeom prst="rect">
             <a:avLst/>
@@ -9831,7 +10515,210 @@
     </p:spTree>
     <p:extLst>
       <p:ext uri="{BB962C8B-B14F-4D97-AF65-F5344CB8AC3E}">
-        <p14:creationId xmlns:p14="http://schemas.microsoft.com/office/powerpoint/2010/main" val="3320371402"/>
+        <p14:creationId xmlns:p14="http://schemas.microsoft.com/office/powerpoint/2010/main" val="960676803"/>
+      </p:ext>
+    </p:extLst>
+  </p:cSld>
+  <p:clrMapOvr>
+    <a:masterClrMapping/>
+  </p:clrMapOvr>
+</p:sld>
+</file>
+
+<file path=ppt/slides/slide24.xml><?xml version="1.0" encoding="utf-8"?>
+<p:sld xmlns:a="http://schemas.openxmlformats.org/drawingml/2006/main" xmlns:r="http://schemas.openxmlformats.org/officeDocument/2006/relationships" xmlns:p="http://schemas.openxmlformats.org/presentationml/2006/main">
+  <p:cSld>
+    <p:spTree>
+      <p:nvGrpSpPr>
+        <p:cNvPr id="1" name=""/>
+        <p:cNvGrpSpPr/>
+        <p:nvPr/>
+      </p:nvGrpSpPr>
+      <p:grpSpPr>
+        <a:xfrm>
+          <a:off x="0" y="0"/>
+          <a:ext cx="0" cy="0"/>
+          <a:chOff x="0" y="0"/>
+          <a:chExt cx="0" cy="0"/>
+        </a:xfrm>
+      </p:grpSpPr>
+      <p:sp>
+        <p:nvSpPr>
+          <p:cNvPr id="8" name="文本框 7">
+            <a:extLst>
+              <a:ext uri="{FF2B5EF4-FFF2-40B4-BE49-F238E27FC236}">
+                <a16:creationId xmlns:a16="http://schemas.microsoft.com/office/drawing/2014/main" id="{173B5B89-5235-4C07-99A2-AC5672E77337}"/>
+              </a:ext>
+            </a:extLst>
+          </p:cNvPr>
+          <p:cNvSpPr txBox="1"/>
+          <p:nvPr/>
+        </p:nvSpPr>
+        <p:spPr>
+          <a:xfrm>
+            <a:off x="215448" y="169110"/>
+            <a:ext cx="11169000" cy="1200329"/>
+          </a:xfrm>
+          <a:prstGeom prst="rect">
+            <a:avLst/>
+          </a:prstGeom>
+          <a:noFill/>
+        </p:spPr>
+        <p:txBody>
+          <a:bodyPr wrap="square" rtlCol="0">
+            <a:spAutoFit/>
+          </a:bodyPr>
+          <a:lstStyle/>
+          <a:p>
+            <a:r>
+              <a:rPr lang="en-US" altLang="zh-CN" sz="7200" b="1" dirty="0">
+                <a:latin typeface="+mn-ea"/>
+              </a:rPr>
+              <a:t>exercise4.2: if</a:t>
+            </a:r>
+            <a:r>
+              <a:rPr lang="zh-CN" altLang="en-US" sz="7200" b="1" dirty="0">
+                <a:latin typeface="+mn-ea"/>
+              </a:rPr>
+              <a:t>语句</a:t>
+            </a:r>
+          </a:p>
+        </p:txBody>
+      </p:sp>
+      <p:sp>
+        <p:nvSpPr>
+          <p:cNvPr id="6" name="文本框 5">
+            <a:extLst>
+              <a:ext uri="{FF2B5EF4-FFF2-40B4-BE49-F238E27FC236}">
+                <a16:creationId xmlns:a16="http://schemas.microsoft.com/office/drawing/2014/main" id="{2D4F4C79-08EF-5BD3-BF52-34ECCD733770}"/>
+              </a:ext>
+            </a:extLst>
+          </p:cNvPr>
+          <p:cNvSpPr txBox="1"/>
+          <p:nvPr/>
+        </p:nvSpPr>
+        <p:spPr>
+          <a:xfrm>
+            <a:off x="4334270" y="1722872"/>
+            <a:ext cx="7511653" cy="2252027"/>
+          </a:xfrm>
+          <a:prstGeom prst="rect">
+            <a:avLst/>
+          </a:prstGeom>
+          <a:noFill/>
+        </p:spPr>
+        <p:txBody>
+          <a:bodyPr wrap="square">
+            <a:spAutoFit/>
+          </a:bodyPr>
+          <a:lstStyle/>
+          <a:p>
+            <a:pPr>
+              <a:lnSpc>
+                <a:spcPct val="150000"/>
+              </a:lnSpc>
+            </a:pPr>
+            <a:r>
+              <a:rPr lang="zh-CN" altLang="en-US" sz="2400" dirty="0">
+                <a:latin typeface="+mn-ea"/>
+              </a:rPr>
+              <a:t>解释在下面的 </a:t>
+            </a:r>
+            <a:r>
+              <a:rPr lang="en-US" altLang="zh-CN" sz="2400" dirty="0">
+                <a:latin typeface="+mn-ea"/>
+              </a:rPr>
+              <a:t>if </a:t>
+            </a:r>
+            <a:r>
+              <a:rPr lang="zh-CN" altLang="en-US" sz="2400" dirty="0">
+                <a:latin typeface="+mn-ea"/>
+              </a:rPr>
+              <a:t>语句中条件部分的判断过程。</a:t>
+            </a:r>
+          </a:p>
+          <a:p>
+            <a:pPr>
+              <a:lnSpc>
+                <a:spcPct val="150000"/>
+              </a:lnSpc>
+            </a:pPr>
+            <a:endParaRPr lang="zh-CN" altLang="en-US" sz="2400" dirty="0">
+              <a:latin typeface="+mn-ea"/>
+            </a:endParaRPr>
+          </a:p>
+          <a:p>
+            <a:pPr>
+              <a:lnSpc>
+                <a:spcPct val="150000"/>
+              </a:lnSpc>
+            </a:pPr>
+            <a:r>
+              <a:rPr lang="en-US" altLang="zh-CN" sz="2400" dirty="0">
+                <a:latin typeface="+mn-ea"/>
+              </a:rPr>
+              <a:t>const char *cp = "Hello World";</a:t>
+            </a:r>
+          </a:p>
+          <a:p>
+            <a:pPr>
+              <a:lnSpc>
+                <a:spcPct val="150000"/>
+              </a:lnSpc>
+            </a:pPr>
+            <a:r>
+              <a:rPr lang="en-US" altLang="zh-CN" sz="2400" dirty="0">
+                <a:latin typeface="+mn-ea"/>
+              </a:rPr>
+              <a:t>if (cp &amp;&amp; *cp)</a:t>
+            </a:r>
+            <a:endParaRPr lang="en-US" altLang="zh-CN" sz="2400" b="0" i="0" dirty="0">
+              <a:effectLst/>
+              <a:latin typeface="+mn-ea"/>
+            </a:endParaRPr>
+          </a:p>
+        </p:txBody>
+      </p:sp>
+      <p:pic>
+        <p:nvPicPr>
+          <p:cNvPr id="4" name="图片 3">
+            <a:extLst>
+              <a:ext uri="{FF2B5EF4-FFF2-40B4-BE49-F238E27FC236}">
+                <a16:creationId xmlns:a16="http://schemas.microsoft.com/office/drawing/2014/main" id="{09E97054-D472-4658-822B-8939E6B957A1}"/>
+              </a:ext>
+            </a:extLst>
+          </p:cNvPr>
+          <p:cNvPicPr>
+            <a:picLocks noChangeAspect="1"/>
+          </p:cNvPicPr>
+          <p:nvPr/>
+        </p:nvPicPr>
+        <p:blipFill>
+          <a:blip r:embed="rId3">
+            <a:extLst>
+              <a:ext uri="{28A0092B-C50C-407E-A947-70E740481C1C}">
+                <a14:useLocalDpi xmlns:a14="http://schemas.microsoft.com/office/drawing/2010/main" val="0"/>
+              </a:ext>
+            </a:extLst>
+          </a:blip>
+          <a:stretch>
+            <a:fillRect/>
+          </a:stretch>
+        </p:blipFill>
+        <p:spPr>
+          <a:xfrm>
+            <a:off x="215448" y="1423155"/>
+            <a:ext cx="3358752" cy="3358752"/>
+          </a:xfrm>
+          <a:prstGeom prst="rect">
+            <a:avLst/>
+          </a:prstGeom>
+        </p:spPr>
+      </p:pic>
+    </p:spTree>
+    <p:extLst>
+      <p:ext uri="{BB962C8B-B14F-4D97-AF65-F5344CB8AC3E}">
+        <p14:creationId xmlns:p14="http://schemas.microsoft.com/office/powerpoint/2010/main" val="850559225"/>
       </p:ext>
     </p:extLst>
   </p:cSld>

--- a/C++课件.pptx
+++ b/C++课件.pptx
@@ -5,7 +5,7 @@
     <p:sldMasterId id="2147483648" r:id="rId1"/>
   </p:sldMasterIdLst>
   <p:notesMasterIdLst>
-    <p:notesMasterId r:id="rId26"/>
+    <p:notesMasterId r:id="rId34"/>
   </p:notesMasterIdLst>
   <p:sldIdLst>
     <p:sldId id="256" r:id="rId2"/>
@@ -29,9 +29,17 @@
     <p:sldId id="290" r:id="rId20"/>
     <p:sldId id="291" r:id="rId21"/>
     <p:sldId id="292" r:id="rId22"/>
-    <p:sldId id="263" r:id="rId23"/>
+    <p:sldId id="303" r:id="rId23"/>
     <p:sldId id="294" r:id="rId24"/>
     <p:sldId id="295" r:id="rId25"/>
+    <p:sldId id="304" r:id="rId26"/>
+    <p:sldId id="296" r:id="rId27"/>
+    <p:sldId id="297" r:id="rId28"/>
+    <p:sldId id="298" r:id="rId29"/>
+    <p:sldId id="299" r:id="rId30"/>
+    <p:sldId id="300" r:id="rId31"/>
+    <p:sldId id="301" r:id="rId32"/>
+    <p:sldId id="302" r:id="rId33"/>
   </p:sldIdLst>
   <p:sldSz cx="12192000" cy="6858000"/>
   <p:notesSz cx="6858000" cy="9144000"/>
@@ -220,7 +228,7 @@
           <a:p>
             <a:fld id="{C763DFBC-BC7B-44D2-9277-A1640CE38A00}" type="datetimeFigureOut">
               <a:rPr lang="zh-CN" altLang="en-US" smtClean="0"/>
-              <a:t>2023/12/20</a:t>
+              <a:t>2023/12/21</a:t>
             </a:fld>
             <a:endParaRPr lang="zh-CN" altLang="en-US"/>
           </a:p>
@@ -2470,7 +2478,155 @@
           <a:bodyPr/>
           <a:lstStyle/>
           <a:p>
-            <a:endParaRPr lang="zh-CN" altLang="en-US" dirty="0"/>
+            <a:r>
+              <a:rPr lang="zh-CN" altLang="en-US" sz="1200" b="0" i="0" kern="1200" dirty="0">
+                <a:solidFill>
+                  <a:schemeClr val="tx1"/>
+                </a:solidFill>
+                <a:effectLst/>
+                <a:latin typeface="+mn-lt"/>
+                <a:ea typeface="+mn-ea"/>
+                <a:cs typeface="+mn-cs"/>
+              </a:rPr>
+              <a:t>首先判断 </a:t>
+            </a:r>
+            <a:r>
+              <a:rPr lang="en-US" altLang="zh-CN" dirty="0"/>
+              <a:t>cp</a:t>
+            </a:r>
+            <a:r>
+              <a:rPr lang="zh-CN" altLang="en-US" sz="1200" b="0" i="0" kern="1200" dirty="0">
+                <a:solidFill>
+                  <a:schemeClr val="tx1"/>
+                </a:solidFill>
+                <a:effectLst/>
+                <a:latin typeface="+mn-lt"/>
+                <a:ea typeface="+mn-ea"/>
+                <a:cs typeface="+mn-cs"/>
+              </a:rPr>
+              <a:t> ，</a:t>
+            </a:r>
+            <a:r>
+              <a:rPr lang="en-US" altLang="zh-CN" dirty="0"/>
+              <a:t>cp</a:t>
+            </a:r>
+            <a:r>
+              <a:rPr lang="zh-CN" altLang="en-US" sz="1200" b="0" i="0" kern="1200" dirty="0">
+                <a:solidFill>
+                  <a:schemeClr val="tx1"/>
+                </a:solidFill>
+                <a:effectLst/>
+                <a:latin typeface="+mn-lt"/>
+                <a:ea typeface="+mn-ea"/>
+                <a:cs typeface="+mn-cs"/>
+              </a:rPr>
+              <a:t> 不是一个空指针，因此 </a:t>
+            </a:r>
+            <a:r>
+              <a:rPr lang="en-US" altLang="zh-CN" dirty="0"/>
+              <a:t>cp</a:t>
+            </a:r>
+            <a:r>
+              <a:rPr lang="zh-CN" altLang="en-US" sz="1200" b="0" i="0" kern="1200" dirty="0">
+                <a:solidFill>
+                  <a:schemeClr val="tx1"/>
+                </a:solidFill>
+                <a:effectLst/>
+                <a:latin typeface="+mn-lt"/>
+                <a:ea typeface="+mn-ea"/>
+                <a:cs typeface="+mn-cs"/>
+              </a:rPr>
+              <a:t> 为真。然后判断 </a:t>
+            </a:r>
+            <a:r>
+              <a:rPr lang="zh-CN" altLang="en-US" dirty="0"/>
+              <a:t>*</a:t>
+            </a:r>
+            <a:r>
+              <a:rPr lang="en-US" altLang="zh-CN" dirty="0"/>
+              <a:t>cp</a:t>
+            </a:r>
+            <a:r>
+              <a:rPr lang="zh-CN" altLang="en-US" sz="1200" b="0" i="0" kern="1200" dirty="0">
+                <a:solidFill>
+                  <a:schemeClr val="tx1"/>
+                </a:solidFill>
+                <a:effectLst/>
+                <a:latin typeface="+mn-lt"/>
+                <a:ea typeface="+mn-ea"/>
+                <a:cs typeface="+mn-cs"/>
+              </a:rPr>
+              <a:t>，</a:t>
+            </a:r>
+            <a:r>
+              <a:rPr lang="zh-CN" altLang="en-US" dirty="0"/>
+              <a:t>*</a:t>
+            </a:r>
+            <a:r>
+              <a:rPr lang="en-US" altLang="zh-CN" dirty="0"/>
+              <a:t>cp</a:t>
+            </a:r>
+            <a:r>
+              <a:rPr lang="zh-CN" altLang="en-US" sz="1200" b="0" i="0" kern="1200" dirty="0">
+                <a:solidFill>
+                  <a:schemeClr val="tx1"/>
+                </a:solidFill>
+                <a:effectLst/>
+                <a:latin typeface="+mn-lt"/>
+                <a:ea typeface="+mn-ea"/>
+                <a:cs typeface="+mn-cs"/>
+              </a:rPr>
+              <a:t> 的值是字符 </a:t>
+            </a:r>
+            <a:r>
+              <a:rPr lang="en-US" altLang="zh-CN" sz="1200" b="0" i="0" kern="1200" dirty="0">
+                <a:solidFill>
+                  <a:schemeClr val="tx1"/>
+                </a:solidFill>
+                <a:effectLst/>
+                <a:latin typeface="+mn-lt"/>
+                <a:ea typeface="+mn-ea"/>
+                <a:cs typeface="+mn-cs"/>
+              </a:rPr>
+              <a:t>'H'</a:t>
+            </a:r>
+            <a:r>
+              <a:rPr lang="zh-CN" altLang="en-US" sz="1200" b="0" i="0" kern="1200" dirty="0">
+                <a:solidFill>
+                  <a:schemeClr val="tx1"/>
+                </a:solidFill>
+                <a:effectLst/>
+                <a:latin typeface="+mn-lt"/>
+                <a:ea typeface="+mn-ea"/>
+                <a:cs typeface="+mn-cs"/>
+              </a:rPr>
+              <a:t>，非</a:t>
+            </a:r>
+            <a:r>
+              <a:rPr lang="en-US" altLang="zh-CN" sz="1200" b="0" i="0" kern="1200" dirty="0">
+                <a:solidFill>
+                  <a:schemeClr val="tx1"/>
+                </a:solidFill>
+                <a:effectLst/>
+                <a:latin typeface="+mn-lt"/>
+                <a:ea typeface="+mn-ea"/>
+                <a:cs typeface="+mn-cs"/>
+              </a:rPr>
+              <a:t>0</a:t>
+            </a:r>
+            <a:r>
+              <a:rPr lang="zh-CN" altLang="en-US" sz="1200" b="0" i="0" kern="1200" dirty="0">
+                <a:solidFill>
+                  <a:schemeClr val="tx1"/>
+                </a:solidFill>
+                <a:effectLst/>
+                <a:latin typeface="+mn-lt"/>
+                <a:ea typeface="+mn-ea"/>
+                <a:cs typeface="+mn-cs"/>
+              </a:rPr>
+              <a:t>。因此最后的结果为真。</a:t>
+            </a:r>
+            <a:endParaRPr lang="en-US" altLang="zh-CN" sz="1200" dirty="0"/>
           </a:p>
         </p:txBody>
       </p:sp>
@@ -2500,7 +2656,7 @@
     </p:spTree>
     <p:extLst>
       <p:ext uri="{BB962C8B-B14F-4D97-AF65-F5344CB8AC3E}">
-        <p14:creationId xmlns:p14="http://schemas.microsoft.com/office/powerpoint/2010/main" val="2881975851"/>
+        <p14:creationId xmlns:p14="http://schemas.microsoft.com/office/powerpoint/2010/main" val="3470089898"/>
       </p:ext>
     </p:extLst>
   </p:cSld>
@@ -2871,152 +3027,8 @@
           <a:lstStyle/>
           <a:p>
             <a:r>
-              <a:rPr lang="zh-CN" altLang="en-US" sz="1200" b="0" i="0" kern="1200" dirty="0">
-                <a:solidFill>
-                  <a:schemeClr val="tx1"/>
-                </a:solidFill>
-                <a:effectLst/>
-                <a:latin typeface="+mn-lt"/>
-                <a:ea typeface="+mn-ea"/>
-                <a:cs typeface="+mn-cs"/>
-              </a:rPr>
-              <a:t>首先判断 </a:t>
-            </a:r>
-            <a:r>
               <a:rPr lang="en-US" altLang="zh-CN" dirty="0"/>
-              <a:t>cp</a:t>
-            </a:r>
-            <a:r>
-              <a:rPr lang="zh-CN" altLang="en-US" sz="1200" b="0" i="0" kern="1200" dirty="0">
-                <a:solidFill>
-                  <a:schemeClr val="tx1"/>
-                </a:solidFill>
-                <a:effectLst/>
-                <a:latin typeface="+mn-lt"/>
-                <a:ea typeface="+mn-ea"/>
-                <a:cs typeface="+mn-cs"/>
-              </a:rPr>
-              <a:t> ，</a:t>
-            </a:r>
-            <a:r>
-              <a:rPr lang="en-US" altLang="zh-CN" dirty="0"/>
-              <a:t>cp</a:t>
-            </a:r>
-            <a:r>
-              <a:rPr lang="zh-CN" altLang="en-US" sz="1200" b="0" i="0" kern="1200" dirty="0">
-                <a:solidFill>
-                  <a:schemeClr val="tx1"/>
-                </a:solidFill>
-                <a:effectLst/>
-                <a:latin typeface="+mn-lt"/>
-                <a:ea typeface="+mn-ea"/>
-                <a:cs typeface="+mn-cs"/>
-              </a:rPr>
-              <a:t> 不是一个空指针，因此 </a:t>
-            </a:r>
-            <a:r>
-              <a:rPr lang="en-US" altLang="zh-CN" dirty="0"/>
-              <a:t>cp</a:t>
-            </a:r>
-            <a:r>
-              <a:rPr lang="zh-CN" altLang="en-US" sz="1200" b="0" i="0" kern="1200" dirty="0">
-                <a:solidFill>
-                  <a:schemeClr val="tx1"/>
-                </a:solidFill>
-                <a:effectLst/>
-                <a:latin typeface="+mn-lt"/>
-                <a:ea typeface="+mn-ea"/>
-                <a:cs typeface="+mn-cs"/>
-              </a:rPr>
-              <a:t> 为真。然后判断 </a:t>
-            </a:r>
-            <a:r>
-              <a:rPr lang="zh-CN" altLang="en-US" dirty="0"/>
-              <a:t>*</a:t>
-            </a:r>
-            <a:r>
-              <a:rPr lang="en-US" altLang="zh-CN" dirty="0"/>
-              <a:t>cp</a:t>
-            </a:r>
-            <a:r>
-              <a:rPr lang="zh-CN" altLang="en-US" sz="1200" b="0" i="0" kern="1200" dirty="0">
-                <a:solidFill>
-                  <a:schemeClr val="tx1"/>
-                </a:solidFill>
-                <a:effectLst/>
-                <a:latin typeface="+mn-lt"/>
-                <a:ea typeface="+mn-ea"/>
-                <a:cs typeface="+mn-cs"/>
-              </a:rPr>
-              <a:t>，</a:t>
-            </a:r>
-            <a:r>
-              <a:rPr lang="zh-CN" altLang="en-US" dirty="0"/>
-              <a:t>*</a:t>
-            </a:r>
-            <a:r>
-              <a:rPr lang="en-US" altLang="zh-CN" dirty="0"/>
-              <a:t>cp</a:t>
-            </a:r>
-            <a:r>
-              <a:rPr lang="zh-CN" altLang="en-US" sz="1200" b="0" i="0" kern="1200" dirty="0">
-                <a:solidFill>
-                  <a:schemeClr val="tx1"/>
-                </a:solidFill>
-                <a:effectLst/>
-                <a:latin typeface="+mn-lt"/>
-                <a:ea typeface="+mn-ea"/>
-                <a:cs typeface="+mn-cs"/>
-              </a:rPr>
-              <a:t> 的值是字符 </a:t>
-            </a:r>
-            <a:r>
-              <a:rPr lang="en-US" altLang="zh-CN" sz="1200" b="0" i="0" kern="1200" dirty="0">
-                <a:solidFill>
-                  <a:schemeClr val="tx1"/>
-                </a:solidFill>
-                <a:effectLst/>
-                <a:latin typeface="+mn-lt"/>
-                <a:ea typeface="+mn-ea"/>
-                <a:cs typeface="+mn-cs"/>
-              </a:rPr>
-              <a:t>'H'</a:t>
-            </a:r>
-            <a:r>
-              <a:rPr lang="zh-CN" altLang="en-US" sz="1200" b="0" i="0" kern="1200" dirty="0">
-                <a:solidFill>
-                  <a:schemeClr val="tx1"/>
-                </a:solidFill>
-                <a:effectLst/>
-                <a:latin typeface="+mn-lt"/>
-                <a:ea typeface="+mn-ea"/>
-                <a:cs typeface="+mn-cs"/>
-              </a:rPr>
-              <a:t>，非</a:t>
-            </a:r>
-            <a:r>
-              <a:rPr lang="en-US" altLang="zh-CN" sz="1200" b="0" i="0" kern="1200" dirty="0">
-                <a:solidFill>
-                  <a:schemeClr val="tx1"/>
-                </a:solidFill>
-                <a:effectLst/>
-                <a:latin typeface="+mn-lt"/>
-                <a:ea typeface="+mn-ea"/>
-                <a:cs typeface="+mn-cs"/>
-              </a:rPr>
-              <a:t>0</a:t>
-            </a:r>
-            <a:r>
-              <a:rPr lang="zh-CN" altLang="en-US" sz="1200" b="0" i="0" kern="1200" dirty="0">
-                <a:solidFill>
-                  <a:schemeClr val="tx1"/>
-                </a:solidFill>
-                <a:effectLst/>
-                <a:latin typeface="+mn-lt"/>
-                <a:ea typeface="+mn-ea"/>
-                <a:cs typeface="+mn-cs"/>
-              </a:rPr>
-              <a:t>。因此最后的结果为真。</a:t>
+              <a:t>a&gt;b &amp;&amp; b&gt;c &amp;&amp; c&gt;d</a:t>
             </a:r>
             <a:endParaRPr lang="en-US" altLang="zh-CN" sz="1200" dirty="0"/>
           </a:p>
@@ -3049,6 +3061,2923 @@
     <p:extLst>
       <p:ext uri="{BB962C8B-B14F-4D97-AF65-F5344CB8AC3E}">
         <p14:creationId xmlns:p14="http://schemas.microsoft.com/office/powerpoint/2010/main" val="4256785254"/>
+      </p:ext>
+    </p:extLst>
+  </p:cSld>
+  <p:clrMapOvr>
+    <a:masterClrMapping/>
+  </p:clrMapOvr>
+</p:notes>
+</file>
+
+<file path=ppt/notesSlides/notesSlide22.xml><?xml version="1.0" encoding="utf-8"?>
+<p:notes xmlns:a="http://schemas.openxmlformats.org/drawingml/2006/main" xmlns:r="http://schemas.openxmlformats.org/officeDocument/2006/relationships" xmlns:p="http://schemas.openxmlformats.org/presentationml/2006/main">
+  <p:cSld>
+    <p:spTree>
+      <p:nvGrpSpPr>
+        <p:cNvPr id="1" name=""/>
+        <p:cNvGrpSpPr/>
+        <p:nvPr/>
+      </p:nvGrpSpPr>
+      <p:grpSpPr>
+        <a:xfrm>
+          <a:off x="0" y="0"/>
+          <a:ext cx="0" cy="0"/>
+          <a:chOff x="0" y="0"/>
+          <a:chExt cx="0" cy="0"/>
+        </a:xfrm>
+      </p:grpSpPr>
+      <p:sp>
+        <p:nvSpPr>
+          <p:cNvPr id="2" name="幻灯片图像占位符 1"/>
+          <p:cNvSpPr>
+            <a:spLocks noGrp="1" noRot="1" noChangeAspect="1"/>
+          </p:cNvSpPr>
+          <p:nvPr>
+            <p:ph type="sldImg"/>
+          </p:nvPr>
+        </p:nvSpPr>
+        <p:spPr/>
+      </p:sp>
+      <p:sp>
+        <p:nvSpPr>
+          <p:cNvPr id="3" name="备注占位符 2"/>
+          <p:cNvSpPr>
+            <a:spLocks noGrp="1"/>
+          </p:cNvSpPr>
+          <p:nvPr>
+            <p:ph type="body" idx="1"/>
+          </p:nvPr>
+        </p:nvSpPr>
+        <p:spPr/>
+        <p:txBody>
+          <a:bodyPr/>
+          <a:lstStyle/>
+          <a:p>
+            <a:r>
+              <a:rPr lang="zh-CN" altLang="en-US" sz="1200" b="0" i="0" kern="1200" dirty="0">
+                <a:solidFill>
+                  <a:schemeClr val="tx1"/>
+                </a:solidFill>
+                <a:effectLst/>
+                <a:latin typeface="+mn-lt"/>
+                <a:ea typeface="+mn-ea"/>
+                <a:cs typeface="+mn-cs"/>
+              </a:rPr>
+              <a:t>首先判断 </a:t>
+            </a:r>
+            <a:r>
+              <a:rPr lang="en-US" altLang="zh-CN" dirty="0"/>
+              <a:t>cp</a:t>
+            </a:r>
+            <a:r>
+              <a:rPr lang="zh-CN" altLang="en-US" sz="1200" b="0" i="0" kern="1200" dirty="0">
+                <a:solidFill>
+                  <a:schemeClr val="tx1"/>
+                </a:solidFill>
+                <a:effectLst/>
+                <a:latin typeface="+mn-lt"/>
+                <a:ea typeface="+mn-ea"/>
+                <a:cs typeface="+mn-cs"/>
+              </a:rPr>
+              <a:t> ，</a:t>
+            </a:r>
+            <a:r>
+              <a:rPr lang="en-US" altLang="zh-CN" dirty="0"/>
+              <a:t>cp</a:t>
+            </a:r>
+            <a:r>
+              <a:rPr lang="zh-CN" altLang="en-US" sz="1200" b="0" i="0" kern="1200" dirty="0">
+                <a:solidFill>
+                  <a:schemeClr val="tx1"/>
+                </a:solidFill>
+                <a:effectLst/>
+                <a:latin typeface="+mn-lt"/>
+                <a:ea typeface="+mn-ea"/>
+                <a:cs typeface="+mn-cs"/>
+              </a:rPr>
+              <a:t> 不是一个空指针，因此 </a:t>
+            </a:r>
+            <a:r>
+              <a:rPr lang="en-US" altLang="zh-CN" dirty="0"/>
+              <a:t>cp</a:t>
+            </a:r>
+            <a:r>
+              <a:rPr lang="zh-CN" altLang="en-US" sz="1200" b="0" i="0" kern="1200" dirty="0">
+                <a:solidFill>
+                  <a:schemeClr val="tx1"/>
+                </a:solidFill>
+                <a:effectLst/>
+                <a:latin typeface="+mn-lt"/>
+                <a:ea typeface="+mn-ea"/>
+                <a:cs typeface="+mn-cs"/>
+              </a:rPr>
+              <a:t> 为真。然后判断 </a:t>
+            </a:r>
+            <a:r>
+              <a:rPr lang="zh-CN" altLang="en-US" dirty="0"/>
+              <a:t>*</a:t>
+            </a:r>
+            <a:r>
+              <a:rPr lang="en-US" altLang="zh-CN" dirty="0"/>
+              <a:t>cp</a:t>
+            </a:r>
+            <a:r>
+              <a:rPr lang="zh-CN" altLang="en-US" sz="1200" b="0" i="0" kern="1200" dirty="0">
+                <a:solidFill>
+                  <a:schemeClr val="tx1"/>
+                </a:solidFill>
+                <a:effectLst/>
+                <a:latin typeface="+mn-lt"/>
+                <a:ea typeface="+mn-ea"/>
+                <a:cs typeface="+mn-cs"/>
+              </a:rPr>
+              <a:t>，</a:t>
+            </a:r>
+            <a:r>
+              <a:rPr lang="zh-CN" altLang="en-US" dirty="0"/>
+              <a:t>*</a:t>
+            </a:r>
+            <a:r>
+              <a:rPr lang="en-US" altLang="zh-CN" dirty="0"/>
+              <a:t>cp</a:t>
+            </a:r>
+            <a:r>
+              <a:rPr lang="zh-CN" altLang="en-US" sz="1200" b="0" i="0" kern="1200" dirty="0">
+                <a:solidFill>
+                  <a:schemeClr val="tx1"/>
+                </a:solidFill>
+                <a:effectLst/>
+                <a:latin typeface="+mn-lt"/>
+                <a:ea typeface="+mn-ea"/>
+                <a:cs typeface="+mn-cs"/>
+              </a:rPr>
+              <a:t> 的值是字符 </a:t>
+            </a:r>
+            <a:r>
+              <a:rPr lang="en-US" altLang="zh-CN" sz="1200" b="0" i="0" kern="1200" dirty="0">
+                <a:solidFill>
+                  <a:schemeClr val="tx1"/>
+                </a:solidFill>
+                <a:effectLst/>
+                <a:latin typeface="+mn-lt"/>
+                <a:ea typeface="+mn-ea"/>
+                <a:cs typeface="+mn-cs"/>
+              </a:rPr>
+              <a:t>'H'</a:t>
+            </a:r>
+            <a:r>
+              <a:rPr lang="zh-CN" altLang="en-US" sz="1200" b="0" i="0" kern="1200" dirty="0">
+                <a:solidFill>
+                  <a:schemeClr val="tx1"/>
+                </a:solidFill>
+                <a:effectLst/>
+                <a:latin typeface="+mn-lt"/>
+                <a:ea typeface="+mn-ea"/>
+                <a:cs typeface="+mn-cs"/>
+              </a:rPr>
+              <a:t>，非</a:t>
+            </a:r>
+            <a:r>
+              <a:rPr lang="en-US" altLang="zh-CN" sz="1200" b="0" i="0" kern="1200" dirty="0">
+                <a:solidFill>
+                  <a:schemeClr val="tx1"/>
+                </a:solidFill>
+                <a:effectLst/>
+                <a:latin typeface="+mn-lt"/>
+                <a:ea typeface="+mn-ea"/>
+                <a:cs typeface="+mn-cs"/>
+              </a:rPr>
+              <a:t>0</a:t>
+            </a:r>
+            <a:r>
+              <a:rPr lang="zh-CN" altLang="en-US" sz="1200" b="0" i="0" kern="1200" dirty="0">
+                <a:solidFill>
+                  <a:schemeClr val="tx1"/>
+                </a:solidFill>
+                <a:effectLst/>
+                <a:latin typeface="+mn-lt"/>
+                <a:ea typeface="+mn-ea"/>
+                <a:cs typeface="+mn-cs"/>
+              </a:rPr>
+              <a:t>。因此最后的结果为真。</a:t>
+            </a:r>
+            <a:endParaRPr lang="en-US" altLang="zh-CN" sz="1200" dirty="0"/>
+          </a:p>
+        </p:txBody>
+      </p:sp>
+      <p:sp>
+        <p:nvSpPr>
+          <p:cNvPr id="4" name="灯片编号占位符 3"/>
+          <p:cNvSpPr>
+            <a:spLocks noGrp="1"/>
+          </p:cNvSpPr>
+          <p:nvPr>
+            <p:ph type="sldNum" sz="quarter" idx="5"/>
+          </p:nvPr>
+        </p:nvSpPr>
+        <p:spPr/>
+        <p:txBody>
+          <a:bodyPr/>
+          <a:lstStyle/>
+          <a:p>
+            <a:fld id="{0111EF2A-CA54-46BA-9D19-E4C580B41F03}" type="slidenum">
+              <a:rPr lang="zh-CN" altLang="en-US" smtClean="0"/>
+              <a:t>25</a:t>
+            </a:fld>
+            <a:endParaRPr lang="zh-CN" altLang="en-US"/>
+          </a:p>
+        </p:txBody>
+      </p:sp>
+    </p:spTree>
+    <p:extLst>
+      <p:ext uri="{BB962C8B-B14F-4D97-AF65-F5344CB8AC3E}">
+        <p14:creationId xmlns:p14="http://schemas.microsoft.com/office/powerpoint/2010/main" val="2312161394"/>
+      </p:ext>
+    </p:extLst>
+  </p:cSld>
+  <p:clrMapOvr>
+    <a:masterClrMapping/>
+  </p:clrMapOvr>
+</p:notes>
+</file>
+
+<file path=ppt/notesSlides/notesSlide23.xml><?xml version="1.0" encoding="utf-8"?>
+<p:notes xmlns:a="http://schemas.openxmlformats.org/drawingml/2006/main" xmlns:r="http://schemas.openxmlformats.org/officeDocument/2006/relationships" xmlns:p="http://schemas.openxmlformats.org/presentationml/2006/main">
+  <p:cSld>
+    <p:spTree>
+      <p:nvGrpSpPr>
+        <p:cNvPr id="1" name=""/>
+        <p:cNvGrpSpPr/>
+        <p:nvPr/>
+      </p:nvGrpSpPr>
+      <p:grpSpPr>
+        <a:xfrm>
+          <a:off x="0" y="0"/>
+          <a:ext cx="0" cy="0"/>
+          <a:chOff x="0" y="0"/>
+          <a:chExt cx="0" cy="0"/>
+        </a:xfrm>
+      </p:grpSpPr>
+      <p:sp>
+        <p:nvSpPr>
+          <p:cNvPr id="2" name="幻灯片图像占位符 1"/>
+          <p:cNvSpPr>
+            <a:spLocks noGrp="1" noRot="1" noChangeAspect="1"/>
+          </p:cNvSpPr>
+          <p:nvPr>
+            <p:ph type="sldImg"/>
+          </p:nvPr>
+        </p:nvSpPr>
+        <p:spPr/>
+      </p:sp>
+      <p:sp>
+        <p:nvSpPr>
+          <p:cNvPr id="3" name="备注占位符 2"/>
+          <p:cNvSpPr>
+            <a:spLocks noGrp="1"/>
+          </p:cNvSpPr>
+          <p:nvPr>
+            <p:ph type="body" idx="1"/>
+          </p:nvPr>
+        </p:nvSpPr>
+        <p:spPr/>
+        <p:txBody>
+          <a:bodyPr/>
+          <a:lstStyle/>
+          <a:p>
+            <a:r>
+              <a:rPr lang="en-US" altLang="zh-CN" sz="1200" b="0" i="0" kern="1200" dirty="0">
+                <a:solidFill>
+                  <a:schemeClr val="tx1"/>
+                </a:solidFill>
+                <a:effectLst/>
+                <a:latin typeface="+mn-lt"/>
+                <a:ea typeface="+mn-ea"/>
+                <a:cs typeface="+mn-cs"/>
+              </a:rPr>
+              <a:t>(a)</a:t>
+            </a:r>
+            <a:r>
+              <a:rPr lang="zh-CN" altLang="en-US" sz="1200" b="0" i="0" kern="1200" dirty="0">
+                <a:solidFill>
+                  <a:schemeClr val="tx1"/>
+                </a:solidFill>
+                <a:effectLst/>
+                <a:latin typeface="+mn-lt"/>
+                <a:ea typeface="+mn-ea"/>
+                <a:cs typeface="+mn-cs"/>
+              </a:rPr>
+              <a:t>合法。返回迭代器所指向的元素，然后迭代器递增。</a:t>
+            </a:r>
+          </a:p>
+          <a:p>
+            <a:r>
+              <a:rPr lang="en-US" altLang="zh-CN" sz="1200" b="0" i="0" kern="1200" dirty="0">
+                <a:solidFill>
+                  <a:schemeClr val="tx1"/>
+                </a:solidFill>
+                <a:effectLst/>
+                <a:latin typeface="+mn-lt"/>
+                <a:ea typeface="+mn-ea"/>
+                <a:cs typeface="+mn-cs"/>
+              </a:rPr>
+              <a:t>(b)</a:t>
+            </a:r>
+            <a:r>
+              <a:rPr lang="zh-CN" altLang="en-US" sz="1200" b="0" i="0" kern="1200" dirty="0">
+                <a:solidFill>
+                  <a:schemeClr val="tx1"/>
+                </a:solidFill>
+                <a:effectLst/>
+                <a:latin typeface="+mn-lt"/>
+                <a:ea typeface="+mn-ea"/>
+                <a:cs typeface="+mn-cs"/>
+              </a:rPr>
+              <a:t>不合法。因为</a:t>
+            </a:r>
+            <a:r>
+              <a:rPr lang="en-US" altLang="zh-CN" sz="1200" b="0" i="0" kern="1200" dirty="0">
+                <a:solidFill>
+                  <a:schemeClr val="tx1"/>
+                </a:solidFill>
+                <a:effectLst/>
+                <a:latin typeface="+mn-lt"/>
+                <a:ea typeface="+mn-ea"/>
+                <a:cs typeface="+mn-cs"/>
+              </a:rPr>
+              <a:t>vector</a:t>
+            </a:r>
+            <a:r>
+              <a:rPr lang="zh-CN" altLang="en-US" sz="1200" b="0" i="0" kern="1200" dirty="0">
+                <a:solidFill>
+                  <a:schemeClr val="tx1"/>
+                </a:solidFill>
+                <a:effectLst/>
+                <a:latin typeface="+mn-lt"/>
+                <a:ea typeface="+mn-ea"/>
+                <a:cs typeface="+mn-cs"/>
+              </a:rPr>
+              <a:t>元素类型是 </a:t>
+            </a:r>
+            <a:r>
+              <a:rPr lang="en-US" altLang="zh-CN" sz="1200" b="0" i="0" kern="1200" dirty="0">
+                <a:solidFill>
+                  <a:schemeClr val="tx1"/>
+                </a:solidFill>
+                <a:effectLst/>
+                <a:latin typeface="+mn-lt"/>
+                <a:ea typeface="+mn-ea"/>
+                <a:cs typeface="+mn-cs"/>
+              </a:rPr>
+              <a:t>string</a:t>
+            </a:r>
+            <a:r>
+              <a:rPr lang="zh-CN" altLang="en-US" sz="1200" b="0" i="0" kern="1200" dirty="0">
+                <a:solidFill>
+                  <a:schemeClr val="tx1"/>
+                </a:solidFill>
+                <a:effectLst/>
+                <a:latin typeface="+mn-lt"/>
+                <a:ea typeface="+mn-ea"/>
+                <a:cs typeface="+mn-cs"/>
+              </a:rPr>
+              <a:t>，没有 </a:t>
+            </a:r>
+            <a:r>
+              <a:rPr lang="en-US" altLang="zh-CN" sz="1200" b="0" i="0" kern="1200" dirty="0">
+                <a:solidFill>
+                  <a:schemeClr val="tx1"/>
+                </a:solidFill>
+                <a:effectLst/>
+                <a:latin typeface="+mn-lt"/>
+                <a:ea typeface="+mn-ea"/>
+                <a:cs typeface="+mn-cs"/>
+              </a:rPr>
+              <a:t>++ </a:t>
+            </a:r>
+            <a:r>
+              <a:rPr lang="zh-CN" altLang="en-US" sz="1200" b="0" i="0" kern="1200" dirty="0">
+                <a:solidFill>
+                  <a:schemeClr val="tx1"/>
+                </a:solidFill>
+                <a:effectLst/>
+                <a:latin typeface="+mn-lt"/>
+                <a:ea typeface="+mn-ea"/>
+                <a:cs typeface="+mn-cs"/>
+              </a:rPr>
+              <a:t>操作。</a:t>
+            </a:r>
+          </a:p>
+          <a:p>
+            <a:r>
+              <a:rPr lang="en-US" altLang="zh-CN" sz="1200" b="0" i="0" kern="1200" dirty="0">
+                <a:solidFill>
+                  <a:schemeClr val="tx1"/>
+                </a:solidFill>
+                <a:effectLst/>
+                <a:latin typeface="+mn-lt"/>
+                <a:ea typeface="+mn-ea"/>
+                <a:cs typeface="+mn-cs"/>
+              </a:rPr>
+              <a:t>(c)</a:t>
+            </a:r>
+            <a:r>
+              <a:rPr lang="zh-CN" altLang="en-US" sz="1200" b="0" i="0" kern="1200" dirty="0">
+                <a:solidFill>
+                  <a:schemeClr val="tx1"/>
+                </a:solidFill>
+                <a:effectLst/>
+                <a:latin typeface="+mn-lt"/>
+                <a:ea typeface="+mn-ea"/>
+                <a:cs typeface="+mn-cs"/>
+              </a:rPr>
+              <a:t>不合法。这里应该加括号。</a:t>
+            </a:r>
+          </a:p>
+          <a:p>
+            <a:r>
+              <a:rPr lang="en-US" altLang="zh-CN" sz="1200" b="0" i="0" kern="1200" dirty="0">
+                <a:solidFill>
+                  <a:schemeClr val="tx1"/>
+                </a:solidFill>
+                <a:effectLst/>
+                <a:latin typeface="+mn-lt"/>
+                <a:ea typeface="+mn-ea"/>
+                <a:cs typeface="+mn-cs"/>
+              </a:rPr>
+              <a:t>(d)</a:t>
+            </a:r>
+            <a:r>
+              <a:rPr lang="zh-CN" altLang="en-US" sz="1200" b="0" i="0" kern="1200" dirty="0">
+                <a:solidFill>
+                  <a:schemeClr val="tx1"/>
+                </a:solidFill>
+                <a:effectLst/>
+                <a:latin typeface="+mn-lt"/>
+                <a:ea typeface="+mn-ea"/>
+                <a:cs typeface="+mn-cs"/>
+              </a:rPr>
+              <a:t>合法。判断迭代器当前的元素是否为空。</a:t>
+            </a:r>
+          </a:p>
+          <a:p>
+            <a:r>
+              <a:rPr lang="en-US" altLang="zh-CN" sz="1200" b="0" i="0" kern="1200" dirty="0">
+                <a:solidFill>
+                  <a:schemeClr val="tx1"/>
+                </a:solidFill>
+                <a:effectLst/>
+                <a:latin typeface="+mn-lt"/>
+                <a:ea typeface="+mn-ea"/>
+                <a:cs typeface="+mn-cs"/>
+              </a:rPr>
+              <a:t>(e)</a:t>
+            </a:r>
+            <a:r>
+              <a:rPr lang="zh-CN" altLang="en-US" sz="1200" b="0" i="0" kern="1200" dirty="0">
+                <a:solidFill>
+                  <a:schemeClr val="tx1"/>
+                </a:solidFill>
+                <a:effectLst/>
+                <a:latin typeface="+mn-lt"/>
+                <a:ea typeface="+mn-ea"/>
+                <a:cs typeface="+mn-cs"/>
+              </a:rPr>
+              <a:t>不合法。</a:t>
+            </a:r>
+            <a:r>
+              <a:rPr lang="en-US" altLang="zh-CN" sz="1200" b="0" i="0" kern="1200" dirty="0">
+                <a:solidFill>
+                  <a:schemeClr val="tx1"/>
+                </a:solidFill>
+                <a:effectLst/>
+                <a:latin typeface="+mn-lt"/>
+                <a:ea typeface="+mn-ea"/>
+                <a:cs typeface="+mn-cs"/>
+              </a:rPr>
+              <a:t>string </a:t>
+            </a:r>
+            <a:r>
+              <a:rPr lang="zh-CN" altLang="en-US" sz="1200" b="0" i="0" kern="1200" dirty="0">
+                <a:solidFill>
+                  <a:schemeClr val="tx1"/>
+                </a:solidFill>
+                <a:effectLst/>
+                <a:latin typeface="+mn-lt"/>
+                <a:ea typeface="+mn-ea"/>
+                <a:cs typeface="+mn-cs"/>
+              </a:rPr>
+              <a:t>类型没有 </a:t>
+            </a:r>
+            <a:r>
+              <a:rPr lang="en-US" altLang="zh-CN" sz="1200" b="0" i="0" kern="1200" dirty="0">
+                <a:solidFill>
+                  <a:schemeClr val="tx1"/>
+                </a:solidFill>
+                <a:effectLst/>
+                <a:latin typeface="+mn-lt"/>
+                <a:ea typeface="+mn-ea"/>
+                <a:cs typeface="+mn-cs"/>
+              </a:rPr>
+              <a:t>++ </a:t>
+            </a:r>
+            <a:r>
+              <a:rPr lang="zh-CN" altLang="en-US" sz="1200" b="0" i="0" kern="1200" dirty="0">
+                <a:solidFill>
+                  <a:schemeClr val="tx1"/>
+                </a:solidFill>
+                <a:effectLst/>
+                <a:latin typeface="+mn-lt"/>
+                <a:ea typeface="+mn-ea"/>
+                <a:cs typeface="+mn-cs"/>
+              </a:rPr>
+              <a:t>操作。</a:t>
+            </a:r>
+          </a:p>
+          <a:p>
+            <a:r>
+              <a:rPr lang="en-US" altLang="zh-CN" sz="1200" b="0" i="0" kern="1200" dirty="0">
+                <a:solidFill>
+                  <a:schemeClr val="tx1"/>
+                </a:solidFill>
+                <a:effectLst/>
+                <a:latin typeface="+mn-lt"/>
+                <a:ea typeface="+mn-ea"/>
+                <a:cs typeface="+mn-cs"/>
+              </a:rPr>
+              <a:t>(f)</a:t>
+            </a:r>
+            <a:r>
+              <a:rPr lang="zh-CN" altLang="en-US" sz="1200" b="0" i="0" kern="1200" dirty="0">
+                <a:solidFill>
+                  <a:schemeClr val="tx1"/>
+                </a:solidFill>
+                <a:effectLst/>
+                <a:latin typeface="+mn-lt"/>
+                <a:ea typeface="+mn-ea"/>
+                <a:cs typeface="+mn-cs"/>
+              </a:rPr>
+              <a:t>合法。判断迭代器当前元素是否为空，然后迭代器递增。</a:t>
+            </a:r>
+          </a:p>
+        </p:txBody>
+      </p:sp>
+      <p:sp>
+        <p:nvSpPr>
+          <p:cNvPr id="4" name="灯片编号占位符 3"/>
+          <p:cNvSpPr>
+            <a:spLocks noGrp="1"/>
+          </p:cNvSpPr>
+          <p:nvPr>
+            <p:ph type="sldNum" sz="quarter" idx="5"/>
+          </p:nvPr>
+        </p:nvSpPr>
+        <p:spPr/>
+        <p:txBody>
+          <a:bodyPr/>
+          <a:lstStyle/>
+          <a:p>
+            <a:fld id="{0111EF2A-CA54-46BA-9D19-E4C580B41F03}" type="slidenum">
+              <a:rPr lang="zh-CN" altLang="en-US" smtClean="0"/>
+              <a:t>26</a:t>
+            </a:fld>
+            <a:endParaRPr lang="zh-CN" altLang="en-US"/>
+          </a:p>
+        </p:txBody>
+      </p:sp>
+    </p:spTree>
+    <p:extLst>
+      <p:ext uri="{BB962C8B-B14F-4D97-AF65-F5344CB8AC3E}">
+        <p14:creationId xmlns:p14="http://schemas.microsoft.com/office/powerpoint/2010/main" val="432627985"/>
+      </p:ext>
+    </p:extLst>
+  </p:cSld>
+  <p:clrMapOvr>
+    <a:masterClrMapping/>
+  </p:clrMapOvr>
+</p:notes>
+</file>
+
+<file path=ppt/notesSlides/notesSlide24.xml><?xml version="1.0" encoding="utf-8"?>
+<p:notes xmlns:a="http://schemas.openxmlformats.org/drawingml/2006/main" xmlns:r="http://schemas.openxmlformats.org/officeDocument/2006/relationships" xmlns:p="http://schemas.openxmlformats.org/presentationml/2006/main">
+  <p:cSld>
+    <p:spTree>
+      <p:nvGrpSpPr>
+        <p:cNvPr id="1" name=""/>
+        <p:cNvGrpSpPr/>
+        <p:nvPr/>
+      </p:nvGrpSpPr>
+      <p:grpSpPr>
+        <a:xfrm>
+          <a:off x="0" y="0"/>
+          <a:ext cx="0" cy="0"/>
+          <a:chOff x="0" y="0"/>
+          <a:chExt cx="0" cy="0"/>
+        </a:xfrm>
+      </p:grpSpPr>
+      <p:sp>
+        <p:nvSpPr>
+          <p:cNvPr id="2" name="幻灯片图像占位符 1"/>
+          <p:cNvSpPr>
+            <a:spLocks noGrp="1" noRot="1" noChangeAspect="1"/>
+          </p:cNvSpPr>
+          <p:nvPr>
+            <p:ph type="sldImg"/>
+          </p:nvPr>
+        </p:nvSpPr>
+        <p:spPr/>
+      </p:sp>
+      <p:sp>
+        <p:nvSpPr>
+          <p:cNvPr id="3" name="备注占位符 2"/>
+          <p:cNvSpPr>
+            <a:spLocks noGrp="1"/>
+          </p:cNvSpPr>
+          <p:nvPr>
+            <p:ph type="body" idx="1"/>
+          </p:nvPr>
+        </p:nvSpPr>
+        <p:spPr/>
+        <p:txBody>
+          <a:bodyPr/>
+          <a:lstStyle/>
+          <a:p>
+            <a:endParaRPr lang="zh-CN" altLang="en-US" sz="1200" b="0" i="0" kern="1200" dirty="0">
+              <a:solidFill>
+                <a:schemeClr val="tx1"/>
+              </a:solidFill>
+              <a:effectLst/>
+              <a:latin typeface="+mn-lt"/>
+              <a:ea typeface="+mn-ea"/>
+              <a:cs typeface="+mn-cs"/>
+            </a:endParaRPr>
+          </a:p>
+        </p:txBody>
+      </p:sp>
+      <p:sp>
+        <p:nvSpPr>
+          <p:cNvPr id="4" name="灯片编号占位符 3"/>
+          <p:cNvSpPr>
+            <a:spLocks noGrp="1"/>
+          </p:cNvSpPr>
+          <p:nvPr>
+            <p:ph type="sldNum" sz="quarter" idx="5"/>
+          </p:nvPr>
+        </p:nvSpPr>
+        <p:spPr/>
+        <p:txBody>
+          <a:bodyPr/>
+          <a:lstStyle/>
+          <a:p>
+            <a:fld id="{0111EF2A-CA54-46BA-9D19-E4C580B41F03}" type="slidenum">
+              <a:rPr lang="zh-CN" altLang="en-US" smtClean="0"/>
+              <a:t>27</a:t>
+            </a:fld>
+            <a:endParaRPr lang="zh-CN" altLang="en-US"/>
+          </a:p>
+        </p:txBody>
+      </p:sp>
+    </p:spTree>
+    <p:extLst>
+      <p:ext uri="{BB962C8B-B14F-4D97-AF65-F5344CB8AC3E}">
+        <p14:creationId xmlns:p14="http://schemas.microsoft.com/office/powerpoint/2010/main" val="1754930619"/>
+      </p:ext>
+    </p:extLst>
+  </p:cSld>
+  <p:clrMapOvr>
+    <a:masterClrMapping/>
+  </p:clrMapOvr>
+</p:notes>
+</file>
+
+<file path=ppt/notesSlides/notesSlide25.xml><?xml version="1.0" encoding="utf-8"?>
+<p:notes xmlns:a="http://schemas.openxmlformats.org/drawingml/2006/main" xmlns:r="http://schemas.openxmlformats.org/officeDocument/2006/relationships" xmlns:p="http://schemas.openxmlformats.org/presentationml/2006/main">
+  <p:cSld>
+    <p:spTree>
+      <p:nvGrpSpPr>
+        <p:cNvPr id="1" name=""/>
+        <p:cNvGrpSpPr/>
+        <p:nvPr/>
+      </p:nvGrpSpPr>
+      <p:grpSpPr>
+        <a:xfrm>
+          <a:off x="0" y="0"/>
+          <a:ext cx="0" cy="0"/>
+          <a:chOff x="0" y="0"/>
+          <a:chExt cx="0" cy="0"/>
+        </a:xfrm>
+      </p:grpSpPr>
+      <p:sp>
+        <p:nvSpPr>
+          <p:cNvPr id="2" name="幻灯片图像占位符 1"/>
+          <p:cNvSpPr>
+            <a:spLocks noGrp="1" noRot="1" noChangeAspect="1"/>
+          </p:cNvSpPr>
+          <p:nvPr>
+            <p:ph type="sldImg"/>
+          </p:nvPr>
+        </p:nvSpPr>
+        <p:spPr/>
+      </p:sp>
+      <p:sp>
+        <p:nvSpPr>
+          <p:cNvPr id="3" name="备注占位符 2"/>
+          <p:cNvSpPr>
+            <a:spLocks noGrp="1"/>
+          </p:cNvSpPr>
+          <p:nvPr>
+            <p:ph type="body" idx="1"/>
+          </p:nvPr>
+        </p:nvSpPr>
+        <p:spPr/>
+        <p:txBody>
+          <a:bodyPr/>
+          <a:lstStyle/>
+          <a:p>
+            <a:r>
+              <a:rPr lang="en-US" altLang="zh-CN" sz="1200" b="0" i="0" kern="1200" dirty="0">
+                <a:solidFill>
+                  <a:schemeClr val="tx1"/>
+                </a:solidFill>
+                <a:effectLst/>
+                <a:latin typeface="+mn-lt"/>
+                <a:ea typeface="+mn-ea"/>
+                <a:cs typeface="+mn-cs"/>
+              </a:rPr>
+              <a:t>(a) 3</a:t>
+            </a:r>
+          </a:p>
+          <a:p>
+            <a:r>
+              <a:rPr lang="en-US" altLang="zh-CN" sz="1200" b="0" i="0" kern="1200" dirty="0">
+                <a:solidFill>
+                  <a:schemeClr val="tx1"/>
+                </a:solidFill>
+                <a:effectLst/>
+                <a:latin typeface="+mn-lt"/>
+                <a:ea typeface="+mn-ea"/>
+                <a:cs typeface="+mn-cs"/>
+              </a:rPr>
+              <a:t>(b) 7</a:t>
+            </a:r>
+          </a:p>
+          <a:p>
+            <a:r>
+              <a:rPr lang="en-US" altLang="zh-CN" sz="1200" b="0" i="0" kern="1200" dirty="0">
+                <a:solidFill>
+                  <a:schemeClr val="tx1"/>
+                </a:solidFill>
+                <a:effectLst/>
+                <a:latin typeface="+mn-lt"/>
+                <a:ea typeface="+mn-ea"/>
+                <a:cs typeface="+mn-cs"/>
+              </a:rPr>
+              <a:t>(c) true</a:t>
+            </a:r>
+          </a:p>
+          <a:p>
+            <a:r>
+              <a:rPr lang="en-US" altLang="zh-CN" sz="1200" b="0" i="0" kern="1200" dirty="0">
+                <a:solidFill>
+                  <a:schemeClr val="tx1"/>
+                </a:solidFill>
+                <a:effectLst/>
+                <a:latin typeface="+mn-lt"/>
+                <a:ea typeface="+mn-ea"/>
+                <a:cs typeface="+mn-cs"/>
+              </a:rPr>
+              <a:t>(d) </a:t>
+            </a:r>
+            <a:r>
+              <a:rPr lang="en-US" altLang="zh-CN" sz="1200" b="0" i="0" kern="1200" dirty="0" err="1">
+                <a:solidFill>
+                  <a:schemeClr val="tx1"/>
+                </a:solidFill>
+                <a:effectLst/>
+                <a:latin typeface="+mn-lt"/>
+                <a:ea typeface="+mn-ea"/>
+                <a:cs typeface="+mn-cs"/>
+              </a:rPr>
+              <a:t>ture</a:t>
+            </a:r>
+            <a:endParaRPr lang="en-US" altLang="zh-CN" sz="1200" b="0" i="0" kern="1200" dirty="0">
+              <a:solidFill>
+                <a:schemeClr val="tx1"/>
+              </a:solidFill>
+              <a:effectLst/>
+              <a:latin typeface="+mn-lt"/>
+              <a:ea typeface="+mn-ea"/>
+              <a:cs typeface="+mn-cs"/>
+            </a:endParaRPr>
+          </a:p>
+          <a:p>
+            <a:endParaRPr lang="zh-CN" altLang="en-US" sz="1200" b="0" i="0" kern="1200" dirty="0">
+              <a:solidFill>
+                <a:schemeClr val="tx1"/>
+              </a:solidFill>
+              <a:effectLst/>
+              <a:latin typeface="+mn-lt"/>
+              <a:ea typeface="+mn-ea"/>
+              <a:cs typeface="+mn-cs"/>
+            </a:endParaRPr>
+          </a:p>
+        </p:txBody>
+      </p:sp>
+      <p:sp>
+        <p:nvSpPr>
+          <p:cNvPr id="4" name="灯片编号占位符 3"/>
+          <p:cNvSpPr>
+            <a:spLocks noGrp="1"/>
+          </p:cNvSpPr>
+          <p:nvPr>
+            <p:ph type="sldNum" sz="quarter" idx="5"/>
+          </p:nvPr>
+        </p:nvSpPr>
+        <p:spPr/>
+        <p:txBody>
+          <a:bodyPr/>
+          <a:lstStyle/>
+          <a:p>
+            <a:fld id="{0111EF2A-CA54-46BA-9D19-E4C580B41F03}" type="slidenum">
+              <a:rPr lang="zh-CN" altLang="en-US" smtClean="0"/>
+              <a:t>28</a:t>
+            </a:fld>
+            <a:endParaRPr lang="zh-CN" altLang="en-US"/>
+          </a:p>
+        </p:txBody>
+      </p:sp>
+    </p:spTree>
+    <p:extLst>
+      <p:ext uri="{BB962C8B-B14F-4D97-AF65-F5344CB8AC3E}">
+        <p14:creationId xmlns:p14="http://schemas.microsoft.com/office/powerpoint/2010/main" val="778681600"/>
+      </p:ext>
+    </p:extLst>
+  </p:cSld>
+  <p:clrMapOvr>
+    <a:masterClrMapping/>
+  </p:clrMapOvr>
+</p:notes>
+</file>
+
+<file path=ppt/notesSlides/notesSlide26.xml><?xml version="1.0" encoding="utf-8"?>
+<p:notes xmlns:a="http://schemas.openxmlformats.org/drawingml/2006/main" xmlns:r="http://schemas.openxmlformats.org/officeDocument/2006/relationships" xmlns:p="http://schemas.openxmlformats.org/presentationml/2006/main">
+  <p:cSld>
+    <p:spTree>
+      <p:nvGrpSpPr>
+        <p:cNvPr id="1" name=""/>
+        <p:cNvGrpSpPr/>
+        <p:nvPr/>
+      </p:nvGrpSpPr>
+      <p:grpSpPr>
+        <a:xfrm>
+          <a:off x="0" y="0"/>
+          <a:ext cx="0" cy="0"/>
+          <a:chOff x="0" y="0"/>
+          <a:chExt cx="0" cy="0"/>
+        </a:xfrm>
+      </p:grpSpPr>
+      <p:sp>
+        <p:nvSpPr>
+          <p:cNvPr id="2" name="幻灯片图像占位符 1"/>
+          <p:cNvSpPr>
+            <a:spLocks noGrp="1" noRot="1" noChangeAspect="1"/>
+          </p:cNvSpPr>
+          <p:nvPr>
+            <p:ph type="sldImg"/>
+          </p:nvPr>
+        </p:nvSpPr>
+        <p:spPr/>
+      </p:sp>
+      <p:sp>
+        <p:nvSpPr>
+          <p:cNvPr id="3" name="备注占位符 2"/>
+          <p:cNvSpPr>
+            <a:spLocks noGrp="1"/>
+          </p:cNvSpPr>
+          <p:nvPr>
+            <p:ph type="body" idx="1"/>
+          </p:nvPr>
+        </p:nvSpPr>
+        <p:spPr/>
+        <p:txBody>
+          <a:bodyPr/>
+          <a:lstStyle/>
+          <a:p>
+            <a:r>
+              <a:rPr lang="zh-CN" altLang="en-US" sz="1200" b="0" i="0" kern="1200" dirty="0">
+                <a:solidFill>
+                  <a:schemeClr val="tx1"/>
+                </a:solidFill>
+                <a:effectLst/>
+                <a:latin typeface="+mn-lt"/>
+                <a:ea typeface="+mn-ea"/>
+                <a:cs typeface="+mn-cs"/>
+              </a:rPr>
+              <a:t>如果 </a:t>
+            </a:r>
+            <a:r>
+              <a:rPr lang="en-US" altLang="zh-CN" sz="1200" b="0" i="0" kern="1200" dirty="0" err="1">
+                <a:solidFill>
+                  <a:schemeClr val="tx1"/>
+                </a:solidFill>
+                <a:effectLst/>
+                <a:latin typeface="+mn-lt"/>
+                <a:ea typeface="+mn-ea"/>
+                <a:cs typeface="+mn-cs"/>
+              </a:rPr>
+              <a:t>someValue</a:t>
+            </a:r>
+            <a:r>
+              <a:rPr lang="zh-CN" altLang="en-US" sz="1200" b="0" i="0" kern="1200" dirty="0">
+                <a:solidFill>
+                  <a:schemeClr val="tx1"/>
+                </a:solidFill>
+                <a:effectLst/>
+                <a:latin typeface="+mn-lt"/>
+                <a:ea typeface="+mn-ea"/>
+                <a:cs typeface="+mn-cs"/>
+              </a:rPr>
+              <a:t>的值为真，</a:t>
+            </a:r>
+            <a:r>
+              <a:rPr lang="en-US" altLang="zh-CN" sz="1200" b="0" i="0" kern="1200" dirty="0">
+                <a:solidFill>
+                  <a:schemeClr val="tx1"/>
+                </a:solidFill>
+                <a:effectLst/>
+                <a:latin typeface="+mn-lt"/>
+                <a:ea typeface="+mn-ea"/>
+                <a:cs typeface="+mn-cs"/>
+              </a:rPr>
+              <a:t>x </a:t>
+            </a:r>
+            <a:r>
+              <a:rPr lang="zh-CN" altLang="en-US" sz="1200" b="0" i="0" kern="1200" dirty="0">
+                <a:solidFill>
+                  <a:schemeClr val="tx1"/>
+                </a:solidFill>
+                <a:effectLst/>
+                <a:latin typeface="+mn-lt"/>
+                <a:ea typeface="+mn-ea"/>
+                <a:cs typeface="+mn-cs"/>
+              </a:rPr>
+              <a:t>和 </a:t>
+            </a:r>
+            <a:r>
+              <a:rPr lang="en-US" altLang="zh-CN" sz="1200" b="0" i="0" kern="1200" dirty="0">
+                <a:solidFill>
+                  <a:schemeClr val="tx1"/>
+                </a:solidFill>
+                <a:effectLst/>
+                <a:latin typeface="+mn-lt"/>
+                <a:ea typeface="+mn-ea"/>
+                <a:cs typeface="+mn-cs"/>
+              </a:rPr>
+              <a:t>y </a:t>
+            </a:r>
+            <a:r>
+              <a:rPr lang="zh-CN" altLang="en-US" sz="1200" b="0" i="0" kern="1200" dirty="0">
+                <a:solidFill>
+                  <a:schemeClr val="tx1"/>
+                </a:solidFill>
+                <a:effectLst/>
+                <a:latin typeface="+mn-lt"/>
+                <a:ea typeface="+mn-ea"/>
+                <a:cs typeface="+mn-cs"/>
+              </a:rPr>
+              <a:t>的值都自增并返回 </a:t>
+            </a:r>
+            <a:r>
+              <a:rPr lang="en-US" altLang="zh-CN" sz="1200" b="0" i="0" kern="1200" dirty="0">
+                <a:solidFill>
+                  <a:schemeClr val="tx1"/>
+                </a:solidFill>
+                <a:effectLst/>
+                <a:latin typeface="+mn-lt"/>
+                <a:ea typeface="+mn-ea"/>
+                <a:cs typeface="+mn-cs"/>
+              </a:rPr>
+              <a:t>y </a:t>
+            </a:r>
+            <a:r>
+              <a:rPr lang="zh-CN" altLang="en-US" sz="1200" b="0" i="0" kern="1200" dirty="0">
+                <a:solidFill>
+                  <a:schemeClr val="tx1"/>
+                </a:solidFill>
+                <a:effectLst/>
+                <a:latin typeface="+mn-lt"/>
+                <a:ea typeface="+mn-ea"/>
+                <a:cs typeface="+mn-cs"/>
+              </a:rPr>
+              <a:t>值，然后丢弃 </a:t>
+            </a:r>
+            <a:r>
+              <a:rPr lang="en-US" altLang="zh-CN" sz="1200" b="0" i="0" kern="1200" dirty="0">
+                <a:solidFill>
+                  <a:schemeClr val="tx1"/>
+                </a:solidFill>
+                <a:effectLst/>
+                <a:latin typeface="+mn-lt"/>
+                <a:ea typeface="+mn-ea"/>
+                <a:cs typeface="+mn-cs"/>
+              </a:rPr>
+              <a:t>y </a:t>
+            </a:r>
+            <a:r>
+              <a:rPr lang="zh-CN" altLang="en-US" sz="1200" b="0" i="0" kern="1200" dirty="0">
+                <a:solidFill>
+                  <a:schemeClr val="tx1"/>
+                </a:solidFill>
+                <a:effectLst/>
+                <a:latin typeface="+mn-lt"/>
+                <a:ea typeface="+mn-ea"/>
+                <a:cs typeface="+mn-cs"/>
+              </a:rPr>
+              <a:t>值，</a:t>
+            </a:r>
+            <a:r>
+              <a:rPr lang="en-US" altLang="zh-CN" sz="1200" b="0" i="0" kern="1200" dirty="0">
+                <a:solidFill>
+                  <a:schemeClr val="tx1"/>
+                </a:solidFill>
+                <a:effectLst/>
+                <a:latin typeface="+mn-lt"/>
+                <a:ea typeface="+mn-ea"/>
+                <a:cs typeface="+mn-cs"/>
+              </a:rPr>
+              <a:t>y</a:t>
+            </a:r>
+            <a:r>
+              <a:rPr lang="zh-CN" altLang="en-US" sz="1200" b="0" i="0" kern="1200" dirty="0">
+                <a:solidFill>
+                  <a:schemeClr val="tx1"/>
+                </a:solidFill>
+                <a:effectLst/>
+                <a:latin typeface="+mn-lt"/>
+                <a:ea typeface="+mn-ea"/>
+                <a:cs typeface="+mn-cs"/>
+              </a:rPr>
+              <a:t>递减并返回 </a:t>
+            </a:r>
+            <a:r>
+              <a:rPr lang="en-US" altLang="zh-CN" sz="1200" b="0" i="0" kern="1200" dirty="0">
+                <a:solidFill>
+                  <a:schemeClr val="tx1"/>
+                </a:solidFill>
+                <a:effectLst/>
+                <a:latin typeface="+mn-lt"/>
+                <a:ea typeface="+mn-ea"/>
+                <a:cs typeface="+mn-cs"/>
+              </a:rPr>
+              <a:t>y </a:t>
+            </a:r>
+            <a:r>
+              <a:rPr lang="zh-CN" altLang="en-US" sz="1200" b="0" i="0" kern="1200" dirty="0">
+                <a:solidFill>
+                  <a:schemeClr val="tx1"/>
+                </a:solidFill>
+                <a:effectLst/>
+                <a:latin typeface="+mn-lt"/>
+                <a:ea typeface="+mn-ea"/>
+                <a:cs typeface="+mn-cs"/>
+              </a:rPr>
+              <a:t>值。如果 </a:t>
+            </a:r>
+            <a:r>
+              <a:rPr lang="en-US" altLang="zh-CN" sz="1200" b="0" i="0" kern="1200" dirty="0" err="1">
+                <a:solidFill>
+                  <a:schemeClr val="tx1"/>
+                </a:solidFill>
+                <a:effectLst/>
+                <a:latin typeface="+mn-lt"/>
+                <a:ea typeface="+mn-ea"/>
+                <a:cs typeface="+mn-cs"/>
+              </a:rPr>
+              <a:t>someValue</a:t>
+            </a:r>
+            <a:r>
+              <a:rPr lang="zh-CN" altLang="en-US" sz="1200" b="0" i="0" kern="1200" dirty="0">
+                <a:solidFill>
+                  <a:schemeClr val="tx1"/>
+                </a:solidFill>
+                <a:effectLst/>
+                <a:latin typeface="+mn-lt"/>
+                <a:ea typeface="+mn-ea"/>
+                <a:cs typeface="+mn-cs"/>
+              </a:rPr>
+              <a:t>的值为假，</a:t>
+            </a:r>
+            <a:r>
+              <a:rPr lang="en-US" altLang="zh-CN" sz="1200" b="0" i="0" kern="1200" dirty="0">
+                <a:solidFill>
+                  <a:schemeClr val="tx1"/>
+                </a:solidFill>
+                <a:effectLst/>
+                <a:latin typeface="+mn-lt"/>
+                <a:ea typeface="+mn-ea"/>
+                <a:cs typeface="+mn-cs"/>
+              </a:rPr>
+              <a:t>x </a:t>
+            </a:r>
+            <a:r>
+              <a:rPr lang="zh-CN" altLang="en-US" sz="1200" b="0" i="0" kern="1200" dirty="0">
+                <a:solidFill>
+                  <a:schemeClr val="tx1"/>
+                </a:solidFill>
+                <a:effectLst/>
+                <a:latin typeface="+mn-lt"/>
+                <a:ea typeface="+mn-ea"/>
+                <a:cs typeface="+mn-cs"/>
+              </a:rPr>
+              <a:t>递减并返回 </a:t>
+            </a:r>
+            <a:r>
+              <a:rPr lang="en-US" altLang="zh-CN" sz="1200" b="0" i="0" kern="1200" dirty="0">
+                <a:solidFill>
+                  <a:schemeClr val="tx1"/>
+                </a:solidFill>
+                <a:effectLst/>
+                <a:latin typeface="+mn-lt"/>
+                <a:ea typeface="+mn-ea"/>
+                <a:cs typeface="+mn-cs"/>
+              </a:rPr>
+              <a:t>x </a:t>
+            </a:r>
+            <a:r>
+              <a:rPr lang="zh-CN" altLang="en-US" sz="1200" b="0" i="0" kern="1200" dirty="0">
+                <a:solidFill>
+                  <a:schemeClr val="tx1"/>
+                </a:solidFill>
+                <a:effectLst/>
+                <a:latin typeface="+mn-lt"/>
+                <a:ea typeface="+mn-ea"/>
+                <a:cs typeface="+mn-cs"/>
+              </a:rPr>
+              <a:t>值，然后丢弃 </a:t>
+            </a:r>
+            <a:r>
+              <a:rPr lang="en-US" altLang="zh-CN" sz="1200" b="0" i="0" kern="1200" dirty="0">
+                <a:solidFill>
+                  <a:schemeClr val="tx1"/>
+                </a:solidFill>
+                <a:effectLst/>
+                <a:latin typeface="+mn-lt"/>
+                <a:ea typeface="+mn-ea"/>
+                <a:cs typeface="+mn-cs"/>
+              </a:rPr>
+              <a:t>x </a:t>
+            </a:r>
+            <a:r>
+              <a:rPr lang="zh-CN" altLang="en-US" sz="1200" b="0" i="0" kern="1200" dirty="0">
+                <a:solidFill>
+                  <a:schemeClr val="tx1"/>
+                </a:solidFill>
+                <a:effectLst/>
+                <a:latin typeface="+mn-lt"/>
+                <a:ea typeface="+mn-ea"/>
+                <a:cs typeface="+mn-cs"/>
+              </a:rPr>
+              <a:t>值，</a:t>
+            </a:r>
+            <a:r>
+              <a:rPr lang="en-US" altLang="zh-CN" sz="1200" b="0" i="0" kern="1200" dirty="0">
+                <a:solidFill>
+                  <a:schemeClr val="tx1"/>
+                </a:solidFill>
+                <a:effectLst/>
+                <a:latin typeface="+mn-lt"/>
+                <a:ea typeface="+mn-ea"/>
+                <a:cs typeface="+mn-cs"/>
+              </a:rPr>
+              <a:t>y</a:t>
+            </a:r>
+            <a:r>
+              <a:rPr lang="zh-CN" altLang="en-US" sz="1200" b="0" i="0" kern="1200" dirty="0">
+                <a:solidFill>
+                  <a:schemeClr val="tx1"/>
+                </a:solidFill>
+                <a:effectLst/>
+                <a:latin typeface="+mn-lt"/>
+                <a:ea typeface="+mn-ea"/>
+                <a:cs typeface="+mn-cs"/>
+              </a:rPr>
+              <a:t>递减并返回 </a:t>
+            </a:r>
+            <a:r>
+              <a:rPr lang="en-US" altLang="zh-CN" sz="1200" b="0" i="0" kern="1200" dirty="0">
+                <a:solidFill>
+                  <a:schemeClr val="tx1"/>
+                </a:solidFill>
+                <a:effectLst/>
+                <a:latin typeface="+mn-lt"/>
+                <a:ea typeface="+mn-ea"/>
+                <a:cs typeface="+mn-cs"/>
+              </a:rPr>
+              <a:t>y </a:t>
+            </a:r>
+            <a:r>
+              <a:rPr lang="zh-CN" altLang="en-US" sz="1200" b="0" i="0" kern="1200" dirty="0">
+                <a:solidFill>
+                  <a:schemeClr val="tx1"/>
+                </a:solidFill>
+                <a:effectLst/>
+                <a:latin typeface="+mn-lt"/>
+                <a:ea typeface="+mn-ea"/>
+                <a:cs typeface="+mn-cs"/>
+              </a:rPr>
+              <a:t>值。</a:t>
+            </a:r>
+          </a:p>
+        </p:txBody>
+      </p:sp>
+      <p:sp>
+        <p:nvSpPr>
+          <p:cNvPr id="4" name="灯片编号占位符 3"/>
+          <p:cNvSpPr>
+            <a:spLocks noGrp="1"/>
+          </p:cNvSpPr>
+          <p:nvPr>
+            <p:ph type="sldNum" sz="quarter" idx="5"/>
+          </p:nvPr>
+        </p:nvSpPr>
+        <p:spPr/>
+        <p:txBody>
+          <a:bodyPr/>
+          <a:lstStyle/>
+          <a:p>
+            <a:fld id="{0111EF2A-CA54-46BA-9D19-E4C580B41F03}" type="slidenum">
+              <a:rPr lang="zh-CN" altLang="en-US" smtClean="0"/>
+              <a:t>29</a:t>
+            </a:fld>
+            <a:endParaRPr lang="zh-CN" altLang="en-US"/>
+          </a:p>
+        </p:txBody>
+      </p:sp>
+    </p:spTree>
+    <p:extLst>
+      <p:ext uri="{BB962C8B-B14F-4D97-AF65-F5344CB8AC3E}">
+        <p14:creationId xmlns:p14="http://schemas.microsoft.com/office/powerpoint/2010/main" val="950640816"/>
+      </p:ext>
+    </p:extLst>
+  </p:cSld>
+  <p:clrMapOvr>
+    <a:masterClrMapping/>
+  </p:clrMapOvr>
+</p:notes>
+</file>
+
+<file path=ppt/notesSlides/notesSlide27.xml><?xml version="1.0" encoding="utf-8"?>
+<p:notes xmlns:a="http://schemas.openxmlformats.org/drawingml/2006/main" xmlns:r="http://schemas.openxmlformats.org/officeDocument/2006/relationships" xmlns:p="http://schemas.openxmlformats.org/presentationml/2006/main">
+  <p:cSld>
+    <p:spTree>
+      <p:nvGrpSpPr>
+        <p:cNvPr id="1" name=""/>
+        <p:cNvGrpSpPr/>
+        <p:nvPr/>
+      </p:nvGrpSpPr>
+      <p:grpSpPr>
+        <a:xfrm>
+          <a:off x="0" y="0"/>
+          <a:ext cx="0" cy="0"/>
+          <a:chOff x="0" y="0"/>
+          <a:chExt cx="0" cy="0"/>
+        </a:xfrm>
+      </p:grpSpPr>
+      <p:sp>
+        <p:nvSpPr>
+          <p:cNvPr id="2" name="幻灯片图像占位符 1"/>
+          <p:cNvSpPr>
+            <a:spLocks noGrp="1" noRot="1" noChangeAspect="1"/>
+          </p:cNvSpPr>
+          <p:nvPr>
+            <p:ph type="sldImg"/>
+          </p:nvPr>
+        </p:nvSpPr>
+        <p:spPr/>
+      </p:sp>
+      <p:sp>
+        <p:nvSpPr>
+          <p:cNvPr id="3" name="备注占位符 2"/>
+          <p:cNvSpPr>
+            <a:spLocks noGrp="1"/>
+          </p:cNvSpPr>
+          <p:nvPr>
+            <p:ph type="body" idx="1"/>
+          </p:nvPr>
+        </p:nvSpPr>
+        <p:spPr/>
+        <p:txBody>
+          <a:bodyPr/>
+          <a:lstStyle/>
+          <a:p>
+            <a:r>
+              <a:rPr lang="en-US" altLang="zh-CN" sz="1200" b="0" i="0" kern="1200" dirty="0">
+                <a:solidFill>
+                  <a:schemeClr val="tx1"/>
+                </a:solidFill>
+                <a:effectLst/>
+                <a:latin typeface="+mn-lt"/>
+                <a:ea typeface="+mn-ea"/>
+                <a:cs typeface="+mn-cs"/>
+              </a:rPr>
+              <a:t>(a) 'a' </a:t>
+            </a:r>
+            <a:r>
+              <a:rPr lang="zh-CN" altLang="en-US" sz="1200" b="0" i="0" kern="1200" dirty="0">
+                <a:solidFill>
+                  <a:schemeClr val="tx1"/>
+                </a:solidFill>
+                <a:effectLst/>
+                <a:latin typeface="+mn-lt"/>
+                <a:ea typeface="+mn-ea"/>
+                <a:cs typeface="+mn-cs"/>
+              </a:rPr>
+              <a:t>转换为 </a:t>
+            </a:r>
+            <a:r>
+              <a:rPr lang="en-US" altLang="zh-CN" sz="1200" b="0" i="0" kern="1200" dirty="0">
+                <a:solidFill>
+                  <a:schemeClr val="tx1"/>
+                </a:solidFill>
+                <a:effectLst/>
+                <a:latin typeface="+mn-lt"/>
+                <a:ea typeface="+mn-ea"/>
+                <a:cs typeface="+mn-cs"/>
+              </a:rPr>
+              <a:t>int </a:t>
+            </a:r>
+            <a:r>
+              <a:rPr lang="zh-CN" altLang="en-US" sz="1200" b="0" i="0" kern="1200" dirty="0">
+                <a:solidFill>
+                  <a:schemeClr val="tx1"/>
+                </a:solidFill>
+                <a:effectLst/>
+                <a:latin typeface="+mn-lt"/>
+                <a:ea typeface="+mn-ea"/>
+                <a:cs typeface="+mn-cs"/>
+              </a:rPr>
+              <a:t>，然后与 </a:t>
+            </a:r>
+            <a:r>
+              <a:rPr lang="en-US" altLang="zh-CN" sz="1200" b="0" i="0" kern="1200" dirty="0">
+                <a:solidFill>
+                  <a:schemeClr val="tx1"/>
+                </a:solidFill>
+                <a:effectLst/>
+                <a:latin typeface="+mn-lt"/>
+                <a:ea typeface="+mn-ea"/>
+                <a:cs typeface="+mn-cs"/>
+              </a:rPr>
+              <a:t>3 </a:t>
+            </a:r>
+            <a:r>
+              <a:rPr lang="zh-CN" altLang="en-US" sz="1200" b="0" i="0" kern="1200" dirty="0">
+                <a:solidFill>
+                  <a:schemeClr val="tx1"/>
+                </a:solidFill>
+                <a:effectLst/>
+                <a:latin typeface="+mn-lt"/>
+                <a:ea typeface="+mn-ea"/>
+                <a:cs typeface="+mn-cs"/>
+              </a:rPr>
+              <a:t>相加的结果转换为 </a:t>
+            </a:r>
+            <a:r>
+              <a:rPr lang="en-US" altLang="zh-CN" sz="1200" b="0" i="0" kern="1200" dirty="0">
+                <a:solidFill>
+                  <a:schemeClr val="tx1"/>
+                </a:solidFill>
+                <a:effectLst/>
+                <a:latin typeface="+mn-lt"/>
+                <a:ea typeface="+mn-ea"/>
+                <a:cs typeface="+mn-cs"/>
+              </a:rPr>
+              <a:t>char</a:t>
+            </a:r>
+          </a:p>
+          <a:p>
+            <a:r>
+              <a:rPr lang="en-US" altLang="zh-CN" sz="1200" b="0" i="0" kern="1200" dirty="0">
+                <a:solidFill>
+                  <a:schemeClr val="tx1"/>
+                </a:solidFill>
+                <a:effectLst/>
+                <a:latin typeface="+mn-lt"/>
+                <a:ea typeface="+mn-ea"/>
+                <a:cs typeface="+mn-cs"/>
+              </a:rPr>
+              <a:t>(b) </a:t>
+            </a:r>
+            <a:r>
+              <a:rPr lang="en-US" altLang="zh-CN" sz="1200" b="0" i="0" kern="1200" dirty="0" err="1">
+                <a:solidFill>
+                  <a:schemeClr val="tx1"/>
+                </a:solidFill>
+                <a:effectLst/>
+                <a:latin typeface="+mn-lt"/>
+                <a:ea typeface="+mn-ea"/>
+                <a:cs typeface="+mn-cs"/>
+              </a:rPr>
+              <a:t>ival</a:t>
+            </a:r>
+            <a:r>
+              <a:rPr lang="en-US" altLang="zh-CN" sz="1200" b="0" i="0" kern="1200" dirty="0">
+                <a:solidFill>
+                  <a:schemeClr val="tx1"/>
+                </a:solidFill>
+                <a:effectLst/>
+                <a:latin typeface="+mn-lt"/>
+                <a:ea typeface="+mn-ea"/>
+                <a:cs typeface="+mn-cs"/>
+              </a:rPr>
+              <a:t> </a:t>
+            </a:r>
+            <a:r>
+              <a:rPr lang="zh-CN" altLang="en-US" sz="1200" b="0" i="0" kern="1200" dirty="0">
+                <a:solidFill>
+                  <a:schemeClr val="tx1"/>
+                </a:solidFill>
+                <a:effectLst/>
+                <a:latin typeface="+mn-lt"/>
+                <a:ea typeface="+mn-ea"/>
+                <a:cs typeface="+mn-cs"/>
+              </a:rPr>
+              <a:t>转换为 </a:t>
+            </a:r>
+            <a:r>
+              <a:rPr lang="en-US" altLang="zh-CN" sz="1200" b="0" i="0" kern="1200" dirty="0">
+                <a:solidFill>
+                  <a:schemeClr val="tx1"/>
+                </a:solidFill>
+                <a:effectLst/>
+                <a:latin typeface="+mn-lt"/>
+                <a:ea typeface="+mn-ea"/>
+                <a:cs typeface="+mn-cs"/>
+              </a:rPr>
+              <a:t>double</a:t>
+            </a:r>
+            <a:r>
+              <a:rPr lang="zh-CN" altLang="en-US" sz="1200" b="0" i="0" kern="1200" dirty="0">
+                <a:solidFill>
+                  <a:schemeClr val="tx1"/>
+                </a:solidFill>
+                <a:effectLst/>
+                <a:latin typeface="+mn-lt"/>
+                <a:ea typeface="+mn-ea"/>
+                <a:cs typeface="+mn-cs"/>
+              </a:rPr>
+              <a:t>，</a:t>
+            </a:r>
+            <a:r>
+              <a:rPr lang="en-US" altLang="zh-CN" sz="1200" b="0" i="0" kern="1200" dirty="0" err="1">
+                <a:solidFill>
+                  <a:schemeClr val="tx1"/>
+                </a:solidFill>
+                <a:effectLst/>
+                <a:latin typeface="+mn-lt"/>
+                <a:ea typeface="+mn-ea"/>
+                <a:cs typeface="+mn-cs"/>
+              </a:rPr>
+              <a:t>ui</a:t>
+            </a:r>
+            <a:r>
+              <a:rPr lang="en-US" altLang="zh-CN" sz="1200" b="0" i="0" kern="1200" dirty="0">
+                <a:solidFill>
+                  <a:schemeClr val="tx1"/>
+                </a:solidFill>
+                <a:effectLst/>
+                <a:latin typeface="+mn-lt"/>
+                <a:ea typeface="+mn-ea"/>
+                <a:cs typeface="+mn-cs"/>
+              </a:rPr>
+              <a:t> </a:t>
+            </a:r>
+            <a:r>
+              <a:rPr lang="zh-CN" altLang="en-US" sz="1200" b="0" i="0" kern="1200" dirty="0">
+                <a:solidFill>
+                  <a:schemeClr val="tx1"/>
+                </a:solidFill>
+                <a:effectLst/>
+                <a:latin typeface="+mn-lt"/>
+                <a:ea typeface="+mn-ea"/>
+                <a:cs typeface="+mn-cs"/>
+              </a:rPr>
+              <a:t>转换为 </a:t>
+            </a:r>
+            <a:r>
+              <a:rPr lang="en-US" altLang="zh-CN" sz="1200" b="0" i="0" kern="1200" dirty="0">
+                <a:solidFill>
+                  <a:schemeClr val="tx1"/>
+                </a:solidFill>
+                <a:effectLst/>
+                <a:latin typeface="+mn-lt"/>
+                <a:ea typeface="+mn-ea"/>
+                <a:cs typeface="+mn-cs"/>
+              </a:rPr>
+              <a:t>double</a:t>
+            </a:r>
+            <a:r>
+              <a:rPr lang="zh-CN" altLang="en-US" sz="1200" b="0" i="0" kern="1200" dirty="0">
+                <a:solidFill>
+                  <a:schemeClr val="tx1"/>
+                </a:solidFill>
+                <a:effectLst/>
+                <a:latin typeface="+mn-lt"/>
+                <a:ea typeface="+mn-ea"/>
+                <a:cs typeface="+mn-cs"/>
+              </a:rPr>
+              <a:t>，结果转换为 </a:t>
+            </a:r>
+            <a:r>
+              <a:rPr lang="en-US" altLang="zh-CN" sz="1200" b="0" i="0" kern="1200" dirty="0">
+                <a:solidFill>
+                  <a:schemeClr val="tx1"/>
+                </a:solidFill>
+                <a:effectLst/>
+                <a:latin typeface="+mn-lt"/>
+                <a:ea typeface="+mn-ea"/>
+                <a:cs typeface="+mn-cs"/>
+              </a:rPr>
+              <a:t>float</a:t>
+            </a:r>
+          </a:p>
+          <a:p>
+            <a:r>
+              <a:rPr lang="en-US" altLang="zh-CN" sz="1200" b="0" i="0" kern="1200" dirty="0">
+                <a:solidFill>
+                  <a:schemeClr val="tx1"/>
+                </a:solidFill>
+                <a:effectLst/>
+                <a:latin typeface="+mn-lt"/>
+                <a:ea typeface="+mn-ea"/>
+                <a:cs typeface="+mn-cs"/>
+              </a:rPr>
+              <a:t>(c) </a:t>
+            </a:r>
+            <a:r>
+              <a:rPr lang="en-US" altLang="zh-CN" sz="1200" b="0" i="0" kern="1200" dirty="0" err="1">
+                <a:solidFill>
+                  <a:schemeClr val="tx1"/>
+                </a:solidFill>
+                <a:effectLst/>
+                <a:latin typeface="+mn-lt"/>
+                <a:ea typeface="+mn-ea"/>
+                <a:cs typeface="+mn-cs"/>
+              </a:rPr>
+              <a:t>ui</a:t>
+            </a:r>
+            <a:r>
+              <a:rPr lang="en-US" altLang="zh-CN" sz="1200" b="0" i="0" kern="1200" dirty="0">
+                <a:solidFill>
+                  <a:schemeClr val="tx1"/>
+                </a:solidFill>
+                <a:effectLst/>
+                <a:latin typeface="+mn-lt"/>
+                <a:ea typeface="+mn-ea"/>
+                <a:cs typeface="+mn-cs"/>
+              </a:rPr>
+              <a:t> </a:t>
+            </a:r>
+            <a:r>
+              <a:rPr lang="zh-CN" altLang="en-US" sz="1200" b="0" i="0" kern="1200" dirty="0">
+                <a:solidFill>
+                  <a:schemeClr val="tx1"/>
+                </a:solidFill>
+                <a:effectLst/>
+                <a:latin typeface="+mn-lt"/>
+                <a:ea typeface="+mn-ea"/>
+                <a:cs typeface="+mn-cs"/>
+              </a:rPr>
+              <a:t>转换为 </a:t>
+            </a:r>
+            <a:r>
+              <a:rPr lang="en-US" altLang="zh-CN" sz="1200" b="0" i="0" kern="1200" dirty="0">
+                <a:solidFill>
+                  <a:schemeClr val="tx1"/>
+                </a:solidFill>
+                <a:effectLst/>
+                <a:latin typeface="+mn-lt"/>
+                <a:ea typeface="+mn-ea"/>
+                <a:cs typeface="+mn-cs"/>
+              </a:rPr>
+              <a:t>float</a:t>
+            </a:r>
+            <a:r>
+              <a:rPr lang="zh-CN" altLang="en-US" sz="1200" b="0" i="0" kern="1200" dirty="0">
+                <a:solidFill>
+                  <a:schemeClr val="tx1"/>
+                </a:solidFill>
+                <a:effectLst/>
+                <a:latin typeface="+mn-lt"/>
+                <a:ea typeface="+mn-ea"/>
+                <a:cs typeface="+mn-cs"/>
+              </a:rPr>
+              <a:t>，结果转换为 </a:t>
+            </a:r>
+            <a:r>
+              <a:rPr lang="en-US" altLang="zh-CN" sz="1200" b="0" i="0" kern="1200" dirty="0">
+                <a:solidFill>
+                  <a:schemeClr val="tx1"/>
+                </a:solidFill>
+                <a:effectLst/>
+                <a:latin typeface="+mn-lt"/>
+                <a:ea typeface="+mn-ea"/>
+                <a:cs typeface="+mn-cs"/>
+              </a:rPr>
+              <a:t>double</a:t>
+            </a:r>
+          </a:p>
+          <a:p>
+            <a:r>
+              <a:rPr lang="en-US" altLang="zh-CN" sz="1200" b="0" i="0" kern="1200" dirty="0">
+                <a:solidFill>
+                  <a:schemeClr val="tx1"/>
+                </a:solidFill>
+                <a:effectLst/>
+                <a:latin typeface="+mn-lt"/>
+                <a:ea typeface="+mn-ea"/>
+                <a:cs typeface="+mn-cs"/>
+              </a:rPr>
+              <a:t>(d) </a:t>
+            </a:r>
+            <a:r>
+              <a:rPr lang="en-US" altLang="zh-CN" sz="1200" b="0" i="0" kern="1200" dirty="0" err="1">
+                <a:solidFill>
+                  <a:schemeClr val="tx1"/>
+                </a:solidFill>
+                <a:effectLst/>
+                <a:latin typeface="+mn-lt"/>
+                <a:ea typeface="+mn-ea"/>
+                <a:cs typeface="+mn-cs"/>
+              </a:rPr>
+              <a:t>ival</a:t>
+            </a:r>
+            <a:r>
+              <a:rPr lang="en-US" altLang="zh-CN" sz="1200" b="0" i="0" kern="1200" dirty="0">
+                <a:solidFill>
+                  <a:schemeClr val="tx1"/>
+                </a:solidFill>
+                <a:effectLst/>
+                <a:latin typeface="+mn-lt"/>
+                <a:ea typeface="+mn-ea"/>
+                <a:cs typeface="+mn-cs"/>
+              </a:rPr>
+              <a:t> </a:t>
+            </a:r>
+            <a:r>
+              <a:rPr lang="zh-CN" altLang="en-US" sz="1200" b="0" i="0" kern="1200" dirty="0">
+                <a:solidFill>
+                  <a:schemeClr val="tx1"/>
+                </a:solidFill>
+                <a:effectLst/>
+                <a:latin typeface="+mn-lt"/>
+                <a:ea typeface="+mn-ea"/>
+                <a:cs typeface="+mn-cs"/>
+              </a:rPr>
+              <a:t>转换为 </a:t>
+            </a:r>
+            <a:r>
+              <a:rPr lang="en-US" altLang="zh-CN" sz="1200" b="0" i="0" kern="1200" dirty="0">
+                <a:solidFill>
+                  <a:schemeClr val="tx1"/>
+                </a:solidFill>
+                <a:effectLst/>
+                <a:latin typeface="+mn-lt"/>
+                <a:ea typeface="+mn-ea"/>
+                <a:cs typeface="+mn-cs"/>
+              </a:rPr>
+              <a:t>float</a:t>
+            </a:r>
+            <a:r>
+              <a:rPr lang="zh-CN" altLang="en-US" sz="1200" b="0" i="0" kern="1200" dirty="0">
+                <a:solidFill>
+                  <a:schemeClr val="tx1"/>
+                </a:solidFill>
+                <a:effectLst/>
+                <a:latin typeface="+mn-lt"/>
+                <a:ea typeface="+mn-ea"/>
+                <a:cs typeface="+mn-cs"/>
+              </a:rPr>
+              <a:t>，与</a:t>
+            </a:r>
+            <a:r>
+              <a:rPr lang="en-US" altLang="zh-CN" sz="1200" b="0" i="0" kern="1200" dirty="0" err="1">
+                <a:solidFill>
+                  <a:schemeClr val="tx1"/>
+                </a:solidFill>
+                <a:effectLst/>
+                <a:latin typeface="+mn-lt"/>
+                <a:ea typeface="+mn-ea"/>
+                <a:cs typeface="+mn-cs"/>
+              </a:rPr>
+              <a:t>fval</a:t>
+            </a:r>
+            <a:r>
+              <a:rPr lang="zh-CN" altLang="en-US" sz="1200" b="0" i="0" kern="1200" dirty="0">
+                <a:solidFill>
+                  <a:schemeClr val="tx1"/>
+                </a:solidFill>
+                <a:effectLst/>
+                <a:latin typeface="+mn-lt"/>
+                <a:ea typeface="+mn-ea"/>
+                <a:cs typeface="+mn-cs"/>
+              </a:rPr>
+              <a:t>相加后的结果转换为 </a:t>
+            </a:r>
+            <a:r>
+              <a:rPr lang="en-US" altLang="zh-CN" sz="1200" b="0" i="0" kern="1200" dirty="0">
+                <a:solidFill>
+                  <a:schemeClr val="tx1"/>
+                </a:solidFill>
+                <a:effectLst/>
+                <a:latin typeface="+mn-lt"/>
+                <a:ea typeface="+mn-ea"/>
+                <a:cs typeface="+mn-cs"/>
+              </a:rPr>
+              <a:t>double</a:t>
+            </a:r>
+            <a:r>
+              <a:rPr lang="zh-CN" altLang="en-US" sz="1200" b="0" i="0" kern="1200" dirty="0">
+                <a:solidFill>
+                  <a:schemeClr val="tx1"/>
+                </a:solidFill>
+                <a:effectLst/>
+                <a:latin typeface="+mn-lt"/>
+                <a:ea typeface="+mn-ea"/>
+                <a:cs typeface="+mn-cs"/>
+              </a:rPr>
+              <a:t>，最后的结果转换为</a:t>
+            </a:r>
+            <a:r>
+              <a:rPr lang="en-US" altLang="zh-CN" sz="1200" b="0" i="0" kern="1200" dirty="0">
+                <a:solidFill>
+                  <a:schemeClr val="tx1"/>
+                </a:solidFill>
+                <a:effectLst/>
+                <a:latin typeface="+mn-lt"/>
+                <a:ea typeface="+mn-ea"/>
+                <a:cs typeface="+mn-cs"/>
+              </a:rPr>
+              <a:t>char</a:t>
+            </a:r>
+          </a:p>
+        </p:txBody>
+      </p:sp>
+      <p:sp>
+        <p:nvSpPr>
+          <p:cNvPr id="4" name="灯片编号占位符 3"/>
+          <p:cNvSpPr>
+            <a:spLocks noGrp="1"/>
+          </p:cNvSpPr>
+          <p:nvPr>
+            <p:ph type="sldNum" sz="quarter" idx="5"/>
+          </p:nvPr>
+        </p:nvSpPr>
+        <p:spPr/>
+        <p:txBody>
+          <a:bodyPr/>
+          <a:lstStyle/>
+          <a:p>
+            <a:fld id="{0111EF2A-CA54-46BA-9D19-E4C580B41F03}" type="slidenum">
+              <a:rPr lang="zh-CN" altLang="en-US" smtClean="0"/>
+              <a:t>30</a:t>
+            </a:fld>
+            <a:endParaRPr lang="zh-CN" altLang="en-US"/>
+          </a:p>
+        </p:txBody>
+      </p:sp>
+    </p:spTree>
+    <p:extLst>
+      <p:ext uri="{BB962C8B-B14F-4D97-AF65-F5344CB8AC3E}">
+        <p14:creationId xmlns:p14="http://schemas.microsoft.com/office/powerpoint/2010/main" val="1188370901"/>
+      </p:ext>
+    </p:extLst>
+  </p:cSld>
+  <p:clrMapOvr>
+    <a:masterClrMapping/>
+  </p:clrMapOvr>
+</p:notes>
+</file>
+
+<file path=ppt/notesSlides/notesSlide28.xml><?xml version="1.0" encoding="utf-8"?>
+<p:notes xmlns:a="http://schemas.openxmlformats.org/drawingml/2006/main" xmlns:r="http://schemas.openxmlformats.org/officeDocument/2006/relationships" xmlns:p="http://schemas.openxmlformats.org/presentationml/2006/main">
+  <p:cSld>
+    <p:spTree>
+      <p:nvGrpSpPr>
+        <p:cNvPr id="1" name=""/>
+        <p:cNvGrpSpPr/>
+        <p:nvPr/>
+      </p:nvGrpSpPr>
+      <p:grpSpPr>
+        <a:xfrm>
+          <a:off x="0" y="0"/>
+          <a:ext cx="0" cy="0"/>
+          <a:chOff x="0" y="0"/>
+          <a:chExt cx="0" cy="0"/>
+        </a:xfrm>
+      </p:grpSpPr>
+      <p:sp>
+        <p:nvSpPr>
+          <p:cNvPr id="2" name="幻灯片图像占位符 1"/>
+          <p:cNvSpPr>
+            <a:spLocks noGrp="1" noRot="1" noChangeAspect="1"/>
+          </p:cNvSpPr>
+          <p:nvPr>
+            <p:ph type="sldImg"/>
+          </p:nvPr>
+        </p:nvSpPr>
+        <p:spPr/>
+      </p:sp>
+      <p:sp>
+        <p:nvSpPr>
+          <p:cNvPr id="3" name="备注占位符 2"/>
+          <p:cNvSpPr>
+            <a:spLocks noGrp="1"/>
+          </p:cNvSpPr>
+          <p:nvPr>
+            <p:ph type="body" idx="1"/>
+          </p:nvPr>
+        </p:nvSpPr>
+        <p:spPr/>
+        <p:txBody>
+          <a:bodyPr/>
+          <a:lstStyle/>
+          <a:p>
+            <a:r>
+              <a:rPr lang="en-US" altLang="zh-CN" sz="1200" b="0" i="0" kern="1200" dirty="0">
+                <a:solidFill>
+                  <a:schemeClr val="tx1"/>
+                </a:solidFill>
+                <a:effectLst/>
+                <a:latin typeface="+mn-lt"/>
+                <a:ea typeface="+mn-ea"/>
+                <a:cs typeface="+mn-cs"/>
+              </a:rPr>
+              <a:t>#include &lt;iostream&gt; </a:t>
+            </a:r>
+          </a:p>
+          <a:p>
+            <a:endParaRPr lang="en-US" altLang="zh-CN" sz="1200" b="0" i="0" kern="1200" dirty="0">
+              <a:solidFill>
+                <a:schemeClr val="tx1"/>
+              </a:solidFill>
+              <a:effectLst/>
+              <a:latin typeface="+mn-lt"/>
+              <a:ea typeface="+mn-ea"/>
+              <a:cs typeface="+mn-cs"/>
+            </a:endParaRPr>
+          </a:p>
+          <a:p>
+            <a:r>
+              <a:rPr lang="en-US" altLang="zh-CN" sz="1200" b="0" i="0" kern="1200" dirty="0">
+                <a:solidFill>
+                  <a:schemeClr val="tx1"/>
+                </a:solidFill>
+                <a:effectLst/>
+                <a:latin typeface="+mn-lt"/>
+                <a:ea typeface="+mn-ea"/>
+                <a:cs typeface="+mn-cs"/>
+              </a:rPr>
+              <a:t>using namespace std;</a:t>
+            </a:r>
+          </a:p>
+          <a:p>
+            <a:endParaRPr lang="en-US" altLang="zh-CN" sz="1200" b="0" i="0" kern="1200" dirty="0">
+              <a:solidFill>
+                <a:schemeClr val="tx1"/>
+              </a:solidFill>
+              <a:effectLst/>
+              <a:latin typeface="+mn-lt"/>
+              <a:ea typeface="+mn-ea"/>
+              <a:cs typeface="+mn-cs"/>
+            </a:endParaRPr>
+          </a:p>
+          <a:p>
+            <a:r>
+              <a:rPr lang="en-US" altLang="zh-CN" sz="1200" b="0" i="0" kern="1200" dirty="0">
+                <a:solidFill>
+                  <a:schemeClr val="tx1"/>
+                </a:solidFill>
+                <a:effectLst/>
+                <a:latin typeface="+mn-lt"/>
+                <a:ea typeface="+mn-ea"/>
+                <a:cs typeface="+mn-cs"/>
+              </a:rPr>
+              <a:t>int main()</a:t>
+            </a:r>
+          </a:p>
+          <a:p>
+            <a:r>
+              <a:rPr lang="en-US" altLang="zh-CN" sz="1200" b="0" i="0" kern="1200" dirty="0">
+                <a:solidFill>
+                  <a:schemeClr val="tx1"/>
+                </a:solidFill>
+                <a:effectLst/>
+                <a:latin typeface="+mn-lt"/>
+                <a:ea typeface="+mn-ea"/>
+                <a:cs typeface="+mn-cs"/>
+              </a:rPr>
+              <a:t>{</a:t>
+            </a:r>
+          </a:p>
+          <a:p>
+            <a:r>
+              <a:rPr lang="en-US" altLang="zh-CN" sz="1200" b="0" i="0" kern="1200" dirty="0">
+                <a:solidFill>
+                  <a:schemeClr val="tx1"/>
+                </a:solidFill>
+                <a:effectLst/>
+                <a:latin typeface="+mn-lt"/>
+                <a:ea typeface="+mn-ea"/>
+                <a:cs typeface="+mn-cs"/>
+              </a:rPr>
+              <a:t>	</a:t>
+            </a:r>
+            <a:r>
+              <a:rPr lang="en-US" altLang="zh-CN" sz="1200" b="0" i="0" kern="1200" dirty="0" err="1">
+                <a:solidFill>
+                  <a:schemeClr val="tx1"/>
+                </a:solidFill>
+                <a:effectLst/>
+                <a:latin typeface="+mn-lt"/>
+                <a:ea typeface="+mn-ea"/>
+                <a:cs typeface="+mn-cs"/>
+              </a:rPr>
+              <a:t>cout</a:t>
+            </a:r>
+            <a:r>
+              <a:rPr lang="en-US" altLang="zh-CN" sz="1200" b="0" i="0" kern="1200" dirty="0">
+                <a:solidFill>
+                  <a:schemeClr val="tx1"/>
+                </a:solidFill>
+                <a:effectLst/>
+                <a:latin typeface="+mn-lt"/>
+                <a:ea typeface="+mn-ea"/>
+                <a:cs typeface="+mn-cs"/>
+              </a:rPr>
+              <a:t> &lt;&lt; "bool:\t\t" &lt;&lt; </a:t>
+            </a:r>
+            <a:r>
+              <a:rPr lang="en-US" altLang="zh-CN" sz="1200" b="0" i="0" kern="1200" dirty="0" err="1">
+                <a:solidFill>
+                  <a:schemeClr val="tx1"/>
+                </a:solidFill>
+                <a:effectLst/>
+                <a:latin typeface="+mn-lt"/>
+                <a:ea typeface="+mn-ea"/>
+                <a:cs typeface="+mn-cs"/>
+              </a:rPr>
+              <a:t>sizeof</a:t>
+            </a:r>
+            <a:r>
+              <a:rPr lang="en-US" altLang="zh-CN" sz="1200" b="0" i="0" kern="1200" dirty="0">
+                <a:solidFill>
+                  <a:schemeClr val="tx1"/>
+                </a:solidFill>
+                <a:effectLst/>
+                <a:latin typeface="+mn-lt"/>
+                <a:ea typeface="+mn-ea"/>
+                <a:cs typeface="+mn-cs"/>
+              </a:rPr>
+              <a:t>(bool) &lt;&lt; " bytes" &lt;&lt; endl &lt;&lt; endl;</a:t>
+            </a:r>
+          </a:p>
+          <a:p>
+            <a:endParaRPr lang="en-US" altLang="zh-CN" sz="1200" b="0" i="0" kern="1200" dirty="0">
+              <a:solidFill>
+                <a:schemeClr val="tx1"/>
+              </a:solidFill>
+              <a:effectLst/>
+              <a:latin typeface="+mn-lt"/>
+              <a:ea typeface="+mn-ea"/>
+              <a:cs typeface="+mn-cs"/>
+            </a:endParaRPr>
+          </a:p>
+          <a:p>
+            <a:r>
+              <a:rPr lang="en-US" altLang="zh-CN" sz="1200" b="0" i="0" kern="1200" dirty="0">
+                <a:solidFill>
+                  <a:schemeClr val="tx1"/>
+                </a:solidFill>
+                <a:effectLst/>
+                <a:latin typeface="+mn-lt"/>
+                <a:ea typeface="+mn-ea"/>
+                <a:cs typeface="+mn-cs"/>
+              </a:rPr>
+              <a:t>	</a:t>
+            </a:r>
+            <a:r>
+              <a:rPr lang="en-US" altLang="zh-CN" sz="1200" b="0" i="0" kern="1200" dirty="0" err="1">
+                <a:solidFill>
+                  <a:schemeClr val="tx1"/>
+                </a:solidFill>
+                <a:effectLst/>
+                <a:latin typeface="+mn-lt"/>
+                <a:ea typeface="+mn-ea"/>
+                <a:cs typeface="+mn-cs"/>
+              </a:rPr>
+              <a:t>cout</a:t>
+            </a:r>
+            <a:r>
+              <a:rPr lang="en-US" altLang="zh-CN" sz="1200" b="0" i="0" kern="1200" dirty="0">
+                <a:solidFill>
+                  <a:schemeClr val="tx1"/>
+                </a:solidFill>
+                <a:effectLst/>
+                <a:latin typeface="+mn-lt"/>
+                <a:ea typeface="+mn-ea"/>
+                <a:cs typeface="+mn-cs"/>
+              </a:rPr>
+              <a:t> &lt;&lt; "char:\t\t" &lt;&lt; </a:t>
+            </a:r>
+            <a:r>
+              <a:rPr lang="en-US" altLang="zh-CN" sz="1200" b="0" i="0" kern="1200" dirty="0" err="1">
+                <a:solidFill>
+                  <a:schemeClr val="tx1"/>
+                </a:solidFill>
+                <a:effectLst/>
+                <a:latin typeface="+mn-lt"/>
+                <a:ea typeface="+mn-ea"/>
+                <a:cs typeface="+mn-cs"/>
+              </a:rPr>
+              <a:t>sizeof</a:t>
+            </a:r>
+            <a:r>
+              <a:rPr lang="en-US" altLang="zh-CN" sz="1200" b="0" i="0" kern="1200" dirty="0">
+                <a:solidFill>
+                  <a:schemeClr val="tx1"/>
+                </a:solidFill>
+                <a:effectLst/>
+                <a:latin typeface="+mn-lt"/>
+                <a:ea typeface="+mn-ea"/>
+                <a:cs typeface="+mn-cs"/>
+              </a:rPr>
+              <a:t>(char) &lt;&lt; " bytes" &lt;&lt; endl;</a:t>
+            </a:r>
+          </a:p>
+          <a:p>
+            <a:r>
+              <a:rPr lang="en-US" altLang="zh-CN" sz="1200" b="0" i="0" kern="1200" dirty="0">
+                <a:solidFill>
+                  <a:schemeClr val="tx1"/>
+                </a:solidFill>
+                <a:effectLst/>
+                <a:latin typeface="+mn-lt"/>
+                <a:ea typeface="+mn-ea"/>
+                <a:cs typeface="+mn-cs"/>
+              </a:rPr>
+              <a:t>	</a:t>
+            </a:r>
+            <a:r>
+              <a:rPr lang="en-US" altLang="zh-CN" sz="1200" b="0" i="0" kern="1200" dirty="0" err="1">
+                <a:solidFill>
+                  <a:schemeClr val="tx1"/>
+                </a:solidFill>
+                <a:effectLst/>
+                <a:latin typeface="+mn-lt"/>
+                <a:ea typeface="+mn-ea"/>
+                <a:cs typeface="+mn-cs"/>
+              </a:rPr>
+              <a:t>cout</a:t>
+            </a:r>
+            <a:r>
+              <a:rPr lang="en-US" altLang="zh-CN" sz="1200" b="0" i="0" kern="1200" dirty="0">
+                <a:solidFill>
+                  <a:schemeClr val="tx1"/>
+                </a:solidFill>
+                <a:effectLst/>
+                <a:latin typeface="+mn-lt"/>
+                <a:ea typeface="+mn-ea"/>
+                <a:cs typeface="+mn-cs"/>
+              </a:rPr>
+              <a:t> &lt;&lt; "</a:t>
+            </a:r>
+            <a:r>
+              <a:rPr lang="en-US" altLang="zh-CN" sz="1200" b="0" i="0" kern="1200" dirty="0" err="1">
+                <a:solidFill>
+                  <a:schemeClr val="tx1"/>
+                </a:solidFill>
+                <a:effectLst/>
+                <a:latin typeface="+mn-lt"/>
+                <a:ea typeface="+mn-ea"/>
+                <a:cs typeface="+mn-cs"/>
+              </a:rPr>
+              <a:t>wchar_t</a:t>
+            </a:r>
+            <a:r>
+              <a:rPr lang="en-US" altLang="zh-CN" sz="1200" b="0" i="0" kern="1200" dirty="0">
+                <a:solidFill>
+                  <a:schemeClr val="tx1"/>
+                </a:solidFill>
+                <a:effectLst/>
+                <a:latin typeface="+mn-lt"/>
+                <a:ea typeface="+mn-ea"/>
+                <a:cs typeface="+mn-cs"/>
+              </a:rPr>
+              <a:t>:\t" &lt;&lt; </a:t>
+            </a:r>
+            <a:r>
+              <a:rPr lang="en-US" altLang="zh-CN" sz="1200" b="0" i="0" kern="1200" dirty="0" err="1">
+                <a:solidFill>
+                  <a:schemeClr val="tx1"/>
+                </a:solidFill>
+                <a:effectLst/>
+                <a:latin typeface="+mn-lt"/>
+                <a:ea typeface="+mn-ea"/>
+                <a:cs typeface="+mn-cs"/>
+              </a:rPr>
+              <a:t>sizeof</a:t>
+            </a:r>
+            <a:r>
+              <a:rPr lang="en-US" altLang="zh-CN" sz="1200" b="0" i="0" kern="1200" dirty="0">
+                <a:solidFill>
+                  <a:schemeClr val="tx1"/>
+                </a:solidFill>
+                <a:effectLst/>
+                <a:latin typeface="+mn-lt"/>
+                <a:ea typeface="+mn-ea"/>
+                <a:cs typeface="+mn-cs"/>
+              </a:rPr>
+              <a:t>(</a:t>
+            </a:r>
+            <a:r>
+              <a:rPr lang="en-US" altLang="zh-CN" sz="1200" b="0" i="0" kern="1200" dirty="0" err="1">
+                <a:solidFill>
+                  <a:schemeClr val="tx1"/>
+                </a:solidFill>
+                <a:effectLst/>
+                <a:latin typeface="+mn-lt"/>
+                <a:ea typeface="+mn-ea"/>
+                <a:cs typeface="+mn-cs"/>
+              </a:rPr>
+              <a:t>wchar_t</a:t>
+            </a:r>
+            <a:r>
+              <a:rPr lang="en-US" altLang="zh-CN" sz="1200" b="0" i="0" kern="1200" dirty="0">
+                <a:solidFill>
+                  <a:schemeClr val="tx1"/>
+                </a:solidFill>
+                <a:effectLst/>
+                <a:latin typeface="+mn-lt"/>
+                <a:ea typeface="+mn-ea"/>
+                <a:cs typeface="+mn-cs"/>
+              </a:rPr>
+              <a:t>) &lt;&lt; " bytes" &lt;&lt; endl;</a:t>
+            </a:r>
+          </a:p>
+          <a:p>
+            <a:r>
+              <a:rPr lang="en-US" altLang="zh-CN" sz="1200" b="0" i="0" kern="1200" dirty="0">
+                <a:solidFill>
+                  <a:schemeClr val="tx1"/>
+                </a:solidFill>
+                <a:effectLst/>
+                <a:latin typeface="+mn-lt"/>
+                <a:ea typeface="+mn-ea"/>
+                <a:cs typeface="+mn-cs"/>
+              </a:rPr>
+              <a:t>	</a:t>
+            </a:r>
+            <a:r>
+              <a:rPr lang="en-US" altLang="zh-CN" sz="1200" b="0" i="0" kern="1200" dirty="0" err="1">
+                <a:solidFill>
+                  <a:schemeClr val="tx1"/>
+                </a:solidFill>
+                <a:effectLst/>
+                <a:latin typeface="+mn-lt"/>
+                <a:ea typeface="+mn-ea"/>
+                <a:cs typeface="+mn-cs"/>
+              </a:rPr>
+              <a:t>cout</a:t>
+            </a:r>
+            <a:r>
+              <a:rPr lang="en-US" altLang="zh-CN" sz="1200" b="0" i="0" kern="1200" dirty="0">
+                <a:solidFill>
+                  <a:schemeClr val="tx1"/>
+                </a:solidFill>
+                <a:effectLst/>
+                <a:latin typeface="+mn-lt"/>
+                <a:ea typeface="+mn-ea"/>
+                <a:cs typeface="+mn-cs"/>
+              </a:rPr>
+              <a:t> &lt;&lt; "char16_t:\t" &lt;&lt; </a:t>
+            </a:r>
+            <a:r>
+              <a:rPr lang="en-US" altLang="zh-CN" sz="1200" b="0" i="0" kern="1200" dirty="0" err="1">
+                <a:solidFill>
+                  <a:schemeClr val="tx1"/>
+                </a:solidFill>
+                <a:effectLst/>
+                <a:latin typeface="+mn-lt"/>
+                <a:ea typeface="+mn-ea"/>
+                <a:cs typeface="+mn-cs"/>
+              </a:rPr>
+              <a:t>sizeof</a:t>
+            </a:r>
+            <a:r>
+              <a:rPr lang="en-US" altLang="zh-CN" sz="1200" b="0" i="0" kern="1200" dirty="0">
+                <a:solidFill>
+                  <a:schemeClr val="tx1"/>
+                </a:solidFill>
+                <a:effectLst/>
+                <a:latin typeface="+mn-lt"/>
+                <a:ea typeface="+mn-ea"/>
+                <a:cs typeface="+mn-cs"/>
+              </a:rPr>
+              <a:t>(char16_t) &lt;&lt; " bytes" &lt;&lt; endl;</a:t>
+            </a:r>
+          </a:p>
+          <a:p>
+            <a:r>
+              <a:rPr lang="en-US" altLang="zh-CN" sz="1200" b="0" i="0" kern="1200" dirty="0">
+                <a:solidFill>
+                  <a:schemeClr val="tx1"/>
+                </a:solidFill>
+                <a:effectLst/>
+                <a:latin typeface="+mn-lt"/>
+                <a:ea typeface="+mn-ea"/>
+                <a:cs typeface="+mn-cs"/>
+              </a:rPr>
+              <a:t>	</a:t>
+            </a:r>
+            <a:r>
+              <a:rPr lang="en-US" altLang="zh-CN" sz="1200" b="0" i="0" kern="1200" dirty="0" err="1">
+                <a:solidFill>
+                  <a:schemeClr val="tx1"/>
+                </a:solidFill>
+                <a:effectLst/>
+                <a:latin typeface="+mn-lt"/>
+                <a:ea typeface="+mn-ea"/>
+                <a:cs typeface="+mn-cs"/>
+              </a:rPr>
+              <a:t>cout</a:t>
+            </a:r>
+            <a:r>
+              <a:rPr lang="en-US" altLang="zh-CN" sz="1200" b="0" i="0" kern="1200" dirty="0">
+                <a:solidFill>
+                  <a:schemeClr val="tx1"/>
+                </a:solidFill>
+                <a:effectLst/>
+                <a:latin typeface="+mn-lt"/>
+                <a:ea typeface="+mn-ea"/>
+                <a:cs typeface="+mn-cs"/>
+              </a:rPr>
+              <a:t> &lt;&lt; "char32_t:\t" &lt;&lt; </a:t>
+            </a:r>
+            <a:r>
+              <a:rPr lang="en-US" altLang="zh-CN" sz="1200" b="0" i="0" kern="1200" dirty="0" err="1">
+                <a:solidFill>
+                  <a:schemeClr val="tx1"/>
+                </a:solidFill>
+                <a:effectLst/>
+                <a:latin typeface="+mn-lt"/>
+                <a:ea typeface="+mn-ea"/>
+                <a:cs typeface="+mn-cs"/>
+              </a:rPr>
+              <a:t>sizeof</a:t>
+            </a:r>
+            <a:r>
+              <a:rPr lang="en-US" altLang="zh-CN" sz="1200" b="0" i="0" kern="1200" dirty="0">
+                <a:solidFill>
+                  <a:schemeClr val="tx1"/>
+                </a:solidFill>
+                <a:effectLst/>
+                <a:latin typeface="+mn-lt"/>
+                <a:ea typeface="+mn-ea"/>
+                <a:cs typeface="+mn-cs"/>
+              </a:rPr>
+              <a:t>(char32_t) &lt;&lt; " bytes" &lt;&lt; endl &lt;&lt; endl;</a:t>
+            </a:r>
+          </a:p>
+          <a:p>
+            <a:endParaRPr lang="en-US" altLang="zh-CN" sz="1200" b="0" i="0" kern="1200" dirty="0">
+              <a:solidFill>
+                <a:schemeClr val="tx1"/>
+              </a:solidFill>
+              <a:effectLst/>
+              <a:latin typeface="+mn-lt"/>
+              <a:ea typeface="+mn-ea"/>
+              <a:cs typeface="+mn-cs"/>
+            </a:endParaRPr>
+          </a:p>
+          <a:p>
+            <a:r>
+              <a:rPr lang="en-US" altLang="zh-CN" sz="1200" b="0" i="0" kern="1200" dirty="0">
+                <a:solidFill>
+                  <a:schemeClr val="tx1"/>
+                </a:solidFill>
+                <a:effectLst/>
+                <a:latin typeface="+mn-lt"/>
+                <a:ea typeface="+mn-ea"/>
+                <a:cs typeface="+mn-cs"/>
+              </a:rPr>
+              <a:t>	</a:t>
+            </a:r>
+            <a:r>
+              <a:rPr lang="en-US" altLang="zh-CN" sz="1200" b="0" i="0" kern="1200" dirty="0" err="1">
+                <a:solidFill>
+                  <a:schemeClr val="tx1"/>
+                </a:solidFill>
+                <a:effectLst/>
+                <a:latin typeface="+mn-lt"/>
+                <a:ea typeface="+mn-ea"/>
+                <a:cs typeface="+mn-cs"/>
+              </a:rPr>
+              <a:t>cout</a:t>
+            </a:r>
+            <a:r>
+              <a:rPr lang="en-US" altLang="zh-CN" sz="1200" b="0" i="0" kern="1200" dirty="0">
+                <a:solidFill>
+                  <a:schemeClr val="tx1"/>
+                </a:solidFill>
+                <a:effectLst/>
+                <a:latin typeface="+mn-lt"/>
+                <a:ea typeface="+mn-ea"/>
+                <a:cs typeface="+mn-cs"/>
+              </a:rPr>
+              <a:t> &lt;&lt; "short:\t\t" &lt;&lt; </a:t>
+            </a:r>
+            <a:r>
+              <a:rPr lang="en-US" altLang="zh-CN" sz="1200" b="0" i="0" kern="1200" dirty="0" err="1">
+                <a:solidFill>
+                  <a:schemeClr val="tx1"/>
+                </a:solidFill>
+                <a:effectLst/>
+                <a:latin typeface="+mn-lt"/>
+                <a:ea typeface="+mn-ea"/>
+                <a:cs typeface="+mn-cs"/>
+              </a:rPr>
+              <a:t>sizeof</a:t>
+            </a:r>
+            <a:r>
+              <a:rPr lang="en-US" altLang="zh-CN" sz="1200" b="0" i="0" kern="1200" dirty="0">
+                <a:solidFill>
+                  <a:schemeClr val="tx1"/>
+                </a:solidFill>
+                <a:effectLst/>
+                <a:latin typeface="+mn-lt"/>
+                <a:ea typeface="+mn-ea"/>
+                <a:cs typeface="+mn-cs"/>
+              </a:rPr>
+              <a:t>(short) &lt;&lt; " bytes" &lt;&lt; endl;</a:t>
+            </a:r>
+          </a:p>
+          <a:p>
+            <a:r>
+              <a:rPr lang="en-US" altLang="zh-CN" sz="1200" b="0" i="0" kern="1200" dirty="0">
+                <a:solidFill>
+                  <a:schemeClr val="tx1"/>
+                </a:solidFill>
+                <a:effectLst/>
+                <a:latin typeface="+mn-lt"/>
+                <a:ea typeface="+mn-ea"/>
+                <a:cs typeface="+mn-cs"/>
+              </a:rPr>
+              <a:t>	</a:t>
+            </a:r>
+            <a:r>
+              <a:rPr lang="en-US" altLang="zh-CN" sz="1200" b="0" i="0" kern="1200" dirty="0" err="1">
+                <a:solidFill>
+                  <a:schemeClr val="tx1"/>
+                </a:solidFill>
+                <a:effectLst/>
+                <a:latin typeface="+mn-lt"/>
+                <a:ea typeface="+mn-ea"/>
+                <a:cs typeface="+mn-cs"/>
+              </a:rPr>
+              <a:t>cout</a:t>
+            </a:r>
+            <a:r>
+              <a:rPr lang="en-US" altLang="zh-CN" sz="1200" b="0" i="0" kern="1200" dirty="0">
+                <a:solidFill>
+                  <a:schemeClr val="tx1"/>
+                </a:solidFill>
+                <a:effectLst/>
+                <a:latin typeface="+mn-lt"/>
+                <a:ea typeface="+mn-ea"/>
+                <a:cs typeface="+mn-cs"/>
+              </a:rPr>
+              <a:t> &lt;&lt; "int:\t\t" &lt;&lt; </a:t>
+            </a:r>
+            <a:r>
+              <a:rPr lang="en-US" altLang="zh-CN" sz="1200" b="0" i="0" kern="1200" dirty="0" err="1">
+                <a:solidFill>
+                  <a:schemeClr val="tx1"/>
+                </a:solidFill>
+                <a:effectLst/>
+                <a:latin typeface="+mn-lt"/>
+                <a:ea typeface="+mn-ea"/>
+                <a:cs typeface="+mn-cs"/>
+              </a:rPr>
+              <a:t>sizeof</a:t>
+            </a:r>
+            <a:r>
+              <a:rPr lang="en-US" altLang="zh-CN" sz="1200" b="0" i="0" kern="1200" dirty="0">
+                <a:solidFill>
+                  <a:schemeClr val="tx1"/>
+                </a:solidFill>
+                <a:effectLst/>
+                <a:latin typeface="+mn-lt"/>
+                <a:ea typeface="+mn-ea"/>
+                <a:cs typeface="+mn-cs"/>
+              </a:rPr>
+              <a:t>(int) &lt;&lt; " bytes" &lt;&lt; endl;</a:t>
+            </a:r>
+          </a:p>
+          <a:p>
+            <a:r>
+              <a:rPr lang="en-US" altLang="zh-CN" sz="1200" b="0" i="0" kern="1200" dirty="0">
+                <a:solidFill>
+                  <a:schemeClr val="tx1"/>
+                </a:solidFill>
+                <a:effectLst/>
+                <a:latin typeface="+mn-lt"/>
+                <a:ea typeface="+mn-ea"/>
+                <a:cs typeface="+mn-cs"/>
+              </a:rPr>
+              <a:t>	</a:t>
+            </a:r>
+            <a:r>
+              <a:rPr lang="en-US" altLang="zh-CN" sz="1200" b="0" i="0" kern="1200" dirty="0" err="1">
+                <a:solidFill>
+                  <a:schemeClr val="tx1"/>
+                </a:solidFill>
+                <a:effectLst/>
+                <a:latin typeface="+mn-lt"/>
+                <a:ea typeface="+mn-ea"/>
+                <a:cs typeface="+mn-cs"/>
+              </a:rPr>
+              <a:t>cout</a:t>
+            </a:r>
+            <a:r>
+              <a:rPr lang="en-US" altLang="zh-CN" sz="1200" b="0" i="0" kern="1200" dirty="0">
+                <a:solidFill>
+                  <a:schemeClr val="tx1"/>
+                </a:solidFill>
+                <a:effectLst/>
+                <a:latin typeface="+mn-lt"/>
+                <a:ea typeface="+mn-ea"/>
+                <a:cs typeface="+mn-cs"/>
+              </a:rPr>
+              <a:t> &lt;&lt; "long:\t\t" &lt;&lt; </a:t>
+            </a:r>
+            <a:r>
+              <a:rPr lang="en-US" altLang="zh-CN" sz="1200" b="0" i="0" kern="1200" dirty="0" err="1">
+                <a:solidFill>
+                  <a:schemeClr val="tx1"/>
+                </a:solidFill>
+                <a:effectLst/>
+                <a:latin typeface="+mn-lt"/>
+                <a:ea typeface="+mn-ea"/>
+                <a:cs typeface="+mn-cs"/>
+              </a:rPr>
+              <a:t>sizeof</a:t>
+            </a:r>
+            <a:r>
+              <a:rPr lang="en-US" altLang="zh-CN" sz="1200" b="0" i="0" kern="1200" dirty="0">
+                <a:solidFill>
+                  <a:schemeClr val="tx1"/>
+                </a:solidFill>
+                <a:effectLst/>
+                <a:latin typeface="+mn-lt"/>
+                <a:ea typeface="+mn-ea"/>
+                <a:cs typeface="+mn-cs"/>
+              </a:rPr>
+              <a:t>(long) &lt;&lt; " bytes" &lt;&lt; endl;</a:t>
+            </a:r>
+          </a:p>
+          <a:p>
+            <a:r>
+              <a:rPr lang="en-US" altLang="zh-CN" sz="1200" b="0" i="0" kern="1200" dirty="0">
+                <a:solidFill>
+                  <a:schemeClr val="tx1"/>
+                </a:solidFill>
+                <a:effectLst/>
+                <a:latin typeface="+mn-lt"/>
+                <a:ea typeface="+mn-ea"/>
+                <a:cs typeface="+mn-cs"/>
+              </a:rPr>
+              <a:t>	</a:t>
+            </a:r>
+            <a:r>
+              <a:rPr lang="en-US" altLang="zh-CN" sz="1200" b="0" i="0" kern="1200" dirty="0" err="1">
+                <a:solidFill>
+                  <a:schemeClr val="tx1"/>
+                </a:solidFill>
+                <a:effectLst/>
+                <a:latin typeface="+mn-lt"/>
+                <a:ea typeface="+mn-ea"/>
+                <a:cs typeface="+mn-cs"/>
+              </a:rPr>
+              <a:t>cout</a:t>
+            </a:r>
+            <a:r>
+              <a:rPr lang="en-US" altLang="zh-CN" sz="1200" b="0" i="0" kern="1200" dirty="0">
+                <a:solidFill>
+                  <a:schemeClr val="tx1"/>
+                </a:solidFill>
+                <a:effectLst/>
+                <a:latin typeface="+mn-lt"/>
+                <a:ea typeface="+mn-ea"/>
+                <a:cs typeface="+mn-cs"/>
+              </a:rPr>
+              <a:t> &lt;&lt; "long long:\t" &lt;&lt; </a:t>
+            </a:r>
+            <a:r>
+              <a:rPr lang="en-US" altLang="zh-CN" sz="1200" b="0" i="0" kern="1200" dirty="0" err="1">
+                <a:solidFill>
+                  <a:schemeClr val="tx1"/>
+                </a:solidFill>
+                <a:effectLst/>
+                <a:latin typeface="+mn-lt"/>
+                <a:ea typeface="+mn-ea"/>
+                <a:cs typeface="+mn-cs"/>
+              </a:rPr>
+              <a:t>sizeof</a:t>
+            </a:r>
+            <a:r>
+              <a:rPr lang="en-US" altLang="zh-CN" sz="1200" b="0" i="0" kern="1200" dirty="0">
+                <a:solidFill>
+                  <a:schemeClr val="tx1"/>
+                </a:solidFill>
+                <a:effectLst/>
+                <a:latin typeface="+mn-lt"/>
+                <a:ea typeface="+mn-ea"/>
+                <a:cs typeface="+mn-cs"/>
+              </a:rPr>
+              <a:t>(long long) &lt;&lt; " bytes" &lt;&lt; endl &lt;&lt; endl;</a:t>
+            </a:r>
+          </a:p>
+          <a:p>
+            <a:endParaRPr lang="en-US" altLang="zh-CN" sz="1200" b="0" i="0" kern="1200" dirty="0">
+              <a:solidFill>
+                <a:schemeClr val="tx1"/>
+              </a:solidFill>
+              <a:effectLst/>
+              <a:latin typeface="+mn-lt"/>
+              <a:ea typeface="+mn-ea"/>
+              <a:cs typeface="+mn-cs"/>
+            </a:endParaRPr>
+          </a:p>
+          <a:p>
+            <a:r>
+              <a:rPr lang="en-US" altLang="zh-CN" sz="1200" b="0" i="0" kern="1200" dirty="0">
+                <a:solidFill>
+                  <a:schemeClr val="tx1"/>
+                </a:solidFill>
+                <a:effectLst/>
+                <a:latin typeface="+mn-lt"/>
+                <a:ea typeface="+mn-ea"/>
+                <a:cs typeface="+mn-cs"/>
+              </a:rPr>
+              <a:t>	</a:t>
+            </a:r>
+            <a:r>
+              <a:rPr lang="en-US" altLang="zh-CN" sz="1200" b="0" i="0" kern="1200" dirty="0" err="1">
+                <a:solidFill>
+                  <a:schemeClr val="tx1"/>
+                </a:solidFill>
+                <a:effectLst/>
+                <a:latin typeface="+mn-lt"/>
+                <a:ea typeface="+mn-ea"/>
+                <a:cs typeface="+mn-cs"/>
+              </a:rPr>
+              <a:t>cout</a:t>
+            </a:r>
+            <a:r>
+              <a:rPr lang="en-US" altLang="zh-CN" sz="1200" b="0" i="0" kern="1200" dirty="0">
+                <a:solidFill>
+                  <a:schemeClr val="tx1"/>
+                </a:solidFill>
+                <a:effectLst/>
+                <a:latin typeface="+mn-lt"/>
+                <a:ea typeface="+mn-ea"/>
+                <a:cs typeface="+mn-cs"/>
+              </a:rPr>
+              <a:t> &lt;&lt; "float:\t\t" &lt;&lt; </a:t>
+            </a:r>
+            <a:r>
+              <a:rPr lang="en-US" altLang="zh-CN" sz="1200" b="0" i="0" kern="1200" dirty="0" err="1">
+                <a:solidFill>
+                  <a:schemeClr val="tx1"/>
+                </a:solidFill>
+                <a:effectLst/>
+                <a:latin typeface="+mn-lt"/>
+                <a:ea typeface="+mn-ea"/>
+                <a:cs typeface="+mn-cs"/>
+              </a:rPr>
+              <a:t>sizeof</a:t>
+            </a:r>
+            <a:r>
+              <a:rPr lang="en-US" altLang="zh-CN" sz="1200" b="0" i="0" kern="1200" dirty="0">
+                <a:solidFill>
+                  <a:schemeClr val="tx1"/>
+                </a:solidFill>
+                <a:effectLst/>
+                <a:latin typeface="+mn-lt"/>
+                <a:ea typeface="+mn-ea"/>
+                <a:cs typeface="+mn-cs"/>
+              </a:rPr>
+              <a:t>(float) &lt;&lt; " bytes" &lt;&lt; endl;</a:t>
+            </a:r>
+          </a:p>
+          <a:p>
+            <a:r>
+              <a:rPr lang="en-US" altLang="zh-CN" sz="1200" b="0" i="0" kern="1200" dirty="0">
+                <a:solidFill>
+                  <a:schemeClr val="tx1"/>
+                </a:solidFill>
+                <a:effectLst/>
+                <a:latin typeface="+mn-lt"/>
+                <a:ea typeface="+mn-ea"/>
+                <a:cs typeface="+mn-cs"/>
+              </a:rPr>
+              <a:t>	</a:t>
+            </a:r>
+            <a:r>
+              <a:rPr lang="en-US" altLang="zh-CN" sz="1200" b="0" i="0" kern="1200" dirty="0" err="1">
+                <a:solidFill>
+                  <a:schemeClr val="tx1"/>
+                </a:solidFill>
+                <a:effectLst/>
+                <a:latin typeface="+mn-lt"/>
+                <a:ea typeface="+mn-ea"/>
+                <a:cs typeface="+mn-cs"/>
+              </a:rPr>
+              <a:t>cout</a:t>
+            </a:r>
+            <a:r>
+              <a:rPr lang="en-US" altLang="zh-CN" sz="1200" b="0" i="0" kern="1200" dirty="0">
+                <a:solidFill>
+                  <a:schemeClr val="tx1"/>
+                </a:solidFill>
+                <a:effectLst/>
+                <a:latin typeface="+mn-lt"/>
+                <a:ea typeface="+mn-ea"/>
+                <a:cs typeface="+mn-cs"/>
+              </a:rPr>
+              <a:t> &lt;&lt; "double:\t\t" &lt;&lt; </a:t>
+            </a:r>
+            <a:r>
+              <a:rPr lang="en-US" altLang="zh-CN" sz="1200" b="0" i="0" kern="1200" dirty="0" err="1">
+                <a:solidFill>
+                  <a:schemeClr val="tx1"/>
+                </a:solidFill>
+                <a:effectLst/>
+                <a:latin typeface="+mn-lt"/>
+                <a:ea typeface="+mn-ea"/>
+                <a:cs typeface="+mn-cs"/>
+              </a:rPr>
+              <a:t>sizeof</a:t>
+            </a:r>
+            <a:r>
+              <a:rPr lang="en-US" altLang="zh-CN" sz="1200" b="0" i="0" kern="1200" dirty="0">
+                <a:solidFill>
+                  <a:schemeClr val="tx1"/>
+                </a:solidFill>
+                <a:effectLst/>
+                <a:latin typeface="+mn-lt"/>
+                <a:ea typeface="+mn-ea"/>
+                <a:cs typeface="+mn-cs"/>
+              </a:rPr>
+              <a:t>(double) &lt;&lt; " bytes" &lt;&lt; endl;</a:t>
+            </a:r>
+          </a:p>
+          <a:p>
+            <a:r>
+              <a:rPr lang="en-US" altLang="zh-CN" sz="1200" b="0" i="0" kern="1200" dirty="0">
+                <a:solidFill>
+                  <a:schemeClr val="tx1"/>
+                </a:solidFill>
+                <a:effectLst/>
+                <a:latin typeface="+mn-lt"/>
+                <a:ea typeface="+mn-ea"/>
+                <a:cs typeface="+mn-cs"/>
+              </a:rPr>
+              <a:t>	</a:t>
+            </a:r>
+            <a:r>
+              <a:rPr lang="en-US" altLang="zh-CN" sz="1200" b="0" i="0" kern="1200" dirty="0" err="1">
+                <a:solidFill>
+                  <a:schemeClr val="tx1"/>
+                </a:solidFill>
+                <a:effectLst/>
+                <a:latin typeface="+mn-lt"/>
+                <a:ea typeface="+mn-ea"/>
+                <a:cs typeface="+mn-cs"/>
+              </a:rPr>
+              <a:t>cout</a:t>
+            </a:r>
+            <a:r>
+              <a:rPr lang="en-US" altLang="zh-CN" sz="1200" b="0" i="0" kern="1200" dirty="0">
+                <a:solidFill>
+                  <a:schemeClr val="tx1"/>
+                </a:solidFill>
+                <a:effectLst/>
+                <a:latin typeface="+mn-lt"/>
+                <a:ea typeface="+mn-ea"/>
+                <a:cs typeface="+mn-cs"/>
+              </a:rPr>
+              <a:t> &lt;&lt; "long double:\t" &lt;&lt; </a:t>
+            </a:r>
+            <a:r>
+              <a:rPr lang="en-US" altLang="zh-CN" sz="1200" b="0" i="0" kern="1200" dirty="0" err="1">
+                <a:solidFill>
+                  <a:schemeClr val="tx1"/>
+                </a:solidFill>
+                <a:effectLst/>
+                <a:latin typeface="+mn-lt"/>
+                <a:ea typeface="+mn-ea"/>
+                <a:cs typeface="+mn-cs"/>
+              </a:rPr>
+              <a:t>sizeof</a:t>
+            </a:r>
+            <a:r>
+              <a:rPr lang="en-US" altLang="zh-CN" sz="1200" b="0" i="0" kern="1200" dirty="0">
+                <a:solidFill>
+                  <a:schemeClr val="tx1"/>
+                </a:solidFill>
+                <a:effectLst/>
+                <a:latin typeface="+mn-lt"/>
+                <a:ea typeface="+mn-ea"/>
+                <a:cs typeface="+mn-cs"/>
+              </a:rPr>
+              <a:t>(long double) &lt;&lt; " bytes" &lt;&lt; endl &lt;&lt; endl;</a:t>
+            </a:r>
+          </a:p>
+          <a:p>
+            <a:endParaRPr lang="en-US" altLang="zh-CN" sz="1200" b="0" i="0" kern="1200" dirty="0">
+              <a:solidFill>
+                <a:schemeClr val="tx1"/>
+              </a:solidFill>
+              <a:effectLst/>
+              <a:latin typeface="+mn-lt"/>
+              <a:ea typeface="+mn-ea"/>
+              <a:cs typeface="+mn-cs"/>
+            </a:endParaRPr>
+          </a:p>
+          <a:p>
+            <a:r>
+              <a:rPr lang="en-US" altLang="zh-CN" sz="1200" b="0" i="0" kern="1200" dirty="0">
+                <a:solidFill>
+                  <a:schemeClr val="tx1"/>
+                </a:solidFill>
+                <a:effectLst/>
+                <a:latin typeface="+mn-lt"/>
+                <a:ea typeface="+mn-ea"/>
+                <a:cs typeface="+mn-cs"/>
+              </a:rPr>
+              <a:t>	return 0;</a:t>
+            </a:r>
+          </a:p>
+          <a:p>
+            <a:r>
+              <a:rPr lang="en-US" altLang="zh-CN" sz="1200" b="0" i="0" kern="1200" dirty="0">
+                <a:solidFill>
+                  <a:schemeClr val="tx1"/>
+                </a:solidFill>
+                <a:effectLst/>
+                <a:latin typeface="+mn-lt"/>
+                <a:ea typeface="+mn-ea"/>
+                <a:cs typeface="+mn-cs"/>
+              </a:rPr>
+              <a:t>}</a:t>
+            </a:r>
+            <a:endParaRPr lang="zh-CN" altLang="en-US" sz="1200" b="0" i="0" kern="1200" dirty="0">
+              <a:solidFill>
+                <a:schemeClr val="tx1"/>
+              </a:solidFill>
+              <a:effectLst/>
+              <a:latin typeface="+mn-lt"/>
+              <a:ea typeface="+mn-ea"/>
+              <a:cs typeface="+mn-cs"/>
+            </a:endParaRPr>
+          </a:p>
+        </p:txBody>
+      </p:sp>
+      <p:sp>
+        <p:nvSpPr>
+          <p:cNvPr id="4" name="灯片编号占位符 3"/>
+          <p:cNvSpPr>
+            <a:spLocks noGrp="1"/>
+          </p:cNvSpPr>
+          <p:nvPr>
+            <p:ph type="sldNum" sz="quarter" idx="5"/>
+          </p:nvPr>
+        </p:nvSpPr>
+        <p:spPr/>
+        <p:txBody>
+          <a:bodyPr/>
+          <a:lstStyle/>
+          <a:p>
+            <a:fld id="{0111EF2A-CA54-46BA-9D19-E4C580B41F03}" type="slidenum">
+              <a:rPr lang="zh-CN" altLang="en-US" smtClean="0"/>
+              <a:t>31</a:t>
+            </a:fld>
+            <a:endParaRPr lang="zh-CN" altLang="en-US"/>
+          </a:p>
+        </p:txBody>
+      </p:sp>
+    </p:spTree>
+    <p:extLst>
+      <p:ext uri="{BB962C8B-B14F-4D97-AF65-F5344CB8AC3E}">
+        <p14:creationId xmlns:p14="http://schemas.microsoft.com/office/powerpoint/2010/main" val="1134353981"/>
+      </p:ext>
+    </p:extLst>
+  </p:cSld>
+  <p:clrMapOvr>
+    <a:masterClrMapping/>
+  </p:clrMapOvr>
+</p:notes>
+</file>
+
+<file path=ppt/notesSlides/notesSlide29.xml><?xml version="1.0" encoding="utf-8"?>
+<p:notes xmlns:a="http://schemas.openxmlformats.org/drawingml/2006/main" xmlns:r="http://schemas.openxmlformats.org/officeDocument/2006/relationships" xmlns:p="http://schemas.openxmlformats.org/presentationml/2006/main">
+  <p:cSld>
+    <p:spTree>
+      <p:nvGrpSpPr>
+        <p:cNvPr id="1" name=""/>
+        <p:cNvGrpSpPr/>
+        <p:nvPr/>
+      </p:nvGrpSpPr>
+      <p:grpSpPr>
+        <a:xfrm>
+          <a:off x="0" y="0"/>
+          <a:ext cx="0" cy="0"/>
+          <a:chOff x="0" y="0"/>
+          <a:chExt cx="0" cy="0"/>
+        </a:xfrm>
+      </p:grpSpPr>
+      <p:sp>
+        <p:nvSpPr>
+          <p:cNvPr id="2" name="幻灯片图像占位符 1"/>
+          <p:cNvSpPr>
+            <a:spLocks noGrp="1" noRot="1" noChangeAspect="1"/>
+          </p:cNvSpPr>
+          <p:nvPr>
+            <p:ph type="sldImg"/>
+          </p:nvPr>
+        </p:nvSpPr>
+        <p:spPr/>
+      </p:sp>
+      <p:sp>
+        <p:nvSpPr>
+          <p:cNvPr id="3" name="备注占位符 2"/>
+          <p:cNvSpPr>
+            <a:spLocks noGrp="1"/>
+          </p:cNvSpPr>
+          <p:nvPr>
+            <p:ph type="body" idx="1"/>
+          </p:nvPr>
+        </p:nvSpPr>
+        <p:spPr/>
+        <p:txBody>
+          <a:bodyPr/>
+          <a:lstStyle/>
+          <a:p>
+            <a:r>
+              <a:rPr lang="zh-CN" altLang="en-US" dirty="0"/>
+              <a:t>熟悉</a:t>
+            </a:r>
+            <a:r>
+              <a:rPr lang="en-US" altLang="zh-CN" dirty="0"/>
+              <a:t>IDE</a:t>
+            </a:r>
+            <a:r>
+              <a:rPr lang="zh-CN" altLang="en-US" dirty="0"/>
+              <a:t>的基本操作</a:t>
+            </a:r>
+          </a:p>
+        </p:txBody>
+      </p:sp>
+      <p:sp>
+        <p:nvSpPr>
+          <p:cNvPr id="4" name="灯片编号占位符 3"/>
+          <p:cNvSpPr>
+            <a:spLocks noGrp="1"/>
+          </p:cNvSpPr>
+          <p:nvPr>
+            <p:ph type="sldNum" sz="quarter" idx="5"/>
+          </p:nvPr>
+        </p:nvSpPr>
+        <p:spPr/>
+        <p:txBody>
+          <a:bodyPr/>
+          <a:lstStyle/>
+          <a:p>
+            <a:fld id="{0111EF2A-CA54-46BA-9D19-E4C580B41F03}" type="slidenum">
+              <a:rPr lang="zh-CN" altLang="en-US" smtClean="0"/>
+              <a:t>32</a:t>
+            </a:fld>
+            <a:endParaRPr lang="zh-CN" altLang="en-US"/>
+          </a:p>
+        </p:txBody>
+      </p:sp>
+    </p:spTree>
+    <p:extLst>
+      <p:ext uri="{BB962C8B-B14F-4D97-AF65-F5344CB8AC3E}">
+        <p14:creationId xmlns:p14="http://schemas.microsoft.com/office/powerpoint/2010/main" val="864855409"/>
       </p:ext>
     </p:extLst>
   </p:cSld>
@@ -4421,7 +7350,7 @@
           <a:p>
             <a:fld id="{5A1740DE-654B-48BB-A6EB-4DD86D9E78E3}" type="datetimeFigureOut">
               <a:rPr lang="zh-CN" altLang="en-US" smtClean="0"/>
-              <a:t>2023/12/20</a:t>
+              <a:t>2023/12/21</a:t>
             </a:fld>
             <a:endParaRPr lang="zh-CN" altLang="en-US"/>
           </a:p>
@@ -4619,7 +7548,7 @@
           <a:p>
             <a:fld id="{5A1740DE-654B-48BB-A6EB-4DD86D9E78E3}" type="datetimeFigureOut">
               <a:rPr lang="zh-CN" altLang="en-US" smtClean="0"/>
-              <a:t>2023/12/20</a:t>
+              <a:t>2023/12/21</a:t>
             </a:fld>
             <a:endParaRPr lang="zh-CN" altLang="en-US"/>
           </a:p>
@@ -4827,7 +7756,7 @@
           <a:p>
             <a:fld id="{5A1740DE-654B-48BB-A6EB-4DD86D9E78E3}" type="datetimeFigureOut">
               <a:rPr lang="zh-CN" altLang="en-US" smtClean="0"/>
-              <a:t>2023/12/20</a:t>
+              <a:t>2023/12/21</a:t>
             </a:fld>
             <a:endParaRPr lang="zh-CN" altLang="en-US"/>
           </a:p>
@@ -5025,7 +7954,7 @@
           <a:p>
             <a:fld id="{5A1740DE-654B-48BB-A6EB-4DD86D9E78E3}" type="datetimeFigureOut">
               <a:rPr lang="zh-CN" altLang="en-US" smtClean="0"/>
-              <a:t>2023/12/20</a:t>
+              <a:t>2023/12/21</a:t>
             </a:fld>
             <a:endParaRPr lang="zh-CN" altLang="en-US"/>
           </a:p>
@@ -5300,7 +8229,7 @@
           <a:p>
             <a:fld id="{5A1740DE-654B-48BB-A6EB-4DD86D9E78E3}" type="datetimeFigureOut">
               <a:rPr lang="zh-CN" altLang="en-US" smtClean="0"/>
-              <a:t>2023/12/20</a:t>
+              <a:t>2023/12/21</a:t>
             </a:fld>
             <a:endParaRPr lang="zh-CN" altLang="en-US"/>
           </a:p>
@@ -5565,7 +8494,7 @@
           <a:p>
             <a:fld id="{5A1740DE-654B-48BB-A6EB-4DD86D9E78E3}" type="datetimeFigureOut">
               <a:rPr lang="zh-CN" altLang="en-US" smtClean="0"/>
-              <a:t>2023/12/20</a:t>
+              <a:t>2023/12/21</a:t>
             </a:fld>
             <a:endParaRPr lang="zh-CN" altLang="en-US"/>
           </a:p>
@@ -5977,7 +8906,7 @@
           <a:p>
             <a:fld id="{5A1740DE-654B-48BB-A6EB-4DD86D9E78E3}" type="datetimeFigureOut">
               <a:rPr lang="zh-CN" altLang="en-US" smtClean="0"/>
-              <a:t>2023/12/20</a:t>
+              <a:t>2023/12/21</a:t>
             </a:fld>
             <a:endParaRPr lang="zh-CN" altLang="en-US"/>
           </a:p>
@@ -6118,7 +9047,7 @@
           <a:p>
             <a:fld id="{5A1740DE-654B-48BB-A6EB-4DD86D9E78E3}" type="datetimeFigureOut">
               <a:rPr lang="zh-CN" altLang="en-US" smtClean="0"/>
-              <a:t>2023/12/20</a:t>
+              <a:t>2023/12/21</a:t>
             </a:fld>
             <a:endParaRPr lang="zh-CN" altLang="en-US"/>
           </a:p>
@@ -6231,7 +9160,7 @@
           <a:p>
             <a:fld id="{5A1740DE-654B-48BB-A6EB-4DD86D9E78E3}" type="datetimeFigureOut">
               <a:rPr lang="zh-CN" altLang="en-US" smtClean="0"/>
-              <a:t>2023/12/20</a:t>
+              <a:t>2023/12/21</a:t>
             </a:fld>
             <a:endParaRPr lang="zh-CN" altLang="en-US"/>
           </a:p>
@@ -6542,7 +9471,7 @@
           <a:p>
             <a:fld id="{5A1740DE-654B-48BB-A6EB-4DD86D9E78E3}" type="datetimeFigureOut">
               <a:rPr lang="zh-CN" altLang="en-US" smtClean="0"/>
-              <a:t>2023/12/20</a:t>
+              <a:t>2023/12/21</a:t>
             </a:fld>
             <a:endParaRPr lang="zh-CN" altLang="en-US"/>
           </a:p>
@@ -6830,7 +9759,7 @@
           <a:p>
             <a:fld id="{5A1740DE-654B-48BB-A6EB-4DD86D9E78E3}" type="datetimeFigureOut">
               <a:rPr lang="zh-CN" altLang="en-US" smtClean="0"/>
-              <a:t>2023/12/20</a:t>
+              <a:t>2023/12/21</a:t>
             </a:fld>
             <a:endParaRPr lang="zh-CN" altLang="en-US"/>
           </a:p>
@@ -7071,7 +10000,7 @@
           <a:p>
             <a:fld id="{5A1740DE-654B-48BB-A6EB-4DD86D9E78E3}" type="datetimeFigureOut">
               <a:rPr lang="zh-CN" altLang="en-US" smtClean="0"/>
-              <a:t>2023/12/20</a:t>
+              <a:t>2023/12/21</a:t>
             </a:fld>
             <a:endParaRPr lang="zh-CN" altLang="en-US"/>
           </a:p>
@@ -10242,8 +13171,8 @@
         </p:nvSpPr>
         <p:spPr>
           <a:xfrm>
-            <a:off x="4446929" y="2780437"/>
-            <a:ext cx="6775253" cy="2308324"/>
+            <a:off x="3876774" y="2640587"/>
+            <a:ext cx="7712798" cy="3416320"/>
           </a:xfrm>
           <a:prstGeom prst="rect">
             <a:avLst/>
@@ -10268,6 +13197,26 @@
               </a:rPr>
               <a:t>Debug</a:t>
             </a:r>
+            <a:r>
+              <a:rPr lang="zh-CN" altLang="en-US" sz="7200" b="1" dirty="0">
+                <a:latin typeface="+mn-ea"/>
+              </a:rPr>
+              <a:t>，</a:t>
+            </a:r>
+            <a:endParaRPr lang="en-US" altLang="zh-CN" sz="7200" b="1" dirty="0">
+              <a:latin typeface="+mn-ea"/>
+            </a:endParaRPr>
+          </a:p>
+          <a:p>
+            <a:r>
+              <a:rPr lang="zh-CN" altLang="en-US" sz="7200" b="1" dirty="0">
+                <a:latin typeface="+mn-ea"/>
+              </a:rPr>
+              <a:t>断点调试</a:t>
+            </a:r>
+            <a:endParaRPr lang="en-US" altLang="zh-CN" sz="7200" b="1" dirty="0">
+              <a:latin typeface="+mn-ea"/>
+            </a:endParaRPr>
           </a:p>
           <a:p>
             <a:r>
@@ -10309,10 +13258,183 @@
           <a:chExt cx="0" cy="0"/>
         </a:xfrm>
       </p:grpSpPr>
+      <p:sp>
+        <p:nvSpPr>
+          <p:cNvPr id="8" name="文本框 7">
+            <a:extLst>
+              <a:ext uri="{FF2B5EF4-FFF2-40B4-BE49-F238E27FC236}">
+                <a16:creationId xmlns:a16="http://schemas.microsoft.com/office/drawing/2014/main" id="{173B5B89-5235-4C07-99A2-AC5672E77337}"/>
+              </a:ext>
+            </a:extLst>
+          </p:cNvPr>
+          <p:cNvSpPr txBox="1"/>
+          <p:nvPr/>
+        </p:nvSpPr>
+        <p:spPr>
+          <a:xfrm>
+            <a:off x="215448" y="169110"/>
+            <a:ext cx="11169000" cy="1015663"/>
+          </a:xfrm>
+          <a:prstGeom prst="rect">
+            <a:avLst/>
+          </a:prstGeom>
+          <a:noFill/>
+        </p:spPr>
+        <p:txBody>
+          <a:bodyPr wrap="square" rtlCol="0">
+            <a:spAutoFit/>
+          </a:bodyPr>
+          <a:lstStyle/>
+          <a:p>
+            <a:r>
+              <a:rPr lang="en-US" altLang="zh-CN" sz="6000" b="1" dirty="0">
+                <a:latin typeface="+mn-ea"/>
+              </a:rPr>
+              <a:t>exercise4.1: if</a:t>
+            </a:r>
+            <a:r>
+              <a:rPr lang="zh-CN" altLang="en-US" sz="6000" b="1" dirty="0">
+                <a:latin typeface="+mn-ea"/>
+              </a:rPr>
+              <a:t>语句</a:t>
+            </a:r>
+          </a:p>
+        </p:txBody>
+      </p:sp>
+      <p:sp>
+        <p:nvSpPr>
+          <p:cNvPr id="6" name="文本框 5">
+            <a:extLst>
+              <a:ext uri="{FF2B5EF4-FFF2-40B4-BE49-F238E27FC236}">
+                <a16:creationId xmlns:a16="http://schemas.microsoft.com/office/drawing/2014/main" id="{2D4F4C79-08EF-5BD3-BF52-34ECCD733770}"/>
+              </a:ext>
+            </a:extLst>
+          </p:cNvPr>
+          <p:cNvSpPr txBox="1"/>
+          <p:nvPr/>
+        </p:nvSpPr>
+        <p:spPr>
+          <a:xfrm>
+            <a:off x="4334270" y="1722872"/>
+            <a:ext cx="7511653" cy="2252027"/>
+          </a:xfrm>
+          <a:prstGeom prst="rect">
+            <a:avLst/>
+          </a:prstGeom>
+          <a:noFill/>
+        </p:spPr>
+        <p:txBody>
+          <a:bodyPr wrap="square">
+            <a:spAutoFit/>
+          </a:bodyPr>
+          <a:lstStyle/>
+          <a:p>
+            <a:pPr>
+              <a:lnSpc>
+                <a:spcPct val="150000"/>
+              </a:lnSpc>
+            </a:pPr>
+            <a:r>
+              <a:rPr lang="zh-CN" altLang="en-US" sz="2400" dirty="0">
+                <a:latin typeface="+mn-ea"/>
+              </a:rPr>
+              <a:t>解释在下面的 </a:t>
+            </a:r>
+            <a:r>
+              <a:rPr lang="en-US" altLang="zh-CN" sz="2400" dirty="0">
+                <a:latin typeface="+mn-ea"/>
+              </a:rPr>
+              <a:t>if </a:t>
+            </a:r>
+            <a:r>
+              <a:rPr lang="zh-CN" altLang="en-US" sz="2400" dirty="0">
+                <a:latin typeface="+mn-ea"/>
+              </a:rPr>
+              <a:t>语句中条件部分的判断过程。</a:t>
+            </a:r>
+          </a:p>
+          <a:p>
+            <a:pPr>
+              <a:lnSpc>
+                <a:spcPct val="150000"/>
+              </a:lnSpc>
+            </a:pPr>
+            <a:endParaRPr lang="zh-CN" altLang="en-US" sz="2400" dirty="0">
+              <a:latin typeface="+mn-ea"/>
+            </a:endParaRPr>
+          </a:p>
+          <a:p>
+            <a:pPr>
+              <a:lnSpc>
+                <a:spcPct val="150000"/>
+              </a:lnSpc>
+            </a:pPr>
+            <a:r>
+              <a:rPr lang="en-US" altLang="zh-CN" sz="2400" dirty="0">
+                <a:latin typeface="+mn-ea"/>
+              </a:rPr>
+              <a:t>const char *cp = "Hello World";</a:t>
+            </a:r>
+          </a:p>
+          <a:p>
+            <a:pPr>
+              <a:lnSpc>
+                <a:spcPct val="150000"/>
+              </a:lnSpc>
+            </a:pPr>
+            <a:r>
+              <a:rPr lang="en-US" altLang="zh-CN" sz="2400" dirty="0">
+                <a:latin typeface="+mn-ea"/>
+              </a:rPr>
+              <a:t>if (cp &amp;&amp; *cp)</a:t>
+            </a:r>
+            <a:endParaRPr lang="en-US" altLang="zh-CN" sz="2400" b="0" i="0" dirty="0">
+              <a:effectLst/>
+              <a:latin typeface="+mn-ea"/>
+            </a:endParaRPr>
+          </a:p>
+        </p:txBody>
+      </p:sp>
+      <p:pic>
+        <p:nvPicPr>
+          <p:cNvPr id="4" name="图片 3">
+            <a:extLst>
+              <a:ext uri="{FF2B5EF4-FFF2-40B4-BE49-F238E27FC236}">
+                <a16:creationId xmlns:a16="http://schemas.microsoft.com/office/drawing/2014/main" id="{09E97054-D472-4658-822B-8939E6B957A1}"/>
+              </a:ext>
+            </a:extLst>
+          </p:cNvPr>
+          <p:cNvPicPr>
+            <a:picLocks noChangeAspect="1"/>
+          </p:cNvPicPr>
+          <p:nvPr/>
+        </p:nvPicPr>
+        <p:blipFill>
+          <a:blip r:embed="rId3">
+            <a:extLst>
+              <a:ext uri="{28A0092B-C50C-407E-A947-70E740481C1C}">
+                <a14:useLocalDpi xmlns:a14="http://schemas.microsoft.com/office/drawing/2010/main" val="0"/>
+              </a:ext>
+            </a:extLst>
+          </a:blip>
+          <a:stretch>
+            <a:fillRect/>
+          </a:stretch>
+        </p:blipFill>
+        <p:spPr>
+          <a:xfrm>
+            <a:off x="215448" y="1423155"/>
+            <a:ext cx="3358752" cy="3358752"/>
+          </a:xfrm>
+          <a:prstGeom prst="rect">
+            <a:avLst/>
+          </a:prstGeom>
+        </p:spPr>
+      </p:pic>
     </p:spTree>
     <p:extLst>
       <p:ext uri="{BB962C8B-B14F-4D97-AF65-F5344CB8AC3E}">
-        <p14:creationId xmlns:p14="http://schemas.microsoft.com/office/powerpoint/2010/main" val="3320371402"/>
+        <p14:creationId xmlns:p14="http://schemas.microsoft.com/office/powerpoint/2010/main" val="3531344512"/>
       </p:ext>
     </p:extLst>
   </p:cSld>
@@ -10354,7 +13476,7 @@
         <p:spPr>
           <a:xfrm>
             <a:off x="215448" y="169110"/>
-            <a:ext cx="11169000" cy="1200329"/>
+            <a:ext cx="11169000" cy="1015663"/>
           </a:xfrm>
           <a:prstGeom prst="rect">
             <a:avLst/>
@@ -10368,13 +13490,13 @@
           <a:lstStyle/>
           <a:p>
             <a:r>
-              <a:rPr lang="en-US" altLang="zh-CN" sz="7200" b="1" dirty="0">
+              <a:rPr lang="en-US" altLang="zh-CN" sz="6000" b="1" dirty="0">
                 <a:latin typeface="+mn-ea"/>
               </a:rPr>
               <a:t>exercise4.1: if</a:t>
             </a:r>
             <a:r>
-              <a:rPr lang="zh-CN" altLang="en-US" sz="7200" b="1" dirty="0">
+              <a:rPr lang="zh-CN" altLang="en-US" sz="6000" b="1" dirty="0">
                 <a:latin typeface="+mn-ea"/>
               </a:rPr>
               <a:t>语句</a:t>
@@ -10557,7 +13679,7 @@
         <p:spPr>
           <a:xfrm>
             <a:off x="215448" y="169110"/>
-            <a:ext cx="11169000" cy="1200329"/>
+            <a:ext cx="11169000" cy="1015663"/>
           </a:xfrm>
           <a:prstGeom prst="rect">
             <a:avLst/>
@@ -10571,16 +13693,16 @@
           <a:lstStyle/>
           <a:p>
             <a:r>
-              <a:rPr lang="en-US" altLang="zh-CN" sz="7200" b="1" dirty="0">
-                <a:latin typeface="+mn-ea"/>
-              </a:rPr>
-              <a:t>exercise4.2: if</a:t>
-            </a:r>
-            <a:r>
-              <a:rPr lang="zh-CN" altLang="en-US" sz="7200" b="1" dirty="0">
-                <a:latin typeface="+mn-ea"/>
-              </a:rPr>
-              <a:t>语句</a:t>
+              <a:rPr lang="en-US" altLang="zh-CN" sz="6000" b="1" dirty="0">
+                <a:latin typeface="+mn-ea"/>
+              </a:rPr>
+              <a:t>exercise4.2: </a:t>
+            </a:r>
+            <a:r>
+              <a:rPr lang="zh-CN" altLang="en-US" sz="6000" b="1" dirty="0">
+                <a:latin typeface="+mn-ea"/>
+              </a:rPr>
+              <a:t>短路运算符</a:t>
             </a:r>
           </a:p>
         </p:txBody>
@@ -10622,20 +13744,83 @@
               <a:rPr lang="zh-CN" altLang="en-US" sz="2400" dirty="0">
                 <a:latin typeface="+mn-ea"/>
               </a:rPr>
-              <a:t>解释在下面的 </a:t>
+              <a:t>书写一条表达式用于判断是否 </a:t>
             </a:r>
             <a:r>
               <a:rPr lang="en-US" altLang="zh-CN" sz="2400" dirty="0">
                 <a:latin typeface="+mn-ea"/>
               </a:rPr>
-              <a:t>if </a:t>
+              <a:t>a</a:t>
             </a:r>
             <a:r>
               <a:rPr lang="zh-CN" altLang="en-US" sz="2400" dirty="0">
                 <a:latin typeface="+mn-ea"/>
               </a:rPr>
-              <a:t>语句中条件部分的判断过程。</a:t>
-            </a:r>
+              <a:t>大于</a:t>
+            </a:r>
+            <a:r>
+              <a:rPr lang="en-US" altLang="zh-CN" sz="2400" dirty="0">
+                <a:latin typeface="+mn-ea"/>
+              </a:rPr>
+              <a:t>b</a:t>
+            </a:r>
+            <a:r>
+              <a:rPr lang="zh-CN" altLang="en-US" sz="2400" dirty="0">
+                <a:latin typeface="+mn-ea"/>
+              </a:rPr>
+              <a:t>，且</a:t>
+            </a:r>
+            <a:r>
+              <a:rPr lang="en-US" altLang="zh-CN" sz="2400" dirty="0">
+                <a:latin typeface="+mn-ea"/>
+              </a:rPr>
+              <a:t>b</a:t>
+            </a:r>
+            <a:r>
+              <a:rPr lang="zh-CN" altLang="en-US" sz="2400" dirty="0">
+                <a:latin typeface="+mn-ea"/>
+              </a:rPr>
+              <a:t>大于</a:t>
+            </a:r>
+            <a:r>
+              <a:rPr lang="en-US" altLang="zh-CN" sz="2400" dirty="0">
+                <a:latin typeface="+mn-ea"/>
+              </a:rPr>
+              <a:t>c</a:t>
+            </a:r>
+            <a:r>
+              <a:rPr lang="zh-CN" altLang="en-US" sz="2400" dirty="0">
+                <a:latin typeface="+mn-ea"/>
+              </a:rPr>
+              <a:t>，且</a:t>
+            </a:r>
+            <a:r>
+              <a:rPr lang="en-US" altLang="zh-CN" sz="2400" dirty="0">
+                <a:latin typeface="+mn-ea"/>
+              </a:rPr>
+              <a:t>c</a:t>
+            </a:r>
+            <a:r>
+              <a:rPr lang="zh-CN" altLang="en-US" sz="2400" dirty="0">
+                <a:latin typeface="+mn-ea"/>
+              </a:rPr>
+              <a:t>大于</a:t>
+            </a:r>
+            <a:r>
+              <a:rPr lang="en-US" altLang="zh-CN" sz="2400" dirty="0">
+                <a:latin typeface="+mn-ea"/>
+              </a:rPr>
+              <a:t>d</a:t>
+            </a:r>
+            <a:r>
+              <a:rPr lang="zh-CN" altLang="en-US" sz="2400" dirty="0">
+                <a:latin typeface="+mn-ea"/>
+              </a:rPr>
+              <a:t>。</a:t>
+            </a:r>
+            <a:endParaRPr lang="en-US" altLang="zh-CN" sz="2400" dirty="0">
+              <a:latin typeface="+mn-ea"/>
+            </a:endParaRPr>
           </a:p>
           <a:p>
             <a:pPr>
@@ -10643,7 +13828,7 @@
                 <a:spcPct val="150000"/>
               </a:lnSpc>
             </a:pPr>
-            <a:endParaRPr lang="zh-CN" altLang="en-US" sz="2400" dirty="0">
+            <a:endParaRPr lang="en-US" altLang="zh-CN" sz="2400" dirty="0">
               <a:latin typeface="+mn-ea"/>
             </a:endParaRPr>
           </a:p>
@@ -10654,23 +13839,95 @@
               </a:lnSpc>
             </a:pPr>
             <a:r>
-              <a:rPr lang="en-US" altLang="zh-CN" sz="2400" dirty="0">
-                <a:latin typeface="+mn-ea"/>
-              </a:rPr>
-              <a:t>const char *cp = "Hello World";</a:t>
-            </a:r>
-          </a:p>
-          <a:p>
-            <a:pPr>
-              <a:lnSpc>
-                <a:spcPct val="150000"/>
-              </a:lnSpc>
-            </a:pPr>
-            <a:r>
-              <a:rPr lang="en-US" altLang="zh-CN" sz="2400" dirty="0">
-                <a:latin typeface="+mn-ea"/>
-              </a:rPr>
-              <a:t>if (cp &amp;&amp; *cp)</a:t>
+              <a:rPr lang="zh-CN" altLang="en-US" sz="2400" b="0" i="0" dirty="0">
+                <a:effectLst/>
+                <a:latin typeface="+mn-ea"/>
+              </a:rPr>
+              <a:t>如果是 </a:t>
+            </a:r>
+            <a:r>
+              <a:rPr lang="en-US" altLang="zh-CN" sz="2400" b="0" i="0" dirty="0">
+                <a:effectLst/>
+                <a:latin typeface="+mn-ea"/>
+              </a:rPr>
+              <a:t>a</a:t>
+            </a:r>
+            <a:r>
+              <a:rPr lang="zh-CN" altLang="en-US" sz="2400" b="0" i="0" dirty="0">
+                <a:effectLst/>
+                <a:latin typeface="+mn-ea"/>
+              </a:rPr>
+              <a:t>大于</a:t>
+            </a:r>
+            <a:r>
+              <a:rPr lang="en-US" altLang="zh-CN" sz="2400" b="0" i="0" dirty="0">
+                <a:effectLst/>
+                <a:latin typeface="+mn-ea"/>
+              </a:rPr>
+              <a:t>b </a:t>
+            </a:r>
+            <a:r>
+              <a:rPr lang="zh-CN" altLang="en-US" sz="2400" b="0" i="0" dirty="0">
+                <a:effectLst/>
+                <a:latin typeface="+mn-ea"/>
+              </a:rPr>
+              <a:t>或者（</a:t>
+            </a:r>
+            <a:r>
+              <a:rPr lang="en-US" altLang="zh-CN" sz="2400" b="0" i="0" dirty="0">
+                <a:effectLst/>
+                <a:latin typeface="+mn-ea"/>
+              </a:rPr>
+              <a:t>b</a:t>
+            </a:r>
+            <a:r>
+              <a:rPr lang="zh-CN" altLang="en-US" sz="2400" b="0" i="0" dirty="0">
+                <a:effectLst/>
+                <a:latin typeface="+mn-ea"/>
+              </a:rPr>
+              <a:t>大于</a:t>
+            </a:r>
+            <a:r>
+              <a:rPr lang="en-US" altLang="zh-CN" sz="2400" b="0" i="0" dirty="0">
+                <a:effectLst/>
+                <a:latin typeface="+mn-ea"/>
+              </a:rPr>
+              <a:t>c</a:t>
+            </a:r>
+            <a:r>
+              <a:rPr lang="zh-CN" altLang="en-US" sz="2400" b="0" i="0" dirty="0">
+                <a:effectLst/>
+                <a:latin typeface="+mn-ea"/>
+              </a:rPr>
+              <a:t>且</a:t>
+            </a:r>
+            <a:r>
+              <a:rPr lang="en-US" altLang="zh-CN" sz="2400" b="0" i="0" dirty="0">
+                <a:effectLst/>
+                <a:latin typeface="+mn-ea"/>
+              </a:rPr>
+              <a:t>c</a:t>
+            </a:r>
+            <a:r>
+              <a:rPr lang="zh-CN" altLang="en-US" sz="2400" b="0" i="0" dirty="0">
+                <a:effectLst/>
+                <a:latin typeface="+mn-ea"/>
+              </a:rPr>
+              <a:t>大于</a:t>
+            </a:r>
+            <a:r>
+              <a:rPr lang="en-US" altLang="zh-CN" sz="2400" b="0" i="0" dirty="0">
+                <a:effectLst/>
+                <a:latin typeface="+mn-ea"/>
+              </a:rPr>
+              <a:t>d</a:t>
+            </a:r>
+            <a:r>
+              <a:rPr lang="zh-CN" altLang="en-US" sz="2400" b="0" i="0" dirty="0">
+                <a:effectLst/>
+                <a:latin typeface="+mn-ea"/>
+              </a:rPr>
+              <a:t>）</a:t>
             </a:r>
             <a:endParaRPr lang="en-US" altLang="zh-CN" sz="2400" b="0" i="0" dirty="0">
               <a:effectLst/>
@@ -10728,6 +13985,1391 @@
 </p:sld>
 </file>
 
+<file path=ppt/slides/slide25.xml><?xml version="1.0" encoding="utf-8"?>
+<p:sld xmlns:a="http://schemas.openxmlformats.org/drawingml/2006/main" xmlns:r="http://schemas.openxmlformats.org/officeDocument/2006/relationships" xmlns:p="http://schemas.openxmlformats.org/presentationml/2006/main">
+  <p:cSld>
+    <p:spTree>
+      <p:nvGrpSpPr>
+        <p:cNvPr id="1" name=""/>
+        <p:cNvGrpSpPr/>
+        <p:nvPr/>
+      </p:nvGrpSpPr>
+      <p:grpSpPr>
+        <a:xfrm>
+          <a:off x="0" y="0"/>
+          <a:ext cx="0" cy="0"/>
+          <a:chOff x="0" y="0"/>
+          <a:chExt cx="0" cy="0"/>
+        </a:xfrm>
+      </p:grpSpPr>
+      <p:sp>
+        <p:nvSpPr>
+          <p:cNvPr id="8" name="文本框 7">
+            <a:extLst>
+              <a:ext uri="{FF2B5EF4-FFF2-40B4-BE49-F238E27FC236}">
+                <a16:creationId xmlns:a16="http://schemas.microsoft.com/office/drawing/2014/main" id="{173B5B89-5235-4C07-99A2-AC5672E77337}"/>
+              </a:ext>
+            </a:extLst>
+          </p:cNvPr>
+          <p:cNvSpPr txBox="1"/>
+          <p:nvPr/>
+        </p:nvSpPr>
+        <p:spPr>
+          <a:xfrm>
+            <a:off x="3747542" y="26949"/>
+            <a:ext cx="3650785" cy="1015663"/>
+          </a:xfrm>
+          <a:prstGeom prst="rect">
+            <a:avLst/>
+          </a:prstGeom>
+          <a:noFill/>
+        </p:spPr>
+        <p:txBody>
+          <a:bodyPr wrap="square" rtlCol="0">
+            <a:spAutoFit/>
+          </a:bodyPr>
+          <a:lstStyle/>
+          <a:p>
+            <a:r>
+              <a:rPr lang="zh-CN" altLang="en-US" sz="6000" b="1" dirty="0">
+                <a:latin typeface="+mn-ea"/>
+              </a:rPr>
+              <a:t>运算顺序</a:t>
+            </a:r>
+          </a:p>
+        </p:txBody>
+      </p:sp>
+      <p:sp>
+        <p:nvSpPr>
+          <p:cNvPr id="7" name="文本框 6">
+            <a:extLst>
+              <a:ext uri="{FF2B5EF4-FFF2-40B4-BE49-F238E27FC236}">
+                <a16:creationId xmlns:a16="http://schemas.microsoft.com/office/drawing/2014/main" id="{646BAE83-FEE8-40F8-8DFB-E572F345FC4C}"/>
+              </a:ext>
+            </a:extLst>
+          </p:cNvPr>
+          <p:cNvSpPr txBox="1"/>
+          <p:nvPr/>
+        </p:nvSpPr>
+        <p:spPr>
+          <a:xfrm>
+            <a:off x="7010695" y="917992"/>
+            <a:ext cx="4571705" cy="5022016"/>
+          </a:xfrm>
+          <a:prstGeom prst="rect">
+            <a:avLst/>
+          </a:prstGeom>
+          <a:noFill/>
+        </p:spPr>
+        <p:txBody>
+          <a:bodyPr wrap="square">
+            <a:spAutoFit/>
+          </a:bodyPr>
+          <a:lstStyle/>
+          <a:p>
+            <a:pPr>
+              <a:lnSpc>
+                <a:spcPct val="150000"/>
+              </a:lnSpc>
+            </a:pPr>
+            <a:r>
+              <a:rPr lang="en-US" altLang="zh-CN" sz="2400" b="1" dirty="0">
+                <a:solidFill>
+                  <a:srgbClr val="FF0000"/>
+                </a:solidFill>
+                <a:latin typeface="+mn-ea"/>
+              </a:rPr>
+              <a:t>4.</a:t>
+            </a:r>
+            <a:r>
+              <a:rPr lang="zh-CN" altLang="en-US" sz="2400" b="1" dirty="0">
+                <a:solidFill>
+                  <a:srgbClr val="FF0000"/>
+                </a:solidFill>
+                <a:latin typeface="+mn-ea"/>
+              </a:rPr>
+              <a:t>逻辑运算符</a:t>
+            </a:r>
+          </a:p>
+          <a:p>
+            <a:pPr>
+              <a:lnSpc>
+                <a:spcPct val="150000"/>
+              </a:lnSpc>
+            </a:pPr>
+            <a:endParaRPr lang="zh-CN" altLang="en-US" sz="2400" dirty="0">
+              <a:latin typeface="+mn-ea"/>
+            </a:endParaRPr>
+          </a:p>
+          <a:p>
+            <a:pPr>
+              <a:lnSpc>
+                <a:spcPct val="150000"/>
+              </a:lnSpc>
+            </a:pPr>
+            <a:r>
+              <a:rPr lang="zh-CN" altLang="en-US" sz="2400" dirty="0">
+                <a:latin typeface="+mn-ea"/>
+              </a:rPr>
+              <a:t>逻辑与 </a:t>
+            </a:r>
+            <a:r>
+              <a:rPr lang="en-US" altLang="zh-CN" sz="2400" dirty="0">
+                <a:latin typeface="+mn-ea"/>
+              </a:rPr>
+              <a:t>(&amp;&amp;)</a:t>
+            </a:r>
+          </a:p>
+          <a:p>
+            <a:pPr>
+              <a:lnSpc>
+                <a:spcPct val="150000"/>
+              </a:lnSpc>
+            </a:pPr>
+            <a:r>
+              <a:rPr lang="zh-CN" altLang="en-US" sz="2400" dirty="0">
+                <a:latin typeface="+mn-ea"/>
+              </a:rPr>
+              <a:t>逻辑或 </a:t>
+            </a:r>
+            <a:r>
+              <a:rPr lang="en-US" altLang="zh-CN" sz="2400" dirty="0">
+                <a:latin typeface="+mn-ea"/>
+              </a:rPr>
+              <a:t>(||)</a:t>
+            </a:r>
+          </a:p>
+          <a:p>
+            <a:pPr>
+              <a:lnSpc>
+                <a:spcPct val="150000"/>
+              </a:lnSpc>
+            </a:pPr>
+            <a:endParaRPr lang="en-US" altLang="zh-CN" sz="2400" dirty="0">
+              <a:latin typeface="+mn-ea"/>
+            </a:endParaRPr>
+          </a:p>
+          <a:p>
+            <a:pPr>
+              <a:lnSpc>
+                <a:spcPct val="150000"/>
+              </a:lnSpc>
+            </a:pPr>
+            <a:r>
+              <a:rPr lang="en-US" altLang="zh-CN" sz="2400" b="1" dirty="0">
+                <a:solidFill>
+                  <a:srgbClr val="FF0000"/>
+                </a:solidFill>
+                <a:latin typeface="+mn-ea"/>
+              </a:rPr>
+              <a:t>5.</a:t>
+            </a:r>
+            <a:r>
+              <a:rPr lang="zh-CN" altLang="en-US" sz="2400" b="1" dirty="0">
+                <a:solidFill>
+                  <a:srgbClr val="FF0000"/>
+                </a:solidFill>
+                <a:latin typeface="+mn-ea"/>
+              </a:rPr>
+              <a:t>赋值运算符</a:t>
+            </a:r>
+          </a:p>
+          <a:p>
+            <a:pPr>
+              <a:lnSpc>
+                <a:spcPct val="150000"/>
+              </a:lnSpc>
+            </a:pPr>
+            <a:r>
+              <a:rPr lang="zh-CN" altLang="en-US" sz="2400" dirty="0">
+                <a:latin typeface="+mn-ea"/>
+              </a:rPr>
+              <a:t>赋值 </a:t>
+            </a:r>
+            <a:r>
+              <a:rPr lang="en-US" altLang="zh-CN" sz="2400" dirty="0">
+                <a:latin typeface="+mn-ea"/>
+              </a:rPr>
+              <a:t>(=)</a:t>
+            </a:r>
+          </a:p>
+          <a:p>
+            <a:pPr>
+              <a:lnSpc>
+                <a:spcPct val="150000"/>
+              </a:lnSpc>
+            </a:pPr>
+            <a:r>
+              <a:rPr lang="zh-CN" altLang="en-US" sz="2400" dirty="0">
+                <a:latin typeface="+mn-ea"/>
+              </a:rPr>
+              <a:t>加赋值、减赋值等 </a:t>
+            </a:r>
+            <a:r>
+              <a:rPr lang="en-US" altLang="zh-CN" sz="2400" dirty="0">
+                <a:latin typeface="+mn-ea"/>
+              </a:rPr>
+              <a:t>(+=, -=, *=, /=, %=)</a:t>
+            </a:r>
+            <a:endParaRPr lang="en-US" altLang="zh-CN" sz="2400" b="0" i="0" dirty="0">
+              <a:effectLst/>
+              <a:latin typeface="+mn-ea"/>
+            </a:endParaRPr>
+          </a:p>
+        </p:txBody>
+      </p:sp>
+      <p:sp>
+        <p:nvSpPr>
+          <p:cNvPr id="9" name="文本框 8">
+            <a:extLst>
+              <a:ext uri="{FF2B5EF4-FFF2-40B4-BE49-F238E27FC236}">
+                <a16:creationId xmlns:a16="http://schemas.microsoft.com/office/drawing/2014/main" id="{398F8A78-32B4-4CF9-831B-C1D8F931F190}"/>
+              </a:ext>
+            </a:extLst>
+          </p:cNvPr>
+          <p:cNvSpPr txBox="1"/>
+          <p:nvPr/>
+        </p:nvSpPr>
+        <p:spPr>
+          <a:xfrm>
+            <a:off x="986413" y="880610"/>
+            <a:ext cx="5109587" cy="7238007"/>
+          </a:xfrm>
+          <a:prstGeom prst="rect">
+            <a:avLst/>
+          </a:prstGeom>
+          <a:noFill/>
+        </p:spPr>
+        <p:txBody>
+          <a:bodyPr wrap="square">
+            <a:spAutoFit/>
+          </a:bodyPr>
+          <a:lstStyle/>
+          <a:p>
+            <a:pPr>
+              <a:lnSpc>
+                <a:spcPct val="150000"/>
+              </a:lnSpc>
+            </a:pPr>
+            <a:r>
+              <a:rPr lang="en-US" altLang="zh-CN" sz="2400" b="1" dirty="0">
+                <a:solidFill>
+                  <a:srgbClr val="FF0000"/>
+                </a:solidFill>
+                <a:latin typeface="+mn-ea"/>
+              </a:rPr>
+              <a:t>1.</a:t>
+            </a:r>
+            <a:r>
+              <a:rPr lang="zh-CN" altLang="en-US" sz="2400" b="1" dirty="0">
+                <a:solidFill>
+                  <a:srgbClr val="FF0000"/>
+                </a:solidFill>
+                <a:latin typeface="+mn-ea"/>
+              </a:rPr>
+              <a:t>算术运算符</a:t>
+            </a:r>
+          </a:p>
+          <a:p>
+            <a:pPr>
+              <a:lnSpc>
+                <a:spcPct val="150000"/>
+              </a:lnSpc>
+            </a:pPr>
+            <a:r>
+              <a:rPr lang="zh-CN" altLang="en-US" sz="2400" dirty="0">
+                <a:latin typeface="+mn-ea"/>
+              </a:rPr>
+              <a:t>乘法、除法、取模 </a:t>
+            </a:r>
+            <a:r>
+              <a:rPr lang="en-US" altLang="zh-CN" sz="2400" dirty="0">
+                <a:latin typeface="+mn-ea"/>
+              </a:rPr>
+              <a:t>(*, /, %)</a:t>
+            </a:r>
+          </a:p>
+          <a:p>
+            <a:pPr>
+              <a:lnSpc>
+                <a:spcPct val="150000"/>
+              </a:lnSpc>
+            </a:pPr>
+            <a:r>
+              <a:rPr lang="zh-CN" altLang="en-US" sz="2400" dirty="0">
+                <a:latin typeface="+mn-ea"/>
+              </a:rPr>
+              <a:t>加法、减法 </a:t>
+            </a:r>
+            <a:r>
+              <a:rPr lang="en-US" altLang="zh-CN" sz="2400" dirty="0">
+                <a:latin typeface="+mn-ea"/>
+              </a:rPr>
+              <a:t>(+, -)</a:t>
+            </a:r>
+          </a:p>
+          <a:p>
+            <a:pPr>
+              <a:lnSpc>
+                <a:spcPct val="150000"/>
+              </a:lnSpc>
+            </a:pPr>
+            <a:endParaRPr lang="en-US" altLang="zh-CN" sz="2400" dirty="0">
+              <a:latin typeface="+mn-ea"/>
+            </a:endParaRPr>
+          </a:p>
+          <a:p>
+            <a:pPr>
+              <a:lnSpc>
+                <a:spcPct val="150000"/>
+              </a:lnSpc>
+            </a:pPr>
+            <a:r>
+              <a:rPr lang="en-US" altLang="zh-CN" sz="2400" b="1" dirty="0">
+                <a:solidFill>
+                  <a:srgbClr val="FF0000"/>
+                </a:solidFill>
+                <a:latin typeface="+mn-ea"/>
+              </a:rPr>
+              <a:t>2.</a:t>
+            </a:r>
+            <a:r>
+              <a:rPr lang="zh-CN" altLang="en-US" sz="2400" b="1" dirty="0">
+                <a:solidFill>
+                  <a:srgbClr val="FF0000"/>
+                </a:solidFill>
+                <a:latin typeface="+mn-ea"/>
+              </a:rPr>
+              <a:t>关系运算符</a:t>
+            </a:r>
+          </a:p>
+          <a:p>
+            <a:pPr>
+              <a:lnSpc>
+                <a:spcPct val="150000"/>
+              </a:lnSpc>
+            </a:pPr>
+            <a:r>
+              <a:rPr lang="zh-CN" altLang="en-US" sz="2400" dirty="0">
+                <a:latin typeface="+mn-ea"/>
+              </a:rPr>
+              <a:t>小于、小于等于 </a:t>
+            </a:r>
+            <a:r>
+              <a:rPr lang="en-US" altLang="zh-CN" sz="2400" dirty="0">
+                <a:latin typeface="+mn-ea"/>
+              </a:rPr>
+              <a:t>(&lt;, &lt;=)</a:t>
+            </a:r>
+          </a:p>
+          <a:p>
+            <a:pPr>
+              <a:lnSpc>
+                <a:spcPct val="150000"/>
+              </a:lnSpc>
+            </a:pPr>
+            <a:r>
+              <a:rPr lang="zh-CN" altLang="en-US" sz="2400" dirty="0">
+                <a:latin typeface="+mn-ea"/>
+              </a:rPr>
+              <a:t>大于、大于等于 </a:t>
+            </a:r>
+            <a:r>
+              <a:rPr lang="en-US" altLang="zh-CN" sz="2400" dirty="0">
+                <a:latin typeface="+mn-ea"/>
+              </a:rPr>
+              <a:t>(&gt;, &gt;=)</a:t>
+            </a:r>
+          </a:p>
+          <a:p>
+            <a:pPr>
+              <a:lnSpc>
+                <a:spcPct val="150000"/>
+              </a:lnSpc>
+            </a:pPr>
+            <a:endParaRPr lang="en-US" altLang="zh-CN" sz="2400" dirty="0">
+              <a:latin typeface="+mn-ea"/>
+            </a:endParaRPr>
+          </a:p>
+          <a:p>
+            <a:pPr>
+              <a:lnSpc>
+                <a:spcPct val="150000"/>
+              </a:lnSpc>
+            </a:pPr>
+            <a:r>
+              <a:rPr lang="en-US" altLang="zh-CN" sz="2400" b="1" dirty="0">
+                <a:solidFill>
+                  <a:srgbClr val="FF0000"/>
+                </a:solidFill>
+                <a:latin typeface="+mn-ea"/>
+              </a:rPr>
+              <a:t>3.</a:t>
+            </a:r>
+            <a:r>
+              <a:rPr lang="zh-CN" altLang="en-US" sz="2400" b="1" dirty="0">
+                <a:solidFill>
+                  <a:srgbClr val="FF0000"/>
+                </a:solidFill>
+                <a:latin typeface="+mn-ea"/>
+              </a:rPr>
+              <a:t>相等性运算符</a:t>
+            </a:r>
+            <a:endParaRPr lang="en-US" altLang="zh-CN" sz="2400" b="1" dirty="0">
+              <a:solidFill>
+                <a:srgbClr val="FF0000"/>
+              </a:solidFill>
+              <a:latin typeface="+mn-ea"/>
+            </a:endParaRPr>
+          </a:p>
+          <a:p>
+            <a:pPr>
+              <a:lnSpc>
+                <a:spcPct val="150000"/>
+              </a:lnSpc>
+            </a:pPr>
+            <a:r>
+              <a:rPr lang="zh-CN" altLang="en-US" sz="2400" dirty="0">
+                <a:latin typeface="+mn-ea"/>
+              </a:rPr>
+              <a:t>等于、不等于 </a:t>
+            </a:r>
+            <a:r>
+              <a:rPr lang="en-US" altLang="zh-CN" sz="2400" dirty="0">
+                <a:latin typeface="+mn-ea"/>
+              </a:rPr>
+              <a:t>(==, !=)</a:t>
+            </a:r>
+          </a:p>
+          <a:p>
+            <a:pPr>
+              <a:lnSpc>
+                <a:spcPct val="150000"/>
+              </a:lnSpc>
+            </a:pPr>
+            <a:endParaRPr lang="zh-CN" altLang="en-US" sz="2400" dirty="0">
+              <a:latin typeface="+mn-ea"/>
+            </a:endParaRPr>
+          </a:p>
+          <a:p>
+            <a:pPr>
+              <a:lnSpc>
+                <a:spcPct val="150000"/>
+              </a:lnSpc>
+            </a:pPr>
+            <a:endParaRPr lang="zh-CN" altLang="en-US" sz="2400" dirty="0">
+              <a:latin typeface="+mn-ea"/>
+            </a:endParaRPr>
+          </a:p>
+          <a:p>
+            <a:pPr>
+              <a:lnSpc>
+                <a:spcPct val="150000"/>
+              </a:lnSpc>
+            </a:pPr>
+            <a:endParaRPr lang="en-US" altLang="zh-CN" sz="2400" dirty="0">
+              <a:latin typeface="+mn-ea"/>
+            </a:endParaRPr>
+          </a:p>
+        </p:txBody>
+      </p:sp>
+    </p:spTree>
+    <p:extLst>
+      <p:ext uri="{BB962C8B-B14F-4D97-AF65-F5344CB8AC3E}">
+        <p14:creationId xmlns:p14="http://schemas.microsoft.com/office/powerpoint/2010/main" val="874647366"/>
+      </p:ext>
+    </p:extLst>
+  </p:cSld>
+  <p:clrMapOvr>
+    <a:masterClrMapping/>
+  </p:clrMapOvr>
+</p:sld>
+</file>
+
+<file path=ppt/slides/slide26.xml><?xml version="1.0" encoding="utf-8"?>
+<p:sld xmlns:a="http://schemas.openxmlformats.org/drawingml/2006/main" xmlns:r="http://schemas.openxmlformats.org/officeDocument/2006/relationships" xmlns:p="http://schemas.openxmlformats.org/presentationml/2006/main">
+  <p:cSld>
+    <p:spTree>
+      <p:nvGrpSpPr>
+        <p:cNvPr id="1" name=""/>
+        <p:cNvGrpSpPr/>
+        <p:nvPr/>
+      </p:nvGrpSpPr>
+      <p:grpSpPr>
+        <a:xfrm>
+          <a:off x="0" y="0"/>
+          <a:ext cx="0" cy="0"/>
+          <a:chOff x="0" y="0"/>
+          <a:chExt cx="0" cy="0"/>
+        </a:xfrm>
+      </p:grpSpPr>
+      <p:sp>
+        <p:nvSpPr>
+          <p:cNvPr id="8" name="文本框 7">
+            <a:extLst>
+              <a:ext uri="{FF2B5EF4-FFF2-40B4-BE49-F238E27FC236}">
+                <a16:creationId xmlns:a16="http://schemas.microsoft.com/office/drawing/2014/main" id="{173B5B89-5235-4C07-99A2-AC5672E77337}"/>
+              </a:ext>
+            </a:extLst>
+          </p:cNvPr>
+          <p:cNvSpPr txBox="1"/>
+          <p:nvPr/>
+        </p:nvSpPr>
+        <p:spPr>
+          <a:xfrm>
+            <a:off x="215448" y="169110"/>
+            <a:ext cx="11169000" cy="1015663"/>
+          </a:xfrm>
+          <a:prstGeom prst="rect">
+            <a:avLst/>
+          </a:prstGeom>
+          <a:noFill/>
+        </p:spPr>
+        <p:txBody>
+          <a:bodyPr wrap="square" rtlCol="0">
+            <a:spAutoFit/>
+          </a:bodyPr>
+          <a:lstStyle/>
+          <a:p>
+            <a:r>
+              <a:rPr lang="en-US" altLang="zh-CN" sz="6000" b="1" dirty="0">
+                <a:latin typeface="+mn-ea"/>
+              </a:rPr>
+              <a:t>exercise4.3: </a:t>
+            </a:r>
+            <a:r>
+              <a:rPr lang="zh-CN" altLang="en-US" sz="6000" b="1" dirty="0">
+                <a:latin typeface="+mn-ea"/>
+              </a:rPr>
+              <a:t>迭代器，</a:t>
+            </a:r>
+          </a:p>
+        </p:txBody>
+      </p:sp>
+      <p:sp>
+        <p:nvSpPr>
+          <p:cNvPr id="6" name="文本框 5">
+            <a:extLst>
+              <a:ext uri="{FF2B5EF4-FFF2-40B4-BE49-F238E27FC236}">
+                <a16:creationId xmlns:a16="http://schemas.microsoft.com/office/drawing/2014/main" id="{2D4F4C79-08EF-5BD3-BF52-34ECCD733770}"/>
+              </a:ext>
+            </a:extLst>
+          </p:cNvPr>
+          <p:cNvSpPr txBox="1"/>
+          <p:nvPr/>
+        </p:nvSpPr>
+        <p:spPr>
+          <a:xfrm>
+            <a:off x="4312755" y="1423155"/>
+            <a:ext cx="7511653" cy="5022016"/>
+          </a:xfrm>
+          <a:prstGeom prst="rect">
+            <a:avLst/>
+          </a:prstGeom>
+          <a:noFill/>
+        </p:spPr>
+        <p:txBody>
+          <a:bodyPr wrap="square">
+            <a:spAutoFit/>
+          </a:bodyPr>
+          <a:lstStyle/>
+          <a:p>
+            <a:pPr>
+              <a:lnSpc>
+                <a:spcPct val="150000"/>
+              </a:lnSpc>
+            </a:pPr>
+            <a:r>
+              <a:rPr lang="zh-CN" altLang="en-US" sz="2400" dirty="0">
+                <a:latin typeface="+mn-ea"/>
+              </a:rPr>
+              <a:t>假设 </a:t>
+            </a:r>
+            <a:r>
+              <a:rPr lang="en-US" altLang="zh-CN" sz="2400" dirty="0" err="1">
+                <a:latin typeface="+mn-ea"/>
+              </a:rPr>
+              <a:t>iter</a:t>
+            </a:r>
+            <a:r>
+              <a:rPr lang="en-US" altLang="zh-CN" sz="2400" dirty="0">
+                <a:latin typeface="+mn-ea"/>
+              </a:rPr>
+              <a:t> </a:t>
+            </a:r>
+            <a:r>
+              <a:rPr lang="zh-CN" altLang="en-US" sz="2400" dirty="0">
+                <a:latin typeface="+mn-ea"/>
+              </a:rPr>
+              <a:t>的类型是 </a:t>
+            </a:r>
+            <a:r>
+              <a:rPr lang="en-US" altLang="zh-CN" sz="2400" dirty="0">
+                <a:latin typeface="+mn-ea"/>
+              </a:rPr>
+              <a:t>vector&lt;string&gt;::iterator, </a:t>
+            </a:r>
+            <a:r>
+              <a:rPr lang="zh-CN" altLang="en-US" sz="2400" dirty="0">
+                <a:latin typeface="+mn-ea"/>
+              </a:rPr>
+              <a:t>说明下面的表达式是否合法。如果合法，表达式的含义是什么？如果不合法，错在何处？</a:t>
+            </a:r>
+          </a:p>
+          <a:p>
+            <a:pPr>
+              <a:lnSpc>
+                <a:spcPct val="150000"/>
+              </a:lnSpc>
+            </a:pPr>
+            <a:r>
+              <a:rPr lang="en-US" altLang="zh-CN" sz="2400" dirty="0">
+                <a:latin typeface="+mn-ea"/>
+              </a:rPr>
+              <a:t>(a) *</a:t>
+            </a:r>
+            <a:r>
+              <a:rPr lang="en-US" altLang="zh-CN" sz="2400" dirty="0" err="1">
+                <a:latin typeface="+mn-ea"/>
+              </a:rPr>
+              <a:t>iter</a:t>
+            </a:r>
+            <a:r>
+              <a:rPr lang="en-US" altLang="zh-CN" sz="2400" dirty="0">
+                <a:latin typeface="+mn-ea"/>
+              </a:rPr>
+              <a:t>++;</a:t>
+            </a:r>
+          </a:p>
+          <a:p>
+            <a:pPr>
+              <a:lnSpc>
+                <a:spcPct val="150000"/>
+              </a:lnSpc>
+            </a:pPr>
+            <a:r>
+              <a:rPr lang="en-US" altLang="zh-CN" sz="2400" dirty="0">
+                <a:latin typeface="+mn-ea"/>
+              </a:rPr>
+              <a:t>(b) (*</a:t>
+            </a:r>
+            <a:r>
+              <a:rPr lang="en-US" altLang="zh-CN" sz="2400" dirty="0" err="1">
+                <a:latin typeface="+mn-ea"/>
+              </a:rPr>
+              <a:t>iter</a:t>
+            </a:r>
+            <a:r>
+              <a:rPr lang="en-US" altLang="zh-CN" sz="2400" dirty="0">
+                <a:latin typeface="+mn-ea"/>
+              </a:rPr>
+              <a:t>)++;</a:t>
+            </a:r>
+          </a:p>
+          <a:p>
+            <a:pPr>
+              <a:lnSpc>
+                <a:spcPct val="150000"/>
+              </a:lnSpc>
+            </a:pPr>
+            <a:r>
+              <a:rPr lang="en-US" altLang="zh-CN" sz="2400" dirty="0">
+                <a:latin typeface="+mn-ea"/>
+              </a:rPr>
+              <a:t>(c) *</a:t>
+            </a:r>
+            <a:r>
+              <a:rPr lang="en-US" altLang="zh-CN" sz="2400" dirty="0" err="1">
+                <a:latin typeface="+mn-ea"/>
+              </a:rPr>
+              <a:t>iter.empty</a:t>
+            </a:r>
+            <a:r>
+              <a:rPr lang="en-US" altLang="zh-CN" sz="2400" dirty="0">
+                <a:latin typeface="+mn-ea"/>
+              </a:rPr>
+              <a:t>();</a:t>
+            </a:r>
+          </a:p>
+          <a:p>
+            <a:pPr>
+              <a:lnSpc>
+                <a:spcPct val="150000"/>
+              </a:lnSpc>
+            </a:pPr>
+            <a:r>
+              <a:rPr lang="en-US" altLang="zh-CN" sz="2400" dirty="0">
+                <a:latin typeface="+mn-ea"/>
+              </a:rPr>
+              <a:t>(d) </a:t>
+            </a:r>
+            <a:r>
+              <a:rPr lang="en-US" altLang="zh-CN" sz="2400" dirty="0" err="1">
+                <a:latin typeface="+mn-ea"/>
+              </a:rPr>
+              <a:t>iter</a:t>
+            </a:r>
+            <a:r>
+              <a:rPr lang="en-US" altLang="zh-CN" sz="2400" dirty="0">
+                <a:latin typeface="+mn-ea"/>
+              </a:rPr>
+              <a:t>-&gt;empty();</a:t>
+            </a:r>
+          </a:p>
+          <a:p>
+            <a:pPr>
+              <a:lnSpc>
+                <a:spcPct val="150000"/>
+              </a:lnSpc>
+            </a:pPr>
+            <a:r>
+              <a:rPr lang="en-US" altLang="zh-CN" sz="2400" dirty="0">
+                <a:latin typeface="+mn-ea"/>
+              </a:rPr>
+              <a:t>(e) ++*</a:t>
+            </a:r>
+            <a:r>
+              <a:rPr lang="en-US" altLang="zh-CN" sz="2400" dirty="0" err="1">
+                <a:latin typeface="+mn-ea"/>
+              </a:rPr>
+              <a:t>iter</a:t>
+            </a:r>
+            <a:r>
+              <a:rPr lang="en-US" altLang="zh-CN" sz="2400" dirty="0">
+                <a:latin typeface="+mn-ea"/>
+              </a:rPr>
+              <a:t>;</a:t>
+            </a:r>
+          </a:p>
+          <a:p>
+            <a:pPr>
+              <a:lnSpc>
+                <a:spcPct val="150000"/>
+              </a:lnSpc>
+            </a:pPr>
+            <a:r>
+              <a:rPr lang="en-US" altLang="zh-CN" sz="2400" dirty="0">
+                <a:latin typeface="+mn-ea"/>
+              </a:rPr>
+              <a:t>(f) </a:t>
+            </a:r>
+            <a:r>
+              <a:rPr lang="en-US" altLang="zh-CN" sz="2400" dirty="0" err="1">
+                <a:latin typeface="+mn-ea"/>
+              </a:rPr>
+              <a:t>iter</a:t>
+            </a:r>
+            <a:r>
+              <a:rPr lang="en-US" altLang="zh-CN" sz="2400" dirty="0">
+                <a:latin typeface="+mn-ea"/>
+              </a:rPr>
+              <a:t>++-&gt;empty();</a:t>
+            </a:r>
+            <a:endParaRPr lang="en-US" altLang="zh-CN" sz="2400" b="0" i="0" dirty="0">
+              <a:effectLst/>
+              <a:latin typeface="+mn-ea"/>
+            </a:endParaRPr>
+          </a:p>
+        </p:txBody>
+      </p:sp>
+      <p:pic>
+        <p:nvPicPr>
+          <p:cNvPr id="4" name="图片 3">
+            <a:extLst>
+              <a:ext uri="{FF2B5EF4-FFF2-40B4-BE49-F238E27FC236}">
+                <a16:creationId xmlns:a16="http://schemas.microsoft.com/office/drawing/2014/main" id="{09E97054-D472-4658-822B-8939E6B957A1}"/>
+              </a:ext>
+            </a:extLst>
+          </p:cNvPr>
+          <p:cNvPicPr>
+            <a:picLocks noChangeAspect="1"/>
+          </p:cNvPicPr>
+          <p:nvPr/>
+        </p:nvPicPr>
+        <p:blipFill>
+          <a:blip r:embed="rId3">
+            <a:extLst>
+              <a:ext uri="{28A0092B-C50C-407E-A947-70E740481C1C}">
+                <a14:useLocalDpi xmlns:a14="http://schemas.microsoft.com/office/drawing/2010/main" val="0"/>
+              </a:ext>
+            </a:extLst>
+          </a:blip>
+          <a:stretch>
+            <a:fillRect/>
+          </a:stretch>
+        </p:blipFill>
+        <p:spPr>
+          <a:xfrm>
+            <a:off x="215448" y="1423155"/>
+            <a:ext cx="3358752" cy="3358752"/>
+          </a:xfrm>
+          <a:prstGeom prst="rect">
+            <a:avLst/>
+          </a:prstGeom>
+        </p:spPr>
+      </p:pic>
+    </p:spTree>
+    <p:extLst>
+      <p:ext uri="{BB962C8B-B14F-4D97-AF65-F5344CB8AC3E}">
+        <p14:creationId xmlns:p14="http://schemas.microsoft.com/office/powerpoint/2010/main" val="2215474501"/>
+      </p:ext>
+    </p:extLst>
+  </p:cSld>
+  <p:clrMapOvr>
+    <a:masterClrMapping/>
+  </p:clrMapOvr>
+</p:sld>
+</file>
+
+<file path=ppt/slides/slide27.xml><?xml version="1.0" encoding="utf-8"?>
+<p:sld xmlns:a="http://schemas.openxmlformats.org/drawingml/2006/main" xmlns:r="http://schemas.openxmlformats.org/officeDocument/2006/relationships" xmlns:p="http://schemas.openxmlformats.org/presentationml/2006/main">
+  <p:cSld>
+    <p:spTree>
+      <p:nvGrpSpPr>
+        <p:cNvPr id="1" name=""/>
+        <p:cNvGrpSpPr/>
+        <p:nvPr/>
+      </p:nvGrpSpPr>
+      <p:grpSpPr>
+        <a:xfrm>
+          <a:off x="0" y="0"/>
+          <a:ext cx="0" cy="0"/>
+          <a:chOff x="0" y="0"/>
+          <a:chExt cx="0" cy="0"/>
+        </a:xfrm>
+      </p:grpSpPr>
+      <p:sp>
+        <p:nvSpPr>
+          <p:cNvPr id="8" name="文本框 7">
+            <a:extLst>
+              <a:ext uri="{FF2B5EF4-FFF2-40B4-BE49-F238E27FC236}">
+                <a16:creationId xmlns:a16="http://schemas.microsoft.com/office/drawing/2014/main" id="{173B5B89-5235-4C07-99A2-AC5672E77337}"/>
+              </a:ext>
+            </a:extLst>
+          </p:cNvPr>
+          <p:cNvSpPr txBox="1"/>
+          <p:nvPr/>
+        </p:nvSpPr>
+        <p:spPr>
+          <a:xfrm>
+            <a:off x="215448" y="169110"/>
+            <a:ext cx="11169000" cy="1015663"/>
+          </a:xfrm>
+          <a:prstGeom prst="rect">
+            <a:avLst/>
+          </a:prstGeom>
+          <a:noFill/>
+        </p:spPr>
+        <p:txBody>
+          <a:bodyPr wrap="square" rtlCol="0">
+            <a:spAutoFit/>
+          </a:bodyPr>
+          <a:lstStyle/>
+          <a:p>
+            <a:r>
+              <a:rPr lang="en-US" altLang="zh-CN" sz="6000" b="1" dirty="0">
+                <a:latin typeface="+mn-ea"/>
+              </a:rPr>
+              <a:t>exercise4.4: vector + </a:t>
+            </a:r>
+            <a:r>
+              <a:rPr lang="zh-CN" altLang="en-US" sz="6000" b="1" dirty="0">
+                <a:latin typeface="+mn-ea"/>
+              </a:rPr>
+              <a:t>条件判断</a:t>
+            </a:r>
+          </a:p>
+        </p:txBody>
+      </p:sp>
+      <p:sp>
+        <p:nvSpPr>
+          <p:cNvPr id="6" name="文本框 5">
+            <a:extLst>
+              <a:ext uri="{FF2B5EF4-FFF2-40B4-BE49-F238E27FC236}">
+                <a16:creationId xmlns:a16="http://schemas.microsoft.com/office/drawing/2014/main" id="{2D4F4C79-08EF-5BD3-BF52-34ECCD733770}"/>
+              </a:ext>
+            </a:extLst>
+          </p:cNvPr>
+          <p:cNvSpPr txBox="1"/>
+          <p:nvPr/>
+        </p:nvSpPr>
+        <p:spPr>
+          <a:xfrm>
+            <a:off x="4194421" y="1958500"/>
+            <a:ext cx="7511653" cy="1144031"/>
+          </a:xfrm>
+          <a:prstGeom prst="rect">
+            <a:avLst/>
+          </a:prstGeom>
+          <a:noFill/>
+        </p:spPr>
+        <p:txBody>
+          <a:bodyPr wrap="square">
+            <a:spAutoFit/>
+          </a:bodyPr>
+          <a:lstStyle/>
+          <a:p>
+            <a:pPr>
+              <a:lnSpc>
+                <a:spcPct val="150000"/>
+              </a:lnSpc>
+            </a:pPr>
+            <a:r>
+              <a:rPr lang="zh-CN" altLang="en-US" sz="2400" dirty="0"/>
+              <a:t>编写一段程序，使用条件运算符从 </a:t>
+            </a:r>
+            <a:r>
+              <a:rPr lang="en-US" altLang="zh-CN" sz="2400" dirty="0"/>
+              <a:t>vector </a:t>
+            </a:r>
+            <a:r>
+              <a:rPr lang="zh-CN" altLang="en-US" sz="2400" dirty="0"/>
+              <a:t>中找到哪些元素的值是奇数，然后将这些奇数值翻倍。</a:t>
+            </a:r>
+            <a:endParaRPr lang="en-US" altLang="zh-CN" sz="3200" b="0" i="0" dirty="0">
+              <a:effectLst/>
+              <a:latin typeface="+mn-ea"/>
+            </a:endParaRPr>
+          </a:p>
+        </p:txBody>
+      </p:sp>
+      <p:pic>
+        <p:nvPicPr>
+          <p:cNvPr id="4" name="图片 3">
+            <a:extLst>
+              <a:ext uri="{FF2B5EF4-FFF2-40B4-BE49-F238E27FC236}">
+                <a16:creationId xmlns:a16="http://schemas.microsoft.com/office/drawing/2014/main" id="{09E97054-D472-4658-822B-8939E6B957A1}"/>
+              </a:ext>
+            </a:extLst>
+          </p:cNvPr>
+          <p:cNvPicPr>
+            <a:picLocks noChangeAspect="1"/>
+          </p:cNvPicPr>
+          <p:nvPr/>
+        </p:nvPicPr>
+        <p:blipFill>
+          <a:blip r:embed="rId3">
+            <a:extLst>
+              <a:ext uri="{28A0092B-C50C-407E-A947-70E740481C1C}">
+                <a14:useLocalDpi xmlns:a14="http://schemas.microsoft.com/office/drawing/2010/main" val="0"/>
+              </a:ext>
+            </a:extLst>
+          </a:blip>
+          <a:stretch>
+            <a:fillRect/>
+          </a:stretch>
+        </p:blipFill>
+        <p:spPr>
+          <a:xfrm>
+            <a:off x="215448" y="1423155"/>
+            <a:ext cx="3358752" cy="3358752"/>
+          </a:xfrm>
+          <a:prstGeom prst="rect">
+            <a:avLst/>
+          </a:prstGeom>
+        </p:spPr>
+      </p:pic>
+    </p:spTree>
+    <p:extLst>
+      <p:ext uri="{BB962C8B-B14F-4D97-AF65-F5344CB8AC3E}">
+        <p14:creationId xmlns:p14="http://schemas.microsoft.com/office/powerpoint/2010/main" val="1904621089"/>
+      </p:ext>
+    </p:extLst>
+  </p:cSld>
+  <p:clrMapOvr>
+    <a:masterClrMapping/>
+  </p:clrMapOvr>
+</p:sld>
+</file>
+
+<file path=ppt/slides/slide28.xml><?xml version="1.0" encoding="utf-8"?>
+<p:sld xmlns:a="http://schemas.openxmlformats.org/drawingml/2006/main" xmlns:r="http://schemas.openxmlformats.org/officeDocument/2006/relationships" xmlns:p="http://schemas.openxmlformats.org/presentationml/2006/main">
+  <p:cSld>
+    <p:spTree>
+      <p:nvGrpSpPr>
+        <p:cNvPr id="1" name=""/>
+        <p:cNvGrpSpPr/>
+        <p:nvPr/>
+      </p:nvGrpSpPr>
+      <p:grpSpPr>
+        <a:xfrm>
+          <a:off x="0" y="0"/>
+          <a:ext cx="0" cy="0"/>
+          <a:chOff x="0" y="0"/>
+          <a:chExt cx="0" cy="0"/>
+        </a:xfrm>
+      </p:grpSpPr>
+      <p:sp>
+        <p:nvSpPr>
+          <p:cNvPr id="8" name="文本框 7">
+            <a:extLst>
+              <a:ext uri="{FF2B5EF4-FFF2-40B4-BE49-F238E27FC236}">
+                <a16:creationId xmlns:a16="http://schemas.microsoft.com/office/drawing/2014/main" id="{173B5B89-5235-4C07-99A2-AC5672E77337}"/>
+              </a:ext>
+            </a:extLst>
+          </p:cNvPr>
+          <p:cNvSpPr txBox="1"/>
+          <p:nvPr/>
+        </p:nvSpPr>
+        <p:spPr>
+          <a:xfrm>
+            <a:off x="215448" y="169110"/>
+            <a:ext cx="11169000" cy="1015663"/>
+          </a:xfrm>
+          <a:prstGeom prst="rect">
+            <a:avLst/>
+          </a:prstGeom>
+          <a:noFill/>
+        </p:spPr>
+        <p:txBody>
+          <a:bodyPr wrap="square" rtlCol="0">
+            <a:spAutoFit/>
+          </a:bodyPr>
+          <a:lstStyle/>
+          <a:p>
+            <a:r>
+              <a:rPr lang="en-US" altLang="zh-CN" sz="6000" b="1" dirty="0">
+                <a:latin typeface="+mn-ea"/>
+              </a:rPr>
+              <a:t>exercise4.5: &amp;&amp; </a:t>
+            </a:r>
+            <a:r>
+              <a:rPr lang="zh-CN" altLang="en-US" sz="6000" b="1" dirty="0">
+                <a:latin typeface="+mn-ea"/>
+              </a:rPr>
+              <a:t>和</a:t>
+            </a:r>
+            <a:r>
+              <a:rPr lang="en-US" altLang="zh-CN" sz="6000" b="1" dirty="0">
+                <a:latin typeface="+mn-ea"/>
+              </a:rPr>
+              <a:t>&amp; </a:t>
+            </a:r>
+            <a:r>
+              <a:rPr lang="zh-CN" altLang="en-US" sz="6000" b="1" dirty="0">
+                <a:latin typeface="+mn-ea"/>
+              </a:rPr>
+              <a:t>运算</a:t>
+            </a:r>
+          </a:p>
+        </p:txBody>
+      </p:sp>
+      <p:sp>
+        <p:nvSpPr>
+          <p:cNvPr id="6" name="文本框 5">
+            <a:extLst>
+              <a:ext uri="{FF2B5EF4-FFF2-40B4-BE49-F238E27FC236}">
+                <a16:creationId xmlns:a16="http://schemas.microsoft.com/office/drawing/2014/main" id="{2D4F4C79-08EF-5BD3-BF52-34ECCD733770}"/>
+              </a:ext>
+            </a:extLst>
+          </p:cNvPr>
+          <p:cNvSpPr txBox="1"/>
+          <p:nvPr/>
+        </p:nvSpPr>
+        <p:spPr>
+          <a:xfrm>
+            <a:off x="4194421" y="1958500"/>
+            <a:ext cx="7511653" cy="3360022"/>
+          </a:xfrm>
+          <a:prstGeom prst="rect">
+            <a:avLst/>
+          </a:prstGeom>
+          <a:noFill/>
+        </p:spPr>
+        <p:txBody>
+          <a:bodyPr wrap="square">
+            <a:spAutoFit/>
+          </a:bodyPr>
+          <a:lstStyle/>
+          <a:p>
+            <a:pPr>
+              <a:lnSpc>
+                <a:spcPct val="150000"/>
+              </a:lnSpc>
+            </a:pPr>
+            <a:r>
+              <a:rPr lang="zh-CN" altLang="en-US" sz="2400" dirty="0"/>
+              <a:t>下列表达式的结果是什么？</a:t>
+            </a:r>
+          </a:p>
+          <a:p>
+            <a:pPr>
+              <a:lnSpc>
+                <a:spcPct val="150000"/>
+              </a:lnSpc>
+            </a:pPr>
+            <a:r>
+              <a:rPr lang="en-US" altLang="zh-CN" sz="2400" dirty="0"/>
+              <a:t>unsigned long ul1 = 3, ul2 = 7;</a:t>
+            </a:r>
+          </a:p>
+          <a:p>
+            <a:pPr>
+              <a:lnSpc>
+                <a:spcPct val="150000"/>
+              </a:lnSpc>
+            </a:pPr>
+            <a:r>
+              <a:rPr lang="en-US" altLang="zh-CN" sz="2400" dirty="0"/>
+              <a:t>(a) ul1 &amp; ul2 </a:t>
+            </a:r>
+          </a:p>
+          <a:p>
+            <a:pPr>
+              <a:lnSpc>
+                <a:spcPct val="150000"/>
+              </a:lnSpc>
+            </a:pPr>
+            <a:r>
+              <a:rPr lang="en-US" altLang="zh-CN" sz="2400" dirty="0"/>
+              <a:t>(b) ul1 | ul2 </a:t>
+            </a:r>
+          </a:p>
+          <a:p>
+            <a:pPr>
+              <a:lnSpc>
+                <a:spcPct val="150000"/>
+              </a:lnSpc>
+            </a:pPr>
+            <a:r>
+              <a:rPr lang="en-US" altLang="zh-CN" sz="2400" dirty="0"/>
+              <a:t>(c) ul1 &amp;&amp; ul2</a:t>
+            </a:r>
+          </a:p>
+          <a:p>
+            <a:pPr>
+              <a:lnSpc>
+                <a:spcPct val="150000"/>
+              </a:lnSpc>
+            </a:pPr>
+            <a:r>
+              <a:rPr lang="en-US" altLang="zh-CN" sz="2400" dirty="0"/>
+              <a:t>(d) ul1 || ul2 </a:t>
+            </a:r>
+            <a:endParaRPr lang="en-US" altLang="zh-CN" sz="3200" b="0" i="0" dirty="0">
+              <a:effectLst/>
+              <a:latin typeface="+mn-ea"/>
+            </a:endParaRPr>
+          </a:p>
+        </p:txBody>
+      </p:sp>
+      <p:pic>
+        <p:nvPicPr>
+          <p:cNvPr id="4" name="图片 3">
+            <a:extLst>
+              <a:ext uri="{FF2B5EF4-FFF2-40B4-BE49-F238E27FC236}">
+                <a16:creationId xmlns:a16="http://schemas.microsoft.com/office/drawing/2014/main" id="{09E97054-D472-4658-822B-8939E6B957A1}"/>
+              </a:ext>
+            </a:extLst>
+          </p:cNvPr>
+          <p:cNvPicPr>
+            <a:picLocks noChangeAspect="1"/>
+          </p:cNvPicPr>
+          <p:nvPr/>
+        </p:nvPicPr>
+        <p:blipFill>
+          <a:blip r:embed="rId3">
+            <a:extLst>
+              <a:ext uri="{28A0092B-C50C-407E-A947-70E740481C1C}">
+                <a14:useLocalDpi xmlns:a14="http://schemas.microsoft.com/office/drawing/2010/main" val="0"/>
+              </a:ext>
+            </a:extLst>
+          </a:blip>
+          <a:stretch>
+            <a:fillRect/>
+          </a:stretch>
+        </p:blipFill>
+        <p:spPr>
+          <a:xfrm>
+            <a:off x="215448" y="1423155"/>
+            <a:ext cx="3358752" cy="3358752"/>
+          </a:xfrm>
+          <a:prstGeom prst="rect">
+            <a:avLst/>
+          </a:prstGeom>
+        </p:spPr>
+      </p:pic>
+    </p:spTree>
+    <p:extLst>
+      <p:ext uri="{BB962C8B-B14F-4D97-AF65-F5344CB8AC3E}">
+        <p14:creationId xmlns:p14="http://schemas.microsoft.com/office/powerpoint/2010/main" val="1442667243"/>
+      </p:ext>
+    </p:extLst>
+  </p:cSld>
+  <p:clrMapOvr>
+    <a:masterClrMapping/>
+  </p:clrMapOvr>
+</p:sld>
+</file>
+
+<file path=ppt/slides/slide29.xml><?xml version="1.0" encoding="utf-8"?>
+<p:sld xmlns:a="http://schemas.openxmlformats.org/drawingml/2006/main" xmlns:r="http://schemas.openxmlformats.org/officeDocument/2006/relationships" xmlns:p="http://schemas.openxmlformats.org/presentationml/2006/main">
+  <p:cSld>
+    <p:spTree>
+      <p:nvGrpSpPr>
+        <p:cNvPr id="1" name=""/>
+        <p:cNvGrpSpPr/>
+        <p:nvPr/>
+      </p:nvGrpSpPr>
+      <p:grpSpPr>
+        <a:xfrm>
+          <a:off x="0" y="0"/>
+          <a:ext cx="0" cy="0"/>
+          <a:chOff x="0" y="0"/>
+          <a:chExt cx="0" cy="0"/>
+        </a:xfrm>
+      </p:grpSpPr>
+      <p:sp>
+        <p:nvSpPr>
+          <p:cNvPr id="8" name="文本框 7">
+            <a:extLst>
+              <a:ext uri="{FF2B5EF4-FFF2-40B4-BE49-F238E27FC236}">
+                <a16:creationId xmlns:a16="http://schemas.microsoft.com/office/drawing/2014/main" id="{173B5B89-5235-4C07-99A2-AC5672E77337}"/>
+              </a:ext>
+            </a:extLst>
+          </p:cNvPr>
+          <p:cNvSpPr txBox="1"/>
+          <p:nvPr/>
+        </p:nvSpPr>
+        <p:spPr>
+          <a:xfrm>
+            <a:off x="215448" y="169110"/>
+            <a:ext cx="11169000" cy="1015663"/>
+          </a:xfrm>
+          <a:prstGeom prst="rect">
+            <a:avLst/>
+          </a:prstGeom>
+          <a:noFill/>
+        </p:spPr>
+        <p:txBody>
+          <a:bodyPr wrap="square" rtlCol="0">
+            <a:spAutoFit/>
+          </a:bodyPr>
+          <a:lstStyle/>
+          <a:p>
+            <a:r>
+              <a:rPr lang="en-US" altLang="zh-CN" sz="6000" b="1" dirty="0">
+                <a:latin typeface="+mn-ea"/>
+              </a:rPr>
+              <a:t>exercise4.6</a:t>
+            </a:r>
+            <a:r>
+              <a:rPr lang="zh-CN" altLang="en-US" sz="6000" b="1" dirty="0">
+                <a:latin typeface="+mn-ea"/>
+              </a:rPr>
+              <a:t> 三目运算符</a:t>
+            </a:r>
+          </a:p>
+        </p:txBody>
+      </p:sp>
+      <p:sp>
+        <p:nvSpPr>
+          <p:cNvPr id="6" name="文本框 5">
+            <a:extLst>
+              <a:ext uri="{FF2B5EF4-FFF2-40B4-BE49-F238E27FC236}">
+                <a16:creationId xmlns:a16="http://schemas.microsoft.com/office/drawing/2014/main" id="{2D4F4C79-08EF-5BD3-BF52-34ECCD733770}"/>
+              </a:ext>
+            </a:extLst>
+          </p:cNvPr>
+          <p:cNvSpPr txBox="1"/>
+          <p:nvPr/>
+        </p:nvSpPr>
+        <p:spPr>
+          <a:xfrm>
+            <a:off x="4194421" y="1958500"/>
+            <a:ext cx="7511653" cy="1144031"/>
+          </a:xfrm>
+          <a:prstGeom prst="rect">
+            <a:avLst/>
+          </a:prstGeom>
+          <a:noFill/>
+        </p:spPr>
+        <p:txBody>
+          <a:bodyPr wrap="square">
+            <a:spAutoFit/>
+          </a:bodyPr>
+          <a:lstStyle/>
+          <a:p>
+            <a:pPr>
+              <a:lnSpc>
+                <a:spcPct val="150000"/>
+              </a:lnSpc>
+            </a:pPr>
+            <a:r>
+              <a:rPr lang="zh-CN" altLang="en-US" sz="2400" dirty="0"/>
+              <a:t>说明下面这条表达式的含义。</a:t>
+            </a:r>
+          </a:p>
+          <a:p>
+            <a:pPr>
+              <a:lnSpc>
+                <a:spcPct val="150000"/>
+              </a:lnSpc>
+            </a:pPr>
+            <a:r>
+              <a:rPr lang="en-US" altLang="zh-CN" sz="2400" dirty="0" err="1"/>
+              <a:t>someValue</a:t>
+            </a:r>
+            <a:r>
+              <a:rPr lang="en-US" altLang="zh-CN" sz="2400" dirty="0"/>
+              <a:t> ? ++x, ++y : --x, --y</a:t>
+            </a:r>
+            <a:endParaRPr lang="en-US" altLang="zh-CN" sz="3200" b="0" i="0" dirty="0">
+              <a:effectLst/>
+              <a:latin typeface="+mn-ea"/>
+            </a:endParaRPr>
+          </a:p>
+        </p:txBody>
+      </p:sp>
+      <p:pic>
+        <p:nvPicPr>
+          <p:cNvPr id="4" name="图片 3">
+            <a:extLst>
+              <a:ext uri="{FF2B5EF4-FFF2-40B4-BE49-F238E27FC236}">
+                <a16:creationId xmlns:a16="http://schemas.microsoft.com/office/drawing/2014/main" id="{09E97054-D472-4658-822B-8939E6B957A1}"/>
+              </a:ext>
+            </a:extLst>
+          </p:cNvPr>
+          <p:cNvPicPr>
+            <a:picLocks noChangeAspect="1"/>
+          </p:cNvPicPr>
+          <p:nvPr/>
+        </p:nvPicPr>
+        <p:blipFill>
+          <a:blip r:embed="rId3">
+            <a:extLst>
+              <a:ext uri="{28A0092B-C50C-407E-A947-70E740481C1C}">
+                <a14:useLocalDpi xmlns:a14="http://schemas.microsoft.com/office/drawing/2010/main" val="0"/>
+              </a:ext>
+            </a:extLst>
+          </a:blip>
+          <a:stretch>
+            <a:fillRect/>
+          </a:stretch>
+        </p:blipFill>
+        <p:spPr>
+          <a:xfrm>
+            <a:off x="215448" y="1423155"/>
+            <a:ext cx="3358752" cy="3358752"/>
+          </a:xfrm>
+          <a:prstGeom prst="rect">
+            <a:avLst/>
+          </a:prstGeom>
+        </p:spPr>
+      </p:pic>
+    </p:spTree>
+    <p:extLst>
+      <p:ext uri="{BB962C8B-B14F-4D97-AF65-F5344CB8AC3E}">
+        <p14:creationId xmlns:p14="http://schemas.microsoft.com/office/powerpoint/2010/main" val="391220997"/>
+      </p:ext>
+    </p:extLst>
+  </p:cSld>
+  <p:clrMapOvr>
+    <a:masterClrMapping/>
+  </p:clrMapOvr>
+</p:sld>
+</file>
+
 <file path=ppt/slides/slide3.xml><?xml version="1.0" encoding="utf-8"?>
 <p:sld xmlns:a="http://schemas.openxmlformats.org/drawingml/2006/main" xmlns:r="http://schemas.openxmlformats.org/officeDocument/2006/relationships" xmlns:p="http://schemas.openxmlformats.org/presentationml/2006/main">
   <p:cSld>
@@ -10988,6 +15630,815 @@
     <p:extLst>
       <p:ext uri="{BB962C8B-B14F-4D97-AF65-F5344CB8AC3E}">
         <p14:creationId xmlns:p14="http://schemas.microsoft.com/office/powerpoint/2010/main" val="742123483"/>
+      </p:ext>
+    </p:extLst>
+  </p:cSld>
+  <p:clrMapOvr>
+    <a:masterClrMapping/>
+  </p:clrMapOvr>
+</p:sld>
+</file>
+
+<file path=ppt/slides/slide30.xml><?xml version="1.0" encoding="utf-8"?>
+<p:sld xmlns:a="http://schemas.openxmlformats.org/drawingml/2006/main" xmlns:r="http://schemas.openxmlformats.org/officeDocument/2006/relationships" xmlns:p="http://schemas.openxmlformats.org/presentationml/2006/main">
+  <p:cSld>
+    <p:spTree>
+      <p:nvGrpSpPr>
+        <p:cNvPr id="1" name=""/>
+        <p:cNvGrpSpPr/>
+        <p:nvPr/>
+      </p:nvGrpSpPr>
+      <p:grpSpPr>
+        <a:xfrm>
+          <a:off x="0" y="0"/>
+          <a:ext cx="0" cy="0"/>
+          <a:chOff x="0" y="0"/>
+          <a:chExt cx="0" cy="0"/>
+        </a:xfrm>
+      </p:grpSpPr>
+      <p:sp>
+        <p:nvSpPr>
+          <p:cNvPr id="8" name="文本框 7">
+            <a:extLst>
+              <a:ext uri="{FF2B5EF4-FFF2-40B4-BE49-F238E27FC236}">
+                <a16:creationId xmlns:a16="http://schemas.microsoft.com/office/drawing/2014/main" id="{173B5B89-5235-4C07-99A2-AC5672E77337}"/>
+              </a:ext>
+            </a:extLst>
+          </p:cNvPr>
+          <p:cNvSpPr txBox="1"/>
+          <p:nvPr/>
+        </p:nvSpPr>
+        <p:spPr>
+          <a:xfrm>
+            <a:off x="215448" y="169110"/>
+            <a:ext cx="11169000" cy="1015663"/>
+          </a:xfrm>
+          <a:prstGeom prst="rect">
+            <a:avLst/>
+          </a:prstGeom>
+          <a:noFill/>
+        </p:spPr>
+        <p:txBody>
+          <a:bodyPr wrap="square" rtlCol="0">
+            <a:spAutoFit/>
+          </a:bodyPr>
+          <a:lstStyle/>
+          <a:p>
+            <a:r>
+              <a:rPr lang="en-US" altLang="zh-CN" sz="6000" b="1" dirty="0">
+                <a:latin typeface="+mn-ea"/>
+              </a:rPr>
+              <a:t>exercise4.7</a:t>
+            </a:r>
+            <a:r>
+              <a:rPr lang="zh-CN" altLang="en-US" sz="6000" b="1" dirty="0">
+                <a:latin typeface="+mn-ea"/>
+              </a:rPr>
+              <a:t> 类型转换</a:t>
+            </a:r>
+          </a:p>
+        </p:txBody>
+      </p:sp>
+      <p:sp>
+        <p:nvSpPr>
+          <p:cNvPr id="6" name="文本框 5">
+            <a:extLst>
+              <a:ext uri="{FF2B5EF4-FFF2-40B4-BE49-F238E27FC236}">
+                <a16:creationId xmlns:a16="http://schemas.microsoft.com/office/drawing/2014/main" id="{2D4F4C79-08EF-5BD3-BF52-34ECCD733770}"/>
+              </a:ext>
+            </a:extLst>
+          </p:cNvPr>
+          <p:cNvSpPr txBox="1"/>
+          <p:nvPr/>
+        </p:nvSpPr>
+        <p:spPr>
+          <a:xfrm>
+            <a:off x="4301998" y="1184773"/>
+            <a:ext cx="7511653" cy="5451621"/>
+          </a:xfrm>
+          <a:prstGeom prst="rect">
+            <a:avLst/>
+          </a:prstGeom>
+          <a:noFill/>
+        </p:spPr>
+        <p:txBody>
+          <a:bodyPr wrap="square">
+            <a:spAutoFit/>
+          </a:bodyPr>
+          <a:lstStyle/>
+          <a:p>
+            <a:pPr>
+              <a:lnSpc>
+                <a:spcPct val="150000"/>
+              </a:lnSpc>
+            </a:pPr>
+            <a:r>
+              <a:rPr lang="zh-CN" altLang="en-US" dirty="0"/>
+              <a:t>假设有如下的定义</a:t>
+            </a:r>
+          </a:p>
+          <a:p>
+            <a:pPr>
+              <a:lnSpc>
+                <a:spcPct val="150000"/>
+              </a:lnSpc>
+            </a:pPr>
+            <a:r>
+              <a:rPr lang="en-US" altLang="zh-CN" dirty="0"/>
+              <a:t>char </a:t>
+            </a:r>
+            <a:r>
+              <a:rPr lang="en-US" altLang="zh-CN" dirty="0" err="1"/>
+              <a:t>cval</a:t>
+            </a:r>
+            <a:r>
+              <a:rPr lang="en-US" altLang="zh-CN" dirty="0"/>
+              <a:t>;</a:t>
+            </a:r>
+          </a:p>
+          <a:p>
+            <a:pPr>
+              <a:lnSpc>
+                <a:spcPct val="150000"/>
+              </a:lnSpc>
+            </a:pPr>
+            <a:r>
+              <a:rPr lang="en-US" altLang="zh-CN" dirty="0"/>
+              <a:t>int </a:t>
+            </a:r>
+            <a:r>
+              <a:rPr lang="en-US" altLang="zh-CN" dirty="0" err="1"/>
+              <a:t>ival</a:t>
+            </a:r>
+            <a:r>
+              <a:rPr lang="en-US" altLang="zh-CN" dirty="0"/>
+              <a:t>;</a:t>
+            </a:r>
+          </a:p>
+          <a:p>
+            <a:pPr>
+              <a:lnSpc>
+                <a:spcPct val="150000"/>
+              </a:lnSpc>
+            </a:pPr>
+            <a:r>
+              <a:rPr lang="en-US" altLang="zh-CN" dirty="0"/>
+              <a:t>unsigned int </a:t>
+            </a:r>
+            <a:r>
+              <a:rPr lang="en-US" altLang="zh-CN" dirty="0" err="1"/>
+              <a:t>ui</a:t>
+            </a:r>
+            <a:r>
+              <a:rPr lang="en-US" altLang="zh-CN" dirty="0"/>
+              <a:t>;</a:t>
+            </a:r>
+          </a:p>
+          <a:p>
+            <a:pPr>
+              <a:lnSpc>
+                <a:spcPct val="150000"/>
+              </a:lnSpc>
+            </a:pPr>
+            <a:r>
+              <a:rPr lang="en-US" altLang="zh-CN" dirty="0"/>
+              <a:t>float </a:t>
+            </a:r>
+            <a:r>
+              <a:rPr lang="en-US" altLang="zh-CN" dirty="0" err="1"/>
+              <a:t>fval</a:t>
+            </a:r>
+            <a:r>
+              <a:rPr lang="en-US" altLang="zh-CN" dirty="0"/>
+              <a:t>;</a:t>
+            </a:r>
+          </a:p>
+          <a:p>
+            <a:pPr>
+              <a:lnSpc>
+                <a:spcPct val="150000"/>
+              </a:lnSpc>
+            </a:pPr>
+            <a:r>
+              <a:rPr lang="en-US" altLang="zh-CN" dirty="0"/>
+              <a:t>double </a:t>
+            </a:r>
+            <a:r>
+              <a:rPr lang="en-US" altLang="zh-CN" dirty="0" err="1"/>
+              <a:t>dval</a:t>
+            </a:r>
+            <a:r>
+              <a:rPr lang="en-US" altLang="zh-CN" dirty="0"/>
+              <a:t>;</a:t>
+            </a:r>
+          </a:p>
+          <a:p>
+            <a:pPr>
+              <a:lnSpc>
+                <a:spcPct val="150000"/>
+              </a:lnSpc>
+            </a:pPr>
+            <a:endParaRPr lang="en-US" altLang="zh-CN" dirty="0"/>
+          </a:p>
+          <a:p>
+            <a:pPr>
+              <a:lnSpc>
+                <a:spcPct val="150000"/>
+              </a:lnSpc>
+            </a:pPr>
+            <a:r>
+              <a:rPr lang="zh-CN" altLang="en-US" dirty="0"/>
+              <a:t>请回答在下面的表达式中发生了隐式类型转换吗？如果有，指出来。</a:t>
+            </a:r>
+          </a:p>
+          <a:p>
+            <a:pPr>
+              <a:lnSpc>
+                <a:spcPct val="150000"/>
+              </a:lnSpc>
+            </a:pPr>
+            <a:endParaRPr lang="zh-CN" altLang="en-US" dirty="0"/>
+          </a:p>
+          <a:p>
+            <a:pPr>
+              <a:lnSpc>
+                <a:spcPct val="150000"/>
+              </a:lnSpc>
+            </a:pPr>
+            <a:r>
+              <a:rPr lang="en-US" altLang="zh-CN" dirty="0"/>
+              <a:t>(a) </a:t>
+            </a:r>
+            <a:r>
+              <a:rPr lang="en-US" altLang="zh-CN" dirty="0" err="1"/>
+              <a:t>cval</a:t>
+            </a:r>
+            <a:r>
+              <a:rPr lang="en-US" altLang="zh-CN" dirty="0"/>
+              <a:t> = 'a' + 3;</a:t>
+            </a:r>
+          </a:p>
+          <a:p>
+            <a:pPr>
+              <a:lnSpc>
+                <a:spcPct val="150000"/>
+              </a:lnSpc>
+            </a:pPr>
+            <a:r>
+              <a:rPr lang="en-US" altLang="zh-CN" dirty="0"/>
+              <a:t>(b) </a:t>
+            </a:r>
+            <a:r>
+              <a:rPr lang="en-US" altLang="zh-CN" dirty="0" err="1"/>
+              <a:t>fval</a:t>
+            </a:r>
+            <a:r>
+              <a:rPr lang="en-US" altLang="zh-CN" dirty="0"/>
+              <a:t> = </a:t>
+            </a:r>
+            <a:r>
+              <a:rPr lang="en-US" altLang="zh-CN" dirty="0" err="1"/>
+              <a:t>ui</a:t>
+            </a:r>
+            <a:r>
+              <a:rPr lang="en-US" altLang="zh-CN" dirty="0"/>
+              <a:t> - </a:t>
+            </a:r>
+            <a:r>
+              <a:rPr lang="en-US" altLang="zh-CN" dirty="0" err="1"/>
+              <a:t>ival</a:t>
+            </a:r>
+            <a:r>
+              <a:rPr lang="en-US" altLang="zh-CN" dirty="0"/>
+              <a:t> * 1.0;</a:t>
+            </a:r>
+          </a:p>
+          <a:p>
+            <a:pPr>
+              <a:lnSpc>
+                <a:spcPct val="150000"/>
+              </a:lnSpc>
+            </a:pPr>
+            <a:r>
+              <a:rPr lang="en-US" altLang="zh-CN" dirty="0"/>
+              <a:t>(c) </a:t>
+            </a:r>
+            <a:r>
+              <a:rPr lang="en-US" altLang="zh-CN" dirty="0" err="1"/>
+              <a:t>dval</a:t>
+            </a:r>
+            <a:r>
+              <a:rPr lang="en-US" altLang="zh-CN" dirty="0"/>
+              <a:t> = </a:t>
+            </a:r>
+            <a:r>
+              <a:rPr lang="en-US" altLang="zh-CN" dirty="0" err="1"/>
+              <a:t>ui</a:t>
+            </a:r>
+            <a:r>
+              <a:rPr lang="en-US" altLang="zh-CN" dirty="0"/>
+              <a:t> * </a:t>
+            </a:r>
+            <a:r>
+              <a:rPr lang="en-US" altLang="zh-CN" dirty="0" err="1"/>
+              <a:t>fval</a:t>
+            </a:r>
+            <a:r>
+              <a:rPr lang="en-US" altLang="zh-CN" dirty="0"/>
+              <a:t>;</a:t>
+            </a:r>
+          </a:p>
+          <a:p>
+            <a:pPr>
+              <a:lnSpc>
+                <a:spcPct val="150000"/>
+              </a:lnSpc>
+            </a:pPr>
+            <a:r>
+              <a:rPr lang="en-US" altLang="zh-CN" dirty="0"/>
+              <a:t>(d) </a:t>
+            </a:r>
+            <a:r>
+              <a:rPr lang="en-US" altLang="zh-CN" dirty="0" err="1"/>
+              <a:t>cval</a:t>
+            </a:r>
+            <a:r>
+              <a:rPr lang="en-US" altLang="zh-CN" dirty="0"/>
+              <a:t> = </a:t>
+            </a:r>
+            <a:r>
+              <a:rPr lang="en-US" altLang="zh-CN" dirty="0" err="1"/>
+              <a:t>ival</a:t>
+            </a:r>
+            <a:r>
+              <a:rPr lang="en-US" altLang="zh-CN" dirty="0"/>
+              <a:t> + </a:t>
+            </a:r>
+            <a:r>
+              <a:rPr lang="en-US" altLang="zh-CN" dirty="0" err="1"/>
+              <a:t>fval</a:t>
+            </a:r>
+            <a:r>
+              <a:rPr lang="en-US" altLang="zh-CN" dirty="0"/>
+              <a:t> + </a:t>
+            </a:r>
+            <a:r>
+              <a:rPr lang="en-US" altLang="zh-CN" dirty="0" err="1"/>
+              <a:t>dval</a:t>
+            </a:r>
+            <a:r>
+              <a:rPr lang="en-US" altLang="zh-CN" dirty="0"/>
+              <a:t>;</a:t>
+            </a:r>
+            <a:endParaRPr lang="en-US" altLang="zh-CN" sz="2400" b="0" i="0" dirty="0">
+              <a:effectLst/>
+              <a:latin typeface="+mn-ea"/>
+            </a:endParaRPr>
+          </a:p>
+        </p:txBody>
+      </p:sp>
+      <p:pic>
+        <p:nvPicPr>
+          <p:cNvPr id="4" name="图片 3">
+            <a:extLst>
+              <a:ext uri="{FF2B5EF4-FFF2-40B4-BE49-F238E27FC236}">
+                <a16:creationId xmlns:a16="http://schemas.microsoft.com/office/drawing/2014/main" id="{09E97054-D472-4658-822B-8939E6B957A1}"/>
+              </a:ext>
+            </a:extLst>
+          </p:cNvPr>
+          <p:cNvPicPr>
+            <a:picLocks noChangeAspect="1"/>
+          </p:cNvPicPr>
+          <p:nvPr/>
+        </p:nvPicPr>
+        <p:blipFill>
+          <a:blip r:embed="rId3">
+            <a:extLst>
+              <a:ext uri="{28A0092B-C50C-407E-A947-70E740481C1C}">
+                <a14:useLocalDpi xmlns:a14="http://schemas.microsoft.com/office/drawing/2010/main" val="0"/>
+              </a:ext>
+            </a:extLst>
+          </a:blip>
+          <a:stretch>
+            <a:fillRect/>
+          </a:stretch>
+        </p:blipFill>
+        <p:spPr>
+          <a:xfrm>
+            <a:off x="215448" y="1423155"/>
+            <a:ext cx="3358752" cy="3358752"/>
+          </a:xfrm>
+          <a:prstGeom prst="rect">
+            <a:avLst/>
+          </a:prstGeom>
+        </p:spPr>
+      </p:pic>
+    </p:spTree>
+    <p:extLst>
+      <p:ext uri="{BB962C8B-B14F-4D97-AF65-F5344CB8AC3E}">
+        <p14:creationId xmlns:p14="http://schemas.microsoft.com/office/powerpoint/2010/main" val="3113811575"/>
+      </p:ext>
+    </p:extLst>
+  </p:cSld>
+  <p:clrMapOvr>
+    <a:masterClrMapping/>
+  </p:clrMapOvr>
+</p:sld>
+</file>
+
+<file path=ppt/slides/slide31.xml><?xml version="1.0" encoding="utf-8"?>
+<p:sld xmlns:a="http://schemas.openxmlformats.org/drawingml/2006/main" xmlns:r="http://schemas.openxmlformats.org/officeDocument/2006/relationships" xmlns:p="http://schemas.openxmlformats.org/presentationml/2006/main">
+  <p:cSld>
+    <p:spTree>
+      <p:nvGrpSpPr>
+        <p:cNvPr id="1" name=""/>
+        <p:cNvGrpSpPr/>
+        <p:nvPr/>
+      </p:nvGrpSpPr>
+      <p:grpSpPr>
+        <a:xfrm>
+          <a:off x="0" y="0"/>
+          <a:ext cx="0" cy="0"/>
+          <a:chOff x="0" y="0"/>
+          <a:chExt cx="0" cy="0"/>
+        </a:xfrm>
+      </p:grpSpPr>
+      <p:sp>
+        <p:nvSpPr>
+          <p:cNvPr id="8" name="文本框 7">
+            <a:extLst>
+              <a:ext uri="{FF2B5EF4-FFF2-40B4-BE49-F238E27FC236}">
+                <a16:creationId xmlns:a16="http://schemas.microsoft.com/office/drawing/2014/main" id="{173B5B89-5235-4C07-99A2-AC5672E77337}"/>
+              </a:ext>
+            </a:extLst>
+          </p:cNvPr>
+          <p:cNvSpPr txBox="1"/>
+          <p:nvPr/>
+        </p:nvSpPr>
+        <p:spPr>
+          <a:xfrm>
+            <a:off x="215448" y="169110"/>
+            <a:ext cx="11169000" cy="1015663"/>
+          </a:xfrm>
+          <a:prstGeom prst="rect">
+            <a:avLst/>
+          </a:prstGeom>
+          <a:noFill/>
+        </p:spPr>
+        <p:txBody>
+          <a:bodyPr wrap="square" rtlCol="0">
+            <a:spAutoFit/>
+          </a:bodyPr>
+          <a:lstStyle/>
+          <a:p>
+            <a:r>
+              <a:rPr lang="en-US" altLang="zh-CN" sz="6000" b="1" dirty="0">
+                <a:latin typeface="+mn-ea"/>
+              </a:rPr>
+              <a:t>exercise4.8: </a:t>
+            </a:r>
+            <a:r>
+              <a:rPr lang="en-US" altLang="zh-CN" sz="6000" b="1" dirty="0" err="1">
+                <a:latin typeface="+mn-ea"/>
+              </a:rPr>
+              <a:t>sizeof</a:t>
+            </a:r>
+            <a:endParaRPr lang="zh-CN" altLang="en-US" sz="6000" b="1" dirty="0">
+              <a:latin typeface="+mn-ea"/>
+            </a:endParaRPr>
+          </a:p>
+        </p:txBody>
+      </p:sp>
+      <p:sp>
+        <p:nvSpPr>
+          <p:cNvPr id="6" name="文本框 5">
+            <a:extLst>
+              <a:ext uri="{FF2B5EF4-FFF2-40B4-BE49-F238E27FC236}">
+                <a16:creationId xmlns:a16="http://schemas.microsoft.com/office/drawing/2014/main" id="{2D4F4C79-08EF-5BD3-BF52-34ECCD733770}"/>
+              </a:ext>
+            </a:extLst>
+          </p:cNvPr>
+          <p:cNvSpPr txBox="1"/>
+          <p:nvPr/>
+        </p:nvSpPr>
+        <p:spPr>
+          <a:xfrm>
+            <a:off x="4194421" y="1958500"/>
+            <a:ext cx="7511653" cy="2252027"/>
+          </a:xfrm>
+          <a:prstGeom prst="rect">
+            <a:avLst/>
+          </a:prstGeom>
+          <a:noFill/>
+        </p:spPr>
+        <p:txBody>
+          <a:bodyPr wrap="square">
+            <a:spAutoFit/>
+          </a:bodyPr>
+          <a:lstStyle/>
+          <a:p>
+            <a:pPr>
+              <a:lnSpc>
+                <a:spcPct val="150000"/>
+              </a:lnSpc>
+            </a:pPr>
+            <a:r>
+              <a:rPr lang="zh-CN" altLang="en-US" sz="2400" dirty="0"/>
+              <a:t>编写一段程序，输出每一种内置类型所占空间的大小。</a:t>
+            </a:r>
+            <a:endParaRPr lang="en-US" altLang="zh-CN" sz="2400" dirty="0"/>
+          </a:p>
+          <a:p>
+            <a:pPr>
+              <a:lnSpc>
+                <a:spcPct val="150000"/>
+              </a:lnSpc>
+            </a:pPr>
+            <a:endParaRPr lang="en-US" altLang="zh-CN" sz="2400" b="0" i="0" dirty="0">
+              <a:effectLst/>
+              <a:latin typeface="+mn-ea"/>
+            </a:endParaRPr>
+          </a:p>
+          <a:p>
+            <a:pPr>
+              <a:lnSpc>
+                <a:spcPct val="150000"/>
+              </a:lnSpc>
+            </a:pPr>
+            <a:r>
+              <a:rPr lang="zh-CN" altLang="en-US" sz="2400" b="0" i="0" dirty="0">
+                <a:effectLst/>
+                <a:latin typeface="+mn-ea"/>
+              </a:rPr>
+              <a:t>特别注意：</a:t>
+            </a:r>
+            <a:r>
+              <a:rPr lang="en-US" altLang="zh-CN" sz="2400" dirty="0">
+                <a:latin typeface="+mn-ea"/>
+              </a:rPr>
+              <a:t>void</a:t>
+            </a:r>
+            <a:r>
+              <a:rPr lang="zh-CN" altLang="en-US" sz="2400" dirty="0">
+                <a:latin typeface="+mn-ea"/>
+              </a:rPr>
+              <a:t>类型，</a:t>
+            </a:r>
+            <a:r>
+              <a:rPr lang="en-US" altLang="zh-CN" sz="2400" dirty="0">
+                <a:latin typeface="+mn-ea"/>
+              </a:rPr>
+              <a:t>void* </a:t>
+            </a:r>
+            <a:r>
+              <a:rPr lang="zh-CN" altLang="en-US" sz="2400" dirty="0">
+                <a:latin typeface="+mn-ea"/>
+              </a:rPr>
+              <a:t>类型（指针）和引用类型 的大小</a:t>
+            </a:r>
+            <a:endParaRPr lang="en-US" altLang="zh-CN" sz="3200" b="0" i="0" dirty="0">
+              <a:effectLst/>
+              <a:latin typeface="+mn-ea"/>
+            </a:endParaRPr>
+          </a:p>
+        </p:txBody>
+      </p:sp>
+      <p:pic>
+        <p:nvPicPr>
+          <p:cNvPr id="4" name="图片 3">
+            <a:extLst>
+              <a:ext uri="{FF2B5EF4-FFF2-40B4-BE49-F238E27FC236}">
+                <a16:creationId xmlns:a16="http://schemas.microsoft.com/office/drawing/2014/main" id="{09E97054-D472-4658-822B-8939E6B957A1}"/>
+              </a:ext>
+            </a:extLst>
+          </p:cNvPr>
+          <p:cNvPicPr>
+            <a:picLocks noChangeAspect="1"/>
+          </p:cNvPicPr>
+          <p:nvPr/>
+        </p:nvPicPr>
+        <p:blipFill>
+          <a:blip r:embed="rId3">
+            <a:extLst>
+              <a:ext uri="{28A0092B-C50C-407E-A947-70E740481C1C}">
+                <a14:useLocalDpi xmlns:a14="http://schemas.microsoft.com/office/drawing/2010/main" val="0"/>
+              </a:ext>
+            </a:extLst>
+          </a:blip>
+          <a:stretch>
+            <a:fillRect/>
+          </a:stretch>
+        </p:blipFill>
+        <p:spPr>
+          <a:xfrm>
+            <a:off x="215448" y="1423155"/>
+            <a:ext cx="3358752" cy="3358752"/>
+          </a:xfrm>
+          <a:prstGeom prst="rect">
+            <a:avLst/>
+          </a:prstGeom>
+        </p:spPr>
+      </p:pic>
+    </p:spTree>
+    <p:extLst>
+      <p:ext uri="{BB962C8B-B14F-4D97-AF65-F5344CB8AC3E}">
+        <p14:creationId xmlns:p14="http://schemas.microsoft.com/office/powerpoint/2010/main" val="2397453641"/>
+      </p:ext>
+    </p:extLst>
+  </p:cSld>
+  <p:clrMapOvr>
+    <a:masterClrMapping/>
+  </p:clrMapOvr>
+</p:sld>
+</file>
+
+<file path=ppt/slides/slide32.xml><?xml version="1.0" encoding="utf-8"?>
+<p:sld xmlns:a="http://schemas.openxmlformats.org/drawingml/2006/main" xmlns:r="http://schemas.openxmlformats.org/officeDocument/2006/relationships" xmlns:p="http://schemas.openxmlformats.org/presentationml/2006/main">
+  <p:cSld>
+    <p:spTree>
+      <p:nvGrpSpPr>
+        <p:cNvPr id="1" name=""/>
+        <p:cNvGrpSpPr/>
+        <p:nvPr/>
+      </p:nvGrpSpPr>
+      <p:grpSpPr>
+        <a:xfrm>
+          <a:off x="0" y="0"/>
+          <a:ext cx="0" cy="0"/>
+          <a:chOff x="0" y="0"/>
+          <a:chExt cx="0" cy="0"/>
+        </a:xfrm>
+      </p:grpSpPr>
+      <p:pic>
+        <p:nvPicPr>
+          <p:cNvPr id="3" name="图片 2">
+            <a:extLst>
+              <a:ext uri="{FF2B5EF4-FFF2-40B4-BE49-F238E27FC236}">
+                <a16:creationId xmlns:a16="http://schemas.microsoft.com/office/drawing/2014/main" id="{807372C6-A1CB-43EA-A384-B8443A72444E}"/>
+              </a:ext>
+            </a:extLst>
+          </p:cNvPr>
+          <p:cNvPicPr>
+            <a:picLocks noChangeAspect="1"/>
+          </p:cNvPicPr>
+          <p:nvPr/>
+        </p:nvPicPr>
+        <p:blipFill>
+          <a:blip r:embed="rId3">
+            <a:extLst>
+              <a:ext uri="{28A0092B-C50C-407E-A947-70E740481C1C}">
+                <a14:useLocalDpi xmlns:a14="http://schemas.microsoft.com/office/drawing/2010/main" val="0"/>
+              </a:ext>
+            </a:extLst>
+          </a:blip>
+          <a:stretch>
+            <a:fillRect/>
+          </a:stretch>
+        </p:blipFill>
+        <p:spPr>
+          <a:xfrm>
+            <a:off x="209544" y="2400299"/>
+            <a:ext cx="3124203" cy="3124203"/>
+          </a:xfrm>
+          <a:prstGeom prst="rect">
+            <a:avLst/>
+          </a:prstGeom>
+        </p:spPr>
+      </p:pic>
+      <p:sp>
+        <p:nvSpPr>
+          <p:cNvPr id="8" name="文本框 7">
+            <a:extLst>
+              <a:ext uri="{FF2B5EF4-FFF2-40B4-BE49-F238E27FC236}">
+                <a16:creationId xmlns:a16="http://schemas.microsoft.com/office/drawing/2014/main" id="{173B5B89-5235-4C07-99A2-AC5672E77337}"/>
+              </a:ext>
+            </a:extLst>
+          </p:cNvPr>
+          <p:cNvSpPr txBox="1"/>
+          <p:nvPr/>
+        </p:nvSpPr>
+        <p:spPr>
+          <a:xfrm>
+            <a:off x="518176" y="466545"/>
+            <a:ext cx="5130149" cy="1200329"/>
+          </a:xfrm>
+          <a:prstGeom prst="rect">
+            <a:avLst/>
+          </a:prstGeom>
+          <a:noFill/>
+        </p:spPr>
+        <p:txBody>
+          <a:bodyPr wrap="square" rtlCol="0">
+            <a:spAutoFit/>
+          </a:bodyPr>
+          <a:lstStyle/>
+          <a:p>
+            <a:r>
+              <a:rPr lang="en-US" altLang="zh-CN" sz="7200" b="1" dirty="0">
+                <a:latin typeface="+mn-ea"/>
+              </a:rPr>
+              <a:t>IDE </a:t>
+            </a:r>
+            <a:r>
+              <a:rPr lang="en-US" altLang="zh-CN" sz="7200" b="1" dirty="0" err="1">
+                <a:latin typeface="+mn-ea"/>
+              </a:rPr>
+              <a:t>Practise</a:t>
+            </a:r>
+            <a:endParaRPr lang="zh-CN" altLang="en-US" sz="7200" b="1" dirty="0">
+              <a:latin typeface="+mn-ea"/>
+            </a:endParaRPr>
+          </a:p>
+        </p:txBody>
+      </p:sp>
+      <p:pic>
+        <p:nvPicPr>
+          <p:cNvPr id="5" name="Picture 10" descr="Microsoft launches Visual Studio Online public preview and ML.NET 1.4 |  VentureBeat">
+            <a:extLst>
+              <a:ext uri="{FF2B5EF4-FFF2-40B4-BE49-F238E27FC236}">
+                <a16:creationId xmlns:a16="http://schemas.microsoft.com/office/drawing/2014/main" id="{76A093F6-9428-4C8C-86C3-BA7CF1A434A0}"/>
+              </a:ext>
+            </a:extLst>
+          </p:cNvPr>
+          <p:cNvPicPr>
+            <a:picLocks noChangeAspect="1" noChangeArrowheads="1"/>
+          </p:cNvPicPr>
+          <p:nvPr/>
+        </p:nvPicPr>
+        <p:blipFill>
+          <a:blip r:embed="rId4">
+            <a:extLst>
+              <a:ext uri="{28A0092B-C50C-407E-A947-70E740481C1C}">
+                <a14:useLocalDpi xmlns:a14="http://schemas.microsoft.com/office/drawing/2010/main" val="0"/>
+              </a:ext>
+            </a:extLst>
+          </a:blip>
+          <a:srcRect/>
+          <a:stretch>
+            <a:fillRect/>
+          </a:stretch>
+        </p:blipFill>
+        <p:spPr bwMode="auto">
+          <a:xfrm>
+            <a:off x="6673932" y="65872"/>
+            <a:ext cx="4315567" cy="2157784"/>
+          </a:xfrm>
+          <a:prstGeom prst="rect">
+            <a:avLst/>
+          </a:prstGeom>
+          <a:noFill/>
+          <a:extLst>
+            <a:ext uri="{909E8E84-426E-40DD-AFC4-6F175D3DCCD1}">
+              <a14:hiddenFill xmlns:a14="http://schemas.microsoft.com/office/drawing/2010/main">
+                <a:solidFill>
+                  <a:srgbClr val="FFFFFF"/>
+                </a:solidFill>
+              </a14:hiddenFill>
+            </a:ext>
+          </a:extLst>
+        </p:spPr>
+      </p:pic>
+      <p:sp>
+        <p:nvSpPr>
+          <p:cNvPr id="6" name="文本框 5">
+            <a:extLst>
+              <a:ext uri="{FF2B5EF4-FFF2-40B4-BE49-F238E27FC236}">
+                <a16:creationId xmlns:a16="http://schemas.microsoft.com/office/drawing/2014/main" id="{C7CA22D0-D419-440E-85A0-3DC3BFD6A42B}"/>
+              </a:ext>
+            </a:extLst>
+          </p:cNvPr>
+          <p:cNvSpPr txBox="1"/>
+          <p:nvPr/>
+        </p:nvSpPr>
+        <p:spPr>
+          <a:xfrm>
+            <a:off x="3855259" y="3135439"/>
+            <a:ext cx="7745071" cy="1200329"/>
+          </a:xfrm>
+          <a:prstGeom prst="rect">
+            <a:avLst/>
+          </a:prstGeom>
+          <a:noFill/>
+        </p:spPr>
+        <p:txBody>
+          <a:bodyPr wrap="square" rtlCol="0">
+            <a:spAutoFit/>
+          </a:bodyPr>
+          <a:lstStyle/>
+          <a:p>
+            <a:r>
+              <a:rPr lang="zh-CN" altLang="en-US" sz="7200" b="1" dirty="0">
+                <a:latin typeface="+mn-ea"/>
+              </a:rPr>
+              <a:t>学习变量监视窗口</a:t>
+            </a:r>
+          </a:p>
+        </p:txBody>
+      </p:sp>
+    </p:spTree>
+    <p:extLst>
+      <p:ext uri="{BB962C8B-B14F-4D97-AF65-F5344CB8AC3E}">
+        <p14:creationId xmlns:p14="http://schemas.microsoft.com/office/powerpoint/2010/main" val="3367490298"/>
       </p:ext>
     </p:extLst>
   </p:cSld>

--- a/C++课件.pptx
+++ b/C++课件.pptx
@@ -5,7 +5,7 @@
     <p:sldMasterId id="2147483648" r:id="rId1"/>
   </p:sldMasterIdLst>
   <p:notesMasterIdLst>
-    <p:notesMasterId r:id="rId34"/>
+    <p:notesMasterId r:id="rId33"/>
   </p:notesMasterIdLst>
   <p:sldIdLst>
     <p:sldId id="256" r:id="rId2"/>
@@ -29,17 +29,16 @@
     <p:sldId id="290" r:id="rId20"/>
     <p:sldId id="291" r:id="rId21"/>
     <p:sldId id="292" r:id="rId22"/>
-    <p:sldId id="303" r:id="rId23"/>
-    <p:sldId id="294" r:id="rId24"/>
-    <p:sldId id="295" r:id="rId25"/>
-    <p:sldId id="304" r:id="rId26"/>
-    <p:sldId id="296" r:id="rId27"/>
-    <p:sldId id="297" r:id="rId28"/>
-    <p:sldId id="298" r:id="rId29"/>
-    <p:sldId id="299" r:id="rId30"/>
-    <p:sldId id="300" r:id="rId31"/>
-    <p:sldId id="301" r:id="rId32"/>
-    <p:sldId id="302" r:id="rId33"/>
+    <p:sldId id="294" r:id="rId23"/>
+    <p:sldId id="295" r:id="rId24"/>
+    <p:sldId id="304" r:id="rId25"/>
+    <p:sldId id="296" r:id="rId26"/>
+    <p:sldId id="297" r:id="rId27"/>
+    <p:sldId id="298" r:id="rId28"/>
+    <p:sldId id="299" r:id="rId29"/>
+    <p:sldId id="300" r:id="rId30"/>
+    <p:sldId id="301" r:id="rId31"/>
+    <p:sldId id="302" r:id="rId32"/>
   </p:sldIdLst>
   <p:sldSz cx="12192000" cy="6858000"/>
   <p:notesSz cx="6858000" cy="9144000"/>
@@ -228,7 +227,7 @@
           <a:p>
             <a:fld id="{C763DFBC-BC7B-44D2-9277-A1640CE38A00}" type="datetimeFigureOut">
               <a:rPr lang="zh-CN" altLang="en-US" smtClean="0"/>
-              <a:t>2023/12/21</a:t>
+              <a:t>2023/12/25</a:t>
             </a:fld>
             <a:endParaRPr lang="zh-CN" altLang="en-US"/>
           </a:p>
@@ -2656,7 +2655,7 @@
     </p:spTree>
     <p:extLst>
       <p:ext uri="{BB962C8B-B14F-4D97-AF65-F5344CB8AC3E}">
-        <p14:creationId xmlns:p14="http://schemas.microsoft.com/office/powerpoint/2010/main" val="3470089898"/>
+        <p14:creationId xmlns:p14="http://schemas.microsoft.com/office/powerpoint/2010/main" val="881206992"/>
       </p:ext>
     </p:extLst>
   </p:cSld>
@@ -2795,154 +2794,18 @@
           <a:lstStyle/>
           <a:p>
             <a:r>
-              <a:rPr lang="zh-CN" altLang="en-US" sz="1200" b="0" i="0" kern="1200" dirty="0">
-                <a:solidFill>
-                  <a:schemeClr val="tx1"/>
-                </a:solidFill>
-                <a:effectLst/>
-                <a:latin typeface="+mn-lt"/>
-                <a:ea typeface="+mn-ea"/>
-                <a:cs typeface="+mn-cs"/>
-              </a:rPr>
-              <a:t>首先判断 </a:t>
-            </a:r>
-            <a:r>
               <a:rPr lang="en-US" altLang="zh-CN" dirty="0"/>
-              <a:t>cp</a:t>
-            </a:r>
-            <a:r>
-              <a:rPr lang="zh-CN" altLang="en-US" sz="1200" b="0" i="0" kern="1200" dirty="0">
-                <a:solidFill>
-                  <a:schemeClr val="tx1"/>
-                </a:solidFill>
-                <a:effectLst/>
-                <a:latin typeface="+mn-lt"/>
-                <a:ea typeface="+mn-ea"/>
-                <a:cs typeface="+mn-cs"/>
-              </a:rPr>
-              <a:t> ，</a:t>
-            </a:r>
-            <a:r>
-              <a:rPr lang="en-US" altLang="zh-CN" dirty="0"/>
-              <a:t>cp</a:t>
-            </a:r>
-            <a:r>
-              <a:rPr lang="zh-CN" altLang="en-US" sz="1200" b="0" i="0" kern="1200" dirty="0">
-                <a:solidFill>
-                  <a:schemeClr val="tx1"/>
-                </a:solidFill>
-                <a:effectLst/>
-                <a:latin typeface="+mn-lt"/>
-                <a:ea typeface="+mn-ea"/>
-                <a:cs typeface="+mn-cs"/>
-              </a:rPr>
-              <a:t> 不是一个空指针，因此 </a:t>
-            </a:r>
-            <a:r>
-              <a:rPr lang="en-US" altLang="zh-CN" dirty="0"/>
-              <a:t>cp</a:t>
-            </a:r>
-            <a:r>
-              <a:rPr lang="zh-CN" altLang="en-US" sz="1200" b="0" i="0" kern="1200" dirty="0">
-                <a:solidFill>
-                  <a:schemeClr val="tx1"/>
-                </a:solidFill>
-                <a:effectLst/>
-                <a:latin typeface="+mn-lt"/>
-                <a:ea typeface="+mn-ea"/>
-                <a:cs typeface="+mn-cs"/>
-              </a:rPr>
-              <a:t> 为真。然后判断 </a:t>
-            </a:r>
-            <a:r>
-              <a:rPr lang="zh-CN" altLang="en-US" dirty="0"/>
-              <a:t>*</a:t>
-            </a:r>
-            <a:r>
-              <a:rPr lang="en-US" altLang="zh-CN" dirty="0"/>
-              <a:t>cp</a:t>
-            </a:r>
-            <a:r>
-              <a:rPr lang="zh-CN" altLang="en-US" sz="1200" b="0" i="0" kern="1200" dirty="0">
-                <a:solidFill>
-                  <a:schemeClr val="tx1"/>
-                </a:solidFill>
-                <a:effectLst/>
-                <a:latin typeface="+mn-lt"/>
-                <a:ea typeface="+mn-ea"/>
-                <a:cs typeface="+mn-cs"/>
-              </a:rPr>
-              <a:t>，</a:t>
-            </a:r>
-            <a:r>
-              <a:rPr lang="zh-CN" altLang="en-US" dirty="0"/>
-              <a:t>*</a:t>
-            </a:r>
-            <a:r>
-              <a:rPr lang="en-US" altLang="zh-CN" dirty="0"/>
-              <a:t>cp</a:t>
-            </a:r>
-            <a:r>
-              <a:rPr lang="zh-CN" altLang="en-US" sz="1200" b="0" i="0" kern="1200" dirty="0">
-                <a:solidFill>
-                  <a:schemeClr val="tx1"/>
-                </a:solidFill>
-                <a:effectLst/>
-                <a:latin typeface="+mn-lt"/>
-                <a:ea typeface="+mn-ea"/>
-                <a:cs typeface="+mn-cs"/>
-              </a:rPr>
-              <a:t> 的值是字符 </a:t>
-            </a:r>
-            <a:r>
-              <a:rPr lang="en-US" altLang="zh-CN" sz="1200" b="0" i="0" kern="1200" dirty="0">
-                <a:solidFill>
-                  <a:schemeClr val="tx1"/>
-                </a:solidFill>
-                <a:effectLst/>
-                <a:latin typeface="+mn-lt"/>
-                <a:ea typeface="+mn-ea"/>
-                <a:cs typeface="+mn-cs"/>
-              </a:rPr>
-              <a:t>'H'</a:t>
-            </a:r>
-            <a:r>
-              <a:rPr lang="zh-CN" altLang="en-US" sz="1200" b="0" i="0" kern="1200" dirty="0">
-                <a:solidFill>
-                  <a:schemeClr val="tx1"/>
-                </a:solidFill>
-                <a:effectLst/>
-                <a:latin typeface="+mn-lt"/>
-                <a:ea typeface="+mn-ea"/>
-                <a:cs typeface="+mn-cs"/>
-              </a:rPr>
-              <a:t>，非</a:t>
-            </a:r>
-            <a:r>
-              <a:rPr lang="en-US" altLang="zh-CN" sz="1200" b="0" i="0" kern="1200" dirty="0">
-                <a:solidFill>
-                  <a:schemeClr val="tx1"/>
-                </a:solidFill>
-                <a:effectLst/>
-                <a:latin typeface="+mn-lt"/>
-                <a:ea typeface="+mn-ea"/>
-                <a:cs typeface="+mn-cs"/>
-              </a:rPr>
-              <a:t>0</a:t>
-            </a:r>
-            <a:r>
-              <a:rPr lang="zh-CN" altLang="en-US" sz="1200" b="0" i="0" kern="1200" dirty="0">
-                <a:solidFill>
-                  <a:schemeClr val="tx1"/>
-                </a:solidFill>
-                <a:effectLst/>
-                <a:latin typeface="+mn-lt"/>
-                <a:ea typeface="+mn-ea"/>
-                <a:cs typeface="+mn-cs"/>
-              </a:rPr>
-              <a:t>。因此最后的结果为真。</a:t>
-            </a:r>
+              <a:t>a&gt;b &amp;&amp; b&gt;c &amp;&amp; c&gt;d</a:t>
+            </a:r>
+          </a:p>
+          <a:p>
             <a:endParaRPr lang="en-US" altLang="zh-CN" sz="1200" dirty="0"/>
+          </a:p>
+          <a:p>
+            <a:r>
+              <a:rPr lang="en-US" altLang="zh-CN" sz="1200" dirty="0"/>
+              <a:t>a&gt;b || (b&gt;c &amp;&amp; cd)</a:t>
+            </a:r>
           </a:p>
         </p:txBody>
       </p:sp>
@@ -2972,7 +2835,7 @@
     </p:spTree>
     <p:extLst>
       <p:ext uri="{BB962C8B-B14F-4D97-AF65-F5344CB8AC3E}">
-        <p14:creationId xmlns:p14="http://schemas.microsoft.com/office/powerpoint/2010/main" val="881206992"/>
+        <p14:creationId xmlns:p14="http://schemas.microsoft.com/office/powerpoint/2010/main" val="4256785254"/>
       </p:ext>
     </p:extLst>
   </p:cSld>
@@ -3027,8 +2890,152 @@
           <a:lstStyle/>
           <a:p>
             <a:r>
+              <a:rPr lang="zh-CN" altLang="en-US" sz="1200" b="0" i="0" kern="1200" dirty="0">
+                <a:solidFill>
+                  <a:schemeClr val="tx1"/>
+                </a:solidFill>
+                <a:effectLst/>
+                <a:latin typeface="+mn-lt"/>
+                <a:ea typeface="+mn-ea"/>
+                <a:cs typeface="+mn-cs"/>
+              </a:rPr>
+              <a:t>首先判断 </a:t>
+            </a:r>
+            <a:r>
               <a:rPr lang="en-US" altLang="zh-CN" dirty="0"/>
-              <a:t>a&gt;b &amp;&amp; b&gt;c &amp;&amp; c&gt;d</a:t>
+              <a:t>cp</a:t>
+            </a:r>
+            <a:r>
+              <a:rPr lang="zh-CN" altLang="en-US" sz="1200" b="0" i="0" kern="1200" dirty="0">
+                <a:solidFill>
+                  <a:schemeClr val="tx1"/>
+                </a:solidFill>
+                <a:effectLst/>
+                <a:latin typeface="+mn-lt"/>
+                <a:ea typeface="+mn-ea"/>
+                <a:cs typeface="+mn-cs"/>
+              </a:rPr>
+              <a:t> ，</a:t>
+            </a:r>
+            <a:r>
+              <a:rPr lang="en-US" altLang="zh-CN" dirty="0"/>
+              <a:t>cp</a:t>
+            </a:r>
+            <a:r>
+              <a:rPr lang="zh-CN" altLang="en-US" sz="1200" b="0" i="0" kern="1200" dirty="0">
+                <a:solidFill>
+                  <a:schemeClr val="tx1"/>
+                </a:solidFill>
+                <a:effectLst/>
+                <a:latin typeface="+mn-lt"/>
+                <a:ea typeface="+mn-ea"/>
+                <a:cs typeface="+mn-cs"/>
+              </a:rPr>
+              <a:t> 不是一个空指针，因此 </a:t>
+            </a:r>
+            <a:r>
+              <a:rPr lang="en-US" altLang="zh-CN" dirty="0"/>
+              <a:t>cp</a:t>
+            </a:r>
+            <a:r>
+              <a:rPr lang="zh-CN" altLang="en-US" sz="1200" b="0" i="0" kern="1200" dirty="0">
+                <a:solidFill>
+                  <a:schemeClr val="tx1"/>
+                </a:solidFill>
+                <a:effectLst/>
+                <a:latin typeface="+mn-lt"/>
+                <a:ea typeface="+mn-ea"/>
+                <a:cs typeface="+mn-cs"/>
+              </a:rPr>
+              <a:t> 为真。然后判断 </a:t>
+            </a:r>
+            <a:r>
+              <a:rPr lang="zh-CN" altLang="en-US" dirty="0"/>
+              <a:t>*</a:t>
+            </a:r>
+            <a:r>
+              <a:rPr lang="en-US" altLang="zh-CN" dirty="0"/>
+              <a:t>cp</a:t>
+            </a:r>
+            <a:r>
+              <a:rPr lang="zh-CN" altLang="en-US" sz="1200" b="0" i="0" kern="1200" dirty="0">
+                <a:solidFill>
+                  <a:schemeClr val="tx1"/>
+                </a:solidFill>
+                <a:effectLst/>
+                <a:latin typeface="+mn-lt"/>
+                <a:ea typeface="+mn-ea"/>
+                <a:cs typeface="+mn-cs"/>
+              </a:rPr>
+              <a:t>，</a:t>
+            </a:r>
+            <a:r>
+              <a:rPr lang="zh-CN" altLang="en-US" dirty="0"/>
+              <a:t>*</a:t>
+            </a:r>
+            <a:r>
+              <a:rPr lang="en-US" altLang="zh-CN" dirty="0"/>
+              <a:t>cp</a:t>
+            </a:r>
+            <a:r>
+              <a:rPr lang="zh-CN" altLang="en-US" sz="1200" b="0" i="0" kern="1200" dirty="0">
+                <a:solidFill>
+                  <a:schemeClr val="tx1"/>
+                </a:solidFill>
+                <a:effectLst/>
+                <a:latin typeface="+mn-lt"/>
+                <a:ea typeface="+mn-ea"/>
+                <a:cs typeface="+mn-cs"/>
+              </a:rPr>
+              <a:t> 的值是字符 </a:t>
+            </a:r>
+            <a:r>
+              <a:rPr lang="en-US" altLang="zh-CN" sz="1200" b="0" i="0" kern="1200" dirty="0">
+                <a:solidFill>
+                  <a:schemeClr val="tx1"/>
+                </a:solidFill>
+                <a:effectLst/>
+                <a:latin typeface="+mn-lt"/>
+                <a:ea typeface="+mn-ea"/>
+                <a:cs typeface="+mn-cs"/>
+              </a:rPr>
+              <a:t>'H'</a:t>
+            </a:r>
+            <a:r>
+              <a:rPr lang="zh-CN" altLang="en-US" sz="1200" b="0" i="0" kern="1200" dirty="0">
+                <a:solidFill>
+                  <a:schemeClr val="tx1"/>
+                </a:solidFill>
+                <a:effectLst/>
+                <a:latin typeface="+mn-lt"/>
+                <a:ea typeface="+mn-ea"/>
+                <a:cs typeface="+mn-cs"/>
+              </a:rPr>
+              <a:t>，非</a:t>
+            </a:r>
+            <a:r>
+              <a:rPr lang="en-US" altLang="zh-CN" sz="1200" b="0" i="0" kern="1200" dirty="0">
+                <a:solidFill>
+                  <a:schemeClr val="tx1"/>
+                </a:solidFill>
+                <a:effectLst/>
+                <a:latin typeface="+mn-lt"/>
+                <a:ea typeface="+mn-ea"/>
+                <a:cs typeface="+mn-cs"/>
+              </a:rPr>
+              <a:t>0</a:t>
+            </a:r>
+            <a:r>
+              <a:rPr lang="zh-CN" altLang="en-US" sz="1200" b="0" i="0" kern="1200" dirty="0">
+                <a:solidFill>
+                  <a:schemeClr val="tx1"/>
+                </a:solidFill>
+                <a:effectLst/>
+                <a:latin typeface="+mn-lt"/>
+                <a:ea typeface="+mn-ea"/>
+                <a:cs typeface="+mn-cs"/>
+              </a:rPr>
+              <a:t>。因此最后的结果为真。</a:t>
             </a:r>
             <a:endParaRPr lang="en-US" altLang="zh-CN" sz="1200" dirty="0"/>
           </a:p>
@@ -3060,7 +3067,7 @@
     </p:spTree>
     <p:extLst>
       <p:ext uri="{BB962C8B-B14F-4D97-AF65-F5344CB8AC3E}">
-        <p14:creationId xmlns:p14="http://schemas.microsoft.com/office/powerpoint/2010/main" val="4256785254"/>
+        <p14:creationId xmlns:p14="http://schemas.microsoft.com/office/powerpoint/2010/main" val="2312161394"/>
       </p:ext>
     </p:extLst>
   </p:cSld>
@@ -3115,6 +3122,18 @@
           <a:lstStyle/>
           <a:p>
             <a:r>
+              <a:rPr lang="en-US" altLang="zh-CN" sz="1200" b="0" i="0" kern="1200" dirty="0">
+                <a:solidFill>
+                  <a:schemeClr val="tx1"/>
+                </a:solidFill>
+                <a:effectLst/>
+                <a:latin typeface="+mn-lt"/>
+                <a:ea typeface="+mn-ea"/>
+                <a:cs typeface="+mn-cs"/>
+              </a:rPr>
+              <a:t>(a)</a:t>
+            </a:r>
+            <a:r>
               <a:rPr lang="zh-CN" altLang="en-US" sz="1200" b="0" i="0" kern="1200" dirty="0">
                 <a:solidFill>
                   <a:schemeClr val="tx1"/>
@@ -3124,11 +3143,21 @@
                 <a:ea typeface="+mn-ea"/>
                 <a:cs typeface="+mn-cs"/>
               </a:rPr>
-              <a:t>首先判断 </a:t>
-            </a:r>
-            <a:r>
-              <a:rPr lang="en-US" altLang="zh-CN" dirty="0"/>
-              <a:t>cp</a:t>
+              <a:t>合法。返回迭代器所指向的元素，然后迭代器递增。</a:t>
+            </a:r>
+          </a:p>
+          <a:p>
+            <a:r>
+              <a:rPr lang="en-US" altLang="zh-CN" sz="1200" b="0" i="0" kern="1200" dirty="0">
+                <a:solidFill>
+                  <a:schemeClr val="tx1"/>
+                </a:solidFill>
+                <a:effectLst/>
+                <a:latin typeface="+mn-lt"/>
+                <a:ea typeface="+mn-ea"/>
+                <a:cs typeface="+mn-cs"/>
+              </a:rPr>
+              <a:t>(b)</a:t>
             </a:r>
             <a:r>
               <a:rPr lang="zh-CN" altLang="en-US" sz="1200" b="0" i="0" kern="1200" dirty="0">
@@ -3140,11 +3169,19 @@
                 <a:ea typeface="+mn-ea"/>
                 <a:cs typeface="+mn-cs"/>
               </a:rPr>
-              <a:t> ，</a:t>
-            </a:r>
-            <a:r>
-              <a:rPr lang="en-US" altLang="zh-CN" dirty="0"/>
-              <a:t>cp</a:t>
+              <a:t>不合法。因为</a:t>
+            </a:r>
+            <a:r>
+              <a:rPr lang="en-US" altLang="zh-CN" sz="1200" b="0" i="0" kern="1200" dirty="0">
+                <a:solidFill>
+                  <a:schemeClr val="tx1"/>
+                </a:solidFill>
+                <a:effectLst/>
+                <a:latin typeface="+mn-lt"/>
+                <a:ea typeface="+mn-ea"/>
+                <a:cs typeface="+mn-cs"/>
+              </a:rPr>
+              <a:t>vector</a:t>
             </a:r>
             <a:r>
               <a:rPr lang="zh-CN" altLang="en-US" sz="1200" b="0" i="0" kern="1200" dirty="0">
@@ -3156,11 +3193,19 @@
                 <a:ea typeface="+mn-ea"/>
                 <a:cs typeface="+mn-cs"/>
               </a:rPr>
-              <a:t> 不是一个空指针，因此 </a:t>
-            </a:r>
-            <a:r>
-              <a:rPr lang="en-US" altLang="zh-CN" dirty="0"/>
-              <a:t>cp</a:t>
+              <a:t>元素类型是 </a:t>
+            </a:r>
+            <a:r>
+              <a:rPr lang="en-US" altLang="zh-CN" sz="1200" b="0" i="0" kern="1200" dirty="0">
+                <a:solidFill>
+                  <a:schemeClr val="tx1"/>
+                </a:solidFill>
+                <a:effectLst/>
+                <a:latin typeface="+mn-lt"/>
+                <a:ea typeface="+mn-ea"/>
+                <a:cs typeface="+mn-cs"/>
+              </a:rPr>
+              <a:t>string</a:t>
             </a:r>
             <a:r>
               <a:rPr lang="zh-CN" altLang="en-US" sz="1200" b="0" i="0" kern="1200" dirty="0">
@@ -3172,15 +3217,19 @@
                 <a:ea typeface="+mn-ea"/>
                 <a:cs typeface="+mn-cs"/>
               </a:rPr>
-              <a:t> 为真。然后判断 </a:t>
-            </a:r>
-            <a:r>
-              <a:rPr lang="zh-CN" altLang="en-US" dirty="0"/>
-              <a:t>*</a:t>
-            </a:r>
-            <a:r>
-              <a:rPr lang="en-US" altLang="zh-CN" dirty="0"/>
-              <a:t>cp</a:t>
+              <a:t>，没有 </a:t>
+            </a:r>
+            <a:r>
+              <a:rPr lang="en-US" altLang="zh-CN" sz="1200" b="0" i="0" kern="1200" dirty="0">
+                <a:solidFill>
+                  <a:schemeClr val="tx1"/>
+                </a:solidFill>
+                <a:effectLst/>
+                <a:latin typeface="+mn-lt"/>
+                <a:ea typeface="+mn-ea"/>
+                <a:cs typeface="+mn-cs"/>
+              </a:rPr>
+              <a:t>++ </a:t>
             </a:r>
             <a:r>
               <a:rPr lang="zh-CN" altLang="en-US" sz="1200" b="0" i="0" kern="1200" dirty="0">
@@ -3192,15 +3241,21 @@
                 <a:ea typeface="+mn-ea"/>
                 <a:cs typeface="+mn-cs"/>
               </a:rPr>
-              <a:t>，</a:t>
-            </a:r>
-            <a:r>
-              <a:rPr lang="zh-CN" altLang="en-US" dirty="0"/>
-              <a:t>*</a:t>
-            </a:r>
-            <a:r>
-              <a:rPr lang="en-US" altLang="zh-CN" dirty="0"/>
-              <a:t>cp</a:t>
+              <a:t>操作。</a:t>
+            </a:r>
+          </a:p>
+          <a:p>
+            <a:r>
+              <a:rPr lang="en-US" altLang="zh-CN" sz="1200" b="0" i="0" kern="1200" dirty="0">
+                <a:solidFill>
+                  <a:schemeClr val="tx1"/>
+                </a:solidFill>
+                <a:effectLst/>
+                <a:latin typeface="+mn-lt"/>
+                <a:ea typeface="+mn-ea"/>
+                <a:cs typeface="+mn-cs"/>
+              </a:rPr>
+              <a:t>(c)</a:t>
             </a:r>
             <a:r>
               <a:rPr lang="zh-CN" altLang="en-US" sz="1200" b="0" i="0" kern="1200" dirty="0">
@@ -3212,8 +3267,10 @@
                 <a:ea typeface="+mn-ea"/>
                 <a:cs typeface="+mn-cs"/>
               </a:rPr>
-              <a:t> 的值是字符 </a:t>
-            </a:r>
+              <a:t>不合法。这里应该加括号。</a:t>
+            </a:r>
+          </a:p>
+          <a:p>
             <a:r>
               <a:rPr lang="en-US" altLang="zh-CN" sz="1200" b="0" i="0" kern="1200" dirty="0">
                 <a:solidFill>
@@ -3224,7 +3281,7 @@
                 <a:ea typeface="+mn-ea"/>
                 <a:cs typeface="+mn-cs"/>
               </a:rPr>
-              <a:t>'H'</a:t>
+              <a:t>(d)</a:t>
             </a:r>
             <a:r>
               <a:rPr lang="zh-CN" altLang="en-US" sz="1200" b="0" i="0" kern="1200" dirty="0">
@@ -3236,8 +3293,10 @@
                 <a:ea typeface="+mn-ea"/>
                 <a:cs typeface="+mn-cs"/>
               </a:rPr>
-              <a:t>，非</a:t>
-            </a:r>
+              <a:t>合法。判断迭代器当前的元素是否为空。</a:t>
+            </a:r>
+          </a:p>
+          <a:p>
             <a:r>
               <a:rPr lang="en-US" altLang="zh-CN" sz="1200" b="0" i="0" kern="1200" dirty="0">
                 <a:solidFill>
@@ -3248,7 +3307,7 @@
                 <a:ea typeface="+mn-ea"/>
                 <a:cs typeface="+mn-cs"/>
               </a:rPr>
-              <a:t>0</a:t>
+              <a:t>(e)</a:t>
             </a:r>
             <a:r>
               <a:rPr lang="zh-CN" altLang="en-US" sz="1200" b="0" i="0" kern="1200" dirty="0">
@@ -3260,9 +3319,82 @@
                 <a:ea typeface="+mn-ea"/>
                 <a:cs typeface="+mn-cs"/>
               </a:rPr>
-              <a:t>。因此最后的结果为真。</a:t>
-            </a:r>
-            <a:endParaRPr lang="en-US" altLang="zh-CN" sz="1200" dirty="0"/>
+              <a:t>不合法。</a:t>
+            </a:r>
+            <a:r>
+              <a:rPr lang="en-US" altLang="zh-CN" sz="1200" b="0" i="0" kern="1200" dirty="0">
+                <a:solidFill>
+                  <a:schemeClr val="tx1"/>
+                </a:solidFill>
+                <a:effectLst/>
+                <a:latin typeface="+mn-lt"/>
+                <a:ea typeface="+mn-ea"/>
+                <a:cs typeface="+mn-cs"/>
+              </a:rPr>
+              <a:t>string </a:t>
+            </a:r>
+            <a:r>
+              <a:rPr lang="zh-CN" altLang="en-US" sz="1200" b="0" i="0" kern="1200" dirty="0">
+                <a:solidFill>
+                  <a:schemeClr val="tx1"/>
+                </a:solidFill>
+                <a:effectLst/>
+                <a:latin typeface="+mn-lt"/>
+                <a:ea typeface="+mn-ea"/>
+                <a:cs typeface="+mn-cs"/>
+              </a:rPr>
+              <a:t>类型没有 </a:t>
+            </a:r>
+            <a:r>
+              <a:rPr lang="en-US" altLang="zh-CN" sz="1200" b="0" i="0" kern="1200" dirty="0">
+                <a:solidFill>
+                  <a:schemeClr val="tx1"/>
+                </a:solidFill>
+                <a:effectLst/>
+                <a:latin typeface="+mn-lt"/>
+                <a:ea typeface="+mn-ea"/>
+                <a:cs typeface="+mn-cs"/>
+              </a:rPr>
+              <a:t>++ </a:t>
+            </a:r>
+            <a:r>
+              <a:rPr lang="zh-CN" altLang="en-US" sz="1200" b="0" i="0" kern="1200" dirty="0">
+                <a:solidFill>
+                  <a:schemeClr val="tx1"/>
+                </a:solidFill>
+                <a:effectLst/>
+                <a:latin typeface="+mn-lt"/>
+                <a:ea typeface="+mn-ea"/>
+                <a:cs typeface="+mn-cs"/>
+              </a:rPr>
+              <a:t>操作。</a:t>
+            </a:r>
+          </a:p>
+          <a:p>
+            <a:r>
+              <a:rPr lang="en-US" altLang="zh-CN" sz="1200" b="0" i="0" kern="1200" dirty="0">
+                <a:solidFill>
+                  <a:schemeClr val="tx1"/>
+                </a:solidFill>
+                <a:effectLst/>
+                <a:latin typeface="+mn-lt"/>
+                <a:ea typeface="+mn-ea"/>
+                <a:cs typeface="+mn-cs"/>
+              </a:rPr>
+              <a:t>(f)</a:t>
+            </a:r>
+            <a:r>
+              <a:rPr lang="zh-CN" altLang="en-US" sz="1200" b="0" i="0" kern="1200" dirty="0">
+                <a:solidFill>
+                  <a:schemeClr val="tx1"/>
+                </a:solidFill>
+                <a:effectLst/>
+                <a:latin typeface="+mn-lt"/>
+                <a:ea typeface="+mn-ea"/>
+                <a:cs typeface="+mn-cs"/>
+              </a:rPr>
+              <a:t>合法。判断迭代器当前元素是否为空，然后迭代器递增。</a:t>
+            </a:r>
           </a:p>
         </p:txBody>
       </p:sp>
@@ -3292,7 +3424,7 @@
     </p:spTree>
     <p:extLst>
       <p:ext uri="{BB962C8B-B14F-4D97-AF65-F5344CB8AC3E}">
-        <p14:creationId xmlns:p14="http://schemas.microsoft.com/office/powerpoint/2010/main" val="2312161394"/>
+        <p14:creationId xmlns:p14="http://schemas.microsoft.com/office/powerpoint/2010/main" val="432627985"/>
       </p:ext>
     </p:extLst>
   </p:cSld>
@@ -3346,280 +3478,15 @@
           <a:bodyPr/>
           <a:lstStyle/>
           <a:p>
-            <a:r>
-              <a:rPr lang="en-US" altLang="zh-CN" sz="1200" b="0" i="0" kern="1200" dirty="0">
-                <a:solidFill>
-                  <a:schemeClr val="tx1"/>
-                </a:solidFill>
-                <a:effectLst/>
-                <a:latin typeface="+mn-lt"/>
-                <a:ea typeface="+mn-ea"/>
-                <a:cs typeface="+mn-cs"/>
-              </a:rPr>
-              <a:t>(a)</a:t>
-            </a:r>
-            <a:r>
-              <a:rPr lang="zh-CN" altLang="en-US" sz="1200" b="0" i="0" kern="1200" dirty="0">
-                <a:solidFill>
-                  <a:schemeClr val="tx1"/>
-                </a:solidFill>
-                <a:effectLst/>
-                <a:latin typeface="+mn-lt"/>
-                <a:ea typeface="+mn-ea"/>
-                <a:cs typeface="+mn-cs"/>
-              </a:rPr>
-              <a:t>合法。返回迭代器所指向的元素，然后迭代器递增。</a:t>
-            </a:r>
-          </a:p>
-          <a:p>
-            <a:r>
-              <a:rPr lang="en-US" altLang="zh-CN" sz="1200" b="0" i="0" kern="1200" dirty="0">
-                <a:solidFill>
-                  <a:schemeClr val="tx1"/>
-                </a:solidFill>
-                <a:effectLst/>
-                <a:latin typeface="+mn-lt"/>
-                <a:ea typeface="+mn-ea"/>
-                <a:cs typeface="+mn-cs"/>
-              </a:rPr>
-              <a:t>(b)</a:t>
-            </a:r>
-            <a:r>
-              <a:rPr lang="zh-CN" altLang="en-US" sz="1200" b="0" i="0" kern="1200" dirty="0">
-                <a:solidFill>
-                  <a:schemeClr val="tx1"/>
-                </a:solidFill>
-                <a:effectLst/>
-                <a:latin typeface="+mn-lt"/>
-                <a:ea typeface="+mn-ea"/>
-                <a:cs typeface="+mn-cs"/>
-              </a:rPr>
-              <a:t>不合法。因为</a:t>
-            </a:r>
-            <a:r>
-              <a:rPr lang="en-US" altLang="zh-CN" sz="1200" b="0" i="0" kern="1200" dirty="0">
-                <a:solidFill>
-                  <a:schemeClr val="tx1"/>
-                </a:solidFill>
-                <a:effectLst/>
-                <a:latin typeface="+mn-lt"/>
-                <a:ea typeface="+mn-ea"/>
-                <a:cs typeface="+mn-cs"/>
-              </a:rPr>
-              <a:t>vector</a:t>
-            </a:r>
-            <a:r>
-              <a:rPr lang="zh-CN" altLang="en-US" sz="1200" b="0" i="0" kern="1200" dirty="0">
-                <a:solidFill>
-                  <a:schemeClr val="tx1"/>
-                </a:solidFill>
-                <a:effectLst/>
-                <a:latin typeface="+mn-lt"/>
-                <a:ea typeface="+mn-ea"/>
-                <a:cs typeface="+mn-cs"/>
-              </a:rPr>
-              <a:t>元素类型是 </a:t>
-            </a:r>
-            <a:r>
-              <a:rPr lang="en-US" altLang="zh-CN" sz="1200" b="0" i="0" kern="1200" dirty="0">
-                <a:solidFill>
-                  <a:schemeClr val="tx1"/>
-                </a:solidFill>
-                <a:effectLst/>
-                <a:latin typeface="+mn-lt"/>
-                <a:ea typeface="+mn-ea"/>
-                <a:cs typeface="+mn-cs"/>
-              </a:rPr>
-              <a:t>string</a:t>
-            </a:r>
-            <a:r>
-              <a:rPr lang="zh-CN" altLang="en-US" sz="1200" b="0" i="0" kern="1200" dirty="0">
-                <a:solidFill>
-                  <a:schemeClr val="tx1"/>
-                </a:solidFill>
-                <a:effectLst/>
-                <a:latin typeface="+mn-lt"/>
-                <a:ea typeface="+mn-ea"/>
-                <a:cs typeface="+mn-cs"/>
-              </a:rPr>
-              <a:t>，没有 </a:t>
-            </a:r>
-            <a:r>
-              <a:rPr lang="en-US" altLang="zh-CN" sz="1200" b="0" i="0" kern="1200" dirty="0">
-                <a:solidFill>
-                  <a:schemeClr val="tx1"/>
-                </a:solidFill>
-                <a:effectLst/>
-                <a:latin typeface="+mn-lt"/>
-                <a:ea typeface="+mn-ea"/>
-                <a:cs typeface="+mn-cs"/>
-              </a:rPr>
-              <a:t>++ </a:t>
-            </a:r>
-            <a:r>
-              <a:rPr lang="zh-CN" altLang="en-US" sz="1200" b="0" i="0" kern="1200" dirty="0">
-                <a:solidFill>
-                  <a:schemeClr val="tx1"/>
-                </a:solidFill>
-                <a:effectLst/>
-                <a:latin typeface="+mn-lt"/>
-                <a:ea typeface="+mn-ea"/>
-                <a:cs typeface="+mn-cs"/>
-              </a:rPr>
-              <a:t>操作。</a:t>
-            </a:r>
-          </a:p>
-          <a:p>
-            <a:r>
-              <a:rPr lang="en-US" altLang="zh-CN" sz="1200" b="0" i="0" kern="1200" dirty="0">
-                <a:solidFill>
-                  <a:schemeClr val="tx1"/>
-                </a:solidFill>
-                <a:effectLst/>
-                <a:latin typeface="+mn-lt"/>
-                <a:ea typeface="+mn-ea"/>
-                <a:cs typeface="+mn-cs"/>
-              </a:rPr>
-              <a:t>(c)</a:t>
-            </a:r>
-            <a:r>
-              <a:rPr lang="zh-CN" altLang="en-US" sz="1200" b="0" i="0" kern="1200" dirty="0">
-                <a:solidFill>
-                  <a:schemeClr val="tx1"/>
-                </a:solidFill>
-                <a:effectLst/>
-                <a:latin typeface="+mn-lt"/>
-                <a:ea typeface="+mn-ea"/>
-                <a:cs typeface="+mn-cs"/>
-              </a:rPr>
-              <a:t>不合法。这里应该加括号。</a:t>
-            </a:r>
-          </a:p>
-          <a:p>
-            <a:r>
-              <a:rPr lang="en-US" altLang="zh-CN" sz="1200" b="0" i="0" kern="1200" dirty="0">
-                <a:solidFill>
-                  <a:schemeClr val="tx1"/>
-                </a:solidFill>
-                <a:effectLst/>
-                <a:latin typeface="+mn-lt"/>
-                <a:ea typeface="+mn-ea"/>
-                <a:cs typeface="+mn-cs"/>
-              </a:rPr>
-              <a:t>(d)</a:t>
-            </a:r>
-            <a:r>
-              <a:rPr lang="zh-CN" altLang="en-US" sz="1200" b="0" i="0" kern="1200" dirty="0">
-                <a:solidFill>
-                  <a:schemeClr val="tx1"/>
-                </a:solidFill>
-                <a:effectLst/>
-                <a:latin typeface="+mn-lt"/>
-                <a:ea typeface="+mn-ea"/>
-                <a:cs typeface="+mn-cs"/>
-              </a:rPr>
-              <a:t>合法。判断迭代器当前的元素是否为空。</a:t>
-            </a:r>
-          </a:p>
-          <a:p>
-            <a:r>
-              <a:rPr lang="en-US" altLang="zh-CN" sz="1200" b="0" i="0" kern="1200" dirty="0">
-                <a:solidFill>
-                  <a:schemeClr val="tx1"/>
-                </a:solidFill>
-                <a:effectLst/>
-                <a:latin typeface="+mn-lt"/>
-                <a:ea typeface="+mn-ea"/>
-                <a:cs typeface="+mn-cs"/>
-              </a:rPr>
-              <a:t>(e)</a:t>
-            </a:r>
-            <a:r>
-              <a:rPr lang="zh-CN" altLang="en-US" sz="1200" b="0" i="0" kern="1200" dirty="0">
-                <a:solidFill>
-                  <a:schemeClr val="tx1"/>
-                </a:solidFill>
-                <a:effectLst/>
-                <a:latin typeface="+mn-lt"/>
-                <a:ea typeface="+mn-ea"/>
-                <a:cs typeface="+mn-cs"/>
-              </a:rPr>
-              <a:t>不合法。</a:t>
-            </a:r>
-            <a:r>
-              <a:rPr lang="en-US" altLang="zh-CN" sz="1200" b="0" i="0" kern="1200" dirty="0">
-                <a:solidFill>
-                  <a:schemeClr val="tx1"/>
-                </a:solidFill>
-                <a:effectLst/>
-                <a:latin typeface="+mn-lt"/>
-                <a:ea typeface="+mn-ea"/>
-                <a:cs typeface="+mn-cs"/>
-              </a:rPr>
-              <a:t>string </a:t>
-            </a:r>
-            <a:r>
-              <a:rPr lang="zh-CN" altLang="en-US" sz="1200" b="0" i="0" kern="1200" dirty="0">
-                <a:solidFill>
-                  <a:schemeClr val="tx1"/>
-                </a:solidFill>
-                <a:effectLst/>
-                <a:latin typeface="+mn-lt"/>
-                <a:ea typeface="+mn-ea"/>
-                <a:cs typeface="+mn-cs"/>
-              </a:rPr>
-              <a:t>类型没有 </a:t>
-            </a:r>
-            <a:r>
-              <a:rPr lang="en-US" altLang="zh-CN" sz="1200" b="0" i="0" kern="1200" dirty="0">
-                <a:solidFill>
-                  <a:schemeClr val="tx1"/>
-                </a:solidFill>
-                <a:effectLst/>
-                <a:latin typeface="+mn-lt"/>
-                <a:ea typeface="+mn-ea"/>
-                <a:cs typeface="+mn-cs"/>
-              </a:rPr>
-              <a:t>++ </a:t>
-            </a:r>
-            <a:r>
-              <a:rPr lang="zh-CN" altLang="en-US" sz="1200" b="0" i="0" kern="1200" dirty="0">
-                <a:solidFill>
-                  <a:schemeClr val="tx1"/>
-                </a:solidFill>
-                <a:effectLst/>
-                <a:latin typeface="+mn-lt"/>
-                <a:ea typeface="+mn-ea"/>
-                <a:cs typeface="+mn-cs"/>
-              </a:rPr>
-              <a:t>操作。</a:t>
-            </a:r>
-          </a:p>
-          <a:p>
-            <a:r>
-              <a:rPr lang="en-US" altLang="zh-CN" sz="1200" b="0" i="0" kern="1200" dirty="0">
-                <a:solidFill>
-                  <a:schemeClr val="tx1"/>
-                </a:solidFill>
-                <a:effectLst/>
-                <a:latin typeface="+mn-lt"/>
-                <a:ea typeface="+mn-ea"/>
-                <a:cs typeface="+mn-cs"/>
-              </a:rPr>
-              <a:t>(f)</a:t>
-            </a:r>
-            <a:r>
-              <a:rPr lang="zh-CN" altLang="en-US" sz="1200" b="0" i="0" kern="1200" dirty="0">
-                <a:solidFill>
-                  <a:schemeClr val="tx1"/>
-                </a:solidFill>
-                <a:effectLst/>
-                <a:latin typeface="+mn-lt"/>
-                <a:ea typeface="+mn-ea"/>
-                <a:cs typeface="+mn-cs"/>
-              </a:rPr>
-              <a:t>合法。判断迭代器当前元素是否为空，然后迭代器递增。</a:t>
-            </a:r>
+            <a:endParaRPr lang="zh-CN" altLang="en-US" sz="1200" b="0" i="0" kern="1200" dirty="0">
+              <a:solidFill>
+                <a:schemeClr val="tx1"/>
+              </a:solidFill>
+              <a:effectLst/>
+              <a:latin typeface="+mn-lt"/>
+              <a:ea typeface="+mn-ea"/>
+              <a:cs typeface="+mn-cs"/>
+            </a:endParaRPr>
           </a:p>
         </p:txBody>
       </p:sp>
@@ -3649,7 +3516,7 @@
     </p:spTree>
     <p:extLst>
       <p:ext uri="{BB962C8B-B14F-4D97-AF65-F5344CB8AC3E}">
-        <p14:creationId xmlns:p14="http://schemas.microsoft.com/office/powerpoint/2010/main" val="432627985"/>
+        <p14:creationId xmlns:p14="http://schemas.microsoft.com/office/powerpoint/2010/main" val="1754930619"/>
       </p:ext>
     </p:extLst>
   </p:cSld>
@@ -3703,6 +3570,83 @@
           <a:bodyPr/>
           <a:lstStyle/>
           <a:p>
+            <a:r>
+              <a:rPr lang="en-US" altLang="zh-CN" sz="1200" b="0" i="0" kern="1200" dirty="0">
+                <a:solidFill>
+                  <a:schemeClr val="tx1"/>
+                </a:solidFill>
+                <a:effectLst/>
+                <a:latin typeface="+mn-lt"/>
+                <a:ea typeface="+mn-ea"/>
+                <a:cs typeface="+mn-cs"/>
+              </a:rPr>
+              <a:t>(a) 3</a:t>
+            </a:r>
+          </a:p>
+          <a:p>
+            <a:r>
+              <a:rPr lang="en-US" altLang="zh-CN" sz="1200" b="0" i="0" kern="1200" dirty="0">
+                <a:solidFill>
+                  <a:schemeClr val="tx1"/>
+                </a:solidFill>
+                <a:effectLst/>
+                <a:latin typeface="+mn-lt"/>
+                <a:ea typeface="+mn-ea"/>
+                <a:cs typeface="+mn-cs"/>
+              </a:rPr>
+              <a:t>(b) 7</a:t>
+            </a:r>
+          </a:p>
+          <a:p>
+            <a:r>
+              <a:rPr lang="en-US" altLang="zh-CN" sz="1200" b="0" i="0" kern="1200" dirty="0">
+                <a:solidFill>
+                  <a:schemeClr val="tx1"/>
+                </a:solidFill>
+                <a:effectLst/>
+                <a:latin typeface="+mn-lt"/>
+                <a:ea typeface="+mn-ea"/>
+                <a:cs typeface="+mn-cs"/>
+              </a:rPr>
+              <a:t>(c) true</a:t>
+            </a:r>
+          </a:p>
+          <a:p>
+            <a:r>
+              <a:rPr lang="en-US" altLang="zh-CN" sz="1200" b="0" i="0" kern="1200" dirty="0">
+                <a:solidFill>
+                  <a:schemeClr val="tx1"/>
+                </a:solidFill>
+                <a:effectLst/>
+                <a:latin typeface="+mn-lt"/>
+                <a:ea typeface="+mn-ea"/>
+                <a:cs typeface="+mn-cs"/>
+              </a:rPr>
+              <a:t>(d) </a:t>
+            </a:r>
+            <a:r>
+              <a:rPr lang="en-US" altLang="zh-CN" sz="1200" b="0" i="0" kern="1200" dirty="0" err="1">
+                <a:solidFill>
+                  <a:schemeClr val="tx1"/>
+                </a:solidFill>
+                <a:effectLst/>
+                <a:latin typeface="+mn-lt"/>
+                <a:ea typeface="+mn-ea"/>
+                <a:cs typeface="+mn-cs"/>
+              </a:rPr>
+              <a:t>ture</a:t>
+            </a:r>
+            <a:endParaRPr lang="en-US" altLang="zh-CN" sz="1200" b="0" i="0" kern="1200" dirty="0">
+              <a:solidFill>
+                <a:schemeClr val="tx1"/>
+              </a:solidFill>
+              <a:effectLst/>
+              <a:latin typeface="+mn-lt"/>
+              <a:ea typeface="+mn-ea"/>
+              <a:cs typeface="+mn-cs"/>
+            </a:endParaRPr>
+          </a:p>
+          <a:p>
             <a:endParaRPr lang="zh-CN" altLang="en-US" sz="1200" b="0" i="0" kern="1200" dirty="0">
               <a:solidFill>
                 <a:schemeClr val="tx1"/>
@@ -3741,7 +3685,7 @@
     </p:spTree>
     <p:extLst>
       <p:ext uri="{BB962C8B-B14F-4D97-AF65-F5344CB8AC3E}">
-        <p14:creationId xmlns:p14="http://schemas.microsoft.com/office/powerpoint/2010/main" val="1754930619"/>
+        <p14:creationId xmlns:p14="http://schemas.microsoft.com/office/powerpoint/2010/main" val="778681600"/>
       </p:ext>
     </p:extLst>
   </p:cSld>
@@ -3796,6 +3740,42 @@
           <a:lstStyle/>
           <a:p>
             <a:r>
+              <a:rPr lang="zh-CN" altLang="en-US" sz="1200" b="0" i="0" kern="1200" dirty="0">
+                <a:solidFill>
+                  <a:schemeClr val="tx1"/>
+                </a:solidFill>
+                <a:effectLst/>
+                <a:latin typeface="+mn-lt"/>
+                <a:ea typeface="+mn-ea"/>
+                <a:cs typeface="+mn-cs"/>
+              </a:rPr>
+              <a:t>如果 </a:t>
+            </a:r>
+            <a:r>
+              <a:rPr lang="en-US" altLang="zh-CN" sz="1200" b="0" i="0" kern="1200" dirty="0" err="1">
+                <a:solidFill>
+                  <a:schemeClr val="tx1"/>
+                </a:solidFill>
+                <a:effectLst/>
+                <a:latin typeface="+mn-lt"/>
+                <a:ea typeface="+mn-ea"/>
+                <a:cs typeface="+mn-cs"/>
+              </a:rPr>
+              <a:t>someValue</a:t>
+            </a:r>
+            <a:r>
+              <a:rPr lang="zh-CN" altLang="en-US" sz="1200" b="0" i="0" kern="1200" dirty="0">
+                <a:solidFill>
+                  <a:schemeClr val="tx1"/>
+                </a:solidFill>
+                <a:effectLst/>
+                <a:latin typeface="+mn-lt"/>
+                <a:ea typeface="+mn-ea"/>
+                <a:cs typeface="+mn-cs"/>
+              </a:rPr>
+              <a:t>的值为真，</a:t>
+            </a:r>
+            <a:r>
               <a:rPr lang="en-US" altLang="zh-CN" sz="1200" b="0" i="0" kern="1200" dirty="0">
                 <a:solidFill>
                   <a:schemeClr val="tx1"/>
@@ -3805,10 +3785,20 @@
                 <a:ea typeface="+mn-ea"/>
                 <a:cs typeface="+mn-cs"/>
               </a:rPr>
-              <a:t>(a) 3</a:t>
-            </a:r>
-          </a:p>
-          <a:p>
+              <a:t>x </a:t>
+            </a:r>
+            <a:r>
+              <a:rPr lang="zh-CN" altLang="en-US" sz="1200" b="0" i="0" kern="1200" dirty="0">
+                <a:solidFill>
+                  <a:schemeClr val="tx1"/>
+                </a:solidFill>
+                <a:effectLst/>
+                <a:latin typeface="+mn-lt"/>
+                <a:ea typeface="+mn-ea"/>
+                <a:cs typeface="+mn-cs"/>
+              </a:rPr>
+              <a:t>和 </a:t>
+            </a:r>
             <a:r>
               <a:rPr lang="en-US" altLang="zh-CN" sz="1200" b="0" i="0" kern="1200" dirty="0">
                 <a:solidFill>
@@ -3819,10 +3809,20 @@
                 <a:ea typeface="+mn-ea"/>
                 <a:cs typeface="+mn-cs"/>
               </a:rPr>
-              <a:t>(b) 7</a:t>
-            </a:r>
-          </a:p>
-          <a:p>
+              <a:t>y </a:t>
+            </a:r>
+            <a:r>
+              <a:rPr lang="zh-CN" altLang="en-US" sz="1200" b="0" i="0" kern="1200" dirty="0">
+                <a:solidFill>
+                  <a:schemeClr val="tx1"/>
+                </a:solidFill>
+                <a:effectLst/>
+                <a:latin typeface="+mn-lt"/>
+                <a:ea typeface="+mn-ea"/>
+                <a:cs typeface="+mn-cs"/>
+              </a:rPr>
+              <a:t>的值都自增并返回 </a:t>
+            </a:r>
             <a:r>
               <a:rPr lang="en-US" altLang="zh-CN" sz="1200" b="0" i="0" kern="1200" dirty="0">
                 <a:solidFill>
@@ -3833,10 +3833,20 @@
                 <a:ea typeface="+mn-ea"/>
                 <a:cs typeface="+mn-cs"/>
               </a:rPr>
-              <a:t>(c) true</a:t>
-            </a:r>
-          </a:p>
-          <a:p>
+              <a:t>y </a:t>
+            </a:r>
+            <a:r>
+              <a:rPr lang="zh-CN" altLang="en-US" sz="1200" b="0" i="0" kern="1200" dirty="0">
+                <a:solidFill>
+                  <a:schemeClr val="tx1"/>
+                </a:solidFill>
+                <a:effectLst/>
+                <a:latin typeface="+mn-lt"/>
+                <a:ea typeface="+mn-ea"/>
+                <a:cs typeface="+mn-cs"/>
+              </a:rPr>
+              <a:t>值，然后丢弃 </a:t>
+            </a:r>
             <a:r>
               <a:rPr lang="en-US" altLang="zh-CN" sz="1200" b="0" i="0" kern="1200" dirty="0">
                 <a:solidFill>
@@ -3847,7 +3857,67 @@
                 <a:ea typeface="+mn-ea"/>
                 <a:cs typeface="+mn-cs"/>
               </a:rPr>
-              <a:t>(d) </a:t>
+              <a:t>y </a:t>
+            </a:r>
+            <a:r>
+              <a:rPr lang="zh-CN" altLang="en-US" sz="1200" b="0" i="0" kern="1200" dirty="0">
+                <a:solidFill>
+                  <a:schemeClr val="tx1"/>
+                </a:solidFill>
+                <a:effectLst/>
+                <a:latin typeface="+mn-lt"/>
+                <a:ea typeface="+mn-ea"/>
+                <a:cs typeface="+mn-cs"/>
+              </a:rPr>
+              <a:t>值，</a:t>
+            </a:r>
+            <a:r>
+              <a:rPr lang="en-US" altLang="zh-CN" sz="1200" b="0" i="0" kern="1200" dirty="0">
+                <a:solidFill>
+                  <a:schemeClr val="tx1"/>
+                </a:solidFill>
+                <a:effectLst/>
+                <a:latin typeface="+mn-lt"/>
+                <a:ea typeface="+mn-ea"/>
+                <a:cs typeface="+mn-cs"/>
+              </a:rPr>
+              <a:t>y</a:t>
+            </a:r>
+            <a:r>
+              <a:rPr lang="zh-CN" altLang="en-US" sz="1200" b="0" i="0" kern="1200" dirty="0">
+                <a:solidFill>
+                  <a:schemeClr val="tx1"/>
+                </a:solidFill>
+                <a:effectLst/>
+                <a:latin typeface="+mn-lt"/>
+                <a:ea typeface="+mn-ea"/>
+                <a:cs typeface="+mn-cs"/>
+              </a:rPr>
+              <a:t>递减并返回 </a:t>
+            </a:r>
+            <a:r>
+              <a:rPr lang="en-US" altLang="zh-CN" sz="1200" b="0" i="0" kern="1200" dirty="0">
+                <a:solidFill>
+                  <a:schemeClr val="tx1"/>
+                </a:solidFill>
+                <a:effectLst/>
+                <a:latin typeface="+mn-lt"/>
+                <a:ea typeface="+mn-ea"/>
+                <a:cs typeface="+mn-cs"/>
+              </a:rPr>
+              <a:t>y </a:t>
+            </a:r>
+            <a:r>
+              <a:rPr lang="zh-CN" altLang="en-US" sz="1200" b="0" i="0" kern="1200" dirty="0">
+                <a:solidFill>
+                  <a:schemeClr val="tx1"/>
+                </a:solidFill>
+                <a:effectLst/>
+                <a:latin typeface="+mn-lt"/>
+                <a:ea typeface="+mn-ea"/>
+                <a:cs typeface="+mn-cs"/>
+              </a:rPr>
+              <a:t>值。如果 </a:t>
             </a:r>
             <a:r>
               <a:rPr lang="en-US" altLang="zh-CN" sz="1200" b="0" i="0" kern="1200" dirty="0" err="1">
@@ -3859,28 +3929,140 @@
                 <a:ea typeface="+mn-ea"/>
                 <a:cs typeface="+mn-cs"/>
               </a:rPr>
-              <a:t>ture</a:t>
-            </a:r>
-            <a:endParaRPr lang="en-US" altLang="zh-CN" sz="1200" b="0" i="0" kern="1200" dirty="0">
-              <a:solidFill>
-                <a:schemeClr val="tx1"/>
-              </a:solidFill>
-              <a:effectLst/>
-              <a:latin typeface="+mn-lt"/>
-              <a:ea typeface="+mn-ea"/>
-              <a:cs typeface="+mn-cs"/>
-            </a:endParaRPr>
-          </a:p>
-          <a:p>
-            <a:endParaRPr lang="zh-CN" altLang="en-US" sz="1200" b="0" i="0" kern="1200" dirty="0">
-              <a:solidFill>
-                <a:schemeClr val="tx1"/>
-              </a:solidFill>
-              <a:effectLst/>
-              <a:latin typeface="+mn-lt"/>
-              <a:ea typeface="+mn-ea"/>
-              <a:cs typeface="+mn-cs"/>
-            </a:endParaRPr>
+              <a:t>someValue</a:t>
+            </a:r>
+            <a:r>
+              <a:rPr lang="zh-CN" altLang="en-US" sz="1200" b="0" i="0" kern="1200" dirty="0">
+                <a:solidFill>
+                  <a:schemeClr val="tx1"/>
+                </a:solidFill>
+                <a:effectLst/>
+                <a:latin typeface="+mn-lt"/>
+                <a:ea typeface="+mn-ea"/>
+                <a:cs typeface="+mn-cs"/>
+              </a:rPr>
+              <a:t>的值为假，</a:t>
+            </a:r>
+            <a:r>
+              <a:rPr lang="en-US" altLang="zh-CN" sz="1200" b="0" i="0" kern="1200" dirty="0">
+                <a:solidFill>
+                  <a:schemeClr val="tx1"/>
+                </a:solidFill>
+                <a:effectLst/>
+                <a:latin typeface="+mn-lt"/>
+                <a:ea typeface="+mn-ea"/>
+                <a:cs typeface="+mn-cs"/>
+              </a:rPr>
+              <a:t>x </a:t>
+            </a:r>
+            <a:r>
+              <a:rPr lang="zh-CN" altLang="en-US" sz="1200" b="0" i="0" kern="1200" dirty="0">
+                <a:solidFill>
+                  <a:schemeClr val="tx1"/>
+                </a:solidFill>
+                <a:effectLst/>
+                <a:latin typeface="+mn-lt"/>
+                <a:ea typeface="+mn-ea"/>
+                <a:cs typeface="+mn-cs"/>
+              </a:rPr>
+              <a:t>递减并返回 </a:t>
+            </a:r>
+            <a:r>
+              <a:rPr lang="en-US" altLang="zh-CN" sz="1200" b="0" i="0" kern="1200" dirty="0">
+                <a:solidFill>
+                  <a:schemeClr val="tx1"/>
+                </a:solidFill>
+                <a:effectLst/>
+                <a:latin typeface="+mn-lt"/>
+                <a:ea typeface="+mn-ea"/>
+                <a:cs typeface="+mn-cs"/>
+              </a:rPr>
+              <a:t>x </a:t>
+            </a:r>
+            <a:r>
+              <a:rPr lang="zh-CN" altLang="en-US" sz="1200" b="0" i="0" kern="1200" dirty="0">
+                <a:solidFill>
+                  <a:schemeClr val="tx1"/>
+                </a:solidFill>
+                <a:effectLst/>
+                <a:latin typeface="+mn-lt"/>
+                <a:ea typeface="+mn-ea"/>
+                <a:cs typeface="+mn-cs"/>
+              </a:rPr>
+              <a:t>值，然后丢弃 </a:t>
+            </a:r>
+            <a:r>
+              <a:rPr lang="en-US" altLang="zh-CN" sz="1200" b="0" i="0" kern="1200" dirty="0">
+                <a:solidFill>
+                  <a:schemeClr val="tx1"/>
+                </a:solidFill>
+                <a:effectLst/>
+                <a:latin typeface="+mn-lt"/>
+                <a:ea typeface="+mn-ea"/>
+                <a:cs typeface="+mn-cs"/>
+              </a:rPr>
+              <a:t>x </a:t>
+            </a:r>
+            <a:r>
+              <a:rPr lang="zh-CN" altLang="en-US" sz="1200" b="0" i="0" kern="1200" dirty="0">
+                <a:solidFill>
+                  <a:schemeClr val="tx1"/>
+                </a:solidFill>
+                <a:effectLst/>
+                <a:latin typeface="+mn-lt"/>
+                <a:ea typeface="+mn-ea"/>
+                <a:cs typeface="+mn-cs"/>
+              </a:rPr>
+              <a:t>值，</a:t>
+            </a:r>
+            <a:r>
+              <a:rPr lang="en-US" altLang="zh-CN" sz="1200" b="0" i="0" kern="1200" dirty="0">
+                <a:solidFill>
+                  <a:schemeClr val="tx1"/>
+                </a:solidFill>
+                <a:effectLst/>
+                <a:latin typeface="+mn-lt"/>
+                <a:ea typeface="+mn-ea"/>
+                <a:cs typeface="+mn-cs"/>
+              </a:rPr>
+              <a:t>y</a:t>
+            </a:r>
+            <a:r>
+              <a:rPr lang="zh-CN" altLang="en-US" sz="1200" b="0" i="0" kern="1200" dirty="0">
+                <a:solidFill>
+                  <a:schemeClr val="tx1"/>
+                </a:solidFill>
+                <a:effectLst/>
+                <a:latin typeface="+mn-lt"/>
+                <a:ea typeface="+mn-ea"/>
+                <a:cs typeface="+mn-cs"/>
+              </a:rPr>
+              <a:t>递减并返回 </a:t>
+            </a:r>
+            <a:r>
+              <a:rPr lang="en-US" altLang="zh-CN" sz="1200" b="0" i="0" kern="1200" dirty="0">
+                <a:solidFill>
+                  <a:schemeClr val="tx1"/>
+                </a:solidFill>
+                <a:effectLst/>
+                <a:latin typeface="+mn-lt"/>
+                <a:ea typeface="+mn-ea"/>
+                <a:cs typeface="+mn-cs"/>
+              </a:rPr>
+              <a:t>y </a:t>
+            </a:r>
+            <a:r>
+              <a:rPr lang="zh-CN" altLang="en-US" sz="1200" b="0" i="0" kern="1200" dirty="0">
+                <a:solidFill>
+                  <a:schemeClr val="tx1"/>
+                </a:solidFill>
+                <a:effectLst/>
+                <a:latin typeface="+mn-lt"/>
+                <a:ea typeface="+mn-ea"/>
+                <a:cs typeface="+mn-cs"/>
+              </a:rPr>
+              <a:t>值。</a:t>
+            </a:r>
           </a:p>
         </p:txBody>
       </p:sp>
@@ -3910,7 +4092,7 @@
     </p:spTree>
     <p:extLst>
       <p:ext uri="{BB962C8B-B14F-4D97-AF65-F5344CB8AC3E}">
-        <p14:creationId xmlns:p14="http://schemas.microsoft.com/office/powerpoint/2010/main" val="778681600"/>
+        <p14:creationId xmlns:p14="http://schemas.microsoft.com/office/powerpoint/2010/main" val="950640816"/>
       </p:ext>
     </p:extLst>
   </p:cSld>
@@ -3965,6 +4147,18 @@
           <a:lstStyle/>
           <a:p>
             <a:r>
+              <a:rPr lang="en-US" altLang="zh-CN" sz="1200" b="0" i="0" kern="1200" dirty="0">
+                <a:solidFill>
+                  <a:schemeClr val="tx1"/>
+                </a:solidFill>
+                <a:effectLst/>
+                <a:latin typeface="+mn-lt"/>
+                <a:ea typeface="+mn-ea"/>
+                <a:cs typeface="+mn-cs"/>
+              </a:rPr>
+              <a:t>(a) 'a' </a:t>
+            </a:r>
+            <a:r>
               <a:rPr lang="zh-CN" altLang="en-US" sz="1200" b="0" i="0" kern="1200" dirty="0">
                 <a:solidFill>
                   <a:schemeClr val="tx1"/>
@@ -3974,7 +4168,81 @@
                 <a:ea typeface="+mn-ea"/>
                 <a:cs typeface="+mn-cs"/>
               </a:rPr>
-              <a:t>如果 </a:t>
+              <a:t>转换为 </a:t>
+            </a:r>
+            <a:r>
+              <a:rPr lang="en-US" altLang="zh-CN" sz="1200" b="0" i="0" kern="1200" dirty="0">
+                <a:solidFill>
+                  <a:schemeClr val="tx1"/>
+                </a:solidFill>
+                <a:effectLst/>
+                <a:latin typeface="+mn-lt"/>
+                <a:ea typeface="+mn-ea"/>
+                <a:cs typeface="+mn-cs"/>
+              </a:rPr>
+              <a:t>int </a:t>
+            </a:r>
+            <a:r>
+              <a:rPr lang="zh-CN" altLang="en-US" sz="1200" b="0" i="0" kern="1200" dirty="0">
+                <a:solidFill>
+                  <a:schemeClr val="tx1"/>
+                </a:solidFill>
+                <a:effectLst/>
+                <a:latin typeface="+mn-lt"/>
+                <a:ea typeface="+mn-ea"/>
+                <a:cs typeface="+mn-cs"/>
+              </a:rPr>
+              <a:t>，然后与 </a:t>
+            </a:r>
+            <a:r>
+              <a:rPr lang="en-US" altLang="zh-CN" sz="1200" b="0" i="0" kern="1200" dirty="0">
+                <a:solidFill>
+                  <a:schemeClr val="tx1"/>
+                </a:solidFill>
+                <a:effectLst/>
+                <a:latin typeface="+mn-lt"/>
+                <a:ea typeface="+mn-ea"/>
+                <a:cs typeface="+mn-cs"/>
+              </a:rPr>
+              <a:t>3 </a:t>
+            </a:r>
+            <a:r>
+              <a:rPr lang="zh-CN" altLang="en-US" sz="1200" b="0" i="0" kern="1200" dirty="0">
+                <a:solidFill>
+                  <a:schemeClr val="tx1"/>
+                </a:solidFill>
+                <a:effectLst/>
+                <a:latin typeface="+mn-lt"/>
+                <a:ea typeface="+mn-ea"/>
+                <a:cs typeface="+mn-cs"/>
+              </a:rPr>
+              <a:t>相加的结果转换为 </a:t>
+            </a:r>
+            <a:r>
+              <a:rPr lang="en-US" altLang="zh-CN" sz="1200" b="0" i="0" kern="1200" dirty="0">
+                <a:solidFill>
+                  <a:schemeClr val="tx1"/>
+                </a:solidFill>
+                <a:effectLst/>
+                <a:latin typeface="+mn-lt"/>
+                <a:ea typeface="+mn-ea"/>
+                <a:cs typeface="+mn-cs"/>
+              </a:rPr>
+              <a:t>char</a:t>
+            </a:r>
+          </a:p>
+          <a:p>
+            <a:r>
+              <a:rPr lang="en-US" altLang="zh-CN" sz="1200" b="0" i="0" kern="1200" dirty="0">
+                <a:solidFill>
+                  <a:schemeClr val="tx1"/>
+                </a:solidFill>
+                <a:effectLst/>
+                <a:latin typeface="+mn-lt"/>
+                <a:ea typeface="+mn-ea"/>
+                <a:cs typeface="+mn-cs"/>
+              </a:rPr>
+              <a:t>(b) </a:t>
             </a:r>
             <a:r>
               <a:rPr lang="en-US" altLang="zh-CN" sz="1200" b="0" i="0" kern="1200" dirty="0" err="1">
@@ -3986,7 +4254,19 @@
                 <a:ea typeface="+mn-ea"/>
                 <a:cs typeface="+mn-cs"/>
               </a:rPr>
-              <a:t>someValue</a:t>
+              <a:t>ival</a:t>
+            </a:r>
+            <a:r>
+              <a:rPr lang="en-US" altLang="zh-CN" sz="1200" b="0" i="0" kern="1200" dirty="0">
+                <a:solidFill>
+                  <a:schemeClr val="tx1"/>
+                </a:solidFill>
+                <a:effectLst/>
+                <a:latin typeface="+mn-lt"/>
+                <a:ea typeface="+mn-ea"/>
+                <a:cs typeface="+mn-cs"/>
+              </a:rPr>
+              <a:t> </a:t>
             </a:r>
             <a:r>
               <a:rPr lang="zh-CN" altLang="en-US" sz="1200" b="0" i="0" kern="1200" dirty="0">
@@ -3998,7 +4278,7 @@
                 <a:ea typeface="+mn-ea"/>
                 <a:cs typeface="+mn-cs"/>
               </a:rPr>
-              <a:t>的值为真，</a:t>
+              <a:t>转换为 </a:t>
             </a:r>
             <a:r>
               <a:rPr lang="en-US" altLang="zh-CN" sz="1200" b="0" i="0" kern="1200" dirty="0">
@@ -4010,7 +4290,7 @@
                 <a:ea typeface="+mn-ea"/>
                 <a:cs typeface="+mn-cs"/>
               </a:rPr>
-              <a:t>x </a:t>
+              <a:t>double</a:t>
             </a:r>
             <a:r>
               <a:rPr lang="zh-CN" altLang="en-US" sz="1200" b="0" i="0" kern="1200" dirty="0">
@@ -4022,7 +4302,19 @@
                 <a:ea typeface="+mn-ea"/>
                 <a:cs typeface="+mn-cs"/>
               </a:rPr>
-              <a:t>和 </a:t>
+              <a:t>，</a:t>
+            </a:r>
+            <a:r>
+              <a:rPr lang="en-US" altLang="zh-CN" sz="1200" b="0" i="0" kern="1200" dirty="0" err="1">
+                <a:solidFill>
+                  <a:schemeClr val="tx1"/>
+                </a:solidFill>
+                <a:effectLst/>
+                <a:latin typeface="+mn-lt"/>
+                <a:ea typeface="+mn-ea"/>
+                <a:cs typeface="+mn-cs"/>
+              </a:rPr>
+              <a:t>ui</a:t>
             </a:r>
             <a:r>
               <a:rPr lang="en-US" altLang="zh-CN" sz="1200" b="0" i="0" kern="1200" dirty="0">
@@ -4034,7 +4326,7 @@
                 <a:ea typeface="+mn-ea"/>
                 <a:cs typeface="+mn-cs"/>
               </a:rPr>
-              <a:t>y </a:t>
+              <a:t> </a:t>
             </a:r>
             <a:r>
               <a:rPr lang="zh-CN" altLang="en-US" sz="1200" b="0" i="0" kern="1200" dirty="0">
@@ -4046,7 +4338,7 @@
                 <a:ea typeface="+mn-ea"/>
                 <a:cs typeface="+mn-cs"/>
               </a:rPr>
-              <a:t>的值都自增并返回 </a:t>
+              <a:t>转换为 </a:t>
             </a:r>
             <a:r>
               <a:rPr lang="en-US" altLang="zh-CN" sz="1200" b="0" i="0" kern="1200" dirty="0">
@@ -4058,7 +4350,7 @@
                 <a:ea typeface="+mn-ea"/>
                 <a:cs typeface="+mn-cs"/>
               </a:rPr>
-              <a:t>y </a:t>
+              <a:t>double</a:t>
             </a:r>
             <a:r>
               <a:rPr lang="zh-CN" altLang="en-US" sz="1200" b="0" i="0" kern="1200" dirty="0">
@@ -4070,7 +4362,7 @@
                 <a:ea typeface="+mn-ea"/>
                 <a:cs typeface="+mn-cs"/>
               </a:rPr>
-              <a:t>值，然后丢弃 </a:t>
+              <a:t>，结果转换为 </a:t>
             </a:r>
             <a:r>
               <a:rPr lang="en-US" altLang="zh-CN" sz="1200" b="0" i="0" kern="1200" dirty="0">
@@ -4082,7 +4374,45 @@
                 <a:ea typeface="+mn-ea"/>
                 <a:cs typeface="+mn-cs"/>
               </a:rPr>
-              <a:t>y </a:t>
+              <a:t>float</a:t>
+            </a:r>
+          </a:p>
+          <a:p>
+            <a:r>
+              <a:rPr lang="en-US" altLang="zh-CN" sz="1200" b="0" i="0" kern="1200" dirty="0">
+                <a:solidFill>
+                  <a:schemeClr val="tx1"/>
+                </a:solidFill>
+                <a:effectLst/>
+                <a:latin typeface="+mn-lt"/>
+                <a:ea typeface="+mn-ea"/>
+                <a:cs typeface="+mn-cs"/>
+              </a:rPr>
+              <a:t>(c) </a:t>
+            </a:r>
+            <a:r>
+              <a:rPr lang="en-US" altLang="zh-CN" sz="1200" b="0" i="0" kern="1200" dirty="0" err="1">
+                <a:solidFill>
+                  <a:schemeClr val="tx1"/>
+                </a:solidFill>
+                <a:effectLst/>
+                <a:latin typeface="+mn-lt"/>
+                <a:ea typeface="+mn-ea"/>
+                <a:cs typeface="+mn-cs"/>
+              </a:rPr>
+              <a:t>ui</a:t>
+            </a:r>
+            <a:r>
+              <a:rPr lang="en-US" altLang="zh-CN" sz="1200" b="0" i="0" kern="1200" dirty="0">
+                <a:solidFill>
+                  <a:schemeClr val="tx1"/>
+                </a:solidFill>
+                <a:effectLst/>
+                <a:latin typeface="+mn-lt"/>
+                <a:ea typeface="+mn-ea"/>
+                <a:cs typeface="+mn-cs"/>
+              </a:rPr>
+              <a:t> </a:t>
             </a:r>
             <a:r>
               <a:rPr lang="zh-CN" altLang="en-US" sz="1200" b="0" i="0" kern="1200" dirty="0">
@@ -4094,7 +4424,7 @@
                 <a:ea typeface="+mn-ea"/>
                 <a:cs typeface="+mn-cs"/>
               </a:rPr>
-              <a:t>值，</a:t>
+              <a:t>转换为 </a:t>
             </a:r>
             <a:r>
               <a:rPr lang="en-US" altLang="zh-CN" sz="1200" b="0" i="0" kern="1200" dirty="0">
@@ -4106,7 +4436,7 @@
                 <a:ea typeface="+mn-ea"/>
                 <a:cs typeface="+mn-cs"/>
               </a:rPr>
-              <a:t>y</a:t>
+              <a:t>float</a:t>
             </a:r>
             <a:r>
               <a:rPr lang="zh-CN" altLang="en-US" sz="1200" b="0" i="0" kern="1200" dirty="0">
@@ -4118,7 +4448,7 @@
                 <a:ea typeface="+mn-ea"/>
                 <a:cs typeface="+mn-cs"/>
               </a:rPr>
-              <a:t>递减并返回 </a:t>
+              <a:t>，结果转换为 </a:t>
             </a:r>
             <a:r>
               <a:rPr lang="en-US" altLang="zh-CN" sz="1200" b="0" i="0" kern="1200" dirty="0">
@@ -4130,7 +4460,45 @@
                 <a:ea typeface="+mn-ea"/>
                 <a:cs typeface="+mn-cs"/>
               </a:rPr>
-              <a:t>y </a:t>
+              <a:t>double</a:t>
+            </a:r>
+          </a:p>
+          <a:p>
+            <a:r>
+              <a:rPr lang="en-US" altLang="zh-CN" sz="1200" b="0" i="0" kern="1200" dirty="0">
+                <a:solidFill>
+                  <a:schemeClr val="tx1"/>
+                </a:solidFill>
+                <a:effectLst/>
+                <a:latin typeface="+mn-lt"/>
+                <a:ea typeface="+mn-ea"/>
+                <a:cs typeface="+mn-cs"/>
+              </a:rPr>
+              <a:t>(d) </a:t>
+            </a:r>
+            <a:r>
+              <a:rPr lang="en-US" altLang="zh-CN" sz="1200" b="0" i="0" kern="1200" dirty="0" err="1">
+                <a:solidFill>
+                  <a:schemeClr val="tx1"/>
+                </a:solidFill>
+                <a:effectLst/>
+                <a:latin typeface="+mn-lt"/>
+                <a:ea typeface="+mn-ea"/>
+                <a:cs typeface="+mn-cs"/>
+              </a:rPr>
+              <a:t>ival</a:t>
+            </a:r>
+            <a:r>
+              <a:rPr lang="en-US" altLang="zh-CN" sz="1200" b="0" i="0" kern="1200" dirty="0">
+                <a:solidFill>
+                  <a:schemeClr val="tx1"/>
+                </a:solidFill>
+                <a:effectLst/>
+                <a:latin typeface="+mn-lt"/>
+                <a:ea typeface="+mn-ea"/>
+                <a:cs typeface="+mn-cs"/>
+              </a:rPr>
+              <a:t> </a:t>
             </a:r>
             <a:r>
               <a:rPr lang="zh-CN" altLang="en-US" sz="1200" b="0" i="0" kern="1200" dirty="0">
@@ -4142,7 +4510,31 @@
                 <a:ea typeface="+mn-ea"/>
                 <a:cs typeface="+mn-cs"/>
               </a:rPr>
-              <a:t>值。如果 </a:t>
+              <a:t>转换为 </a:t>
+            </a:r>
+            <a:r>
+              <a:rPr lang="en-US" altLang="zh-CN" sz="1200" b="0" i="0" kern="1200" dirty="0">
+                <a:solidFill>
+                  <a:schemeClr val="tx1"/>
+                </a:solidFill>
+                <a:effectLst/>
+                <a:latin typeface="+mn-lt"/>
+                <a:ea typeface="+mn-ea"/>
+                <a:cs typeface="+mn-cs"/>
+              </a:rPr>
+              <a:t>float</a:t>
+            </a:r>
+            <a:r>
+              <a:rPr lang="zh-CN" altLang="en-US" sz="1200" b="0" i="0" kern="1200" dirty="0">
+                <a:solidFill>
+                  <a:schemeClr val="tx1"/>
+                </a:solidFill>
+                <a:effectLst/>
+                <a:latin typeface="+mn-lt"/>
+                <a:ea typeface="+mn-ea"/>
+                <a:cs typeface="+mn-cs"/>
+              </a:rPr>
+              <a:t>，与</a:t>
             </a:r>
             <a:r>
               <a:rPr lang="en-US" altLang="zh-CN" sz="1200" b="0" i="0" kern="1200" dirty="0" err="1">
@@ -4154,7 +4546,7 @@
                 <a:ea typeface="+mn-ea"/>
                 <a:cs typeface="+mn-cs"/>
               </a:rPr>
-              <a:t>someValue</a:t>
+              <a:t>fval</a:t>
             </a:r>
             <a:r>
               <a:rPr lang="zh-CN" altLang="en-US" sz="1200" b="0" i="0" kern="1200" dirty="0">
@@ -4166,7 +4558,7 @@
                 <a:ea typeface="+mn-ea"/>
                 <a:cs typeface="+mn-cs"/>
               </a:rPr>
-              <a:t>的值为假，</a:t>
+              <a:t>相加后的结果转换为 </a:t>
             </a:r>
             <a:r>
               <a:rPr lang="en-US" altLang="zh-CN" sz="1200" b="0" i="0" kern="1200" dirty="0">
@@ -4178,7 +4570,7 @@
                 <a:ea typeface="+mn-ea"/>
                 <a:cs typeface="+mn-cs"/>
               </a:rPr>
-              <a:t>x </a:t>
+              <a:t>double</a:t>
             </a:r>
             <a:r>
               <a:rPr lang="zh-CN" altLang="en-US" sz="1200" b="0" i="0" kern="1200" dirty="0">
@@ -4190,7 +4582,7 @@
                 <a:ea typeface="+mn-ea"/>
                 <a:cs typeface="+mn-cs"/>
               </a:rPr>
-              <a:t>递减并返回 </a:t>
+              <a:t>，最后的结果转换为</a:t>
             </a:r>
             <a:r>
               <a:rPr lang="en-US" altLang="zh-CN" sz="1200" b="0" i="0" kern="1200" dirty="0">
@@ -4202,91 +4594,7 @@
                 <a:ea typeface="+mn-ea"/>
                 <a:cs typeface="+mn-cs"/>
               </a:rPr>
-              <a:t>x </a:t>
-            </a:r>
-            <a:r>
-              <a:rPr lang="zh-CN" altLang="en-US" sz="1200" b="0" i="0" kern="1200" dirty="0">
-                <a:solidFill>
-                  <a:schemeClr val="tx1"/>
-                </a:solidFill>
-                <a:effectLst/>
-                <a:latin typeface="+mn-lt"/>
-                <a:ea typeface="+mn-ea"/>
-                <a:cs typeface="+mn-cs"/>
-              </a:rPr>
-              <a:t>值，然后丢弃 </a:t>
-            </a:r>
-            <a:r>
-              <a:rPr lang="en-US" altLang="zh-CN" sz="1200" b="0" i="0" kern="1200" dirty="0">
-                <a:solidFill>
-                  <a:schemeClr val="tx1"/>
-                </a:solidFill>
-                <a:effectLst/>
-                <a:latin typeface="+mn-lt"/>
-                <a:ea typeface="+mn-ea"/>
-                <a:cs typeface="+mn-cs"/>
-              </a:rPr>
-              <a:t>x </a:t>
-            </a:r>
-            <a:r>
-              <a:rPr lang="zh-CN" altLang="en-US" sz="1200" b="0" i="0" kern="1200" dirty="0">
-                <a:solidFill>
-                  <a:schemeClr val="tx1"/>
-                </a:solidFill>
-                <a:effectLst/>
-                <a:latin typeface="+mn-lt"/>
-                <a:ea typeface="+mn-ea"/>
-                <a:cs typeface="+mn-cs"/>
-              </a:rPr>
-              <a:t>值，</a:t>
-            </a:r>
-            <a:r>
-              <a:rPr lang="en-US" altLang="zh-CN" sz="1200" b="0" i="0" kern="1200" dirty="0">
-                <a:solidFill>
-                  <a:schemeClr val="tx1"/>
-                </a:solidFill>
-                <a:effectLst/>
-                <a:latin typeface="+mn-lt"/>
-                <a:ea typeface="+mn-ea"/>
-                <a:cs typeface="+mn-cs"/>
-              </a:rPr>
-              <a:t>y</a:t>
-            </a:r>
-            <a:r>
-              <a:rPr lang="zh-CN" altLang="en-US" sz="1200" b="0" i="0" kern="1200" dirty="0">
-                <a:solidFill>
-                  <a:schemeClr val="tx1"/>
-                </a:solidFill>
-                <a:effectLst/>
-                <a:latin typeface="+mn-lt"/>
-                <a:ea typeface="+mn-ea"/>
-                <a:cs typeface="+mn-cs"/>
-              </a:rPr>
-              <a:t>递减并返回 </a:t>
-            </a:r>
-            <a:r>
-              <a:rPr lang="en-US" altLang="zh-CN" sz="1200" b="0" i="0" kern="1200" dirty="0">
-                <a:solidFill>
-                  <a:schemeClr val="tx1"/>
-                </a:solidFill>
-                <a:effectLst/>
-                <a:latin typeface="+mn-lt"/>
-                <a:ea typeface="+mn-ea"/>
-                <a:cs typeface="+mn-cs"/>
-              </a:rPr>
-              <a:t>y </a:t>
-            </a:r>
-            <a:r>
-              <a:rPr lang="zh-CN" altLang="en-US" sz="1200" b="0" i="0" kern="1200" dirty="0">
-                <a:solidFill>
-                  <a:schemeClr val="tx1"/>
-                </a:solidFill>
-                <a:effectLst/>
-                <a:latin typeface="+mn-lt"/>
-                <a:ea typeface="+mn-ea"/>
-                <a:cs typeface="+mn-cs"/>
-              </a:rPr>
-              <a:t>值。</a:t>
+              <a:t>char</a:t>
             </a:r>
           </a:p>
         </p:txBody>
@@ -4317,7 +4625,7 @@
     </p:spTree>
     <p:extLst>
       <p:ext uri="{BB962C8B-B14F-4D97-AF65-F5344CB8AC3E}">
-        <p14:creationId xmlns:p14="http://schemas.microsoft.com/office/powerpoint/2010/main" val="950640816"/>
+        <p14:creationId xmlns:p14="http://schemas.microsoft.com/office/powerpoint/2010/main" val="1188370901"/>
       </p:ext>
     </p:extLst>
   </p:cSld>
@@ -4381,20 +4689,21 @@
                 <a:ea typeface="+mn-ea"/>
                 <a:cs typeface="+mn-cs"/>
               </a:rPr>
-              <a:t>(a) 'a' </a:t>
-            </a:r>
-            <a:r>
-              <a:rPr lang="zh-CN" altLang="en-US" sz="1200" b="0" i="0" kern="1200" dirty="0">
-                <a:solidFill>
-                  <a:schemeClr val="tx1"/>
-                </a:solidFill>
-                <a:effectLst/>
-                <a:latin typeface="+mn-lt"/>
-                <a:ea typeface="+mn-ea"/>
-                <a:cs typeface="+mn-cs"/>
-              </a:rPr>
-              <a:t>转换为 </a:t>
-            </a:r>
+              <a:t>#include &lt;iostream&gt; </a:t>
+            </a:r>
+          </a:p>
+          <a:p>
+            <a:endParaRPr lang="en-US" altLang="zh-CN" sz="1200" b="0" i="0" kern="1200" dirty="0">
+              <a:solidFill>
+                <a:schemeClr val="tx1"/>
+              </a:solidFill>
+              <a:effectLst/>
+              <a:latin typeface="+mn-lt"/>
+              <a:ea typeface="+mn-ea"/>
+              <a:cs typeface="+mn-cs"/>
+            </a:endParaRPr>
+          </a:p>
+          <a:p>
             <a:r>
               <a:rPr lang="en-US" altLang="zh-CN" sz="1200" b="0" i="0" kern="1200" dirty="0">
                 <a:solidFill>
@@ -4405,20 +4714,21 @@
                 <a:ea typeface="+mn-ea"/>
                 <a:cs typeface="+mn-cs"/>
               </a:rPr>
-              <a:t>int </a:t>
-            </a:r>
-            <a:r>
-              <a:rPr lang="zh-CN" altLang="en-US" sz="1200" b="0" i="0" kern="1200" dirty="0">
-                <a:solidFill>
-                  <a:schemeClr val="tx1"/>
-                </a:solidFill>
-                <a:effectLst/>
-                <a:latin typeface="+mn-lt"/>
-                <a:ea typeface="+mn-ea"/>
-                <a:cs typeface="+mn-cs"/>
-              </a:rPr>
-              <a:t>，然后与 </a:t>
-            </a:r>
+              <a:t>using namespace std;</a:t>
+            </a:r>
+          </a:p>
+          <a:p>
+            <a:endParaRPr lang="en-US" altLang="zh-CN" sz="1200" b="0" i="0" kern="1200" dirty="0">
+              <a:solidFill>
+                <a:schemeClr val="tx1"/>
+              </a:solidFill>
+              <a:effectLst/>
+              <a:latin typeface="+mn-lt"/>
+              <a:ea typeface="+mn-ea"/>
+              <a:cs typeface="+mn-cs"/>
+            </a:endParaRPr>
+          </a:p>
+          <a:p>
             <a:r>
               <a:rPr lang="en-US" altLang="zh-CN" sz="1200" b="0" i="0" kern="1200" dirty="0">
                 <a:solidFill>
@@ -4429,20 +4739,10 @@
                 <a:ea typeface="+mn-ea"/>
                 <a:cs typeface="+mn-cs"/>
               </a:rPr>
-              <a:t>3 </a:t>
-            </a:r>
-            <a:r>
-              <a:rPr lang="zh-CN" altLang="en-US" sz="1200" b="0" i="0" kern="1200" dirty="0">
-                <a:solidFill>
-                  <a:schemeClr val="tx1"/>
-                </a:solidFill>
-                <a:effectLst/>
-                <a:latin typeface="+mn-lt"/>
-                <a:ea typeface="+mn-ea"/>
-                <a:cs typeface="+mn-cs"/>
-              </a:rPr>
-              <a:t>相加的结果转换为 </a:t>
-            </a:r>
+              <a:t>int main()</a:t>
+            </a:r>
+          </a:p>
+          <a:p>
             <a:r>
               <a:rPr lang="en-US" altLang="zh-CN" sz="1200" b="0" i="0" kern="1200" dirty="0">
                 <a:solidFill>
@@ -4453,7 +4753,7 @@
                 <a:ea typeface="+mn-ea"/>
                 <a:cs typeface="+mn-cs"/>
               </a:rPr>
-              <a:t>char</a:t>
+              <a:t>{</a:t>
             </a:r>
           </a:p>
           <a:p>
@@ -4467,7 +4767,7 @@
                 <a:ea typeface="+mn-ea"/>
                 <a:cs typeface="+mn-cs"/>
               </a:rPr>
-              <a:t>(b) </a:t>
+              <a:t>	</a:t>
             </a:r>
             <a:r>
               <a:rPr lang="en-US" altLang="zh-CN" sz="1200" b="0" i="0" kern="1200" dirty="0" err="1">
@@ -4479,7 +4779,7 @@
                 <a:ea typeface="+mn-ea"/>
                 <a:cs typeface="+mn-cs"/>
               </a:rPr>
-              <a:t>ival</a:t>
+              <a:t>cout</a:t>
             </a:r>
             <a:r>
               <a:rPr lang="en-US" altLang="zh-CN" sz="1200" b="0" i="0" kern="1200" dirty="0">
@@ -4491,19 +4791,19 @@
                 <a:ea typeface="+mn-ea"/>
                 <a:cs typeface="+mn-cs"/>
               </a:rPr>
-              <a:t> </a:t>
-            </a:r>
-            <a:r>
-              <a:rPr lang="zh-CN" altLang="en-US" sz="1200" b="0" i="0" kern="1200" dirty="0">
-                <a:solidFill>
-                  <a:schemeClr val="tx1"/>
-                </a:solidFill>
-                <a:effectLst/>
-                <a:latin typeface="+mn-lt"/>
-                <a:ea typeface="+mn-ea"/>
-                <a:cs typeface="+mn-cs"/>
-              </a:rPr>
-              <a:t>转换为 </a:t>
+              <a:t> &lt;&lt; "bool:\t\t" &lt;&lt; </a:t>
+            </a:r>
+            <a:r>
+              <a:rPr lang="en-US" altLang="zh-CN" sz="1200" b="0" i="0" kern="1200" dirty="0" err="1">
+                <a:solidFill>
+                  <a:schemeClr val="tx1"/>
+                </a:solidFill>
+                <a:effectLst/>
+                <a:latin typeface="+mn-lt"/>
+                <a:ea typeface="+mn-ea"/>
+                <a:cs typeface="+mn-cs"/>
+              </a:rPr>
+              <a:t>sizeof</a:t>
             </a:r>
             <a:r>
               <a:rPr lang="en-US" altLang="zh-CN" sz="1200" b="0" i="0" kern="1200" dirty="0">
@@ -4515,19 +4815,32 @@
                 <a:ea typeface="+mn-ea"/>
                 <a:cs typeface="+mn-cs"/>
               </a:rPr>
-              <a:t>double</a:t>
-            </a:r>
-            <a:r>
-              <a:rPr lang="zh-CN" altLang="en-US" sz="1200" b="0" i="0" kern="1200" dirty="0">
-                <a:solidFill>
-                  <a:schemeClr val="tx1"/>
-                </a:solidFill>
-                <a:effectLst/>
-                <a:latin typeface="+mn-lt"/>
-                <a:ea typeface="+mn-ea"/>
-                <a:cs typeface="+mn-cs"/>
-              </a:rPr>
-              <a:t>，</a:t>
+              <a:t>(bool) &lt;&lt; " bytes" &lt;&lt; endl &lt;&lt; endl;</a:t>
+            </a:r>
+          </a:p>
+          <a:p>
+            <a:endParaRPr lang="en-US" altLang="zh-CN" sz="1200" b="0" i="0" kern="1200" dirty="0">
+              <a:solidFill>
+                <a:schemeClr val="tx1"/>
+              </a:solidFill>
+              <a:effectLst/>
+              <a:latin typeface="+mn-lt"/>
+              <a:ea typeface="+mn-ea"/>
+              <a:cs typeface="+mn-cs"/>
+            </a:endParaRPr>
+          </a:p>
+          <a:p>
+            <a:r>
+              <a:rPr lang="en-US" altLang="zh-CN" sz="1200" b="0" i="0" kern="1200" dirty="0">
+                <a:solidFill>
+                  <a:schemeClr val="tx1"/>
+                </a:solidFill>
+                <a:effectLst/>
+                <a:latin typeface="+mn-lt"/>
+                <a:ea typeface="+mn-ea"/>
+                <a:cs typeface="+mn-cs"/>
+              </a:rPr>
+              <a:t>	</a:t>
             </a:r>
             <a:r>
               <a:rPr lang="en-US" altLang="zh-CN" sz="1200" b="0" i="0" kern="1200" dirty="0" err="1">
@@ -4539,7 +4852,7 @@
                 <a:ea typeface="+mn-ea"/>
                 <a:cs typeface="+mn-cs"/>
               </a:rPr>
-              <a:t>ui</a:t>
+              <a:t>cout</a:t>
             </a:r>
             <a:r>
               <a:rPr lang="en-US" altLang="zh-CN" sz="1200" b="0" i="0" kern="1200" dirty="0">
@@ -4551,19 +4864,19 @@
                 <a:ea typeface="+mn-ea"/>
                 <a:cs typeface="+mn-cs"/>
               </a:rPr>
-              <a:t> </a:t>
-            </a:r>
-            <a:r>
-              <a:rPr lang="zh-CN" altLang="en-US" sz="1200" b="0" i="0" kern="1200" dirty="0">
-                <a:solidFill>
-                  <a:schemeClr val="tx1"/>
-                </a:solidFill>
-                <a:effectLst/>
-                <a:latin typeface="+mn-lt"/>
-                <a:ea typeface="+mn-ea"/>
-                <a:cs typeface="+mn-cs"/>
-              </a:rPr>
-              <a:t>转换为 </a:t>
+              <a:t> &lt;&lt; "char:\t\t" &lt;&lt; </a:t>
+            </a:r>
+            <a:r>
+              <a:rPr lang="en-US" altLang="zh-CN" sz="1200" b="0" i="0" kern="1200" dirty="0" err="1">
+                <a:solidFill>
+                  <a:schemeClr val="tx1"/>
+                </a:solidFill>
+                <a:effectLst/>
+                <a:latin typeface="+mn-lt"/>
+                <a:ea typeface="+mn-ea"/>
+                <a:cs typeface="+mn-cs"/>
+              </a:rPr>
+              <a:t>sizeof</a:t>
             </a:r>
             <a:r>
               <a:rPr lang="en-US" altLang="zh-CN" sz="1200" b="0" i="0" kern="1200" dirty="0">
@@ -4575,20 +4888,10 @@
                 <a:ea typeface="+mn-ea"/>
                 <a:cs typeface="+mn-cs"/>
               </a:rPr>
-              <a:t>double</a:t>
-            </a:r>
-            <a:r>
-              <a:rPr lang="zh-CN" altLang="en-US" sz="1200" b="0" i="0" kern="1200" dirty="0">
-                <a:solidFill>
-                  <a:schemeClr val="tx1"/>
-                </a:solidFill>
-                <a:effectLst/>
-                <a:latin typeface="+mn-lt"/>
-                <a:ea typeface="+mn-ea"/>
-                <a:cs typeface="+mn-cs"/>
-              </a:rPr>
-              <a:t>，结果转换为 </a:t>
-            </a:r>
+              <a:t>(char) &lt;&lt; " bytes" &lt;&lt; endl;</a:t>
+            </a:r>
+          </a:p>
+          <a:p>
             <a:r>
               <a:rPr lang="en-US" altLang="zh-CN" sz="1200" b="0" i="0" kern="1200" dirty="0">
                 <a:solidFill>
@@ -4599,10 +4902,20 @@
                 <a:ea typeface="+mn-ea"/>
                 <a:cs typeface="+mn-cs"/>
               </a:rPr>
-              <a:t>float</a:t>
-            </a:r>
-          </a:p>
-          <a:p>
+              <a:t>	</a:t>
+            </a:r>
+            <a:r>
+              <a:rPr lang="en-US" altLang="zh-CN" sz="1200" b="0" i="0" kern="1200" dirty="0" err="1">
+                <a:solidFill>
+                  <a:schemeClr val="tx1"/>
+                </a:solidFill>
+                <a:effectLst/>
+                <a:latin typeface="+mn-lt"/>
+                <a:ea typeface="+mn-ea"/>
+                <a:cs typeface="+mn-cs"/>
+              </a:rPr>
+              <a:t>cout</a:t>
+            </a:r>
             <a:r>
               <a:rPr lang="en-US" altLang="zh-CN" sz="1200" b="0" i="0" kern="1200" dirty="0">
                 <a:solidFill>
@@ -4613,7 +4926,7 @@
                 <a:ea typeface="+mn-ea"/>
                 <a:cs typeface="+mn-cs"/>
               </a:rPr>
-              <a:t>(c) </a:t>
+              <a:t> &lt;&lt; "</a:t>
             </a:r>
             <a:r>
               <a:rPr lang="en-US" altLang="zh-CN" sz="1200" b="0" i="0" kern="1200" dirty="0" err="1">
@@ -4625,7 +4938,7 @@
                 <a:ea typeface="+mn-ea"/>
                 <a:cs typeface="+mn-cs"/>
               </a:rPr>
-              <a:t>ui</a:t>
+              <a:t>wchar_t</a:t>
             </a:r>
             <a:r>
               <a:rPr lang="en-US" altLang="zh-CN" sz="1200" b="0" i="0" kern="1200" dirty="0">
@@ -4637,19 +4950,19 @@
                 <a:ea typeface="+mn-ea"/>
                 <a:cs typeface="+mn-cs"/>
               </a:rPr>
-              <a:t> </a:t>
-            </a:r>
-            <a:r>
-              <a:rPr lang="zh-CN" altLang="en-US" sz="1200" b="0" i="0" kern="1200" dirty="0">
-                <a:solidFill>
-                  <a:schemeClr val="tx1"/>
-                </a:solidFill>
-                <a:effectLst/>
-                <a:latin typeface="+mn-lt"/>
-                <a:ea typeface="+mn-ea"/>
-                <a:cs typeface="+mn-cs"/>
-              </a:rPr>
-              <a:t>转换为 </a:t>
+              <a:t>:\t" &lt;&lt; </a:t>
+            </a:r>
+            <a:r>
+              <a:rPr lang="en-US" altLang="zh-CN" sz="1200" b="0" i="0" kern="1200" dirty="0" err="1">
+                <a:solidFill>
+                  <a:schemeClr val="tx1"/>
+                </a:solidFill>
+                <a:effectLst/>
+                <a:latin typeface="+mn-lt"/>
+                <a:ea typeface="+mn-ea"/>
+                <a:cs typeface="+mn-cs"/>
+              </a:rPr>
+              <a:t>sizeof</a:t>
             </a:r>
             <a:r>
               <a:rPr lang="en-US" altLang="zh-CN" sz="1200" b="0" i="0" kern="1200" dirty="0">
@@ -4661,19 +4974,19 @@
                 <a:ea typeface="+mn-ea"/>
                 <a:cs typeface="+mn-cs"/>
               </a:rPr>
-              <a:t>float</a:t>
-            </a:r>
-            <a:r>
-              <a:rPr lang="zh-CN" altLang="en-US" sz="1200" b="0" i="0" kern="1200" dirty="0">
-                <a:solidFill>
-                  <a:schemeClr val="tx1"/>
-                </a:solidFill>
-                <a:effectLst/>
-                <a:latin typeface="+mn-lt"/>
-                <a:ea typeface="+mn-ea"/>
-                <a:cs typeface="+mn-cs"/>
-              </a:rPr>
-              <a:t>，结果转换为 </a:t>
+              <a:t>(</a:t>
+            </a:r>
+            <a:r>
+              <a:rPr lang="en-US" altLang="zh-CN" sz="1200" b="0" i="0" kern="1200" dirty="0" err="1">
+                <a:solidFill>
+                  <a:schemeClr val="tx1"/>
+                </a:solidFill>
+                <a:effectLst/>
+                <a:latin typeface="+mn-lt"/>
+                <a:ea typeface="+mn-ea"/>
+                <a:cs typeface="+mn-cs"/>
+              </a:rPr>
+              <a:t>wchar_t</a:t>
             </a:r>
             <a:r>
               <a:rPr lang="en-US" altLang="zh-CN" sz="1200" b="0" i="0" kern="1200" dirty="0">
@@ -4685,7 +4998,7 @@
                 <a:ea typeface="+mn-ea"/>
                 <a:cs typeface="+mn-cs"/>
               </a:rPr>
-              <a:t>double</a:t>
+              <a:t>) &lt;&lt; " bytes" &lt;&lt; endl;</a:t>
             </a:r>
           </a:p>
           <a:p>
@@ -4699,7 +5012,7 @@
                 <a:ea typeface="+mn-ea"/>
                 <a:cs typeface="+mn-cs"/>
               </a:rPr>
-              <a:t>(d) </a:t>
+              <a:t>	</a:t>
             </a:r>
             <a:r>
               <a:rPr lang="en-US" altLang="zh-CN" sz="1200" b="0" i="0" kern="1200" dirty="0" err="1">
@@ -4711,7 +5024,7 @@
                 <a:ea typeface="+mn-ea"/>
                 <a:cs typeface="+mn-cs"/>
               </a:rPr>
-              <a:t>ival</a:t>
+              <a:t>cout</a:t>
             </a:r>
             <a:r>
               <a:rPr lang="en-US" altLang="zh-CN" sz="1200" b="0" i="0" kern="1200" dirty="0">
@@ -4723,19 +5036,19 @@
                 <a:ea typeface="+mn-ea"/>
                 <a:cs typeface="+mn-cs"/>
               </a:rPr>
-              <a:t> </a:t>
-            </a:r>
-            <a:r>
-              <a:rPr lang="zh-CN" altLang="en-US" sz="1200" b="0" i="0" kern="1200" dirty="0">
-                <a:solidFill>
-                  <a:schemeClr val="tx1"/>
-                </a:solidFill>
-                <a:effectLst/>
-                <a:latin typeface="+mn-lt"/>
-                <a:ea typeface="+mn-ea"/>
-                <a:cs typeface="+mn-cs"/>
-              </a:rPr>
-              <a:t>转换为 </a:t>
+              <a:t> &lt;&lt; "char16_t:\t" &lt;&lt; </a:t>
+            </a:r>
+            <a:r>
+              <a:rPr lang="en-US" altLang="zh-CN" sz="1200" b="0" i="0" kern="1200" dirty="0" err="1">
+                <a:solidFill>
+                  <a:schemeClr val="tx1"/>
+                </a:solidFill>
+                <a:effectLst/>
+                <a:latin typeface="+mn-lt"/>
+                <a:ea typeface="+mn-ea"/>
+                <a:cs typeface="+mn-cs"/>
+              </a:rPr>
+              <a:t>sizeof</a:t>
             </a:r>
             <a:r>
               <a:rPr lang="en-US" altLang="zh-CN" sz="1200" b="0" i="0" kern="1200" dirty="0">
@@ -4747,19 +5060,21 @@
                 <a:ea typeface="+mn-ea"/>
                 <a:cs typeface="+mn-cs"/>
               </a:rPr>
-              <a:t>float</a:t>
-            </a:r>
-            <a:r>
-              <a:rPr lang="zh-CN" altLang="en-US" sz="1200" b="0" i="0" kern="1200" dirty="0">
-                <a:solidFill>
-                  <a:schemeClr val="tx1"/>
-                </a:solidFill>
-                <a:effectLst/>
-                <a:latin typeface="+mn-lt"/>
-                <a:ea typeface="+mn-ea"/>
-                <a:cs typeface="+mn-cs"/>
-              </a:rPr>
-              <a:t>，与</a:t>
+              <a:t>(char16_t) &lt;&lt; " bytes" &lt;&lt; endl;</a:t>
+            </a:r>
+          </a:p>
+          <a:p>
+            <a:r>
+              <a:rPr lang="en-US" altLang="zh-CN" sz="1200" b="0" i="0" kern="1200" dirty="0">
+                <a:solidFill>
+                  <a:schemeClr val="tx1"/>
+                </a:solidFill>
+                <a:effectLst/>
+                <a:latin typeface="+mn-lt"/>
+                <a:ea typeface="+mn-ea"/>
+                <a:cs typeface="+mn-cs"/>
+              </a:rPr>
+              <a:t>	</a:t>
             </a:r>
             <a:r>
               <a:rPr lang="en-US" altLang="zh-CN" sz="1200" b="0" i="0" kern="1200" dirty="0" err="1">
@@ -4771,19 +5086,7 @@
                 <a:ea typeface="+mn-ea"/>
                 <a:cs typeface="+mn-cs"/>
               </a:rPr>
-              <a:t>fval</a:t>
-            </a:r>
-            <a:r>
-              <a:rPr lang="zh-CN" altLang="en-US" sz="1200" b="0" i="0" kern="1200" dirty="0">
-                <a:solidFill>
-                  <a:schemeClr val="tx1"/>
-                </a:solidFill>
-                <a:effectLst/>
-                <a:latin typeface="+mn-lt"/>
-                <a:ea typeface="+mn-ea"/>
-                <a:cs typeface="+mn-cs"/>
-              </a:rPr>
-              <a:t>相加后的结果转换为 </a:t>
+              <a:t>cout</a:t>
             </a:r>
             <a:r>
               <a:rPr lang="en-US" altLang="zh-CN" sz="1200" b="0" i="0" kern="1200" dirty="0">
@@ -4795,19 +5098,19 @@
                 <a:ea typeface="+mn-ea"/>
                 <a:cs typeface="+mn-cs"/>
               </a:rPr>
-              <a:t>double</a:t>
-            </a:r>
-            <a:r>
-              <a:rPr lang="zh-CN" altLang="en-US" sz="1200" b="0" i="0" kern="1200" dirty="0">
-                <a:solidFill>
-                  <a:schemeClr val="tx1"/>
-                </a:solidFill>
-                <a:effectLst/>
-                <a:latin typeface="+mn-lt"/>
-                <a:ea typeface="+mn-ea"/>
-                <a:cs typeface="+mn-cs"/>
-              </a:rPr>
-              <a:t>，最后的结果转换为</a:t>
+              <a:t> &lt;&lt; "char32_t:\t" &lt;&lt; </a:t>
+            </a:r>
+            <a:r>
+              <a:rPr lang="en-US" altLang="zh-CN" sz="1200" b="0" i="0" kern="1200" dirty="0" err="1">
+                <a:solidFill>
+                  <a:schemeClr val="tx1"/>
+                </a:solidFill>
+                <a:effectLst/>
+                <a:latin typeface="+mn-lt"/>
+                <a:ea typeface="+mn-ea"/>
+                <a:cs typeface="+mn-cs"/>
+              </a:rPr>
+              <a:t>sizeof</a:t>
             </a:r>
             <a:r>
               <a:rPr lang="en-US" altLang="zh-CN" sz="1200" b="0" i="0" kern="1200" dirty="0">
@@ -4819,8 +5122,512 @@
                 <a:ea typeface="+mn-ea"/>
                 <a:cs typeface="+mn-cs"/>
               </a:rPr>
-              <a:t>char</a:t>
-            </a:r>
+              <a:t>(char32_t) &lt;&lt; " bytes" &lt;&lt; endl &lt;&lt; endl;</a:t>
+            </a:r>
+          </a:p>
+          <a:p>
+            <a:endParaRPr lang="en-US" altLang="zh-CN" sz="1200" b="0" i="0" kern="1200" dirty="0">
+              <a:solidFill>
+                <a:schemeClr val="tx1"/>
+              </a:solidFill>
+              <a:effectLst/>
+              <a:latin typeface="+mn-lt"/>
+              <a:ea typeface="+mn-ea"/>
+              <a:cs typeface="+mn-cs"/>
+            </a:endParaRPr>
+          </a:p>
+          <a:p>
+            <a:r>
+              <a:rPr lang="en-US" altLang="zh-CN" sz="1200" b="0" i="0" kern="1200" dirty="0">
+                <a:solidFill>
+                  <a:schemeClr val="tx1"/>
+                </a:solidFill>
+                <a:effectLst/>
+                <a:latin typeface="+mn-lt"/>
+                <a:ea typeface="+mn-ea"/>
+                <a:cs typeface="+mn-cs"/>
+              </a:rPr>
+              <a:t>	</a:t>
+            </a:r>
+            <a:r>
+              <a:rPr lang="en-US" altLang="zh-CN" sz="1200" b="0" i="0" kern="1200" dirty="0" err="1">
+                <a:solidFill>
+                  <a:schemeClr val="tx1"/>
+                </a:solidFill>
+                <a:effectLst/>
+                <a:latin typeface="+mn-lt"/>
+                <a:ea typeface="+mn-ea"/>
+                <a:cs typeface="+mn-cs"/>
+              </a:rPr>
+              <a:t>cout</a:t>
+            </a:r>
+            <a:r>
+              <a:rPr lang="en-US" altLang="zh-CN" sz="1200" b="0" i="0" kern="1200" dirty="0">
+                <a:solidFill>
+                  <a:schemeClr val="tx1"/>
+                </a:solidFill>
+                <a:effectLst/>
+                <a:latin typeface="+mn-lt"/>
+                <a:ea typeface="+mn-ea"/>
+                <a:cs typeface="+mn-cs"/>
+              </a:rPr>
+              <a:t> &lt;&lt; "short:\t\t" &lt;&lt; </a:t>
+            </a:r>
+            <a:r>
+              <a:rPr lang="en-US" altLang="zh-CN" sz="1200" b="0" i="0" kern="1200" dirty="0" err="1">
+                <a:solidFill>
+                  <a:schemeClr val="tx1"/>
+                </a:solidFill>
+                <a:effectLst/>
+                <a:latin typeface="+mn-lt"/>
+                <a:ea typeface="+mn-ea"/>
+                <a:cs typeface="+mn-cs"/>
+              </a:rPr>
+              <a:t>sizeof</a:t>
+            </a:r>
+            <a:r>
+              <a:rPr lang="en-US" altLang="zh-CN" sz="1200" b="0" i="0" kern="1200" dirty="0">
+                <a:solidFill>
+                  <a:schemeClr val="tx1"/>
+                </a:solidFill>
+                <a:effectLst/>
+                <a:latin typeface="+mn-lt"/>
+                <a:ea typeface="+mn-ea"/>
+                <a:cs typeface="+mn-cs"/>
+              </a:rPr>
+              <a:t>(short) &lt;&lt; " bytes" &lt;&lt; endl;</a:t>
+            </a:r>
+          </a:p>
+          <a:p>
+            <a:r>
+              <a:rPr lang="en-US" altLang="zh-CN" sz="1200" b="0" i="0" kern="1200" dirty="0">
+                <a:solidFill>
+                  <a:schemeClr val="tx1"/>
+                </a:solidFill>
+                <a:effectLst/>
+                <a:latin typeface="+mn-lt"/>
+                <a:ea typeface="+mn-ea"/>
+                <a:cs typeface="+mn-cs"/>
+              </a:rPr>
+              <a:t>	</a:t>
+            </a:r>
+            <a:r>
+              <a:rPr lang="en-US" altLang="zh-CN" sz="1200" b="0" i="0" kern="1200" dirty="0" err="1">
+                <a:solidFill>
+                  <a:schemeClr val="tx1"/>
+                </a:solidFill>
+                <a:effectLst/>
+                <a:latin typeface="+mn-lt"/>
+                <a:ea typeface="+mn-ea"/>
+                <a:cs typeface="+mn-cs"/>
+              </a:rPr>
+              <a:t>cout</a:t>
+            </a:r>
+            <a:r>
+              <a:rPr lang="en-US" altLang="zh-CN" sz="1200" b="0" i="0" kern="1200" dirty="0">
+                <a:solidFill>
+                  <a:schemeClr val="tx1"/>
+                </a:solidFill>
+                <a:effectLst/>
+                <a:latin typeface="+mn-lt"/>
+                <a:ea typeface="+mn-ea"/>
+                <a:cs typeface="+mn-cs"/>
+              </a:rPr>
+              <a:t> &lt;&lt; "int:\t\t" &lt;&lt; </a:t>
+            </a:r>
+            <a:r>
+              <a:rPr lang="en-US" altLang="zh-CN" sz="1200" b="0" i="0" kern="1200" dirty="0" err="1">
+                <a:solidFill>
+                  <a:schemeClr val="tx1"/>
+                </a:solidFill>
+                <a:effectLst/>
+                <a:latin typeface="+mn-lt"/>
+                <a:ea typeface="+mn-ea"/>
+                <a:cs typeface="+mn-cs"/>
+              </a:rPr>
+              <a:t>sizeof</a:t>
+            </a:r>
+            <a:r>
+              <a:rPr lang="en-US" altLang="zh-CN" sz="1200" b="0" i="0" kern="1200" dirty="0">
+                <a:solidFill>
+                  <a:schemeClr val="tx1"/>
+                </a:solidFill>
+                <a:effectLst/>
+                <a:latin typeface="+mn-lt"/>
+                <a:ea typeface="+mn-ea"/>
+                <a:cs typeface="+mn-cs"/>
+              </a:rPr>
+              <a:t>(int) &lt;&lt; " bytes" &lt;&lt; endl;</a:t>
+            </a:r>
+          </a:p>
+          <a:p>
+            <a:r>
+              <a:rPr lang="en-US" altLang="zh-CN" sz="1200" b="0" i="0" kern="1200" dirty="0">
+                <a:solidFill>
+                  <a:schemeClr val="tx1"/>
+                </a:solidFill>
+                <a:effectLst/>
+                <a:latin typeface="+mn-lt"/>
+                <a:ea typeface="+mn-ea"/>
+                <a:cs typeface="+mn-cs"/>
+              </a:rPr>
+              <a:t>	</a:t>
+            </a:r>
+            <a:r>
+              <a:rPr lang="en-US" altLang="zh-CN" sz="1200" b="0" i="0" kern="1200" dirty="0" err="1">
+                <a:solidFill>
+                  <a:schemeClr val="tx1"/>
+                </a:solidFill>
+                <a:effectLst/>
+                <a:latin typeface="+mn-lt"/>
+                <a:ea typeface="+mn-ea"/>
+                <a:cs typeface="+mn-cs"/>
+              </a:rPr>
+              <a:t>cout</a:t>
+            </a:r>
+            <a:r>
+              <a:rPr lang="en-US" altLang="zh-CN" sz="1200" b="0" i="0" kern="1200" dirty="0">
+                <a:solidFill>
+                  <a:schemeClr val="tx1"/>
+                </a:solidFill>
+                <a:effectLst/>
+                <a:latin typeface="+mn-lt"/>
+                <a:ea typeface="+mn-ea"/>
+                <a:cs typeface="+mn-cs"/>
+              </a:rPr>
+              <a:t> &lt;&lt; "long:\t\t" &lt;&lt; </a:t>
+            </a:r>
+            <a:r>
+              <a:rPr lang="en-US" altLang="zh-CN" sz="1200" b="0" i="0" kern="1200" dirty="0" err="1">
+                <a:solidFill>
+                  <a:schemeClr val="tx1"/>
+                </a:solidFill>
+                <a:effectLst/>
+                <a:latin typeface="+mn-lt"/>
+                <a:ea typeface="+mn-ea"/>
+                <a:cs typeface="+mn-cs"/>
+              </a:rPr>
+              <a:t>sizeof</a:t>
+            </a:r>
+            <a:r>
+              <a:rPr lang="en-US" altLang="zh-CN" sz="1200" b="0" i="0" kern="1200" dirty="0">
+                <a:solidFill>
+                  <a:schemeClr val="tx1"/>
+                </a:solidFill>
+                <a:effectLst/>
+                <a:latin typeface="+mn-lt"/>
+                <a:ea typeface="+mn-ea"/>
+                <a:cs typeface="+mn-cs"/>
+              </a:rPr>
+              <a:t>(long) &lt;&lt; " bytes" &lt;&lt; endl;</a:t>
+            </a:r>
+          </a:p>
+          <a:p>
+            <a:r>
+              <a:rPr lang="en-US" altLang="zh-CN" sz="1200" b="0" i="0" kern="1200" dirty="0">
+                <a:solidFill>
+                  <a:schemeClr val="tx1"/>
+                </a:solidFill>
+                <a:effectLst/>
+                <a:latin typeface="+mn-lt"/>
+                <a:ea typeface="+mn-ea"/>
+                <a:cs typeface="+mn-cs"/>
+              </a:rPr>
+              <a:t>	</a:t>
+            </a:r>
+            <a:r>
+              <a:rPr lang="en-US" altLang="zh-CN" sz="1200" b="0" i="0" kern="1200" dirty="0" err="1">
+                <a:solidFill>
+                  <a:schemeClr val="tx1"/>
+                </a:solidFill>
+                <a:effectLst/>
+                <a:latin typeface="+mn-lt"/>
+                <a:ea typeface="+mn-ea"/>
+                <a:cs typeface="+mn-cs"/>
+              </a:rPr>
+              <a:t>cout</a:t>
+            </a:r>
+            <a:r>
+              <a:rPr lang="en-US" altLang="zh-CN" sz="1200" b="0" i="0" kern="1200" dirty="0">
+                <a:solidFill>
+                  <a:schemeClr val="tx1"/>
+                </a:solidFill>
+                <a:effectLst/>
+                <a:latin typeface="+mn-lt"/>
+                <a:ea typeface="+mn-ea"/>
+                <a:cs typeface="+mn-cs"/>
+              </a:rPr>
+              <a:t> &lt;&lt; "long long:\t" &lt;&lt; </a:t>
+            </a:r>
+            <a:r>
+              <a:rPr lang="en-US" altLang="zh-CN" sz="1200" b="0" i="0" kern="1200" dirty="0" err="1">
+                <a:solidFill>
+                  <a:schemeClr val="tx1"/>
+                </a:solidFill>
+                <a:effectLst/>
+                <a:latin typeface="+mn-lt"/>
+                <a:ea typeface="+mn-ea"/>
+                <a:cs typeface="+mn-cs"/>
+              </a:rPr>
+              <a:t>sizeof</a:t>
+            </a:r>
+            <a:r>
+              <a:rPr lang="en-US" altLang="zh-CN" sz="1200" b="0" i="0" kern="1200" dirty="0">
+                <a:solidFill>
+                  <a:schemeClr val="tx1"/>
+                </a:solidFill>
+                <a:effectLst/>
+                <a:latin typeface="+mn-lt"/>
+                <a:ea typeface="+mn-ea"/>
+                <a:cs typeface="+mn-cs"/>
+              </a:rPr>
+              <a:t>(long long) &lt;&lt; " bytes" &lt;&lt; endl &lt;&lt; endl;</a:t>
+            </a:r>
+          </a:p>
+          <a:p>
+            <a:endParaRPr lang="en-US" altLang="zh-CN" sz="1200" b="0" i="0" kern="1200" dirty="0">
+              <a:solidFill>
+                <a:schemeClr val="tx1"/>
+              </a:solidFill>
+              <a:effectLst/>
+              <a:latin typeface="+mn-lt"/>
+              <a:ea typeface="+mn-ea"/>
+              <a:cs typeface="+mn-cs"/>
+            </a:endParaRPr>
+          </a:p>
+          <a:p>
+            <a:r>
+              <a:rPr lang="en-US" altLang="zh-CN" sz="1200" b="0" i="0" kern="1200" dirty="0">
+                <a:solidFill>
+                  <a:schemeClr val="tx1"/>
+                </a:solidFill>
+                <a:effectLst/>
+                <a:latin typeface="+mn-lt"/>
+                <a:ea typeface="+mn-ea"/>
+                <a:cs typeface="+mn-cs"/>
+              </a:rPr>
+              <a:t>	</a:t>
+            </a:r>
+            <a:r>
+              <a:rPr lang="en-US" altLang="zh-CN" sz="1200" b="0" i="0" kern="1200" dirty="0" err="1">
+                <a:solidFill>
+                  <a:schemeClr val="tx1"/>
+                </a:solidFill>
+                <a:effectLst/>
+                <a:latin typeface="+mn-lt"/>
+                <a:ea typeface="+mn-ea"/>
+                <a:cs typeface="+mn-cs"/>
+              </a:rPr>
+              <a:t>cout</a:t>
+            </a:r>
+            <a:r>
+              <a:rPr lang="en-US" altLang="zh-CN" sz="1200" b="0" i="0" kern="1200" dirty="0">
+                <a:solidFill>
+                  <a:schemeClr val="tx1"/>
+                </a:solidFill>
+                <a:effectLst/>
+                <a:latin typeface="+mn-lt"/>
+                <a:ea typeface="+mn-ea"/>
+                <a:cs typeface="+mn-cs"/>
+              </a:rPr>
+              <a:t> &lt;&lt; "float:\t\t" &lt;&lt; </a:t>
+            </a:r>
+            <a:r>
+              <a:rPr lang="en-US" altLang="zh-CN" sz="1200" b="0" i="0" kern="1200" dirty="0" err="1">
+                <a:solidFill>
+                  <a:schemeClr val="tx1"/>
+                </a:solidFill>
+                <a:effectLst/>
+                <a:latin typeface="+mn-lt"/>
+                <a:ea typeface="+mn-ea"/>
+                <a:cs typeface="+mn-cs"/>
+              </a:rPr>
+              <a:t>sizeof</a:t>
+            </a:r>
+            <a:r>
+              <a:rPr lang="en-US" altLang="zh-CN" sz="1200" b="0" i="0" kern="1200" dirty="0">
+                <a:solidFill>
+                  <a:schemeClr val="tx1"/>
+                </a:solidFill>
+                <a:effectLst/>
+                <a:latin typeface="+mn-lt"/>
+                <a:ea typeface="+mn-ea"/>
+                <a:cs typeface="+mn-cs"/>
+              </a:rPr>
+              <a:t>(float) &lt;&lt; " bytes" &lt;&lt; endl;</a:t>
+            </a:r>
+          </a:p>
+          <a:p>
+            <a:r>
+              <a:rPr lang="en-US" altLang="zh-CN" sz="1200" b="0" i="0" kern="1200" dirty="0">
+                <a:solidFill>
+                  <a:schemeClr val="tx1"/>
+                </a:solidFill>
+                <a:effectLst/>
+                <a:latin typeface="+mn-lt"/>
+                <a:ea typeface="+mn-ea"/>
+                <a:cs typeface="+mn-cs"/>
+              </a:rPr>
+              <a:t>	</a:t>
+            </a:r>
+            <a:r>
+              <a:rPr lang="en-US" altLang="zh-CN" sz="1200" b="0" i="0" kern="1200" dirty="0" err="1">
+                <a:solidFill>
+                  <a:schemeClr val="tx1"/>
+                </a:solidFill>
+                <a:effectLst/>
+                <a:latin typeface="+mn-lt"/>
+                <a:ea typeface="+mn-ea"/>
+                <a:cs typeface="+mn-cs"/>
+              </a:rPr>
+              <a:t>cout</a:t>
+            </a:r>
+            <a:r>
+              <a:rPr lang="en-US" altLang="zh-CN" sz="1200" b="0" i="0" kern="1200" dirty="0">
+                <a:solidFill>
+                  <a:schemeClr val="tx1"/>
+                </a:solidFill>
+                <a:effectLst/>
+                <a:latin typeface="+mn-lt"/>
+                <a:ea typeface="+mn-ea"/>
+                <a:cs typeface="+mn-cs"/>
+              </a:rPr>
+              <a:t> &lt;&lt; "double:\t\t" &lt;&lt; </a:t>
+            </a:r>
+            <a:r>
+              <a:rPr lang="en-US" altLang="zh-CN" sz="1200" b="0" i="0" kern="1200" dirty="0" err="1">
+                <a:solidFill>
+                  <a:schemeClr val="tx1"/>
+                </a:solidFill>
+                <a:effectLst/>
+                <a:latin typeface="+mn-lt"/>
+                <a:ea typeface="+mn-ea"/>
+                <a:cs typeface="+mn-cs"/>
+              </a:rPr>
+              <a:t>sizeof</a:t>
+            </a:r>
+            <a:r>
+              <a:rPr lang="en-US" altLang="zh-CN" sz="1200" b="0" i="0" kern="1200" dirty="0">
+                <a:solidFill>
+                  <a:schemeClr val="tx1"/>
+                </a:solidFill>
+                <a:effectLst/>
+                <a:latin typeface="+mn-lt"/>
+                <a:ea typeface="+mn-ea"/>
+                <a:cs typeface="+mn-cs"/>
+              </a:rPr>
+              <a:t>(double) &lt;&lt; " bytes" &lt;&lt; endl;</a:t>
+            </a:r>
+          </a:p>
+          <a:p>
+            <a:r>
+              <a:rPr lang="en-US" altLang="zh-CN" sz="1200" b="0" i="0" kern="1200" dirty="0">
+                <a:solidFill>
+                  <a:schemeClr val="tx1"/>
+                </a:solidFill>
+                <a:effectLst/>
+                <a:latin typeface="+mn-lt"/>
+                <a:ea typeface="+mn-ea"/>
+                <a:cs typeface="+mn-cs"/>
+              </a:rPr>
+              <a:t>	</a:t>
+            </a:r>
+            <a:r>
+              <a:rPr lang="en-US" altLang="zh-CN" sz="1200" b="0" i="0" kern="1200" dirty="0" err="1">
+                <a:solidFill>
+                  <a:schemeClr val="tx1"/>
+                </a:solidFill>
+                <a:effectLst/>
+                <a:latin typeface="+mn-lt"/>
+                <a:ea typeface="+mn-ea"/>
+                <a:cs typeface="+mn-cs"/>
+              </a:rPr>
+              <a:t>cout</a:t>
+            </a:r>
+            <a:r>
+              <a:rPr lang="en-US" altLang="zh-CN" sz="1200" b="0" i="0" kern="1200" dirty="0">
+                <a:solidFill>
+                  <a:schemeClr val="tx1"/>
+                </a:solidFill>
+                <a:effectLst/>
+                <a:latin typeface="+mn-lt"/>
+                <a:ea typeface="+mn-ea"/>
+                <a:cs typeface="+mn-cs"/>
+              </a:rPr>
+              <a:t> &lt;&lt; "long double:\t" &lt;&lt; </a:t>
+            </a:r>
+            <a:r>
+              <a:rPr lang="en-US" altLang="zh-CN" sz="1200" b="0" i="0" kern="1200" dirty="0" err="1">
+                <a:solidFill>
+                  <a:schemeClr val="tx1"/>
+                </a:solidFill>
+                <a:effectLst/>
+                <a:latin typeface="+mn-lt"/>
+                <a:ea typeface="+mn-ea"/>
+                <a:cs typeface="+mn-cs"/>
+              </a:rPr>
+              <a:t>sizeof</a:t>
+            </a:r>
+            <a:r>
+              <a:rPr lang="en-US" altLang="zh-CN" sz="1200" b="0" i="0" kern="1200" dirty="0">
+                <a:solidFill>
+                  <a:schemeClr val="tx1"/>
+                </a:solidFill>
+                <a:effectLst/>
+                <a:latin typeface="+mn-lt"/>
+                <a:ea typeface="+mn-ea"/>
+                <a:cs typeface="+mn-cs"/>
+              </a:rPr>
+              <a:t>(long double) &lt;&lt; " bytes" &lt;&lt; endl &lt;&lt; endl;</a:t>
+            </a:r>
+          </a:p>
+          <a:p>
+            <a:endParaRPr lang="en-US" altLang="zh-CN" sz="1200" b="0" i="0" kern="1200" dirty="0">
+              <a:solidFill>
+                <a:schemeClr val="tx1"/>
+              </a:solidFill>
+              <a:effectLst/>
+              <a:latin typeface="+mn-lt"/>
+              <a:ea typeface="+mn-ea"/>
+              <a:cs typeface="+mn-cs"/>
+            </a:endParaRPr>
+          </a:p>
+          <a:p>
+            <a:r>
+              <a:rPr lang="en-US" altLang="zh-CN" sz="1200" b="0" i="0" kern="1200" dirty="0">
+                <a:solidFill>
+                  <a:schemeClr val="tx1"/>
+                </a:solidFill>
+                <a:effectLst/>
+                <a:latin typeface="+mn-lt"/>
+                <a:ea typeface="+mn-ea"/>
+                <a:cs typeface="+mn-cs"/>
+              </a:rPr>
+              <a:t>	return 0;</a:t>
+            </a:r>
+          </a:p>
+          <a:p>
+            <a:r>
+              <a:rPr lang="en-US" altLang="zh-CN" sz="1200" b="0" i="0" kern="1200" dirty="0">
+                <a:solidFill>
+                  <a:schemeClr val="tx1"/>
+                </a:solidFill>
+                <a:effectLst/>
+                <a:latin typeface="+mn-lt"/>
+                <a:ea typeface="+mn-ea"/>
+                <a:cs typeface="+mn-cs"/>
+              </a:rPr>
+              <a:t>}</a:t>
+            </a:r>
+            <a:endParaRPr lang="zh-CN" altLang="en-US" sz="1200" b="0" i="0" kern="1200" dirty="0">
+              <a:solidFill>
+                <a:schemeClr val="tx1"/>
+              </a:solidFill>
+              <a:effectLst/>
+              <a:latin typeface="+mn-lt"/>
+              <a:ea typeface="+mn-ea"/>
+              <a:cs typeface="+mn-cs"/>
+            </a:endParaRPr>
           </a:p>
         </p:txBody>
       </p:sp>
@@ -4850,7 +5657,7 @@
     </p:spTree>
     <p:extLst>
       <p:ext uri="{BB962C8B-B14F-4D97-AF65-F5344CB8AC3E}">
-        <p14:creationId xmlns:p14="http://schemas.microsoft.com/office/powerpoint/2010/main" val="1188370901"/>
+        <p14:creationId xmlns:p14="http://schemas.microsoft.com/office/powerpoint/2010/main" val="1134353981"/>
       </p:ext>
     </p:extLst>
   </p:cSld>
@@ -4905,954 +5712,17 @@
           <a:lstStyle/>
           <a:p>
             <a:r>
-              <a:rPr lang="en-US" altLang="zh-CN" sz="1200" b="0" i="0" kern="1200" dirty="0">
-                <a:solidFill>
-                  <a:schemeClr val="tx1"/>
-                </a:solidFill>
-                <a:effectLst/>
-                <a:latin typeface="+mn-lt"/>
-                <a:ea typeface="+mn-ea"/>
-                <a:cs typeface="+mn-cs"/>
-              </a:rPr>
-              <a:t>#include &lt;iostream&gt; </a:t>
-            </a:r>
-          </a:p>
-          <a:p>
-            <a:endParaRPr lang="en-US" altLang="zh-CN" sz="1200" b="0" i="0" kern="1200" dirty="0">
-              <a:solidFill>
-                <a:schemeClr val="tx1"/>
-              </a:solidFill>
-              <a:effectLst/>
-              <a:latin typeface="+mn-lt"/>
-              <a:ea typeface="+mn-ea"/>
-              <a:cs typeface="+mn-cs"/>
-            </a:endParaRPr>
-          </a:p>
-          <a:p>
-            <a:r>
-              <a:rPr lang="en-US" altLang="zh-CN" sz="1200" b="0" i="0" kern="1200" dirty="0">
-                <a:solidFill>
-                  <a:schemeClr val="tx1"/>
-                </a:solidFill>
-                <a:effectLst/>
-                <a:latin typeface="+mn-lt"/>
-                <a:ea typeface="+mn-ea"/>
-                <a:cs typeface="+mn-cs"/>
-              </a:rPr>
-              <a:t>using namespace std;</a:t>
-            </a:r>
-          </a:p>
-          <a:p>
-            <a:endParaRPr lang="en-US" altLang="zh-CN" sz="1200" b="0" i="0" kern="1200" dirty="0">
-              <a:solidFill>
-                <a:schemeClr val="tx1"/>
-              </a:solidFill>
-              <a:effectLst/>
-              <a:latin typeface="+mn-lt"/>
-              <a:ea typeface="+mn-ea"/>
-              <a:cs typeface="+mn-cs"/>
-            </a:endParaRPr>
-          </a:p>
-          <a:p>
-            <a:r>
-              <a:rPr lang="en-US" altLang="zh-CN" sz="1200" b="0" i="0" kern="1200" dirty="0">
-                <a:solidFill>
-                  <a:schemeClr val="tx1"/>
-                </a:solidFill>
-                <a:effectLst/>
-                <a:latin typeface="+mn-lt"/>
-                <a:ea typeface="+mn-ea"/>
-                <a:cs typeface="+mn-cs"/>
-              </a:rPr>
-              <a:t>int main()</a:t>
-            </a:r>
-          </a:p>
-          <a:p>
-            <a:r>
-              <a:rPr lang="en-US" altLang="zh-CN" sz="1200" b="0" i="0" kern="1200" dirty="0">
-                <a:solidFill>
-                  <a:schemeClr val="tx1"/>
-                </a:solidFill>
-                <a:effectLst/>
-                <a:latin typeface="+mn-lt"/>
-                <a:ea typeface="+mn-ea"/>
-                <a:cs typeface="+mn-cs"/>
-              </a:rPr>
-              <a:t>{</a:t>
-            </a:r>
-          </a:p>
-          <a:p>
-            <a:r>
-              <a:rPr lang="en-US" altLang="zh-CN" sz="1200" b="0" i="0" kern="1200" dirty="0">
-                <a:solidFill>
-                  <a:schemeClr val="tx1"/>
-                </a:solidFill>
-                <a:effectLst/>
-                <a:latin typeface="+mn-lt"/>
-                <a:ea typeface="+mn-ea"/>
-                <a:cs typeface="+mn-cs"/>
-              </a:rPr>
-              <a:t>	</a:t>
-            </a:r>
-            <a:r>
-              <a:rPr lang="en-US" altLang="zh-CN" sz="1200" b="0" i="0" kern="1200" dirty="0" err="1">
-                <a:solidFill>
-                  <a:schemeClr val="tx1"/>
-                </a:solidFill>
-                <a:effectLst/>
-                <a:latin typeface="+mn-lt"/>
-                <a:ea typeface="+mn-ea"/>
-                <a:cs typeface="+mn-cs"/>
-              </a:rPr>
-              <a:t>cout</a:t>
-            </a:r>
-            <a:r>
-              <a:rPr lang="en-US" altLang="zh-CN" sz="1200" b="0" i="0" kern="1200" dirty="0">
-                <a:solidFill>
-                  <a:schemeClr val="tx1"/>
-                </a:solidFill>
-                <a:effectLst/>
-                <a:latin typeface="+mn-lt"/>
-                <a:ea typeface="+mn-ea"/>
-                <a:cs typeface="+mn-cs"/>
-              </a:rPr>
-              <a:t> &lt;&lt; "bool:\t\t" &lt;&lt; </a:t>
-            </a:r>
-            <a:r>
-              <a:rPr lang="en-US" altLang="zh-CN" sz="1200" b="0" i="0" kern="1200" dirty="0" err="1">
-                <a:solidFill>
-                  <a:schemeClr val="tx1"/>
-                </a:solidFill>
-                <a:effectLst/>
-                <a:latin typeface="+mn-lt"/>
-                <a:ea typeface="+mn-ea"/>
-                <a:cs typeface="+mn-cs"/>
-              </a:rPr>
-              <a:t>sizeof</a:t>
-            </a:r>
-            <a:r>
-              <a:rPr lang="en-US" altLang="zh-CN" sz="1200" b="0" i="0" kern="1200" dirty="0">
-                <a:solidFill>
-                  <a:schemeClr val="tx1"/>
-                </a:solidFill>
-                <a:effectLst/>
-                <a:latin typeface="+mn-lt"/>
-                <a:ea typeface="+mn-ea"/>
-                <a:cs typeface="+mn-cs"/>
-              </a:rPr>
-              <a:t>(bool) &lt;&lt; " bytes" &lt;&lt; endl &lt;&lt; endl;</a:t>
-            </a:r>
-          </a:p>
-          <a:p>
-            <a:endParaRPr lang="en-US" altLang="zh-CN" sz="1200" b="0" i="0" kern="1200" dirty="0">
-              <a:solidFill>
-                <a:schemeClr val="tx1"/>
-              </a:solidFill>
-              <a:effectLst/>
-              <a:latin typeface="+mn-lt"/>
-              <a:ea typeface="+mn-ea"/>
-              <a:cs typeface="+mn-cs"/>
-            </a:endParaRPr>
-          </a:p>
-          <a:p>
-            <a:r>
-              <a:rPr lang="en-US" altLang="zh-CN" sz="1200" b="0" i="0" kern="1200" dirty="0">
-                <a:solidFill>
-                  <a:schemeClr val="tx1"/>
-                </a:solidFill>
-                <a:effectLst/>
-                <a:latin typeface="+mn-lt"/>
-                <a:ea typeface="+mn-ea"/>
-                <a:cs typeface="+mn-cs"/>
-              </a:rPr>
-              <a:t>	</a:t>
-            </a:r>
-            <a:r>
-              <a:rPr lang="en-US" altLang="zh-CN" sz="1200" b="0" i="0" kern="1200" dirty="0" err="1">
-                <a:solidFill>
-                  <a:schemeClr val="tx1"/>
-                </a:solidFill>
-                <a:effectLst/>
-                <a:latin typeface="+mn-lt"/>
-                <a:ea typeface="+mn-ea"/>
-                <a:cs typeface="+mn-cs"/>
-              </a:rPr>
-              <a:t>cout</a:t>
-            </a:r>
-            <a:r>
-              <a:rPr lang="en-US" altLang="zh-CN" sz="1200" b="0" i="0" kern="1200" dirty="0">
-                <a:solidFill>
-                  <a:schemeClr val="tx1"/>
-                </a:solidFill>
-                <a:effectLst/>
-                <a:latin typeface="+mn-lt"/>
-                <a:ea typeface="+mn-ea"/>
-                <a:cs typeface="+mn-cs"/>
-              </a:rPr>
-              <a:t> &lt;&lt; "char:\t\t" &lt;&lt; </a:t>
-            </a:r>
-            <a:r>
-              <a:rPr lang="en-US" altLang="zh-CN" sz="1200" b="0" i="0" kern="1200" dirty="0" err="1">
-                <a:solidFill>
-                  <a:schemeClr val="tx1"/>
-                </a:solidFill>
-                <a:effectLst/>
-                <a:latin typeface="+mn-lt"/>
-                <a:ea typeface="+mn-ea"/>
-                <a:cs typeface="+mn-cs"/>
-              </a:rPr>
-              <a:t>sizeof</a:t>
-            </a:r>
-            <a:r>
-              <a:rPr lang="en-US" altLang="zh-CN" sz="1200" b="0" i="0" kern="1200" dirty="0">
-                <a:solidFill>
-                  <a:schemeClr val="tx1"/>
-                </a:solidFill>
-                <a:effectLst/>
-                <a:latin typeface="+mn-lt"/>
-                <a:ea typeface="+mn-ea"/>
-                <a:cs typeface="+mn-cs"/>
-              </a:rPr>
-              <a:t>(char) &lt;&lt; " bytes" &lt;&lt; endl;</a:t>
-            </a:r>
-          </a:p>
-          <a:p>
-            <a:r>
-              <a:rPr lang="en-US" altLang="zh-CN" sz="1200" b="0" i="0" kern="1200" dirty="0">
-                <a:solidFill>
-                  <a:schemeClr val="tx1"/>
-                </a:solidFill>
-                <a:effectLst/>
-                <a:latin typeface="+mn-lt"/>
-                <a:ea typeface="+mn-ea"/>
-                <a:cs typeface="+mn-cs"/>
-              </a:rPr>
-              <a:t>	</a:t>
-            </a:r>
-            <a:r>
-              <a:rPr lang="en-US" altLang="zh-CN" sz="1200" b="0" i="0" kern="1200" dirty="0" err="1">
-                <a:solidFill>
-                  <a:schemeClr val="tx1"/>
-                </a:solidFill>
-                <a:effectLst/>
-                <a:latin typeface="+mn-lt"/>
-                <a:ea typeface="+mn-ea"/>
-                <a:cs typeface="+mn-cs"/>
-              </a:rPr>
-              <a:t>cout</a:t>
-            </a:r>
-            <a:r>
-              <a:rPr lang="en-US" altLang="zh-CN" sz="1200" b="0" i="0" kern="1200" dirty="0">
-                <a:solidFill>
-                  <a:schemeClr val="tx1"/>
-                </a:solidFill>
-                <a:effectLst/>
-                <a:latin typeface="+mn-lt"/>
-                <a:ea typeface="+mn-ea"/>
-                <a:cs typeface="+mn-cs"/>
-              </a:rPr>
-              <a:t> &lt;&lt; "</a:t>
-            </a:r>
-            <a:r>
-              <a:rPr lang="en-US" altLang="zh-CN" sz="1200" b="0" i="0" kern="1200" dirty="0" err="1">
-                <a:solidFill>
-                  <a:schemeClr val="tx1"/>
-                </a:solidFill>
-                <a:effectLst/>
-                <a:latin typeface="+mn-lt"/>
-                <a:ea typeface="+mn-ea"/>
-                <a:cs typeface="+mn-cs"/>
-              </a:rPr>
-              <a:t>wchar_t</a:t>
-            </a:r>
-            <a:r>
-              <a:rPr lang="en-US" altLang="zh-CN" sz="1200" b="0" i="0" kern="1200" dirty="0">
-                <a:solidFill>
-                  <a:schemeClr val="tx1"/>
-                </a:solidFill>
-                <a:effectLst/>
-                <a:latin typeface="+mn-lt"/>
-                <a:ea typeface="+mn-ea"/>
-                <a:cs typeface="+mn-cs"/>
-              </a:rPr>
-              <a:t>:\t" &lt;&lt; </a:t>
-            </a:r>
-            <a:r>
-              <a:rPr lang="en-US" altLang="zh-CN" sz="1200" b="0" i="0" kern="1200" dirty="0" err="1">
-                <a:solidFill>
-                  <a:schemeClr val="tx1"/>
-                </a:solidFill>
-                <a:effectLst/>
-                <a:latin typeface="+mn-lt"/>
-                <a:ea typeface="+mn-ea"/>
-                <a:cs typeface="+mn-cs"/>
-              </a:rPr>
-              <a:t>sizeof</a:t>
-            </a:r>
-            <a:r>
-              <a:rPr lang="en-US" altLang="zh-CN" sz="1200" b="0" i="0" kern="1200" dirty="0">
-                <a:solidFill>
-                  <a:schemeClr val="tx1"/>
-                </a:solidFill>
-                <a:effectLst/>
-                <a:latin typeface="+mn-lt"/>
-                <a:ea typeface="+mn-ea"/>
-                <a:cs typeface="+mn-cs"/>
-              </a:rPr>
-              <a:t>(</a:t>
-            </a:r>
-            <a:r>
-              <a:rPr lang="en-US" altLang="zh-CN" sz="1200" b="0" i="0" kern="1200" dirty="0" err="1">
-                <a:solidFill>
-                  <a:schemeClr val="tx1"/>
-                </a:solidFill>
-                <a:effectLst/>
-                <a:latin typeface="+mn-lt"/>
-                <a:ea typeface="+mn-ea"/>
-                <a:cs typeface="+mn-cs"/>
-              </a:rPr>
-              <a:t>wchar_t</a:t>
-            </a:r>
-            <a:r>
-              <a:rPr lang="en-US" altLang="zh-CN" sz="1200" b="0" i="0" kern="1200" dirty="0">
-                <a:solidFill>
-                  <a:schemeClr val="tx1"/>
-                </a:solidFill>
-                <a:effectLst/>
-                <a:latin typeface="+mn-lt"/>
-                <a:ea typeface="+mn-ea"/>
-                <a:cs typeface="+mn-cs"/>
-              </a:rPr>
-              <a:t>) &lt;&lt; " bytes" &lt;&lt; endl;</a:t>
-            </a:r>
-          </a:p>
-          <a:p>
-            <a:r>
-              <a:rPr lang="en-US" altLang="zh-CN" sz="1200" b="0" i="0" kern="1200" dirty="0">
-                <a:solidFill>
-                  <a:schemeClr val="tx1"/>
-                </a:solidFill>
-                <a:effectLst/>
-                <a:latin typeface="+mn-lt"/>
-                <a:ea typeface="+mn-ea"/>
-                <a:cs typeface="+mn-cs"/>
-              </a:rPr>
-              <a:t>	</a:t>
-            </a:r>
-            <a:r>
-              <a:rPr lang="en-US" altLang="zh-CN" sz="1200" b="0" i="0" kern="1200" dirty="0" err="1">
-                <a:solidFill>
-                  <a:schemeClr val="tx1"/>
-                </a:solidFill>
-                <a:effectLst/>
-                <a:latin typeface="+mn-lt"/>
-                <a:ea typeface="+mn-ea"/>
-                <a:cs typeface="+mn-cs"/>
-              </a:rPr>
-              <a:t>cout</a:t>
-            </a:r>
-            <a:r>
-              <a:rPr lang="en-US" altLang="zh-CN" sz="1200" b="0" i="0" kern="1200" dirty="0">
-                <a:solidFill>
-                  <a:schemeClr val="tx1"/>
-                </a:solidFill>
-                <a:effectLst/>
-                <a:latin typeface="+mn-lt"/>
-                <a:ea typeface="+mn-ea"/>
-                <a:cs typeface="+mn-cs"/>
-              </a:rPr>
-              <a:t> &lt;&lt; "char16_t:\t" &lt;&lt; </a:t>
-            </a:r>
-            <a:r>
-              <a:rPr lang="en-US" altLang="zh-CN" sz="1200" b="0" i="0" kern="1200" dirty="0" err="1">
-                <a:solidFill>
-                  <a:schemeClr val="tx1"/>
-                </a:solidFill>
-                <a:effectLst/>
-                <a:latin typeface="+mn-lt"/>
-                <a:ea typeface="+mn-ea"/>
-                <a:cs typeface="+mn-cs"/>
-              </a:rPr>
-              <a:t>sizeof</a:t>
-            </a:r>
-            <a:r>
-              <a:rPr lang="en-US" altLang="zh-CN" sz="1200" b="0" i="0" kern="1200" dirty="0">
-                <a:solidFill>
-                  <a:schemeClr val="tx1"/>
-                </a:solidFill>
-                <a:effectLst/>
-                <a:latin typeface="+mn-lt"/>
-                <a:ea typeface="+mn-ea"/>
-                <a:cs typeface="+mn-cs"/>
-              </a:rPr>
-              <a:t>(char16_t) &lt;&lt; " bytes" &lt;&lt; endl;</a:t>
-            </a:r>
-          </a:p>
-          <a:p>
-            <a:r>
-              <a:rPr lang="en-US" altLang="zh-CN" sz="1200" b="0" i="0" kern="1200" dirty="0">
-                <a:solidFill>
-                  <a:schemeClr val="tx1"/>
-                </a:solidFill>
-                <a:effectLst/>
-                <a:latin typeface="+mn-lt"/>
-                <a:ea typeface="+mn-ea"/>
-                <a:cs typeface="+mn-cs"/>
-              </a:rPr>
-              <a:t>	</a:t>
-            </a:r>
-            <a:r>
-              <a:rPr lang="en-US" altLang="zh-CN" sz="1200" b="0" i="0" kern="1200" dirty="0" err="1">
-                <a:solidFill>
-                  <a:schemeClr val="tx1"/>
-                </a:solidFill>
-                <a:effectLst/>
-                <a:latin typeface="+mn-lt"/>
-                <a:ea typeface="+mn-ea"/>
-                <a:cs typeface="+mn-cs"/>
-              </a:rPr>
-              <a:t>cout</a:t>
-            </a:r>
-            <a:r>
-              <a:rPr lang="en-US" altLang="zh-CN" sz="1200" b="0" i="0" kern="1200" dirty="0">
-                <a:solidFill>
-                  <a:schemeClr val="tx1"/>
-                </a:solidFill>
-                <a:effectLst/>
-                <a:latin typeface="+mn-lt"/>
-                <a:ea typeface="+mn-ea"/>
-                <a:cs typeface="+mn-cs"/>
-              </a:rPr>
-              <a:t> &lt;&lt; "char32_t:\t" &lt;&lt; </a:t>
-            </a:r>
-            <a:r>
-              <a:rPr lang="en-US" altLang="zh-CN" sz="1200" b="0" i="0" kern="1200" dirty="0" err="1">
-                <a:solidFill>
-                  <a:schemeClr val="tx1"/>
-                </a:solidFill>
-                <a:effectLst/>
-                <a:latin typeface="+mn-lt"/>
-                <a:ea typeface="+mn-ea"/>
-                <a:cs typeface="+mn-cs"/>
-              </a:rPr>
-              <a:t>sizeof</a:t>
-            </a:r>
-            <a:r>
-              <a:rPr lang="en-US" altLang="zh-CN" sz="1200" b="0" i="0" kern="1200" dirty="0">
-                <a:solidFill>
-                  <a:schemeClr val="tx1"/>
-                </a:solidFill>
-                <a:effectLst/>
-                <a:latin typeface="+mn-lt"/>
-                <a:ea typeface="+mn-ea"/>
-                <a:cs typeface="+mn-cs"/>
-              </a:rPr>
-              <a:t>(char32_t) &lt;&lt; " bytes" &lt;&lt; endl &lt;&lt; endl;</a:t>
-            </a:r>
-          </a:p>
-          <a:p>
-            <a:endParaRPr lang="en-US" altLang="zh-CN" sz="1200" b="0" i="0" kern="1200" dirty="0">
-              <a:solidFill>
-                <a:schemeClr val="tx1"/>
-              </a:solidFill>
-              <a:effectLst/>
-              <a:latin typeface="+mn-lt"/>
-              <a:ea typeface="+mn-ea"/>
-              <a:cs typeface="+mn-cs"/>
-            </a:endParaRPr>
-          </a:p>
-          <a:p>
-            <a:r>
-              <a:rPr lang="en-US" altLang="zh-CN" sz="1200" b="0" i="0" kern="1200" dirty="0">
-                <a:solidFill>
-                  <a:schemeClr val="tx1"/>
-                </a:solidFill>
-                <a:effectLst/>
-                <a:latin typeface="+mn-lt"/>
-                <a:ea typeface="+mn-ea"/>
-                <a:cs typeface="+mn-cs"/>
-              </a:rPr>
-              <a:t>	</a:t>
-            </a:r>
-            <a:r>
-              <a:rPr lang="en-US" altLang="zh-CN" sz="1200" b="0" i="0" kern="1200" dirty="0" err="1">
-                <a:solidFill>
-                  <a:schemeClr val="tx1"/>
-                </a:solidFill>
-                <a:effectLst/>
-                <a:latin typeface="+mn-lt"/>
-                <a:ea typeface="+mn-ea"/>
-                <a:cs typeface="+mn-cs"/>
-              </a:rPr>
-              <a:t>cout</a:t>
-            </a:r>
-            <a:r>
-              <a:rPr lang="en-US" altLang="zh-CN" sz="1200" b="0" i="0" kern="1200" dirty="0">
-                <a:solidFill>
-                  <a:schemeClr val="tx1"/>
-                </a:solidFill>
-                <a:effectLst/>
-                <a:latin typeface="+mn-lt"/>
-                <a:ea typeface="+mn-ea"/>
-                <a:cs typeface="+mn-cs"/>
-              </a:rPr>
-              <a:t> &lt;&lt; "short:\t\t" &lt;&lt; </a:t>
-            </a:r>
-            <a:r>
-              <a:rPr lang="en-US" altLang="zh-CN" sz="1200" b="0" i="0" kern="1200" dirty="0" err="1">
-                <a:solidFill>
-                  <a:schemeClr val="tx1"/>
-                </a:solidFill>
-                <a:effectLst/>
-                <a:latin typeface="+mn-lt"/>
-                <a:ea typeface="+mn-ea"/>
-                <a:cs typeface="+mn-cs"/>
-              </a:rPr>
-              <a:t>sizeof</a:t>
-            </a:r>
-            <a:r>
-              <a:rPr lang="en-US" altLang="zh-CN" sz="1200" b="0" i="0" kern="1200" dirty="0">
-                <a:solidFill>
-                  <a:schemeClr val="tx1"/>
-                </a:solidFill>
-                <a:effectLst/>
-                <a:latin typeface="+mn-lt"/>
-                <a:ea typeface="+mn-ea"/>
-                <a:cs typeface="+mn-cs"/>
-              </a:rPr>
-              <a:t>(short) &lt;&lt; " bytes" &lt;&lt; endl;</a:t>
-            </a:r>
-          </a:p>
-          <a:p>
-            <a:r>
-              <a:rPr lang="en-US" altLang="zh-CN" sz="1200" b="0" i="0" kern="1200" dirty="0">
-                <a:solidFill>
-                  <a:schemeClr val="tx1"/>
-                </a:solidFill>
-                <a:effectLst/>
-                <a:latin typeface="+mn-lt"/>
-                <a:ea typeface="+mn-ea"/>
-                <a:cs typeface="+mn-cs"/>
-              </a:rPr>
-              <a:t>	</a:t>
-            </a:r>
-            <a:r>
-              <a:rPr lang="en-US" altLang="zh-CN" sz="1200" b="0" i="0" kern="1200" dirty="0" err="1">
-                <a:solidFill>
-                  <a:schemeClr val="tx1"/>
-                </a:solidFill>
-                <a:effectLst/>
-                <a:latin typeface="+mn-lt"/>
-                <a:ea typeface="+mn-ea"/>
-                <a:cs typeface="+mn-cs"/>
-              </a:rPr>
-              <a:t>cout</a:t>
-            </a:r>
-            <a:r>
-              <a:rPr lang="en-US" altLang="zh-CN" sz="1200" b="0" i="0" kern="1200" dirty="0">
-                <a:solidFill>
-                  <a:schemeClr val="tx1"/>
-                </a:solidFill>
-                <a:effectLst/>
-                <a:latin typeface="+mn-lt"/>
-                <a:ea typeface="+mn-ea"/>
-                <a:cs typeface="+mn-cs"/>
-              </a:rPr>
-              <a:t> &lt;&lt; "int:\t\t" &lt;&lt; </a:t>
-            </a:r>
-            <a:r>
-              <a:rPr lang="en-US" altLang="zh-CN" sz="1200" b="0" i="0" kern="1200" dirty="0" err="1">
-                <a:solidFill>
-                  <a:schemeClr val="tx1"/>
-                </a:solidFill>
-                <a:effectLst/>
-                <a:latin typeface="+mn-lt"/>
-                <a:ea typeface="+mn-ea"/>
-                <a:cs typeface="+mn-cs"/>
-              </a:rPr>
-              <a:t>sizeof</a:t>
-            </a:r>
-            <a:r>
-              <a:rPr lang="en-US" altLang="zh-CN" sz="1200" b="0" i="0" kern="1200" dirty="0">
-                <a:solidFill>
-                  <a:schemeClr val="tx1"/>
-                </a:solidFill>
-                <a:effectLst/>
-                <a:latin typeface="+mn-lt"/>
-                <a:ea typeface="+mn-ea"/>
-                <a:cs typeface="+mn-cs"/>
-              </a:rPr>
-              <a:t>(int) &lt;&lt; " bytes" &lt;&lt; endl;</a:t>
-            </a:r>
-          </a:p>
-          <a:p>
-            <a:r>
-              <a:rPr lang="en-US" altLang="zh-CN" sz="1200" b="0" i="0" kern="1200" dirty="0">
-                <a:solidFill>
-                  <a:schemeClr val="tx1"/>
-                </a:solidFill>
-                <a:effectLst/>
-                <a:latin typeface="+mn-lt"/>
-                <a:ea typeface="+mn-ea"/>
-                <a:cs typeface="+mn-cs"/>
-              </a:rPr>
-              <a:t>	</a:t>
-            </a:r>
-            <a:r>
-              <a:rPr lang="en-US" altLang="zh-CN" sz="1200" b="0" i="0" kern="1200" dirty="0" err="1">
-                <a:solidFill>
-                  <a:schemeClr val="tx1"/>
-                </a:solidFill>
-                <a:effectLst/>
-                <a:latin typeface="+mn-lt"/>
-                <a:ea typeface="+mn-ea"/>
-                <a:cs typeface="+mn-cs"/>
-              </a:rPr>
-              <a:t>cout</a:t>
-            </a:r>
-            <a:r>
-              <a:rPr lang="en-US" altLang="zh-CN" sz="1200" b="0" i="0" kern="1200" dirty="0">
-                <a:solidFill>
-                  <a:schemeClr val="tx1"/>
-                </a:solidFill>
-                <a:effectLst/>
-                <a:latin typeface="+mn-lt"/>
-                <a:ea typeface="+mn-ea"/>
-                <a:cs typeface="+mn-cs"/>
-              </a:rPr>
-              <a:t> &lt;&lt; "long:\t\t" &lt;&lt; </a:t>
-            </a:r>
-            <a:r>
-              <a:rPr lang="en-US" altLang="zh-CN" sz="1200" b="0" i="0" kern="1200" dirty="0" err="1">
-                <a:solidFill>
-                  <a:schemeClr val="tx1"/>
-                </a:solidFill>
-                <a:effectLst/>
-                <a:latin typeface="+mn-lt"/>
-                <a:ea typeface="+mn-ea"/>
-                <a:cs typeface="+mn-cs"/>
-              </a:rPr>
-              <a:t>sizeof</a:t>
-            </a:r>
-            <a:r>
-              <a:rPr lang="en-US" altLang="zh-CN" sz="1200" b="0" i="0" kern="1200" dirty="0">
-                <a:solidFill>
-                  <a:schemeClr val="tx1"/>
-                </a:solidFill>
-                <a:effectLst/>
-                <a:latin typeface="+mn-lt"/>
-                <a:ea typeface="+mn-ea"/>
-                <a:cs typeface="+mn-cs"/>
-              </a:rPr>
-              <a:t>(long) &lt;&lt; " bytes" &lt;&lt; endl;</a:t>
-            </a:r>
-          </a:p>
-          <a:p>
-            <a:r>
-              <a:rPr lang="en-US" altLang="zh-CN" sz="1200" b="0" i="0" kern="1200" dirty="0">
-                <a:solidFill>
-                  <a:schemeClr val="tx1"/>
-                </a:solidFill>
-                <a:effectLst/>
-                <a:latin typeface="+mn-lt"/>
-                <a:ea typeface="+mn-ea"/>
-                <a:cs typeface="+mn-cs"/>
-              </a:rPr>
-              <a:t>	</a:t>
-            </a:r>
-            <a:r>
-              <a:rPr lang="en-US" altLang="zh-CN" sz="1200" b="0" i="0" kern="1200" dirty="0" err="1">
-                <a:solidFill>
-                  <a:schemeClr val="tx1"/>
-                </a:solidFill>
-                <a:effectLst/>
-                <a:latin typeface="+mn-lt"/>
-                <a:ea typeface="+mn-ea"/>
-                <a:cs typeface="+mn-cs"/>
-              </a:rPr>
-              <a:t>cout</a:t>
-            </a:r>
-            <a:r>
-              <a:rPr lang="en-US" altLang="zh-CN" sz="1200" b="0" i="0" kern="1200" dirty="0">
-                <a:solidFill>
-                  <a:schemeClr val="tx1"/>
-                </a:solidFill>
-                <a:effectLst/>
-                <a:latin typeface="+mn-lt"/>
-                <a:ea typeface="+mn-ea"/>
-                <a:cs typeface="+mn-cs"/>
-              </a:rPr>
-              <a:t> &lt;&lt; "long long:\t" &lt;&lt; </a:t>
-            </a:r>
-            <a:r>
-              <a:rPr lang="en-US" altLang="zh-CN" sz="1200" b="0" i="0" kern="1200" dirty="0" err="1">
-                <a:solidFill>
-                  <a:schemeClr val="tx1"/>
-                </a:solidFill>
-                <a:effectLst/>
-                <a:latin typeface="+mn-lt"/>
-                <a:ea typeface="+mn-ea"/>
-                <a:cs typeface="+mn-cs"/>
-              </a:rPr>
-              <a:t>sizeof</a:t>
-            </a:r>
-            <a:r>
-              <a:rPr lang="en-US" altLang="zh-CN" sz="1200" b="0" i="0" kern="1200" dirty="0">
-                <a:solidFill>
-                  <a:schemeClr val="tx1"/>
-                </a:solidFill>
-                <a:effectLst/>
-                <a:latin typeface="+mn-lt"/>
-                <a:ea typeface="+mn-ea"/>
-                <a:cs typeface="+mn-cs"/>
-              </a:rPr>
-              <a:t>(long long) &lt;&lt; " bytes" &lt;&lt; endl &lt;&lt; endl;</a:t>
-            </a:r>
-          </a:p>
-          <a:p>
-            <a:endParaRPr lang="en-US" altLang="zh-CN" sz="1200" b="0" i="0" kern="1200" dirty="0">
-              <a:solidFill>
-                <a:schemeClr val="tx1"/>
-              </a:solidFill>
-              <a:effectLst/>
-              <a:latin typeface="+mn-lt"/>
-              <a:ea typeface="+mn-ea"/>
-              <a:cs typeface="+mn-cs"/>
-            </a:endParaRPr>
-          </a:p>
-          <a:p>
-            <a:r>
-              <a:rPr lang="en-US" altLang="zh-CN" sz="1200" b="0" i="0" kern="1200" dirty="0">
-                <a:solidFill>
-                  <a:schemeClr val="tx1"/>
-                </a:solidFill>
-                <a:effectLst/>
-                <a:latin typeface="+mn-lt"/>
-                <a:ea typeface="+mn-ea"/>
-                <a:cs typeface="+mn-cs"/>
-              </a:rPr>
-              <a:t>	</a:t>
-            </a:r>
-            <a:r>
-              <a:rPr lang="en-US" altLang="zh-CN" sz="1200" b="0" i="0" kern="1200" dirty="0" err="1">
-                <a:solidFill>
-                  <a:schemeClr val="tx1"/>
-                </a:solidFill>
-                <a:effectLst/>
-                <a:latin typeface="+mn-lt"/>
-                <a:ea typeface="+mn-ea"/>
-                <a:cs typeface="+mn-cs"/>
-              </a:rPr>
-              <a:t>cout</a:t>
-            </a:r>
-            <a:r>
-              <a:rPr lang="en-US" altLang="zh-CN" sz="1200" b="0" i="0" kern="1200" dirty="0">
-                <a:solidFill>
-                  <a:schemeClr val="tx1"/>
-                </a:solidFill>
-                <a:effectLst/>
-                <a:latin typeface="+mn-lt"/>
-                <a:ea typeface="+mn-ea"/>
-                <a:cs typeface="+mn-cs"/>
-              </a:rPr>
-              <a:t> &lt;&lt; "float:\t\t" &lt;&lt; </a:t>
-            </a:r>
-            <a:r>
-              <a:rPr lang="en-US" altLang="zh-CN" sz="1200" b="0" i="0" kern="1200" dirty="0" err="1">
-                <a:solidFill>
-                  <a:schemeClr val="tx1"/>
-                </a:solidFill>
-                <a:effectLst/>
-                <a:latin typeface="+mn-lt"/>
-                <a:ea typeface="+mn-ea"/>
-                <a:cs typeface="+mn-cs"/>
-              </a:rPr>
-              <a:t>sizeof</a:t>
-            </a:r>
-            <a:r>
-              <a:rPr lang="en-US" altLang="zh-CN" sz="1200" b="0" i="0" kern="1200" dirty="0">
-                <a:solidFill>
-                  <a:schemeClr val="tx1"/>
-                </a:solidFill>
-                <a:effectLst/>
-                <a:latin typeface="+mn-lt"/>
-                <a:ea typeface="+mn-ea"/>
-                <a:cs typeface="+mn-cs"/>
-              </a:rPr>
-              <a:t>(float) &lt;&lt; " bytes" &lt;&lt; endl;</a:t>
-            </a:r>
-          </a:p>
-          <a:p>
-            <a:r>
-              <a:rPr lang="en-US" altLang="zh-CN" sz="1200" b="0" i="0" kern="1200" dirty="0">
-                <a:solidFill>
-                  <a:schemeClr val="tx1"/>
-                </a:solidFill>
-                <a:effectLst/>
-                <a:latin typeface="+mn-lt"/>
-                <a:ea typeface="+mn-ea"/>
-                <a:cs typeface="+mn-cs"/>
-              </a:rPr>
-              <a:t>	</a:t>
-            </a:r>
-            <a:r>
-              <a:rPr lang="en-US" altLang="zh-CN" sz="1200" b="0" i="0" kern="1200" dirty="0" err="1">
-                <a:solidFill>
-                  <a:schemeClr val="tx1"/>
-                </a:solidFill>
-                <a:effectLst/>
-                <a:latin typeface="+mn-lt"/>
-                <a:ea typeface="+mn-ea"/>
-                <a:cs typeface="+mn-cs"/>
-              </a:rPr>
-              <a:t>cout</a:t>
-            </a:r>
-            <a:r>
-              <a:rPr lang="en-US" altLang="zh-CN" sz="1200" b="0" i="0" kern="1200" dirty="0">
-                <a:solidFill>
-                  <a:schemeClr val="tx1"/>
-                </a:solidFill>
-                <a:effectLst/>
-                <a:latin typeface="+mn-lt"/>
-                <a:ea typeface="+mn-ea"/>
-                <a:cs typeface="+mn-cs"/>
-              </a:rPr>
-              <a:t> &lt;&lt; "double:\t\t" &lt;&lt; </a:t>
-            </a:r>
-            <a:r>
-              <a:rPr lang="en-US" altLang="zh-CN" sz="1200" b="0" i="0" kern="1200" dirty="0" err="1">
-                <a:solidFill>
-                  <a:schemeClr val="tx1"/>
-                </a:solidFill>
-                <a:effectLst/>
-                <a:latin typeface="+mn-lt"/>
-                <a:ea typeface="+mn-ea"/>
-                <a:cs typeface="+mn-cs"/>
-              </a:rPr>
-              <a:t>sizeof</a:t>
-            </a:r>
-            <a:r>
-              <a:rPr lang="en-US" altLang="zh-CN" sz="1200" b="0" i="0" kern="1200" dirty="0">
-                <a:solidFill>
-                  <a:schemeClr val="tx1"/>
-                </a:solidFill>
-                <a:effectLst/>
-                <a:latin typeface="+mn-lt"/>
-                <a:ea typeface="+mn-ea"/>
-                <a:cs typeface="+mn-cs"/>
-              </a:rPr>
-              <a:t>(double) &lt;&lt; " bytes" &lt;&lt; endl;</a:t>
-            </a:r>
-          </a:p>
-          <a:p>
-            <a:r>
-              <a:rPr lang="en-US" altLang="zh-CN" sz="1200" b="0" i="0" kern="1200" dirty="0">
-                <a:solidFill>
-                  <a:schemeClr val="tx1"/>
-                </a:solidFill>
-                <a:effectLst/>
-                <a:latin typeface="+mn-lt"/>
-                <a:ea typeface="+mn-ea"/>
-                <a:cs typeface="+mn-cs"/>
-              </a:rPr>
-              <a:t>	</a:t>
-            </a:r>
-            <a:r>
-              <a:rPr lang="en-US" altLang="zh-CN" sz="1200" b="0" i="0" kern="1200" dirty="0" err="1">
-                <a:solidFill>
-                  <a:schemeClr val="tx1"/>
-                </a:solidFill>
-                <a:effectLst/>
-                <a:latin typeface="+mn-lt"/>
-                <a:ea typeface="+mn-ea"/>
-                <a:cs typeface="+mn-cs"/>
-              </a:rPr>
-              <a:t>cout</a:t>
-            </a:r>
-            <a:r>
-              <a:rPr lang="en-US" altLang="zh-CN" sz="1200" b="0" i="0" kern="1200" dirty="0">
-                <a:solidFill>
-                  <a:schemeClr val="tx1"/>
-                </a:solidFill>
-                <a:effectLst/>
-                <a:latin typeface="+mn-lt"/>
-                <a:ea typeface="+mn-ea"/>
-                <a:cs typeface="+mn-cs"/>
-              </a:rPr>
-              <a:t> &lt;&lt; "long double:\t" &lt;&lt; </a:t>
-            </a:r>
-            <a:r>
-              <a:rPr lang="en-US" altLang="zh-CN" sz="1200" b="0" i="0" kern="1200" dirty="0" err="1">
-                <a:solidFill>
-                  <a:schemeClr val="tx1"/>
-                </a:solidFill>
-                <a:effectLst/>
-                <a:latin typeface="+mn-lt"/>
-                <a:ea typeface="+mn-ea"/>
-                <a:cs typeface="+mn-cs"/>
-              </a:rPr>
-              <a:t>sizeof</a:t>
-            </a:r>
-            <a:r>
-              <a:rPr lang="en-US" altLang="zh-CN" sz="1200" b="0" i="0" kern="1200" dirty="0">
-                <a:solidFill>
-                  <a:schemeClr val="tx1"/>
-                </a:solidFill>
-                <a:effectLst/>
-                <a:latin typeface="+mn-lt"/>
-                <a:ea typeface="+mn-ea"/>
-                <a:cs typeface="+mn-cs"/>
-              </a:rPr>
-              <a:t>(long double) &lt;&lt; " bytes" &lt;&lt; endl &lt;&lt; endl;</a:t>
-            </a:r>
-          </a:p>
-          <a:p>
-            <a:endParaRPr lang="en-US" altLang="zh-CN" sz="1200" b="0" i="0" kern="1200" dirty="0">
-              <a:solidFill>
-                <a:schemeClr val="tx1"/>
-              </a:solidFill>
-              <a:effectLst/>
-              <a:latin typeface="+mn-lt"/>
-              <a:ea typeface="+mn-ea"/>
-              <a:cs typeface="+mn-cs"/>
-            </a:endParaRPr>
-          </a:p>
-          <a:p>
-            <a:r>
-              <a:rPr lang="en-US" altLang="zh-CN" sz="1200" b="0" i="0" kern="1200" dirty="0">
-                <a:solidFill>
-                  <a:schemeClr val="tx1"/>
-                </a:solidFill>
-                <a:effectLst/>
-                <a:latin typeface="+mn-lt"/>
-                <a:ea typeface="+mn-ea"/>
-                <a:cs typeface="+mn-cs"/>
-              </a:rPr>
-              <a:t>	return 0;</a:t>
-            </a:r>
-          </a:p>
-          <a:p>
-            <a:r>
-              <a:rPr lang="en-US" altLang="zh-CN" sz="1200" b="0" i="0" kern="1200" dirty="0">
-                <a:solidFill>
-                  <a:schemeClr val="tx1"/>
-                </a:solidFill>
-                <a:effectLst/>
-                <a:latin typeface="+mn-lt"/>
-                <a:ea typeface="+mn-ea"/>
-                <a:cs typeface="+mn-cs"/>
-              </a:rPr>
-              <a:t>}</a:t>
-            </a:r>
-            <a:endParaRPr lang="zh-CN" altLang="en-US" sz="1200" b="0" i="0" kern="1200" dirty="0">
-              <a:solidFill>
-                <a:schemeClr val="tx1"/>
-              </a:solidFill>
-              <a:effectLst/>
-              <a:latin typeface="+mn-lt"/>
-              <a:ea typeface="+mn-ea"/>
-              <a:cs typeface="+mn-cs"/>
-            </a:endParaRPr>
+              <a:rPr lang="zh-CN" altLang="en-US" dirty="0"/>
+              <a:t>熟悉</a:t>
+            </a:r>
+            <a:r>
+              <a:rPr lang="en-US" altLang="zh-CN" dirty="0"/>
+              <a:t>IDE</a:t>
+            </a:r>
+            <a:r>
+              <a:rPr lang="zh-CN" altLang="en-US" dirty="0"/>
+              <a:t>的基本操作</a:t>
+            </a:r>
           </a:p>
         </p:txBody>
       </p:sp>
@@ -5874,101 +5744,6 @@
             <a:fld id="{0111EF2A-CA54-46BA-9D19-E4C580B41F03}" type="slidenum">
               <a:rPr lang="zh-CN" altLang="en-US" smtClean="0"/>
               <a:t>31</a:t>
-            </a:fld>
-            <a:endParaRPr lang="zh-CN" altLang="en-US"/>
-          </a:p>
-        </p:txBody>
-      </p:sp>
-    </p:spTree>
-    <p:extLst>
-      <p:ext uri="{BB962C8B-B14F-4D97-AF65-F5344CB8AC3E}">
-        <p14:creationId xmlns:p14="http://schemas.microsoft.com/office/powerpoint/2010/main" val="1134353981"/>
-      </p:ext>
-    </p:extLst>
-  </p:cSld>
-  <p:clrMapOvr>
-    <a:masterClrMapping/>
-  </p:clrMapOvr>
-</p:notes>
-</file>
-
-<file path=ppt/notesSlides/notesSlide29.xml><?xml version="1.0" encoding="utf-8"?>
-<p:notes xmlns:a="http://schemas.openxmlformats.org/drawingml/2006/main" xmlns:r="http://schemas.openxmlformats.org/officeDocument/2006/relationships" xmlns:p="http://schemas.openxmlformats.org/presentationml/2006/main">
-  <p:cSld>
-    <p:spTree>
-      <p:nvGrpSpPr>
-        <p:cNvPr id="1" name=""/>
-        <p:cNvGrpSpPr/>
-        <p:nvPr/>
-      </p:nvGrpSpPr>
-      <p:grpSpPr>
-        <a:xfrm>
-          <a:off x="0" y="0"/>
-          <a:ext cx="0" cy="0"/>
-          <a:chOff x="0" y="0"/>
-          <a:chExt cx="0" cy="0"/>
-        </a:xfrm>
-      </p:grpSpPr>
-      <p:sp>
-        <p:nvSpPr>
-          <p:cNvPr id="2" name="幻灯片图像占位符 1"/>
-          <p:cNvSpPr>
-            <a:spLocks noGrp="1" noRot="1" noChangeAspect="1"/>
-          </p:cNvSpPr>
-          <p:nvPr>
-            <p:ph type="sldImg"/>
-          </p:nvPr>
-        </p:nvSpPr>
-        <p:spPr/>
-      </p:sp>
-      <p:sp>
-        <p:nvSpPr>
-          <p:cNvPr id="3" name="备注占位符 2"/>
-          <p:cNvSpPr>
-            <a:spLocks noGrp="1"/>
-          </p:cNvSpPr>
-          <p:nvPr>
-            <p:ph type="body" idx="1"/>
-          </p:nvPr>
-        </p:nvSpPr>
-        <p:spPr/>
-        <p:txBody>
-          <a:bodyPr/>
-          <a:lstStyle/>
-          <a:p>
-            <a:r>
-              <a:rPr lang="zh-CN" altLang="en-US" dirty="0"/>
-              <a:t>熟悉</a:t>
-            </a:r>
-            <a:r>
-              <a:rPr lang="en-US" altLang="zh-CN" dirty="0"/>
-              <a:t>IDE</a:t>
-            </a:r>
-            <a:r>
-              <a:rPr lang="zh-CN" altLang="en-US" dirty="0"/>
-              <a:t>的基本操作</a:t>
-            </a:r>
-          </a:p>
-        </p:txBody>
-      </p:sp>
-      <p:sp>
-        <p:nvSpPr>
-          <p:cNvPr id="4" name="灯片编号占位符 3"/>
-          <p:cNvSpPr>
-            <a:spLocks noGrp="1"/>
-          </p:cNvSpPr>
-          <p:nvPr>
-            <p:ph type="sldNum" sz="quarter" idx="5"/>
-          </p:nvPr>
-        </p:nvSpPr>
-        <p:spPr/>
-        <p:txBody>
-          <a:bodyPr/>
-          <a:lstStyle/>
-          <a:p>
-            <a:fld id="{0111EF2A-CA54-46BA-9D19-E4C580B41F03}" type="slidenum">
-              <a:rPr lang="zh-CN" altLang="en-US" smtClean="0"/>
-              <a:t>32</a:t>
             </a:fld>
             <a:endParaRPr lang="zh-CN" altLang="en-US"/>
           </a:p>
@@ -7350,7 +7125,7 @@
           <a:p>
             <a:fld id="{5A1740DE-654B-48BB-A6EB-4DD86D9E78E3}" type="datetimeFigureOut">
               <a:rPr lang="zh-CN" altLang="en-US" smtClean="0"/>
-              <a:t>2023/12/21</a:t>
+              <a:t>2023/12/25</a:t>
             </a:fld>
             <a:endParaRPr lang="zh-CN" altLang="en-US"/>
           </a:p>
@@ -7548,7 +7323,7 @@
           <a:p>
             <a:fld id="{5A1740DE-654B-48BB-A6EB-4DD86D9E78E3}" type="datetimeFigureOut">
               <a:rPr lang="zh-CN" altLang="en-US" smtClean="0"/>
-              <a:t>2023/12/21</a:t>
+              <a:t>2023/12/25</a:t>
             </a:fld>
             <a:endParaRPr lang="zh-CN" altLang="en-US"/>
           </a:p>
@@ -7756,7 +7531,7 @@
           <a:p>
             <a:fld id="{5A1740DE-654B-48BB-A6EB-4DD86D9E78E3}" type="datetimeFigureOut">
               <a:rPr lang="zh-CN" altLang="en-US" smtClean="0"/>
-              <a:t>2023/12/21</a:t>
+              <a:t>2023/12/25</a:t>
             </a:fld>
             <a:endParaRPr lang="zh-CN" altLang="en-US"/>
           </a:p>
@@ -7954,7 +7729,7 @@
           <a:p>
             <a:fld id="{5A1740DE-654B-48BB-A6EB-4DD86D9E78E3}" type="datetimeFigureOut">
               <a:rPr lang="zh-CN" altLang="en-US" smtClean="0"/>
-              <a:t>2023/12/21</a:t>
+              <a:t>2023/12/25</a:t>
             </a:fld>
             <a:endParaRPr lang="zh-CN" altLang="en-US"/>
           </a:p>
@@ -8229,7 +8004,7 @@
           <a:p>
             <a:fld id="{5A1740DE-654B-48BB-A6EB-4DD86D9E78E3}" type="datetimeFigureOut">
               <a:rPr lang="zh-CN" altLang="en-US" smtClean="0"/>
-              <a:t>2023/12/21</a:t>
+              <a:t>2023/12/25</a:t>
             </a:fld>
             <a:endParaRPr lang="zh-CN" altLang="en-US"/>
           </a:p>
@@ -8494,7 +8269,7 @@
           <a:p>
             <a:fld id="{5A1740DE-654B-48BB-A6EB-4DD86D9E78E3}" type="datetimeFigureOut">
               <a:rPr lang="zh-CN" altLang="en-US" smtClean="0"/>
-              <a:t>2023/12/21</a:t>
+              <a:t>2023/12/25</a:t>
             </a:fld>
             <a:endParaRPr lang="zh-CN" altLang="en-US"/>
           </a:p>
@@ -8906,7 +8681,7 @@
           <a:p>
             <a:fld id="{5A1740DE-654B-48BB-A6EB-4DD86D9E78E3}" type="datetimeFigureOut">
               <a:rPr lang="zh-CN" altLang="en-US" smtClean="0"/>
-              <a:t>2023/12/21</a:t>
+              <a:t>2023/12/25</a:t>
             </a:fld>
             <a:endParaRPr lang="zh-CN" altLang="en-US"/>
           </a:p>
@@ -9047,7 +8822,7 @@
           <a:p>
             <a:fld id="{5A1740DE-654B-48BB-A6EB-4DD86D9E78E3}" type="datetimeFigureOut">
               <a:rPr lang="zh-CN" altLang="en-US" smtClean="0"/>
-              <a:t>2023/12/21</a:t>
+              <a:t>2023/12/25</a:t>
             </a:fld>
             <a:endParaRPr lang="zh-CN" altLang="en-US"/>
           </a:p>
@@ -9160,7 +8935,7 @@
           <a:p>
             <a:fld id="{5A1740DE-654B-48BB-A6EB-4DD86D9E78E3}" type="datetimeFigureOut">
               <a:rPr lang="zh-CN" altLang="en-US" smtClean="0"/>
-              <a:t>2023/12/21</a:t>
+              <a:t>2023/12/25</a:t>
             </a:fld>
             <a:endParaRPr lang="zh-CN" altLang="en-US"/>
           </a:p>
@@ -9471,7 +9246,7 @@
           <a:p>
             <a:fld id="{5A1740DE-654B-48BB-A6EB-4DD86D9E78E3}" type="datetimeFigureOut">
               <a:rPr lang="zh-CN" altLang="en-US" smtClean="0"/>
-              <a:t>2023/12/21</a:t>
+              <a:t>2023/12/25</a:t>
             </a:fld>
             <a:endParaRPr lang="zh-CN" altLang="en-US"/>
           </a:p>
@@ -9759,7 +9534,7 @@
           <a:p>
             <a:fld id="{5A1740DE-654B-48BB-A6EB-4DD86D9E78E3}" type="datetimeFigureOut">
               <a:rPr lang="zh-CN" altLang="en-US" smtClean="0"/>
-              <a:t>2023/12/21</a:t>
+              <a:t>2023/12/25</a:t>
             </a:fld>
             <a:endParaRPr lang="zh-CN" altLang="en-US"/>
           </a:p>
@@ -10000,7 +9775,7 @@
           <a:p>
             <a:fld id="{5A1740DE-654B-48BB-A6EB-4DD86D9E78E3}" type="datetimeFigureOut">
               <a:rPr lang="zh-CN" altLang="en-US" smtClean="0"/>
-              <a:t>2023/12/21</a:t>
+              <a:t>2023/12/25</a:t>
             </a:fld>
             <a:endParaRPr lang="zh-CN" altLang="en-US"/>
           </a:p>
@@ -12965,10 +12740,16 @@
               <a:rPr lang="zh-CN" altLang="en-US" sz="2400" dirty="0">
                 <a:latin typeface="+mn-ea"/>
               </a:rPr>
-              <a:t>循环采用范围</a:t>
-            </a:r>
-            <a:r>
-              <a:rPr lang="en-US" altLang="zh-CN" sz="2400" dirty="0">
+              <a:t>循环采用</a:t>
+            </a:r>
+            <a:r>
+              <a:rPr lang="zh-CN" altLang="en-US" sz="2400" b="1" dirty="0">
+                <a:latin typeface="+mn-ea"/>
+              </a:rPr>
+              <a:t>范围</a:t>
+            </a:r>
+            <a:r>
+              <a:rPr lang="en-US" altLang="zh-CN" sz="2400" b="1" dirty="0">
                 <a:latin typeface="+mn-ea"/>
               </a:rPr>
               <a:t>for</a:t>
@@ -12977,10 +12758,16 @@
               <a:rPr lang="zh-CN" altLang="en-US" sz="2400" dirty="0">
                 <a:latin typeface="+mn-ea"/>
               </a:rPr>
-              <a:t>和普通</a:t>
-            </a:r>
-            <a:r>
-              <a:rPr lang="en-US" altLang="zh-CN" sz="2400" dirty="0">
+              <a:t>和</a:t>
+            </a:r>
+            <a:r>
+              <a:rPr lang="zh-CN" altLang="en-US" sz="2400" b="1" dirty="0">
+                <a:latin typeface="+mn-ea"/>
+              </a:rPr>
+              <a:t>普通</a:t>
+            </a:r>
+            <a:r>
+              <a:rPr lang="en-US" altLang="zh-CN" sz="2400" b="1" dirty="0">
                 <a:latin typeface="+mn-ea"/>
               </a:rPr>
               <a:t>for</a:t>
@@ -13171,7 +12958,7 @@
         </p:nvSpPr>
         <p:spPr>
           <a:xfrm>
-            <a:off x="3876774" y="2640587"/>
+            <a:off x="3818585" y="2640587"/>
             <a:ext cx="7712798" cy="3416320"/>
           </a:xfrm>
           <a:prstGeom prst="rect">
@@ -13434,7 +13221,7 @@
     </p:spTree>
     <p:extLst>
       <p:ext uri="{BB962C8B-B14F-4D97-AF65-F5344CB8AC3E}">
-        <p14:creationId xmlns:p14="http://schemas.microsoft.com/office/powerpoint/2010/main" val="3531344512"/>
+        <p14:creationId xmlns:p14="http://schemas.microsoft.com/office/powerpoint/2010/main" val="960676803"/>
       </p:ext>
     </p:extLst>
   </p:cSld>
@@ -13445,209 +13232,6 @@
 </file>
 
 <file path=ppt/slides/slide23.xml><?xml version="1.0" encoding="utf-8"?>
-<p:sld xmlns:a="http://schemas.openxmlformats.org/drawingml/2006/main" xmlns:r="http://schemas.openxmlformats.org/officeDocument/2006/relationships" xmlns:p="http://schemas.openxmlformats.org/presentationml/2006/main">
-  <p:cSld>
-    <p:spTree>
-      <p:nvGrpSpPr>
-        <p:cNvPr id="1" name=""/>
-        <p:cNvGrpSpPr/>
-        <p:nvPr/>
-      </p:nvGrpSpPr>
-      <p:grpSpPr>
-        <a:xfrm>
-          <a:off x="0" y="0"/>
-          <a:ext cx="0" cy="0"/>
-          <a:chOff x="0" y="0"/>
-          <a:chExt cx="0" cy="0"/>
-        </a:xfrm>
-      </p:grpSpPr>
-      <p:sp>
-        <p:nvSpPr>
-          <p:cNvPr id="8" name="文本框 7">
-            <a:extLst>
-              <a:ext uri="{FF2B5EF4-FFF2-40B4-BE49-F238E27FC236}">
-                <a16:creationId xmlns:a16="http://schemas.microsoft.com/office/drawing/2014/main" id="{173B5B89-5235-4C07-99A2-AC5672E77337}"/>
-              </a:ext>
-            </a:extLst>
-          </p:cNvPr>
-          <p:cNvSpPr txBox="1"/>
-          <p:nvPr/>
-        </p:nvSpPr>
-        <p:spPr>
-          <a:xfrm>
-            <a:off x="215448" y="169110"/>
-            <a:ext cx="11169000" cy="1015663"/>
-          </a:xfrm>
-          <a:prstGeom prst="rect">
-            <a:avLst/>
-          </a:prstGeom>
-          <a:noFill/>
-        </p:spPr>
-        <p:txBody>
-          <a:bodyPr wrap="square" rtlCol="0">
-            <a:spAutoFit/>
-          </a:bodyPr>
-          <a:lstStyle/>
-          <a:p>
-            <a:r>
-              <a:rPr lang="en-US" altLang="zh-CN" sz="6000" b="1" dirty="0">
-                <a:latin typeface="+mn-ea"/>
-              </a:rPr>
-              <a:t>exercise4.1: if</a:t>
-            </a:r>
-            <a:r>
-              <a:rPr lang="zh-CN" altLang="en-US" sz="6000" b="1" dirty="0">
-                <a:latin typeface="+mn-ea"/>
-              </a:rPr>
-              <a:t>语句</a:t>
-            </a:r>
-          </a:p>
-        </p:txBody>
-      </p:sp>
-      <p:sp>
-        <p:nvSpPr>
-          <p:cNvPr id="6" name="文本框 5">
-            <a:extLst>
-              <a:ext uri="{FF2B5EF4-FFF2-40B4-BE49-F238E27FC236}">
-                <a16:creationId xmlns:a16="http://schemas.microsoft.com/office/drawing/2014/main" id="{2D4F4C79-08EF-5BD3-BF52-34ECCD733770}"/>
-              </a:ext>
-            </a:extLst>
-          </p:cNvPr>
-          <p:cNvSpPr txBox="1"/>
-          <p:nvPr/>
-        </p:nvSpPr>
-        <p:spPr>
-          <a:xfrm>
-            <a:off x="4334270" y="1722872"/>
-            <a:ext cx="7511653" cy="2252027"/>
-          </a:xfrm>
-          <a:prstGeom prst="rect">
-            <a:avLst/>
-          </a:prstGeom>
-          <a:noFill/>
-        </p:spPr>
-        <p:txBody>
-          <a:bodyPr wrap="square">
-            <a:spAutoFit/>
-          </a:bodyPr>
-          <a:lstStyle/>
-          <a:p>
-            <a:pPr>
-              <a:lnSpc>
-                <a:spcPct val="150000"/>
-              </a:lnSpc>
-            </a:pPr>
-            <a:r>
-              <a:rPr lang="zh-CN" altLang="en-US" sz="2400" dirty="0">
-                <a:latin typeface="+mn-ea"/>
-              </a:rPr>
-              <a:t>解释在下面的 </a:t>
-            </a:r>
-            <a:r>
-              <a:rPr lang="en-US" altLang="zh-CN" sz="2400" dirty="0">
-                <a:latin typeface="+mn-ea"/>
-              </a:rPr>
-              <a:t>if </a:t>
-            </a:r>
-            <a:r>
-              <a:rPr lang="zh-CN" altLang="en-US" sz="2400" dirty="0">
-                <a:latin typeface="+mn-ea"/>
-              </a:rPr>
-              <a:t>语句中条件部分的判断过程。</a:t>
-            </a:r>
-          </a:p>
-          <a:p>
-            <a:pPr>
-              <a:lnSpc>
-                <a:spcPct val="150000"/>
-              </a:lnSpc>
-            </a:pPr>
-            <a:endParaRPr lang="zh-CN" altLang="en-US" sz="2400" dirty="0">
-              <a:latin typeface="+mn-ea"/>
-            </a:endParaRPr>
-          </a:p>
-          <a:p>
-            <a:pPr>
-              <a:lnSpc>
-                <a:spcPct val="150000"/>
-              </a:lnSpc>
-            </a:pPr>
-            <a:r>
-              <a:rPr lang="en-US" altLang="zh-CN" sz="2400" dirty="0">
-                <a:latin typeface="+mn-ea"/>
-              </a:rPr>
-              <a:t>const char *cp = "Hello World";</a:t>
-            </a:r>
-          </a:p>
-          <a:p>
-            <a:pPr>
-              <a:lnSpc>
-                <a:spcPct val="150000"/>
-              </a:lnSpc>
-            </a:pPr>
-            <a:r>
-              <a:rPr lang="en-US" altLang="zh-CN" sz="2400" dirty="0">
-                <a:latin typeface="+mn-ea"/>
-              </a:rPr>
-              <a:t>if (cp &amp;&amp; *cp)</a:t>
-            </a:r>
-            <a:endParaRPr lang="en-US" altLang="zh-CN" sz="2400" b="0" i="0" dirty="0">
-              <a:effectLst/>
-              <a:latin typeface="+mn-ea"/>
-            </a:endParaRPr>
-          </a:p>
-        </p:txBody>
-      </p:sp>
-      <p:pic>
-        <p:nvPicPr>
-          <p:cNvPr id="4" name="图片 3">
-            <a:extLst>
-              <a:ext uri="{FF2B5EF4-FFF2-40B4-BE49-F238E27FC236}">
-                <a16:creationId xmlns:a16="http://schemas.microsoft.com/office/drawing/2014/main" id="{09E97054-D472-4658-822B-8939E6B957A1}"/>
-              </a:ext>
-            </a:extLst>
-          </p:cNvPr>
-          <p:cNvPicPr>
-            <a:picLocks noChangeAspect="1"/>
-          </p:cNvPicPr>
-          <p:nvPr/>
-        </p:nvPicPr>
-        <p:blipFill>
-          <a:blip r:embed="rId3">
-            <a:extLst>
-              <a:ext uri="{28A0092B-C50C-407E-A947-70E740481C1C}">
-                <a14:useLocalDpi xmlns:a14="http://schemas.microsoft.com/office/drawing/2010/main" val="0"/>
-              </a:ext>
-            </a:extLst>
-          </a:blip>
-          <a:stretch>
-            <a:fillRect/>
-          </a:stretch>
-        </p:blipFill>
-        <p:spPr>
-          <a:xfrm>
-            <a:off x="215448" y="1423155"/>
-            <a:ext cx="3358752" cy="3358752"/>
-          </a:xfrm>
-          <a:prstGeom prst="rect">
-            <a:avLst/>
-          </a:prstGeom>
-        </p:spPr>
-      </p:pic>
-    </p:spTree>
-    <p:extLst>
-      <p:ext uri="{BB962C8B-B14F-4D97-AF65-F5344CB8AC3E}">
-        <p14:creationId xmlns:p14="http://schemas.microsoft.com/office/powerpoint/2010/main" val="960676803"/>
-      </p:ext>
-    </p:extLst>
-  </p:cSld>
-  <p:clrMapOvr>
-    <a:masterClrMapping/>
-  </p:clrMapOvr>
-</p:sld>
-</file>
-
-<file path=ppt/slides/slide24.xml><?xml version="1.0" encoding="utf-8"?>
 <p:sld xmlns:a="http://schemas.openxmlformats.org/drawingml/2006/main" xmlns:r="http://schemas.openxmlformats.org/officeDocument/2006/relationships" xmlns:p="http://schemas.openxmlformats.org/presentationml/2006/main">
   <p:cSld>
     <p:spTree>
@@ -13985,7 +13569,7 @@
 </p:sld>
 </file>
 
-<file path=ppt/slides/slide25.xml><?xml version="1.0" encoding="utf-8"?>
+<file path=ppt/slides/slide24.xml><?xml version="1.0" encoding="utf-8"?>
 <p:sld xmlns:a="http://schemas.openxmlformats.org/drawingml/2006/main" xmlns:r="http://schemas.openxmlformats.org/officeDocument/2006/relationships" xmlns:p="http://schemas.openxmlformats.org/presentationml/2006/main">
   <p:cSld>
     <p:spTree>
@@ -14486,7 +14070,7 @@
 </p:sld>
 </file>
 
-<file path=ppt/slides/slide26.xml><?xml version="1.0" encoding="utf-8"?>
+<file path=ppt/slides/slide25.xml><?xml version="1.0" encoding="utf-8"?>
 <p:sld xmlns:a="http://schemas.openxmlformats.org/drawingml/2006/main" xmlns:r="http://schemas.openxmlformats.org/officeDocument/2006/relationships" xmlns:p="http://schemas.openxmlformats.org/presentationml/2006/main">
   <p:cSld>
     <p:spTree>
@@ -14821,7 +14405,7 @@
 </p:sld>
 </file>
 
-<file path=ppt/slides/slide27.xml><?xml version="1.0" encoding="utf-8"?>
+<file path=ppt/slides/slide26.xml><?xml version="1.0" encoding="utf-8"?>
 <p:sld xmlns:a="http://schemas.openxmlformats.org/drawingml/2006/main" xmlns:r="http://schemas.openxmlformats.org/officeDocument/2006/relationships" xmlns:p="http://schemas.openxmlformats.org/presentationml/2006/main">
   <p:cSld>
     <p:spTree>
@@ -14982,7 +14566,7 @@
 </p:sld>
 </file>
 
-<file path=ppt/slides/slide28.xml><?xml version="1.0" encoding="utf-8"?>
+<file path=ppt/slides/slide27.xml><?xml version="1.0" encoding="utf-8"?>
 <p:sld xmlns:a="http://schemas.openxmlformats.org/drawingml/2006/main" xmlns:r="http://schemas.openxmlformats.org/officeDocument/2006/relationships" xmlns:p="http://schemas.openxmlformats.org/presentationml/2006/main">
   <p:cSld>
     <p:spTree>
@@ -15202,7 +14786,7 @@
 </p:sld>
 </file>
 
-<file path=ppt/slides/slide29.xml><?xml version="1.0" encoding="utf-8"?>
+<file path=ppt/slides/slide28.xml><?xml version="1.0" encoding="utf-8"?>
 <p:sld xmlns:a="http://schemas.openxmlformats.org/drawingml/2006/main" xmlns:r="http://schemas.openxmlformats.org/officeDocument/2006/relationships" xmlns:p="http://schemas.openxmlformats.org/presentationml/2006/main">
   <p:cSld>
     <p:spTree>
@@ -15361,6 +14945,413 @@
     <p:extLst>
       <p:ext uri="{BB962C8B-B14F-4D97-AF65-F5344CB8AC3E}">
         <p14:creationId xmlns:p14="http://schemas.microsoft.com/office/powerpoint/2010/main" val="391220997"/>
+      </p:ext>
+    </p:extLst>
+  </p:cSld>
+  <p:clrMapOvr>
+    <a:masterClrMapping/>
+  </p:clrMapOvr>
+</p:sld>
+</file>
+
+<file path=ppt/slides/slide29.xml><?xml version="1.0" encoding="utf-8"?>
+<p:sld xmlns:a="http://schemas.openxmlformats.org/drawingml/2006/main" xmlns:r="http://schemas.openxmlformats.org/officeDocument/2006/relationships" xmlns:p="http://schemas.openxmlformats.org/presentationml/2006/main">
+  <p:cSld>
+    <p:spTree>
+      <p:nvGrpSpPr>
+        <p:cNvPr id="1" name=""/>
+        <p:cNvGrpSpPr/>
+        <p:nvPr/>
+      </p:nvGrpSpPr>
+      <p:grpSpPr>
+        <a:xfrm>
+          <a:off x="0" y="0"/>
+          <a:ext cx="0" cy="0"/>
+          <a:chOff x="0" y="0"/>
+          <a:chExt cx="0" cy="0"/>
+        </a:xfrm>
+      </p:grpSpPr>
+      <p:sp>
+        <p:nvSpPr>
+          <p:cNvPr id="8" name="文本框 7">
+            <a:extLst>
+              <a:ext uri="{FF2B5EF4-FFF2-40B4-BE49-F238E27FC236}">
+                <a16:creationId xmlns:a16="http://schemas.microsoft.com/office/drawing/2014/main" id="{173B5B89-5235-4C07-99A2-AC5672E77337}"/>
+              </a:ext>
+            </a:extLst>
+          </p:cNvPr>
+          <p:cNvSpPr txBox="1"/>
+          <p:nvPr/>
+        </p:nvSpPr>
+        <p:spPr>
+          <a:xfrm>
+            <a:off x="215448" y="169110"/>
+            <a:ext cx="11169000" cy="1015663"/>
+          </a:xfrm>
+          <a:prstGeom prst="rect">
+            <a:avLst/>
+          </a:prstGeom>
+          <a:noFill/>
+        </p:spPr>
+        <p:txBody>
+          <a:bodyPr wrap="square" rtlCol="0">
+            <a:spAutoFit/>
+          </a:bodyPr>
+          <a:lstStyle/>
+          <a:p>
+            <a:r>
+              <a:rPr lang="en-US" altLang="zh-CN" sz="6000" b="1" dirty="0">
+                <a:latin typeface="+mn-ea"/>
+              </a:rPr>
+              <a:t>exercise4.7</a:t>
+            </a:r>
+            <a:r>
+              <a:rPr lang="zh-CN" altLang="en-US" sz="6000" b="1" dirty="0">
+                <a:latin typeface="+mn-ea"/>
+              </a:rPr>
+              <a:t> 类型转换</a:t>
+            </a:r>
+          </a:p>
+        </p:txBody>
+      </p:sp>
+      <p:sp>
+        <p:nvSpPr>
+          <p:cNvPr id="6" name="文本框 5">
+            <a:extLst>
+              <a:ext uri="{FF2B5EF4-FFF2-40B4-BE49-F238E27FC236}">
+                <a16:creationId xmlns:a16="http://schemas.microsoft.com/office/drawing/2014/main" id="{2D4F4C79-08EF-5BD3-BF52-34ECCD733770}"/>
+              </a:ext>
+            </a:extLst>
+          </p:cNvPr>
+          <p:cNvSpPr txBox="1"/>
+          <p:nvPr/>
+        </p:nvSpPr>
+        <p:spPr>
+          <a:xfrm>
+            <a:off x="4301998" y="1184773"/>
+            <a:ext cx="7511653" cy="5451621"/>
+          </a:xfrm>
+          <a:prstGeom prst="rect">
+            <a:avLst/>
+          </a:prstGeom>
+          <a:noFill/>
+        </p:spPr>
+        <p:txBody>
+          <a:bodyPr wrap="square">
+            <a:spAutoFit/>
+          </a:bodyPr>
+          <a:lstStyle/>
+          <a:p>
+            <a:pPr>
+              <a:lnSpc>
+                <a:spcPct val="150000"/>
+              </a:lnSpc>
+            </a:pPr>
+            <a:r>
+              <a:rPr lang="zh-CN" altLang="en-US" dirty="0"/>
+              <a:t>假设有如下的定义</a:t>
+            </a:r>
+          </a:p>
+          <a:p>
+            <a:pPr>
+              <a:lnSpc>
+                <a:spcPct val="150000"/>
+              </a:lnSpc>
+            </a:pPr>
+            <a:r>
+              <a:rPr lang="en-US" altLang="zh-CN" dirty="0"/>
+              <a:t>char </a:t>
+            </a:r>
+            <a:r>
+              <a:rPr lang="en-US" altLang="zh-CN" dirty="0" err="1"/>
+              <a:t>cval</a:t>
+            </a:r>
+            <a:r>
+              <a:rPr lang="en-US" altLang="zh-CN" dirty="0"/>
+              <a:t>;</a:t>
+            </a:r>
+          </a:p>
+          <a:p>
+            <a:pPr>
+              <a:lnSpc>
+                <a:spcPct val="150000"/>
+              </a:lnSpc>
+            </a:pPr>
+            <a:r>
+              <a:rPr lang="en-US" altLang="zh-CN" dirty="0"/>
+              <a:t>int </a:t>
+            </a:r>
+            <a:r>
+              <a:rPr lang="en-US" altLang="zh-CN" dirty="0" err="1"/>
+              <a:t>ival</a:t>
+            </a:r>
+            <a:r>
+              <a:rPr lang="en-US" altLang="zh-CN" dirty="0"/>
+              <a:t>;</a:t>
+            </a:r>
+          </a:p>
+          <a:p>
+            <a:pPr>
+              <a:lnSpc>
+                <a:spcPct val="150000"/>
+              </a:lnSpc>
+            </a:pPr>
+            <a:r>
+              <a:rPr lang="en-US" altLang="zh-CN" dirty="0"/>
+              <a:t>unsigned int </a:t>
+            </a:r>
+            <a:r>
+              <a:rPr lang="en-US" altLang="zh-CN" dirty="0" err="1"/>
+              <a:t>ui</a:t>
+            </a:r>
+            <a:r>
+              <a:rPr lang="en-US" altLang="zh-CN" dirty="0"/>
+              <a:t>;</a:t>
+            </a:r>
+          </a:p>
+          <a:p>
+            <a:pPr>
+              <a:lnSpc>
+                <a:spcPct val="150000"/>
+              </a:lnSpc>
+            </a:pPr>
+            <a:r>
+              <a:rPr lang="en-US" altLang="zh-CN" dirty="0"/>
+              <a:t>float </a:t>
+            </a:r>
+            <a:r>
+              <a:rPr lang="en-US" altLang="zh-CN" dirty="0" err="1"/>
+              <a:t>fval</a:t>
+            </a:r>
+            <a:r>
+              <a:rPr lang="en-US" altLang="zh-CN" dirty="0"/>
+              <a:t>;</a:t>
+            </a:r>
+          </a:p>
+          <a:p>
+            <a:pPr>
+              <a:lnSpc>
+                <a:spcPct val="150000"/>
+              </a:lnSpc>
+            </a:pPr>
+            <a:r>
+              <a:rPr lang="en-US" altLang="zh-CN" dirty="0"/>
+              <a:t>double </a:t>
+            </a:r>
+            <a:r>
+              <a:rPr lang="en-US" altLang="zh-CN" dirty="0" err="1"/>
+              <a:t>dval</a:t>
+            </a:r>
+            <a:r>
+              <a:rPr lang="en-US" altLang="zh-CN" dirty="0"/>
+              <a:t>;</a:t>
+            </a:r>
+          </a:p>
+          <a:p>
+            <a:pPr>
+              <a:lnSpc>
+                <a:spcPct val="150000"/>
+              </a:lnSpc>
+            </a:pPr>
+            <a:endParaRPr lang="en-US" altLang="zh-CN" dirty="0"/>
+          </a:p>
+          <a:p>
+            <a:pPr>
+              <a:lnSpc>
+                <a:spcPct val="150000"/>
+              </a:lnSpc>
+            </a:pPr>
+            <a:r>
+              <a:rPr lang="zh-CN" altLang="en-US" dirty="0"/>
+              <a:t>请回答在下面的表达式中发生了隐式类型转换吗？如果有，指出来。</a:t>
+            </a:r>
+          </a:p>
+          <a:p>
+            <a:pPr>
+              <a:lnSpc>
+                <a:spcPct val="150000"/>
+              </a:lnSpc>
+            </a:pPr>
+            <a:endParaRPr lang="zh-CN" altLang="en-US" dirty="0"/>
+          </a:p>
+          <a:p>
+            <a:pPr>
+              <a:lnSpc>
+                <a:spcPct val="150000"/>
+              </a:lnSpc>
+            </a:pPr>
+            <a:r>
+              <a:rPr lang="en-US" altLang="zh-CN" dirty="0"/>
+              <a:t>(a) </a:t>
+            </a:r>
+            <a:r>
+              <a:rPr lang="en-US" altLang="zh-CN" dirty="0" err="1"/>
+              <a:t>cval</a:t>
+            </a:r>
+            <a:r>
+              <a:rPr lang="en-US" altLang="zh-CN" dirty="0"/>
+              <a:t> = 'a' + 3;</a:t>
+            </a:r>
+          </a:p>
+          <a:p>
+            <a:pPr>
+              <a:lnSpc>
+                <a:spcPct val="150000"/>
+              </a:lnSpc>
+            </a:pPr>
+            <a:r>
+              <a:rPr lang="en-US" altLang="zh-CN" dirty="0"/>
+              <a:t>(b) </a:t>
+            </a:r>
+            <a:r>
+              <a:rPr lang="en-US" altLang="zh-CN" dirty="0" err="1"/>
+              <a:t>fval</a:t>
+            </a:r>
+            <a:r>
+              <a:rPr lang="en-US" altLang="zh-CN" dirty="0"/>
+              <a:t> = </a:t>
+            </a:r>
+            <a:r>
+              <a:rPr lang="en-US" altLang="zh-CN" dirty="0" err="1"/>
+              <a:t>ui</a:t>
+            </a:r>
+            <a:r>
+              <a:rPr lang="en-US" altLang="zh-CN" dirty="0"/>
+              <a:t> - </a:t>
+            </a:r>
+            <a:r>
+              <a:rPr lang="en-US" altLang="zh-CN" dirty="0" err="1"/>
+              <a:t>ival</a:t>
+            </a:r>
+            <a:r>
+              <a:rPr lang="en-US" altLang="zh-CN" dirty="0"/>
+              <a:t> * 1.0;</a:t>
+            </a:r>
+          </a:p>
+          <a:p>
+            <a:pPr>
+              <a:lnSpc>
+                <a:spcPct val="150000"/>
+              </a:lnSpc>
+            </a:pPr>
+            <a:r>
+              <a:rPr lang="en-US" altLang="zh-CN" dirty="0"/>
+              <a:t>(c) </a:t>
+            </a:r>
+            <a:r>
+              <a:rPr lang="en-US" altLang="zh-CN" dirty="0" err="1"/>
+              <a:t>dval</a:t>
+            </a:r>
+            <a:r>
+              <a:rPr lang="en-US" altLang="zh-CN" dirty="0"/>
+              <a:t> = </a:t>
+            </a:r>
+            <a:r>
+              <a:rPr lang="en-US" altLang="zh-CN" dirty="0" err="1"/>
+              <a:t>ui</a:t>
+            </a:r>
+            <a:r>
+              <a:rPr lang="en-US" altLang="zh-CN" dirty="0"/>
+              <a:t> * </a:t>
+            </a:r>
+            <a:r>
+              <a:rPr lang="en-US" altLang="zh-CN" dirty="0" err="1"/>
+              <a:t>fval</a:t>
+            </a:r>
+            <a:r>
+              <a:rPr lang="en-US" altLang="zh-CN" dirty="0"/>
+              <a:t>;</a:t>
+            </a:r>
+          </a:p>
+          <a:p>
+            <a:pPr>
+              <a:lnSpc>
+                <a:spcPct val="150000"/>
+              </a:lnSpc>
+            </a:pPr>
+            <a:r>
+              <a:rPr lang="en-US" altLang="zh-CN" dirty="0"/>
+              <a:t>(d) </a:t>
+            </a:r>
+            <a:r>
+              <a:rPr lang="en-US" altLang="zh-CN" dirty="0" err="1"/>
+              <a:t>cval</a:t>
+            </a:r>
+            <a:r>
+              <a:rPr lang="en-US" altLang="zh-CN" dirty="0"/>
+              <a:t> = </a:t>
+            </a:r>
+            <a:r>
+              <a:rPr lang="en-US" altLang="zh-CN" dirty="0" err="1"/>
+              <a:t>ival</a:t>
+            </a:r>
+            <a:r>
+              <a:rPr lang="en-US" altLang="zh-CN" dirty="0"/>
+              <a:t> + </a:t>
+            </a:r>
+            <a:r>
+              <a:rPr lang="en-US" altLang="zh-CN" dirty="0" err="1"/>
+              <a:t>fval</a:t>
+            </a:r>
+            <a:r>
+              <a:rPr lang="en-US" altLang="zh-CN" dirty="0"/>
+              <a:t> + </a:t>
+            </a:r>
+            <a:r>
+              <a:rPr lang="en-US" altLang="zh-CN" dirty="0" err="1"/>
+              <a:t>dval</a:t>
+            </a:r>
+            <a:r>
+              <a:rPr lang="en-US" altLang="zh-CN" dirty="0"/>
+              <a:t>;</a:t>
+            </a:r>
+            <a:endParaRPr lang="en-US" altLang="zh-CN" sz="2400" b="0" i="0" dirty="0">
+              <a:effectLst/>
+              <a:latin typeface="+mn-ea"/>
+            </a:endParaRPr>
+          </a:p>
+        </p:txBody>
+      </p:sp>
+      <p:pic>
+        <p:nvPicPr>
+          <p:cNvPr id="4" name="图片 3">
+            <a:extLst>
+              <a:ext uri="{FF2B5EF4-FFF2-40B4-BE49-F238E27FC236}">
+                <a16:creationId xmlns:a16="http://schemas.microsoft.com/office/drawing/2014/main" id="{09E97054-D472-4658-822B-8939E6B957A1}"/>
+              </a:ext>
+            </a:extLst>
+          </p:cNvPr>
+          <p:cNvPicPr>
+            <a:picLocks noChangeAspect="1"/>
+          </p:cNvPicPr>
+          <p:nvPr/>
+        </p:nvPicPr>
+        <p:blipFill>
+          <a:blip r:embed="rId3">
+            <a:extLst>
+              <a:ext uri="{28A0092B-C50C-407E-A947-70E740481C1C}">
+                <a14:useLocalDpi xmlns:a14="http://schemas.microsoft.com/office/drawing/2010/main" val="0"/>
+              </a:ext>
+            </a:extLst>
+          </a:blip>
+          <a:stretch>
+            <a:fillRect/>
+          </a:stretch>
+        </p:blipFill>
+        <p:spPr>
+          <a:xfrm>
+            <a:off x="215448" y="1423155"/>
+            <a:ext cx="3358752" cy="3358752"/>
+          </a:xfrm>
+          <a:prstGeom prst="rect">
+            <a:avLst/>
+          </a:prstGeom>
+        </p:spPr>
+      </p:pic>
+    </p:spTree>
+    <p:extLst>
+      <p:ext uri="{BB962C8B-B14F-4D97-AF65-F5344CB8AC3E}">
+        <p14:creationId xmlns:p14="http://schemas.microsoft.com/office/powerpoint/2010/main" val="3113811575"/>
       </p:ext>
     </p:extLst>
   </p:cSld>
@@ -15688,413 +15679,6 @@
               <a:rPr lang="en-US" altLang="zh-CN" sz="6000" b="1" dirty="0">
                 <a:latin typeface="+mn-ea"/>
               </a:rPr>
-              <a:t>exercise4.7</a:t>
-            </a:r>
-            <a:r>
-              <a:rPr lang="zh-CN" altLang="en-US" sz="6000" b="1" dirty="0">
-                <a:latin typeface="+mn-ea"/>
-              </a:rPr>
-              <a:t> 类型转换</a:t>
-            </a:r>
-          </a:p>
-        </p:txBody>
-      </p:sp>
-      <p:sp>
-        <p:nvSpPr>
-          <p:cNvPr id="6" name="文本框 5">
-            <a:extLst>
-              <a:ext uri="{FF2B5EF4-FFF2-40B4-BE49-F238E27FC236}">
-                <a16:creationId xmlns:a16="http://schemas.microsoft.com/office/drawing/2014/main" id="{2D4F4C79-08EF-5BD3-BF52-34ECCD733770}"/>
-              </a:ext>
-            </a:extLst>
-          </p:cNvPr>
-          <p:cNvSpPr txBox="1"/>
-          <p:nvPr/>
-        </p:nvSpPr>
-        <p:spPr>
-          <a:xfrm>
-            <a:off x="4301998" y="1184773"/>
-            <a:ext cx="7511653" cy="5451621"/>
-          </a:xfrm>
-          <a:prstGeom prst="rect">
-            <a:avLst/>
-          </a:prstGeom>
-          <a:noFill/>
-        </p:spPr>
-        <p:txBody>
-          <a:bodyPr wrap="square">
-            <a:spAutoFit/>
-          </a:bodyPr>
-          <a:lstStyle/>
-          <a:p>
-            <a:pPr>
-              <a:lnSpc>
-                <a:spcPct val="150000"/>
-              </a:lnSpc>
-            </a:pPr>
-            <a:r>
-              <a:rPr lang="zh-CN" altLang="en-US" dirty="0"/>
-              <a:t>假设有如下的定义</a:t>
-            </a:r>
-          </a:p>
-          <a:p>
-            <a:pPr>
-              <a:lnSpc>
-                <a:spcPct val="150000"/>
-              </a:lnSpc>
-            </a:pPr>
-            <a:r>
-              <a:rPr lang="en-US" altLang="zh-CN" dirty="0"/>
-              <a:t>char </a:t>
-            </a:r>
-            <a:r>
-              <a:rPr lang="en-US" altLang="zh-CN" dirty="0" err="1"/>
-              <a:t>cval</a:t>
-            </a:r>
-            <a:r>
-              <a:rPr lang="en-US" altLang="zh-CN" dirty="0"/>
-              <a:t>;</a:t>
-            </a:r>
-          </a:p>
-          <a:p>
-            <a:pPr>
-              <a:lnSpc>
-                <a:spcPct val="150000"/>
-              </a:lnSpc>
-            </a:pPr>
-            <a:r>
-              <a:rPr lang="en-US" altLang="zh-CN" dirty="0"/>
-              <a:t>int </a:t>
-            </a:r>
-            <a:r>
-              <a:rPr lang="en-US" altLang="zh-CN" dirty="0" err="1"/>
-              <a:t>ival</a:t>
-            </a:r>
-            <a:r>
-              <a:rPr lang="en-US" altLang="zh-CN" dirty="0"/>
-              <a:t>;</a:t>
-            </a:r>
-          </a:p>
-          <a:p>
-            <a:pPr>
-              <a:lnSpc>
-                <a:spcPct val="150000"/>
-              </a:lnSpc>
-            </a:pPr>
-            <a:r>
-              <a:rPr lang="en-US" altLang="zh-CN" dirty="0"/>
-              <a:t>unsigned int </a:t>
-            </a:r>
-            <a:r>
-              <a:rPr lang="en-US" altLang="zh-CN" dirty="0" err="1"/>
-              <a:t>ui</a:t>
-            </a:r>
-            <a:r>
-              <a:rPr lang="en-US" altLang="zh-CN" dirty="0"/>
-              <a:t>;</a:t>
-            </a:r>
-          </a:p>
-          <a:p>
-            <a:pPr>
-              <a:lnSpc>
-                <a:spcPct val="150000"/>
-              </a:lnSpc>
-            </a:pPr>
-            <a:r>
-              <a:rPr lang="en-US" altLang="zh-CN" dirty="0"/>
-              <a:t>float </a:t>
-            </a:r>
-            <a:r>
-              <a:rPr lang="en-US" altLang="zh-CN" dirty="0" err="1"/>
-              <a:t>fval</a:t>
-            </a:r>
-            <a:r>
-              <a:rPr lang="en-US" altLang="zh-CN" dirty="0"/>
-              <a:t>;</a:t>
-            </a:r>
-          </a:p>
-          <a:p>
-            <a:pPr>
-              <a:lnSpc>
-                <a:spcPct val="150000"/>
-              </a:lnSpc>
-            </a:pPr>
-            <a:r>
-              <a:rPr lang="en-US" altLang="zh-CN" dirty="0"/>
-              <a:t>double </a:t>
-            </a:r>
-            <a:r>
-              <a:rPr lang="en-US" altLang="zh-CN" dirty="0" err="1"/>
-              <a:t>dval</a:t>
-            </a:r>
-            <a:r>
-              <a:rPr lang="en-US" altLang="zh-CN" dirty="0"/>
-              <a:t>;</a:t>
-            </a:r>
-          </a:p>
-          <a:p>
-            <a:pPr>
-              <a:lnSpc>
-                <a:spcPct val="150000"/>
-              </a:lnSpc>
-            </a:pPr>
-            <a:endParaRPr lang="en-US" altLang="zh-CN" dirty="0"/>
-          </a:p>
-          <a:p>
-            <a:pPr>
-              <a:lnSpc>
-                <a:spcPct val="150000"/>
-              </a:lnSpc>
-            </a:pPr>
-            <a:r>
-              <a:rPr lang="zh-CN" altLang="en-US" dirty="0"/>
-              <a:t>请回答在下面的表达式中发生了隐式类型转换吗？如果有，指出来。</a:t>
-            </a:r>
-          </a:p>
-          <a:p>
-            <a:pPr>
-              <a:lnSpc>
-                <a:spcPct val="150000"/>
-              </a:lnSpc>
-            </a:pPr>
-            <a:endParaRPr lang="zh-CN" altLang="en-US" dirty="0"/>
-          </a:p>
-          <a:p>
-            <a:pPr>
-              <a:lnSpc>
-                <a:spcPct val="150000"/>
-              </a:lnSpc>
-            </a:pPr>
-            <a:r>
-              <a:rPr lang="en-US" altLang="zh-CN" dirty="0"/>
-              <a:t>(a) </a:t>
-            </a:r>
-            <a:r>
-              <a:rPr lang="en-US" altLang="zh-CN" dirty="0" err="1"/>
-              <a:t>cval</a:t>
-            </a:r>
-            <a:r>
-              <a:rPr lang="en-US" altLang="zh-CN" dirty="0"/>
-              <a:t> = 'a' + 3;</a:t>
-            </a:r>
-          </a:p>
-          <a:p>
-            <a:pPr>
-              <a:lnSpc>
-                <a:spcPct val="150000"/>
-              </a:lnSpc>
-            </a:pPr>
-            <a:r>
-              <a:rPr lang="en-US" altLang="zh-CN" dirty="0"/>
-              <a:t>(b) </a:t>
-            </a:r>
-            <a:r>
-              <a:rPr lang="en-US" altLang="zh-CN" dirty="0" err="1"/>
-              <a:t>fval</a:t>
-            </a:r>
-            <a:r>
-              <a:rPr lang="en-US" altLang="zh-CN" dirty="0"/>
-              <a:t> = </a:t>
-            </a:r>
-            <a:r>
-              <a:rPr lang="en-US" altLang="zh-CN" dirty="0" err="1"/>
-              <a:t>ui</a:t>
-            </a:r>
-            <a:r>
-              <a:rPr lang="en-US" altLang="zh-CN" dirty="0"/>
-              <a:t> - </a:t>
-            </a:r>
-            <a:r>
-              <a:rPr lang="en-US" altLang="zh-CN" dirty="0" err="1"/>
-              <a:t>ival</a:t>
-            </a:r>
-            <a:r>
-              <a:rPr lang="en-US" altLang="zh-CN" dirty="0"/>
-              <a:t> * 1.0;</a:t>
-            </a:r>
-          </a:p>
-          <a:p>
-            <a:pPr>
-              <a:lnSpc>
-                <a:spcPct val="150000"/>
-              </a:lnSpc>
-            </a:pPr>
-            <a:r>
-              <a:rPr lang="en-US" altLang="zh-CN" dirty="0"/>
-              <a:t>(c) </a:t>
-            </a:r>
-            <a:r>
-              <a:rPr lang="en-US" altLang="zh-CN" dirty="0" err="1"/>
-              <a:t>dval</a:t>
-            </a:r>
-            <a:r>
-              <a:rPr lang="en-US" altLang="zh-CN" dirty="0"/>
-              <a:t> = </a:t>
-            </a:r>
-            <a:r>
-              <a:rPr lang="en-US" altLang="zh-CN" dirty="0" err="1"/>
-              <a:t>ui</a:t>
-            </a:r>
-            <a:r>
-              <a:rPr lang="en-US" altLang="zh-CN" dirty="0"/>
-              <a:t> * </a:t>
-            </a:r>
-            <a:r>
-              <a:rPr lang="en-US" altLang="zh-CN" dirty="0" err="1"/>
-              <a:t>fval</a:t>
-            </a:r>
-            <a:r>
-              <a:rPr lang="en-US" altLang="zh-CN" dirty="0"/>
-              <a:t>;</a:t>
-            </a:r>
-          </a:p>
-          <a:p>
-            <a:pPr>
-              <a:lnSpc>
-                <a:spcPct val="150000"/>
-              </a:lnSpc>
-            </a:pPr>
-            <a:r>
-              <a:rPr lang="en-US" altLang="zh-CN" dirty="0"/>
-              <a:t>(d) </a:t>
-            </a:r>
-            <a:r>
-              <a:rPr lang="en-US" altLang="zh-CN" dirty="0" err="1"/>
-              <a:t>cval</a:t>
-            </a:r>
-            <a:r>
-              <a:rPr lang="en-US" altLang="zh-CN" dirty="0"/>
-              <a:t> = </a:t>
-            </a:r>
-            <a:r>
-              <a:rPr lang="en-US" altLang="zh-CN" dirty="0" err="1"/>
-              <a:t>ival</a:t>
-            </a:r>
-            <a:r>
-              <a:rPr lang="en-US" altLang="zh-CN" dirty="0"/>
-              <a:t> + </a:t>
-            </a:r>
-            <a:r>
-              <a:rPr lang="en-US" altLang="zh-CN" dirty="0" err="1"/>
-              <a:t>fval</a:t>
-            </a:r>
-            <a:r>
-              <a:rPr lang="en-US" altLang="zh-CN" dirty="0"/>
-              <a:t> + </a:t>
-            </a:r>
-            <a:r>
-              <a:rPr lang="en-US" altLang="zh-CN" dirty="0" err="1"/>
-              <a:t>dval</a:t>
-            </a:r>
-            <a:r>
-              <a:rPr lang="en-US" altLang="zh-CN" dirty="0"/>
-              <a:t>;</a:t>
-            </a:r>
-            <a:endParaRPr lang="en-US" altLang="zh-CN" sz="2400" b="0" i="0" dirty="0">
-              <a:effectLst/>
-              <a:latin typeface="+mn-ea"/>
-            </a:endParaRPr>
-          </a:p>
-        </p:txBody>
-      </p:sp>
-      <p:pic>
-        <p:nvPicPr>
-          <p:cNvPr id="4" name="图片 3">
-            <a:extLst>
-              <a:ext uri="{FF2B5EF4-FFF2-40B4-BE49-F238E27FC236}">
-                <a16:creationId xmlns:a16="http://schemas.microsoft.com/office/drawing/2014/main" id="{09E97054-D472-4658-822B-8939E6B957A1}"/>
-              </a:ext>
-            </a:extLst>
-          </p:cNvPr>
-          <p:cNvPicPr>
-            <a:picLocks noChangeAspect="1"/>
-          </p:cNvPicPr>
-          <p:nvPr/>
-        </p:nvPicPr>
-        <p:blipFill>
-          <a:blip r:embed="rId3">
-            <a:extLst>
-              <a:ext uri="{28A0092B-C50C-407E-A947-70E740481C1C}">
-                <a14:useLocalDpi xmlns:a14="http://schemas.microsoft.com/office/drawing/2010/main" val="0"/>
-              </a:ext>
-            </a:extLst>
-          </a:blip>
-          <a:stretch>
-            <a:fillRect/>
-          </a:stretch>
-        </p:blipFill>
-        <p:spPr>
-          <a:xfrm>
-            <a:off x="215448" y="1423155"/>
-            <a:ext cx="3358752" cy="3358752"/>
-          </a:xfrm>
-          <a:prstGeom prst="rect">
-            <a:avLst/>
-          </a:prstGeom>
-        </p:spPr>
-      </p:pic>
-    </p:spTree>
-    <p:extLst>
-      <p:ext uri="{BB962C8B-B14F-4D97-AF65-F5344CB8AC3E}">
-        <p14:creationId xmlns:p14="http://schemas.microsoft.com/office/powerpoint/2010/main" val="3113811575"/>
-      </p:ext>
-    </p:extLst>
-  </p:cSld>
-  <p:clrMapOvr>
-    <a:masterClrMapping/>
-  </p:clrMapOvr>
-</p:sld>
-</file>
-
-<file path=ppt/slides/slide31.xml><?xml version="1.0" encoding="utf-8"?>
-<p:sld xmlns:a="http://schemas.openxmlformats.org/drawingml/2006/main" xmlns:r="http://schemas.openxmlformats.org/officeDocument/2006/relationships" xmlns:p="http://schemas.openxmlformats.org/presentationml/2006/main">
-  <p:cSld>
-    <p:spTree>
-      <p:nvGrpSpPr>
-        <p:cNvPr id="1" name=""/>
-        <p:cNvGrpSpPr/>
-        <p:nvPr/>
-      </p:nvGrpSpPr>
-      <p:grpSpPr>
-        <a:xfrm>
-          <a:off x="0" y="0"/>
-          <a:ext cx="0" cy="0"/>
-          <a:chOff x="0" y="0"/>
-          <a:chExt cx="0" cy="0"/>
-        </a:xfrm>
-      </p:grpSpPr>
-      <p:sp>
-        <p:nvSpPr>
-          <p:cNvPr id="8" name="文本框 7">
-            <a:extLst>
-              <a:ext uri="{FF2B5EF4-FFF2-40B4-BE49-F238E27FC236}">
-                <a16:creationId xmlns:a16="http://schemas.microsoft.com/office/drawing/2014/main" id="{173B5B89-5235-4C07-99A2-AC5672E77337}"/>
-              </a:ext>
-            </a:extLst>
-          </p:cNvPr>
-          <p:cNvSpPr txBox="1"/>
-          <p:nvPr/>
-        </p:nvSpPr>
-        <p:spPr>
-          <a:xfrm>
-            <a:off x="215448" y="169110"/>
-            <a:ext cx="11169000" cy="1015663"/>
-          </a:xfrm>
-          <a:prstGeom prst="rect">
-            <a:avLst/>
-          </a:prstGeom>
-          <a:noFill/>
-        </p:spPr>
-        <p:txBody>
-          <a:bodyPr wrap="square" rtlCol="0">
-            <a:spAutoFit/>
-          </a:bodyPr>
-          <a:lstStyle/>
-          <a:p>
-            <a:r>
-              <a:rPr lang="en-US" altLang="zh-CN" sz="6000" b="1" dirty="0">
-                <a:latin typeface="+mn-ea"/>
-              </a:rPr>
               <a:t>exercise4.8: </a:t>
             </a:r>
             <a:r>
@@ -16252,7 +15836,7 @@
 </p:sld>
 </file>
 
-<file path=ppt/slides/slide32.xml><?xml version="1.0" encoding="utf-8"?>
+<file path=ppt/slides/slide31.xml><?xml version="1.0" encoding="utf-8"?>
 <p:sld xmlns:a="http://schemas.openxmlformats.org/drawingml/2006/main" xmlns:r="http://schemas.openxmlformats.org/officeDocument/2006/relationships" xmlns:p="http://schemas.openxmlformats.org/presentationml/2006/main">
   <p:cSld>
     <p:spTree>

--- a/C++课件.pptx
+++ b/C++课件.pptx
@@ -227,7 +227,7 @@
           <a:p>
             <a:fld id="{C763DFBC-BC7B-44D2-9277-A1640CE38A00}" type="datetimeFigureOut">
               <a:rPr lang="zh-CN" altLang="en-US" smtClean="0"/>
-              <a:t>2023/12/25</a:t>
+              <a:t>2024/1/10</a:t>
             </a:fld>
             <a:endParaRPr lang="zh-CN" altLang="en-US"/>
           </a:p>
@@ -7125,7 +7125,7 @@
           <a:p>
             <a:fld id="{5A1740DE-654B-48BB-A6EB-4DD86D9E78E3}" type="datetimeFigureOut">
               <a:rPr lang="zh-CN" altLang="en-US" smtClean="0"/>
-              <a:t>2023/12/25</a:t>
+              <a:t>2024/1/10</a:t>
             </a:fld>
             <a:endParaRPr lang="zh-CN" altLang="en-US"/>
           </a:p>
@@ -7323,7 +7323,7 @@
           <a:p>
             <a:fld id="{5A1740DE-654B-48BB-A6EB-4DD86D9E78E3}" type="datetimeFigureOut">
               <a:rPr lang="zh-CN" altLang="en-US" smtClean="0"/>
-              <a:t>2023/12/25</a:t>
+              <a:t>2024/1/10</a:t>
             </a:fld>
             <a:endParaRPr lang="zh-CN" altLang="en-US"/>
           </a:p>
@@ -7531,7 +7531,7 @@
           <a:p>
             <a:fld id="{5A1740DE-654B-48BB-A6EB-4DD86D9E78E3}" type="datetimeFigureOut">
               <a:rPr lang="zh-CN" altLang="en-US" smtClean="0"/>
-              <a:t>2023/12/25</a:t>
+              <a:t>2024/1/10</a:t>
             </a:fld>
             <a:endParaRPr lang="zh-CN" altLang="en-US"/>
           </a:p>
@@ -7729,7 +7729,7 @@
           <a:p>
             <a:fld id="{5A1740DE-654B-48BB-A6EB-4DD86D9E78E3}" type="datetimeFigureOut">
               <a:rPr lang="zh-CN" altLang="en-US" smtClean="0"/>
-              <a:t>2023/12/25</a:t>
+              <a:t>2024/1/10</a:t>
             </a:fld>
             <a:endParaRPr lang="zh-CN" altLang="en-US"/>
           </a:p>
@@ -8004,7 +8004,7 @@
           <a:p>
             <a:fld id="{5A1740DE-654B-48BB-A6EB-4DD86D9E78E3}" type="datetimeFigureOut">
               <a:rPr lang="zh-CN" altLang="en-US" smtClean="0"/>
-              <a:t>2023/12/25</a:t>
+              <a:t>2024/1/10</a:t>
             </a:fld>
             <a:endParaRPr lang="zh-CN" altLang="en-US"/>
           </a:p>
@@ -8269,7 +8269,7 @@
           <a:p>
             <a:fld id="{5A1740DE-654B-48BB-A6EB-4DD86D9E78E3}" type="datetimeFigureOut">
               <a:rPr lang="zh-CN" altLang="en-US" smtClean="0"/>
-              <a:t>2023/12/25</a:t>
+              <a:t>2024/1/10</a:t>
             </a:fld>
             <a:endParaRPr lang="zh-CN" altLang="en-US"/>
           </a:p>
@@ -8681,7 +8681,7 @@
           <a:p>
             <a:fld id="{5A1740DE-654B-48BB-A6EB-4DD86D9E78E3}" type="datetimeFigureOut">
               <a:rPr lang="zh-CN" altLang="en-US" smtClean="0"/>
-              <a:t>2023/12/25</a:t>
+              <a:t>2024/1/10</a:t>
             </a:fld>
             <a:endParaRPr lang="zh-CN" altLang="en-US"/>
           </a:p>
@@ -8822,7 +8822,7 @@
           <a:p>
             <a:fld id="{5A1740DE-654B-48BB-A6EB-4DD86D9E78E3}" type="datetimeFigureOut">
               <a:rPr lang="zh-CN" altLang="en-US" smtClean="0"/>
-              <a:t>2023/12/25</a:t>
+              <a:t>2024/1/10</a:t>
             </a:fld>
             <a:endParaRPr lang="zh-CN" altLang="en-US"/>
           </a:p>
@@ -8935,7 +8935,7 @@
           <a:p>
             <a:fld id="{5A1740DE-654B-48BB-A6EB-4DD86D9E78E3}" type="datetimeFigureOut">
               <a:rPr lang="zh-CN" altLang="en-US" smtClean="0"/>
-              <a:t>2023/12/25</a:t>
+              <a:t>2024/1/10</a:t>
             </a:fld>
             <a:endParaRPr lang="zh-CN" altLang="en-US"/>
           </a:p>
@@ -9246,7 +9246,7 @@
           <a:p>
             <a:fld id="{5A1740DE-654B-48BB-A6EB-4DD86D9E78E3}" type="datetimeFigureOut">
               <a:rPr lang="zh-CN" altLang="en-US" smtClean="0"/>
-              <a:t>2023/12/25</a:t>
+              <a:t>2024/1/10</a:t>
             </a:fld>
             <a:endParaRPr lang="zh-CN" altLang="en-US"/>
           </a:p>
@@ -9534,7 +9534,7 @@
           <a:p>
             <a:fld id="{5A1740DE-654B-48BB-A6EB-4DD86D9E78E3}" type="datetimeFigureOut">
               <a:rPr lang="zh-CN" altLang="en-US" smtClean="0"/>
-              <a:t>2023/12/25</a:t>
+              <a:t>2024/1/10</a:t>
             </a:fld>
             <a:endParaRPr lang="zh-CN" altLang="en-US"/>
           </a:p>
@@ -9775,7 +9775,7 @@
           <a:p>
             <a:fld id="{5A1740DE-654B-48BB-A6EB-4DD86D9E78E3}" type="datetimeFigureOut">
               <a:rPr lang="zh-CN" altLang="en-US" smtClean="0"/>
-              <a:t>2023/12/25</a:t>
+              <a:t>2024/1/10</a:t>
             </a:fld>
             <a:endParaRPr lang="zh-CN" altLang="en-US"/>
           </a:p>
@@ -14480,7 +14480,7 @@
         <p:spPr>
           <a:xfrm>
             <a:off x="4194421" y="1958500"/>
-            <a:ext cx="7511653" cy="1144031"/>
+            <a:ext cx="7511653" cy="2417906"/>
           </a:xfrm>
           <a:prstGeom prst="rect">
             <a:avLst/>
@@ -14508,8 +14508,27 @@
             </a:r>
             <a:r>
               <a:rPr lang="zh-CN" altLang="en-US" sz="2400" dirty="0"/>
-              <a:t>中找到哪些元素的值是奇数，然后将这些奇数值翻倍。</a:t>
-            </a:r>
+              <a:t>中找到哪些元素的值是质数，然后将这些奇数值翻倍。</a:t>
+            </a:r>
+            <a:endParaRPr lang="en-US" altLang="zh-CN" sz="2400" dirty="0"/>
+          </a:p>
+          <a:p>
+            <a:pPr>
+              <a:lnSpc>
+                <a:spcPct val="150000"/>
+              </a:lnSpc>
+            </a:pPr>
+            <a:endParaRPr lang="en-US" altLang="zh-CN" sz="2400" b="0" i="0" dirty="0">
+              <a:effectLst/>
+              <a:latin typeface="+mn-ea"/>
+            </a:endParaRPr>
+          </a:p>
+          <a:p>
+            <a:pPr>
+              <a:lnSpc>
+                <a:spcPct val="150000"/>
+              </a:lnSpc>
+            </a:pPr>
             <a:endParaRPr lang="en-US" altLang="zh-CN" sz="3200" b="0" i="0" dirty="0">
               <a:effectLst/>
               <a:latin typeface="+mn-ea"/>
@@ -14861,7 +14880,7 @@
         <p:spPr>
           <a:xfrm>
             <a:off x="4194421" y="1958500"/>
-            <a:ext cx="7511653" cy="1144031"/>
+            <a:ext cx="7511653" cy="2806025"/>
           </a:xfrm>
           <a:prstGeom prst="rect">
             <a:avLst/>
@@ -14883,6 +14902,49 @@
               <a:rPr lang="zh-CN" altLang="en-US" sz="2400" dirty="0"/>
               <a:t>说明下面这条表达式的含义。</a:t>
             </a:r>
+            <a:endParaRPr lang="en-US" altLang="zh-CN" sz="2400" dirty="0"/>
+          </a:p>
+          <a:p>
+            <a:pPr>
+              <a:lnSpc>
+                <a:spcPct val="150000"/>
+              </a:lnSpc>
+            </a:pPr>
+            <a:r>
+              <a:rPr lang="en-US" altLang="zh-CN" sz="2400" dirty="0"/>
+              <a:t>Int x=1;</a:t>
+            </a:r>
+          </a:p>
+          <a:p>
+            <a:pPr>
+              <a:lnSpc>
+                <a:spcPct val="150000"/>
+              </a:lnSpc>
+            </a:pPr>
+            <a:r>
+              <a:rPr lang="en-US" altLang="zh-CN" sz="2400" dirty="0"/>
+              <a:t>Int y=2;</a:t>
+            </a:r>
+          </a:p>
+          <a:p>
+            <a:pPr>
+              <a:lnSpc>
+                <a:spcPct val="150000"/>
+              </a:lnSpc>
+            </a:pPr>
+            <a:r>
+              <a:rPr lang="en-US" altLang="zh-CN" sz="2400" dirty="0"/>
+              <a:t>Bool </a:t>
+            </a:r>
+            <a:r>
+              <a:rPr lang="en-US" altLang="zh-CN" sz="2400" dirty="0" err="1"/>
+              <a:t>someValue</a:t>
+            </a:r>
+            <a:r>
+              <a:rPr lang="en-US" altLang="zh-CN" sz="2400" dirty="0"/>
+              <a:t>=true</a:t>
+            </a:r>
+            <a:endParaRPr lang="zh-CN" altLang="en-US" sz="2400" dirty="0"/>
           </a:p>
           <a:p>
             <a:pPr>
@@ -15707,8 +15769,8 @@
         </p:nvSpPr>
         <p:spPr>
           <a:xfrm>
-            <a:off x="4194421" y="1958500"/>
-            <a:ext cx="7511653" cy="2252027"/>
+            <a:off x="4028167" y="1421885"/>
+            <a:ext cx="7511653" cy="4468018"/>
           </a:xfrm>
           <a:prstGeom prst="rect">
             <a:avLst/>
@@ -15780,8 +15842,59 @@
               </a:rPr>
               <a:t>类型（指针）和引用类型 的大小</a:t>
             </a:r>
-            <a:endParaRPr lang="en-US" altLang="zh-CN" sz="3200" b="0" i="0" dirty="0">
+            <a:endParaRPr lang="en-US" altLang="zh-CN" sz="2400" dirty="0">
+              <a:latin typeface="+mn-ea"/>
+            </a:endParaRPr>
+          </a:p>
+          <a:p>
+            <a:pPr>
+              <a:lnSpc>
+                <a:spcPct val="150000"/>
+              </a:lnSpc>
+            </a:pPr>
+            <a:endParaRPr lang="en-US" altLang="zh-CN" sz="2400" dirty="0">
+              <a:latin typeface="+mn-ea"/>
+            </a:endParaRPr>
+          </a:p>
+          <a:p>
+            <a:pPr>
+              <a:lnSpc>
+                <a:spcPct val="150000"/>
+              </a:lnSpc>
+            </a:pPr>
+            <a:r>
+              <a:rPr lang="zh-CN" altLang="en-US" sz="2400" b="0" i="0" dirty="0">
+                <a:effectLst/>
+                <a:latin typeface="+mn-ea"/>
+              </a:rPr>
+              <a:t>拓展：定义一些结构体，包含几个基本类型，通过</a:t>
+            </a:r>
+            <a:r>
+              <a:rPr lang="en-US" altLang="zh-CN" sz="2400" b="0" i="0" dirty="0" err="1">
+                <a:effectLst/>
+                <a:latin typeface="+mn-ea"/>
+              </a:rPr>
+              <a:t>sizeof</a:t>
+            </a:r>
+            <a:r>
+              <a:rPr lang="zh-CN" altLang="en-US" sz="2400" b="0" i="0" dirty="0">
+                <a:effectLst/>
+                <a:latin typeface="+mn-ea"/>
+              </a:rPr>
+              <a:t>判断这些结构体的大小，可以找找规律</a:t>
+            </a:r>
+            <a:endParaRPr lang="en-US" altLang="zh-CN" sz="2400" b="0" i="0" dirty="0">
               <a:effectLst/>
+              <a:latin typeface="+mn-ea"/>
+            </a:endParaRPr>
+          </a:p>
+          <a:p>
+            <a:pPr>
+              <a:lnSpc>
+                <a:spcPct val="150000"/>
+              </a:lnSpc>
+            </a:pPr>
+            <a:endParaRPr lang="en-US" altLang="zh-CN" sz="2400" dirty="0">
               <a:latin typeface="+mn-ea"/>
             </a:endParaRPr>
           </a:p>

--- a/C++课件.pptx
+++ b/C++课件.pptx
@@ -5,7 +5,7 @@
     <p:sldMasterId id="2147483648" r:id="rId1"/>
   </p:sldMasterIdLst>
   <p:notesMasterIdLst>
-    <p:notesMasterId r:id="rId33"/>
+    <p:notesMasterId r:id="rId36"/>
   </p:notesMasterIdLst>
   <p:sldIdLst>
     <p:sldId id="256" r:id="rId2"/>
@@ -39,6 +39,9 @@
     <p:sldId id="300" r:id="rId30"/>
     <p:sldId id="301" r:id="rId31"/>
     <p:sldId id="302" r:id="rId32"/>
+    <p:sldId id="306" r:id="rId33"/>
+    <p:sldId id="307" r:id="rId34"/>
+    <p:sldId id="305" r:id="rId35"/>
   </p:sldIdLst>
   <p:sldSz cx="12192000" cy="6858000"/>
   <p:notesSz cx="6858000" cy="9144000"/>
@@ -227,7 +230,7 @@
           <a:p>
             <a:fld id="{C763DFBC-BC7B-44D2-9277-A1640CE38A00}" type="datetimeFigureOut">
               <a:rPr lang="zh-CN" altLang="en-US" smtClean="0"/>
-              <a:t>2024/1/10</a:t>
+              <a:t>2024/1/11</a:t>
             </a:fld>
             <a:endParaRPr lang="zh-CN" altLang="en-US"/>
           </a:p>
@@ -5762,6 +5765,137 @@
 </p:notes>
 </file>
 
+<file path=ppt/notesSlides/notesSlide29.xml><?xml version="1.0" encoding="utf-8"?>
+<p:notes xmlns:a="http://schemas.openxmlformats.org/drawingml/2006/main" xmlns:r="http://schemas.openxmlformats.org/officeDocument/2006/relationships" xmlns:p="http://schemas.openxmlformats.org/presentationml/2006/main">
+  <p:cSld>
+    <p:spTree>
+      <p:nvGrpSpPr>
+        <p:cNvPr id="1" name=""/>
+        <p:cNvGrpSpPr/>
+        <p:nvPr/>
+      </p:nvGrpSpPr>
+      <p:grpSpPr>
+        <a:xfrm>
+          <a:off x="0" y="0"/>
+          <a:ext cx="0" cy="0"/>
+          <a:chOff x="0" y="0"/>
+          <a:chExt cx="0" cy="0"/>
+        </a:xfrm>
+      </p:grpSpPr>
+      <p:sp>
+        <p:nvSpPr>
+          <p:cNvPr id="2" name="幻灯片图像占位符 1"/>
+          <p:cNvSpPr>
+            <a:spLocks noGrp="1" noRot="1" noChangeAspect="1"/>
+          </p:cNvSpPr>
+          <p:nvPr>
+            <p:ph type="sldImg"/>
+          </p:nvPr>
+        </p:nvSpPr>
+        <p:spPr/>
+      </p:sp>
+      <p:sp>
+        <p:nvSpPr>
+          <p:cNvPr id="3" name="备注占位符 2"/>
+          <p:cNvSpPr>
+            <a:spLocks noGrp="1"/>
+          </p:cNvSpPr>
+          <p:nvPr>
+            <p:ph type="body" idx="1"/>
+          </p:nvPr>
+        </p:nvSpPr>
+        <p:spPr/>
+        <p:txBody>
+          <a:bodyPr/>
+          <a:lstStyle/>
+          <a:p>
+            <a:r>
+              <a:rPr lang="en-US" altLang="zh-CN" sz="1200" b="0" i="0" kern="1200" dirty="0">
+                <a:solidFill>
+                  <a:schemeClr val="tx1"/>
+                </a:solidFill>
+                <a:effectLst/>
+                <a:latin typeface="+mn-lt"/>
+                <a:ea typeface="+mn-ea"/>
+                <a:cs typeface="+mn-cs"/>
+              </a:rPr>
+              <a:t>(c) </a:t>
+            </a:r>
+            <a:r>
+              <a:rPr lang="zh-CN" altLang="en-US" sz="1200" b="0" i="0" kern="1200" dirty="0">
+                <a:solidFill>
+                  <a:schemeClr val="tx1"/>
+                </a:solidFill>
+                <a:effectLst/>
+                <a:latin typeface="+mn-lt"/>
+                <a:ea typeface="+mn-ea"/>
+                <a:cs typeface="+mn-cs"/>
+              </a:rPr>
+              <a:t>不合法。顶层</a:t>
+            </a:r>
+            <a:r>
+              <a:rPr lang="en-US" altLang="zh-CN" sz="1200" b="0" i="0" kern="1200" dirty="0">
+                <a:solidFill>
+                  <a:schemeClr val="tx1"/>
+                </a:solidFill>
+                <a:effectLst/>
+                <a:latin typeface="+mn-lt"/>
+                <a:ea typeface="+mn-ea"/>
+                <a:cs typeface="+mn-cs"/>
+              </a:rPr>
+              <a:t>const</a:t>
+            </a:r>
+            <a:r>
+              <a:rPr lang="zh-CN" altLang="en-US" sz="1200" b="0" i="0" kern="1200" dirty="0">
+                <a:solidFill>
+                  <a:schemeClr val="tx1"/>
+                </a:solidFill>
+                <a:effectLst/>
+                <a:latin typeface="+mn-lt"/>
+                <a:ea typeface="+mn-ea"/>
+                <a:cs typeface="+mn-cs"/>
+              </a:rPr>
+              <a:t>不影响传入函数的对象。</a:t>
+            </a:r>
+          </a:p>
+        </p:txBody>
+      </p:sp>
+      <p:sp>
+        <p:nvSpPr>
+          <p:cNvPr id="4" name="灯片编号占位符 3"/>
+          <p:cNvSpPr>
+            <a:spLocks noGrp="1"/>
+          </p:cNvSpPr>
+          <p:nvPr>
+            <p:ph type="sldNum" sz="quarter" idx="5"/>
+          </p:nvPr>
+        </p:nvSpPr>
+        <p:spPr/>
+        <p:txBody>
+          <a:bodyPr/>
+          <a:lstStyle/>
+          <a:p>
+            <a:fld id="{0111EF2A-CA54-46BA-9D19-E4C580B41F03}" type="slidenum">
+              <a:rPr lang="zh-CN" altLang="en-US" smtClean="0"/>
+              <a:t>32</a:t>
+            </a:fld>
+            <a:endParaRPr lang="zh-CN" altLang="en-US"/>
+          </a:p>
+        </p:txBody>
+      </p:sp>
+    </p:spTree>
+    <p:extLst>
+      <p:ext uri="{BB962C8B-B14F-4D97-AF65-F5344CB8AC3E}">
+        <p14:creationId xmlns:p14="http://schemas.microsoft.com/office/powerpoint/2010/main" val="1065961603"/>
+      </p:ext>
+    </p:extLst>
+  </p:cSld>
+  <p:clrMapOvr>
+    <a:masterClrMapping/>
+  </p:clrMapOvr>
+</p:notes>
+</file>
+
 <file path=ppt/notesSlides/notesSlide3.xml><?xml version="1.0" encoding="utf-8"?>
 <p:notes xmlns:a="http://schemas.openxmlformats.org/drawingml/2006/main" xmlns:r="http://schemas.openxmlformats.org/officeDocument/2006/relationships" xmlns:p="http://schemas.openxmlformats.org/presentationml/2006/main">
   <p:cSld>
@@ -5884,6 +6018,193 @@
     <p:extLst>
       <p:ext uri="{BB962C8B-B14F-4D97-AF65-F5344CB8AC3E}">
         <p14:creationId xmlns:p14="http://schemas.microsoft.com/office/powerpoint/2010/main" val="3514901634"/>
+      </p:ext>
+    </p:extLst>
+  </p:cSld>
+  <p:clrMapOvr>
+    <a:masterClrMapping/>
+  </p:clrMapOvr>
+</p:notes>
+</file>
+
+<file path=ppt/notesSlides/notesSlide30.xml><?xml version="1.0" encoding="utf-8"?>
+<p:notes xmlns:a="http://schemas.openxmlformats.org/drawingml/2006/main" xmlns:r="http://schemas.openxmlformats.org/officeDocument/2006/relationships" xmlns:p="http://schemas.openxmlformats.org/presentationml/2006/main">
+  <p:cSld>
+    <p:spTree>
+      <p:nvGrpSpPr>
+        <p:cNvPr id="1" name=""/>
+        <p:cNvGrpSpPr/>
+        <p:nvPr/>
+      </p:nvGrpSpPr>
+      <p:grpSpPr>
+        <a:xfrm>
+          <a:off x="0" y="0"/>
+          <a:ext cx="0" cy="0"/>
+          <a:chOff x="0" y="0"/>
+          <a:chExt cx="0" cy="0"/>
+        </a:xfrm>
+      </p:grpSpPr>
+      <p:sp>
+        <p:nvSpPr>
+          <p:cNvPr id="2" name="幻灯片图像占位符 1"/>
+          <p:cNvSpPr>
+            <a:spLocks noGrp="1" noRot="1" noChangeAspect="1"/>
+          </p:cNvSpPr>
+          <p:nvPr>
+            <p:ph type="sldImg"/>
+          </p:nvPr>
+        </p:nvSpPr>
+        <p:spPr/>
+      </p:sp>
+      <p:sp>
+        <p:nvSpPr>
+          <p:cNvPr id="3" name="备注占位符 2"/>
+          <p:cNvSpPr>
+            <a:spLocks noGrp="1"/>
+          </p:cNvSpPr>
+          <p:nvPr>
+            <p:ph type="body" idx="1"/>
+          </p:nvPr>
+        </p:nvSpPr>
+        <p:spPr/>
+        <p:txBody>
+          <a:bodyPr/>
+          <a:lstStyle/>
+          <a:p>
+            <a:endParaRPr lang="zh-CN" altLang="en-US" sz="1200" b="0" i="0" kern="1200" dirty="0">
+              <a:solidFill>
+                <a:schemeClr val="tx1"/>
+              </a:solidFill>
+              <a:effectLst/>
+              <a:latin typeface="+mn-lt"/>
+              <a:ea typeface="+mn-ea"/>
+              <a:cs typeface="+mn-cs"/>
+            </a:endParaRPr>
+          </a:p>
+        </p:txBody>
+      </p:sp>
+      <p:sp>
+        <p:nvSpPr>
+          <p:cNvPr id="4" name="灯片编号占位符 3"/>
+          <p:cNvSpPr>
+            <a:spLocks noGrp="1"/>
+          </p:cNvSpPr>
+          <p:nvPr>
+            <p:ph type="sldNum" sz="quarter" idx="5"/>
+          </p:nvPr>
+        </p:nvSpPr>
+        <p:spPr/>
+        <p:txBody>
+          <a:bodyPr/>
+          <a:lstStyle/>
+          <a:p>
+            <a:fld id="{0111EF2A-CA54-46BA-9D19-E4C580B41F03}" type="slidenum">
+              <a:rPr lang="zh-CN" altLang="en-US" smtClean="0"/>
+              <a:t>33</a:t>
+            </a:fld>
+            <a:endParaRPr lang="zh-CN" altLang="en-US"/>
+          </a:p>
+        </p:txBody>
+      </p:sp>
+    </p:spTree>
+    <p:extLst>
+      <p:ext uri="{BB962C8B-B14F-4D97-AF65-F5344CB8AC3E}">
+        <p14:creationId xmlns:p14="http://schemas.microsoft.com/office/powerpoint/2010/main" val="616788110"/>
+      </p:ext>
+    </p:extLst>
+  </p:cSld>
+  <p:clrMapOvr>
+    <a:masterClrMapping/>
+  </p:clrMapOvr>
+</p:notes>
+</file>
+
+<file path=ppt/notesSlides/notesSlide31.xml><?xml version="1.0" encoding="utf-8"?>
+<p:notes xmlns:a="http://schemas.openxmlformats.org/drawingml/2006/main" xmlns:r="http://schemas.openxmlformats.org/officeDocument/2006/relationships" xmlns:p="http://schemas.openxmlformats.org/presentationml/2006/main">
+  <p:cSld>
+    <p:spTree>
+      <p:nvGrpSpPr>
+        <p:cNvPr id="1" name=""/>
+        <p:cNvGrpSpPr/>
+        <p:nvPr/>
+      </p:nvGrpSpPr>
+      <p:grpSpPr>
+        <a:xfrm>
+          <a:off x="0" y="0"/>
+          <a:ext cx="0" cy="0"/>
+          <a:chOff x="0" y="0"/>
+          <a:chExt cx="0" cy="0"/>
+        </a:xfrm>
+      </p:grpSpPr>
+      <p:sp>
+        <p:nvSpPr>
+          <p:cNvPr id="2" name="幻灯片图像占位符 1"/>
+          <p:cNvSpPr>
+            <a:spLocks noGrp="1" noRot="1" noChangeAspect="1"/>
+          </p:cNvSpPr>
+          <p:nvPr>
+            <p:ph type="sldImg"/>
+          </p:nvPr>
+        </p:nvSpPr>
+        <p:spPr/>
+      </p:sp>
+      <p:sp>
+        <p:nvSpPr>
+          <p:cNvPr id="3" name="备注占位符 2"/>
+          <p:cNvSpPr>
+            <a:spLocks noGrp="1"/>
+          </p:cNvSpPr>
+          <p:nvPr>
+            <p:ph type="body" idx="1"/>
+          </p:nvPr>
+        </p:nvSpPr>
+        <p:spPr/>
+        <p:txBody>
+          <a:bodyPr/>
+          <a:lstStyle/>
+          <a:p>
+            <a:r>
+              <a:rPr lang="zh-CN" altLang="en-US" dirty="0"/>
+              <a:t>熟悉</a:t>
+            </a:r>
+            <a:r>
+              <a:rPr lang="en-US" altLang="zh-CN" dirty="0"/>
+              <a:t>IDE</a:t>
+            </a:r>
+            <a:r>
+              <a:rPr lang="zh-CN" altLang="en-US" dirty="0"/>
+              <a:t>的基本操作</a:t>
+            </a:r>
+          </a:p>
+        </p:txBody>
+      </p:sp>
+      <p:sp>
+        <p:nvSpPr>
+          <p:cNvPr id="4" name="灯片编号占位符 3"/>
+          <p:cNvSpPr>
+            <a:spLocks noGrp="1"/>
+          </p:cNvSpPr>
+          <p:nvPr>
+            <p:ph type="sldNum" sz="quarter" idx="5"/>
+          </p:nvPr>
+        </p:nvSpPr>
+        <p:spPr/>
+        <p:txBody>
+          <a:bodyPr/>
+          <a:lstStyle/>
+          <a:p>
+            <a:fld id="{0111EF2A-CA54-46BA-9D19-E4C580B41F03}" type="slidenum">
+              <a:rPr lang="zh-CN" altLang="en-US" smtClean="0"/>
+              <a:t>34</a:t>
+            </a:fld>
+            <a:endParaRPr lang="zh-CN" altLang="en-US"/>
+          </a:p>
+        </p:txBody>
+      </p:sp>
+    </p:spTree>
+    <p:extLst>
+      <p:ext uri="{BB962C8B-B14F-4D97-AF65-F5344CB8AC3E}">
+        <p14:creationId xmlns:p14="http://schemas.microsoft.com/office/powerpoint/2010/main" val="65605830"/>
       </p:ext>
     </p:extLst>
   </p:cSld>
@@ -7125,7 +7446,7 @@
           <a:p>
             <a:fld id="{5A1740DE-654B-48BB-A6EB-4DD86D9E78E3}" type="datetimeFigureOut">
               <a:rPr lang="zh-CN" altLang="en-US" smtClean="0"/>
-              <a:t>2024/1/10</a:t>
+              <a:t>2024/1/11</a:t>
             </a:fld>
             <a:endParaRPr lang="zh-CN" altLang="en-US"/>
           </a:p>
@@ -7323,7 +7644,7 @@
           <a:p>
             <a:fld id="{5A1740DE-654B-48BB-A6EB-4DD86D9E78E3}" type="datetimeFigureOut">
               <a:rPr lang="zh-CN" altLang="en-US" smtClean="0"/>
-              <a:t>2024/1/10</a:t>
+              <a:t>2024/1/11</a:t>
             </a:fld>
             <a:endParaRPr lang="zh-CN" altLang="en-US"/>
           </a:p>
@@ -7531,7 +7852,7 @@
           <a:p>
             <a:fld id="{5A1740DE-654B-48BB-A6EB-4DD86D9E78E3}" type="datetimeFigureOut">
               <a:rPr lang="zh-CN" altLang="en-US" smtClean="0"/>
-              <a:t>2024/1/10</a:t>
+              <a:t>2024/1/11</a:t>
             </a:fld>
             <a:endParaRPr lang="zh-CN" altLang="en-US"/>
           </a:p>
@@ -7729,7 +8050,7 @@
           <a:p>
             <a:fld id="{5A1740DE-654B-48BB-A6EB-4DD86D9E78E3}" type="datetimeFigureOut">
               <a:rPr lang="zh-CN" altLang="en-US" smtClean="0"/>
-              <a:t>2024/1/10</a:t>
+              <a:t>2024/1/11</a:t>
             </a:fld>
             <a:endParaRPr lang="zh-CN" altLang="en-US"/>
           </a:p>
@@ -8004,7 +8325,7 @@
           <a:p>
             <a:fld id="{5A1740DE-654B-48BB-A6EB-4DD86D9E78E3}" type="datetimeFigureOut">
               <a:rPr lang="zh-CN" altLang="en-US" smtClean="0"/>
-              <a:t>2024/1/10</a:t>
+              <a:t>2024/1/11</a:t>
             </a:fld>
             <a:endParaRPr lang="zh-CN" altLang="en-US"/>
           </a:p>
@@ -8269,7 +8590,7 @@
           <a:p>
             <a:fld id="{5A1740DE-654B-48BB-A6EB-4DD86D9E78E3}" type="datetimeFigureOut">
               <a:rPr lang="zh-CN" altLang="en-US" smtClean="0"/>
-              <a:t>2024/1/10</a:t>
+              <a:t>2024/1/11</a:t>
             </a:fld>
             <a:endParaRPr lang="zh-CN" altLang="en-US"/>
           </a:p>
@@ -8681,7 +9002,7 @@
           <a:p>
             <a:fld id="{5A1740DE-654B-48BB-A6EB-4DD86D9E78E3}" type="datetimeFigureOut">
               <a:rPr lang="zh-CN" altLang="en-US" smtClean="0"/>
-              <a:t>2024/1/10</a:t>
+              <a:t>2024/1/11</a:t>
             </a:fld>
             <a:endParaRPr lang="zh-CN" altLang="en-US"/>
           </a:p>
@@ -8822,7 +9143,7 @@
           <a:p>
             <a:fld id="{5A1740DE-654B-48BB-A6EB-4DD86D9E78E3}" type="datetimeFigureOut">
               <a:rPr lang="zh-CN" altLang="en-US" smtClean="0"/>
-              <a:t>2024/1/10</a:t>
+              <a:t>2024/1/11</a:t>
             </a:fld>
             <a:endParaRPr lang="zh-CN" altLang="en-US"/>
           </a:p>
@@ -8935,7 +9256,7 @@
           <a:p>
             <a:fld id="{5A1740DE-654B-48BB-A6EB-4DD86D9E78E3}" type="datetimeFigureOut">
               <a:rPr lang="zh-CN" altLang="en-US" smtClean="0"/>
-              <a:t>2024/1/10</a:t>
+              <a:t>2024/1/11</a:t>
             </a:fld>
             <a:endParaRPr lang="zh-CN" altLang="en-US"/>
           </a:p>
@@ -9246,7 +9567,7 @@
           <a:p>
             <a:fld id="{5A1740DE-654B-48BB-A6EB-4DD86D9E78E3}" type="datetimeFigureOut">
               <a:rPr lang="zh-CN" altLang="en-US" smtClean="0"/>
-              <a:t>2024/1/10</a:t>
+              <a:t>2024/1/11</a:t>
             </a:fld>
             <a:endParaRPr lang="zh-CN" altLang="en-US"/>
           </a:p>
@@ -9534,7 +9855,7 @@
           <a:p>
             <a:fld id="{5A1740DE-654B-48BB-A6EB-4DD86D9E78E3}" type="datetimeFigureOut">
               <a:rPr lang="zh-CN" altLang="en-US" smtClean="0"/>
-              <a:t>2024/1/10</a:t>
+              <a:t>2024/1/11</a:t>
             </a:fld>
             <a:endParaRPr lang="zh-CN" altLang="en-US"/>
           </a:p>
@@ -9775,7 +10096,7 @@
           <a:p>
             <a:fld id="{5A1740DE-654B-48BB-A6EB-4DD86D9E78E3}" type="datetimeFigureOut">
               <a:rPr lang="zh-CN" altLang="en-US" smtClean="0"/>
-              <a:t>2024/1/10</a:t>
+              <a:t>2024/1/11</a:t>
             </a:fld>
             <a:endParaRPr lang="zh-CN" altLang="en-US"/>
           </a:p>
@@ -16136,6 +16457,844 @@
     <p:extLst>
       <p:ext uri="{BB962C8B-B14F-4D97-AF65-F5344CB8AC3E}">
         <p14:creationId xmlns:p14="http://schemas.microsoft.com/office/powerpoint/2010/main" val="3367490298"/>
+      </p:ext>
+    </p:extLst>
+  </p:cSld>
+  <p:clrMapOvr>
+    <a:masterClrMapping/>
+  </p:clrMapOvr>
+</p:sld>
+</file>
+
+<file path=ppt/slides/slide32.xml><?xml version="1.0" encoding="utf-8"?>
+<p:sld xmlns:a="http://schemas.openxmlformats.org/drawingml/2006/main" xmlns:r="http://schemas.openxmlformats.org/officeDocument/2006/relationships" xmlns:p="http://schemas.openxmlformats.org/presentationml/2006/main">
+  <p:cSld>
+    <p:spTree>
+      <p:nvGrpSpPr>
+        <p:cNvPr id="1" name=""/>
+        <p:cNvGrpSpPr/>
+        <p:nvPr/>
+      </p:nvGrpSpPr>
+      <p:grpSpPr>
+        <a:xfrm>
+          <a:off x="0" y="0"/>
+          <a:ext cx="0" cy="0"/>
+          <a:chOff x="0" y="0"/>
+          <a:chExt cx="0" cy="0"/>
+        </a:xfrm>
+      </p:grpSpPr>
+      <p:sp>
+        <p:nvSpPr>
+          <p:cNvPr id="8" name="文本框 7">
+            <a:extLst>
+              <a:ext uri="{FF2B5EF4-FFF2-40B4-BE49-F238E27FC236}">
+                <a16:creationId xmlns:a16="http://schemas.microsoft.com/office/drawing/2014/main" id="{173B5B89-5235-4C07-99A2-AC5672E77337}"/>
+              </a:ext>
+            </a:extLst>
+          </p:cNvPr>
+          <p:cNvSpPr txBox="1"/>
+          <p:nvPr/>
+        </p:nvSpPr>
+        <p:spPr>
+          <a:xfrm>
+            <a:off x="215448" y="169110"/>
+            <a:ext cx="11169000" cy="1015663"/>
+          </a:xfrm>
+          <a:prstGeom prst="rect">
+            <a:avLst/>
+          </a:prstGeom>
+          <a:noFill/>
+        </p:spPr>
+        <p:txBody>
+          <a:bodyPr wrap="square" rtlCol="0">
+            <a:spAutoFit/>
+          </a:bodyPr>
+          <a:lstStyle/>
+          <a:p>
+            <a:r>
+              <a:rPr lang="en-US" altLang="zh-CN" sz="6000" b="1" dirty="0">
+                <a:latin typeface="+mn-ea"/>
+              </a:rPr>
+              <a:t>exercise6.1: </a:t>
+            </a:r>
+            <a:r>
+              <a:rPr lang="zh-CN" altLang="en-US" sz="6000" b="1" dirty="0">
+                <a:latin typeface="+mn-ea"/>
+              </a:rPr>
+              <a:t>函数重载</a:t>
+            </a:r>
+          </a:p>
+        </p:txBody>
+      </p:sp>
+      <p:sp>
+        <p:nvSpPr>
+          <p:cNvPr id="6" name="文本框 5">
+            <a:extLst>
+              <a:ext uri="{FF2B5EF4-FFF2-40B4-BE49-F238E27FC236}">
+                <a16:creationId xmlns:a16="http://schemas.microsoft.com/office/drawing/2014/main" id="{2D4F4C79-08EF-5BD3-BF52-34ECCD733770}"/>
+              </a:ext>
+            </a:extLst>
+          </p:cNvPr>
+          <p:cNvSpPr txBox="1"/>
+          <p:nvPr/>
+        </p:nvSpPr>
+        <p:spPr>
+          <a:xfrm>
+            <a:off x="4028167" y="1421885"/>
+            <a:ext cx="7511653" cy="6130011"/>
+          </a:xfrm>
+          <a:prstGeom prst="rect">
+            <a:avLst/>
+          </a:prstGeom>
+          <a:noFill/>
+        </p:spPr>
+        <p:txBody>
+          <a:bodyPr wrap="square">
+            <a:spAutoFit/>
+          </a:bodyPr>
+          <a:lstStyle/>
+          <a:p>
+            <a:pPr>
+              <a:lnSpc>
+                <a:spcPct val="150000"/>
+              </a:lnSpc>
+            </a:pPr>
+            <a:r>
+              <a:rPr lang="zh-CN" altLang="en-US" sz="2400" dirty="0"/>
+              <a:t>说明下列每组声明中的第二条语句会产生什么影响，并指出哪些不合法</a:t>
+            </a:r>
+            <a:endParaRPr lang="en-US" altLang="zh-CN" sz="2400" dirty="0"/>
+          </a:p>
+          <a:p>
+            <a:pPr>
+              <a:lnSpc>
+                <a:spcPct val="150000"/>
+              </a:lnSpc>
+            </a:pPr>
+            <a:endParaRPr lang="en-US" altLang="zh-CN" sz="2400" dirty="0"/>
+          </a:p>
+          <a:p>
+            <a:pPr>
+              <a:lnSpc>
+                <a:spcPct val="150000"/>
+              </a:lnSpc>
+            </a:pPr>
+            <a:r>
+              <a:rPr lang="en-US" altLang="zh-CN" sz="2400" dirty="0"/>
+              <a:t>(a) int calc(int&amp;, int&amp;); </a:t>
+            </a:r>
+          </a:p>
+          <a:p>
+            <a:pPr>
+              <a:lnSpc>
+                <a:spcPct val="150000"/>
+              </a:lnSpc>
+            </a:pPr>
+            <a:r>
+              <a:rPr lang="en-US" altLang="zh-CN" sz="2400" dirty="0"/>
+              <a:t>	int calc(const int&amp;, const int&amp;); </a:t>
+            </a:r>
+          </a:p>
+          <a:p>
+            <a:pPr>
+              <a:lnSpc>
+                <a:spcPct val="150000"/>
+              </a:lnSpc>
+            </a:pPr>
+            <a:r>
+              <a:rPr lang="en-US" altLang="zh-CN" sz="2400" dirty="0"/>
+              <a:t>(b) int calc(char*, char*);</a:t>
+            </a:r>
+          </a:p>
+          <a:p>
+            <a:pPr>
+              <a:lnSpc>
+                <a:spcPct val="150000"/>
+              </a:lnSpc>
+            </a:pPr>
+            <a:r>
+              <a:rPr lang="en-US" altLang="zh-CN" sz="2400" dirty="0"/>
+              <a:t>	int calc(const char*, const char*);</a:t>
+            </a:r>
+          </a:p>
+          <a:p>
+            <a:pPr>
+              <a:lnSpc>
+                <a:spcPct val="150000"/>
+              </a:lnSpc>
+            </a:pPr>
+            <a:r>
+              <a:rPr lang="en-US" altLang="zh-CN" sz="2400" dirty="0"/>
+              <a:t>(c) int calc(char*, char*);</a:t>
+            </a:r>
+          </a:p>
+          <a:p>
+            <a:pPr>
+              <a:lnSpc>
+                <a:spcPct val="150000"/>
+              </a:lnSpc>
+            </a:pPr>
+            <a:r>
+              <a:rPr lang="en-US" altLang="zh-CN" sz="2400" dirty="0"/>
+              <a:t>	int calc(char* const, char* const);</a:t>
+            </a:r>
+          </a:p>
+          <a:p>
+            <a:pPr>
+              <a:lnSpc>
+                <a:spcPct val="150000"/>
+              </a:lnSpc>
+            </a:pPr>
+            <a:endParaRPr lang="en-US" altLang="zh-CN" sz="2400" dirty="0">
+              <a:latin typeface="+mn-ea"/>
+            </a:endParaRPr>
+          </a:p>
+          <a:p>
+            <a:pPr>
+              <a:lnSpc>
+                <a:spcPct val="150000"/>
+              </a:lnSpc>
+            </a:pPr>
+            <a:endParaRPr lang="en-US" altLang="zh-CN" sz="2400" dirty="0">
+              <a:latin typeface="+mn-ea"/>
+            </a:endParaRPr>
+          </a:p>
+        </p:txBody>
+      </p:sp>
+      <p:pic>
+        <p:nvPicPr>
+          <p:cNvPr id="3" name="图片 2">
+            <a:extLst>
+              <a:ext uri="{FF2B5EF4-FFF2-40B4-BE49-F238E27FC236}">
+                <a16:creationId xmlns:a16="http://schemas.microsoft.com/office/drawing/2014/main" id="{21E80804-831F-4223-B271-A0EA42A00A71}"/>
+              </a:ext>
+            </a:extLst>
+          </p:cNvPr>
+          <p:cNvPicPr>
+            <a:picLocks noChangeAspect="1"/>
+          </p:cNvPicPr>
+          <p:nvPr/>
+        </p:nvPicPr>
+        <p:blipFill>
+          <a:blip r:embed="rId3">
+            <a:extLst>
+              <a:ext uri="{28A0092B-C50C-407E-A947-70E740481C1C}">
+                <a14:useLocalDpi xmlns:a14="http://schemas.microsoft.com/office/drawing/2010/main" val="0"/>
+              </a:ext>
+            </a:extLst>
+          </a:blip>
+          <a:stretch>
+            <a:fillRect/>
+          </a:stretch>
+        </p:blipFill>
+        <p:spPr>
+          <a:xfrm>
+            <a:off x="430876" y="1363288"/>
+            <a:ext cx="2859578" cy="2859578"/>
+          </a:xfrm>
+          <a:prstGeom prst="rect">
+            <a:avLst/>
+          </a:prstGeom>
+        </p:spPr>
+      </p:pic>
+    </p:spTree>
+    <p:extLst>
+      <p:ext uri="{BB962C8B-B14F-4D97-AF65-F5344CB8AC3E}">
+        <p14:creationId xmlns:p14="http://schemas.microsoft.com/office/powerpoint/2010/main" val="2437332862"/>
+      </p:ext>
+    </p:extLst>
+  </p:cSld>
+  <p:clrMapOvr>
+    <a:masterClrMapping/>
+  </p:clrMapOvr>
+</p:sld>
+</file>
+
+<file path=ppt/slides/slide33.xml><?xml version="1.0" encoding="utf-8"?>
+<p:sld xmlns:a="http://schemas.openxmlformats.org/drawingml/2006/main" xmlns:r="http://schemas.openxmlformats.org/officeDocument/2006/relationships" xmlns:p="http://schemas.openxmlformats.org/presentationml/2006/main">
+  <p:cSld>
+    <p:spTree>
+      <p:nvGrpSpPr>
+        <p:cNvPr id="1" name=""/>
+        <p:cNvGrpSpPr/>
+        <p:nvPr/>
+      </p:nvGrpSpPr>
+      <p:grpSpPr>
+        <a:xfrm>
+          <a:off x="0" y="0"/>
+          <a:ext cx="0" cy="0"/>
+          <a:chOff x="0" y="0"/>
+          <a:chExt cx="0" cy="0"/>
+        </a:xfrm>
+      </p:grpSpPr>
+      <p:sp>
+        <p:nvSpPr>
+          <p:cNvPr id="8" name="文本框 7">
+            <a:extLst>
+              <a:ext uri="{FF2B5EF4-FFF2-40B4-BE49-F238E27FC236}">
+                <a16:creationId xmlns:a16="http://schemas.microsoft.com/office/drawing/2014/main" id="{173B5B89-5235-4C07-99A2-AC5672E77337}"/>
+              </a:ext>
+            </a:extLst>
+          </p:cNvPr>
+          <p:cNvSpPr txBox="1"/>
+          <p:nvPr/>
+        </p:nvSpPr>
+        <p:spPr>
+          <a:xfrm>
+            <a:off x="215448" y="169110"/>
+            <a:ext cx="11169000" cy="1015663"/>
+          </a:xfrm>
+          <a:prstGeom prst="rect">
+            <a:avLst/>
+          </a:prstGeom>
+          <a:noFill/>
+        </p:spPr>
+        <p:txBody>
+          <a:bodyPr wrap="square" rtlCol="0">
+            <a:spAutoFit/>
+          </a:bodyPr>
+          <a:lstStyle/>
+          <a:p>
+            <a:r>
+              <a:rPr lang="en-US" altLang="zh-CN" sz="6000" b="1" dirty="0">
+                <a:latin typeface="+mn-ea"/>
+              </a:rPr>
+              <a:t>exercise6.2: </a:t>
+            </a:r>
+            <a:r>
+              <a:rPr lang="zh-CN" altLang="en-US" sz="6000" b="1" dirty="0">
+                <a:latin typeface="+mn-ea"/>
+              </a:rPr>
+              <a:t>数组作为函数参数</a:t>
+            </a:r>
+          </a:p>
+        </p:txBody>
+      </p:sp>
+      <p:pic>
+        <p:nvPicPr>
+          <p:cNvPr id="3" name="图片 2">
+            <a:extLst>
+              <a:ext uri="{FF2B5EF4-FFF2-40B4-BE49-F238E27FC236}">
+                <a16:creationId xmlns:a16="http://schemas.microsoft.com/office/drawing/2014/main" id="{21E80804-831F-4223-B271-A0EA42A00A71}"/>
+              </a:ext>
+            </a:extLst>
+          </p:cNvPr>
+          <p:cNvPicPr>
+            <a:picLocks noChangeAspect="1"/>
+          </p:cNvPicPr>
+          <p:nvPr/>
+        </p:nvPicPr>
+        <p:blipFill>
+          <a:blip r:embed="rId3">
+            <a:extLst>
+              <a:ext uri="{28A0092B-C50C-407E-A947-70E740481C1C}">
+                <a14:useLocalDpi xmlns:a14="http://schemas.microsoft.com/office/drawing/2010/main" val="0"/>
+              </a:ext>
+            </a:extLst>
+          </a:blip>
+          <a:stretch>
+            <a:fillRect/>
+          </a:stretch>
+        </p:blipFill>
+        <p:spPr>
+          <a:xfrm>
+            <a:off x="430876" y="1363288"/>
+            <a:ext cx="2859578" cy="2859578"/>
+          </a:xfrm>
+          <a:prstGeom prst="rect">
+            <a:avLst/>
+          </a:prstGeom>
+        </p:spPr>
+      </p:pic>
+      <p:sp>
+        <p:nvSpPr>
+          <p:cNvPr id="5" name="文本框 4">
+            <a:extLst>
+              <a:ext uri="{FF2B5EF4-FFF2-40B4-BE49-F238E27FC236}">
+                <a16:creationId xmlns:a16="http://schemas.microsoft.com/office/drawing/2014/main" id="{BE99D4A4-96C5-48CE-8002-225839A17A33}"/>
+              </a:ext>
+            </a:extLst>
+          </p:cNvPr>
+          <p:cNvSpPr txBox="1"/>
+          <p:nvPr/>
+        </p:nvSpPr>
+        <p:spPr>
+          <a:xfrm>
+            <a:off x="4028167" y="1237269"/>
+            <a:ext cx="7511653" cy="5451621"/>
+          </a:xfrm>
+          <a:prstGeom prst="rect">
+            <a:avLst/>
+          </a:prstGeom>
+          <a:noFill/>
+        </p:spPr>
+        <p:txBody>
+          <a:bodyPr wrap="square">
+            <a:spAutoFit/>
+          </a:bodyPr>
+          <a:lstStyle/>
+          <a:p>
+            <a:pPr>
+              <a:lnSpc>
+                <a:spcPct val="150000"/>
+              </a:lnSpc>
+            </a:pPr>
+            <a:r>
+              <a:rPr lang="en-US" altLang="zh-CN" dirty="0"/>
+              <a:t>void print(const int </a:t>
+            </a:r>
+            <a:r>
+              <a:rPr lang="en-US" altLang="zh-CN" dirty="0" err="1"/>
+              <a:t>ia</a:t>
+            </a:r>
+            <a:r>
+              <a:rPr lang="en-US" altLang="zh-CN" dirty="0"/>
+              <a:t>[10])</a:t>
+            </a:r>
+          </a:p>
+          <a:p>
+            <a:pPr>
+              <a:lnSpc>
+                <a:spcPct val="150000"/>
+              </a:lnSpc>
+            </a:pPr>
+            <a:r>
+              <a:rPr lang="en-US" altLang="zh-CN" dirty="0"/>
+              <a:t>{</a:t>
+            </a:r>
+          </a:p>
+          <a:p>
+            <a:pPr>
+              <a:lnSpc>
+                <a:spcPct val="150000"/>
+              </a:lnSpc>
+            </a:pPr>
+            <a:r>
+              <a:rPr lang="en-US" altLang="zh-CN" dirty="0"/>
+              <a:t>	for (</a:t>
+            </a:r>
+            <a:r>
+              <a:rPr lang="en-US" altLang="zh-CN" dirty="0" err="1"/>
+              <a:t>size_t</a:t>
+            </a:r>
+            <a:r>
+              <a:rPr lang="en-US" altLang="zh-CN" dirty="0"/>
+              <a:t> </a:t>
+            </a:r>
+            <a:r>
+              <a:rPr lang="en-US" altLang="zh-CN" dirty="0" err="1"/>
+              <a:t>i</a:t>
+            </a:r>
+            <a:r>
+              <a:rPr lang="en-US" altLang="zh-CN" dirty="0"/>
+              <a:t> = 0; </a:t>
+            </a:r>
+            <a:r>
+              <a:rPr lang="en-US" altLang="zh-CN" dirty="0" err="1"/>
+              <a:t>i</a:t>
+            </a:r>
+            <a:r>
+              <a:rPr lang="en-US" altLang="zh-CN" dirty="0"/>
+              <a:t> != 10; ++</a:t>
+            </a:r>
+            <a:r>
+              <a:rPr lang="en-US" altLang="zh-CN" dirty="0" err="1"/>
+              <a:t>i</a:t>
+            </a:r>
+            <a:r>
+              <a:rPr lang="en-US" altLang="zh-CN" dirty="0"/>
+              <a:t>)</a:t>
+            </a:r>
+          </a:p>
+          <a:p>
+            <a:pPr>
+              <a:lnSpc>
+                <a:spcPct val="150000"/>
+              </a:lnSpc>
+            </a:pPr>
+            <a:r>
+              <a:rPr lang="en-US" altLang="zh-CN" dirty="0"/>
+              <a:t>		</a:t>
+            </a:r>
+            <a:r>
+              <a:rPr lang="en-US" altLang="zh-CN" dirty="0" err="1"/>
+              <a:t>cout</a:t>
+            </a:r>
+            <a:r>
+              <a:rPr lang="en-US" altLang="zh-CN" dirty="0"/>
+              <a:t> &lt;&lt; </a:t>
+            </a:r>
+            <a:r>
+              <a:rPr lang="en-US" altLang="zh-CN" dirty="0" err="1"/>
+              <a:t>ia</a:t>
+            </a:r>
+            <a:r>
+              <a:rPr lang="en-US" altLang="zh-CN" dirty="0"/>
+              <a:t>[</a:t>
+            </a:r>
+            <a:r>
+              <a:rPr lang="en-US" altLang="zh-CN" dirty="0" err="1"/>
+              <a:t>i</a:t>
+            </a:r>
+            <a:r>
+              <a:rPr lang="en-US" altLang="zh-CN" dirty="0"/>
+              <a:t>] &lt;&lt; endl;</a:t>
+            </a:r>
+          </a:p>
+          <a:p>
+            <a:pPr>
+              <a:lnSpc>
+                <a:spcPct val="150000"/>
+              </a:lnSpc>
+            </a:pPr>
+            <a:r>
+              <a:rPr lang="en-US" altLang="zh-CN" dirty="0"/>
+              <a:t>}</a:t>
+            </a:r>
+          </a:p>
+          <a:p>
+            <a:pPr>
+              <a:lnSpc>
+                <a:spcPct val="150000"/>
+              </a:lnSpc>
+            </a:pPr>
+            <a:r>
+              <a:rPr lang="zh-CN" altLang="en-US" dirty="0"/>
+              <a:t>当数组作为实参的时候，会被自动转换为指向首元素的指针。因此函数形参接受的是一个指针。如果非要接收数组，可以将实参改为数组的引用。</a:t>
+            </a:r>
+          </a:p>
+          <a:p>
+            <a:pPr>
+              <a:lnSpc>
+                <a:spcPct val="150000"/>
+              </a:lnSpc>
+            </a:pPr>
+            <a:endParaRPr lang="zh-CN" altLang="en-US" dirty="0"/>
+          </a:p>
+          <a:p>
+            <a:pPr>
+              <a:lnSpc>
+                <a:spcPct val="150000"/>
+              </a:lnSpc>
+            </a:pPr>
+            <a:r>
+              <a:rPr lang="en-US" altLang="zh-CN" dirty="0"/>
+              <a:t>void print(const int (&amp;</a:t>
+            </a:r>
+            <a:r>
+              <a:rPr lang="en-US" altLang="zh-CN" dirty="0" err="1"/>
+              <a:t>ia</a:t>
+            </a:r>
+            <a:r>
+              <a:rPr lang="en-US" altLang="zh-CN" dirty="0"/>
+              <a:t>)[10])</a:t>
+            </a:r>
+          </a:p>
+          <a:p>
+            <a:pPr>
+              <a:lnSpc>
+                <a:spcPct val="150000"/>
+              </a:lnSpc>
+            </a:pPr>
+            <a:r>
+              <a:rPr lang="en-US" altLang="zh-CN" dirty="0"/>
+              <a:t>{</a:t>
+            </a:r>
+          </a:p>
+          <a:p>
+            <a:pPr>
+              <a:lnSpc>
+                <a:spcPct val="150000"/>
+              </a:lnSpc>
+            </a:pPr>
+            <a:r>
+              <a:rPr lang="en-US" altLang="zh-CN" dirty="0"/>
+              <a:t>	for (</a:t>
+            </a:r>
+            <a:r>
+              <a:rPr lang="en-US" altLang="zh-CN" dirty="0" err="1"/>
+              <a:t>size_t</a:t>
+            </a:r>
+            <a:r>
+              <a:rPr lang="en-US" altLang="zh-CN" dirty="0"/>
+              <a:t> </a:t>
+            </a:r>
+            <a:r>
+              <a:rPr lang="en-US" altLang="zh-CN" dirty="0" err="1"/>
+              <a:t>i</a:t>
+            </a:r>
+            <a:r>
+              <a:rPr lang="en-US" altLang="zh-CN" dirty="0"/>
+              <a:t> = 0; </a:t>
+            </a:r>
+            <a:r>
+              <a:rPr lang="en-US" altLang="zh-CN" dirty="0" err="1"/>
+              <a:t>i</a:t>
+            </a:r>
+            <a:r>
+              <a:rPr lang="en-US" altLang="zh-CN" dirty="0"/>
+              <a:t> != 10; ++</a:t>
+            </a:r>
+            <a:r>
+              <a:rPr lang="en-US" altLang="zh-CN" dirty="0" err="1"/>
+              <a:t>i</a:t>
+            </a:r>
+            <a:r>
+              <a:rPr lang="en-US" altLang="zh-CN" dirty="0"/>
+              <a:t>)</a:t>
+            </a:r>
+          </a:p>
+          <a:p>
+            <a:pPr>
+              <a:lnSpc>
+                <a:spcPct val="150000"/>
+              </a:lnSpc>
+            </a:pPr>
+            <a:r>
+              <a:rPr lang="en-US" altLang="zh-CN" dirty="0"/>
+              <a:t>		</a:t>
+            </a:r>
+            <a:r>
+              <a:rPr lang="en-US" altLang="zh-CN" dirty="0" err="1"/>
+              <a:t>cout</a:t>
+            </a:r>
+            <a:r>
+              <a:rPr lang="en-US" altLang="zh-CN" dirty="0"/>
+              <a:t> &lt;&lt; </a:t>
+            </a:r>
+            <a:r>
+              <a:rPr lang="en-US" altLang="zh-CN" dirty="0" err="1"/>
+              <a:t>ia</a:t>
+            </a:r>
+            <a:r>
+              <a:rPr lang="en-US" altLang="zh-CN" dirty="0"/>
+              <a:t>[</a:t>
+            </a:r>
+            <a:r>
+              <a:rPr lang="en-US" altLang="zh-CN" dirty="0" err="1"/>
+              <a:t>i</a:t>
+            </a:r>
+            <a:r>
+              <a:rPr lang="en-US" altLang="zh-CN" dirty="0"/>
+              <a:t>] &lt;&lt; endl;</a:t>
+            </a:r>
+          </a:p>
+          <a:p>
+            <a:pPr>
+              <a:lnSpc>
+                <a:spcPct val="150000"/>
+              </a:lnSpc>
+            </a:pPr>
+            <a:r>
+              <a:rPr lang="en-US" altLang="zh-CN" dirty="0"/>
+              <a:t>}</a:t>
+            </a:r>
+            <a:endParaRPr lang="en-US" altLang="zh-CN" dirty="0">
+              <a:latin typeface="+mn-ea"/>
+            </a:endParaRPr>
+          </a:p>
+        </p:txBody>
+      </p:sp>
+    </p:spTree>
+    <p:extLst>
+      <p:ext uri="{BB962C8B-B14F-4D97-AF65-F5344CB8AC3E}">
+        <p14:creationId xmlns:p14="http://schemas.microsoft.com/office/powerpoint/2010/main" val="3899995474"/>
+      </p:ext>
+    </p:extLst>
+  </p:cSld>
+  <p:clrMapOvr>
+    <a:masterClrMapping/>
+  </p:clrMapOvr>
+</p:sld>
+</file>
+
+<file path=ppt/slides/slide34.xml><?xml version="1.0" encoding="utf-8"?>
+<p:sld xmlns:a="http://schemas.openxmlformats.org/drawingml/2006/main" xmlns:r="http://schemas.openxmlformats.org/officeDocument/2006/relationships" xmlns:p="http://schemas.openxmlformats.org/presentationml/2006/main">
+  <p:cSld>
+    <p:spTree>
+      <p:nvGrpSpPr>
+        <p:cNvPr id="1" name=""/>
+        <p:cNvGrpSpPr/>
+        <p:nvPr/>
+      </p:nvGrpSpPr>
+      <p:grpSpPr>
+        <a:xfrm>
+          <a:off x="0" y="0"/>
+          <a:ext cx="0" cy="0"/>
+          <a:chOff x="0" y="0"/>
+          <a:chExt cx="0" cy="0"/>
+        </a:xfrm>
+      </p:grpSpPr>
+      <p:pic>
+        <p:nvPicPr>
+          <p:cNvPr id="3" name="图片 2">
+            <a:extLst>
+              <a:ext uri="{FF2B5EF4-FFF2-40B4-BE49-F238E27FC236}">
+                <a16:creationId xmlns:a16="http://schemas.microsoft.com/office/drawing/2014/main" id="{807372C6-A1CB-43EA-A384-B8443A72444E}"/>
+              </a:ext>
+            </a:extLst>
+          </p:cNvPr>
+          <p:cNvPicPr>
+            <a:picLocks noChangeAspect="1"/>
+          </p:cNvPicPr>
+          <p:nvPr/>
+        </p:nvPicPr>
+        <p:blipFill>
+          <a:blip r:embed="rId3">
+            <a:extLst>
+              <a:ext uri="{28A0092B-C50C-407E-A947-70E740481C1C}">
+                <a14:useLocalDpi xmlns:a14="http://schemas.microsoft.com/office/drawing/2010/main" val="0"/>
+              </a:ext>
+            </a:extLst>
+          </a:blip>
+          <a:stretch>
+            <a:fillRect/>
+          </a:stretch>
+        </p:blipFill>
+        <p:spPr>
+          <a:xfrm>
+            <a:off x="209544" y="2400299"/>
+            <a:ext cx="3124203" cy="3124203"/>
+          </a:xfrm>
+          <a:prstGeom prst="rect">
+            <a:avLst/>
+          </a:prstGeom>
+        </p:spPr>
+      </p:pic>
+      <p:sp>
+        <p:nvSpPr>
+          <p:cNvPr id="8" name="文本框 7">
+            <a:extLst>
+              <a:ext uri="{FF2B5EF4-FFF2-40B4-BE49-F238E27FC236}">
+                <a16:creationId xmlns:a16="http://schemas.microsoft.com/office/drawing/2014/main" id="{173B5B89-5235-4C07-99A2-AC5672E77337}"/>
+              </a:ext>
+            </a:extLst>
+          </p:cNvPr>
+          <p:cNvSpPr txBox="1"/>
+          <p:nvPr/>
+        </p:nvSpPr>
+        <p:spPr>
+          <a:xfrm>
+            <a:off x="518176" y="466545"/>
+            <a:ext cx="5130149" cy="1200329"/>
+          </a:xfrm>
+          <a:prstGeom prst="rect">
+            <a:avLst/>
+          </a:prstGeom>
+          <a:noFill/>
+        </p:spPr>
+        <p:txBody>
+          <a:bodyPr wrap="square" rtlCol="0">
+            <a:spAutoFit/>
+          </a:bodyPr>
+          <a:lstStyle/>
+          <a:p>
+            <a:r>
+              <a:rPr lang="en-US" altLang="zh-CN" sz="7200" b="1" dirty="0">
+                <a:latin typeface="+mn-ea"/>
+              </a:rPr>
+              <a:t>IDE </a:t>
+            </a:r>
+            <a:r>
+              <a:rPr lang="en-US" altLang="zh-CN" sz="7200" b="1" dirty="0" err="1">
+                <a:latin typeface="+mn-ea"/>
+              </a:rPr>
+              <a:t>Practise</a:t>
+            </a:r>
+            <a:endParaRPr lang="zh-CN" altLang="en-US" sz="7200" b="1" dirty="0">
+              <a:latin typeface="+mn-ea"/>
+            </a:endParaRPr>
+          </a:p>
+        </p:txBody>
+      </p:sp>
+      <p:pic>
+        <p:nvPicPr>
+          <p:cNvPr id="5" name="Picture 10" descr="Microsoft launches Visual Studio Online public preview and ML.NET 1.4 |  VentureBeat">
+            <a:extLst>
+              <a:ext uri="{FF2B5EF4-FFF2-40B4-BE49-F238E27FC236}">
+                <a16:creationId xmlns:a16="http://schemas.microsoft.com/office/drawing/2014/main" id="{76A093F6-9428-4C8C-86C3-BA7CF1A434A0}"/>
+              </a:ext>
+            </a:extLst>
+          </p:cNvPr>
+          <p:cNvPicPr>
+            <a:picLocks noChangeAspect="1" noChangeArrowheads="1"/>
+          </p:cNvPicPr>
+          <p:nvPr/>
+        </p:nvPicPr>
+        <p:blipFill>
+          <a:blip r:embed="rId4">
+            <a:extLst>
+              <a:ext uri="{28A0092B-C50C-407E-A947-70E740481C1C}">
+                <a14:useLocalDpi xmlns:a14="http://schemas.microsoft.com/office/drawing/2010/main" val="0"/>
+              </a:ext>
+            </a:extLst>
+          </a:blip>
+          <a:srcRect/>
+          <a:stretch>
+            <a:fillRect/>
+          </a:stretch>
+        </p:blipFill>
+        <p:spPr bwMode="auto">
+          <a:xfrm>
+            <a:off x="6673932" y="65872"/>
+            <a:ext cx="4315567" cy="2157784"/>
+          </a:xfrm>
+          <a:prstGeom prst="rect">
+            <a:avLst/>
+          </a:prstGeom>
+          <a:noFill/>
+          <a:extLst>
+            <a:ext uri="{909E8E84-426E-40DD-AFC4-6F175D3DCCD1}">
+              <a14:hiddenFill xmlns:a14="http://schemas.microsoft.com/office/drawing/2010/main">
+                <a:solidFill>
+                  <a:srgbClr val="FFFFFF"/>
+                </a:solidFill>
+              </a14:hiddenFill>
+            </a:ext>
+          </a:extLst>
+        </p:spPr>
+      </p:pic>
+      <p:sp>
+        <p:nvSpPr>
+          <p:cNvPr id="6" name="文本框 5">
+            <a:extLst>
+              <a:ext uri="{FF2B5EF4-FFF2-40B4-BE49-F238E27FC236}">
+                <a16:creationId xmlns:a16="http://schemas.microsoft.com/office/drawing/2014/main" id="{C7CA22D0-D419-440E-85A0-3DC3BFD6A42B}"/>
+              </a:ext>
+            </a:extLst>
+          </p:cNvPr>
+          <p:cNvSpPr txBox="1"/>
+          <p:nvPr/>
+        </p:nvSpPr>
+        <p:spPr>
+          <a:xfrm>
+            <a:off x="3855259" y="3135439"/>
+            <a:ext cx="7745071" cy="1200329"/>
+          </a:xfrm>
+          <a:prstGeom prst="rect">
+            <a:avLst/>
+          </a:prstGeom>
+          <a:noFill/>
+        </p:spPr>
+        <p:txBody>
+          <a:bodyPr wrap="square" rtlCol="0">
+            <a:spAutoFit/>
+          </a:bodyPr>
+          <a:lstStyle/>
+          <a:p>
+            <a:r>
+              <a:rPr lang="zh-CN" altLang="en-US" sz="7200" b="1" dirty="0">
+                <a:latin typeface="+mn-ea"/>
+              </a:rPr>
+              <a:t>学习调用堆栈窗口</a:t>
+            </a:r>
+          </a:p>
+        </p:txBody>
+      </p:sp>
+    </p:spTree>
+    <p:extLst>
+      <p:ext uri="{BB962C8B-B14F-4D97-AF65-F5344CB8AC3E}">
+        <p14:creationId xmlns:p14="http://schemas.microsoft.com/office/powerpoint/2010/main" val="814086745"/>
       </p:ext>
     </p:extLst>
   </p:cSld>

--- a/C++课件.pptx
+++ b/C++课件.pptx
@@ -5,7 +5,7 @@
     <p:sldMasterId id="2147483648" r:id="rId1"/>
   </p:sldMasterIdLst>
   <p:notesMasterIdLst>
-    <p:notesMasterId r:id="rId36"/>
+    <p:notesMasterId r:id="rId38"/>
   </p:notesMasterIdLst>
   <p:sldIdLst>
     <p:sldId id="256" r:id="rId2"/>
@@ -42,6 +42,8 @@
     <p:sldId id="306" r:id="rId33"/>
     <p:sldId id="307" r:id="rId34"/>
     <p:sldId id="305" r:id="rId35"/>
+    <p:sldId id="308" r:id="rId36"/>
+    <p:sldId id="309" r:id="rId37"/>
   </p:sldIdLst>
   <p:sldSz cx="12192000" cy="6858000"/>
   <p:notesSz cx="6858000" cy="9144000"/>
@@ -230,7 +232,7 @@
           <a:p>
             <a:fld id="{C763DFBC-BC7B-44D2-9277-A1640CE38A00}" type="datetimeFigureOut">
               <a:rPr lang="zh-CN" altLang="en-US" smtClean="0"/>
-              <a:t>2024/1/11</a:t>
+              <a:t>2024/1/21</a:t>
             </a:fld>
             <a:endParaRPr lang="zh-CN" altLang="en-US"/>
           </a:p>
@@ -6214,6 +6216,480 @@
 </p:notes>
 </file>
 
+<file path=ppt/notesSlides/notesSlide32.xml><?xml version="1.0" encoding="utf-8"?>
+<p:notes xmlns:a="http://schemas.openxmlformats.org/drawingml/2006/main" xmlns:r="http://schemas.openxmlformats.org/officeDocument/2006/relationships" xmlns:p="http://schemas.openxmlformats.org/presentationml/2006/main">
+  <p:cSld>
+    <p:spTree>
+      <p:nvGrpSpPr>
+        <p:cNvPr id="1" name=""/>
+        <p:cNvGrpSpPr/>
+        <p:nvPr/>
+      </p:nvGrpSpPr>
+      <p:grpSpPr>
+        <a:xfrm>
+          <a:off x="0" y="0"/>
+          <a:ext cx="0" cy="0"/>
+          <a:chOff x="0" y="0"/>
+          <a:chExt cx="0" cy="0"/>
+        </a:xfrm>
+      </p:grpSpPr>
+      <p:sp>
+        <p:nvSpPr>
+          <p:cNvPr id="2" name="幻灯片图像占位符 1"/>
+          <p:cNvSpPr>
+            <a:spLocks noGrp="1" noRot="1" noChangeAspect="1"/>
+          </p:cNvSpPr>
+          <p:nvPr>
+            <p:ph type="sldImg"/>
+          </p:nvPr>
+        </p:nvSpPr>
+        <p:spPr/>
+      </p:sp>
+      <p:sp>
+        <p:nvSpPr>
+          <p:cNvPr id="3" name="备注占位符 2"/>
+          <p:cNvSpPr>
+            <a:spLocks noGrp="1"/>
+          </p:cNvSpPr>
+          <p:nvPr>
+            <p:ph type="body" idx="1"/>
+          </p:nvPr>
+        </p:nvSpPr>
+        <p:spPr/>
+        <p:txBody>
+          <a:bodyPr/>
+          <a:lstStyle/>
+          <a:p>
+            <a:r>
+              <a:rPr lang="en-US" altLang="zh-CN" dirty="0">
+                <a:effectLst/>
+              </a:rPr>
+              <a:t>class</a:t>
+            </a:r>
+            <a:r>
+              <a:rPr lang="en-US" altLang="zh-CN" dirty="0"/>
+              <a:t> </a:t>
+            </a:r>
+            <a:r>
+              <a:rPr lang="en-US" altLang="zh-CN" dirty="0" err="1">
+                <a:effectLst/>
+              </a:rPr>
+              <a:t>NoDefault</a:t>
+            </a:r>
+            <a:endParaRPr lang="en-US" altLang="zh-CN" dirty="0">
+              <a:effectLst/>
+            </a:endParaRPr>
+          </a:p>
+          <a:p>
+            <a:r>
+              <a:rPr lang="en-US" altLang="zh-CN" dirty="0"/>
+              <a:t> { </a:t>
+            </a:r>
+          </a:p>
+          <a:p>
+            <a:r>
+              <a:rPr lang="en-US" altLang="zh-CN" dirty="0">
+                <a:effectLst/>
+              </a:rPr>
+              <a:t>    public:</a:t>
+            </a:r>
+            <a:r>
+              <a:rPr lang="en-US" altLang="zh-CN" dirty="0"/>
+              <a:t> </a:t>
+            </a:r>
+            <a:r>
+              <a:rPr lang="en-US" altLang="zh-CN" dirty="0" err="1">
+                <a:effectLst/>
+              </a:rPr>
+              <a:t>NoDefault</a:t>
+            </a:r>
+            <a:r>
+              <a:rPr lang="en-US" altLang="zh-CN" dirty="0"/>
+              <a:t>(</a:t>
+            </a:r>
+            <a:r>
+              <a:rPr lang="en-US" altLang="zh-CN" dirty="0">
+                <a:effectLst/>
+              </a:rPr>
+              <a:t>int</a:t>
+            </a:r>
+            <a:r>
+              <a:rPr lang="en-US" altLang="zh-CN" dirty="0"/>
+              <a:t> </a:t>
+            </a:r>
+            <a:r>
+              <a:rPr lang="en-US" altLang="zh-CN" dirty="0" err="1"/>
+              <a:t>i</a:t>
+            </a:r>
+            <a:r>
+              <a:rPr lang="en-US" altLang="zh-CN" dirty="0"/>
+              <a:t>) { } </a:t>
+            </a:r>
+          </a:p>
+          <a:p>
+            <a:r>
+              <a:rPr lang="en-US" altLang="zh-CN" dirty="0"/>
+              <a:t>};</a:t>
+            </a:r>
+          </a:p>
+          <a:p>
+            <a:endParaRPr lang="en-US" altLang="zh-CN" dirty="0"/>
+          </a:p>
+          <a:p>
+            <a:r>
+              <a:rPr lang="en-US" altLang="zh-CN" dirty="0"/>
+              <a:t> </a:t>
+            </a:r>
+            <a:r>
+              <a:rPr lang="en-US" altLang="zh-CN" dirty="0">
+                <a:effectLst/>
+              </a:rPr>
+              <a:t>class</a:t>
+            </a:r>
+            <a:r>
+              <a:rPr lang="en-US" altLang="zh-CN" dirty="0"/>
+              <a:t> </a:t>
+            </a:r>
+            <a:r>
+              <a:rPr lang="en-US" altLang="zh-CN" dirty="0">
+                <a:effectLst/>
+              </a:rPr>
+              <a:t>C</a:t>
+            </a:r>
+          </a:p>
+          <a:p>
+            <a:r>
+              <a:rPr lang="en-US" altLang="zh-CN" dirty="0"/>
+              <a:t>{ </a:t>
+            </a:r>
+          </a:p>
+          <a:p>
+            <a:r>
+              <a:rPr lang="en-US" altLang="zh-CN" dirty="0">
+                <a:effectLst/>
+              </a:rPr>
+              <a:t>public:</a:t>
+            </a:r>
+            <a:r>
+              <a:rPr lang="en-US" altLang="zh-CN" dirty="0"/>
+              <a:t> </a:t>
+            </a:r>
+            <a:r>
+              <a:rPr lang="en-US" altLang="zh-CN" dirty="0">
+                <a:effectLst/>
+              </a:rPr>
+              <a:t>C</a:t>
+            </a:r>
+            <a:r>
+              <a:rPr lang="en-US" altLang="zh-CN" dirty="0"/>
+              <a:t>() : def(</a:t>
+            </a:r>
+            <a:r>
+              <a:rPr lang="en-US" altLang="zh-CN" dirty="0">
+                <a:effectLst/>
+              </a:rPr>
+              <a:t>0</a:t>
+            </a:r>
+            <a:r>
+              <a:rPr lang="en-US" altLang="zh-CN" dirty="0"/>
+              <a:t>) { } </a:t>
+            </a:r>
+          </a:p>
+          <a:p>
+            <a:r>
+              <a:rPr lang="en-US" altLang="zh-CN" dirty="0">
+                <a:effectLst/>
+              </a:rPr>
+              <a:t>private:</a:t>
+            </a:r>
+            <a:r>
+              <a:rPr lang="en-US" altLang="zh-CN" dirty="0"/>
+              <a:t> </a:t>
+            </a:r>
+          </a:p>
+          <a:p>
+            <a:r>
+              <a:rPr lang="en-US" altLang="zh-CN" dirty="0" err="1"/>
+              <a:t>NoDefault</a:t>
+            </a:r>
+            <a:r>
+              <a:rPr lang="en-US" altLang="zh-CN" dirty="0"/>
+              <a:t> def; </a:t>
+            </a:r>
+          </a:p>
+          <a:p>
+            <a:r>
+              <a:rPr lang="en-US" altLang="zh-CN" dirty="0"/>
+              <a:t>};</a:t>
+            </a:r>
+            <a:endParaRPr lang="zh-CN" altLang="en-US" sz="1200" b="0" i="0" kern="1200" dirty="0">
+              <a:solidFill>
+                <a:schemeClr val="tx1"/>
+              </a:solidFill>
+              <a:effectLst/>
+              <a:latin typeface="+mn-lt"/>
+              <a:ea typeface="+mn-ea"/>
+              <a:cs typeface="+mn-cs"/>
+            </a:endParaRPr>
+          </a:p>
+        </p:txBody>
+      </p:sp>
+      <p:sp>
+        <p:nvSpPr>
+          <p:cNvPr id="4" name="灯片编号占位符 3"/>
+          <p:cNvSpPr>
+            <a:spLocks noGrp="1"/>
+          </p:cNvSpPr>
+          <p:nvPr>
+            <p:ph type="sldNum" sz="quarter" idx="5"/>
+          </p:nvPr>
+        </p:nvSpPr>
+        <p:spPr/>
+        <p:txBody>
+          <a:bodyPr/>
+          <a:lstStyle/>
+          <a:p>
+            <a:fld id="{0111EF2A-CA54-46BA-9D19-E4C580B41F03}" type="slidenum">
+              <a:rPr lang="zh-CN" altLang="en-US" smtClean="0"/>
+              <a:t>35</a:t>
+            </a:fld>
+            <a:endParaRPr lang="zh-CN" altLang="en-US"/>
+          </a:p>
+        </p:txBody>
+      </p:sp>
+    </p:spTree>
+    <p:extLst>
+      <p:ext uri="{BB962C8B-B14F-4D97-AF65-F5344CB8AC3E}">
+        <p14:creationId xmlns:p14="http://schemas.microsoft.com/office/powerpoint/2010/main" val="957461720"/>
+      </p:ext>
+    </p:extLst>
+  </p:cSld>
+  <p:clrMapOvr>
+    <a:masterClrMapping/>
+  </p:clrMapOvr>
+</p:notes>
+</file>
+
+<file path=ppt/notesSlides/notesSlide33.xml><?xml version="1.0" encoding="utf-8"?>
+<p:notes xmlns:a="http://schemas.openxmlformats.org/drawingml/2006/main" xmlns:r="http://schemas.openxmlformats.org/officeDocument/2006/relationships" xmlns:p="http://schemas.openxmlformats.org/presentationml/2006/main">
+  <p:cSld>
+    <p:spTree>
+      <p:nvGrpSpPr>
+        <p:cNvPr id="1" name=""/>
+        <p:cNvGrpSpPr/>
+        <p:nvPr/>
+      </p:nvGrpSpPr>
+      <p:grpSpPr>
+        <a:xfrm>
+          <a:off x="0" y="0"/>
+          <a:ext cx="0" cy="0"/>
+          <a:chOff x="0" y="0"/>
+          <a:chExt cx="0" cy="0"/>
+        </a:xfrm>
+      </p:grpSpPr>
+      <p:sp>
+        <p:nvSpPr>
+          <p:cNvPr id="2" name="幻灯片图像占位符 1"/>
+          <p:cNvSpPr>
+            <a:spLocks noGrp="1" noRot="1" noChangeAspect="1"/>
+          </p:cNvSpPr>
+          <p:nvPr>
+            <p:ph type="sldImg"/>
+          </p:nvPr>
+        </p:nvSpPr>
+        <p:spPr/>
+      </p:sp>
+      <p:sp>
+        <p:nvSpPr>
+          <p:cNvPr id="3" name="备注占位符 2"/>
+          <p:cNvSpPr>
+            <a:spLocks noGrp="1"/>
+          </p:cNvSpPr>
+          <p:nvPr>
+            <p:ph type="body" idx="1"/>
+          </p:nvPr>
+        </p:nvSpPr>
+        <p:spPr/>
+        <p:txBody>
+          <a:bodyPr/>
+          <a:lstStyle/>
+          <a:p>
+            <a:r>
+              <a:rPr lang="en-US" altLang="zh-CN" sz="1200" b="0" i="0" kern="1200" dirty="0">
+                <a:solidFill>
+                  <a:schemeClr val="tx1"/>
+                </a:solidFill>
+                <a:effectLst/>
+                <a:latin typeface="+mn-lt"/>
+                <a:ea typeface="+mn-ea"/>
+                <a:cs typeface="+mn-cs"/>
+              </a:rPr>
+              <a:t>(a) </a:t>
+            </a:r>
+            <a:r>
+              <a:rPr lang="zh-CN" altLang="en-US" sz="1200" b="0" i="0" kern="1200" dirty="0">
+                <a:solidFill>
+                  <a:schemeClr val="tx1"/>
+                </a:solidFill>
+                <a:effectLst/>
+                <a:latin typeface="+mn-lt"/>
+                <a:ea typeface="+mn-ea"/>
+                <a:cs typeface="+mn-cs"/>
+              </a:rPr>
+              <a:t>不正确。如果我们的类没有显式地定义构造函数，那么编译器就会为我们隐式地定义一个默认构造函数，并称之为</a:t>
+            </a:r>
+            <a:r>
+              <a:rPr lang="zh-CN" altLang="en-US" sz="1200" b="1" i="0" kern="1200" dirty="0">
+                <a:solidFill>
+                  <a:schemeClr val="tx1"/>
+                </a:solidFill>
+                <a:effectLst/>
+                <a:latin typeface="+mn-lt"/>
+                <a:ea typeface="+mn-ea"/>
+                <a:cs typeface="+mn-cs"/>
+              </a:rPr>
+              <a:t>合成的默认构造函数</a:t>
+            </a:r>
+            <a:r>
+              <a:rPr lang="zh-CN" altLang="en-US" sz="1200" b="0" i="0" kern="1200" dirty="0">
+                <a:solidFill>
+                  <a:schemeClr val="tx1"/>
+                </a:solidFill>
+                <a:effectLst/>
+                <a:latin typeface="+mn-lt"/>
+                <a:ea typeface="+mn-ea"/>
+                <a:cs typeface="+mn-cs"/>
+              </a:rPr>
+              <a:t>。</a:t>
+            </a:r>
+          </a:p>
+          <a:p>
+            <a:r>
+              <a:rPr lang="en-US" altLang="zh-CN" sz="1200" b="0" i="0" kern="1200" dirty="0">
+                <a:solidFill>
+                  <a:schemeClr val="tx1"/>
+                </a:solidFill>
+                <a:effectLst/>
+                <a:latin typeface="+mn-lt"/>
+                <a:ea typeface="+mn-ea"/>
+                <a:cs typeface="+mn-cs"/>
+              </a:rPr>
+              <a:t>(b) </a:t>
+            </a:r>
+            <a:r>
+              <a:rPr lang="zh-CN" altLang="en-US" sz="1200" b="0" i="0" kern="1200" dirty="0">
+                <a:solidFill>
+                  <a:schemeClr val="tx1"/>
+                </a:solidFill>
+                <a:effectLst/>
+                <a:latin typeface="+mn-lt"/>
+                <a:ea typeface="+mn-ea"/>
+                <a:cs typeface="+mn-cs"/>
+              </a:rPr>
+              <a:t>不完全正确。为每个参数都提供了默认值的构造函数也是默认构造函数。</a:t>
+            </a:r>
+          </a:p>
+          <a:p>
+            <a:r>
+              <a:rPr lang="en-US" altLang="zh-CN" sz="1200" b="0" i="0" kern="1200" dirty="0">
+                <a:solidFill>
+                  <a:schemeClr val="tx1"/>
+                </a:solidFill>
+                <a:effectLst/>
+                <a:latin typeface="+mn-lt"/>
+                <a:ea typeface="+mn-ea"/>
+                <a:cs typeface="+mn-cs"/>
+              </a:rPr>
+              <a:t>(c) </a:t>
+            </a:r>
+            <a:r>
+              <a:rPr lang="zh-CN" altLang="en-US" sz="1200" b="0" i="0" kern="1200" dirty="0">
+                <a:solidFill>
+                  <a:schemeClr val="tx1"/>
+                </a:solidFill>
+                <a:effectLst/>
+                <a:latin typeface="+mn-lt"/>
+                <a:ea typeface="+mn-ea"/>
+                <a:cs typeface="+mn-cs"/>
+              </a:rPr>
+              <a:t>不正确。哪怕没有意义的值也需要初始化。</a:t>
+            </a:r>
+          </a:p>
+          <a:p>
+            <a:r>
+              <a:rPr lang="en-US" altLang="zh-CN" sz="1200" b="0" i="0" kern="1200" dirty="0">
+                <a:solidFill>
+                  <a:schemeClr val="tx1"/>
+                </a:solidFill>
+                <a:effectLst/>
+                <a:latin typeface="+mn-lt"/>
+                <a:ea typeface="+mn-ea"/>
+                <a:cs typeface="+mn-cs"/>
+              </a:rPr>
+              <a:t>(d) </a:t>
+            </a:r>
+            <a:r>
+              <a:rPr lang="zh-CN" altLang="en-US" sz="1200" b="0" i="0" kern="1200" dirty="0">
+                <a:solidFill>
+                  <a:schemeClr val="tx1"/>
+                </a:solidFill>
+                <a:effectLst/>
+                <a:latin typeface="+mn-lt"/>
+                <a:ea typeface="+mn-ea"/>
+                <a:cs typeface="+mn-cs"/>
+              </a:rPr>
+              <a:t>不正确。只有当一个类没有定义任何构造函数的时候，编译器才会生成一个默认构造函数。</a:t>
+            </a:r>
+          </a:p>
+          <a:p>
+            <a:endParaRPr lang="zh-CN" altLang="en-US" sz="1200" b="0" i="0" kern="1200" dirty="0">
+              <a:solidFill>
+                <a:schemeClr val="tx1"/>
+              </a:solidFill>
+              <a:effectLst/>
+              <a:latin typeface="+mn-lt"/>
+              <a:ea typeface="+mn-ea"/>
+              <a:cs typeface="+mn-cs"/>
+            </a:endParaRPr>
+          </a:p>
+        </p:txBody>
+      </p:sp>
+      <p:sp>
+        <p:nvSpPr>
+          <p:cNvPr id="4" name="灯片编号占位符 3"/>
+          <p:cNvSpPr>
+            <a:spLocks noGrp="1"/>
+          </p:cNvSpPr>
+          <p:nvPr>
+            <p:ph type="sldNum" sz="quarter" idx="5"/>
+          </p:nvPr>
+        </p:nvSpPr>
+        <p:spPr/>
+        <p:txBody>
+          <a:bodyPr/>
+          <a:lstStyle/>
+          <a:p>
+            <a:fld id="{0111EF2A-CA54-46BA-9D19-E4C580B41F03}" type="slidenum">
+              <a:rPr lang="zh-CN" altLang="en-US" smtClean="0"/>
+              <a:t>36</a:t>
+            </a:fld>
+            <a:endParaRPr lang="zh-CN" altLang="en-US"/>
+          </a:p>
+        </p:txBody>
+      </p:sp>
+    </p:spTree>
+    <p:extLst>
+      <p:ext uri="{BB962C8B-B14F-4D97-AF65-F5344CB8AC3E}">
+        <p14:creationId xmlns:p14="http://schemas.microsoft.com/office/powerpoint/2010/main" val="186735882"/>
+      </p:ext>
+    </p:extLst>
+  </p:cSld>
+  <p:clrMapOvr>
+    <a:masterClrMapping/>
+  </p:clrMapOvr>
+</p:notes>
+</file>
+
 <file path=ppt/notesSlides/notesSlide4.xml><?xml version="1.0" encoding="utf-8"?>
 <p:notes xmlns:a="http://schemas.openxmlformats.org/drawingml/2006/main" xmlns:r="http://schemas.openxmlformats.org/officeDocument/2006/relationships" xmlns:p="http://schemas.openxmlformats.org/presentationml/2006/main">
   <p:cSld>
@@ -7446,7 +7922,7 @@
           <a:p>
             <a:fld id="{5A1740DE-654B-48BB-A6EB-4DD86D9E78E3}" type="datetimeFigureOut">
               <a:rPr lang="zh-CN" altLang="en-US" smtClean="0"/>
-              <a:t>2024/1/11</a:t>
+              <a:t>2024/1/21</a:t>
             </a:fld>
             <a:endParaRPr lang="zh-CN" altLang="en-US"/>
           </a:p>
@@ -7644,7 +8120,7 @@
           <a:p>
             <a:fld id="{5A1740DE-654B-48BB-A6EB-4DD86D9E78E3}" type="datetimeFigureOut">
               <a:rPr lang="zh-CN" altLang="en-US" smtClean="0"/>
-              <a:t>2024/1/11</a:t>
+              <a:t>2024/1/21</a:t>
             </a:fld>
             <a:endParaRPr lang="zh-CN" altLang="en-US"/>
           </a:p>
@@ -7852,7 +8328,7 @@
           <a:p>
             <a:fld id="{5A1740DE-654B-48BB-A6EB-4DD86D9E78E3}" type="datetimeFigureOut">
               <a:rPr lang="zh-CN" altLang="en-US" smtClean="0"/>
-              <a:t>2024/1/11</a:t>
+              <a:t>2024/1/21</a:t>
             </a:fld>
             <a:endParaRPr lang="zh-CN" altLang="en-US"/>
           </a:p>
@@ -8050,7 +8526,7 @@
           <a:p>
             <a:fld id="{5A1740DE-654B-48BB-A6EB-4DD86D9E78E3}" type="datetimeFigureOut">
               <a:rPr lang="zh-CN" altLang="en-US" smtClean="0"/>
-              <a:t>2024/1/11</a:t>
+              <a:t>2024/1/21</a:t>
             </a:fld>
             <a:endParaRPr lang="zh-CN" altLang="en-US"/>
           </a:p>
@@ -8325,7 +8801,7 @@
           <a:p>
             <a:fld id="{5A1740DE-654B-48BB-A6EB-4DD86D9E78E3}" type="datetimeFigureOut">
               <a:rPr lang="zh-CN" altLang="en-US" smtClean="0"/>
-              <a:t>2024/1/11</a:t>
+              <a:t>2024/1/21</a:t>
             </a:fld>
             <a:endParaRPr lang="zh-CN" altLang="en-US"/>
           </a:p>
@@ -8590,7 +9066,7 @@
           <a:p>
             <a:fld id="{5A1740DE-654B-48BB-A6EB-4DD86D9E78E3}" type="datetimeFigureOut">
               <a:rPr lang="zh-CN" altLang="en-US" smtClean="0"/>
-              <a:t>2024/1/11</a:t>
+              <a:t>2024/1/21</a:t>
             </a:fld>
             <a:endParaRPr lang="zh-CN" altLang="en-US"/>
           </a:p>
@@ -9002,7 +9478,7 @@
           <a:p>
             <a:fld id="{5A1740DE-654B-48BB-A6EB-4DD86D9E78E3}" type="datetimeFigureOut">
               <a:rPr lang="zh-CN" altLang="en-US" smtClean="0"/>
-              <a:t>2024/1/11</a:t>
+              <a:t>2024/1/21</a:t>
             </a:fld>
             <a:endParaRPr lang="zh-CN" altLang="en-US"/>
           </a:p>
@@ -9143,7 +9619,7 @@
           <a:p>
             <a:fld id="{5A1740DE-654B-48BB-A6EB-4DD86D9E78E3}" type="datetimeFigureOut">
               <a:rPr lang="zh-CN" altLang="en-US" smtClean="0"/>
-              <a:t>2024/1/11</a:t>
+              <a:t>2024/1/21</a:t>
             </a:fld>
             <a:endParaRPr lang="zh-CN" altLang="en-US"/>
           </a:p>
@@ -9256,7 +9732,7 @@
           <a:p>
             <a:fld id="{5A1740DE-654B-48BB-A6EB-4DD86D9E78E3}" type="datetimeFigureOut">
               <a:rPr lang="zh-CN" altLang="en-US" smtClean="0"/>
-              <a:t>2024/1/11</a:t>
+              <a:t>2024/1/21</a:t>
             </a:fld>
             <a:endParaRPr lang="zh-CN" altLang="en-US"/>
           </a:p>
@@ -9567,7 +10043,7 @@
           <a:p>
             <a:fld id="{5A1740DE-654B-48BB-A6EB-4DD86D9E78E3}" type="datetimeFigureOut">
               <a:rPr lang="zh-CN" altLang="en-US" smtClean="0"/>
-              <a:t>2024/1/11</a:t>
+              <a:t>2024/1/21</a:t>
             </a:fld>
             <a:endParaRPr lang="zh-CN" altLang="en-US"/>
           </a:p>
@@ -9855,7 +10331,7 @@
           <a:p>
             <a:fld id="{5A1740DE-654B-48BB-A6EB-4DD86D9E78E3}" type="datetimeFigureOut">
               <a:rPr lang="zh-CN" altLang="en-US" smtClean="0"/>
-              <a:t>2024/1/11</a:t>
+              <a:t>2024/1/21</a:t>
             </a:fld>
             <a:endParaRPr lang="zh-CN" altLang="en-US"/>
           </a:p>
@@ -10096,7 +10572,7 @@
           <a:p>
             <a:fld id="{5A1740DE-654B-48BB-A6EB-4DD86D9E78E3}" type="datetimeFigureOut">
               <a:rPr lang="zh-CN" altLang="en-US" smtClean="0"/>
-              <a:t>2024/1/11</a:t>
+              <a:t>2024/1/21</a:t>
             </a:fld>
             <a:endParaRPr lang="zh-CN" altLang="en-US"/>
           </a:p>
@@ -16541,7 +17017,7 @@
         <p:spPr>
           <a:xfrm>
             <a:off x="4028167" y="1421885"/>
-            <a:ext cx="7511653" cy="6130011"/>
+            <a:ext cx="7511653" cy="4620624"/>
           </a:xfrm>
           <a:prstGeom prst="rect">
             <a:avLst/>
@@ -16560,10 +17036,10 @@
               </a:lnSpc>
             </a:pPr>
             <a:r>
-              <a:rPr lang="zh-CN" altLang="en-US" sz="2400" dirty="0"/>
+              <a:rPr lang="zh-CN" altLang="en-US" dirty="0"/>
               <a:t>说明下列每组声明中的第二条语句会产生什么影响，并指出哪些不合法</a:t>
             </a:r>
-            <a:endParaRPr lang="en-US" altLang="zh-CN" sz="2400" dirty="0"/>
+            <a:endParaRPr lang="en-US" altLang="zh-CN" dirty="0"/>
           </a:p>
           <a:p>
             <a:pPr>
@@ -16571,7 +17047,7 @@
                 <a:spcPct val="150000"/>
               </a:lnSpc>
             </a:pPr>
-            <a:endParaRPr lang="en-US" altLang="zh-CN" sz="2400" dirty="0"/>
+            <a:endParaRPr lang="en-US" altLang="zh-CN" dirty="0"/>
           </a:p>
           <a:p>
             <a:pPr>
@@ -16580,7 +17056,7 @@
               </a:lnSpc>
             </a:pPr>
             <a:r>
-              <a:rPr lang="en-US" altLang="zh-CN" sz="2400" dirty="0"/>
+              <a:rPr lang="en-US" altLang="zh-CN" dirty="0"/>
               <a:t>(a) int calc(int&amp;, int&amp;); </a:t>
             </a:r>
           </a:p>
@@ -16591,8 +17067,8 @@
               </a:lnSpc>
             </a:pPr>
             <a:r>
-              <a:rPr lang="en-US" altLang="zh-CN" sz="2400" dirty="0"/>
-              <a:t>	int calc(const int&amp;, const int&amp;); </a:t>
+              <a:rPr lang="en-US" altLang="zh-CN" dirty="0"/>
+              <a:t>int calc(const int&amp;, const int&amp;); </a:t>
             </a:r>
           </a:p>
           <a:p>
@@ -16602,7 +17078,7 @@
               </a:lnSpc>
             </a:pPr>
             <a:r>
-              <a:rPr lang="en-US" altLang="zh-CN" sz="2400" dirty="0"/>
+              <a:rPr lang="en-US" altLang="zh-CN" dirty="0"/>
               <a:t>(b) int calc(char*, char*);</a:t>
             </a:r>
           </a:p>
@@ -16613,9 +17089,22 @@
               </a:lnSpc>
             </a:pPr>
             <a:r>
-              <a:rPr lang="en-US" altLang="zh-CN" sz="2400" dirty="0"/>
-              <a:t>	int calc(const char*, const char*);</a:t>
-            </a:r>
+              <a:rPr lang="en-US" altLang="zh-CN" dirty="0"/>
+              <a:t>int calc(const char*, const char*); //</a:t>
+            </a:r>
+            <a:r>
+              <a:rPr lang="zh-CN" altLang="en-US" dirty="0"/>
+              <a:t>底层</a:t>
+            </a:r>
+            <a:r>
+              <a:rPr lang="en-US" altLang="zh-CN" dirty="0"/>
+              <a:t>const </a:t>
+            </a:r>
+            <a:r>
+              <a:rPr lang="zh-CN" altLang="en-US" dirty="0"/>
+              <a:t>，指针指向的值不能够修改</a:t>
+            </a:r>
+            <a:endParaRPr lang="en-US" altLang="zh-CN" dirty="0"/>
           </a:p>
           <a:p>
             <a:pPr>
@@ -16624,7 +17113,7 @@
               </a:lnSpc>
             </a:pPr>
             <a:r>
-              <a:rPr lang="en-US" altLang="zh-CN" sz="2400" dirty="0"/>
+              <a:rPr lang="en-US" altLang="zh-CN" dirty="0"/>
               <a:t>(c) int calc(char*, char*);</a:t>
             </a:r>
           </a:p>
@@ -16635,9 +17124,30 @@
               </a:lnSpc>
             </a:pPr>
             <a:r>
-              <a:rPr lang="en-US" altLang="zh-CN" sz="2400" dirty="0"/>
-              <a:t>	int calc(char* const, char* const);</a:t>
-            </a:r>
+              <a:rPr lang="en-US" altLang="zh-CN" dirty="0"/>
+              <a:t>int calc(char* const, char* const);  //</a:t>
+            </a:r>
+            <a:r>
+              <a:rPr lang="zh-CN" altLang="en-US" dirty="0"/>
+              <a:t>顶层</a:t>
+            </a:r>
+            <a:r>
+              <a:rPr lang="en-US" altLang="zh-CN" dirty="0"/>
+              <a:t>const </a:t>
+            </a:r>
+            <a:r>
+              <a:rPr lang="zh-CN" altLang="en-US" dirty="0"/>
+              <a:t>不会构成重载，顶层</a:t>
+            </a:r>
+            <a:r>
+              <a:rPr lang="en-US" altLang="zh-CN" dirty="0"/>
+              <a:t>const</a:t>
+            </a:r>
+            <a:r>
+              <a:rPr lang="zh-CN" altLang="en-US" dirty="0"/>
+              <a:t>表示指针变量本身不能够修改（不能够改变指针的指向）</a:t>
+            </a:r>
+            <a:endParaRPr lang="en-US" altLang="zh-CN" dirty="0"/>
           </a:p>
           <a:p>
             <a:pPr>
@@ -16645,7 +17155,7 @@
                 <a:spcPct val="150000"/>
               </a:lnSpc>
             </a:pPr>
-            <a:endParaRPr lang="en-US" altLang="zh-CN" sz="2400" dirty="0">
+            <a:endParaRPr lang="en-US" altLang="zh-CN" dirty="0">
               <a:latin typeface="+mn-ea"/>
             </a:endParaRPr>
           </a:p>
@@ -16655,7 +17165,7 @@
                 <a:spcPct val="150000"/>
               </a:lnSpc>
             </a:pPr>
-            <a:endParaRPr lang="en-US" altLang="zh-CN" sz="2400" dirty="0">
+            <a:endParaRPr lang="en-US" altLang="zh-CN" dirty="0">
               <a:latin typeface="+mn-ea"/>
             </a:endParaRPr>
           </a:p>
@@ -17295,6 +17805,473 @@
     <p:extLst>
       <p:ext uri="{BB962C8B-B14F-4D97-AF65-F5344CB8AC3E}">
         <p14:creationId xmlns:p14="http://schemas.microsoft.com/office/powerpoint/2010/main" val="814086745"/>
+      </p:ext>
+    </p:extLst>
+  </p:cSld>
+  <p:clrMapOvr>
+    <a:masterClrMapping/>
+  </p:clrMapOvr>
+</p:sld>
+</file>
+
+<file path=ppt/slides/slide35.xml><?xml version="1.0" encoding="utf-8"?>
+<p:sld xmlns:a="http://schemas.openxmlformats.org/drawingml/2006/main" xmlns:r="http://schemas.openxmlformats.org/officeDocument/2006/relationships" xmlns:p="http://schemas.openxmlformats.org/presentationml/2006/main">
+  <p:cSld>
+    <p:spTree>
+      <p:nvGrpSpPr>
+        <p:cNvPr id="1" name=""/>
+        <p:cNvGrpSpPr/>
+        <p:nvPr/>
+      </p:nvGrpSpPr>
+      <p:grpSpPr>
+        <a:xfrm>
+          <a:off x="0" y="0"/>
+          <a:ext cx="0" cy="0"/>
+          <a:chOff x="0" y="0"/>
+          <a:chExt cx="0" cy="0"/>
+        </a:xfrm>
+      </p:grpSpPr>
+      <p:sp>
+        <p:nvSpPr>
+          <p:cNvPr id="8" name="文本框 7">
+            <a:extLst>
+              <a:ext uri="{FF2B5EF4-FFF2-40B4-BE49-F238E27FC236}">
+                <a16:creationId xmlns:a16="http://schemas.microsoft.com/office/drawing/2014/main" id="{173B5B89-5235-4C07-99A2-AC5672E77337}"/>
+              </a:ext>
+            </a:extLst>
+          </p:cNvPr>
+          <p:cNvSpPr txBox="1"/>
+          <p:nvPr/>
+        </p:nvSpPr>
+        <p:spPr>
+          <a:xfrm>
+            <a:off x="215448" y="169110"/>
+            <a:ext cx="11169000" cy="830997"/>
+          </a:xfrm>
+          <a:prstGeom prst="rect">
+            <a:avLst/>
+          </a:prstGeom>
+          <a:noFill/>
+        </p:spPr>
+        <p:txBody>
+          <a:bodyPr wrap="square" rtlCol="0">
+            <a:spAutoFit/>
+          </a:bodyPr>
+          <a:lstStyle/>
+          <a:p>
+            <a:r>
+              <a:rPr lang="en-US" altLang="zh-CN" sz="4800" b="1" dirty="0">
+                <a:latin typeface="+mn-ea"/>
+              </a:rPr>
+              <a:t>Exercise 7: </a:t>
+            </a:r>
+            <a:r>
+              <a:rPr lang="zh-CN" altLang="en-US" sz="4800" b="1" dirty="0">
+                <a:latin typeface="+mn-ea"/>
+              </a:rPr>
+              <a:t>类的定义：类成员的构造顺序</a:t>
+            </a:r>
+          </a:p>
+        </p:txBody>
+      </p:sp>
+      <p:pic>
+        <p:nvPicPr>
+          <p:cNvPr id="3" name="图片 2">
+            <a:extLst>
+              <a:ext uri="{FF2B5EF4-FFF2-40B4-BE49-F238E27FC236}">
+                <a16:creationId xmlns:a16="http://schemas.microsoft.com/office/drawing/2014/main" id="{21E80804-831F-4223-B271-A0EA42A00A71}"/>
+              </a:ext>
+            </a:extLst>
+          </p:cNvPr>
+          <p:cNvPicPr>
+            <a:picLocks noChangeAspect="1"/>
+          </p:cNvPicPr>
+          <p:nvPr/>
+        </p:nvPicPr>
+        <p:blipFill>
+          <a:blip r:embed="rId3">
+            <a:extLst>
+              <a:ext uri="{28A0092B-C50C-407E-A947-70E740481C1C}">
+                <a14:useLocalDpi xmlns:a14="http://schemas.microsoft.com/office/drawing/2010/main" val="0"/>
+              </a:ext>
+            </a:extLst>
+          </a:blip>
+          <a:stretch>
+            <a:fillRect/>
+          </a:stretch>
+        </p:blipFill>
+        <p:spPr>
+          <a:xfrm>
+            <a:off x="430876" y="1363288"/>
+            <a:ext cx="2859578" cy="2859578"/>
+          </a:xfrm>
+          <a:prstGeom prst="rect">
+            <a:avLst/>
+          </a:prstGeom>
+        </p:spPr>
+      </p:pic>
+      <p:sp>
+        <p:nvSpPr>
+          <p:cNvPr id="5" name="文本框 4">
+            <a:extLst>
+              <a:ext uri="{FF2B5EF4-FFF2-40B4-BE49-F238E27FC236}">
+                <a16:creationId xmlns:a16="http://schemas.microsoft.com/office/drawing/2014/main" id="{BE99D4A4-96C5-48CE-8002-225839A17A33}"/>
+              </a:ext>
+            </a:extLst>
+          </p:cNvPr>
+          <p:cNvSpPr txBox="1"/>
+          <p:nvPr/>
+        </p:nvSpPr>
+        <p:spPr>
+          <a:xfrm>
+            <a:off x="4028167" y="1237269"/>
+            <a:ext cx="7511653" cy="2127634"/>
+          </a:xfrm>
+          <a:prstGeom prst="rect">
+            <a:avLst/>
+          </a:prstGeom>
+          <a:noFill/>
+        </p:spPr>
+        <p:txBody>
+          <a:bodyPr wrap="square">
+            <a:spAutoFit/>
+          </a:bodyPr>
+          <a:lstStyle/>
+          <a:p>
+            <a:pPr>
+              <a:lnSpc>
+                <a:spcPct val="150000"/>
+              </a:lnSpc>
+            </a:pPr>
+            <a:r>
+              <a:rPr lang="zh-CN" altLang="en-US" dirty="0"/>
+              <a:t>定义名为 </a:t>
+            </a:r>
+            <a:r>
+              <a:rPr lang="en-US" altLang="zh-CN" dirty="0" err="1"/>
+              <a:t>NoDefault</a:t>
+            </a:r>
+            <a:r>
+              <a:rPr lang="en-US" altLang="zh-CN" dirty="0"/>
+              <a:t> </a:t>
+            </a:r>
+            <a:r>
+              <a:rPr lang="zh-CN" altLang="en-US" dirty="0"/>
+              <a:t>的类，它有一个接受 </a:t>
+            </a:r>
+            <a:r>
+              <a:rPr lang="en-US" altLang="zh-CN" dirty="0"/>
+              <a:t>int</a:t>
+            </a:r>
+            <a:r>
+              <a:rPr lang="zh-CN" altLang="en-US" dirty="0"/>
+              <a:t>类型参数</a:t>
+            </a:r>
+            <a:r>
+              <a:rPr lang="en-US" altLang="zh-CN" dirty="0"/>
+              <a:t> </a:t>
+            </a:r>
+            <a:r>
+              <a:rPr lang="zh-CN" altLang="en-US" dirty="0"/>
+              <a:t>的构造函数，但是没有默认构造函数。</a:t>
+            </a:r>
+            <a:endParaRPr lang="en-US" altLang="zh-CN" dirty="0"/>
+          </a:p>
+          <a:p>
+            <a:pPr>
+              <a:lnSpc>
+                <a:spcPct val="150000"/>
+              </a:lnSpc>
+            </a:pPr>
+            <a:endParaRPr lang="en-US" altLang="zh-CN" dirty="0"/>
+          </a:p>
+          <a:p>
+            <a:pPr>
+              <a:lnSpc>
+                <a:spcPct val="150000"/>
+              </a:lnSpc>
+            </a:pPr>
+            <a:r>
+              <a:rPr lang="zh-CN" altLang="en-US" dirty="0"/>
+              <a:t>定义类 </a:t>
+            </a:r>
+            <a:r>
+              <a:rPr lang="en-US" altLang="zh-CN" dirty="0"/>
+              <a:t>C</a:t>
+            </a:r>
+            <a:r>
+              <a:rPr lang="zh-CN" altLang="en-US" dirty="0"/>
+              <a:t>，</a:t>
+            </a:r>
+            <a:r>
+              <a:rPr lang="en-US" altLang="zh-CN" dirty="0"/>
+              <a:t>C </a:t>
+            </a:r>
+            <a:r>
+              <a:rPr lang="zh-CN" altLang="en-US" dirty="0"/>
+              <a:t>有一个 </a:t>
+            </a:r>
+            <a:r>
+              <a:rPr lang="en-US" altLang="zh-CN" dirty="0" err="1"/>
+              <a:t>NoDefault</a:t>
+            </a:r>
+            <a:r>
+              <a:rPr lang="en-US" altLang="zh-CN" dirty="0"/>
+              <a:t> </a:t>
+            </a:r>
+            <a:r>
+              <a:rPr lang="zh-CN" altLang="en-US" dirty="0"/>
+              <a:t>类型的成员，</a:t>
+            </a:r>
+            <a:endParaRPr lang="en-US" altLang="zh-CN" dirty="0"/>
+          </a:p>
+          <a:p>
+            <a:pPr>
+              <a:lnSpc>
+                <a:spcPct val="150000"/>
+              </a:lnSpc>
+            </a:pPr>
+            <a:r>
+              <a:rPr lang="zh-CN" altLang="en-US" dirty="0"/>
+              <a:t>定义</a:t>
+            </a:r>
+            <a:r>
+              <a:rPr lang="en-US" altLang="zh-CN" dirty="0"/>
+              <a:t>C </a:t>
+            </a:r>
+            <a:r>
+              <a:rPr lang="zh-CN" altLang="en-US" dirty="0"/>
+              <a:t>的默认构造函数。</a:t>
+            </a:r>
+            <a:endParaRPr lang="en-US" altLang="zh-CN" dirty="0">
+              <a:latin typeface="+mn-ea"/>
+            </a:endParaRPr>
+          </a:p>
+        </p:txBody>
+      </p:sp>
+    </p:spTree>
+    <p:extLst>
+      <p:ext uri="{BB962C8B-B14F-4D97-AF65-F5344CB8AC3E}">
+        <p14:creationId xmlns:p14="http://schemas.microsoft.com/office/powerpoint/2010/main" val="2233509777"/>
+      </p:ext>
+    </p:extLst>
+  </p:cSld>
+  <p:clrMapOvr>
+    <a:masterClrMapping/>
+  </p:clrMapOvr>
+</p:sld>
+</file>
+
+<file path=ppt/slides/slide36.xml><?xml version="1.0" encoding="utf-8"?>
+<p:sld xmlns:a="http://schemas.openxmlformats.org/drawingml/2006/main" xmlns:r="http://schemas.openxmlformats.org/officeDocument/2006/relationships" xmlns:p="http://schemas.openxmlformats.org/presentationml/2006/main">
+  <p:cSld>
+    <p:spTree>
+      <p:nvGrpSpPr>
+        <p:cNvPr id="1" name=""/>
+        <p:cNvGrpSpPr/>
+        <p:nvPr/>
+      </p:nvGrpSpPr>
+      <p:grpSpPr>
+        <a:xfrm>
+          <a:off x="0" y="0"/>
+          <a:ext cx="0" cy="0"/>
+          <a:chOff x="0" y="0"/>
+          <a:chExt cx="0" cy="0"/>
+        </a:xfrm>
+      </p:grpSpPr>
+      <p:sp>
+        <p:nvSpPr>
+          <p:cNvPr id="8" name="文本框 7">
+            <a:extLst>
+              <a:ext uri="{FF2B5EF4-FFF2-40B4-BE49-F238E27FC236}">
+                <a16:creationId xmlns:a16="http://schemas.microsoft.com/office/drawing/2014/main" id="{173B5B89-5235-4C07-99A2-AC5672E77337}"/>
+              </a:ext>
+            </a:extLst>
+          </p:cNvPr>
+          <p:cNvSpPr txBox="1"/>
+          <p:nvPr/>
+        </p:nvSpPr>
+        <p:spPr>
+          <a:xfrm>
+            <a:off x="215448" y="169110"/>
+            <a:ext cx="11169000" cy="769441"/>
+          </a:xfrm>
+          <a:prstGeom prst="rect">
+            <a:avLst/>
+          </a:prstGeom>
+          <a:noFill/>
+        </p:spPr>
+        <p:txBody>
+          <a:bodyPr wrap="square" rtlCol="0">
+            <a:spAutoFit/>
+          </a:bodyPr>
+          <a:lstStyle/>
+          <a:p>
+            <a:r>
+              <a:rPr lang="en-US" altLang="zh-CN" sz="4400" b="1" dirty="0">
+                <a:latin typeface="+mn-ea"/>
+              </a:rPr>
+              <a:t>Exercise 7.2: </a:t>
+            </a:r>
+            <a:r>
+              <a:rPr lang="zh-CN" altLang="en-US" sz="4400" b="1" dirty="0">
+                <a:latin typeface="+mn-ea"/>
+              </a:rPr>
+              <a:t>类的概念</a:t>
+            </a:r>
+          </a:p>
+        </p:txBody>
+      </p:sp>
+      <p:pic>
+        <p:nvPicPr>
+          <p:cNvPr id="3" name="图片 2">
+            <a:extLst>
+              <a:ext uri="{FF2B5EF4-FFF2-40B4-BE49-F238E27FC236}">
+                <a16:creationId xmlns:a16="http://schemas.microsoft.com/office/drawing/2014/main" id="{21E80804-831F-4223-B271-A0EA42A00A71}"/>
+              </a:ext>
+            </a:extLst>
+          </p:cNvPr>
+          <p:cNvPicPr>
+            <a:picLocks noChangeAspect="1"/>
+          </p:cNvPicPr>
+          <p:nvPr/>
+        </p:nvPicPr>
+        <p:blipFill>
+          <a:blip r:embed="rId3">
+            <a:extLst>
+              <a:ext uri="{28A0092B-C50C-407E-A947-70E740481C1C}">
+                <a14:useLocalDpi xmlns:a14="http://schemas.microsoft.com/office/drawing/2010/main" val="0"/>
+              </a:ext>
+            </a:extLst>
+          </a:blip>
+          <a:stretch>
+            <a:fillRect/>
+          </a:stretch>
+        </p:blipFill>
+        <p:spPr>
+          <a:xfrm>
+            <a:off x="430876" y="1363288"/>
+            <a:ext cx="2859578" cy="2859578"/>
+          </a:xfrm>
+          <a:prstGeom prst="rect">
+            <a:avLst/>
+          </a:prstGeom>
+        </p:spPr>
+      </p:pic>
+      <p:sp>
+        <p:nvSpPr>
+          <p:cNvPr id="5" name="文本框 4">
+            <a:extLst>
+              <a:ext uri="{FF2B5EF4-FFF2-40B4-BE49-F238E27FC236}">
+                <a16:creationId xmlns:a16="http://schemas.microsoft.com/office/drawing/2014/main" id="{BE99D4A4-96C5-48CE-8002-225839A17A33}"/>
+              </a:ext>
+            </a:extLst>
+          </p:cNvPr>
+          <p:cNvSpPr txBox="1"/>
+          <p:nvPr/>
+        </p:nvSpPr>
+        <p:spPr>
+          <a:xfrm>
+            <a:off x="4028167" y="1237269"/>
+            <a:ext cx="7511653" cy="3789627"/>
+          </a:xfrm>
+          <a:prstGeom prst="rect">
+            <a:avLst/>
+          </a:prstGeom>
+          <a:noFill/>
+        </p:spPr>
+        <p:txBody>
+          <a:bodyPr wrap="square">
+            <a:spAutoFit/>
+          </a:bodyPr>
+          <a:lstStyle/>
+          <a:p>
+            <a:pPr>
+              <a:lnSpc>
+                <a:spcPct val="150000"/>
+              </a:lnSpc>
+            </a:pPr>
+            <a:r>
+              <a:rPr lang="zh-CN" altLang="en-US" dirty="0"/>
+              <a:t>下面哪些论断是不正确的？为什么？</a:t>
+            </a:r>
+            <a:endParaRPr lang="en-US" altLang="zh-CN" dirty="0"/>
+          </a:p>
+          <a:p>
+            <a:pPr>
+              <a:lnSpc>
+                <a:spcPct val="150000"/>
+              </a:lnSpc>
+            </a:pPr>
+            <a:br>
+              <a:rPr lang="en-US" altLang="zh-CN" dirty="0"/>
+            </a:br>
+            <a:r>
+              <a:rPr lang="en-US" altLang="zh-CN" dirty="0"/>
+              <a:t>(a) </a:t>
+            </a:r>
+            <a:r>
+              <a:rPr lang="zh-CN" altLang="en-US" dirty="0"/>
+              <a:t>一个类必须至少提供一个构造函数。</a:t>
+            </a:r>
+          </a:p>
+          <a:p>
+            <a:pPr>
+              <a:lnSpc>
+                <a:spcPct val="150000"/>
+              </a:lnSpc>
+            </a:pPr>
+            <a:r>
+              <a:rPr lang="en-US" altLang="zh-CN" dirty="0"/>
+              <a:t>(b) </a:t>
+            </a:r>
+            <a:r>
+              <a:rPr lang="zh-CN" altLang="en-US" dirty="0"/>
+              <a:t>默认构造函数是参数列表为空的构造函数。</a:t>
+            </a:r>
+          </a:p>
+          <a:p>
+            <a:pPr>
+              <a:lnSpc>
+                <a:spcPct val="150000"/>
+              </a:lnSpc>
+            </a:pPr>
+            <a:r>
+              <a:rPr lang="en-US" altLang="zh-CN" dirty="0"/>
+              <a:t>(c) </a:t>
+            </a:r>
+            <a:r>
+              <a:rPr lang="zh-CN" altLang="en-US" dirty="0"/>
+              <a:t>如果对于类来说不存在有意义的默认值，则类不应该提供默认构造函数。</a:t>
+            </a:r>
+          </a:p>
+          <a:p>
+            <a:pPr>
+              <a:lnSpc>
+                <a:spcPct val="150000"/>
+              </a:lnSpc>
+            </a:pPr>
+            <a:r>
+              <a:rPr lang="en-US" altLang="zh-CN" dirty="0"/>
+              <a:t>(d) </a:t>
+            </a:r>
+            <a:r>
+              <a:rPr lang="zh-CN" altLang="en-US" dirty="0"/>
+              <a:t>如果类没有定义默认构造函数，则编译器将为其生成一个，并把每个数据成员初始化成相应类型的默认值。</a:t>
+            </a:r>
+            <a:br>
+              <a:rPr lang="en-US" altLang="zh-CN" dirty="0"/>
+            </a:br>
+            <a:endParaRPr lang="en-US" altLang="zh-CN" dirty="0">
+              <a:latin typeface="+mn-ea"/>
+            </a:endParaRPr>
+          </a:p>
+        </p:txBody>
+      </p:sp>
+    </p:spTree>
+    <p:extLst>
+      <p:ext uri="{BB962C8B-B14F-4D97-AF65-F5344CB8AC3E}">
+        <p14:creationId xmlns:p14="http://schemas.microsoft.com/office/powerpoint/2010/main" val="4214081773"/>
       </p:ext>
     </p:extLst>
   </p:cSld>

--- a/C++课件.pptx
+++ b/C++课件.pptx
@@ -5,7 +5,7 @@
     <p:sldMasterId id="2147483648" r:id="rId1"/>
   </p:sldMasterIdLst>
   <p:notesMasterIdLst>
-    <p:notesMasterId r:id="rId36"/>
+    <p:notesMasterId r:id="rId38"/>
   </p:notesMasterIdLst>
   <p:sldIdLst>
     <p:sldId id="256" r:id="rId2"/>
@@ -42,6 +42,8 @@
     <p:sldId id="306" r:id="rId33"/>
     <p:sldId id="307" r:id="rId34"/>
     <p:sldId id="305" r:id="rId35"/>
+    <p:sldId id="308" r:id="rId36"/>
+    <p:sldId id="309" r:id="rId37"/>
   </p:sldIdLst>
   <p:sldSz cx="12192000" cy="6858000"/>
   <p:notesSz cx="6858000" cy="9144000"/>
@@ -230,7 +232,7 @@
           <a:p>
             <a:fld id="{C763DFBC-BC7B-44D2-9277-A1640CE38A00}" type="datetimeFigureOut">
               <a:rPr lang="zh-CN" altLang="en-US" smtClean="0"/>
-              <a:t>2024/1/11</a:t>
+              <a:t>2024/1/21</a:t>
             </a:fld>
             <a:endParaRPr lang="zh-CN" altLang="en-US"/>
           </a:p>
@@ -6214,6 +6216,480 @@
 </p:notes>
 </file>
 
+<file path=ppt/notesSlides/notesSlide32.xml><?xml version="1.0" encoding="utf-8"?>
+<p:notes xmlns:a="http://schemas.openxmlformats.org/drawingml/2006/main" xmlns:r="http://schemas.openxmlformats.org/officeDocument/2006/relationships" xmlns:p="http://schemas.openxmlformats.org/presentationml/2006/main">
+  <p:cSld>
+    <p:spTree>
+      <p:nvGrpSpPr>
+        <p:cNvPr id="1" name=""/>
+        <p:cNvGrpSpPr/>
+        <p:nvPr/>
+      </p:nvGrpSpPr>
+      <p:grpSpPr>
+        <a:xfrm>
+          <a:off x="0" y="0"/>
+          <a:ext cx="0" cy="0"/>
+          <a:chOff x="0" y="0"/>
+          <a:chExt cx="0" cy="0"/>
+        </a:xfrm>
+      </p:grpSpPr>
+      <p:sp>
+        <p:nvSpPr>
+          <p:cNvPr id="2" name="幻灯片图像占位符 1"/>
+          <p:cNvSpPr>
+            <a:spLocks noGrp="1" noRot="1" noChangeAspect="1"/>
+          </p:cNvSpPr>
+          <p:nvPr>
+            <p:ph type="sldImg"/>
+          </p:nvPr>
+        </p:nvSpPr>
+        <p:spPr/>
+      </p:sp>
+      <p:sp>
+        <p:nvSpPr>
+          <p:cNvPr id="3" name="备注占位符 2"/>
+          <p:cNvSpPr>
+            <a:spLocks noGrp="1"/>
+          </p:cNvSpPr>
+          <p:nvPr>
+            <p:ph type="body" idx="1"/>
+          </p:nvPr>
+        </p:nvSpPr>
+        <p:spPr/>
+        <p:txBody>
+          <a:bodyPr/>
+          <a:lstStyle/>
+          <a:p>
+            <a:r>
+              <a:rPr lang="en-US" altLang="zh-CN" dirty="0">
+                <a:effectLst/>
+              </a:rPr>
+              <a:t>class</a:t>
+            </a:r>
+            <a:r>
+              <a:rPr lang="en-US" altLang="zh-CN" dirty="0"/>
+              <a:t> </a:t>
+            </a:r>
+            <a:r>
+              <a:rPr lang="en-US" altLang="zh-CN" dirty="0" err="1">
+                <a:effectLst/>
+              </a:rPr>
+              <a:t>NoDefault</a:t>
+            </a:r>
+            <a:endParaRPr lang="en-US" altLang="zh-CN" dirty="0">
+              <a:effectLst/>
+            </a:endParaRPr>
+          </a:p>
+          <a:p>
+            <a:r>
+              <a:rPr lang="en-US" altLang="zh-CN" dirty="0"/>
+              <a:t> { </a:t>
+            </a:r>
+          </a:p>
+          <a:p>
+            <a:r>
+              <a:rPr lang="en-US" altLang="zh-CN" dirty="0">
+                <a:effectLst/>
+              </a:rPr>
+              <a:t>    public:</a:t>
+            </a:r>
+            <a:r>
+              <a:rPr lang="en-US" altLang="zh-CN" dirty="0"/>
+              <a:t> </a:t>
+            </a:r>
+            <a:r>
+              <a:rPr lang="en-US" altLang="zh-CN" dirty="0" err="1">
+                <a:effectLst/>
+              </a:rPr>
+              <a:t>NoDefault</a:t>
+            </a:r>
+            <a:r>
+              <a:rPr lang="en-US" altLang="zh-CN" dirty="0"/>
+              <a:t>(</a:t>
+            </a:r>
+            <a:r>
+              <a:rPr lang="en-US" altLang="zh-CN" dirty="0">
+                <a:effectLst/>
+              </a:rPr>
+              <a:t>int</a:t>
+            </a:r>
+            <a:r>
+              <a:rPr lang="en-US" altLang="zh-CN" dirty="0"/>
+              <a:t> </a:t>
+            </a:r>
+            <a:r>
+              <a:rPr lang="en-US" altLang="zh-CN" dirty="0" err="1"/>
+              <a:t>i</a:t>
+            </a:r>
+            <a:r>
+              <a:rPr lang="en-US" altLang="zh-CN" dirty="0"/>
+              <a:t>) { } </a:t>
+            </a:r>
+          </a:p>
+          <a:p>
+            <a:r>
+              <a:rPr lang="en-US" altLang="zh-CN" dirty="0"/>
+              <a:t>};</a:t>
+            </a:r>
+          </a:p>
+          <a:p>
+            <a:endParaRPr lang="en-US" altLang="zh-CN" dirty="0"/>
+          </a:p>
+          <a:p>
+            <a:r>
+              <a:rPr lang="en-US" altLang="zh-CN" dirty="0"/>
+              <a:t> </a:t>
+            </a:r>
+            <a:r>
+              <a:rPr lang="en-US" altLang="zh-CN" dirty="0">
+                <a:effectLst/>
+              </a:rPr>
+              <a:t>class</a:t>
+            </a:r>
+            <a:r>
+              <a:rPr lang="en-US" altLang="zh-CN" dirty="0"/>
+              <a:t> </a:t>
+            </a:r>
+            <a:r>
+              <a:rPr lang="en-US" altLang="zh-CN" dirty="0">
+                <a:effectLst/>
+              </a:rPr>
+              <a:t>C</a:t>
+            </a:r>
+          </a:p>
+          <a:p>
+            <a:r>
+              <a:rPr lang="en-US" altLang="zh-CN" dirty="0"/>
+              <a:t>{ </a:t>
+            </a:r>
+          </a:p>
+          <a:p>
+            <a:r>
+              <a:rPr lang="en-US" altLang="zh-CN" dirty="0">
+                <a:effectLst/>
+              </a:rPr>
+              <a:t>public:</a:t>
+            </a:r>
+            <a:r>
+              <a:rPr lang="en-US" altLang="zh-CN" dirty="0"/>
+              <a:t> </a:t>
+            </a:r>
+            <a:r>
+              <a:rPr lang="en-US" altLang="zh-CN" dirty="0">
+                <a:effectLst/>
+              </a:rPr>
+              <a:t>C</a:t>
+            </a:r>
+            <a:r>
+              <a:rPr lang="en-US" altLang="zh-CN" dirty="0"/>
+              <a:t>() : def(</a:t>
+            </a:r>
+            <a:r>
+              <a:rPr lang="en-US" altLang="zh-CN" dirty="0">
+                <a:effectLst/>
+              </a:rPr>
+              <a:t>0</a:t>
+            </a:r>
+            <a:r>
+              <a:rPr lang="en-US" altLang="zh-CN" dirty="0"/>
+              <a:t>) { } </a:t>
+            </a:r>
+          </a:p>
+          <a:p>
+            <a:r>
+              <a:rPr lang="en-US" altLang="zh-CN" dirty="0">
+                <a:effectLst/>
+              </a:rPr>
+              <a:t>private:</a:t>
+            </a:r>
+            <a:r>
+              <a:rPr lang="en-US" altLang="zh-CN" dirty="0"/>
+              <a:t> </a:t>
+            </a:r>
+          </a:p>
+          <a:p>
+            <a:r>
+              <a:rPr lang="en-US" altLang="zh-CN" dirty="0" err="1"/>
+              <a:t>NoDefault</a:t>
+            </a:r>
+            <a:r>
+              <a:rPr lang="en-US" altLang="zh-CN" dirty="0"/>
+              <a:t> def; </a:t>
+            </a:r>
+          </a:p>
+          <a:p>
+            <a:r>
+              <a:rPr lang="en-US" altLang="zh-CN" dirty="0"/>
+              <a:t>};</a:t>
+            </a:r>
+            <a:endParaRPr lang="zh-CN" altLang="en-US" sz="1200" b="0" i="0" kern="1200" dirty="0">
+              <a:solidFill>
+                <a:schemeClr val="tx1"/>
+              </a:solidFill>
+              <a:effectLst/>
+              <a:latin typeface="+mn-lt"/>
+              <a:ea typeface="+mn-ea"/>
+              <a:cs typeface="+mn-cs"/>
+            </a:endParaRPr>
+          </a:p>
+        </p:txBody>
+      </p:sp>
+      <p:sp>
+        <p:nvSpPr>
+          <p:cNvPr id="4" name="灯片编号占位符 3"/>
+          <p:cNvSpPr>
+            <a:spLocks noGrp="1"/>
+          </p:cNvSpPr>
+          <p:nvPr>
+            <p:ph type="sldNum" sz="quarter" idx="5"/>
+          </p:nvPr>
+        </p:nvSpPr>
+        <p:spPr/>
+        <p:txBody>
+          <a:bodyPr/>
+          <a:lstStyle/>
+          <a:p>
+            <a:fld id="{0111EF2A-CA54-46BA-9D19-E4C580B41F03}" type="slidenum">
+              <a:rPr lang="zh-CN" altLang="en-US" smtClean="0"/>
+              <a:t>35</a:t>
+            </a:fld>
+            <a:endParaRPr lang="zh-CN" altLang="en-US"/>
+          </a:p>
+        </p:txBody>
+      </p:sp>
+    </p:spTree>
+    <p:extLst>
+      <p:ext uri="{BB962C8B-B14F-4D97-AF65-F5344CB8AC3E}">
+        <p14:creationId xmlns:p14="http://schemas.microsoft.com/office/powerpoint/2010/main" val="957461720"/>
+      </p:ext>
+    </p:extLst>
+  </p:cSld>
+  <p:clrMapOvr>
+    <a:masterClrMapping/>
+  </p:clrMapOvr>
+</p:notes>
+</file>
+
+<file path=ppt/notesSlides/notesSlide33.xml><?xml version="1.0" encoding="utf-8"?>
+<p:notes xmlns:a="http://schemas.openxmlformats.org/drawingml/2006/main" xmlns:r="http://schemas.openxmlformats.org/officeDocument/2006/relationships" xmlns:p="http://schemas.openxmlformats.org/presentationml/2006/main">
+  <p:cSld>
+    <p:spTree>
+      <p:nvGrpSpPr>
+        <p:cNvPr id="1" name=""/>
+        <p:cNvGrpSpPr/>
+        <p:nvPr/>
+      </p:nvGrpSpPr>
+      <p:grpSpPr>
+        <a:xfrm>
+          <a:off x="0" y="0"/>
+          <a:ext cx="0" cy="0"/>
+          <a:chOff x="0" y="0"/>
+          <a:chExt cx="0" cy="0"/>
+        </a:xfrm>
+      </p:grpSpPr>
+      <p:sp>
+        <p:nvSpPr>
+          <p:cNvPr id="2" name="幻灯片图像占位符 1"/>
+          <p:cNvSpPr>
+            <a:spLocks noGrp="1" noRot="1" noChangeAspect="1"/>
+          </p:cNvSpPr>
+          <p:nvPr>
+            <p:ph type="sldImg"/>
+          </p:nvPr>
+        </p:nvSpPr>
+        <p:spPr/>
+      </p:sp>
+      <p:sp>
+        <p:nvSpPr>
+          <p:cNvPr id="3" name="备注占位符 2"/>
+          <p:cNvSpPr>
+            <a:spLocks noGrp="1"/>
+          </p:cNvSpPr>
+          <p:nvPr>
+            <p:ph type="body" idx="1"/>
+          </p:nvPr>
+        </p:nvSpPr>
+        <p:spPr/>
+        <p:txBody>
+          <a:bodyPr/>
+          <a:lstStyle/>
+          <a:p>
+            <a:r>
+              <a:rPr lang="en-US" altLang="zh-CN" sz="1200" b="0" i="0" kern="1200" dirty="0">
+                <a:solidFill>
+                  <a:schemeClr val="tx1"/>
+                </a:solidFill>
+                <a:effectLst/>
+                <a:latin typeface="+mn-lt"/>
+                <a:ea typeface="+mn-ea"/>
+                <a:cs typeface="+mn-cs"/>
+              </a:rPr>
+              <a:t>(a) </a:t>
+            </a:r>
+            <a:r>
+              <a:rPr lang="zh-CN" altLang="en-US" sz="1200" b="0" i="0" kern="1200" dirty="0">
+                <a:solidFill>
+                  <a:schemeClr val="tx1"/>
+                </a:solidFill>
+                <a:effectLst/>
+                <a:latin typeface="+mn-lt"/>
+                <a:ea typeface="+mn-ea"/>
+                <a:cs typeface="+mn-cs"/>
+              </a:rPr>
+              <a:t>不正确。如果我们的类没有显式地定义构造函数，那么编译器就会为我们隐式地定义一个默认构造函数，并称之为</a:t>
+            </a:r>
+            <a:r>
+              <a:rPr lang="zh-CN" altLang="en-US" sz="1200" b="1" i="0" kern="1200" dirty="0">
+                <a:solidFill>
+                  <a:schemeClr val="tx1"/>
+                </a:solidFill>
+                <a:effectLst/>
+                <a:latin typeface="+mn-lt"/>
+                <a:ea typeface="+mn-ea"/>
+                <a:cs typeface="+mn-cs"/>
+              </a:rPr>
+              <a:t>合成的默认构造函数</a:t>
+            </a:r>
+            <a:r>
+              <a:rPr lang="zh-CN" altLang="en-US" sz="1200" b="0" i="0" kern="1200" dirty="0">
+                <a:solidFill>
+                  <a:schemeClr val="tx1"/>
+                </a:solidFill>
+                <a:effectLst/>
+                <a:latin typeface="+mn-lt"/>
+                <a:ea typeface="+mn-ea"/>
+                <a:cs typeface="+mn-cs"/>
+              </a:rPr>
+              <a:t>。</a:t>
+            </a:r>
+          </a:p>
+          <a:p>
+            <a:r>
+              <a:rPr lang="en-US" altLang="zh-CN" sz="1200" b="0" i="0" kern="1200" dirty="0">
+                <a:solidFill>
+                  <a:schemeClr val="tx1"/>
+                </a:solidFill>
+                <a:effectLst/>
+                <a:latin typeface="+mn-lt"/>
+                <a:ea typeface="+mn-ea"/>
+                <a:cs typeface="+mn-cs"/>
+              </a:rPr>
+              <a:t>(b) </a:t>
+            </a:r>
+            <a:r>
+              <a:rPr lang="zh-CN" altLang="en-US" sz="1200" b="0" i="0" kern="1200" dirty="0">
+                <a:solidFill>
+                  <a:schemeClr val="tx1"/>
+                </a:solidFill>
+                <a:effectLst/>
+                <a:latin typeface="+mn-lt"/>
+                <a:ea typeface="+mn-ea"/>
+                <a:cs typeface="+mn-cs"/>
+              </a:rPr>
+              <a:t>不完全正确。为每个参数都提供了默认值的构造函数也是默认构造函数。</a:t>
+            </a:r>
+          </a:p>
+          <a:p>
+            <a:r>
+              <a:rPr lang="en-US" altLang="zh-CN" sz="1200" b="0" i="0" kern="1200" dirty="0">
+                <a:solidFill>
+                  <a:schemeClr val="tx1"/>
+                </a:solidFill>
+                <a:effectLst/>
+                <a:latin typeface="+mn-lt"/>
+                <a:ea typeface="+mn-ea"/>
+                <a:cs typeface="+mn-cs"/>
+              </a:rPr>
+              <a:t>(c) </a:t>
+            </a:r>
+            <a:r>
+              <a:rPr lang="zh-CN" altLang="en-US" sz="1200" b="0" i="0" kern="1200" dirty="0">
+                <a:solidFill>
+                  <a:schemeClr val="tx1"/>
+                </a:solidFill>
+                <a:effectLst/>
+                <a:latin typeface="+mn-lt"/>
+                <a:ea typeface="+mn-ea"/>
+                <a:cs typeface="+mn-cs"/>
+              </a:rPr>
+              <a:t>不正确。哪怕没有意义的值也需要初始化。</a:t>
+            </a:r>
+          </a:p>
+          <a:p>
+            <a:r>
+              <a:rPr lang="en-US" altLang="zh-CN" sz="1200" b="0" i="0" kern="1200" dirty="0">
+                <a:solidFill>
+                  <a:schemeClr val="tx1"/>
+                </a:solidFill>
+                <a:effectLst/>
+                <a:latin typeface="+mn-lt"/>
+                <a:ea typeface="+mn-ea"/>
+                <a:cs typeface="+mn-cs"/>
+              </a:rPr>
+              <a:t>(d) </a:t>
+            </a:r>
+            <a:r>
+              <a:rPr lang="zh-CN" altLang="en-US" sz="1200" b="0" i="0" kern="1200" dirty="0">
+                <a:solidFill>
+                  <a:schemeClr val="tx1"/>
+                </a:solidFill>
+                <a:effectLst/>
+                <a:latin typeface="+mn-lt"/>
+                <a:ea typeface="+mn-ea"/>
+                <a:cs typeface="+mn-cs"/>
+              </a:rPr>
+              <a:t>不正确。只有当一个类没有定义任何构造函数的时候，编译器才会生成一个默认构造函数。</a:t>
+            </a:r>
+          </a:p>
+          <a:p>
+            <a:endParaRPr lang="zh-CN" altLang="en-US" sz="1200" b="0" i="0" kern="1200" dirty="0">
+              <a:solidFill>
+                <a:schemeClr val="tx1"/>
+              </a:solidFill>
+              <a:effectLst/>
+              <a:latin typeface="+mn-lt"/>
+              <a:ea typeface="+mn-ea"/>
+              <a:cs typeface="+mn-cs"/>
+            </a:endParaRPr>
+          </a:p>
+        </p:txBody>
+      </p:sp>
+      <p:sp>
+        <p:nvSpPr>
+          <p:cNvPr id="4" name="灯片编号占位符 3"/>
+          <p:cNvSpPr>
+            <a:spLocks noGrp="1"/>
+          </p:cNvSpPr>
+          <p:nvPr>
+            <p:ph type="sldNum" sz="quarter" idx="5"/>
+          </p:nvPr>
+        </p:nvSpPr>
+        <p:spPr/>
+        <p:txBody>
+          <a:bodyPr/>
+          <a:lstStyle/>
+          <a:p>
+            <a:fld id="{0111EF2A-CA54-46BA-9D19-E4C580B41F03}" type="slidenum">
+              <a:rPr lang="zh-CN" altLang="en-US" smtClean="0"/>
+              <a:t>36</a:t>
+            </a:fld>
+            <a:endParaRPr lang="zh-CN" altLang="en-US"/>
+          </a:p>
+        </p:txBody>
+      </p:sp>
+    </p:spTree>
+    <p:extLst>
+      <p:ext uri="{BB962C8B-B14F-4D97-AF65-F5344CB8AC3E}">
+        <p14:creationId xmlns:p14="http://schemas.microsoft.com/office/powerpoint/2010/main" val="186735882"/>
+      </p:ext>
+    </p:extLst>
+  </p:cSld>
+  <p:clrMapOvr>
+    <a:masterClrMapping/>
+  </p:clrMapOvr>
+</p:notes>
+</file>
+
 <file path=ppt/notesSlides/notesSlide4.xml><?xml version="1.0" encoding="utf-8"?>
 <p:notes xmlns:a="http://schemas.openxmlformats.org/drawingml/2006/main" xmlns:r="http://schemas.openxmlformats.org/officeDocument/2006/relationships" xmlns:p="http://schemas.openxmlformats.org/presentationml/2006/main">
   <p:cSld>
@@ -7446,7 +7922,7 @@
           <a:p>
             <a:fld id="{5A1740DE-654B-48BB-A6EB-4DD86D9E78E3}" type="datetimeFigureOut">
               <a:rPr lang="zh-CN" altLang="en-US" smtClean="0"/>
-              <a:t>2024/1/11</a:t>
+              <a:t>2024/1/21</a:t>
             </a:fld>
             <a:endParaRPr lang="zh-CN" altLang="en-US"/>
           </a:p>
@@ -7644,7 +8120,7 @@
           <a:p>
             <a:fld id="{5A1740DE-654B-48BB-A6EB-4DD86D9E78E3}" type="datetimeFigureOut">
               <a:rPr lang="zh-CN" altLang="en-US" smtClean="0"/>
-              <a:t>2024/1/11</a:t>
+              <a:t>2024/1/21</a:t>
             </a:fld>
             <a:endParaRPr lang="zh-CN" altLang="en-US"/>
           </a:p>
@@ -7852,7 +8328,7 @@
           <a:p>
             <a:fld id="{5A1740DE-654B-48BB-A6EB-4DD86D9E78E3}" type="datetimeFigureOut">
               <a:rPr lang="zh-CN" altLang="en-US" smtClean="0"/>
-              <a:t>2024/1/11</a:t>
+              <a:t>2024/1/21</a:t>
             </a:fld>
             <a:endParaRPr lang="zh-CN" altLang="en-US"/>
           </a:p>
@@ -8050,7 +8526,7 @@
           <a:p>
             <a:fld id="{5A1740DE-654B-48BB-A6EB-4DD86D9E78E3}" type="datetimeFigureOut">
               <a:rPr lang="zh-CN" altLang="en-US" smtClean="0"/>
-              <a:t>2024/1/11</a:t>
+              <a:t>2024/1/21</a:t>
             </a:fld>
             <a:endParaRPr lang="zh-CN" altLang="en-US"/>
           </a:p>
@@ -8325,7 +8801,7 @@
           <a:p>
             <a:fld id="{5A1740DE-654B-48BB-A6EB-4DD86D9E78E3}" type="datetimeFigureOut">
               <a:rPr lang="zh-CN" altLang="en-US" smtClean="0"/>
-              <a:t>2024/1/11</a:t>
+              <a:t>2024/1/21</a:t>
             </a:fld>
             <a:endParaRPr lang="zh-CN" altLang="en-US"/>
           </a:p>
@@ -8590,7 +9066,7 @@
           <a:p>
             <a:fld id="{5A1740DE-654B-48BB-A6EB-4DD86D9E78E3}" type="datetimeFigureOut">
               <a:rPr lang="zh-CN" altLang="en-US" smtClean="0"/>
-              <a:t>2024/1/11</a:t>
+              <a:t>2024/1/21</a:t>
             </a:fld>
             <a:endParaRPr lang="zh-CN" altLang="en-US"/>
           </a:p>
@@ -9002,7 +9478,7 @@
           <a:p>
             <a:fld id="{5A1740DE-654B-48BB-A6EB-4DD86D9E78E3}" type="datetimeFigureOut">
               <a:rPr lang="zh-CN" altLang="en-US" smtClean="0"/>
-              <a:t>2024/1/11</a:t>
+              <a:t>2024/1/21</a:t>
             </a:fld>
             <a:endParaRPr lang="zh-CN" altLang="en-US"/>
           </a:p>
@@ -9143,7 +9619,7 @@
           <a:p>
             <a:fld id="{5A1740DE-654B-48BB-A6EB-4DD86D9E78E3}" type="datetimeFigureOut">
               <a:rPr lang="zh-CN" altLang="en-US" smtClean="0"/>
-              <a:t>2024/1/11</a:t>
+              <a:t>2024/1/21</a:t>
             </a:fld>
             <a:endParaRPr lang="zh-CN" altLang="en-US"/>
           </a:p>
@@ -9256,7 +9732,7 @@
           <a:p>
             <a:fld id="{5A1740DE-654B-48BB-A6EB-4DD86D9E78E3}" type="datetimeFigureOut">
               <a:rPr lang="zh-CN" altLang="en-US" smtClean="0"/>
-              <a:t>2024/1/11</a:t>
+              <a:t>2024/1/21</a:t>
             </a:fld>
             <a:endParaRPr lang="zh-CN" altLang="en-US"/>
           </a:p>
@@ -9567,7 +10043,7 @@
           <a:p>
             <a:fld id="{5A1740DE-654B-48BB-A6EB-4DD86D9E78E3}" type="datetimeFigureOut">
               <a:rPr lang="zh-CN" altLang="en-US" smtClean="0"/>
-              <a:t>2024/1/11</a:t>
+              <a:t>2024/1/21</a:t>
             </a:fld>
             <a:endParaRPr lang="zh-CN" altLang="en-US"/>
           </a:p>
@@ -9855,7 +10331,7 @@
           <a:p>
             <a:fld id="{5A1740DE-654B-48BB-A6EB-4DD86D9E78E3}" type="datetimeFigureOut">
               <a:rPr lang="zh-CN" altLang="en-US" smtClean="0"/>
-              <a:t>2024/1/11</a:t>
+              <a:t>2024/1/21</a:t>
             </a:fld>
             <a:endParaRPr lang="zh-CN" altLang="en-US"/>
           </a:p>
@@ -10096,7 +10572,7 @@
           <a:p>
             <a:fld id="{5A1740DE-654B-48BB-A6EB-4DD86D9E78E3}" type="datetimeFigureOut">
               <a:rPr lang="zh-CN" altLang="en-US" smtClean="0"/>
-              <a:t>2024/1/11</a:t>
+              <a:t>2024/1/21</a:t>
             </a:fld>
             <a:endParaRPr lang="zh-CN" altLang="en-US"/>
           </a:p>
@@ -16541,7 +17017,7 @@
         <p:spPr>
           <a:xfrm>
             <a:off x="4028167" y="1421885"/>
-            <a:ext cx="7511653" cy="6130011"/>
+            <a:ext cx="7511653" cy="4620624"/>
           </a:xfrm>
           <a:prstGeom prst="rect">
             <a:avLst/>
@@ -16560,10 +17036,10 @@
               </a:lnSpc>
             </a:pPr>
             <a:r>
-              <a:rPr lang="zh-CN" altLang="en-US" sz="2400" dirty="0"/>
+              <a:rPr lang="zh-CN" altLang="en-US" dirty="0"/>
               <a:t>说明下列每组声明中的第二条语句会产生什么影响，并指出哪些不合法</a:t>
             </a:r>
-            <a:endParaRPr lang="en-US" altLang="zh-CN" sz="2400" dirty="0"/>
+            <a:endParaRPr lang="en-US" altLang="zh-CN" dirty="0"/>
           </a:p>
           <a:p>
             <a:pPr>
@@ -16571,7 +17047,7 @@
                 <a:spcPct val="150000"/>
               </a:lnSpc>
             </a:pPr>
-            <a:endParaRPr lang="en-US" altLang="zh-CN" sz="2400" dirty="0"/>
+            <a:endParaRPr lang="en-US" altLang="zh-CN" dirty="0"/>
           </a:p>
           <a:p>
             <a:pPr>
@@ -16580,7 +17056,7 @@
               </a:lnSpc>
             </a:pPr>
             <a:r>
-              <a:rPr lang="en-US" altLang="zh-CN" sz="2400" dirty="0"/>
+              <a:rPr lang="en-US" altLang="zh-CN" dirty="0"/>
               <a:t>(a) int calc(int&amp;, int&amp;); </a:t>
             </a:r>
           </a:p>
@@ -16591,8 +17067,8 @@
               </a:lnSpc>
             </a:pPr>
             <a:r>
-              <a:rPr lang="en-US" altLang="zh-CN" sz="2400" dirty="0"/>
-              <a:t>	int calc(const int&amp;, const int&amp;); </a:t>
+              <a:rPr lang="en-US" altLang="zh-CN" dirty="0"/>
+              <a:t>int calc(const int&amp;, const int&amp;); </a:t>
             </a:r>
           </a:p>
           <a:p>
@@ -16602,7 +17078,7 @@
               </a:lnSpc>
             </a:pPr>
             <a:r>
-              <a:rPr lang="en-US" altLang="zh-CN" sz="2400" dirty="0"/>
+              <a:rPr lang="en-US" altLang="zh-CN" dirty="0"/>
               <a:t>(b) int calc(char*, char*);</a:t>
             </a:r>
           </a:p>
@@ -16613,9 +17089,22 @@
               </a:lnSpc>
             </a:pPr>
             <a:r>
-              <a:rPr lang="en-US" altLang="zh-CN" sz="2400" dirty="0"/>
-              <a:t>	int calc(const char*, const char*);</a:t>
-            </a:r>
+              <a:rPr lang="en-US" altLang="zh-CN" dirty="0"/>
+              <a:t>int calc(const char*, const char*); //</a:t>
+            </a:r>
+            <a:r>
+              <a:rPr lang="zh-CN" altLang="en-US" dirty="0"/>
+              <a:t>底层</a:t>
+            </a:r>
+            <a:r>
+              <a:rPr lang="en-US" altLang="zh-CN" dirty="0"/>
+              <a:t>const </a:t>
+            </a:r>
+            <a:r>
+              <a:rPr lang="zh-CN" altLang="en-US" dirty="0"/>
+              <a:t>，指针指向的值不能够修改</a:t>
+            </a:r>
+            <a:endParaRPr lang="en-US" altLang="zh-CN" dirty="0"/>
           </a:p>
           <a:p>
             <a:pPr>
@@ -16624,7 +17113,7 @@
               </a:lnSpc>
             </a:pPr>
             <a:r>
-              <a:rPr lang="en-US" altLang="zh-CN" sz="2400" dirty="0"/>
+              <a:rPr lang="en-US" altLang="zh-CN" dirty="0"/>
               <a:t>(c) int calc(char*, char*);</a:t>
             </a:r>
           </a:p>
@@ -16635,9 +17124,30 @@
               </a:lnSpc>
             </a:pPr>
             <a:r>
-              <a:rPr lang="en-US" altLang="zh-CN" sz="2400" dirty="0"/>
-              <a:t>	int calc(char* const, char* const);</a:t>
-            </a:r>
+              <a:rPr lang="en-US" altLang="zh-CN" dirty="0"/>
+              <a:t>int calc(char* const, char* const);  //</a:t>
+            </a:r>
+            <a:r>
+              <a:rPr lang="zh-CN" altLang="en-US" dirty="0"/>
+              <a:t>顶层</a:t>
+            </a:r>
+            <a:r>
+              <a:rPr lang="en-US" altLang="zh-CN" dirty="0"/>
+              <a:t>const </a:t>
+            </a:r>
+            <a:r>
+              <a:rPr lang="zh-CN" altLang="en-US" dirty="0"/>
+              <a:t>不会构成重载，顶层</a:t>
+            </a:r>
+            <a:r>
+              <a:rPr lang="en-US" altLang="zh-CN" dirty="0"/>
+              <a:t>const</a:t>
+            </a:r>
+            <a:r>
+              <a:rPr lang="zh-CN" altLang="en-US" dirty="0"/>
+              <a:t>表示指针变量本身不能够修改（不能够改变指针的指向）</a:t>
+            </a:r>
+            <a:endParaRPr lang="en-US" altLang="zh-CN" dirty="0"/>
           </a:p>
           <a:p>
             <a:pPr>
@@ -16645,7 +17155,7 @@
                 <a:spcPct val="150000"/>
               </a:lnSpc>
             </a:pPr>
-            <a:endParaRPr lang="en-US" altLang="zh-CN" sz="2400" dirty="0">
+            <a:endParaRPr lang="en-US" altLang="zh-CN" dirty="0">
               <a:latin typeface="+mn-ea"/>
             </a:endParaRPr>
           </a:p>
@@ -16655,7 +17165,7 @@
                 <a:spcPct val="150000"/>
               </a:lnSpc>
             </a:pPr>
-            <a:endParaRPr lang="en-US" altLang="zh-CN" sz="2400" dirty="0">
+            <a:endParaRPr lang="en-US" altLang="zh-CN" dirty="0">
               <a:latin typeface="+mn-ea"/>
             </a:endParaRPr>
           </a:p>
@@ -17295,6 +17805,473 @@
     <p:extLst>
       <p:ext uri="{BB962C8B-B14F-4D97-AF65-F5344CB8AC3E}">
         <p14:creationId xmlns:p14="http://schemas.microsoft.com/office/powerpoint/2010/main" val="814086745"/>
+      </p:ext>
+    </p:extLst>
+  </p:cSld>
+  <p:clrMapOvr>
+    <a:masterClrMapping/>
+  </p:clrMapOvr>
+</p:sld>
+</file>
+
+<file path=ppt/slides/slide35.xml><?xml version="1.0" encoding="utf-8"?>
+<p:sld xmlns:a="http://schemas.openxmlformats.org/drawingml/2006/main" xmlns:r="http://schemas.openxmlformats.org/officeDocument/2006/relationships" xmlns:p="http://schemas.openxmlformats.org/presentationml/2006/main">
+  <p:cSld>
+    <p:spTree>
+      <p:nvGrpSpPr>
+        <p:cNvPr id="1" name=""/>
+        <p:cNvGrpSpPr/>
+        <p:nvPr/>
+      </p:nvGrpSpPr>
+      <p:grpSpPr>
+        <a:xfrm>
+          <a:off x="0" y="0"/>
+          <a:ext cx="0" cy="0"/>
+          <a:chOff x="0" y="0"/>
+          <a:chExt cx="0" cy="0"/>
+        </a:xfrm>
+      </p:grpSpPr>
+      <p:sp>
+        <p:nvSpPr>
+          <p:cNvPr id="8" name="文本框 7">
+            <a:extLst>
+              <a:ext uri="{FF2B5EF4-FFF2-40B4-BE49-F238E27FC236}">
+                <a16:creationId xmlns:a16="http://schemas.microsoft.com/office/drawing/2014/main" id="{173B5B89-5235-4C07-99A2-AC5672E77337}"/>
+              </a:ext>
+            </a:extLst>
+          </p:cNvPr>
+          <p:cNvSpPr txBox="1"/>
+          <p:nvPr/>
+        </p:nvSpPr>
+        <p:spPr>
+          <a:xfrm>
+            <a:off x="215448" y="169110"/>
+            <a:ext cx="11169000" cy="1569660"/>
+          </a:xfrm>
+          <a:prstGeom prst="rect">
+            <a:avLst/>
+          </a:prstGeom>
+          <a:noFill/>
+        </p:spPr>
+        <p:txBody>
+          <a:bodyPr wrap="square" rtlCol="0">
+            <a:spAutoFit/>
+          </a:bodyPr>
+          <a:lstStyle/>
+          <a:p>
+            <a:r>
+              <a:rPr lang="en-US" altLang="zh-CN" sz="4800" b="1">
+                <a:latin typeface="+mn-ea"/>
+              </a:rPr>
+              <a:t>Exercise 7.1: </a:t>
+            </a:r>
+            <a:r>
+              <a:rPr lang="zh-CN" altLang="en-US" sz="4800" b="1" dirty="0">
+                <a:latin typeface="+mn-ea"/>
+              </a:rPr>
+              <a:t>类的定义：类成员的构造顺序</a:t>
+            </a:r>
+          </a:p>
+        </p:txBody>
+      </p:sp>
+      <p:pic>
+        <p:nvPicPr>
+          <p:cNvPr id="3" name="图片 2">
+            <a:extLst>
+              <a:ext uri="{FF2B5EF4-FFF2-40B4-BE49-F238E27FC236}">
+                <a16:creationId xmlns:a16="http://schemas.microsoft.com/office/drawing/2014/main" id="{21E80804-831F-4223-B271-A0EA42A00A71}"/>
+              </a:ext>
+            </a:extLst>
+          </p:cNvPr>
+          <p:cNvPicPr>
+            <a:picLocks noChangeAspect="1"/>
+          </p:cNvPicPr>
+          <p:nvPr/>
+        </p:nvPicPr>
+        <p:blipFill>
+          <a:blip r:embed="rId3">
+            <a:extLst>
+              <a:ext uri="{28A0092B-C50C-407E-A947-70E740481C1C}">
+                <a14:useLocalDpi xmlns:a14="http://schemas.microsoft.com/office/drawing/2010/main" val="0"/>
+              </a:ext>
+            </a:extLst>
+          </a:blip>
+          <a:stretch>
+            <a:fillRect/>
+          </a:stretch>
+        </p:blipFill>
+        <p:spPr>
+          <a:xfrm>
+            <a:off x="430876" y="1363288"/>
+            <a:ext cx="2859578" cy="2859578"/>
+          </a:xfrm>
+          <a:prstGeom prst="rect">
+            <a:avLst/>
+          </a:prstGeom>
+        </p:spPr>
+      </p:pic>
+      <p:sp>
+        <p:nvSpPr>
+          <p:cNvPr id="5" name="文本框 4">
+            <a:extLst>
+              <a:ext uri="{FF2B5EF4-FFF2-40B4-BE49-F238E27FC236}">
+                <a16:creationId xmlns:a16="http://schemas.microsoft.com/office/drawing/2014/main" id="{BE99D4A4-96C5-48CE-8002-225839A17A33}"/>
+              </a:ext>
+            </a:extLst>
+          </p:cNvPr>
+          <p:cNvSpPr txBox="1"/>
+          <p:nvPr/>
+        </p:nvSpPr>
+        <p:spPr>
+          <a:xfrm>
+            <a:off x="4028167" y="1237269"/>
+            <a:ext cx="7511653" cy="2127634"/>
+          </a:xfrm>
+          <a:prstGeom prst="rect">
+            <a:avLst/>
+          </a:prstGeom>
+          <a:noFill/>
+        </p:spPr>
+        <p:txBody>
+          <a:bodyPr wrap="square">
+            <a:spAutoFit/>
+          </a:bodyPr>
+          <a:lstStyle/>
+          <a:p>
+            <a:pPr>
+              <a:lnSpc>
+                <a:spcPct val="150000"/>
+              </a:lnSpc>
+            </a:pPr>
+            <a:r>
+              <a:rPr lang="zh-CN" altLang="en-US" dirty="0"/>
+              <a:t>定义名为 </a:t>
+            </a:r>
+            <a:r>
+              <a:rPr lang="en-US" altLang="zh-CN" dirty="0" err="1"/>
+              <a:t>NoDefault</a:t>
+            </a:r>
+            <a:r>
+              <a:rPr lang="en-US" altLang="zh-CN" dirty="0"/>
+              <a:t> </a:t>
+            </a:r>
+            <a:r>
+              <a:rPr lang="zh-CN" altLang="en-US" dirty="0"/>
+              <a:t>的类，它有一个接受 </a:t>
+            </a:r>
+            <a:r>
+              <a:rPr lang="en-US" altLang="zh-CN" dirty="0"/>
+              <a:t>int</a:t>
+            </a:r>
+            <a:r>
+              <a:rPr lang="zh-CN" altLang="en-US" dirty="0"/>
+              <a:t>类型参数</a:t>
+            </a:r>
+            <a:r>
+              <a:rPr lang="en-US" altLang="zh-CN" dirty="0"/>
+              <a:t> </a:t>
+            </a:r>
+            <a:r>
+              <a:rPr lang="zh-CN" altLang="en-US" dirty="0"/>
+              <a:t>的构造函数，但是没有默认构造函数。</a:t>
+            </a:r>
+            <a:endParaRPr lang="en-US" altLang="zh-CN" dirty="0"/>
+          </a:p>
+          <a:p>
+            <a:pPr>
+              <a:lnSpc>
+                <a:spcPct val="150000"/>
+              </a:lnSpc>
+            </a:pPr>
+            <a:endParaRPr lang="en-US" altLang="zh-CN" dirty="0"/>
+          </a:p>
+          <a:p>
+            <a:pPr>
+              <a:lnSpc>
+                <a:spcPct val="150000"/>
+              </a:lnSpc>
+            </a:pPr>
+            <a:r>
+              <a:rPr lang="zh-CN" altLang="en-US" dirty="0"/>
+              <a:t>定义类 </a:t>
+            </a:r>
+            <a:r>
+              <a:rPr lang="en-US" altLang="zh-CN" dirty="0"/>
+              <a:t>C</a:t>
+            </a:r>
+            <a:r>
+              <a:rPr lang="zh-CN" altLang="en-US" dirty="0"/>
+              <a:t>，</a:t>
+            </a:r>
+            <a:r>
+              <a:rPr lang="en-US" altLang="zh-CN" dirty="0"/>
+              <a:t>C </a:t>
+            </a:r>
+            <a:r>
+              <a:rPr lang="zh-CN" altLang="en-US" dirty="0"/>
+              <a:t>有一个 </a:t>
+            </a:r>
+            <a:r>
+              <a:rPr lang="en-US" altLang="zh-CN" dirty="0" err="1"/>
+              <a:t>NoDefault</a:t>
+            </a:r>
+            <a:r>
+              <a:rPr lang="en-US" altLang="zh-CN" dirty="0"/>
+              <a:t> </a:t>
+            </a:r>
+            <a:r>
+              <a:rPr lang="zh-CN" altLang="en-US" dirty="0"/>
+              <a:t>类型的成员，</a:t>
+            </a:r>
+            <a:endParaRPr lang="en-US" altLang="zh-CN" dirty="0"/>
+          </a:p>
+          <a:p>
+            <a:pPr>
+              <a:lnSpc>
+                <a:spcPct val="150000"/>
+              </a:lnSpc>
+            </a:pPr>
+            <a:r>
+              <a:rPr lang="zh-CN" altLang="en-US" dirty="0"/>
+              <a:t>定义</a:t>
+            </a:r>
+            <a:r>
+              <a:rPr lang="en-US" altLang="zh-CN" dirty="0"/>
+              <a:t>C </a:t>
+            </a:r>
+            <a:r>
+              <a:rPr lang="zh-CN" altLang="en-US" dirty="0"/>
+              <a:t>的默认构造函数。</a:t>
+            </a:r>
+            <a:endParaRPr lang="en-US" altLang="zh-CN" dirty="0">
+              <a:latin typeface="+mn-ea"/>
+            </a:endParaRPr>
+          </a:p>
+        </p:txBody>
+      </p:sp>
+    </p:spTree>
+    <p:extLst>
+      <p:ext uri="{BB962C8B-B14F-4D97-AF65-F5344CB8AC3E}">
+        <p14:creationId xmlns:p14="http://schemas.microsoft.com/office/powerpoint/2010/main" val="2233509777"/>
+      </p:ext>
+    </p:extLst>
+  </p:cSld>
+  <p:clrMapOvr>
+    <a:masterClrMapping/>
+  </p:clrMapOvr>
+</p:sld>
+</file>
+
+<file path=ppt/slides/slide36.xml><?xml version="1.0" encoding="utf-8"?>
+<p:sld xmlns:a="http://schemas.openxmlformats.org/drawingml/2006/main" xmlns:r="http://schemas.openxmlformats.org/officeDocument/2006/relationships" xmlns:p="http://schemas.openxmlformats.org/presentationml/2006/main">
+  <p:cSld>
+    <p:spTree>
+      <p:nvGrpSpPr>
+        <p:cNvPr id="1" name=""/>
+        <p:cNvGrpSpPr/>
+        <p:nvPr/>
+      </p:nvGrpSpPr>
+      <p:grpSpPr>
+        <a:xfrm>
+          <a:off x="0" y="0"/>
+          <a:ext cx="0" cy="0"/>
+          <a:chOff x="0" y="0"/>
+          <a:chExt cx="0" cy="0"/>
+        </a:xfrm>
+      </p:grpSpPr>
+      <p:sp>
+        <p:nvSpPr>
+          <p:cNvPr id="8" name="文本框 7">
+            <a:extLst>
+              <a:ext uri="{FF2B5EF4-FFF2-40B4-BE49-F238E27FC236}">
+                <a16:creationId xmlns:a16="http://schemas.microsoft.com/office/drawing/2014/main" id="{173B5B89-5235-4C07-99A2-AC5672E77337}"/>
+              </a:ext>
+            </a:extLst>
+          </p:cNvPr>
+          <p:cNvSpPr txBox="1"/>
+          <p:nvPr/>
+        </p:nvSpPr>
+        <p:spPr>
+          <a:xfrm>
+            <a:off x="215448" y="169110"/>
+            <a:ext cx="11169000" cy="769441"/>
+          </a:xfrm>
+          <a:prstGeom prst="rect">
+            <a:avLst/>
+          </a:prstGeom>
+          <a:noFill/>
+        </p:spPr>
+        <p:txBody>
+          <a:bodyPr wrap="square" rtlCol="0">
+            <a:spAutoFit/>
+          </a:bodyPr>
+          <a:lstStyle/>
+          <a:p>
+            <a:r>
+              <a:rPr lang="en-US" altLang="zh-CN" sz="4400" b="1" dirty="0">
+                <a:latin typeface="+mn-ea"/>
+              </a:rPr>
+              <a:t>Exercise 7.2: </a:t>
+            </a:r>
+            <a:r>
+              <a:rPr lang="zh-CN" altLang="en-US" sz="4400" b="1" dirty="0">
+                <a:latin typeface="+mn-ea"/>
+              </a:rPr>
+              <a:t>类的概念</a:t>
+            </a:r>
+          </a:p>
+        </p:txBody>
+      </p:sp>
+      <p:pic>
+        <p:nvPicPr>
+          <p:cNvPr id="3" name="图片 2">
+            <a:extLst>
+              <a:ext uri="{FF2B5EF4-FFF2-40B4-BE49-F238E27FC236}">
+                <a16:creationId xmlns:a16="http://schemas.microsoft.com/office/drawing/2014/main" id="{21E80804-831F-4223-B271-A0EA42A00A71}"/>
+              </a:ext>
+            </a:extLst>
+          </p:cNvPr>
+          <p:cNvPicPr>
+            <a:picLocks noChangeAspect="1"/>
+          </p:cNvPicPr>
+          <p:nvPr/>
+        </p:nvPicPr>
+        <p:blipFill>
+          <a:blip r:embed="rId3">
+            <a:extLst>
+              <a:ext uri="{28A0092B-C50C-407E-A947-70E740481C1C}">
+                <a14:useLocalDpi xmlns:a14="http://schemas.microsoft.com/office/drawing/2010/main" val="0"/>
+              </a:ext>
+            </a:extLst>
+          </a:blip>
+          <a:stretch>
+            <a:fillRect/>
+          </a:stretch>
+        </p:blipFill>
+        <p:spPr>
+          <a:xfrm>
+            <a:off x="430876" y="1363288"/>
+            <a:ext cx="2859578" cy="2859578"/>
+          </a:xfrm>
+          <a:prstGeom prst="rect">
+            <a:avLst/>
+          </a:prstGeom>
+        </p:spPr>
+      </p:pic>
+      <p:sp>
+        <p:nvSpPr>
+          <p:cNvPr id="5" name="文本框 4">
+            <a:extLst>
+              <a:ext uri="{FF2B5EF4-FFF2-40B4-BE49-F238E27FC236}">
+                <a16:creationId xmlns:a16="http://schemas.microsoft.com/office/drawing/2014/main" id="{BE99D4A4-96C5-48CE-8002-225839A17A33}"/>
+              </a:ext>
+            </a:extLst>
+          </p:cNvPr>
+          <p:cNvSpPr txBox="1"/>
+          <p:nvPr/>
+        </p:nvSpPr>
+        <p:spPr>
+          <a:xfrm>
+            <a:off x="4028167" y="1237269"/>
+            <a:ext cx="7511653" cy="3789627"/>
+          </a:xfrm>
+          <a:prstGeom prst="rect">
+            <a:avLst/>
+          </a:prstGeom>
+          <a:noFill/>
+        </p:spPr>
+        <p:txBody>
+          <a:bodyPr wrap="square">
+            <a:spAutoFit/>
+          </a:bodyPr>
+          <a:lstStyle/>
+          <a:p>
+            <a:pPr>
+              <a:lnSpc>
+                <a:spcPct val="150000"/>
+              </a:lnSpc>
+            </a:pPr>
+            <a:r>
+              <a:rPr lang="zh-CN" altLang="en-US" dirty="0"/>
+              <a:t>下面哪些论断是不正确的？为什么？</a:t>
+            </a:r>
+            <a:endParaRPr lang="en-US" altLang="zh-CN" dirty="0"/>
+          </a:p>
+          <a:p>
+            <a:pPr>
+              <a:lnSpc>
+                <a:spcPct val="150000"/>
+              </a:lnSpc>
+            </a:pPr>
+            <a:br>
+              <a:rPr lang="en-US" altLang="zh-CN" dirty="0"/>
+            </a:br>
+            <a:r>
+              <a:rPr lang="en-US" altLang="zh-CN" dirty="0"/>
+              <a:t>(a) </a:t>
+            </a:r>
+            <a:r>
+              <a:rPr lang="zh-CN" altLang="en-US" dirty="0"/>
+              <a:t>一个类必须至少提供一个构造函数。</a:t>
+            </a:r>
+          </a:p>
+          <a:p>
+            <a:pPr>
+              <a:lnSpc>
+                <a:spcPct val="150000"/>
+              </a:lnSpc>
+            </a:pPr>
+            <a:r>
+              <a:rPr lang="en-US" altLang="zh-CN" dirty="0"/>
+              <a:t>(b) </a:t>
+            </a:r>
+            <a:r>
+              <a:rPr lang="zh-CN" altLang="en-US" dirty="0"/>
+              <a:t>默认构造函数是参数列表为空的构造函数。</a:t>
+            </a:r>
+          </a:p>
+          <a:p>
+            <a:pPr>
+              <a:lnSpc>
+                <a:spcPct val="150000"/>
+              </a:lnSpc>
+            </a:pPr>
+            <a:r>
+              <a:rPr lang="en-US" altLang="zh-CN" dirty="0"/>
+              <a:t>(c) </a:t>
+            </a:r>
+            <a:r>
+              <a:rPr lang="zh-CN" altLang="en-US" dirty="0"/>
+              <a:t>如果对于类来说不存在有意义的默认值，则类不应该提供默认构造函数。</a:t>
+            </a:r>
+          </a:p>
+          <a:p>
+            <a:pPr>
+              <a:lnSpc>
+                <a:spcPct val="150000"/>
+              </a:lnSpc>
+            </a:pPr>
+            <a:r>
+              <a:rPr lang="en-US" altLang="zh-CN" dirty="0"/>
+              <a:t>(d) </a:t>
+            </a:r>
+            <a:r>
+              <a:rPr lang="zh-CN" altLang="en-US" dirty="0"/>
+              <a:t>如果类没有定义默认构造函数，则编译器将为其生成一个，并把每个数据成员初始化成相应类型的默认值。</a:t>
+            </a:r>
+            <a:br>
+              <a:rPr lang="en-US" altLang="zh-CN" dirty="0"/>
+            </a:br>
+            <a:endParaRPr lang="en-US" altLang="zh-CN" dirty="0">
+              <a:latin typeface="+mn-ea"/>
+            </a:endParaRPr>
+          </a:p>
+        </p:txBody>
+      </p:sp>
+    </p:spTree>
+    <p:extLst>
+      <p:ext uri="{BB962C8B-B14F-4D97-AF65-F5344CB8AC3E}">
+        <p14:creationId xmlns:p14="http://schemas.microsoft.com/office/powerpoint/2010/main" val="4214081773"/>
       </p:ext>
     </p:extLst>
   </p:cSld>

--- a/C++课件.pptx
+++ b/C++课件.pptx
@@ -232,7 +232,7 @@
           <a:p>
             <a:fld id="{C763DFBC-BC7B-44D2-9277-A1640CE38A00}" type="datetimeFigureOut">
               <a:rPr lang="zh-CN" altLang="en-US" smtClean="0"/>
-              <a:t>2024/1/21</a:t>
+              <a:t>2024/2/24</a:t>
             </a:fld>
             <a:endParaRPr lang="zh-CN" altLang="en-US"/>
           </a:p>
@@ -7922,7 +7922,7 @@
           <a:p>
             <a:fld id="{5A1740DE-654B-48BB-A6EB-4DD86D9E78E3}" type="datetimeFigureOut">
               <a:rPr lang="zh-CN" altLang="en-US" smtClean="0"/>
-              <a:t>2024/1/21</a:t>
+              <a:t>2024/2/24</a:t>
             </a:fld>
             <a:endParaRPr lang="zh-CN" altLang="en-US"/>
           </a:p>
@@ -8120,7 +8120,7 @@
           <a:p>
             <a:fld id="{5A1740DE-654B-48BB-A6EB-4DD86D9E78E3}" type="datetimeFigureOut">
               <a:rPr lang="zh-CN" altLang="en-US" smtClean="0"/>
-              <a:t>2024/1/21</a:t>
+              <a:t>2024/2/24</a:t>
             </a:fld>
             <a:endParaRPr lang="zh-CN" altLang="en-US"/>
           </a:p>
@@ -8328,7 +8328,7 @@
           <a:p>
             <a:fld id="{5A1740DE-654B-48BB-A6EB-4DD86D9E78E3}" type="datetimeFigureOut">
               <a:rPr lang="zh-CN" altLang="en-US" smtClean="0"/>
-              <a:t>2024/1/21</a:t>
+              <a:t>2024/2/24</a:t>
             </a:fld>
             <a:endParaRPr lang="zh-CN" altLang="en-US"/>
           </a:p>
@@ -8526,7 +8526,7 @@
           <a:p>
             <a:fld id="{5A1740DE-654B-48BB-A6EB-4DD86D9E78E3}" type="datetimeFigureOut">
               <a:rPr lang="zh-CN" altLang="en-US" smtClean="0"/>
-              <a:t>2024/1/21</a:t>
+              <a:t>2024/2/24</a:t>
             </a:fld>
             <a:endParaRPr lang="zh-CN" altLang="en-US"/>
           </a:p>
@@ -8801,7 +8801,7 @@
           <a:p>
             <a:fld id="{5A1740DE-654B-48BB-A6EB-4DD86D9E78E3}" type="datetimeFigureOut">
               <a:rPr lang="zh-CN" altLang="en-US" smtClean="0"/>
-              <a:t>2024/1/21</a:t>
+              <a:t>2024/2/24</a:t>
             </a:fld>
             <a:endParaRPr lang="zh-CN" altLang="en-US"/>
           </a:p>
@@ -9066,7 +9066,7 @@
           <a:p>
             <a:fld id="{5A1740DE-654B-48BB-A6EB-4DD86D9E78E3}" type="datetimeFigureOut">
               <a:rPr lang="zh-CN" altLang="en-US" smtClean="0"/>
-              <a:t>2024/1/21</a:t>
+              <a:t>2024/2/24</a:t>
             </a:fld>
             <a:endParaRPr lang="zh-CN" altLang="en-US"/>
           </a:p>
@@ -9478,7 +9478,7 @@
           <a:p>
             <a:fld id="{5A1740DE-654B-48BB-A6EB-4DD86D9E78E3}" type="datetimeFigureOut">
               <a:rPr lang="zh-CN" altLang="en-US" smtClean="0"/>
-              <a:t>2024/1/21</a:t>
+              <a:t>2024/2/24</a:t>
             </a:fld>
             <a:endParaRPr lang="zh-CN" altLang="en-US"/>
           </a:p>
@@ -9619,7 +9619,7 @@
           <a:p>
             <a:fld id="{5A1740DE-654B-48BB-A6EB-4DD86D9E78E3}" type="datetimeFigureOut">
               <a:rPr lang="zh-CN" altLang="en-US" smtClean="0"/>
-              <a:t>2024/1/21</a:t>
+              <a:t>2024/2/24</a:t>
             </a:fld>
             <a:endParaRPr lang="zh-CN" altLang="en-US"/>
           </a:p>
@@ -9732,7 +9732,7 @@
           <a:p>
             <a:fld id="{5A1740DE-654B-48BB-A6EB-4DD86D9E78E3}" type="datetimeFigureOut">
               <a:rPr lang="zh-CN" altLang="en-US" smtClean="0"/>
-              <a:t>2024/1/21</a:t>
+              <a:t>2024/2/24</a:t>
             </a:fld>
             <a:endParaRPr lang="zh-CN" altLang="en-US"/>
           </a:p>
@@ -10043,7 +10043,7 @@
           <a:p>
             <a:fld id="{5A1740DE-654B-48BB-A6EB-4DD86D9E78E3}" type="datetimeFigureOut">
               <a:rPr lang="zh-CN" altLang="en-US" smtClean="0"/>
-              <a:t>2024/1/21</a:t>
+              <a:t>2024/2/24</a:t>
             </a:fld>
             <a:endParaRPr lang="zh-CN" altLang="en-US"/>
           </a:p>
@@ -10331,7 +10331,7 @@
           <a:p>
             <a:fld id="{5A1740DE-654B-48BB-A6EB-4DD86D9E78E3}" type="datetimeFigureOut">
               <a:rPr lang="zh-CN" altLang="en-US" smtClean="0"/>
-              <a:t>2024/1/21</a:t>
+              <a:t>2024/2/24</a:t>
             </a:fld>
             <a:endParaRPr lang="zh-CN" altLang="en-US"/>
           </a:p>
@@ -10572,7 +10572,7 @@
           <a:p>
             <a:fld id="{5A1740DE-654B-48BB-A6EB-4DD86D9E78E3}" type="datetimeFigureOut">
               <a:rPr lang="zh-CN" altLang="en-US" smtClean="0"/>
-              <a:t>2024/1/21</a:t>
+              <a:t>2024/2/24</a:t>
             </a:fld>
             <a:endParaRPr lang="zh-CN" altLang="en-US"/>
           </a:p>
@@ -12548,7 +12548,7 @@
         <p:spPr>
           <a:xfrm>
             <a:off x="4175522" y="2255829"/>
-            <a:ext cx="7511653" cy="1494576"/>
+            <a:ext cx="7511653" cy="2971904"/>
           </a:xfrm>
           <a:prstGeom prst="rect">
             <a:avLst/>
@@ -12572,6 +12572,51 @@
                 <a:latin typeface="-apple-system"/>
               </a:rPr>
               <a:t>编写一段程序从标准输入中一次读入一行，然后修改该程序使其一次读入一个词。</a:t>
+            </a:r>
+            <a:endParaRPr lang="en-US" altLang="zh-CN" sz="3200" b="0" i="0" dirty="0">
+              <a:effectLst/>
+              <a:latin typeface="-apple-system"/>
+            </a:endParaRPr>
+          </a:p>
+          <a:p>
+            <a:pPr>
+              <a:lnSpc>
+                <a:spcPct val="150000"/>
+              </a:lnSpc>
+            </a:pPr>
+            <a:endParaRPr lang="en-US" altLang="zh-CN" sz="3200" dirty="0">
+              <a:latin typeface="-apple-system"/>
+            </a:endParaRPr>
+          </a:p>
+          <a:p>
+            <a:pPr>
+              <a:lnSpc>
+                <a:spcPct val="150000"/>
+              </a:lnSpc>
+            </a:pPr>
+            <a:r>
+              <a:rPr lang="zh-CN" altLang="en-US" sz="3200" dirty="0">
+                <a:latin typeface="-apple-system"/>
+              </a:rPr>
+              <a:t>然后通过</a:t>
+            </a:r>
+            <a:r>
+              <a:rPr lang="en-US" altLang="zh-CN" sz="3200" dirty="0">
+                <a:latin typeface="-apple-system"/>
+              </a:rPr>
+              <a:t>for</a:t>
+            </a:r>
+            <a:r>
+              <a:rPr lang="zh-CN" altLang="en-US" sz="3200" dirty="0">
+                <a:latin typeface="-apple-system"/>
+              </a:rPr>
+              <a:t>循环，打印每个字符</a:t>
+            </a:r>
+            <a:r>
+              <a:rPr lang="en-US" altLang="zh-CN" sz="3200">
+                <a:latin typeface="-apple-system"/>
+              </a:rPr>
+              <a:t>’H’</a:t>
             </a:r>
             <a:endParaRPr lang="zh-CN" altLang="en-US" sz="3200" dirty="0"/>
           </a:p>
